--- a/soutenances/projet_decembre/soutenance_projet_decembre.pptx
+++ b/soutenances/projet_decembre/soutenance_projet_decembre.pptx
@@ -4,9 +4,39 @@
   <p:sldMasterIdLst>
     <p:sldMasterId id="2147483654" r:id="rId1"/>
   </p:sldMasterIdLst>
+  <p:notesMasterIdLst>
+    <p:notesMasterId r:id="rId31"/>
+  </p:notesMasterIdLst>
   <p:sldIdLst>
-    <p:sldId id="256" r:id="rId2"/>
-    <p:sldId id="257" r:id="rId3"/>
+    <p:sldId id="261" r:id="rId2"/>
+    <p:sldId id="263" r:id="rId3"/>
+    <p:sldId id="260" r:id="rId4"/>
+    <p:sldId id="262" r:id="rId5"/>
+    <p:sldId id="264" r:id="rId6"/>
+    <p:sldId id="265" r:id="rId7"/>
+    <p:sldId id="266" r:id="rId8"/>
+    <p:sldId id="267" r:id="rId9"/>
+    <p:sldId id="268" r:id="rId10"/>
+    <p:sldId id="269" r:id="rId11"/>
+    <p:sldId id="270" r:id="rId12"/>
+    <p:sldId id="271" r:id="rId13"/>
+    <p:sldId id="272" r:id="rId14"/>
+    <p:sldId id="273" r:id="rId15"/>
+    <p:sldId id="274" r:id="rId16"/>
+    <p:sldId id="275" r:id="rId17"/>
+    <p:sldId id="276" r:id="rId18"/>
+    <p:sldId id="277" r:id="rId19"/>
+    <p:sldId id="278" r:id="rId20"/>
+    <p:sldId id="279" r:id="rId21"/>
+    <p:sldId id="280" r:id="rId22"/>
+    <p:sldId id="281" r:id="rId23"/>
+    <p:sldId id="282" r:id="rId24"/>
+    <p:sldId id="283" r:id="rId25"/>
+    <p:sldId id="284" r:id="rId26"/>
+    <p:sldId id="285" r:id="rId27"/>
+    <p:sldId id="286" r:id="rId28"/>
+    <p:sldId id="288" r:id="rId29"/>
+    <p:sldId id="289" r:id="rId30"/>
   </p:sldIdLst>
   <p:sldSz cx="9144000" cy="6858000" type="screen4x3"/>
   <p:notesSz cx="6858000" cy="9144000"/>
@@ -107,16 +137,1476 @@
   </p:defaultTextStyle>
   <p:extLst>
     <p:ext uri="{521415D9-36F7-43E2-AB2F-B90AF26B5E84}">
-      <p14:sectionLst xmlns:p14="http://schemas.microsoft.com/office/powerpoint/2010/main" xmlns="">
+      <p14:sectionLst xmlns:p14="http://schemas.microsoft.com/office/powerpoint/2010/main">
         <p14:section name="Modèles INSA" id="{339B715A-A4F6-482F-9E8F-E995A152AF53}">
           <p14:sldIdLst>
-            <p14:sldId id="256"/>
+            <p14:sldId id="261"/>
+            <p14:sldId id="263"/>
+            <p14:sldId id="260"/>
+            <p14:sldId id="262"/>
+            <p14:sldId id="264"/>
+            <p14:sldId id="265"/>
+            <p14:sldId id="266"/>
+            <p14:sldId id="267"/>
+            <p14:sldId id="268"/>
+            <p14:sldId id="269"/>
+            <p14:sldId id="270"/>
+            <p14:sldId id="271"/>
+            <p14:sldId id="272"/>
+            <p14:sldId id="273"/>
+            <p14:sldId id="274"/>
+            <p14:sldId id="275"/>
+            <p14:sldId id="276"/>
+            <p14:sldId id="277"/>
+            <p14:sldId id="278"/>
+            <p14:sldId id="279"/>
+            <p14:sldId id="280"/>
+            <p14:sldId id="281"/>
+            <p14:sldId id="282"/>
+            <p14:sldId id="283"/>
+            <p14:sldId id="284"/>
+            <p14:sldId id="285"/>
+            <p14:sldId id="286"/>
+            <p14:sldId id="288"/>
+            <p14:sldId id="289"/>
           </p14:sldIdLst>
         </p14:section>
       </p14:sectionLst>
     </p:ext>
   </p:extLst>
 </p:presentation>
+</file>
+
+<file path=ppt/notesMasters/notesMaster1.xml><?xml version="1.0" encoding="utf-8"?>
+<p:notesMaster xmlns:a="http://schemas.openxmlformats.org/drawingml/2006/main" xmlns:r="http://schemas.openxmlformats.org/officeDocument/2006/relationships" xmlns:p="http://schemas.openxmlformats.org/presentationml/2006/main">
+  <p:cSld>
+    <p:bg>
+      <p:bgRef idx="1001">
+        <a:schemeClr val="bg1"/>
+      </p:bgRef>
+    </p:bg>
+    <p:spTree>
+      <p:nvGrpSpPr>
+        <p:cNvPr id="1" name=""/>
+        <p:cNvGrpSpPr/>
+        <p:nvPr/>
+      </p:nvGrpSpPr>
+      <p:grpSpPr>
+        <a:xfrm>
+          <a:off x="0" y="0"/>
+          <a:ext cx="0" cy="0"/>
+          <a:chOff x="0" y="0"/>
+          <a:chExt cx="0" cy="0"/>
+        </a:xfrm>
+      </p:grpSpPr>
+      <p:sp>
+        <p:nvSpPr>
+          <p:cNvPr id="2" name="Espace réservé de l'en-tête 1"/>
+          <p:cNvSpPr>
+            <a:spLocks noGrp="1"/>
+          </p:cNvSpPr>
+          <p:nvPr>
+            <p:ph type="hdr" sz="quarter"/>
+          </p:nvPr>
+        </p:nvSpPr>
+        <p:spPr>
+          <a:xfrm>
+            <a:off x="0" y="0"/>
+            <a:ext cx="2971800" cy="457200"/>
+          </a:xfrm>
+          <a:prstGeom prst="rect">
+            <a:avLst/>
+          </a:prstGeom>
+        </p:spPr>
+        <p:txBody>
+          <a:bodyPr vert="horz" lIns="91440" tIns="45720" rIns="91440" bIns="45720" rtlCol="0"/>
+          <a:lstStyle>
+            <a:lvl1pPr algn="l">
+              <a:defRPr sz="1200"/>
+            </a:lvl1pPr>
+          </a:lstStyle>
+          <a:p>
+            <a:endParaRPr lang="fr-FR"/>
+          </a:p>
+        </p:txBody>
+      </p:sp>
+      <p:sp>
+        <p:nvSpPr>
+          <p:cNvPr id="3" name="Espace réservé de la date 2"/>
+          <p:cNvSpPr>
+            <a:spLocks noGrp="1"/>
+          </p:cNvSpPr>
+          <p:nvPr>
+            <p:ph type="dt" idx="1"/>
+          </p:nvPr>
+        </p:nvSpPr>
+        <p:spPr>
+          <a:xfrm>
+            <a:off x="3884613" y="0"/>
+            <a:ext cx="2971800" cy="457200"/>
+          </a:xfrm>
+          <a:prstGeom prst="rect">
+            <a:avLst/>
+          </a:prstGeom>
+        </p:spPr>
+        <p:txBody>
+          <a:bodyPr vert="horz" lIns="91440" tIns="45720" rIns="91440" bIns="45720" rtlCol="0"/>
+          <a:lstStyle>
+            <a:lvl1pPr algn="r">
+              <a:defRPr sz="1200"/>
+            </a:lvl1pPr>
+          </a:lstStyle>
+          <a:p>
+            <a:fld id="{63971E1F-7B1D-43D7-A338-A6C5FB8F6681}" type="datetimeFigureOut">
+              <a:rPr lang="fr-FR" smtClean="0"/>
+              <a:pPr/>
+              <a:t>15/12/2014</a:t>
+            </a:fld>
+            <a:endParaRPr lang="fr-FR"/>
+          </a:p>
+        </p:txBody>
+      </p:sp>
+      <p:sp>
+        <p:nvSpPr>
+          <p:cNvPr id="4" name="Espace réservé de l'image des diapositives 3"/>
+          <p:cNvSpPr>
+            <a:spLocks noGrp="1" noRot="1" noChangeAspect="1"/>
+          </p:cNvSpPr>
+          <p:nvPr>
+            <p:ph type="sldImg" idx="2"/>
+          </p:nvPr>
+        </p:nvSpPr>
+        <p:spPr>
+          <a:xfrm>
+            <a:off x="1143000" y="685800"/>
+            <a:ext cx="4572000" cy="3429000"/>
+          </a:xfrm>
+          <a:prstGeom prst="rect">
+            <a:avLst/>
+          </a:prstGeom>
+          <a:noFill/>
+          <a:ln w="12700">
+            <a:solidFill>
+              <a:prstClr val="black"/>
+            </a:solidFill>
+          </a:ln>
+        </p:spPr>
+        <p:txBody>
+          <a:bodyPr vert="horz" lIns="91440" tIns="45720" rIns="91440" bIns="45720" rtlCol="0" anchor="ctr"/>
+          <a:lstStyle/>
+          <a:p>
+            <a:endParaRPr lang="fr-FR"/>
+          </a:p>
+        </p:txBody>
+      </p:sp>
+      <p:sp>
+        <p:nvSpPr>
+          <p:cNvPr id="5" name="Espace réservé des commentaires 4"/>
+          <p:cNvSpPr>
+            <a:spLocks noGrp="1"/>
+          </p:cNvSpPr>
+          <p:nvPr>
+            <p:ph type="body" sz="quarter" idx="3"/>
+          </p:nvPr>
+        </p:nvSpPr>
+        <p:spPr>
+          <a:xfrm>
+            <a:off x="685800" y="4343400"/>
+            <a:ext cx="5486400" cy="4114800"/>
+          </a:xfrm>
+          <a:prstGeom prst="rect">
+            <a:avLst/>
+          </a:prstGeom>
+        </p:spPr>
+        <p:txBody>
+          <a:bodyPr vert="horz" lIns="91440" tIns="45720" rIns="91440" bIns="45720" rtlCol="0">
+            <a:normAutofit/>
+          </a:bodyPr>
+          <a:lstStyle/>
+          <a:p>
+            <a:pPr lvl="0"/>
+            <a:r>
+              <a:rPr lang="fr-FR" smtClean="0"/>
+              <a:t>Cliquez pour modifier les styles du texte du masque</a:t>
+            </a:r>
+          </a:p>
+          <a:p>
+            <a:pPr lvl="1"/>
+            <a:r>
+              <a:rPr lang="fr-FR" smtClean="0"/>
+              <a:t>Deuxième niveau</a:t>
+            </a:r>
+          </a:p>
+          <a:p>
+            <a:pPr lvl="2"/>
+            <a:r>
+              <a:rPr lang="fr-FR" smtClean="0"/>
+              <a:t>Troisième niveau</a:t>
+            </a:r>
+          </a:p>
+          <a:p>
+            <a:pPr lvl="3"/>
+            <a:r>
+              <a:rPr lang="fr-FR" smtClean="0"/>
+              <a:t>Quatrième niveau</a:t>
+            </a:r>
+          </a:p>
+          <a:p>
+            <a:pPr lvl="4"/>
+            <a:r>
+              <a:rPr lang="fr-FR" smtClean="0"/>
+              <a:t>Cinquième niveau</a:t>
+            </a:r>
+            <a:endParaRPr lang="fr-FR"/>
+          </a:p>
+        </p:txBody>
+      </p:sp>
+      <p:sp>
+        <p:nvSpPr>
+          <p:cNvPr id="6" name="Espace réservé du pied de page 5"/>
+          <p:cNvSpPr>
+            <a:spLocks noGrp="1"/>
+          </p:cNvSpPr>
+          <p:nvPr>
+            <p:ph type="ftr" sz="quarter" idx="4"/>
+          </p:nvPr>
+        </p:nvSpPr>
+        <p:spPr>
+          <a:xfrm>
+            <a:off x="0" y="8685213"/>
+            <a:ext cx="2971800" cy="457200"/>
+          </a:xfrm>
+          <a:prstGeom prst="rect">
+            <a:avLst/>
+          </a:prstGeom>
+        </p:spPr>
+        <p:txBody>
+          <a:bodyPr vert="horz" lIns="91440" tIns="45720" rIns="91440" bIns="45720" rtlCol="0" anchor="b"/>
+          <a:lstStyle>
+            <a:lvl1pPr algn="l">
+              <a:defRPr sz="1200"/>
+            </a:lvl1pPr>
+          </a:lstStyle>
+          <a:p>
+            <a:endParaRPr lang="fr-FR"/>
+          </a:p>
+        </p:txBody>
+      </p:sp>
+      <p:sp>
+        <p:nvSpPr>
+          <p:cNvPr id="7" name="Espace réservé du numéro de diapositive 6"/>
+          <p:cNvSpPr>
+            <a:spLocks noGrp="1"/>
+          </p:cNvSpPr>
+          <p:nvPr>
+            <p:ph type="sldNum" sz="quarter" idx="5"/>
+          </p:nvPr>
+        </p:nvSpPr>
+        <p:spPr>
+          <a:xfrm>
+            <a:off x="3884613" y="8685213"/>
+            <a:ext cx="2971800" cy="457200"/>
+          </a:xfrm>
+          <a:prstGeom prst="rect">
+            <a:avLst/>
+          </a:prstGeom>
+        </p:spPr>
+        <p:txBody>
+          <a:bodyPr vert="horz" lIns="91440" tIns="45720" rIns="91440" bIns="45720" rtlCol="0" anchor="b"/>
+          <a:lstStyle>
+            <a:lvl1pPr algn="r">
+              <a:defRPr sz="1200"/>
+            </a:lvl1pPr>
+          </a:lstStyle>
+          <a:p>
+            <a:fld id="{7DDCF73A-A167-4C23-969D-BB6EE6B805CD}" type="slidenum">
+              <a:rPr lang="fr-FR" smtClean="0"/>
+              <a:pPr/>
+              <a:t>‹N°›</a:t>
+            </a:fld>
+            <a:endParaRPr lang="fr-FR"/>
+          </a:p>
+        </p:txBody>
+      </p:sp>
+    </p:spTree>
+    <p:extLst>
+      <p:ext uri="{BB962C8B-B14F-4D97-AF65-F5344CB8AC3E}">
+        <p14:creationId xmlns:p14="http://schemas.microsoft.com/office/powerpoint/2010/main" val="937745426"/>
+      </p:ext>
+    </p:extLst>
+  </p:cSld>
+  <p:clrMap bg1="lt1" tx1="dk1" bg2="lt2" tx2="dk2" accent1="accent1" accent2="accent2" accent3="accent3" accent4="accent4" accent5="accent5" accent6="accent6" hlink="hlink" folHlink="folHlink"/>
+  <p:notesStyle>
+    <a:lvl1pPr marL="0" algn="l" defTabSz="914400" rtl="0" eaLnBrk="1" latinLnBrk="0" hangingPunct="1">
+      <a:defRPr sz="1200" kern="1200">
+        <a:solidFill>
+          <a:schemeClr val="tx1"/>
+        </a:solidFill>
+        <a:latin typeface="+mn-lt"/>
+        <a:ea typeface="+mn-ea"/>
+        <a:cs typeface="+mn-cs"/>
+      </a:defRPr>
+    </a:lvl1pPr>
+    <a:lvl2pPr marL="457200" algn="l" defTabSz="914400" rtl="0" eaLnBrk="1" latinLnBrk="0" hangingPunct="1">
+      <a:defRPr sz="1200" kern="1200">
+        <a:solidFill>
+          <a:schemeClr val="tx1"/>
+        </a:solidFill>
+        <a:latin typeface="+mn-lt"/>
+        <a:ea typeface="+mn-ea"/>
+        <a:cs typeface="+mn-cs"/>
+      </a:defRPr>
+    </a:lvl2pPr>
+    <a:lvl3pPr marL="914400" algn="l" defTabSz="914400" rtl="0" eaLnBrk="1" latinLnBrk="0" hangingPunct="1">
+      <a:defRPr sz="1200" kern="1200">
+        <a:solidFill>
+          <a:schemeClr val="tx1"/>
+        </a:solidFill>
+        <a:latin typeface="+mn-lt"/>
+        <a:ea typeface="+mn-ea"/>
+        <a:cs typeface="+mn-cs"/>
+      </a:defRPr>
+    </a:lvl3pPr>
+    <a:lvl4pPr marL="1371600" algn="l" defTabSz="914400" rtl="0" eaLnBrk="1" latinLnBrk="0" hangingPunct="1">
+      <a:defRPr sz="1200" kern="1200">
+        <a:solidFill>
+          <a:schemeClr val="tx1"/>
+        </a:solidFill>
+        <a:latin typeface="+mn-lt"/>
+        <a:ea typeface="+mn-ea"/>
+        <a:cs typeface="+mn-cs"/>
+      </a:defRPr>
+    </a:lvl4pPr>
+    <a:lvl5pPr marL="1828800" algn="l" defTabSz="914400" rtl="0" eaLnBrk="1" latinLnBrk="0" hangingPunct="1">
+      <a:defRPr sz="1200" kern="1200">
+        <a:solidFill>
+          <a:schemeClr val="tx1"/>
+        </a:solidFill>
+        <a:latin typeface="+mn-lt"/>
+        <a:ea typeface="+mn-ea"/>
+        <a:cs typeface="+mn-cs"/>
+      </a:defRPr>
+    </a:lvl5pPr>
+    <a:lvl6pPr marL="2286000" algn="l" defTabSz="914400" rtl="0" eaLnBrk="1" latinLnBrk="0" hangingPunct="1">
+      <a:defRPr sz="1200" kern="1200">
+        <a:solidFill>
+          <a:schemeClr val="tx1"/>
+        </a:solidFill>
+        <a:latin typeface="+mn-lt"/>
+        <a:ea typeface="+mn-ea"/>
+        <a:cs typeface="+mn-cs"/>
+      </a:defRPr>
+    </a:lvl6pPr>
+    <a:lvl7pPr marL="2743200" algn="l" defTabSz="914400" rtl="0" eaLnBrk="1" latinLnBrk="0" hangingPunct="1">
+      <a:defRPr sz="1200" kern="1200">
+        <a:solidFill>
+          <a:schemeClr val="tx1"/>
+        </a:solidFill>
+        <a:latin typeface="+mn-lt"/>
+        <a:ea typeface="+mn-ea"/>
+        <a:cs typeface="+mn-cs"/>
+      </a:defRPr>
+    </a:lvl7pPr>
+    <a:lvl8pPr marL="3200400" algn="l" defTabSz="914400" rtl="0" eaLnBrk="1" latinLnBrk="0" hangingPunct="1">
+      <a:defRPr sz="1200" kern="1200">
+        <a:solidFill>
+          <a:schemeClr val="tx1"/>
+        </a:solidFill>
+        <a:latin typeface="+mn-lt"/>
+        <a:ea typeface="+mn-ea"/>
+        <a:cs typeface="+mn-cs"/>
+      </a:defRPr>
+    </a:lvl8pPr>
+    <a:lvl9pPr marL="3657600" algn="l" defTabSz="914400" rtl="0" eaLnBrk="1" latinLnBrk="0" hangingPunct="1">
+      <a:defRPr sz="1200" kern="1200">
+        <a:solidFill>
+          <a:schemeClr val="tx1"/>
+        </a:solidFill>
+        <a:latin typeface="+mn-lt"/>
+        <a:ea typeface="+mn-ea"/>
+        <a:cs typeface="+mn-cs"/>
+      </a:defRPr>
+    </a:lvl9pPr>
+  </p:notesStyle>
+</p:notesMaster>
+</file>
+
+<file path=ppt/notesSlides/notesSlide1.xml><?xml version="1.0" encoding="utf-8"?>
+<p:notes xmlns:a="http://schemas.openxmlformats.org/drawingml/2006/main" xmlns:r="http://schemas.openxmlformats.org/officeDocument/2006/relationships" xmlns:p="http://schemas.openxmlformats.org/presentationml/2006/main">
+  <p:cSld>
+    <p:spTree>
+      <p:nvGrpSpPr>
+        <p:cNvPr id="1" name=""/>
+        <p:cNvGrpSpPr/>
+        <p:nvPr/>
+      </p:nvGrpSpPr>
+      <p:grpSpPr>
+        <a:xfrm>
+          <a:off x="0" y="0"/>
+          <a:ext cx="0" cy="0"/>
+          <a:chOff x="0" y="0"/>
+          <a:chExt cx="0" cy="0"/>
+        </a:xfrm>
+      </p:grpSpPr>
+      <p:sp>
+        <p:nvSpPr>
+          <p:cNvPr id="2" name="Espace réservé de l'image des diapositives 1"/>
+          <p:cNvSpPr>
+            <a:spLocks noGrp="1" noRot="1" noChangeAspect="1"/>
+          </p:cNvSpPr>
+          <p:nvPr>
+            <p:ph type="sldImg"/>
+          </p:nvPr>
+        </p:nvSpPr>
+        <p:spPr/>
+      </p:sp>
+      <p:sp>
+        <p:nvSpPr>
+          <p:cNvPr id="3" name="Espace réservé des commentaires 2"/>
+          <p:cNvSpPr>
+            <a:spLocks noGrp="1"/>
+          </p:cNvSpPr>
+          <p:nvPr>
+            <p:ph type="body" idx="1"/>
+          </p:nvPr>
+        </p:nvSpPr>
+        <p:spPr/>
+        <p:txBody>
+          <a:bodyPr>
+            <a:normAutofit/>
+          </a:bodyPr>
+          <a:lstStyle/>
+          <a:p>
+            <a:r>
+              <a:rPr lang="fr-FR" baseline="0" smtClean="0"/>
+              <a:t>Bonjour merci d’être venus si nombreux…</a:t>
+            </a:r>
+          </a:p>
+          <a:p>
+            <a:r>
+              <a:rPr lang="fr-FR" baseline="0" smtClean="0"/>
+              <a:t>Notre sujet va porter sur l’analyse de sécurité d’un système que vous devez probablement tous connaitre : le Service de Transport de l’Agglo Rennaise (STAR).</a:t>
+            </a:r>
+          </a:p>
+          <a:p>
+            <a:r>
+              <a:rPr lang="fr-FR" baseline="0" smtClean="0"/>
+              <a:t>Pour commencer, le STAR, c’est quand même un service plutôt important.</a:t>
+            </a:r>
+          </a:p>
+        </p:txBody>
+      </p:sp>
+      <p:sp>
+        <p:nvSpPr>
+          <p:cNvPr id="4" name="Espace réservé du numéro de diapositive 3"/>
+          <p:cNvSpPr>
+            <a:spLocks noGrp="1"/>
+          </p:cNvSpPr>
+          <p:nvPr>
+            <p:ph type="sldNum" sz="quarter" idx="10"/>
+          </p:nvPr>
+        </p:nvSpPr>
+        <p:spPr/>
+        <p:txBody>
+          <a:bodyPr/>
+          <a:lstStyle/>
+          <a:p>
+            <a:fld id="{7DDCF73A-A167-4C23-969D-BB6EE6B805CD}" type="slidenum">
+              <a:rPr lang="fr-FR" smtClean="0"/>
+              <a:pPr/>
+              <a:t>1</a:t>
+            </a:fld>
+            <a:endParaRPr lang="fr-FR"/>
+          </a:p>
+        </p:txBody>
+      </p:sp>
+    </p:spTree>
+  </p:cSld>
+  <p:clrMapOvr>
+    <a:masterClrMapping/>
+  </p:clrMapOvr>
+</p:notes>
+</file>
+
+<file path=ppt/notesSlides/notesSlide10.xml><?xml version="1.0" encoding="utf-8"?>
+<p:notes xmlns:a="http://schemas.openxmlformats.org/drawingml/2006/main" xmlns:r="http://schemas.openxmlformats.org/officeDocument/2006/relationships" xmlns:p="http://schemas.openxmlformats.org/presentationml/2006/main">
+  <p:cSld>
+    <p:spTree>
+      <p:nvGrpSpPr>
+        <p:cNvPr id="1" name=""/>
+        <p:cNvGrpSpPr/>
+        <p:nvPr/>
+      </p:nvGrpSpPr>
+      <p:grpSpPr>
+        <a:xfrm>
+          <a:off x="0" y="0"/>
+          <a:ext cx="0" cy="0"/>
+          <a:chOff x="0" y="0"/>
+          <a:chExt cx="0" cy="0"/>
+        </a:xfrm>
+      </p:grpSpPr>
+      <p:sp>
+        <p:nvSpPr>
+          <p:cNvPr id="111" name="PlaceHolder 1"/>
+          <p:cNvSpPr>
+            <a:spLocks noGrp="1"/>
+          </p:cNvSpPr>
+          <p:nvPr>
+            <p:ph type="body"/>
+          </p:nvPr>
+        </p:nvSpPr>
+        <p:spPr>
+          <a:xfrm>
+            <a:off x="685830" y="4343322"/>
+            <a:ext cx="5486309" cy="4114564"/>
+          </a:xfrm>
+          <a:prstGeom prst="rect">
+            <a:avLst/>
+          </a:prstGeom>
+        </p:spPr>
+        <p:txBody>
+          <a:bodyPr lIns="0" tIns="0" rIns="0" bIns="0"/>
+          <a:lstStyle/>
+          <a:p>
+            <a:r>
+              <a:rPr lang="fr-FR" sz="1800">
+                <a:latin typeface="Arial"/>
+              </a:rPr>
+              <a:t>Possibilité de valuer les arbres : parler des param de base</a:t>
+            </a:r>
+            <a:endParaRPr/>
+          </a:p>
+          <a:p>
+            <a:endParaRPr/>
+          </a:p>
+          <a:p>
+            <a:r>
+              <a:rPr lang="fr-FR" sz="1800">
+                <a:latin typeface="Arial"/>
+              </a:rPr>
+              <a:t>Pb : </a:t>
+            </a:r>
+            <a:endParaRPr/>
+          </a:p>
+          <a:p>
+            <a:endParaRPr/>
+          </a:p>
+          <a:p>
+            <a:r>
+              <a:rPr lang="fr-FR" sz="1800">
+                <a:latin typeface="Arial"/>
+              </a:rPr>
+              <a:t>- un seul param à la fois</a:t>
+            </a:r>
+            <a:endParaRPr/>
+          </a:p>
+          <a:p>
+            <a:r>
+              <a:rPr lang="fr-FR" sz="1800">
+                <a:latin typeface="Arial"/>
+              </a:rPr>
+              <a:t>- pas d'exploitation possible</a:t>
+            </a:r>
+            <a:endParaRPr/>
+          </a:p>
+        </p:txBody>
+      </p:sp>
+    </p:spTree>
+  </p:cSld>
+  <p:clrMapOvr>
+    <a:masterClrMapping/>
+  </p:clrMapOvr>
+</p:notes>
+</file>
+
+<file path=ppt/notesSlides/notesSlide11.xml><?xml version="1.0" encoding="utf-8"?>
+<p:notes xmlns:a="http://schemas.openxmlformats.org/drawingml/2006/main" xmlns:r="http://schemas.openxmlformats.org/officeDocument/2006/relationships" xmlns:p="http://schemas.openxmlformats.org/presentationml/2006/main">
+  <p:cSld>
+    <p:spTree>
+      <p:nvGrpSpPr>
+        <p:cNvPr id="1" name=""/>
+        <p:cNvGrpSpPr/>
+        <p:nvPr/>
+      </p:nvGrpSpPr>
+      <p:grpSpPr>
+        <a:xfrm>
+          <a:off x="0" y="0"/>
+          <a:ext cx="0" cy="0"/>
+          <a:chOff x="0" y="0"/>
+          <a:chExt cx="0" cy="0"/>
+        </a:xfrm>
+      </p:grpSpPr>
+      <p:sp>
+        <p:nvSpPr>
+          <p:cNvPr id="2" name="Espace réservé de l'image des diapositives 1"/>
+          <p:cNvSpPr>
+            <a:spLocks noGrp="1" noRot="1" noChangeAspect="1"/>
+          </p:cNvSpPr>
+          <p:nvPr>
+            <p:ph type="sldImg"/>
+          </p:nvPr>
+        </p:nvSpPr>
+        <p:spPr/>
+      </p:sp>
+      <p:sp>
+        <p:nvSpPr>
+          <p:cNvPr id="3" name="Espace réservé des commentaires 2"/>
+          <p:cNvSpPr>
+            <a:spLocks noGrp="1"/>
+          </p:cNvSpPr>
+          <p:nvPr>
+            <p:ph type="body" idx="1"/>
+          </p:nvPr>
+        </p:nvSpPr>
+        <p:spPr/>
+        <p:txBody>
+          <a:bodyPr/>
+          <a:lstStyle/>
+          <a:p>
+            <a:endParaRPr lang="fr-FR" dirty="0"/>
+          </a:p>
+        </p:txBody>
+      </p:sp>
+      <p:sp>
+        <p:nvSpPr>
+          <p:cNvPr id="4" name="Espace réservé du numéro de diapositive 3"/>
+          <p:cNvSpPr>
+            <a:spLocks noGrp="1"/>
+          </p:cNvSpPr>
+          <p:nvPr>
+            <p:ph type="sldNum" sz="quarter" idx="10"/>
+          </p:nvPr>
+        </p:nvSpPr>
+        <p:spPr/>
+        <p:txBody>
+          <a:bodyPr/>
+          <a:lstStyle/>
+          <a:p>
+            <a:fld id="{AB9270AC-FE6D-4237-9CBB-95A5B25BC716}" type="slidenum">
+              <a:rPr lang="fr-FR" smtClean="0"/>
+              <a:t>21</a:t>
+            </a:fld>
+            <a:endParaRPr lang="fr-FR"/>
+          </a:p>
+        </p:txBody>
+      </p:sp>
+    </p:spTree>
+    <p:extLst>
+      <p:ext uri="{BB962C8B-B14F-4D97-AF65-F5344CB8AC3E}">
+        <p14:creationId xmlns:p14="http://schemas.microsoft.com/office/powerpoint/2010/main" val="3305065583"/>
+      </p:ext>
+    </p:extLst>
+  </p:cSld>
+  <p:clrMapOvr>
+    <a:masterClrMapping/>
+  </p:clrMapOvr>
+</p:notes>
+</file>
+
+<file path=ppt/notesSlides/notesSlide12.xml><?xml version="1.0" encoding="utf-8"?>
+<p:notes xmlns:a="http://schemas.openxmlformats.org/drawingml/2006/main" xmlns:r="http://schemas.openxmlformats.org/officeDocument/2006/relationships" xmlns:p="http://schemas.openxmlformats.org/presentationml/2006/main">
+  <p:cSld>
+    <p:spTree>
+      <p:nvGrpSpPr>
+        <p:cNvPr id="1" name=""/>
+        <p:cNvGrpSpPr/>
+        <p:nvPr/>
+      </p:nvGrpSpPr>
+      <p:grpSpPr>
+        <a:xfrm>
+          <a:off x="0" y="0"/>
+          <a:ext cx="0" cy="0"/>
+          <a:chOff x="0" y="0"/>
+          <a:chExt cx="0" cy="0"/>
+        </a:xfrm>
+      </p:grpSpPr>
+      <p:sp>
+        <p:nvSpPr>
+          <p:cNvPr id="2" name="Espace réservé de l'image des diapositives 1"/>
+          <p:cNvSpPr>
+            <a:spLocks noGrp="1" noRot="1" noChangeAspect="1"/>
+          </p:cNvSpPr>
+          <p:nvPr>
+            <p:ph type="sldImg"/>
+          </p:nvPr>
+        </p:nvSpPr>
+        <p:spPr/>
+      </p:sp>
+      <p:sp>
+        <p:nvSpPr>
+          <p:cNvPr id="3" name="Espace réservé des commentaires 2"/>
+          <p:cNvSpPr>
+            <a:spLocks noGrp="1"/>
+          </p:cNvSpPr>
+          <p:nvPr>
+            <p:ph type="body" idx="1"/>
+          </p:nvPr>
+        </p:nvSpPr>
+        <p:spPr/>
+        <p:txBody>
+          <a:bodyPr/>
+          <a:lstStyle/>
+          <a:p>
+            <a:endParaRPr lang="fr-FR" dirty="0"/>
+          </a:p>
+        </p:txBody>
+      </p:sp>
+      <p:sp>
+        <p:nvSpPr>
+          <p:cNvPr id="4" name="Espace réservé du numéro de diapositive 3"/>
+          <p:cNvSpPr>
+            <a:spLocks noGrp="1"/>
+          </p:cNvSpPr>
+          <p:nvPr>
+            <p:ph type="sldNum" sz="quarter" idx="10"/>
+          </p:nvPr>
+        </p:nvSpPr>
+        <p:spPr/>
+        <p:txBody>
+          <a:bodyPr/>
+          <a:lstStyle/>
+          <a:p>
+            <a:fld id="{AB9270AC-FE6D-4237-9CBB-95A5B25BC716}" type="slidenum">
+              <a:rPr lang="fr-FR" smtClean="0"/>
+              <a:t>22</a:t>
+            </a:fld>
+            <a:endParaRPr lang="fr-FR"/>
+          </a:p>
+        </p:txBody>
+      </p:sp>
+    </p:spTree>
+    <p:extLst>
+      <p:ext uri="{BB962C8B-B14F-4D97-AF65-F5344CB8AC3E}">
+        <p14:creationId xmlns:p14="http://schemas.microsoft.com/office/powerpoint/2010/main" val="1252608685"/>
+      </p:ext>
+    </p:extLst>
+  </p:cSld>
+  <p:clrMapOvr>
+    <a:masterClrMapping/>
+  </p:clrMapOvr>
+</p:notes>
+</file>
+
+<file path=ppt/notesSlides/notesSlide2.xml><?xml version="1.0" encoding="utf-8"?>
+<p:notes xmlns:a="http://schemas.openxmlformats.org/drawingml/2006/main" xmlns:r="http://schemas.openxmlformats.org/officeDocument/2006/relationships" xmlns:p="http://schemas.openxmlformats.org/presentationml/2006/main">
+  <p:cSld>
+    <p:spTree>
+      <p:nvGrpSpPr>
+        <p:cNvPr id="1" name=""/>
+        <p:cNvGrpSpPr/>
+        <p:nvPr/>
+      </p:nvGrpSpPr>
+      <p:grpSpPr>
+        <a:xfrm>
+          <a:off x="0" y="0"/>
+          <a:ext cx="0" cy="0"/>
+          <a:chOff x="0" y="0"/>
+          <a:chExt cx="0" cy="0"/>
+        </a:xfrm>
+      </p:grpSpPr>
+      <p:sp>
+        <p:nvSpPr>
+          <p:cNvPr id="2" name="Espace réservé de l'image des diapositives 1"/>
+          <p:cNvSpPr>
+            <a:spLocks noGrp="1" noRot="1" noChangeAspect="1"/>
+          </p:cNvSpPr>
+          <p:nvPr>
+            <p:ph type="sldImg"/>
+          </p:nvPr>
+        </p:nvSpPr>
+        <p:spPr/>
+      </p:sp>
+      <p:sp>
+        <p:nvSpPr>
+          <p:cNvPr id="3" name="Espace réservé des commentaires 2"/>
+          <p:cNvSpPr>
+            <a:spLocks noGrp="1"/>
+          </p:cNvSpPr>
+          <p:nvPr>
+            <p:ph type="body" idx="1"/>
+          </p:nvPr>
+        </p:nvSpPr>
+        <p:spPr/>
+        <p:txBody>
+          <a:bodyPr>
+            <a:normAutofit/>
+          </a:bodyPr>
+          <a:lstStyle/>
+          <a:p>
+            <a:r>
+              <a:rPr lang="fr-FR" smtClean="0"/>
+              <a:t>importance fonctionnement transports publics</a:t>
+            </a:r>
+          </a:p>
+          <a:p>
+            <a:r>
+              <a:rPr lang="fr-FR" smtClean="0"/>
+              <a:t>retombées économiques</a:t>
+            </a:r>
+          </a:p>
+          <a:p>
+            <a:r>
+              <a:rPr lang="fr-FR" smtClean="0"/>
+              <a:t>moins embouteillages </a:t>
+            </a:r>
+          </a:p>
+          <a:p>
+            <a:r>
+              <a:rPr lang="fr-FR" smtClean="0"/>
+              <a:t>économie CO 2</a:t>
+            </a:r>
+            <a:endParaRPr lang="fr-FR"/>
+          </a:p>
+        </p:txBody>
+      </p:sp>
+      <p:sp>
+        <p:nvSpPr>
+          <p:cNvPr id="4" name="Espace réservé du numéro de diapositive 3"/>
+          <p:cNvSpPr>
+            <a:spLocks noGrp="1"/>
+          </p:cNvSpPr>
+          <p:nvPr>
+            <p:ph type="sldNum" sz="quarter" idx="10"/>
+          </p:nvPr>
+        </p:nvSpPr>
+        <p:spPr/>
+        <p:txBody>
+          <a:bodyPr/>
+          <a:lstStyle/>
+          <a:p>
+            <a:fld id="{7DDCF73A-A167-4C23-969D-BB6EE6B805CD}" type="slidenum">
+              <a:rPr lang="fr-FR" smtClean="0"/>
+              <a:pPr/>
+              <a:t>2</a:t>
+            </a:fld>
+            <a:endParaRPr lang="fr-FR"/>
+          </a:p>
+        </p:txBody>
+      </p:sp>
+    </p:spTree>
+  </p:cSld>
+  <p:clrMapOvr>
+    <a:masterClrMapping/>
+  </p:clrMapOvr>
+</p:notes>
+</file>
+
+<file path=ppt/notesSlides/notesSlide3.xml><?xml version="1.0" encoding="utf-8"?>
+<p:notes xmlns:a="http://schemas.openxmlformats.org/drawingml/2006/main" xmlns:r="http://schemas.openxmlformats.org/officeDocument/2006/relationships" xmlns:p="http://schemas.openxmlformats.org/presentationml/2006/main">
+  <p:cSld>
+    <p:spTree>
+      <p:nvGrpSpPr>
+        <p:cNvPr id="1" name=""/>
+        <p:cNvGrpSpPr/>
+        <p:nvPr/>
+      </p:nvGrpSpPr>
+      <p:grpSpPr>
+        <a:xfrm>
+          <a:off x="0" y="0"/>
+          <a:ext cx="0" cy="0"/>
+          <a:chOff x="0" y="0"/>
+          <a:chExt cx="0" cy="0"/>
+        </a:xfrm>
+      </p:grpSpPr>
+      <p:sp>
+        <p:nvSpPr>
+          <p:cNvPr id="2" name="Espace réservé de l'image des diapositives 1"/>
+          <p:cNvSpPr>
+            <a:spLocks noGrp="1" noRot="1" noChangeAspect="1"/>
+          </p:cNvSpPr>
+          <p:nvPr>
+            <p:ph type="sldImg"/>
+          </p:nvPr>
+        </p:nvSpPr>
+        <p:spPr/>
+      </p:sp>
+      <p:sp>
+        <p:nvSpPr>
+          <p:cNvPr id="3" name="Espace réservé des commentaires 2"/>
+          <p:cNvSpPr>
+            <a:spLocks noGrp="1"/>
+          </p:cNvSpPr>
+          <p:nvPr>
+            <p:ph type="body" idx="1"/>
+          </p:nvPr>
+        </p:nvSpPr>
+        <p:spPr/>
+        <p:txBody>
+          <a:bodyPr>
+            <a:normAutofit/>
+          </a:bodyPr>
+          <a:lstStyle/>
+          <a:p>
+            <a:r>
+              <a:rPr lang="fr-FR" smtClean="0"/>
+              <a:t>Que</a:t>
+            </a:r>
+            <a:r>
+              <a:rPr lang="fr-FR" baseline="0" smtClean="0"/>
+              <a:t> se passe-t-il en cas de panne ?</a:t>
+            </a:r>
+          </a:p>
+          <a:p>
+            <a:r>
+              <a:rPr lang="fr-FR" baseline="0" smtClean="0"/>
+              <a:t>16 et 18 mai 2012</a:t>
+            </a:r>
+          </a:p>
+          <a:p>
+            <a:r>
+              <a:rPr lang="fr-FR" baseline="0" smtClean="0"/>
+              <a:t>-&gt; bus relais mis en place </a:t>
+            </a:r>
+          </a:p>
+          <a:p>
+            <a:r>
+              <a:rPr lang="fr-FR" baseline="0" smtClean="0"/>
+              <a:t>Solution de secours ayant un cout  mais assurant globalement le service</a:t>
+            </a:r>
+            <a:endParaRPr lang="fr-FR"/>
+          </a:p>
+        </p:txBody>
+      </p:sp>
+      <p:sp>
+        <p:nvSpPr>
+          <p:cNvPr id="4" name="Espace réservé du numéro de diapositive 3"/>
+          <p:cNvSpPr>
+            <a:spLocks noGrp="1"/>
+          </p:cNvSpPr>
+          <p:nvPr>
+            <p:ph type="sldNum" sz="quarter" idx="10"/>
+          </p:nvPr>
+        </p:nvSpPr>
+        <p:spPr/>
+        <p:txBody>
+          <a:bodyPr/>
+          <a:lstStyle/>
+          <a:p>
+            <a:fld id="{7DDCF73A-A167-4C23-969D-BB6EE6B805CD}" type="slidenum">
+              <a:rPr lang="fr-FR" smtClean="0"/>
+              <a:pPr/>
+              <a:t>3</a:t>
+            </a:fld>
+            <a:endParaRPr lang="fr-FR"/>
+          </a:p>
+        </p:txBody>
+      </p:sp>
+    </p:spTree>
+  </p:cSld>
+  <p:clrMapOvr>
+    <a:masterClrMapping/>
+  </p:clrMapOvr>
+</p:notes>
+</file>
+
+<file path=ppt/notesSlides/notesSlide4.xml><?xml version="1.0" encoding="utf-8"?>
+<p:notes xmlns:a="http://schemas.openxmlformats.org/drawingml/2006/main" xmlns:r="http://schemas.openxmlformats.org/officeDocument/2006/relationships" xmlns:p="http://schemas.openxmlformats.org/presentationml/2006/main">
+  <p:cSld>
+    <p:spTree>
+      <p:nvGrpSpPr>
+        <p:cNvPr id="1" name=""/>
+        <p:cNvGrpSpPr/>
+        <p:nvPr/>
+      </p:nvGrpSpPr>
+      <p:grpSpPr>
+        <a:xfrm>
+          <a:off x="0" y="0"/>
+          <a:ext cx="0" cy="0"/>
+          <a:chOff x="0" y="0"/>
+          <a:chExt cx="0" cy="0"/>
+        </a:xfrm>
+      </p:grpSpPr>
+      <p:sp>
+        <p:nvSpPr>
+          <p:cNvPr id="2" name="Espace réservé de l'image des diapositives 1"/>
+          <p:cNvSpPr>
+            <a:spLocks noGrp="1" noRot="1" noChangeAspect="1"/>
+          </p:cNvSpPr>
+          <p:nvPr>
+            <p:ph type="sldImg"/>
+          </p:nvPr>
+        </p:nvSpPr>
+        <p:spPr/>
+      </p:sp>
+      <p:sp>
+        <p:nvSpPr>
+          <p:cNvPr id="3" name="Espace réservé des commentaires 2"/>
+          <p:cNvSpPr>
+            <a:spLocks noGrp="1"/>
+          </p:cNvSpPr>
+          <p:nvPr>
+            <p:ph type="body" idx="1"/>
+          </p:nvPr>
+        </p:nvSpPr>
+        <p:spPr/>
+        <p:txBody>
+          <a:bodyPr>
+            <a:normAutofit/>
+          </a:bodyPr>
+          <a:lstStyle/>
+          <a:p>
+            <a:r>
+              <a:rPr lang="fr-FR" smtClean="0"/>
+              <a:t>La question étant donc : est-il possible de paralyser le STAR ?</a:t>
+            </a:r>
+          </a:p>
+          <a:p>
+            <a:r>
+              <a:rPr lang="fr-FR" smtClean="0"/>
+              <a:t>Et c’est qu’intervient l’analyse de sécurité. Je vais donc laisser florent vous en parler.</a:t>
+            </a:r>
+            <a:endParaRPr lang="fr-FR"/>
+          </a:p>
+        </p:txBody>
+      </p:sp>
+      <p:sp>
+        <p:nvSpPr>
+          <p:cNvPr id="4" name="Espace réservé du numéro de diapositive 3"/>
+          <p:cNvSpPr>
+            <a:spLocks noGrp="1"/>
+          </p:cNvSpPr>
+          <p:nvPr>
+            <p:ph type="sldNum" sz="quarter" idx="10"/>
+          </p:nvPr>
+        </p:nvSpPr>
+        <p:spPr/>
+        <p:txBody>
+          <a:bodyPr/>
+          <a:lstStyle/>
+          <a:p>
+            <a:fld id="{7DDCF73A-A167-4C23-969D-BB6EE6B805CD}" type="slidenum">
+              <a:rPr lang="fr-FR" smtClean="0"/>
+              <a:pPr/>
+              <a:t>4</a:t>
+            </a:fld>
+            <a:endParaRPr lang="fr-FR"/>
+          </a:p>
+        </p:txBody>
+      </p:sp>
+    </p:spTree>
+  </p:cSld>
+  <p:clrMapOvr>
+    <a:masterClrMapping/>
+  </p:clrMapOvr>
+</p:notes>
+</file>
+
+<file path=ppt/notesSlides/notesSlide5.xml><?xml version="1.0" encoding="utf-8"?>
+<p:notes xmlns:a="http://schemas.openxmlformats.org/drawingml/2006/main" xmlns:r="http://schemas.openxmlformats.org/officeDocument/2006/relationships" xmlns:p="http://schemas.openxmlformats.org/presentationml/2006/main">
+  <p:cSld>
+    <p:spTree>
+      <p:nvGrpSpPr>
+        <p:cNvPr id="1" name=""/>
+        <p:cNvGrpSpPr/>
+        <p:nvPr/>
+      </p:nvGrpSpPr>
+      <p:grpSpPr>
+        <a:xfrm>
+          <a:off x="0" y="0"/>
+          <a:ext cx="0" cy="0"/>
+          <a:chOff x="0" y="0"/>
+          <a:chExt cx="0" cy="0"/>
+        </a:xfrm>
+      </p:grpSpPr>
+      <p:sp>
+        <p:nvSpPr>
+          <p:cNvPr id="2" name="Espace réservé de l'image des diapositives 1"/>
+          <p:cNvSpPr>
+            <a:spLocks noGrp="1" noRot="1" noChangeAspect="1"/>
+          </p:cNvSpPr>
+          <p:nvPr>
+            <p:ph type="sldImg"/>
+          </p:nvPr>
+        </p:nvSpPr>
+        <p:spPr/>
+      </p:sp>
+      <p:sp>
+        <p:nvSpPr>
+          <p:cNvPr id="3" name="Espace réservé des commentaires 2"/>
+          <p:cNvSpPr>
+            <a:spLocks noGrp="1"/>
+          </p:cNvSpPr>
+          <p:nvPr>
+            <p:ph type="body" idx="1"/>
+          </p:nvPr>
+        </p:nvSpPr>
+        <p:spPr/>
+        <p:txBody>
+          <a:bodyPr/>
+          <a:lstStyle/>
+          <a:p>
+            <a:endParaRPr lang="fr-FR" dirty="0"/>
+          </a:p>
+        </p:txBody>
+      </p:sp>
+      <p:sp>
+        <p:nvSpPr>
+          <p:cNvPr id="4" name="Espace réservé du numéro de diapositive 3"/>
+          <p:cNvSpPr>
+            <a:spLocks noGrp="1"/>
+          </p:cNvSpPr>
+          <p:nvPr>
+            <p:ph type="sldNum" sz="quarter" idx="10"/>
+          </p:nvPr>
+        </p:nvSpPr>
+        <p:spPr/>
+        <p:txBody>
+          <a:bodyPr/>
+          <a:lstStyle/>
+          <a:p>
+            <a:fld id="{2301B3DF-4127-41C0-BB05-FA3D19621909}" type="slidenum">
+              <a:rPr lang="fr-FR" smtClean="0"/>
+              <a:t>5</a:t>
+            </a:fld>
+            <a:endParaRPr lang="fr-FR"/>
+          </a:p>
+        </p:txBody>
+      </p:sp>
+    </p:spTree>
+    <p:extLst>
+      <p:ext uri="{BB962C8B-B14F-4D97-AF65-F5344CB8AC3E}">
+        <p14:creationId xmlns:p14="http://schemas.microsoft.com/office/powerpoint/2010/main" val="874516906"/>
+      </p:ext>
+    </p:extLst>
+  </p:cSld>
+  <p:clrMapOvr>
+    <a:masterClrMapping/>
+  </p:clrMapOvr>
+</p:notes>
+</file>
+
+<file path=ppt/notesSlides/notesSlide6.xml><?xml version="1.0" encoding="utf-8"?>
+<p:notes xmlns:a="http://schemas.openxmlformats.org/drawingml/2006/main" xmlns:r="http://schemas.openxmlformats.org/officeDocument/2006/relationships" xmlns:p="http://schemas.openxmlformats.org/presentationml/2006/main">
+  <p:cSld>
+    <p:spTree>
+      <p:nvGrpSpPr>
+        <p:cNvPr id="1" name=""/>
+        <p:cNvGrpSpPr/>
+        <p:nvPr/>
+      </p:nvGrpSpPr>
+      <p:grpSpPr>
+        <a:xfrm>
+          <a:off x="0" y="0"/>
+          <a:ext cx="0" cy="0"/>
+          <a:chOff x="0" y="0"/>
+          <a:chExt cx="0" cy="0"/>
+        </a:xfrm>
+      </p:grpSpPr>
+      <p:sp>
+        <p:nvSpPr>
+          <p:cNvPr id="107" name="PlaceHolder 1"/>
+          <p:cNvSpPr>
+            <a:spLocks noGrp="1"/>
+          </p:cNvSpPr>
+          <p:nvPr>
+            <p:ph type="body"/>
+          </p:nvPr>
+        </p:nvSpPr>
+        <p:spPr>
+          <a:xfrm>
+            <a:off x="685830" y="4343322"/>
+            <a:ext cx="5486309" cy="4114564"/>
+          </a:xfrm>
+          <a:prstGeom prst="rect">
+            <a:avLst/>
+          </a:prstGeom>
+        </p:spPr>
+        <p:txBody>
+          <a:bodyPr lIns="0" tIns="0" rIns="0" bIns="0"/>
+          <a:lstStyle/>
+          <a:p>
+            <a:r>
+              <a:rPr lang="fr-FR" sz="1800">
+                <a:latin typeface="Arial"/>
+              </a:rPr>
+              <a:t>- sont payants </a:t>
+            </a:r>
+            <a:endParaRPr/>
+          </a:p>
+          <a:p>
+            <a:r>
+              <a:rPr lang="fr-FR" sz="1800">
+                <a:latin typeface="Arial"/>
+              </a:rPr>
+              <a:t>- modélisent que les arbres d'attaque</a:t>
+            </a:r>
+            <a:endParaRPr/>
+          </a:p>
+          <a:p>
+            <a:endParaRPr/>
+          </a:p>
+          <a:p>
+            <a:r>
+              <a:rPr lang="fr-FR" sz="1800">
+                <a:latin typeface="Arial"/>
+              </a:rPr>
+              <a:t>- les entreprises développent en interne leurs propres outils de modélisation des arbres d'attaque </a:t>
+            </a:r>
+            <a:endParaRPr/>
+          </a:p>
+        </p:txBody>
+      </p:sp>
+    </p:spTree>
+  </p:cSld>
+  <p:clrMapOvr>
+    <a:masterClrMapping/>
+  </p:clrMapOvr>
+</p:notes>
+</file>
+
+<file path=ppt/notesSlides/notesSlide7.xml><?xml version="1.0" encoding="utf-8"?>
+<p:notes xmlns:a="http://schemas.openxmlformats.org/drawingml/2006/main" xmlns:r="http://schemas.openxmlformats.org/officeDocument/2006/relationships" xmlns:p="http://schemas.openxmlformats.org/presentationml/2006/main">
+  <p:cSld>
+    <p:spTree>
+      <p:nvGrpSpPr>
+        <p:cNvPr id="1" name=""/>
+        <p:cNvGrpSpPr/>
+        <p:nvPr/>
+      </p:nvGrpSpPr>
+      <p:grpSpPr>
+        <a:xfrm>
+          <a:off x="0" y="0"/>
+          <a:ext cx="0" cy="0"/>
+          <a:chOff x="0" y="0"/>
+          <a:chExt cx="0" cy="0"/>
+        </a:xfrm>
+      </p:grpSpPr>
+      <p:sp>
+        <p:nvSpPr>
+          <p:cNvPr id="108" name="PlaceHolder 1"/>
+          <p:cNvSpPr>
+            <a:spLocks noGrp="1"/>
+          </p:cNvSpPr>
+          <p:nvPr>
+            <p:ph type="body"/>
+          </p:nvPr>
+        </p:nvSpPr>
+        <p:spPr>
+          <a:xfrm>
+            <a:off x="685830" y="4343322"/>
+            <a:ext cx="5486309" cy="4114564"/>
+          </a:xfrm>
+          <a:prstGeom prst="rect">
+            <a:avLst/>
+          </a:prstGeom>
+        </p:spPr>
+        <p:txBody>
+          <a:bodyPr lIns="0" tIns="0" rIns="0" bIns="0"/>
+          <a:lstStyle/>
+          <a:p>
+            <a:r>
+              <a:rPr lang="fr-FR" sz="1800">
+                <a:latin typeface="Arial"/>
+              </a:rPr>
+              <a:t>- seul logiciel pour les ADTrees</a:t>
+            </a:r>
+            <a:endParaRPr/>
+          </a:p>
+          <a:p>
+            <a:r>
+              <a:rPr lang="fr-FR" sz="1800">
+                <a:latin typeface="Arial"/>
+              </a:rPr>
+              <a:t>- logiciel libre</a:t>
+            </a:r>
+            <a:endParaRPr/>
+          </a:p>
+        </p:txBody>
+      </p:sp>
+    </p:spTree>
+  </p:cSld>
+  <p:clrMapOvr>
+    <a:masterClrMapping/>
+  </p:clrMapOvr>
+</p:notes>
+</file>
+
+<file path=ppt/notesSlides/notesSlide8.xml><?xml version="1.0" encoding="utf-8"?>
+<p:notes xmlns:a="http://schemas.openxmlformats.org/drawingml/2006/main" xmlns:r="http://schemas.openxmlformats.org/officeDocument/2006/relationships" xmlns:p="http://schemas.openxmlformats.org/presentationml/2006/main">
+  <p:cSld>
+    <p:spTree>
+      <p:nvGrpSpPr>
+        <p:cNvPr id="1" name=""/>
+        <p:cNvGrpSpPr/>
+        <p:nvPr/>
+      </p:nvGrpSpPr>
+      <p:grpSpPr>
+        <a:xfrm>
+          <a:off x="0" y="0"/>
+          <a:ext cx="0" cy="0"/>
+          <a:chOff x="0" y="0"/>
+          <a:chExt cx="0" cy="0"/>
+        </a:xfrm>
+      </p:grpSpPr>
+      <p:sp>
+        <p:nvSpPr>
+          <p:cNvPr id="109" name="PlaceHolder 1"/>
+          <p:cNvSpPr>
+            <a:spLocks noGrp="1"/>
+          </p:cNvSpPr>
+          <p:nvPr>
+            <p:ph type="body"/>
+          </p:nvPr>
+        </p:nvSpPr>
+        <p:spPr>
+          <a:xfrm>
+            <a:off x="685830" y="4343322"/>
+            <a:ext cx="5486309" cy="4114564"/>
+          </a:xfrm>
+          <a:prstGeom prst="rect">
+            <a:avLst/>
+          </a:prstGeom>
+        </p:spPr>
+        <p:txBody>
+          <a:bodyPr lIns="0" tIns="0" rIns="0" bIns="0"/>
+          <a:lstStyle/>
+          <a:p>
+            <a:r>
+              <a:rPr lang="fr-FR" sz="1800">
+                <a:latin typeface="Arial"/>
+              </a:rPr>
+              <a:t>Fonctionnalités : </a:t>
+            </a:r>
+            <a:endParaRPr/>
+          </a:p>
+          <a:p>
+            <a:endParaRPr/>
+          </a:p>
+          <a:p>
+            <a:r>
+              <a:rPr lang="fr-FR" sz="1800">
+                <a:latin typeface="Arial"/>
+              </a:rPr>
+              <a:t>- ouvrir/modifier ADTrees</a:t>
+            </a:r>
+            <a:endParaRPr/>
+          </a:p>
+          <a:p>
+            <a:r>
+              <a:rPr lang="fr-FR" sz="1800">
+                <a:latin typeface="Arial"/>
+              </a:rPr>
+              <a:t>- import/export en pdf, png etc</a:t>
+            </a:r>
+            <a:endParaRPr/>
+          </a:p>
+          <a:p>
+            <a:r>
+              <a:rPr lang="fr-FR" sz="1800">
+                <a:latin typeface="Arial"/>
+              </a:rPr>
+              <a:t>- fenêtre ADTerm Edit</a:t>
+            </a:r>
+            <a:endParaRPr/>
+          </a:p>
+          <a:p>
+            <a:endParaRPr/>
+          </a:p>
+          <a:p>
+            <a:r>
+              <a:rPr lang="fr-FR" sz="1800">
+                <a:latin typeface="Arial"/>
+              </a:rPr>
+              <a:t>Pb :</a:t>
+            </a:r>
+            <a:endParaRPr/>
+          </a:p>
+          <a:p>
+            <a:r>
+              <a:rPr lang="fr-FR" sz="1800">
+                <a:latin typeface="Arial"/>
+              </a:rPr>
+              <a:t>- un seul arbre à la fois (pas d'onglets)</a:t>
+            </a:r>
+            <a:endParaRPr/>
+          </a:p>
+        </p:txBody>
+      </p:sp>
+    </p:spTree>
+  </p:cSld>
+  <p:clrMapOvr>
+    <a:masterClrMapping/>
+  </p:clrMapOvr>
+</p:notes>
+</file>
+
+<file path=ppt/notesSlides/notesSlide9.xml><?xml version="1.0" encoding="utf-8"?>
+<p:notes xmlns:a="http://schemas.openxmlformats.org/drawingml/2006/main" xmlns:r="http://schemas.openxmlformats.org/officeDocument/2006/relationships" xmlns:p="http://schemas.openxmlformats.org/presentationml/2006/main">
+  <p:cSld>
+    <p:spTree>
+      <p:nvGrpSpPr>
+        <p:cNvPr id="1" name=""/>
+        <p:cNvGrpSpPr/>
+        <p:nvPr/>
+      </p:nvGrpSpPr>
+      <p:grpSpPr>
+        <a:xfrm>
+          <a:off x="0" y="0"/>
+          <a:ext cx="0" cy="0"/>
+          <a:chOff x="0" y="0"/>
+          <a:chExt cx="0" cy="0"/>
+        </a:xfrm>
+      </p:grpSpPr>
+      <p:sp>
+        <p:nvSpPr>
+          <p:cNvPr id="110" name="PlaceHolder 1"/>
+          <p:cNvSpPr>
+            <a:spLocks noGrp="1"/>
+          </p:cNvSpPr>
+          <p:nvPr>
+            <p:ph type="body"/>
+          </p:nvPr>
+        </p:nvSpPr>
+        <p:spPr>
+          <a:xfrm>
+            <a:off x="685830" y="4343322"/>
+            <a:ext cx="5486309" cy="4114564"/>
+          </a:xfrm>
+          <a:prstGeom prst="rect">
+            <a:avLst/>
+          </a:prstGeom>
+        </p:spPr>
+        <p:txBody>
+          <a:bodyPr lIns="0" tIns="0" rIns="0" bIns="0"/>
+          <a:lstStyle/>
+          <a:p>
+            <a:r>
+              <a:rPr lang="fr-FR" sz="1800">
+                <a:latin typeface="Arial"/>
+              </a:rPr>
+              <a:t>Fonctions manquantes :</a:t>
+            </a:r>
+            <a:endParaRPr/>
+          </a:p>
+          <a:p>
+            <a:endParaRPr/>
+          </a:p>
+          <a:p>
+            <a:r>
+              <a:rPr lang="fr-FR" sz="1800">
+                <a:latin typeface="Arial"/>
+              </a:rPr>
+              <a:t>- couper/copier/coller</a:t>
+            </a:r>
+            <a:endParaRPr/>
+          </a:p>
+          <a:p>
+            <a:r>
+              <a:rPr lang="fr-FR" sz="1800">
+                <a:latin typeface="Arial"/>
+              </a:rPr>
+              <a:t>- annuler (ctrl+z)</a:t>
+            </a:r>
+            <a:endParaRPr/>
+          </a:p>
+        </p:txBody>
+      </p:sp>
+    </p:spTree>
+  </p:cSld>
+  <p:clrMapOvr>
+    <a:masterClrMapping/>
+  </p:clrMapOvr>
+</p:notes>
 </file>
 
 <file path=ppt/slideLayouts/slideLayout1.xml><?xml version="1.0" encoding="utf-8"?>
@@ -208,7 +1698,7 @@
             <a:blip r:embed="rId2" cstate="print">
               <a:extLst>
                 <a:ext uri="{28A0092B-C50C-407E-A947-70E740481C1C}">
-                  <a14:useLocalDpi xmlns:a14="http://schemas.microsoft.com/office/drawing/2010/main" xmlns="" val="0"/>
+                  <a14:useLocalDpi xmlns:a14="http://schemas.microsoft.com/office/drawing/2010/main" val="0"/>
                 </a:ext>
               </a:extLst>
             </a:blip>
@@ -226,7 +1716,7 @@
             <a:noFill/>
             <a:extLst>
               <a:ext uri="{909E8E84-426E-40DD-AFC4-6F175D3DCCD1}">
-                <a14:hiddenFill xmlns:a14="http://schemas.microsoft.com/office/drawing/2010/main" xmlns="">
+                <a14:hiddenFill xmlns:a14="http://schemas.microsoft.com/office/drawing/2010/main">
                   <a:solidFill>
                     <a:srgbClr val="FFFFFF"/>
                   </a:solidFill>
@@ -247,7 +1737,7 @@
             <a:blip r:embed="rId3" cstate="print">
               <a:extLst>
                 <a:ext uri="{28A0092B-C50C-407E-A947-70E740481C1C}">
-                  <a14:useLocalDpi xmlns:a14="http://schemas.microsoft.com/office/drawing/2010/main" xmlns="" val="0"/>
+                  <a14:useLocalDpi xmlns:a14="http://schemas.microsoft.com/office/drawing/2010/main" val="0"/>
                 </a:ext>
               </a:extLst>
             </a:blip>
@@ -267,7 +1757,7 @@
             <a:noFill/>
             <a:extLst>
               <a:ext uri="{909E8E84-426E-40DD-AFC4-6F175D3DCCD1}">
-                <a14:hiddenFill xmlns:a14="http://schemas.microsoft.com/office/drawing/2010/main" xmlns="">
+                <a14:hiddenFill xmlns:a14="http://schemas.microsoft.com/office/drawing/2010/main">
                   <a:solidFill>
                     <a:srgbClr val="FFFFFF"/>
                   </a:solidFill>
@@ -1316,7 +2806,7 @@
     </p:spTree>
     <p:extLst>
       <p:ext uri="{BB962C8B-B14F-4D97-AF65-F5344CB8AC3E}">
-        <p14:creationId xmlns:p14="http://schemas.microsoft.com/office/powerpoint/2010/main" xmlns="" val="2155599893"/>
+        <p14:creationId xmlns:p14="http://schemas.microsoft.com/office/powerpoint/2010/main" val="2155599893"/>
       </p:ext>
     </p:extLst>
   </p:cSld>
@@ -1474,7 +2964,7 @@
     </p:spTree>
     <p:extLst>
       <p:ext uri="{BB962C8B-B14F-4D97-AF65-F5344CB8AC3E}">
-        <p14:creationId xmlns:p14="http://schemas.microsoft.com/office/powerpoint/2010/main" xmlns="" val="2625538701"/>
+        <p14:creationId xmlns:p14="http://schemas.microsoft.com/office/powerpoint/2010/main" val="2625538701"/>
       </p:ext>
     </p:extLst>
   </p:cSld>
@@ -1702,7 +3192,7 @@
     </p:spTree>
     <p:extLst>
       <p:ext uri="{BB962C8B-B14F-4D97-AF65-F5344CB8AC3E}">
-        <p14:creationId xmlns:p14="http://schemas.microsoft.com/office/powerpoint/2010/main" xmlns="" val="1505370761"/>
+        <p14:creationId xmlns:p14="http://schemas.microsoft.com/office/powerpoint/2010/main" val="1505370761"/>
       </p:ext>
     </p:extLst>
   </p:cSld>
@@ -1948,7 +3438,7 @@
     </p:spTree>
     <p:extLst>
       <p:ext uri="{BB962C8B-B14F-4D97-AF65-F5344CB8AC3E}">
-        <p14:creationId xmlns:p14="http://schemas.microsoft.com/office/powerpoint/2010/main" xmlns="" val="1601618539"/>
+        <p14:creationId xmlns:p14="http://schemas.microsoft.com/office/powerpoint/2010/main" val="1601618539"/>
       </p:ext>
     </p:extLst>
   </p:cSld>
@@ -2332,7 +3822,7 @@
     </p:spTree>
     <p:extLst>
       <p:ext uri="{BB962C8B-B14F-4D97-AF65-F5344CB8AC3E}">
-        <p14:creationId xmlns:p14="http://schemas.microsoft.com/office/powerpoint/2010/main" xmlns="" val="171255179"/>
+        <p14:creationId xmlns:p14="http://schemas.microsoft.com/office/powerpoint/2010/main" val="171255179"/>
       </p:ext>
     </p:extLst>
   </p:cSld>
@@ -2434,7 +3924,7 @@
     </p:spTree>
     <p:extLst>
       <p:ext uri="{BB962C8B-B14F-4D97-AF65-F5344CB8AC3E}">
-        <p14:creationId xmlns:p14="http://schemas.microsoft.com/office/powerpoint/2010/main" xmlns="" val="4241946124"/>
+        <p14:creationId xmlns:p14="http://schemas.microsoft.com/office/powerpoint/2010/main" val="4241946124"/>
       </p:ext>
     </p:extLst>
   </p:cSld>
@@ -2472,7 +3962,7 @@
     </p:spTree>
     <p:extLst>
       <p:ext uri="{BB962C8B-B14F-4D97-AF65-F5344CB8AC3E}">
-        <p14:creationId xmlns:p14="http://schemas.microsoft.com/office/powerpoint/2010/main" xmlns="" val="3843733788"/>
+        <p14:creationId xmlns:p14="http://schemas.microsoft.com/office/powerpoint/2010/main" val="3843733788"/>
       </p:ext>
     </p:extLst>
   </p:cSld>
@@ -2768,7 +4258,7 @@
     </p:spTree>
     <p:extLst>
       <p:ext uri="{BB962C8B-B14F-4D97-AF65-F5344CB8AC3E}">
-        <p14:creationId xmlns:p14="http://schemas.microsoft.com/office/powerpoint/2010/main" xmlns="" val="680884878"/>
+        <p14:creationId xmlns:p14="http://schemas.microsoft.com/office/powerpoint/2010/main" val="680884878"/>
       </p:ext>
     </p:extLst>
   </p:cSld>
@@ -2783,6 +4273,31 @@
     </p:tnLst>
   </p:timing>
   <p:hf hdr="0" ftr="0" dt="0"/>
+</p:sldLayout>
+</file>
+
+<file path=ppt/slideLayouts/slideLayout9.xml><?xml version="1.0" encoding="utf-8"?>
+<p:sldLayout xmlns:a="http://schemas.openxmlformats.org/drawingml/2006/main" xmlns:r="http://schemas.openxmlformats.org/officeDocument/2006/relationships" xmlns:p="http://schemas.openxmlformats.org/presentationml/2006/main" type="blank">
+  <p:cSld name="Blank Slide">
+    <p:spTree>
+      <p:nvGrpSpPr>
+        <p:cNvPr id="1" name=""/>
+        <p:cNvGrpSpPr/>
+        <p:nvPr/>
+      </p:nvGrpSpPr>
+      <p:grpSpPr>
+        <a:xfrm>
+          <a:off x="0" y="0"/>
+          <a:ext cx="0" cy="0"/>
+          <a:chOff x="0" y="0"/>
+          <a:chExt cx="0" cy="0"/>
+        </a:xfrm>
+      </p:grpSpPr>
+    </p:spTree>
+  </p:cSld>
+  <p:clrMapOvr>
+    <a:masterClrMapping/>
+  </p:clrMapOvr>
 </p:sldLayout>
 </file>
 
@@ -3814,10 +5329,10 @@
           <p:nvPr/>
         </p:nvPicPr>
         <p:blipFill rotWithShape="1">
-          <a:blip r:embed="rId10" cstate="print">
+          <a:blip r:embed="rId11" cstate="print">
             <a:extLst>
               <a:ext uri="{28A0092B-C50C-407E-A947-70E740481C1C}">
-                <a14:useLocalDpi xmlns:a14="http://schemas.microsoft.com/office/drawing/2010/main" xmlns="" val="0"/>
+                <a14:useLocalDpi xmlns:a14="http://schemas.microsoft.com/office/drawing/2010/main" val="0"/>
               </a:ext>
             </a:extLst>
           </a:blip>
@@ -3835,7 +5350,7 @@
           <a:noFill/>
           <a:extLst>
             <a:ext uri="{909E8E84-426E-40DD-AFC4-6F175D3DCCD1}">
-              <a14:hiddenFill xmlns:a14="http://schemas.microsoft.com/office/drawing/2010/main" xmlns="">
+              <a14:hiddenFill xmlns:a14="http://schemas.microsoft.com/office/drawing/2010/main">
                 <a:solidFill>
                   <a:srgbClr val="FFFFFF"/>
                 </a:solidFill>
@@ -3853,10 +5368,10 @@
           <p:nvPr/>
         </p:nvPicPr>
         <p:blipFill>
-          <a:blip r:embed="rId11" cstate="print">
+          <a:blip r:embed="rId12" cstate="print">
             <a:extLst>
               <a:ext uri="{28A0092B-C50C-407E-A947-70E740481C1C}">
-                <a14:useLocalDpi xmlns:a14="http://schemas.microsoft.com/office/drawing/2010/main" xmlns="" val="0"/>
+                <a14:useLocalDpi xmlns:a14="http://schemas.microsoft.com/office/drawing/2010/main" val="0"/>
               </a:ext>
             </a:extLst>
           </a:blip>
@@ -3876,7 +5391,7 @@
           <a:noFill/>
           <a:extLst>
             <a:ext uri="{909E8E84-426E-40DD-AFC4-6F175D3DCCD1}">
-              <a14:hiddenFill xmlns:a14="http://schemas.microsoft.com/office/drawing/2010/main" xmlns="">
+              <a14:hiddenFill xmlns:a14="http://schemas.microsoft.com/office/drawing/2010/main">
                 <a:solidFill>
                   <a:srgbClr val="FFFFFF"/>
                 </a:solidFill>
@@ -4030,11 +5545,11 @@
           <p:nvPr/>
         </p:nvPicPr>
         <p:blipFill>
-          <a:blip r:embed="rId12" cstate="print">
+          <a:blip r:embed="rId13" cstate="print">
             <a:lum bright="70000" contrast="-70000"/>
             <a:extLst>
               <a:ext uri="{28A0092B-C50C-407E-A947-70E740481C1C}">
-                <a14:useLocalDpi xmlns:a14="http://schemas.microsoft.com/office/drawing/2010/main" xmlns="" val="0"/>
+                <a14:useLocalDpi xmlns:a14="http://schemas.microsoft.com/office/drawing/2010/main" val="0"/>
               </a:ext>
             </a:extLst>
           </a:blip>
@@ -4055,7 +5570,7 @@
     </p:spTree>
     <p:extLst>
       <p:ext uri="{BB962C8B-B14F-4D97-AF65-F5344CB8AC3E}">
-        <p14:creationId xmlns:p14="http://schemas.microsoft.com/office/powerpoint/2010/main" xmlns="" val="3080300347"/>
+        <p14:creationId xmlns:p14="http://schemas.microsoft.com/office/powerpoint/2010/main" val="3080300347"/>
       </p:ext>
     </p:extLst>
   </p:cSld>
@@ -4069,6 +5584,7 @@
     <p:sldLayoutId id="2147483660" r:id="rId6"/>
     <p:sldLayoutId id="2147483661" r:id="rId7"/>
     <p:sldLayoutId id="2147483662" r:id="rId8"/>
+    <p:sldLayoutId id="2147483663" r:id="rId9"/>
   </p:sldLayoutIdLst>
   <p:timing>
     <p:tnLst>
@@ -4353,7 +5869,7 @@
       </p:grpSpPr>
       <p:sp>
         <p:nvSpPr>
-          <p:cNvPr id="2" name="Titre 1"/>
+          <p:cNvPr id="5" name="Titre 4"/>
           <p:cNvSpPr>
             <a:spLocks noGrp="1"/>
           </p:cNvSpPr>
@@ -4361,22 +5877,41 @@
             <p:ph type="ctrTitle"/>
           </p:nvPr>
         </p:nvSpPr>
-        <p:spPr/>
-        <p:txBody>
-          <a:bodyPr/>
+        <p:spPr>
+          <a:xfrm>
+            <a:off x="179512" y="1988840"/>
+            <a:ext cx="3240360" cy="1037977"/>
+          </a:xfrm>
+        </p:spPr>
+        <p:txBody>
+          <a:bodyPr>
+            <a:normAutofit/>
+          </a:bodyPr>
           <a:lstStyle/>
           <a:p>
             <a:r>
-              <a:rPr lang="fr-FR" smtClean="0"/>
-              <a:t>Glasir</a:t>
-            </a:r>
-            <a:endParaRPr lang="fr-FR"/>
-          </a:p>
-        </p:txBody>
-      </p:sp>
-      <p:sp>
-        <p:nvSpPr>
-          <p:cNvPr id="3" name="Sous-titre 2"/>
+              <a:rPr lang="fr-FR" sz="4000" smtClean="0">
+                <a:solidFill>
+                  <a:schemeClr val="tx1">
+                    <a:lumMod val="50000"/>
+                  </a:schemeClr>
+                </a:solidFill>
+              </a:rPr>
+              <a:t>GLASIR</a:t>
+            </a:r>
+            <a:endParaRPr lang="fr-FR" sz="4000">
+              <a:solidFill>
+                <a:schemeClr val="tx1">
+                  <a:lumMod val="50000"/>
+                </a:schemeClr>
+              </a:solidFill>
+            </a:endParaRPr>
+          </a:p>
+        </p:txBody>
+      </p:sp>
+      <p:sp>
+        <p:nvSpPr>
+          <p:cNvPr id="6" name="Sous-titre 5"/>
           <p:cNvSpPr>
             <a:spLocks noGrp="1"/>
           </p:cNvSpPr>
@@ -4384,16 +5919,293 @@
             <p:ph type="subTitle" idx="1"/>
           </p:nvPr>
         </p:nvSpPr>
-        <p:spPr/>
-        <p:txBody>
-          <a:bodyPr/>
+        <p:spPr>
+          <a:xfrm>
+            <a:off x="0" y="5229200"/>
+            <a:ext cx="9144000" cy="982960"/>
+          </a:xfrm>
+        </p:spPr>
+        <p:txBody>
+          <a:bodyPr>
+            <a:normAutofit/>
+          </a:bodyPr>
           <a:lstStyle/>
           <a:p>
-            <a:r>
-              <a:rPr lang="fr-FR" smtClean="0"/>
+            <a:pPr algn="ctr"/>
+            <a:r>
+              <a:rPr lang="fr-FR" sz="2400" smtClean="0">
+                <a:solidFill>
+                  <a:schemeClr val="tx1">
+                    <a:lumMod val="50000"/>
+                  </a:schemeClr>
+                </a:solidFill>
+              </a:rPr>
+              <a:t>Est-il difficile de paralyser </a:t>
+            </a:r>
+          </a:p>
+          <a:p>
+            <a:pPr algn="ctr"/>
+            <a:r>
+              <a:rPr lang="fr-FR" sz="2400" smtClean="0">
+                <a:solidFill>
+                  <a:schemeClr val="tx1">
+                    <a:lumMod val="50000"/>
+                  </a:schemeClr>
+                </a:solidFill>
+              </a:rPr>
+              <a:t>les transports en commun à Rennes ?</a:t>
+            </a:r>
+            <a:endParaRPr lang="fr-FR" sz="2400">
+              <a:solidFill>
+                <a:schemeClr val="tx1">
+                  <a:lumMod val="50000"/>
+                </a:schemeClr>
+              </a:solidFill>
+            </a:endParaRPr>
+          </a:p>
+        </p:txBody>
+      </p:sp>
+      <p:sp>
+        <p:nvSpPr>
+          <p:cNvPr id="7" name="ZoneTexte 6"/>
+          <p:cNvSpPr txBox="1"/>
+          <p:nvPr/>
+        </p:nvSpPr>
+        <p:spPr>
+          <a:xfrm>
+            <a:off x="6156176" y="332656"/>
+            <a:ext cx="2664296" cy="1261884"/>
+          </a:xfrm>
+          <a:prstGeom prst="rect">
+            <a:avLst/>
+          </a:prstGeom>
+          <a:noFill/>
+        </p:spPr>
+        <p:txBody>
+          <a:bodyPr wrap="square" rtlCol="0">
+            <a:spAutoFit/>
+          </a:bodyPr>
+          <a:lstStyle/>
+          <a:p>
+            <a:pPr algn="r"/>
+            <a:r>
+              <a:rPr lang="fr-FR" b="1" smtClean="0">
+                <a:solidFill>
+                  <a:schemeClr val="tx1">
+                    <a:lumMod val="50000"/>
+                  </a:schemeClr>
+                </a:solidFill>
+              </a:rPr>
+              <a:t>Encadrants</a:t>
+            </a:r>
+          </a:p>
+          <a:p>
+            <a:pPr algn="r"/>
+            <a:r>
+              <a:rPr lang="fr-FR" smtClean="0">
+                <a:solidFill>
+                  <a:schemeClr val="tx1">
+                    <a:lumMod val="50000"/>
+                  </a:schemeClr>
+                </a:solidFill>
+              </a:rPr>
+              <a:t>Gildas Avoine</a:t>
+            </a:r>
+          </a:p>
+          <a:p>
+            <a:pPr algn="r"/>
+            <a:r>
+              <a:rPr lang="fr-FR" smtClean="0">
+                <a:solidFill>
+                  <a:schemeClr val="tx1">
+                    <a:lumMod val="50000"/>
+                  </a:schemeClr>
+                </a:solidFill>
+              </a:rPr>
+              <a:t>Barbara Kordy</a:t>
+            </a:r>
+          </a:p>
+          <a:p>
+            <a:pPr algn="r"/>
+            <a:endParaRPr lang="fr-FR" sz="2000" b="1" smtClean="0">
+              <a:ln w="12700">
+                <a:solidFill>
+                  <a:schemeClr val="tx2">
+                    <a:satMod val="155000"/>
+                  </a:schemeClr>
+                </a:solidFill>
+                <a:prstDash val="solid"/>
+              </a:ln>
+              <a:solidFill>
+                <a:schemeClr val="bg2">
+                  <a:tint val="85000"/>
+                  <a:satMod val="155000"/>
+                </a:schemeClr>
+              </a:solidFill>
+              <a:effectLst>
+                <a:outerShdw blurRad="41275" dist="20320" dir="1800000" algn="tl" rotWithShape="0">
+                  <a:srgbClr val="000000">
+                    <a:alpha val="40000"/>
+                  </a:srgbClr>
+                </a:outerShdw>
+              </a:effectLst>
+            </a:endParaRPr>
+          </a:p>
+        </p:txBody>
+      </p:sp>
+      <p:sp>
+        <p:nvSpPr>
+          <p:cNvPr id="8" name="ZoneTexte 7"/>
+          <p:cNvSpPr txBox="1"/>
+          <p:nvPr/>
+        </p:nvSpPr>
+        <p:spPr>
+          <a:xfrm>
+            <a:off x="5796136" y="2564904"/>
+            <a:ext cx="3024336" cy="2031325"/>
+          </a:xfrm>
+          <a:prstGeom prst="rect">
+            <a:avLst/>
+          </a:prstGeom>
+          <a:noFill/>
+        </p:spPr>
+        <p:txBody>
+          <a:bodyPr wrap="square" rtlCol="0">
+            <a:spAutoFit/>
+          </a:bodyPr>
+          <a:lstStyle/>
+          <a:p>
+            <a:pPr algn="r"/>
+            <a:r>
+              <a:rPr lang="fr-FR" b="1" smtClean="0">
+                <a:solidFill>
+                  <a:schemeClr val="tx1">
+                    <a:lumMod val="50000"/>
+                  </a:schemeClr>
+                </a:solidFill>
+              </a:rPr>
+              <a:t>Étudiants</a:t>
+            </a:r>
+          </a:p>
+          <a:p>
+            <a:pPr algn="r"/>
+            <a:r>
+              <a:rPr lang="fr-FR" smtClean="0">
+                <a:solidFill>
+                  <a:schemeClr val="tx1">
+                    <a:lumMod val="50000"/>
+                  </a:schemeClr>
+                </a:solidFill>
+              </a:rPr>
+              <a:t>Pierre-Marie Airiau</a:t>
+            </a:r>
+          </a:p>
+          <a:p>
+            <a:pPr algn="r"/>
+            <a:r>
+              <a:rPr lang="fr-FR" smtClean="0">
+                <a:solidFill>
+                  <a:schemeClr val="tx1">
+                    <a:lumMod val="50000"/>
+                  </a:schemeClr>
+                </a:solidFill>
+              </a:rPr>
+              <a:t>Valentin Esmieu</a:t>
+            </a:r>
+          </a:p>
+          <a:p>
+            <a:pPr algn="r"/>
+            <a:r>
+              <a:rPr lang="fr-FR" smtClean="0">
+                <a:solidFill>
+                  <a:schemeClr val="tx1">
+                    <a:lumMod val="50000"/>
+                  </a:schemeClr>
+                </a:solidFill>
+              </a:rPr>
+              <a:t>Hoel Kervadec</a:t>
+            </a:r>
+          </a:p>
+          <a:p>
+            <a:pPr algn="r"/>
+            <a:r>
+              <a:rPr lang="fr-FR" smtClean="0">
+                <a:solidFill>
+                  <a:schemeClr val="tx1">
+                    <a:lumMod val="50000"/>
+                  </a:schemeClr>
+                </a:solidFill>
+              </a:rPr>
+              <a:t>Maud Leray</a:t>
+            </a:r>
+          </a:p>
+          <a:p>
+            <a:pPr algn="r"/>
+            <a:r>
+              <a:rPr lang="fr-FR" smtClean="0">
+                <a:solidFill>
+                  <a:schemeClr val="tx1">
+                    <a:lumMod val="50000"/>
+                  </a:schemeClr>
+                </a:solidFill>
+              </a:rPr>
+              <a:t>Florent Mallard</a:t>
+            </a:r>
+          </a:p>
+          <a:p>
+            <a:pPr algn="r"/>
+            <a:r>
+              <a:rPr lang="fr-FR" smtClean="0">
+                <a:solidFill>
+                  <a:schemeClr val="tx1">
+                    <a:lumMod val="50000"/>
+                  </a:schemeClr>
+                </a:solidFill>
+              </a:rPr>
+              <a:t>Corentin Nicole</a:t>
+            </a:r>
+          </a:p>
+        </p:txBody>
+      </p:sp>
+      <p:sp>
+        <p:nvSpPr>
+          <p:cNvPr id="10" name="ZoneTexte 9"/>
+          <p:cNvSpPr txBox="1"/>
+          <p:nvPr/>
+        </p:nvSpPr>
+        <p:spPr>
+          <a:xfrm>
+            <a:off x="179512" y="2924944"/>
+            <a:ext cx="3312368" cy="369332"/>
+          </a:xfrm>
+          <a:prstGeom prst="rect">
+            <a:avLst/>
+          </a:prstGeom>
+          <a:noFill/>
+        </p:spPr>
+        <p:txBody>
+          <a:bodyPr wrap="square" rtlCol="0">
+            <a:spAutoFit/>
+          </a:bodyPr>
+          <a:lstStyle/>
+          <a:p>
+            <a:r>
+              <a:rPr lang="fr-FR" smtClean="0">
+                <a:solidFill>
+                  <a:schemeClr val="tx1">
+                    <a:lumMod val="50000"/>
+                  </a:schemeClr>
+                </a:solidFill>
+              </a:rPr>
               <a:t>Logiciel d’analyse de sécurité</a:t>
             </a:r>
-            <a:endParaRPr lang="fr-FR"/>
+            <a:endParaRPr lang="fr-FR">
+              <a:solidFill>
+                <a:schemeClr val="tx1">
+                  <a:lumMod val="50000"/>
+                </a:schemeClr>
+              </a:solidFill>
+            </a:endParaRPr>
           </a:p>
         </p:txBody>
       </p:sp>
@@ -4402,6 +6214,2337 @@
   <p:clrMapOvr>
     <a:masterClrMapping/>
   </p:clrMapOvr>
+  <p:timing>
+    <p:tnLst>
+      <p:par>
+        <p:cTn id="1" dur="indefinite" restart="never" nodeType="tmRoot"/>
+      </p:par>
+    </p:tnLst>
+  </p:timing>
+</p:sld>
+</file>
+
+<file path=ppt/slides/slide10.xml><?xml version="1.0" encoding="utf-8"?>
+<p:sld xmlns:a="http://schemas.openxmlformats.org/drawingml/2006/main" xmlns:r="http://schemas.openxmlformats.org/officeDocument/2006/relationships" xmlns:p="http://schemas.openxmlformats.org/presentationml/2006/main">
+  <p:cSld>
+    <p:spTree>
+      <p:nvGrpSpPr>
+        <p:cNvPr id="1" name=""/>
+        <p:cNvGrpSpPr/>
+        <p:nvPr/>
+      </p:nvGrpSpPr>
+      <p:grpSpPr>
+        <a:xfrm>
+          <a:off x="0" y="0"/>
+          <a:ext cx="0" cy="0"/>
+          <a:chOff x="0" y="0"/>
+          <a:chExt cx="0" cy="0"/>
+        </a:xfrm>
+      </p:grpSpPr>
+      <p:sp>
+        <p:nvSpPr>
+          <p:cNvPr id="103" name="TextShape 1"/>
+          <p:cNvSpPr txBox="1"/>
+          <p:nvPr/>
+        </p:nvSpPr>
+        <p:spPr>
+          <a:xfrm>
+            <a:off x="1763640" y="92520"/>
+            <a:ext cx="6460560" cy="571320"/>
+          </a:xfrm>
+          <a:prstGeom prst="rect">
+            <a:avLst/>
+          </a:prstGeom>
+          <a:noFill/>
+          <a:ln>
+            <a:noFill/>
+          </a:ln>
+        </p:spPr>
+        <p:txBody>
+          <a:bodyPr anchor="ctr"/>
+          <a:lstStyle/>
+          <a:p>
+            <a:pPr algn="r">
+              <a:lnSpc>
+                <a:spcPct val="100000"/>
+              </a:lnSpc>
+            </a:pPr>
+            <a:r>
+              <a:rPr lang="fr-FR" sz="1600" b="1" strike="noStrike">
+                <a:solidFill>
+                  <a:srgbClr val="4F4D50"/>
+                </a:solidFill>
+                <a:latin typeface="Arial"/>
+              </a:rPr>
+              <a:t>Étude de l'existant</a:t>
+            </a:r>
+            <a:endParaRPr/>
+          </a:p>
+        </p:txBody>
+      </p:sp>
+      <p:pic>
+        <p:nvPicPr>
+          <p:cNvPr id="104" name="Image 103"/>
+          <p:cNvPicPr/>
+          <p:nvPr/>
+        </p:nvPicPr>
+        <p:blipFill>
+          <a:blip r:embed="rId3"/>
+          <a:stretch/>
+        </p:blipFill>
+        <p:spPr>
+          <a:xfrm>
+            <a:off x="1368360" y="1114560"/>
+            <a:ext cx="6571800" cy="4645800"/>
+          </a:xfrm>
+          <a:prstGeom prst="rect">
+            <a:avLst/>
+          </a:prstGeom>
+          <a:ln>
+            <a:noFill/>
+          </a:ln>
+        </p:spPr>
+      </p:pic>
+      <p:sp>
+        <p:nvSpPr>
+          <p:cNvPr id="4" name="Espace réservé du texte 3"/>
+          <p:cNvSpPr txBox="1">
+            <a:spLocks/>
+          </p:cNvSpPr>
+          <p:nvPr/>
+        </p:nvSpPr>
+        <p:spPr>
+          <a:xfrm>
+            <a:off x="2700338" y="6597650"/>
+            <a:ext cx="5327650" cy="215900"/>
+          </a:xfrm>
+          <a:prstGeom prst="rect">
+            <a:avLst/>
+          </a:prstGeom>
+        </p:spPr>
+        <p:txBody>
+          <a:bodyPr>
+            <a:normAutofit fontScale="47500" lnSpcReduction="20000"/>
+          </a:bodyPr>
+          <a:lstStyle>
+            <a:lvl1pPr marL="0" indent="0" algn="l" defTabSz="914400" rtl="0" eaLnBrk="1" latinLnBrk="0" hangingPunct="1">
+              <a:spcBef>
+                <a:spcPct val="20000"/>
+              </a:spcBef>
+              <a:buFontTx/>
+              <a:buNone/>
+              <a:defRPr lang="fr-FR" sz="2000" b="1" kern="1200" dirty="0" smtClean="0">
+                <a:solidFill>
+                  <a:srgbClr val="004D6F"/>
+                </a:solidFill>
+                <a:latin typeface="Arial" pitchFamily="34" charset="0"/>
+                <a:ea typeface="+mn-ea"/>
+                <a:cs typeface="Arial" pitchFamily="34" charset="0"/>
+              </a:defRPr>
+            </a:lvl1pPr>
+            <a:lvl2pPr marL="742950" indent="-285750" algn="l" defTabSz="914400" rtl="0" eaLnBrk="1" latinLnBrk="0" hangingPunct="1">
+              <a:spcBef>
+                <a:spcPct val="20000"/>
+              </a:spcBef>
+              <a:buFont typeface="Arial" panose="020B0604020202020204" pitchFamily="34" charset="0"/>
+              <a:buChar char="–"/>
+              <a:defRPr lang="fr-FR" sz="1500" b="1" kern="1200" baseline="0" dirty="0" smtClean="0">
+                <a:solidFill>
+                  <a:srgbClr val="4F4D50"/>
+                </a:solidFill>
+                <a:latin typeface="Arial" pitchFamily="34" charset="0"/>
+                <a:ea typeface="+mn-ea"/>
+                <a:cs typeface="Arial" pitchFamily="34" charset="0"/>
+              </a:defRPr>
+            </a:lvl2pPr>
+            <a:lvl3pPr marL="1143000" indent="-228600" algn="l" defTabSz="914400" rtl="0" eaLnBrk="1" latinLnBrk="0" hangingPunct="1">
+              <a:lnSpc>
+                <a:spcPct val="100000"/>
+              </a:lnSpc>
+              <a:spcBef>
+                <a:spcPts val="600"/>
+              </a:spcBef>
+              <a:buFont typeface="Arial" panose="020B0604020202020204" pitchFamily="34" charset="0"/>
+              <a:buChar char="•"/>
+              <a:defRPr lang="fr-FR" sz="1200" kern="1200" baseline="0" dirty="0" smtClean="0">
+                <a:solidFill>
+                  <a:srgbClr val="4F4D50"/>
+                </a:solidFill>
+                <a:latin typeface="Arial" pitchFamily="34" charset="0"/>
+                <a:ea typeface="+mn-ea"/>
+                <a:cs typeface="Arial" pitchFamily="34" charset="0"/>
+              </a:defRPr>
+            </a:lvl3pPr>
+            <a:lvl4pPr marL="1600200" indent="-228600" algn="l" defTabSz="914400" rtl="0" eaLnBrk="1" latinLnBrk="0" hangingPunct="1">
+              <a:spcBef>
+                <a:spcPct val="20000"/>
+              </a:spcBef>
+              <a:buFont typeface="Arial" panose="020B0604020202020204" pitchFamily="34" charset="0"/>
+              <a:buChar char="–"/>
+              <a:defRPr sz="2000" kern="1200">
+                <a:solidFill>
+                  <a:schemeClr val="tx1"/>
+                </a:solidFill>
+                <a:latin typeface="+mn-lt"/>
+                <a:ea typeface="+mn-ea"/>
+                <a:cs typeface="+mn-cs"/>
+              </a:defRPr>
+            </a:lvl4pPr>
+            <a:lvl5pPr marL="2057400" indent="-228600" algn="l" defTabSz="914400" rtl="0" eaLnBrk="1" latinLnBrk="0" hangingPunct="1">
+              <a:spcBef>
+                <a:spcPct val="20000"/>
+              </a:spcBef>
+              <a:buFont typeface="Arial" panose="020B0604020202020204" pitchFamily="34" charset="0"/>
+              <a:buChar char="»"/>
+              <a:defRPr sz="2000" kern="1200">
+                <a:solidFill>
+                  <a:schemeClr val="tx1"/>
+                </a:solidFill>
+                <a:latin typeface="+mn-lt"/>
+                <a:ea typeface="+mn-ea"/>
+                <a:cs typeface="+mn-cs"/>
+              </a:defRPr>
+            </a:lvl5pPr>
+            <a:lvl6pPr marL="2514600" indent="-228600" algn="l" defTabSz="914400" rtl="0" eaLnBrk="1" latinLnBrk="0" hangingPunct="1">
+              <a:spcBef>
+                <a:spcPct val="20000"/>
+              </a:spcBef>
+              <a:buFont typeface="Arial" panose="020B0604020202020204" pitchFamily="34" charset="0"/>
+              <a:buChar char="•"/>
+              <a:defRPr sz="2000" kern="1200">
+                <a:solidFill>
+                  <a:schemeClr val="tx1"/>
+                </a:solidFill>
+                <a:latin typeface="+mn-lt"/>
+                <a:ea typeface="+mn-ea"/>
+                <a:cs typeface="+mn-cs"/>
+              </a:defRPr>
+            </a:lvl6pPr>
+            <a:lvl7pPr marL="2971800" indent="-228600" algn="l" defTabSz="914400" rtl="0" eaLnBrk="1" latinLnBrk="0" hangingPunct="1">
+              <a:spcBef>
+                <a:spcPct val="20000"/>
+              </a:spcBef>
+              <a:buFont typeface="Arial" panose="020B0604020202020204" pitchFamily="34" charset="0"/>
+              <a:buChar char="•"/>
+              <a:defRPr sz="2000" kern="1200">
+                <a:solidFill>
+                  <a:schemeClr val="tx1"/>
+                </a:solidFill>
+                <a:latin typeface="+mn-lt"/>
+                <a:ea typeface="+mn-ea"/>
+                <a:cs typeface="+mn-cs"/>
+              </a:defRPr>
+            </a:lvl7pPr>
+            <a:lvl8pPr marL="3429000" indent="-228600" algn="l" defTabSz="914400" rtl="0" eaLnBrk="1" latinLnBrk="0" hangingPunct="1">
+              <a:spcBef>
+                <a:spcPct val="20000"/>
+              </a:spcBef>
+              <a:buFont typeface="Arial" panose="020B0604020202020204" pitchFamily="34" charset="0"/>
+              <a:buChar char="•"/>
+              <a:defRPr sz="2000" kern="1200">
+                <a:solidFill>
+                  <a:schemeClr val="tx1"/>
+                </a:solidFill>
+                <a:latin typeface="+mn-lt"/>
+                <a:ea typeface="+mn-ea"/>
+                <a:cs typeface="+mn-cs"/>
+              </a:defRPr>
+            </a:lvl8pPr>
+            <a:lvl9pPr marL="3886200" indent="-228600" algn="l" defTabSz="914400" rtl="0" eaLnBrk="1" latinLnBrk="0" hangingPunct="1">
+              <a:spcBef>
+                <a:spcPct val="20000"/>
+              </a:spcBef>
+              <a:buFont typeface="Arial" panose="020B0604020202020204" pitchFamily="34" charset="0"/>
+              <a:buChar char="•"/>
+              <a:defRPr sz="2000" kern="1200">
+                <a:solidFill>
+                  <a:schemeClr val="tx1"/>
+                </a:solidFill>
+                <a:latin typeface="+mn-lt"/>
+                <a:ea typeface="+mn-ea"/>
+                <a:cs typeface="+mn-cs"/>
+              </a:defRPr>
+            </a:lvl9pPr>
+          </a:lstStyle>
+          <a:p>
+            <a:r>
+              <a:rPr lang="fr-FR" dirty="0" err="1" smtClean="0"/>
+              <a:t>ADTool</a:t>
+            </a:r>
+            <a:endParaRPr lang="fr-FR" dirty="0" smtClean="0"/>
+          </a:p>
+        </p:txBody>
+      </p:sp>
+    </p:spTree>
+  </p:cSld>
+  <p:clrMapOvr>
+    <a:masterClrMapping/>
+  </p:clrMapOvr>
+  <p:timing>
+    <p:tnLst>
+      <p:par>
+        <p:cTn id="1" dur="indefinite" restart="never" nodeType="tmRoot">
+          <p:childTnLst>
+            <p:seq>
+              <p:cTn id="2" nodeType="mainSeq"/>
+              <p:prevCondLst>
+                <p:cond evt="onPrev" delay="0">
+                  <p:tgtEl>
+                    <p:sldTgt/>
+                  </p:tgtEl>
+                </p:cond>
+              </p:prevCondLst>
+              <p:nextCondLst>
+                <p:cond evt="onNext" delay="0">
+                  <p:tgtEl>
+                    <p:sldTgt/>
+                  </p:tgtEl>
+                </p:cond>
+              </p:nextCondLst>
+            </p:seq>
+          </p:childTnLst>
+        </p:cTn>
+      </p:par>
+    </p:tnLst>
+  </p:timing>
+</p:sld>
+</file>
+
+<file path=ppt/slides/slide11.xml><?xml version="1.0" encoding="utf-8"?>
+<p:sld xmlns:a="http://schemas.openxmlformats.org/drawingml/2006/main" xmlns:r="http://schemas.openxmlformats.org/officeDocument/2006/relationships" xmlns:p="http://schemas.openxmlformats.org/presentationml/2006/main">
+  <p:cSld>
+    <p:spTree>
+      <p:nvGrpSpPr>
+        <p:cNvPr id="1" name=""/>
+        <p:cNvGrpSpPr/>
+        <p:nvPr/>
+      </p:nvGrpSpPr>
+      <p:grpSpPr>
+        <a:xfrm>
+          <a:off x="0" y="0"/>
+          <a:ext cx="0" cy="0"/>
+          <a:chOff x="0" y="0"/>
+          <a:chExt cx="0" cy="0"/>
+        </a:xfrm>
+      </p:grpSpPr>
+      <p:sp>
+        <p:nvSpPr>
+          <p:cNvPr id="105" name="TextShape 1"/>
+          <p:cNvSpPr txBox="1"/>
+          <p:nvPr/>
+        </p:nvSpPr>
+        <p:spPr>
+          <a:xfrm>
+            <a:off x="1763640" y="92880"/>
+            <a:ext cx="6460560" cy="571320"/>
+          </a:xfrm>
+          <a:prstGeom prst="rect">
+            <a:avLst/>
+          </a:prstGeom>
+          <a:noFill/>
+          <a:ln>
+            <a:noFill/>
+          </a:ln>
+        </p:spPr>
+        <p:txBody>
+          <a:bodyPr anchor="ctr"/>
+          <a:lstStyle/>
+          <a:p>
+            <a:pPr algn="r">
+              <a:lnSpc>
+                <a:spcPct val="100000"/>
+              </a:lnSpc>
+            </a:pPr>
+            <a:r>
+              <a:rPr lang="fr-FR" sz="1600" b="1" strike="noStrike">
+                <a:solidFill>
+                  <a:srgbClr val="4F4D50"/>
+                </a:solidFill>
+                <a:latin typeface="Arial"/>
+              </a:rPr>
+              <a:t>Étude de l'existant</a:t>
+            </a:r>
+            <a:endParaRPr/>
+          </a:p>
+        </p:txBody>
+      </p:sp>
+      <p:pic>
+        <p:nvPicPr>
+          <p:cNvPr id="106" name="Image 105"/>
+          <p:cNvPicPr/>
+          <p:nvPr/>
+        </p:nvPicPr>
+        <p:blipFill>
+          <a:blip r:embed="rId3"/>
+          <a:stretch/>
+        </p:blipFill>
+        <p:spPr>
+          <a:xfrm>
+            <a:off x="1850400" y="1000440"/>
+            <a:ext cx="5524560" cy="4884480"/>
+          </a:xfrm>
+          <a:prstGeom prst="rect">
+            <a:avLst/>
+          </a:prstGeom>
+          <a:ln>
+            <a:noFill/>
+          </a:ln>
+        </p:spPr>
+      </p:pic>
+      <p:sp>
+        <p:nvSpPr>
+          <p:cNvPr id="4" name="Espace réservé du texte 3"/>
+          <p:cNvSpPr txBox="1">
+            <a:spLocks/>
+          </p:cNvSpPr>
+          <p:nvPr/>
+        </p:nvSpPr>
+        <p:spPr>
+          <a:xfrm>
+            <a:off x="2700338" y="6597650"/>
+            <a:ext cx="5327650" cy="215900"/>
+          </a:xfrm>
+          <a:prstGeom prst="rect">
+            <a:avLst/>
+          </a:prstGeom>
+        </p:spPr>
+        <p:txBody>
+          <a:bodyPr>
+            <a:normAutofit fontScale="47500" lnSpcReduction="20000"/>
+          </a:bodyPr>
+          <a:lstStyle>
+            <a:lvl1pPr marL="0" indent="0" algn="l" defTabSz="914400" rtl="0" eaLnBrk="1" latinLnBrk="0" hangingPunct="1">
+              <a:spcBef>
+                <a:spcPct val="20000"/>
+              </a:spcBef>
+              <a:buFontTx/>
+              <a:buNone/>
+              <a:defRPr lang="fr-FR" sz="2000" b="1" kern="1200" dirty="0" smtClean="0">
+                <a:solidFill>
+                  <a:srgbClr val="004D6F"/>
+                </a:solidFill>
+                <a:latin typeface="Arial" pitchFamily="34" charset="0"/>
+                <a:ea typeface="+mn-ea"/>
+                <a:cs typeface="Arial" pitchFamily="34" charset="0"/>
+              </a:defRPr>
+            </a:lvl1pPr>
+            <a:lvl2pPr marL="742950" indent="-285750" algn="l" defTabSz="914400" rtl="0" eaLnBrk="1" latinLnBrk="0" hangingPunct="1">
+              <a:spcBef>
+                <a:spcPct val="20000"/>
+              </a:spcBef>
+              <a:buFont typeface="Arial" panose="020B0604020202020204" pitchFamily="34" charset="0"/>
+              <a:buChar char="–"/>
+              <a:defRPr lang="fr-FR" sz="1500" b="1" kern="1200" baseline="0" dirty="0" smtClean="0">
+                <a:solidFill>
+                  <a:srgbClr val="4F4D50"/>
+                </a:solidFill>
+                <a:latin typeface="Arial" pitchFamily="34" charset="0"/>
+                <a:ea typeface="+mn-ea"/>
+                <a:cs typeface="Arial" pitchFamily="34" charset="0"/>
+              </a:defRPr>
+            </a:lvl2pPr>
+            <a:lvl3pPr marL="1143000" indent="-228600" algn="l" defTabSz="914400" rtl="0" eaLnBrk="1" latinLnBrk="0" hangingPunct="1">
+              <a:lnSpc>
+                <a:spcPct val="100000"/>
+              </a:lnSpc>
+              <a:spcBef>
+                <a:spcPts val="600"/>
+              </a:spcBef>
+              <a:buFont typeface="Arial" panose="020B0604020202020204" pitchFamily="34" charset="0"/>
+              <a:buChar char="•"/>
+              <a:defRPr lang="fr-FR" sz="1200" kern="1200" baseline="0" dirty="0" smtClean="0">
+                <a:solidFill>
+                  <a:srgbClr val="4F4D50"/>
+                </a:solidFill>
+                <a:latin typeface="Arial" pitchFamily="34" charset="0"/>
+                <a:ea typeface="+mn-ea"/>
+                <a:cs typeface="Arial" pitchFamily="34" charset="0"/>
+              </a:defRPr>
+            </a:lvl3pPr>
+            <a:lvl4pPr marL="1600200" indent="-228600" algn="l" defTabSz="914400" rtl="0" eaLnBrk="1" latinLnBrk="0" hangingPunct="1">
+              <a:spcBef>
+                <a:spcPct val="20000"/>
+              </a:spcBef>
+              <a:buFont typeface="Arial" panose="020B0604020202020204" pitchFamily="34" charset="0"/>
+              <a:buChar char="–"/>
+              <a:defRPr sz="2000" kern="1200">
+                <a:solidFill>
+                  <a:schemeClr val="tx1"/>
+                </a:solidFill>
+                <a:latin typeface="+mn-lt"/>
+                <a:ea typeface="+mn-ea"/>
+                <a:cs typeface="+mn-cs"/>
+              </a:defRPr>
+            </a:lvl4pPr>
+            <a:lvl5pPr marL="2057400" indent="-228600" algn="l" defTabSz="914400" rtl="0" eaLnBrk="1" latinLnBrk="0" hangingPunct="1">
+              <a:spcBef>
+                <a:spcPct val="20000"/>
+              </a:spcBef>
+              <a:buFont typeface="Arial" panose="020B0604020202020204" pitchFamily="34" charset="0"/>
+              <a:buChar char="»"/>
+              <a:defRPr sz="2000" kern="1200">
+                <a:solidFill>
+                  <a:schemeClr val="tx1"/>
+                </a:solidFill>
+                <a:latin typeface="+mn-lt"/>
+                <a:ea typeface="+mn-ea"/>
+                <a:cs typeface="+mn-cs"/>
+              </a:defRPr>
+            </a:lvl5pPr>
+            <a:lvl6pPr marL="2514600" indent="-228600" algn="l" defTabSz="914400" rtl="0" eaLnBrk="1" latinLnBrk="0" hangingPunct="1">
+              <a:spcBef>
+                <a:spcPct val="20000"/>
+              </a:spcBef>
+              <a:buFont typeface="Arial" panose="020B0604020202020204" pitchFamily="34" charset="0"/>
+              <a:buChar char="•"/>
+              <a:defRPr sz="2000" kern="1200">
+                <a:solidFill>
+                  <a:schemeClr val="tx1"/>
+                </a:solidFill>
+                <a:latin typeface="+mn-lt"/>
+                <a:ea typeface="+mn-ea"/>
+                <a:cs typeface="+mn-cs"/>
+              </a:defRPr>
+            </a:lvl6pPr>
+            <a:lvl7pPr marL="2971800" indent="-228600" algn="l" defTabSz="914400" rtl="0" eaLnBrk="1" latinLnBrk="0" hangingPunct="1">
+              <a:spcBef>
+                <a:spcPct val="20000"/>
+              </a:spcBef>
+              <a:buFont typeface="Arial" panose="020B0604020202020204" pitchFamily="34" charset="0"/>
+              <a:buChar char="•"/>
+              <a:defRPr sz="2000" kern="1200">
+                <a:solidFill>
+                  <a:schemeClr val="tx1"/>
+                </a:solidFill>
+                <a:latin typeface="+mn-lt"/>
+                <a:ea typeface="+mn-ea"/>
+                <a:cs typeface="+mn-cs"/>
+              </a:defRPr>
+            </a:lvl7pPr>
+            <a:lvl8pPr marL="3429000" indent="-228600" algn="l" defTabSz="914400" rtl="0" eaLnBrk="1" latinLnBrk="0" hangingPunct="1">
+              <a:spcBef>
+                <a:spcPct val="20000"/>
+              </a:spcBef>
+              <a:buFont typeface="Arial" panose="020B0604020202020204" pitchFamily="34" charset="0"/>
+              <a:buChar char="•"/>
+              <a:defRPr sz="2000" kern="1200">
+                <a:solidFill>
+                  <a:schemeClr val="tx1"/>
+                </a:solidFill>
+                <a:latin typeface="+mn-lt"/>
+                <a:ea typeface="+mn-ea"/>
+                <a:cs typeface="+mn-cs"/>
+              </a:defRPr>
+            </a:lvl8pPr>
+            <a:lvl9pPr marL="3886200" indent="-228600" algn="l" defTabSz="914400" rtl="0" eaLnBrk="1" latinLnBrk="0" hangingPunct="1">
+              <a:spcBef>
+                <a:spcPct val="20000"/>
+              </a:spcBef>
+              <a:buFont typeface="Arial" panose="020B0604020202020204" pitchFamily="34" charset="0"/>
+              <a:buChar char="•"/>
+              <a:defRPr sz="2000" kern="1200">
+                <a:solidFill>
+                  <a:schemeClr val="tx1"/>
+                </a:solidFill>
+                <a:latin typeface="+mn-lt"/>
+                <a:ea typeface="+mn-ea"/>
+                <a:cs typeface="+mn-cs"/>
+              </a:defRPr>
+            </a:lvl9pPr>
+          </a:lstStyle>
+          <a:p>
+            <a:r>
+              <a:rPr lang="fr-FR" dirty="0" err="1" smtClean="0"/>
+              <a:t>ADTool</a:t>
+            </a:r>
+            <a:endParaRPr lang="fr-FR" dirty="0" smtClean="0"/>
+          </a:p>
+        </p:txBody>
+      </p:sp>
+    </p:spTree>
+  </p:cSld>
+  <p:clrMapOvr>
+    <a:masterClrMapping/>
+  </p:clrMapOvr>
+  <p:timing>
+    <p:tnLst>
+      <p:par>
+        <p:cTn id="1" dur="indefinite" restart="never" nodeType="tmRoot">
+          <p:childTnLst>
+            <p:seq>
+              <p:cTn id="2" nodeType="mainSeq"/>
+              <p:prevCondLst>
+                <p:cond evt="onPrev" delay="0">
+                  <p:tgtEl>
+                    <p:sldTgt/>
+                  </p:tgtEl>
+                </p:cond>
+              </p:prevCondLst>
+              <p:nextCondLst>
+                <p:cond evt="onNext" delay="0">
+                  <p:tgtEl>
+                    <p:sldTgt/>
+                  </p:tgtEl>
+                </p:cond>
+              </p:nextCondLst>
+            </p:seq>
+          </p:childTnLst>
+        </p:cTn>
+      </p:par>
+    </p:tnLst>
+  </p:timing>
+</p:sld>
+</file>
+
+<file path=ppt/slides/slide12.xml><?xml version="1.0" encoding="utf-8"?>
+<p:sld xmlns:a="http://schemas.openxmlformats.org/drawingml/2006/main" xmlns:r="http://schemas.openxmlformats.org/officeDocument/2006/relationships" xmlns:p="http://schemas.openxmlformats.org/presentationml/2006/main">
+  <p:cSld>
+    <p:spTree>
+      <p:nvGrpSpPr>
+        <p:cNvPr id="1" name=""/>
+        <p:cNvGrpSpPr/>
+        <p:nvPr/>
+      </p:nvGrpSpPr>
+      <p:grpSpPr>
+        <a:xfrm>
+          <a:off x="0" y="0"/>
+          <a:ext cx="0" cy="0"/>
+          <a:chOff x="0" y="0"/>
+          <a:chExt cx="0" cy="0"/>
+        </a:xfrm>
+      </p:grpSpPr>
+      <p:sp>
+        <p:nvSpPr>
+          <p:cNvPr id="2" name="Title 1"/>
+          <p:cNvSpPr>
+            <a:spLocks noGrp="1"/>
+          </p:cNvSpPr>
+          <p:nvPr>
+            <p:ph type="title"/>
+          </p:nvPr>
+        </p:nvSpPr>
+        <p:spPr/>
+        <p:txBody>
+          <a:bodyPr/>
+          <a:lstStyle/>
+          <a:p>
+            <a:r>
+              <a:rPr lang="en-US" dirty="0" smtClean="0"/>
+              <a:t>Cahier des charges</a:t>
+            </a:r>
+            <a:endParaRPr lang="fr-FR" dirty="0"/>
+          </a:p>
+        </p:txBody>
+      </p:sp>
+      <p:sp>
+        <p:nvSpPr>
+          <p:cNvPr id="3" name="Content Placeholder 2"/>
+          <p:cNvSpPr>
+            <a:spLocks noGrp="1"/>
+          </p:cNvSpPr>
+          <p:nvPr>
+            <p:ph idx="1"/>
+          </p:nvPr>
+        </p:nvSpPr>
+        <p:spPr/>
+        <p:txBody>
+          <a:bodyPr/>
+          <a:lstStyle/>
+          <a:p>
+            <a:r>
+              <a:rPr lang="en-US" dirty="0" err="1" smtClean="0"/>
+              <a:t>Objectifs</a:t>
+            </a:r>
+            <a:r>
+              <a:rPr lang="fr-FR" dirty="0" smtClean="0"/>
+              <a:t>:</a:t>
+            </a:r>
+          </a:p>
+          <a:p>
+            <a:endParaRPr lang="en-US" dirty="0" smtClean="0"/>
+          </a:p>
+          <a:p>
+            <a:pPr marL="342900" indent="-342900">
+              <a:buFont typeface="Arial" panose="020B0604020202020204" pitchFamily="34" charset="0"/>
+              <a:buChar char="•"/>
+            </a:pPr>
+            <a:r>
+              <a:rPr lang="en-US" dirty="0" smtClean="0"/>
+              <a:t>Aider à </a:t>
+            </a:r>
+            <a:r>
+              <a:rPr lang="en-US" dirty="0" err="1" smtClean="0"/>
+              <a:t>l’analyse</a:t>
+            </a:r>
+            <a:r>
+              <a:rPr lang="en-US" dirty="0" smtClean="0"/>
+              <a:t> des </a:t>
+            </a:r>
+            <a:r>
+              <a:rPr lang="en-US" dirty="0" err="1" smtClean="0"/>
+              <a:t>ADTrees</a:t>
+            </a:r>
+            <a:endParaRPr lang="en-US" dirty="0" smtClean="0"/>
+          </a:p>
+          <a:p>
+            <a:pPr marL="342900" indent="-342900">
+              <a:buFont typeface="Arial" panose="020B0604020202020204" pitchFamily="34" charset="0"/>
+              <a:buChar char="•"/>
+            </a:pPr>
+            <a:endParaRPr lang="en-US" dirty="0" smtClean="0"/>
+          </a:p>
+          <a:p>
+            <a:pPr marL="342900" indent="-342900">
+              <a:buFont typeface="Arial" panose="020B0604020202020204" pitchFamily="34" charset="0"/>
+              <a:buChar char="•"/>
+            </a:pPr>
+            <a:r>
+              <a:rPr lang="en-US" dirty="0" smtClean="0"/>
+              <a:t>A destination des experts en </a:t>
+            </a:r>
+            <a:r>
+              <a:rPr lang="en-US" dirty="0" err="1" smtClean="0"/>
+              <a:t>sécurité</a:t>
+            </a:r>
+            <a:endParaRPr lang="en-US" dirty="0" smtClean="0"/>
+          </a:p>
+          <a:p>
+            <a:endParaRPr lang="en-US" dirty="0"/>
+          </a:p>
+          <a:p>
+            <a:endParaRPr lang="en-US" dirty="0" smtClean="0"/>
+          </a:p>
+          <a:p>
+            <a:endParaRPr lang="en-US" dirty="0" smtClean="0"/>
+          </a:p>
+        </p:txBody>
+      </p:sp>
+      <p:sp>
+        <p:nvSpPr>
+          <p:cNvPr id="4" name="Text Placeholder 3"/>
+          <p:cNvSpPr>
+            <a:spLocks noGrp="1"/>
+          </p:cNvSpPr>
+          <p:nvPr>
+            <p:ph type="body" sz="quarter" idx="10"/>
+          </p:nvPr>
+        </p:nvSpPr>
+        <p:spPr/>
+        <p:txBody>
+          <a:bodyPr>
+            <a:normAutofit fontScale="92500" lnSpcReduction="20000"/>
+          </a:bodyPr>
+          <a:lstStyle/>
+          <a:p>
+            <a:r>
+              <a:rPr lang="fr-FR" dirty="0" smtClean="0"/>
+              <a:t>Cahier des charges</a:t>
+            </a:r>
+            <a:endParaRPr lang="fr-FR" dirty="0"/>
+          </a:p>
+        </p:txBody>
+      </p:sp>
+    </p:spTree>
+    <p:extLst>
+      <p:ext uri="{BB962C8B-B14F-4D97-AF65-F5344CB8AC3E}">
+        <p14:creationId xmlns:p14="http://schemas.microsoft.com/office/powerpoint/2010/main" val="3529395091"/>
+      </p:ext>
+    </p:extLst>
+  </p:cSld>
+  <p:clrMapOvr>
+    <a:masterClrMapping/>
+  </p:clrMapOvr>
+  <p:timing>
+    <p:tnLst>
+      <p:par>
+        <p:cTn id="1" dur="indefinite" restart="never" nodeType="tmRoot">
+          <p:childTnLst>
+            <p:seq concurrent="1" nextAc="seek">
+              <p:cTn id="2" dur="indefinite" nodeType="mainSeq">
+                <p:childTnLst>
+                  <p:par>
+                    <p:cTn id="3" fill="hold">
+                      <p:stCondLst>
+                        <p:cond delay="indefinite"/>
+                      </p:stCondLst>
+                      <p:childTnLst>
+                        <p:par>
+                          <p:cTn id="4" fill="hold">
+                            <p:stCondLst>
+                              <p:cond delay="0"/>
+                            </p:stCondLst>
+                            <p:childTnLst>
+                              <p:par>
+                                <p:cTn id="5" presetID="1" presetClass="entr" presetSubtype="0" fill="hold" nodeType="clickEffect">
+                                  <p:stCondLst>
+                                    <p:cond delay="0"/>
+                                  </p:stCondLst>
+                                  <p:childTnLst>
+                                    <p:set>
+                                      <p:cBhvr>
+                                        <p:cTn id="6" dur="1" fill="hold">
+                                          <p:stCondLst>
+                                            <p:cond delay="0"/>
+                                          </p:stCondLst>
+                                        </p:cTn>
+                                        <p:tgtEl>
+                                          <p:spTgt spid="3">
+                                            <p:txEl>
+                                              <p:pRg st="2" end="2"/>
+                                            </p:txEl>
+                                          </p:spTgt>
+                                        </p:tgtEl>
+                                        <p:attrNameLst>
+                                          <p:attrName>style.visibility</p:attrName>
+                                        </p:attrNameLst>
+                                      </p:cBhvr>
+                                      <p:to>
+                                        <p:strVal val="visible"/>
+                                      </p:to>
+                                    </p:set>
+                                  </p:childTnLst>
+                                </p:cTn>
+                              </p:par>
+                            </p:childTnLst>
+                          </p:cTn>
+                        </p:par>
+                      </p:childTnLst>
+                    </p:cTn>
+                  </p:par>
+                  <p:par>
+                    <p:cTn id="7" fill="hold">
+                      <p:stCondLst>
+                        <p:cond delay="indefinite"/>
+                      </p:stCondLst>
+                      <p:childTnLst>
+                        <p:par>
+                          <p:cTn id="8" fill="hold">
+                            <p:stCondLst>
+                              <p:cond delay="0"/>
+                            </p:stCondLst>
+                            <p:childTnLst>
+                              <p:par>
+                                <p:cTn id="9" presetID="1" presetClass="entr" presetSubtype="0" fill="hold" nodeType="clickEffect">
+                                  <p:stCondLst>
+                                    <p:cond delay="0"/>
+                                  </p:stCondLst>
+                                  <p:childTnLst>
+                                    <p:set>
+                                      <p:cBhvr>
+                                        <p:cTn id="10" dur="1" fill="hold">
+                                          <p:stCondLst>
+                                            <p:cond delay="0"/>
+                                          </p:stCondLst>
+                                        </p:cTn>
+                                        <p:tgtEl>
+                                          <p:spTgt spid="3">
+                                            <p:txEl>
+                                              <p:pRg st="4" end="4"/>
+                                            </p:txEl>
+                                          </p:spTgt>
+                                        </p:tgtEl>
+                                        <p:attrNameLst>
+                                          <p:attrName>style.visibility</p:attrName>
+                                        </p:attrNameLst>
+                                      </p:cBhvr>
+                                      <p:to>
+                                        <p:strVal val="visible"/>
+                                      </p:to>
+                                    </p:set>
+                                  </p:childTnLst>
+                                </p:cTn>
+                              </p:par>
+                            </p:childTnLst>
+                          </p:cTn>
+                        </p:par>
+                      </p:childTnLst>
+                    </p:cTn>
+                  </p:par>
+                </p:childTnLst>
+              </p:cTn>
+              <p:prevCondLst>
+                <p:cond evt="onPrev" delay="0">
+                  <p:tgtEl>
+                    <p:sldTgt/>
+                  </p:tgtEl>
+                </p:cond>
+              </p:prevCondLst>
+              <p:nextCondLst>
+                <p:cond evt="onNext" delay="0">
+                  <p:tgtEl>
+                    <p:sldTgt/>
+                  </p:tgtEl>
+                </p:cond>
+              </p:nextCondLst>
+            </p:seq>
+          </p:childTnLst>
+        </p:cTn>
+      </p:par>
+    </p:tnLst>
+  </p:timing>
+</p:sld>
+</file>
+
+<file path=ppt/slides/slide13.xml><?xml version="1.0" encoding="utf-8"?>
+<p:sld xmlns:a="http://schemas.openxmlformats.org/drawingml/2006/main" xmlns:r="http://schemas.openxmlformats.org/officeDocument/2006/relationships" xmlns:p="http://schemas.openxmlformats.org/presentationml/2006/main">
+  <p:cSld>
+    <p:spTree>
+      <p:nvGrpSpPr>
+        <p:cNvPr id="1" name=""/>
+        <p:cNvGrpSpPr/>
+        <p:nvPr/>
+      </p:nvGrpSpPr>
+      <p:grpSpPr>
+        <a:xfrm>
+          <a:off x="0" y="0"/>
+          <a:ext cx="0" cy="0"/>
+          <a:chOff x="0" y="0"/>
+          <a:chExt cx="0" cy="0"/>
+        </a:xfrm>
+      </p:grpSpPr>
+      <p:sp>
+        <p:nvSpPr>
+          <p:cNvPr id="2" name="Title 1"/>
+          <p:cNvSpPr>
+            <a:spLocks noGrp="1"/>
+          </p:cNvSpPr>
+          <p:nvPr>
+            <p:ph type="title"/>
+          </p:nvPr>
+        </p:nvSpPr>
+        <p:spPr/>
+        <p:txBody>
+          <a:bodyPr/>
+          <a:lstStyle/>
+          <a:p>
+            <a:endParaRPr lang="fr-FR" dirty="0"/>
+          </a:p>
+        </p:txBody>
+      </p:sp>
+      <p:sp>
+        <p:nvSpPr>
+          <p:cNvPr id="3" name="Content Placeholder 2"/>
+          <p:cNvSpPr>
+            <a:spLocks noGrp="1"/>
+          </p:cNvSpPr>
+          <p:nvPr>
+            <p:ph idx="1"/>
+          </p:nvPr>
+        </p:nvSpPr>
+        <p:spPr/>
+        <p:txBody>
+          <a:bodyPr/>
+          <a:lstStyle/>
+          <a:p>
+            <a:r>
+              <a:rPr lang="fr-FR" dirty="0" smtClean="0"/>
+              <a:t>Nouvelles fonctionnalités d’analyse:</a:t>
+            </a:r>
+          </a:p>
+          <a:p>
+            <a:endParaRPr lang="fr-FR" dirty="0" smtClean="0"/>
+          </a:p>
+          <a:p>
+            <a:pPr marL="342900" indent="-342900">
+              <a:buFont typeface="Arial" panose="020B0604020202020204" pitchFamily="34" charset="0"/>
+              <a:buChar char="•"/>
+            </a:pPr>
+            <a:r>
+              <a:rPr lang="fr-FR" dirty="0" smtClean="0"/>
+              <a:t>Optimiseur</a:t>
+            </a:r>
+          </a:p>
+          <a:p>
+            <a:pPr marL="342900" indent="-342900">
+              <a:buFont typeface="Arial" panose="020B0604020202020204" pitchFamily="34" charset="0"/>
+              <a:buChar char="•"/>
+            </a:pPr>
+            <a:endParaRPr lang="fr-FR" dirty="0"/>
+          </a:p>
+          <a:p>
+            <a:pPr marL="342900" indent="-342900">
+              <a:buFont typeface="Arial" panose="020B0604020202020204" pitchFamily="34" charset="0"/>
+              <a:buChar char="•"/>
+            </a:pPr>
+            <a:r>
+              <a:rPr lang="fr-FR" dirty="0" smtClean="0"/>
+              <a:t>Paramètre synthèse</a:t>
+            </a:r>
+          </a:p>
+          <a:p>
+            <a:pPr marL="342900" indent="-342900">
+              <a:buFont typeface="Arial" panose="020B0604020202020204" pitchFamily="34" charset="0"/>
+              <a:buChar char="•"/>
+            </a:pPr>
+            <a:endParaRPr lang="fr-FR" dirty="0" smtClean="0"/>
+          </a:p>
+          <a:p>
+            <a:pPr marL="342900" indent="-342900">
+              <a:buFont typeface="Arial" panose="020B0604020202020204" pitchFamily="34" charset="0"/>
+              <a:buChar char="•"/>
+            </a:pPr>
+            <a:r>
+              <a:rPr lang="fr-FR" dirty="0" smtClean="0"/>
+              <a:t>Filtre</a:t>
+            </a:r>
+          </a:p>
+          <a:p>
+            <a:pPr marL="342900" indent="-342900">
+              <a:buFont typeface="Arial" panose="020B0604020202020204" pitchFamily="34" charset="0"/>
+              <a:buChar char="•"/>
+            </a:pPr>
+            <a:endParaRPr lang="fr-FR" dirty="0"/>
+          </a:p>
+          <a:p>
+            <a:endParaRPr lang="fr-FR" dirty="0" smtClean="0"/>
+          </a:p>
+        </p:txBody>
+      </p:sp>
+      <p:sp>
+        <p:nvSpPr>
+          <p:cNvPr id="4" name="Text Placeholder 3"/>
+          <p:cNvSpPr>
+            <a:spLocks noGrp="1"/>
+          </p:cNvSpPr>
+          <p:nvPr>
+            <p:ph type="body" sz="quarter" idx="10"/>
+          </p:nvPr>
+        </p:nvSpPr>
+        <p:spPr/>
+        <p:txBody>
+          <a:bodyPr>
+            <a:normAutofit fontScale="92500" lnSpcReduction="20000"/>
+          </a:bodyPr>
+          <a:lstStyle/>
+          <a:p>
+            <a:r>
+              <a:rPr lang="fr-FR" dirty="0" smtClean="0"/>
+              <a:t>Cahier des charges</a:t>
+            </a:r>
+            <a:endParaRPr lang="fr-FR" dirty="0"/>
+          </a:p>
+        </p:txBody>
+      </p:sp>
+    </p:spTree>
+    <p:extLst>
+      <p:ext uri="{BB962C8B-B14F-4D97-AF65-F5344CB8AC3E}">
+        <p14:creationId xmlns:p14="http://schemas.microsoft.com/office/powerpoint/2010/main" val="1530234867"/>
+      </p:ext>
+    </p:extLst>
+  </p:cSld>
+  <p:clrMapOvr>
+    <a:masterClrMapping/>
+  </p:clrMapOvr>
+  <p:timing>
+    <p:tnLst>
+      <p:par>
+        <p:cTn id="1" dur="indefinite" restart="never" nodeType="tmRoot">
+          <p:childTnLst>
+            <p:seq concurrent="1" nextAc="seek">
+              <p:cTn id="2" dur="indefinite" nodeType="mainSeq">
+                <p:childTnLst>
+                  <p:par>
+                    <p:cTn id="3" fill="hold">
+                      <p:stCondLst>
+                        <p:cond delay="indefinite"/>
+                      </p:stCondLst>
+                      <p:childTnLst>
+                        <p:par>
+                          <p:cTn id="4" fill="hold">
+                            <p:stCondLst>
+                              <p:cond delay="0"/>
+                            </p:stCondLst>
+                            <p:childTnLst>
+                              <p:par>
+                                <p:cTn id="5" presetID="1" presetClass="entr" presetSubtype="0" fill="hold" nodeType="clickEffect">
+                                  <p:stCondLst>
+                                    <p:cond delay="0"/>
+                                  </p:stCondLst>
+                                  <p:childTnLst>
+                                    <p:set>
+                                      <p:cBhvr>
+                                        <p:cTn id="6" dur="1" fill="hold">
+                                          <p:stCondLst>
+                                            <p:cond delay="0"/>
+                                          </p:stCondLst>
+                                        </p:cTn>
+                                        <p:tgtEl>
+                                          <p:spTgt spid="3">
+                                            <p:txEl>
+                                              <p:pRg st="2" end="2"/>
+                                            </p:txEl>
+                                          </p:spTgt>
+                                        </p:tgtEl>
+                                        <p:attrNameLst>
+                                          <p:attrName>style.visibility</p:attrName>
+                                        </p:attrNameLst>
+                                      </p:cBhvr>
+                                      <p:to>
+                                        <p:strVal val="visible"/>
+                                      </p:to>
+                                    </p:set>
+                                  </p:childTnLst>
+                                </p:cTn>
+                              </p:par>
+                            </p:childTnLst>
+                          </p:cTn>
+                        </p:par>
+                      </p:childTnLst>
+                    </p:cTn>
+                  </p:par>
+                  <p:par>
+                    <p:cTn id="7" fill="hold">
+                      <p:stCondLst>
+                        <p:cond delay="indefinite"/>
+                      </p:stCondLst>
+                      <p:childTnLst>
+                        <p:par>
+                          <p:cTn id="8" fill="hold">
+                            <p:stCondLst>
+                              <p:cond delay="0"/>
+                            </p:stCondLst>
+                            <p:childTnLst>
+                              <p:par>
+                                <p:cTn id="9" presetID="1" presetClass="entr" presetSubtype="0" fill="hold" nodeType="clickEffect">
+                                  <p:stCondLst>
+                                    <p:cond delay="0"/>
+                                  </p:stCondLst>
+                                  <p:childTnLst>
+                                    <p:set>
+                                      <p:cBhvr>
+                                        <p:cTn id="10" dur="1" fill="hold">
+                                          <p:stCondLst>
+                                            <p:cond delay="0"/>
+                                          </p:stCondLst>
+                                        </p:cTn>
+                                        <p:tgtEl>
+                                          <p:spTgt spid="3">
+                                            <p:txEl>
+                                              <p:pRg st="4" end="4"/>
+                                            </p:txEl>
+                                          </p:spTgt>
+                                        </p:tgtEl>
+                                        <p:attrNameLst>
+                                          <p:attrName>style.visibility</p:attrName>
+                                        </p:attrNameLst>
+                                      </p:cBhvr>
+                                      <p:to>
+                                        <p:strVal val="visible"/>
+                                      </p:to>
+                                    </p:set>
+                                  </p:childTnLst>
+                                </p:cTn>
+                              </p:par>
+                            </p:childTnLst>
+                          </p:cTn>
+                        </p:par>
+                      </p:childTnLst>
+                    </p:cTn>
+                  </p:par>
+                  <p:par>
+                    <p:cTn id="11" fill="hold">
+                      <p:stCondLst>
+                        <p:cond delay="indefinite"/>
+                      </p:stCondLst>
+                      <p:childTnLst>
+                        <p:par>
+                          <p:cTn id="12" fill="hold">
+                            <p:stCondLst>
+                              <p:cond delay="0"/>
+                            </p:stCondLst>
+                            <p:childTnLst>
+                              <p:par>
+                                <p:cTn id="13" presetID="1" presetClass="entr" presetSubtype="0" fill="hold" nodeType="clickEffect">
+                                  <p:stCondLst>
+                                    <p:cond delay="0"/>
+                                  </p:stCondLst>
+                                  <p:childTnLst>
+                                    <p:set>
+                                      <p:cBhvr>
+                                        <p:cTn id="14" dur="1" fill="hold">
+                                          <p:stCondLst>
+                                            <p:cond delay="0"/>
+                                          </p:stCondLst>
+                                        </p:cTn>
+                                        <p:tgtEl>
+                                          <p:spTgt spid="3">
+                                            <p:txEl>
+                                              <p:pRg st="6" end="6"/>
+                                            </p:txEl>
+                                          </p:spTgt>
+                                        </p:tgtEl>
+                                        <p:attrNameLst>
+                                          <p:attrName>style.visibility</p:attrName>
+                                        </p:attrNameLst>
+                                      </p:cBhvr>
+                                      <p:to>
+                                        <p:strVal val="visible"/>
+                                      </p:to>
+                                    </p:set>
+                                  </p:childTnLst>
+                                </p:cTn>
+                              </p:par>
+                            </p:childTnLst>
+                          </p:cTn>
+                        </p:par>
+                      </p:childTnLst>
+                    </p:cTn>
+                  </p:par>
+                </p:childTnLst>
+              </p:cTn>
+              <p:prevCondLst>
+                <p:cond evt="onPrev" delay="0">
+                  <p:tgtEl>
+                    <p:sldTgt/>
+                  </p:tgtEl>
+                </p:cond>
+              </p:prevCondLst>
+              <p:nextCondLst>
+                <p:cond evt="onNext" delay="0">
+                  <p:tgtEl>
+                    <p:sldTgt/>
+                  </p:tgtEl>
+                </p:cond>
+              </p:nextCondLst>
+            </p:seq>
+          </p:childTnLst>
+        </p:cTn>
+      </p:par>
+    </p:tnLst>
+  </p:timing>
+</p:sld>
+</file>
+
+<file path=ppt/slides/slide14.xml><?xml version="1.0" encoding="utf-8"?>
+<p:sld xmlns:a="http://schemas.openxmlformats.org/drawingml/2006/main" xmlns:r="http://schemas.openxmlformats.org/officeDocument/2006/relationships" xmlns:p="http://schemas.openxmlformats.org/presentationml/2006/main">
+  <p:cSld>
+    <p:spTree>
+      <p:nvGrpSpPr>
+        <p:cNvPr id="1" name=""/>
+        <p:cNvGrpSpPr/>
+        <p:nvPr/>
+      </p:nvGrpSpPr>
+      <p:grpSpPr>
+        <a:xfrm>
+          <a:off x="0" y="0"/>
+          <a:ext cx="0" cy="0"/>
+          <a:chOff x="0" y="0"/>
+          <a:chExt cx="0" cy="0"/>
+        </a:xfrm>
+      </p:grpSpPr>
+      <p:sp>
+        <p:nvSpPr>
+          <p:cNvPr id="2" name="Title 1"/>
+          <p:cNvSpPr>
+            <a:spLocks noGrp="1"/>
+          </p:cNvSpPr>
+          <p:nvPr>
+            <p:ph type="title"/>
+          </p:nvPr>
+        </p:nvSpPr>
+        <p:spPr/>
+        <p:txBody>
+          <a:bodyPr/>
+          <a:lstStyle/>
+          <a:p>
+            <a:endParaRPr lang="fr-FR"/>
+          </a:p>
+        </p:txBody>
+      </p:sp>
+      <p:sp>
+        <p:nvSpPr>
+          <p:cNvPr id="3" name="Content Placeholder 2"/>
+          <p:cNvSpPr>
+            <a:spLocks noGrp="1"/>
+          </p:cNvSpPr>
+          <p:nvPr>
+            <p:ph idx="1"/>
+          </p:nvPr>
+        </p:nvSpPr>
+        <p:spPr/>
+        <p:txBody>
+          <a:bodyPr/>
+          <a:lstStyle/>
+          <a:p>
+            <a:r>
+              <a:rPr lang="fr-FR" dirty="0" smtClean="0"/>
+              <a:t>Reprendre </a:t>
+            </a:r>
+            <a:r>
+              <a:rPr lang="fr-FR" dirty="0" err="1"/>
+              <a:t>ADTool</a:t>
+            </a:r>
+            <a:r>
+              <a:rPr lang="fr-FR" dirty="0"/>
+              <a:t> pour </a:t>
+            </a:r>
+            <a:r>
+              <a:rPr lang="fr-FR" dirty="0" smtClean="0"/>
+              <a:t>éditer les arbres</a:t>
+            </a:r>
+          </a:p>
+          <a:p>
+            <a:r>
+              <a:rPr lang="fr-FR" dirty="0" smtClean="0"/>
+              <a:t>L’intégrer dans notre logiciel en tant que sous fenêtre</a:t>
+            </a:r>
+          </a:p>
+          <a:p>
+            <a:endParaRPr lang="fr-FR" dirty="0"/>
+          </a:p>
+        </p:txBody>
+      </p:sp>
+      <p:sp>
+        <p:nvSpPr>
+          <p:cNvPr id="4" name="Text Placeholder 3"/>
+          <p:cNvSpPr>
+            <a:spLocks noGrp="1"/>
+          </p:cNvSpPr>
+          <p:nvPr>
+            <p:ph type="body" sz="quarter" idx="10"/>
+          </p:nvPr>
+        </p:nvSpPr>
+        <p:spPr/>
+        <p:txBody>
+          <a:bodyPr>
+            <a:normAutofit fontScale="92500" lnSpcReduction="20000"/>
+          </a:bodyPr>
+          <a:lstStyle/>
+          <a:p>
+            <a:r>
+              <a:rPr lang="en-US" dirty="0" smtClean="0"/>
+              <a:t>Interface</a:t>
+            </a:r>
+          </a:p>
+        </p:txBody>
+      </p:sp>
+      <p:pic>
+        <p:nvPicPr>
+          <p:cNvPr id="5" name="Picture 4"/>
+          <p:cNvPicPr>
+            <a:picLocks noChangeAspect="1"/>
+          </p:cNvPicPr>
+          <p:nvPr/>
+        </p:nvPicPr>
+        <p:blipFill>
+          <a:blip r:embed="rId2">
+            <a:extLst>
+              <a:ext uri="{28A0092B-C50C-407E-A947-70E740481C1C}">
+                <a14:useLocalDpi xmlns:a14="http://schemas.microsoft.com/office/drawing/2010/main" val="0"/>
+              </a:ext>
+            </a:extLst>
+          </a:blip>
+          <a:stretch>
+            <a:fillRect/>
+          </a:stretch>
+        </p:blipFill>
+        <p:spPr>
+          <a:xfrm>
+            <a:off x="494326" y="1980137"/>
+            <a:ext cx="8208912" cy="4617513"/>
+          </a:xfrm>
+          <a:prstGeom prst="rect">
+            <a:avLst/>
+          </a:prstGeom>
+        </p:spPr>
+      </p:pic>
+    </p:spTree>
+    <p:extLst>
+      <p:ext uri="{BB962C8B-B14F-4D97-AF65-F5344CB8AC3E}">
+        <p14:creationId xmlns:p14="http://schemas.microsoft.com/office/powerpoint/2010/main" val="2199322486"/>
+      </p:ext>
+    </p:extLst>
+  </p:cSld>
+  <p:clrMapOvr>
+    <a:masterClrMapping/>
+  </p:clrMapOvr>
+  <p:timing>
+    <p:tnLst>
+      <p:par>
+        <p:cTn id="1" dur="indefinite" restart="never" nodeType="tmRoot">
+          <p:childTnLst>
+            <p:seq concurrent="1" nextAc="seek">
+              <p:cTn id="2" dur="indefinite" nodeType="mainSeq">
+                <p:childTnLst>
+                  <p:par>
+                    <p:cTn id="3" fill="hold">
+                      <p:stCondLst>
+                        <p:cond delay="indefinite"/>
+                      </p:stCondLst>
+                      <p:childTnLst>
+                        <p:par>
+                          <p:cTn id="4" fill="hold">
+                            <p:stCondLst>
+                              <p:cond delay="0"/>
+                            </p:stCondLst>
+                            <p:childTnLst>
+                              <p:par>
+                                <p:cTn id="5" presetID="1" presetClass="entr" presetSubtype="0" fill="hold" nodeType="clickEffect">
+                                  <p:stCondLst>
+                                    <p:cond delay="0"/>
+                                  </p:stCondLst>
+                                  <p:childTnLst>
+                                    <p:set>
+                                      <p:cBhvr>
+                                        <p:cTn id="6" dur="1" fill="hold">
+                                          <p:stCondLst>
+                                            <p:cond delay="0"/>
+                                          </p:stCondLst>
+                                        </p:cTn>
+                                        <p:tgtEl>
+                                          <p:spTgt spid="3">
+                                            <p:txEl>
+                                              <p:pRg st="1" end="1"/>
+                                            </p:txEl>
+                                          </p:spTgt>
+                                        </p:tgtEl>
+                                        <p:attrNameLst>
+                                          <p:attrName>style.visibility</p:attrName>
+                                        </p:attrNameLst>
+                                      </p:cBhvr>
+                                      <p:to>
+                                        <p:strVal val="visible"/>
+                                      </p:to>
+                                    </p:set>
+                                  </p:childTnLst>
+                                </p:cTn>
+                              </p:par>
+                            </p:childTnLst>
+                          </p:cTn>
+                        </p:par>
+                      </p:childTnLst>
+                    </p:cTn>
+                  </p:par>
+                  <p:par>
+                    <p:cTn id="7" fill="hold">
+                      <p:stCondLst>
+                        <p:cond delay="indefinite"/>
+                      </p:stCondLst>
+                      <p:childTnLst>
+                        <p:par>
+                          <p:cTn id="8" fill="hold">
+                            <p:stCondLst>
+                              <p:cond delay="0"/>
+                            </p:stCondLst>
+                            <p:childTnLst>
+                              <p:par>
+                                <p:cTn id="9" presetID="1" presetClass="entr" presetSubtype="0" fill="hold" nodeType="clickEffect">
+                                  <p:stCondLst>
+                                    <p:cond delay="0"/>
+                                  </p:stCondLst>
+                                  <p:childTnLst>
+                                    <p:set>
+                                      <p:cBhvr>
+                                        <p:cTn id="10" dur="1" fill="hold">
+                                          <p:stCondLst>
+                                            <p:cond delay="0"/>
+                                          </p:stCondLst>
+                                        </p:cTn>
+                                        <p:tgtEl>
+                                          <p:spTgt spid="5"/>
+                                        </p:tgtEl>
+                                        <p:attrNameLst>
+                                          <p:attrName>style.visibility</p:attrName>
+                                        </p:attrNameLst>
+                                      </p:cBhvr>
+                                      <p:to>
+                                        <p:strVal val="visible"/>
+                                      </p:to>
+                                    </p:set>
+                                  </p:childTnLst>
+                                </p:cTn>
+                              </p:par>
+                            </p:childTnLst>
+                          </p:cTn>
+                        </p:par>
+                      </p:childTnLst>
+                    </p:cTn>
+                  </p:par>
+                </p:childTnLst>
+              </p:cTn>
+              <p:prevCondLst>
+                <p:cond evt="onPrev" delay="0">
+                  <p:tgtEl>
+                    <p:sldTgt/>
+                  </p:tgtEl>
+                </p:cond>
+              </p:prevCondLst>
+              <p:nextCondLst>
+                <p:cond evt="onNext" delay="0">
+                  <p:tgtEl>
+                    <p:sldTgt/>
+                  </p:tgtEl>
+                </p:cond>
+              </p:nextCondLst>
+            </p:seq>
+          </p:childTnLst>
+        </p:cTn>
+      </p:par>
+    </p:tnLst>
+  </p:timing>
+</p:sld>
+</file>
+
+<file path=ppt/slides/slide15.xml><?xml version="1.0" encoding="utf-8"?>
+<p:sld xmlns:a="http://schemas.openxmlformats.org/drawingml/2006/main" xmlns:r="http://schemas.openxmlformats.org/officeDocument/2006/relationships" xmlns:p="http://schemas.openxmlformats.org/presentationml/2006/main">
+  <p:cSld>
+    <p:spTree>
+      <p:nvGrpSpPr>
+        <p:cNvPr id="1" name=""/>
+        <p:cNvGrpSpPr/>
+        <p:nvPr/>
+      </p:nvGrpSpPr>
+      <p:grpSpPr>
+        <a:xfrm>
+          <a:off x="0" y="0"/>
+          <a:ext cx="0" cy="0"/>
+          <a:chOff x="0" y="0"/>
+          <a:chExt cx="0" cy="0"/>
+        </a:xfrm>
+      </p:grpSpPr>
+      <p:sp>
+        <p:nvSpPr>
+          <p:cNvPr id="2" name="Title 1"/>
+          <p:cNvSpPr>
+            <a:spLocks noGrp="1"/>
+          </p:cNvSpPr>
+          <p:nvPr>
+            <p:ph type="title"/>
+          </p:nvPr>
+        </p:nvSpPr>
+        <p:spPr/>
+        <p:txBody>
+          <a:bodyPr/>
+          <a:lstStyle/>
+          <a:p>
+            <a:endParaRPr lang="fr-FR"/>
+          </a:p>
+        </p:txBody>
+      </p:sp>
+      <p:sp>
+        <p:nvSpPr>
+          <p:cNvPr id="3" name="Content Placeholder 2"/>
+          <p:cNvSpPr>
+            <a:spLocks noGrp="1"/>
+          </p:cNvSpPr>
+          <p:nvPr>
+            <p:ph idx="1"/>
+          </p:nvPr>
+        </p:nvSpPr>
+        <p:spPr/>
+        <p:txBody>
+          <a:bodyPr/>
+          <a:lstStyle/>
+          <a:p>
+            <a:endParaRPr lang="fr-FR" dirty="0"/>
+          </a:p>
+        </p:txBody>
+      </p:sp>
+      <p:sp>
+        <p:nvSpPr>
+          <p:cNvPr id="4" name="Text Placeholder 3"/>
+          <p:cNvSpPr>
+            <a:spLocks noGrp="1"/>
+          </p:cNvSpPr>
+          <p:nvPr>
+            <p:ph type="body" sz="quarter" idx="10"/>
+          </p:nvPr>
+        </p:nvSpPr>
+        <p:spPr/>
+        <p:txBody>
+          <a:bodyPr>
+            <a:normAutofit fontScale="92500" lnSpcReduction="20000"/>
+          </a:bodyPr>
+          <a:lstStyle/>
+          <a:p>
+            <a:r>
+              <a:rPr lang="fr-FR" dirty="0" smtClean="0"/>
+              <a:t>Architecture</a:t>
+            </a:r>
+            <a:endParaRPr lang="fr-FR" dirty="0"/>
+          </a:p>
+        </p:txBody>
+      </p:sp>
+      <p:pic>
+        <p:nvPicPr>
+          <p:cNvPr id="5" name="Picture 4"/>
+          <p:cNvPicPr>
+            <a:picLocks noChangeAspect="1"/>
+          </p:cNvPicPr>
+          <p:nvPr/>
+        </p:nvPicPr>
+        <p:blipFill>
+          <a:blip r:embed="rId2">
+            <a:extLst>
+              <a:ext uri="{28A0092B-C50C-407E-A947-70E740481C1C}">
+                <a14:useLocalDpi xmlns:a14="http://schemas.microsoft.com/office/drawing/2010/main" val="0"/>
+              </a:ext>
+            </a:extLst>
+          </a:blip>
+          <a:stretch>
+            <a:fillRect/>
+          </a:stretch>
+        </p:blipFill>
+        <p:spPr>
+          <a:xfrm>
+            <a:off x="1259972" y="1088740"/>
+            <a:ext cx="6912768" cy="5184576"/>
+          </a:xfrm>
+          <a:prstGeom prst="rect">
+            <a:avLst/>
+          </a:prstGeom>
+        </p:spPr>
+      </p:pic>
+    </p:spTree>
+    <p:extLst>
+      <p:ext uri="{BB962C8B-B14F-4D97-AF65-F5344CB8AC3E}">
+        <p14:creationId xmlns:p14="http://schemas.microsoft.com/office/powerpoint/2010/main" val="3871753629"/>
+      </p:ext>
+    </p:extLst>
+  </p:cSld>
+  <p:clrMapOvr>
+    <a:masterClrMapping/>
+  </p:clrMapOvr>
+  <p:timing>
+    <p:tnLst>
+      <p:par>
+        <p:cTn id="1" dur="indefinite" restart="never" nodeType="tmRoot"/>
+      </p:par>
+    </p:tnLst>
+  </p:timing>
+</p:sld>
+</file>
+
+<file path=ppt/slides/slide16.xml><?xml version="1.0" encoding="utf-8"?>
+<p:sld xmlns:a="http://schemas.openxmlformats.org/drawingml/2006/main" xmlns:r="http://schemas.openxmlformats.org/officeDocument/2006/relationships" xmlns:p="http://schemas.openxmlformats.org/presentationml/2006/main">
+  <p:cSld>
+    <p:spTree>
+      <p:nvGrpSpPr>
+        <p:cNvPr id="1" name=""/>
+        <p:cNvGrpSpPr/>
+        <p:nvPr/>
+      </p:nvGrpSpPr>
+      <p:grpSpPr>
+        <a:xfrm>
+          <a:off x="0" y="0"/>
+          <a:ext cx="0" cy="0"/>
+          <a:chOff x="0" y="0"/>
+          <a:chExt cx="0" cy="0"/>
+        </a:xfrm>
+      </p:grpSpPr>
+      <p:sp>
+        <p:nvSpPr>
+          <p:cNvPr id="2" name="Titre 1"/>
+          <p:cNvSpPr>
+            <a:spLocks noGrp="1"/>
+          </p:cNvSpPr>
+          <p:nvPr>
+            <p:ph type="title"/>
+          </p:nvPr>
+        </p:nvSpPr>
+        <p:spPr/>
+        <p:txBody>
+          <a:bodyPr>
+            <a:normAutofit/>
+          </a:bodyPr>
+          <a:lstStyle/>
+          <a:p>
+            <a:r>
+              <a:rPr lang="fr-FR" dirty="0" smtClean="0"/>
+              <a:t>Paramètre de synthèse</a:t>
+            </a:r>
+            <a:endParaRPr lang="fr-FR" dirty="0"/>
+          </a:p>
+        </p:txBody>
+      </p:sp>
+      <p:sp>
+        <p:nvSpPr>
+          <p:cNvPr id="4" name="Espace réservé du texte 3"/>
+          <p:cNvSpPr>
+            <a:spLocks noGrp="1"/>
+          </p:cNvSpPr>
+          <p:nvPr>
+            <p:ph type="body" sz="quarter" idx="10"/>
+          </p:nvPr>
+        </p:nvSpPr>
+        <p:spPr/>
+        <p:txBody>
+          <a:bodyPr>
+            <a:normAutofit fontScale="92500" lnSpcReduction="20000"/>
+          </a:bodyPr>
+          <a:lstStyle/>
+          <a:p>
+            <a:r>
+              <a:rPr lang="fr-FR" dirty="0"/>
+              <a:t>Spécifications fonctionnelles.</a:t>
+            </a:r>
+          </a:p>
+        </p:txBody>
+      </p:sp>
+      <p:pic>
+        <p:nvPicPr>
+          <p:cNvPr id="3" name="Espace réservé du contenu 2"/>
+          <p:cNvPicPr>
+            <a:picLocks noGrp="1" noChangeAspect="1"/>
+          </p:cNvPicPr>
+          <p:nvPr>
+            <p:ph idx="1"/>
+          </p:nvPr>
+        </p:nvPicPr>
+        <p:blipFill>
+          <a:blip r:embed="rId2" cstate="print">
+            <a:extLst>
+              <a:ext uri="{28A0092B-C50C-407E-A947-70E740481C1C}">
+                <a14:useLocalDpi xmlns:a14="http://schemas.microsoft.com/office/drawing/2010/main" val="0"/>
+              </a:ext>
+            </a:extLst>
+          </a:blip>
+          <a:stretch>
+            <a:fillRect/>
+          </a:stretch>
+        </p:blipFill>
+        <p:spPr>
+          <a:xfrm>
+            <a:off x="4510298" y="1545198"/>
+            <a:ext cx="4504637" cy="2638110"/>
+          </a:xfrm>
+        </p:spPr>
+      </p:pic>
+      <p:pic>
+        <p:nvPicPr>
+          <p:cNvPr id="5" name="Image 4"/>
+          <p:cNvPicPr>
+            <a:picLocks noChangeAspect="1"/>
+          </p:cNvPicPr>
+          <p:nvPr/>
+        </p:nvPicPr>
+        <p:blipFill rotWithShape="1">
+          <a:blip r:embed="rId3" cstate="print">
+            <a:extLst>
+              <a:ext uri="{28A0092B-C50C-407E-A947-70E740481C1C}">
+                <a14:useLocalDpi xmlns:a14="http://schemas.microsoft.com/office/drawing/2010/main" val="0"/>
+              </a:ext>
+            </a:extLst>
+          </a:blip>
+          <a:srcRect r="5380"/>
+          <a:stretch/>
+        </p:blipFill>
+        <p:spPr>
+          <a:xfrm>
+            <a:off x="1" y="1616219"/>
+            <a:ext cx="4572000" cy="2676877"/>
+          </a:xfrm>
+          <a:prstGeom prst="rect">
+            <a:avLst/>
+          </a:prstGeom>
+        </p:spPr>
+      </p:pic>
+      <p:sp>
+        <p:nvSpPr>
+          <p:cNvPr id="7" name="ZoneTexte 6"/>
+          <p:cNvSpPr txBox="1"/>
+          <p:nvPr/>
+        </p:nvSpPr>
+        <p:spPr>
+          <a:xfrm>
+            <a:off x="395536" y="4509120"/>
+            <a:ext cx="3816424" cy="646331"/>
+          </a:xfrm>
+          <a:prstGeom prst="rect">
+            <a:avLst/>
+          </a:prstGeom>
+          <a:noFill/>
+        </p:spPr>
+        <p:txBody>
+          <a:bodyPr wrap="square" rtlCol="0">
+            <a:spAutoFit/>
+          </a:bodyPr>
+          <a:lstStyle/>
+          <a:p>
+            <a:pPr algn="ctr"/>
+            <a:r>
+              <a:rPr lang="fr-FR" dirty="0" smtClean="0"/>
+              <a:t>Arbre </a:t>
+            </a:r>
+            <a:r>
+              <a:rPr lang="fr-FR" dirty="0" err="1" smtClean="0"/>
+              <a:t>valué</a:t>
+            </a:r>
+            <a:r>
+              <a:rPr lang="fr-FR" dirty="0" smtClean="0"/>
+              <a:t> selon le cout minimum pour l’attaquant</a:t>
+            </a:r>
+            <a:endParaRPr lang="fr-FR" dirty="0"/>
+          </a:p>
+        </p:txBody>
+      </p:sp>
+      <p:sp>
+        <p:nvSpPr>
+          <p:cNvPr id="8" name="ZoneTexte 7"/>
+          <p:cNvSpPr txBox="1"/>
+          <p:nvPr/>
+        </p:nvSpPr>
+        <p:spPr>
+          <a:xfrm>
+            <a:off x="4716016" y="4509119"/>
+            <a:ext cx="3954812" cy="646331"/>
+          </a:xfrm>
+          <a:prstGeom prst="rect">
+            <a:avLst/>
+          </a:prstGeom>
+          <a:noFill/>
+        </p:spPr>
+        <p:txBody>
+          <a:bodyPr wrap="square" rtlCol="0">
+            <a:spAutoFit/>
+          </a:bodyPr>
+          <a:lstStyle/>
+          <a:p>
+            <a:pPr algn="ctr"/>
+            <a:r>
+              <a:rPr lang="fr-FR" dirty="0" smtClean="0"/>
+              <a:t>Arbre </a:t>
+            </a:r>
+            <a:r>
+              <a:rPr lang="fr-FR" dirty="0" err="1" smtClean="0"/>
+              <a:t>valué</a:t>
+            </a:r>
+            <a:r>
+              <a:rPr lang="fr-FR" dirty="0" smtClean="0"/>
+              <a:t> selon le temps minimum pour l’attaquant</a:t>
+            </a:r>
+            <a:endParaRPr lang="fr-FR" dirty="0"/>
+          </a:p>
+        </p:txBody>
+      </p:sp>
+    </p:spTree>
+    <p:extLst>
+      <p:ext uri="{BB962C8B-B14F-4D97-AF65-F5344CB8AC3E}">
+        <p14:creationId xmlns:p14="http://schemas.microsoft.com/office/powerpoint/2010/main" val="4013023658"/>
+      </p:ext>
+    </p:extLst>
+  </p:cSld>
+  <p:clrMapOvr>
+    <a:masterClrMapping/>
+  </p:clrMapOvr>
+  <p:timing>
+    <p:tnLst>
+      <p:par>
+        <p:cTn id="1" dur="indefinite" restart="never" nodeType="tmRoot"/>
+      </p:par>
+    </p:tnLst>
+  </p:timing>
+</p:sld>
+</file>
+
+<file path=ppt/slides/slide17.xml><?xml version="1.0" encoding="utf-8"?>
+<p:sld xmlns:a="http://schemas.openxmlformats.org/drawingml/2006/main" xmlns:r="http://schemas.openxmlformats.org/officeDocument/2006/relationships" xmlns:p="http://schemas.openxmlformats.org/presentationml/2006/main">
+  <p:cSld>
+    <p:spTree>
+      <p:nvGrpSpPr>
+        <p:cNvPr id="1" name=""/>
+        <p:cNvGrpSpPr/>
+        <p:nvPr/>
+      </p:nvGrpSpPr>
+      <p:grpSpPr>
+        <a:xfrm>
+          <a:off x="0" y="0"/>
+          <a:ext cx="0" cy="0"/>
+          <a:chOff x="0" y="0"/>
+          <a:chExt cx="0" cy="0"/>
+        </a:xfrm>
+      </p:grpSpPr>
+      <p:sp>
+        <p:nvSpPr>
+          <p:cNvPr id="2" name="Titre 1"/>
+          <p:cNvSpPr>
+            <a:spLocks noGrp="1"/>
+          </p:cNvSpPr>
+          <p:nvPr>
+            <p:ph type="title"/>
+          </p:nvPr>
+        </p:nvSpPr>
+        <p:spPr/>
+        <p:txBody>
+          <a:bodyPr/>
+          <a:lstStyle/>
+          <a:p>
+            <a:r>
+              <a:rPr lang="fr-FR" dirty="0" smtClean="0"/>
+              <a:t>Paramètre de synthèse</a:t>
+            </a:r>
+            <a:endParaRPr lang="fr-FR" dirty="0"/>
+          </a:p>
+        </p:txBody>
+      </p:sp>
+      <p:sp>
+        <p:nvSpPr>
+          <p:cNvPr id="3" name="Espace réservé du contenu 2"/>
+          <p:cNvSpPr>
+            <a:spLocks noGrp="1"/>
+          </p:cNvSpPr>
+          <p:nvPr>
+            <p:ph idx="1"/>
+          </p:nvPr>
+        </p:nvSpPr>
+        <p:spPr/>
+        <p:txBody>
+          <a:bodyPr/>
+          <a:lstStyle/>
+          <a:p>
+            <a:r>
+              <a:rPr lang="fr-FR" dirty="0" smtClean="0"/>
+              <a:t>Définition d’un paramètre de synthèse.</a:t>
+            </a:r>
+          </a:p>
+          <a:p>
+            <a:endParaRPr lang="fr-FR" dirty="0"/>
+          </a:p>
+          <a:p>
+            <a:endParaRPr lang="fr-FR" dirty="0" smtClean="0"/>
+          </a:p>
+          <a:p>
+            <a:endParaRPr lang="fr-FR" dirty="0" smtClean="0"/>
+          </a:p>
+        </p:txBody>
+      </p:sp>
+      <p:sp>
+        <p:nvSpPr>
+          <p:cNvPr id="4" name="Espace réservé du texte 3"/>
+          <p:cNvSpPr>
+            <a:spLocks noGrp="1"/>
+          </p:cNvSpPr>
+          <p:nvPr>
+            <p:ph type="body" sz="quarter" idx="10"/>
+          </p:nvPr>
+        </p:nvSpPr>
+        <p:spPr/>
+        <p:txBody>
+          <a:bodyPr>
+            <a:normAutofit fontScale="92500" lnSpcReduction="20000"/>
+          </a:bodyPr>
+          <a:lstStyle/>
+          <a:p>
+            <a:r>
+              <a:rPr lang="fr-FR" dirty="0"/>
+              <a:t>Spécifications fonctionnelles.</a:t>
+            </a:r>
+          </a:p>
+        </p:txBody>
+      </p:sp>
+      <mc:AlternateContent xmlns:mc="http://schemas.openxmlformats.org/markup-compatibility/2006" xmlns:a14="http://schemas.microsoft.com/office/drawing/2010/main">
+        <mc:Choice Requires="a14">
+          <p:sp>
+            <p:nvSpPr>
+              <p:cNvPr id="5" name="ZoneTexte 4"/>
+              <p:cNvSpPr txBox="1"/>
+              <p:nvPr/>
+            </p:nvSpPr>
+            <p:spPr>
+              <a:xfrm>
+                <a:off x="1979712" y="1572366"/>
+                <a:ext cx="4752528" cy="553998"/>
+              </a:xfrm>
+              <a:prstGeom prst="rect">
+                <a:avLst/>
+              </a:prstGeom>
+              <a:noFill/>
+            </p:spPr>
+            <p:txBody>
+              <a:bodyPr wrap="square" lIns="0" tIns="0" rIns="0" bIns="0" rtlCol="0">
+                <a:spAutoFit/>
+              </a:bodyPr>
+              <a:lstStyle/>
+              <a:p>
+                <a:pPr/>
+                <a14:m>
+                  <m:oMathPara xmlns:m="http://schemas.openxmlformats.org/officeDocument/2006/math">
+                    <m:oMathParaPr>
+                      <m:jc m:val="centerGroup"/>
+                    </m:oMathParaPr>
+                    <m:oMath xmlns:m="http://schemas.openxmlformats.org/officeDocument/2006/math">
+                      <m:r>
+                        <a:rPr lang="fr-FR" sz="3600" b="0" i="1" smtClean="0">
+                          <a:latin typeface="Cambria Math" panose="02040503050406030204" pitchFamily="18" charset="0"/>
+                        </a:rPr>
+                        <m:t>𝑟𝑒𝑠</m:t>
+                      </m:r>
+                      <m:r>
+                        <a:rPr lang="fr-FR" sz="3600" b="0" i="1" smtClean="0">
+                          <a:latin typeface="Cambria Math" panose="02040503050406030204" pitchFamily="18" charset="0"/>
+                        </a:rPr>
+                        <m:t>=</m:t>
+                      </m:r>
+                      <m:r>
+                        <a:rPr lang="fr-FR" sz="3600" b="0" i="1" smtClean="0">
+                          <a:latin typeface="Cambria Math" panose="02040503050406030204" pitchFamily="18" charset="0"/>
+                        </a:rPr>
+                        <m:t>𝑐𝑜𝑠𝑡</m:t>
+                      </m:r>
+                      <m:r>
+                        <a:rPr lang="fr-FR" sz="3600" b="0" i="1" smtClean="0">
+                          <a:latin typeface="Cambria Math" panose="02040503050406030204" pitchFamily="18" charset="0"/>
+                        </a:rPr>
+                        <m:t> ∗</m:t>
+                      </m:r>
+                      <m:r>
+                        <a:rPr lang="fr-FR" sz="3600" b="0" i="1" smtClean="0">
+                          <a:latin typeface="Cambria Math" panose="02040503050406030204" pitchFamily="18" charset="0"/>
+                        </a:rPr>
+                        <m:t>𝑡𝑖𝑚𝑒</m:t>
+                      </m:r>
+                    </m:oMath>
+                  </m:oMathPara>
+                </a14:m>
+                <a:endParaRPr lang="fr-FR" sz="3600" dirty="0"/>
+              </a:p>
+            </p:txBody>
+          </p:sp>
+        </mc:Choice>
+        <mc:Fallback xmlns="">
+          <p:sp>
+            <p:nvSpPr>
+              <p:cNvPr id="5" name="ZoneTexte 4"/>
+              <p:cNvSpPr txBox="1">
+                <a:spLocks noRot="1" noChangeAspect="1" noMove="1" noResize="1" noEditPoints="1" noAdjustHandles="1" noChangeArrowheads="1" noChangeShapeType="1" noTextEdit="1"/>
+              </p:cNvSpPr>
+              <p:nvPr/>
+            </p:nvSpPr>
+            <p:spPr>
+              <a:xfrm>
+                <a:off x="1979712" y="1572366"/>
+                <a:ext cx="4752528" cy="553998"/>
+              </a:xfrm>
+              <a:prstGeom prst="rect">
+                <a:avLst/>
+              </a:prstGeom>
+              <a:blipFill rotWithShape="0">
+                <a:blip r:embed="rId2"/>
+                <a:stretch>
+                  <a:fillRect/>
+                </a:stretch>
+              </a:blipFill>
+            </p:spPr>
+            <p:txBody>
+              <a:bodyPr/>
+              <a:lstStyle/>
+              <a:p>
+                <a:r>
+                  <a:rPr lang="fr-FR">
+                    <a:noFill/>
+                  </a:rPr>
+                  <a:t> </a:t>
+                </a:r>
+              </a:p>
+            </p:txBody>
+          </p:sp>
+        </mc:Fallback>
+      </mc:AlternateContent>
+      <p:pic>
+        <p:nvPicPr>
+          <p:cNvPr id="6" name="Image 5"/>
+          <p:cNvPicPr>
+            <a:picLocks noChangeAspect="1"/>
+          </p:cNvPicPr>
+          <p:nvPr/>
+        </p:nvPicPr>
+        <p:blipFill>
+          <a:blip r:embed="rId3" cstate="print">
+            <a:extLst>
+              <a:ext uri="{28A0092B-C50C-407E-A947-70E740481C1C}">
+                <a14:useLocalDpi xmlns:a14="http://schemas.microsoft.com/office/drawing/2010/main" val="0"/>
+              </a:ext>
+            </a:extLst>
+          </a:blip>
+          <a:stretch>
+            <a:fillRect/>
+          </a:stretch>
+        </p:blipFill>
+        <p:spPr>
+          <a:xfrm>
+            <a:off x="1628936" y="2567359"/>
+            <a:ext cx="5886127" cy="3444982"/>
+          </a:xfrm>
+          <a:prstGeom prst="rect">
+            <a:avLst/>
+          </a:prstGeom>
+        </p:spPr>
+      </p:pic>
+    </p:spTree>
+    <p:extLst>
+      <p:ext uri="{BB962C8B-B14F-4D97-AF65-F5344CB8AC3E}">
+        <p14:creationId xmlns:p14="http://schemas.microsoft.com/office/powerpoint/2010/main" val="3755762842"/>
+      </p:ext>
+    </p:extLst>
+  </p:cSld>
+  <p:clrMapOvr>
+    <a:masterClrMapping/>
+  </p:clrMapOvr>
+  <p:timing>
+    <p:tnLst>
+      <p:par>
+        <p:cTn id="1" dur="indefinite" restart="never" nodeType="tmRoot"/>
+      </p:par>
+    </p:tnLst>
+  </p:timing>
+</p:sld>
+</file>
+
+<file path=ppt/slides/slide18.xml><?xml version="1.0" encoding="utf-8"?>
+<p:sld xmlns:a="http://schemas.openxmlformats.org/drawingml/2006/main" xmlns:r="http://schemas.openxmlformats.org/officeDocument/2006/relationships" xmlns:p="http://schemas.openxmlformats.org/presentationml/2006/main">
+  <p:cSld>
+    <p:spTree>
+      <p:nvGrpSpPr>
+        <p:cNvPr id="1" name=""/>
+        <p:cNvGrpSpPr/>
+        <p:nvPr/>
+      </p:nvGrpSpPr>
+      <p:grpSpPr>
+        <a:xfrm>
+          <a:off x="0" y="0"/>
+          <a:ext cx="0" cy="0"/>
+          <a:chOff x="0" y="0"/>
+          <a:chExt cx="0" cy="0"/>
+        </a:xfrm>
+      </p:grpSpPr>
+      <p:sp>
+        <p:nvSpPr>
+          <p:cNvPr id="2" name="Titre 1"/>
+          <p:cNvSpPr>
+            <a:spLocks noGrp="1"/>
+          </p:cNvSpPr>
+          <p:nvPr>
+            <p:ph type="title"/>
+          </p:nvPr>
+        </p:nvSpPr>
+        <p:spPr/>
+        <p:txBody>
+          <a:bodyPr/>
+          <a:lstStyle/>
+          <a:p>
+            <a:r>
+              <a:rPr lang="fr-FR" dirty="0" smtClean="0"/>
+              <a:t>Filtre</a:t>
+            </a:r>
+            <a:endParaRPr lang="fr-FR" dirty="0"/>
+          </a:p>
+        </p:txBody>
+      </p:sp>
+      <p:sp>
+        <p:nvSpPr>
+          <p:cNvPr id="3" name="Espace réservé du contenu 2"/>
+          <p:cNvSpPr>
+            <a:spLocks noGrp="1"/>
+          </p:cNvSpPr>
+          <p:nvPr>
+            <p:ph idx="1"/>
+          </p:nvPr>
+        </p:nvSpPr>
+        <p:spPr/>
+        <p:txBody>
+          <a:bodyPr/>
+          <a:lstStyle/>
+          <a:p>
+            <a:endParaRPr lang="fr-FR" dirty="0"/>
+          </a:p>
+          <a:p>
+            <a:endParaRPr lang="fr-FR" dirty="0" smtClean="0"/>
+          </a:p>
+          <a:p>
+            <a:endParaRPr lang="fr-FR" dirty="0" smtClean="0"/>
+          </a:p>
+          <a:p>
+            <a:endParaRPr lang="fr-FR" dirty="0"/>
+          </a:p>
+          <a:p>
+            <a:endParaRPr lang="fr-FR" dirty="0" smtClean="0"/>
+          </a:p>
+          <a:p>
+            <a:endParaRPr lang="fr-FR" dirty="0"/>
+          </a:p>
+          <a:p>
+            <a:endParaRPr lang="fr-FR" dirty="0" smtClean="0"/>
+          </a:p>
+        </p:txBody>
+      </p:sp>
+      <p:sp>
+        <p:nvSpPr>
+          <p:cNvPr id="4" name="Espace réservé du texte 3"/>
+          <p:cNvSpPr>
+            <a:spLocks noGrp="1"/>
+          </p:cNvSpPr>
+          <p:nvPr>
+            <p:ph type="body" sz="quarter" idx="10"/>
+          </p:nvPr>
+        </p:nvSpPr>
+        <p:spPr/>
+        <p:txBody>
+          <a:bodyPr>
+            <a:normAutofit fontScale="92500" lnSpcReduction="20000"/>
+          </a:bodyPr>
+          <a:lstStyle/>
+          <a:p>
+            <a:r>
+              <a:rPr lang="fr-FR" dirty="0" smtClean="0"/>
+              <a:t>Spécifications fonctionnelles.</a:t>
+            </a:r>
+            <a:endParaRPr lang="fr-FR" dirty="0"/>
+          </a:p>
+        </p:txBody>
+      </p:sp>
+      <p:pic>
+        <p:nvPicPr>
+          <p:cNvPr id="7" name="Image 6"/>
+          <p:cNvPicPr>
+            <a:picLocks noChangeAspect="1"/>
+          </p:cNvPicPr>
+          <p:nvPr/>
+        </p:nvPicPr>
+        <p:blipFill>
+          <a:blip r:embed="rId2">
+            <a:extLst>
+              <a:ext uri="{28A0092B-C50C-407E-A947-70E740481C1C}">
+                <a14:useLocalDpi xmlns:a14="http://schemas.microsoft.com/office/drawing/2010/main" val="0"/>
+              </a:ext>
+            </a:extLst>
+          </a:blip>
+          <a:stretch>
+            <a:fillRect/>
+          </a:stretch>
+        </p:blipFill>
+        <p:spPr>
+          <a:xfrm>
+            <a:off x="298376" y="1460115"/>
+            <a:ext cx="8388424" cy="4441826"/>
+          </a:xfrm>
+          <a:prstGeom prst="rect">
+            <a:avLst/>
+          </a:prstGeom>
+        </p:spPr>
+      </p:pic>
+    </p:spTree>
+  </p:cSld>
+  <p:clrMapOvr>
+    <a:masterClrMapping/>
+  </p:clrMapOvr>
+  <p:timing>
+    <p:tnLst>
+      <p:par>
+        <p:cTn id="1" dur="indefinite" restart="never" nodeType="tmRoot"/>
+      </p:par>
+    </p:tnLst>
+  </p:timing>
+</p:sld>
+</file>
+
+<file path=ppt/slides/slide19.xml><?xml version="1.0" encoding="utf-8"?>
+<p:sld xmlns:a="http://schemas.openxmlformats.org/drawingml/2006/main" xmlns:r="http://schemas.openxmlformats.org/officeDocument/2006/relationships" xmlns:p="http://schemas.openxmlformats.org/presentationml/2006/main">
+  <p:cSld>
+    <p:spTree>
+      <p:nvGrpSpPr>
+        <p:cNvPr id="1" name=""/>
+        <p:cNvGrpSpPr/>
+        <p:nvPr/>
+      </p:nvGrpSpPr>
+      <p:grpSpPr>
+        <a:xfrm>
+          <a:off x="0" y="0"/>
+          <a:ext cx="0" cy="0"/>
+          <a:chOff x="0" y="0"/>
+          <a:chExt cx="0" cy="0"/>
+        </a:xfrm>
+      </p:grpSpPr>
+      <p:sp>
+        <p:nvSpPr>
+          <p:cNvPr id="2" name="Titre 1"/>
+          <p:cNvSpPr>
+            <a:spLocks noGrp="1"/>
+          </p:cNvSpPr>
+          <p:nvPr>
+            <p:ph type="title"/>
+          </p:nvPr>
+        </p:nvSpPr>
+        <p:spPr/>
+        <p:txBody>
+          <a:bodyPr/>
+          <a:lstStyle/>
+          <a:p>
+            <a:r>
+              <a:rPr lang="fr-FR" dirty="0" smtClean="0"/>
+              <a:t>Filtre</a:t>
+            </a:r>
+            <a:endParaRPr lang="fr-FR" dirty="0"/>
+          </a:p>
+        </p:txBody>
+      </p:sp>
+      <p:pic>
+        <p:nvPicPr>
+          <p:cNvPr id="5" name="Espace réservé du contenu 4"/>
+          <p:cNvPicPr>
+            <a:picLocks noGrp="1" noChangeAspect="1"/>
+          </p:cNvPicPr>
+          <p:nvPr>
+            <p:ph idx="1"/>
+          </p:nvPr>
+        </p:nvPicPr>
+        <p:blipFill>
+          <a:blip r:embed="rId2" cstate="print">
+            <a:extLst>
+              <a:ext uri="{28A0092B-C50C-407E-A947-70E740481C1C}">
+                <a14:useLocalDpi xmlns:a14="http://schemas.microsoft.com/office/drawing/2010/main" val="0"/>
+              </a:ext>
+            </a:extLst>
+          </a:blip>
+          <a:stretch>
+            <a:fillRect/>
+          </a:stretch>
+        </p:blipFill>
+        <p:spPr>
+          <a:xfrm>
+            <a:off x="179512" y="1268760"/>
+            <a:ext cx="8849415" cy="4373388"/>
+          </a:xfrm>
+        </p:spPr>
+      </p:pic>
+      <p:sp>
+        <p:nvSpPr>
+          <p:cNvPr id="4" name="Espace réservé du texte 3"/>
+          <p:cNvSpPr>
+            <a:spLocks noGrp="1"/>
+          </p:cNvSpPr>
+          <p:nvPr>
+            <p:ph type="body" sz="quarter" idx="10"/>
+          </p:nvPr>
+        </p:nvSpPr>
+        <p:spPr/>
+        <p:txBody>
+          <a:bodyPr>
+            <a:normAutofit fontScale="92500" lnSpcReduction="20000"/>
+          </a:bodyPr>
+          <a:lstStyle/>
+          <a:p>
+            <a:endParaRPr lang="fr-FR"/>
+          </a:p>
+        </p:txBody>
+      </p:sp>
+    </p:spTree>
+    <p:extLst>
+      <p:ext uri="{BB962C8B-B14F-4D97-AF65-F5344CB8AC3E}">
+        <p14:creationId xmlns:p14="http://schemas.microsoft.com/office/powerpoint/2010/main" val="541828603"/>
+      </p:ext>
+    </p:extLst>
+  </p:cSld>
+  <p:clrMapOvr>
+    <a:masterClrMapping/>
+  </p:clrMapOvr>
+  <mc:AlternateContent xmlns:mc="http://schemas.openxmlformats.org/markup-compatibility/2006" xmlns:p14="http://schemas.microsoft.com/office/powerpoint/2010/main">
+    <mc:Choice Requires="p14">
+      <p:transition p14:dur="0"/>
+    </mc:Choice>
+    <mc:Fallback xmlns="">
+      <p:transition/>
+    </mc:Fallback>
+  </mc:AlternateContent>
   <p:timing>
     <p:tnLst>
       <p:par>
@@ -4431,6 +8574,166 @@
       </p:grpSpPr>
       <p:sp>
         <p:nvSpPr>
+          <p:cNvPr id="7" name="Espace réservé du texte 6"/>
+          <p:cNvSpPr>
+            <a:spLocks noGrp="1"/>
+          </p:cNvSpPr>
+          <p:nvPr>
+            <p:ph type="body" sz="quarter" idx="10"/>
+          </p:nvPr>
+        </p:nvSpPr>
+        <p:spPr/>
+        <p:txBody>
+          <a:bodyPr>
+            <a:normAutofit fontScale="92500" lnSpcReduction="20000"/>
+          </a:bodyPr>
+          <a:lstStyle/>
+          <a:p>
+            <a:endParaRPr lang="fr-FR"/>
+          </a:p>
+        </p:txBody>
+      </p:sp>
+      <p:sp>
+        <p:nvSpPr>
+          <p:cNvPr id="9" name="ZoneTexte 8"/>
+          <p:cNvSpPr txBox="1"/>
+          <p:nvPr/>
+        </p:nvSpPr>
+        <p:spPr>
+          <a:xfrm>
+            <a:off x="0" y="2492896"/>
+            <a:ext cx="9144000" cy="830997"/>
+          </a:xfrm>
+          <a:prstGeom prst="rect">
+            <a:avLst/>
+          </a:prstGeom>
+          <a:noFill/>
+        </p:spPr>
+        <p:txBody>
+          <a:bodyPr wrap="square" rtlCol="0">
+            <a:spAutoFit/>
+          </a:bodyPr>
+          <a:lstStyle/>
+          <a:p>
+            <a:pPr algn="ctr"/>
+            <a:r>
+              <a:rPr lang="fr-FR" sz="4800" b="1" smtClean="0">
+                <a:solidFill>
+                  <a:srgbClr val="004D6F"/>
+                </a:solidFill>
+                <a:latin typeface="Arial" pitchFamily="34" charset="0"/>
+                <a:cs typeface="Arial" pitchFamily="34" charset="0"/>
+              </a:rPr>
+              <a:t>250 000 trajets par jour</a:t>
+            </a:r>
+          </a:p>
+        </p:txBody>
+      </p:sp>
+    </p:spTree>
+  </p:cSld>
+  <p:clrMapOvr>
+    <a:masterClrMapping/>
+  </p:clrMapOvr>
+  <p:timing>
+    <p:tnLst>
+      <p:par>
+        <p:cTn id="1" dur="indefinite" restart="never" nodeType="tmRoot">
+          <p:childTnLst>
+            <p:seq concurrent="1" nextAc="seek">
+              <p:cTn id="2" dur="indefinite" nodeType="mainSeq">
+                <p:childTnLst>
+                  <p:par>
+                    <p:cTn id="3" fill="hold">
+                      <p:stCondLst>
+                        <p:cond delay="indefinite"/>
+                      </p:stCondLst>
+                      <p:childTnLst>
+                        <p:par>
+                          <p:cTn id="4" fill="hold">
+                            <p:stCondLst>
+                              <p:cond delay="0"/>
+                            </p:stCondLst>
+                            <p:childTnLst>
+                              <p:par>
+                                <p:cTn id="5" presetID="1" presetClass="entr" presetSubtype="0" fill="hold" grpId="0" nodeType="clickEffect">
+                                  <p:stCondLst>
+                                    <p:cond delay="0"/>
+                                  </p:stCondLst>
+                                  <p:childTnLst>
+                                    <p:set>
+                                      <p:cBhvr>
+                                        <p:cTn id="6" dur="1" fill="hold">
+                                          <p:stCondLst>
+                                            <p:cond delay="0"/>
+                                          </p:stCondLst>
+                                        </p:cTn>
+                                        <p:tgtEl>
+                                          <p:spTgt spid="9"/>
+                                        </p:tgtEl>
+                                        <p:attrNameLst>
+                                          <p:attrName>style.visibility</p:attrName>
+                                        </p:attrNameLst>
+                                      </p:cBhvr>
+                                      <p:to>
+                                        <p:strVal val="visible"/>
+                                      </p:to>
+                                    </p:set>
+                                  </p:childTnLst>
+                                </p:cTn>
+                              </p:par>
+                            </p:childTnLst>
+                          </p:cTn>
+                        </p:par>
+                      </p:childTnLst>
+                    </p:cTn>
+                  </p:par>
+                </p:childTnLst>
+              </p:cTn>
+              <p:prevCondLst>
+                <p:cond evt="onPrev" delay="0">
+                  <p:tgtEl>
+                    <p:sldTgt/>
+                  </p:tgtEl>
+                </p:cond>
+              </p:prevCondLst>
+              <p:nextCondLst>
+                <p:cond evt="onNext" delay="0">
+                  <p:tgtEl>
+                    <p:sldTgt/>
+                  </p:tgtEl>
+                </p:cond>
+              </p:nextCondLst>
+            </p:seq>
+          </p:childTnLst>
+        </p:cTn>
+      </p:par>
+    </p:tnLst>
+    <p:bldLst>
+      <p:bldP spid="9" grpId="0"/>
+    </p:bldLst>
+  </p:timing>
+</p:sld>
+</file>
+
+<file path=ppt/slides/slide20.xml><?xml version="1.0" encoding="utf-8"?>
+<p:sld xmlns:a="http://schemas.openxmlformats.org/drawingml/2006/main" xmlns:r="http://schemas.openxmlformats.org/officeDocument/2006/relationships" xmlns:p="http://schemas.openxmlformats.org/presentationml/2006/main">
+  <p:cSld>
+    <p:spTree>
+      <p:nvGrpSpPr>
+        <p:cNvPr id="1" name=""/>
+        <p:cNvGrpSpPr/>
+        <p:nvPr/>
+      </p:nvGrpSpPr>
+      <p:grpSpPr>
+        <a:xfrm>
+          <a:off x="0" y="0"/>
+          <a:ext cx="0" cy="0"/>
+          <a:chOff x="0" y="0"/>
+          <a:chExt cx="0" cy="0"/>
+        </a:xfrm>
+      </p:grpSpPr>
+      <p:sp>
+        <p:nvSpPr>
           <p:cNvPr id="2" name="Titre 1"/>
           <p:cNvSpPr>
             <a:spLocks noGrp="1"/>
@@ -4445,10 +8748,1456 @@
           <a:lstStyle/>
           <a:p>
             <a:r>
-              <a:rPr lang="fr-FR" smtClean="0"/>
-              <a:t>Plan</a:t>
-            </a:r>
-            <a:endParaRPr lang="fr-FR"/>
+              <a:rPr lang="fr-FR" dirty="0" smtClean="0"/>
+              <a:t>Filtre</a:t>
+            </a:r>
+            <a:endParaRPr lang="fr-FR" dirty="0"/>
+          </a:p>
+        </p:txBody>
+      </p:sp>
+      <p:pic>
+        <p:nvPicPr>
+          <p:cNvPr id="5" name="Espace réservé du contenu 4"/>
+          <p:cNvPicPr>
+            <a:picLocks noGrp="1" noChangeAspect="1"/>
+          </p:cNvPicPr>
+          <p:nvPr>
+            <p:ph idx="1"/>
+          </p:nvPr>
+        </p:nvPicPr>
+        <p:blipFill rotWithShape="1">
+          <a:blip r:embed="rId2" cstate="print">
+            <a:extLst>
+              <a:ext uri="{28A0092B-C50C-407E-A947-70E740481C1C}">
+                <a14:useLocalDpi xmlns:a14="http://schemas.microsoft.com/office/drawing/2010/main" val="0"/>
+              </a:ext>
+            </a:extLst>
+          </a:blip>
+          <a:srcRect l="-1" r="8052"/>
+          <a:stretch/>
+        </p:blipFill>
+        <p:spPr>
+          <a:xfrm>
+            <a:off x="179513" y="1268760"/>
+            <a:ext cx="8136903" cy="4373388"/>
+          </a:xfrm>
+        </p:spPr>
+      </p:pic>
+      <p:sp>
+        <p:nvSpPr>
+          <p:cNvPr id="4" name="Espace réservé du texte 3"/>
+          <p:cNvSpPr>
+            <a:spLocks noGrp="1"/>
+          </p:cNvSpPr>
+          <p:nvPr>
+            <p:ph type="body" sz="quarter" idx="10"/>
+          </p:nvPr>
+        </p:nvSpPr>
+        <p:spPr/>
+        <p:txBody>
+          <a:bodyPr>
+            <a:normAutofit fontScale="92500" lnSpcReduction="20000"/>
+          </a:bodyPr>
+          <a:lstStyle/>
+          <a:p>
+            <a:endParaRPr lang="fr-FR" dirty="0"/>
+          </a:p>
+        </p:txBody>
+      </p:sp>
+      <p:pic>
+        <p:nvPicPr>
+          <p:cNvPr id="3" name="Image 2"/>
+          <p:cNvPicPr>
+            <a:picLocks noChangeAspect="1"/>
+          </p:cNvPicPr>
+          <p:nvPr/>
+        </p:nvPicPr>
+        <p:blipFill>
+          <a:blip r:embed="rId3" cstate="print">
+            <a:extLst>
+              <a:ext uri="{28A0092B-C50C-407E-A947-70E740481C1C}">
+                <a14:useLocalDpi xmlns:a14="http://schemas.microsoft.com/office/drawing/2010/main" val="0"/>
+              </a:ext>
+            </a:extLst>
+          </a:blip>
+          <a:stretch>
+            <a:fillRect/>
+          </a:stretch>
+        </p:blipFill>
+        <p:spPr>
+          <a:xfrm>
+            <a:off x="2987824" y="57638"/>
+            <a:ext cx="5954223" cy="6621322"/>
+          </a:xfrm>
+          <a:prstGeom prst="snip1Rect">
+            <a:avLst>
+              <a:gd name="adj" fmla="val 47595"/>
+            </a:avLst>
+          </a:prstGeom>
+        </p:spPr>
+      </p:pic>
+      <p:sp>
+        <p:nvSpPr>
+          <p:cNvPr id="6" name="ZoneTexte 5"/>
+          <p:cNvSpPr txBox="1"/>
+          <p:nvPr/>
+        </p:nvSpPr>
+        <p:spPr>
+          <a:xfrm>
+            <a:off x="1008150" y="1201404"/>
+            <a:ext cx="3384376" cy="923330"/>
+          </a:xfrm>
+          <a:prstGeom prst="rect">
+            <a:avLst/>
+          </a:prstGeom>
+          <a:noFill/>
+        </p:spPr>
+        <p:txBody>
+          <a:bodyPr wrap="square" rtlCol="0">
+            <a:spAutoFit/>
+          </a:bodyPr>
+          <a:lstStyle/>
+          <a:p>
+            <a:r>
+              <a:rPr lang="fr-FR" dirty="0" smtClean="0"/>
+              <a:t>Arbre optimisé pour un coup compris  dans l’intervalle [0,500]</a:t>
+            </a:r>
+            <a:endParaRPr lang="fr-FR" dirty="0"/>
+          </a:p>
+        </p:txBody>
+      </p:sp>
+    </p:spTree>
+    <p:extLst>
+      <p:ext uri="{BB962C8B-B14F-4D97-AF65-F5344CB8AC3E}">
+        <p14:creationId xmlns:p14="http://schemas.microsoft.com/office/powerpoint/2010/main" val="495475639"/>
+      </p:ext>
+    </p:extLst>
+  </p:cSld>
+  <p:clrMapOvr>
+    <a:masterClrMapping/>
+  </p:clrMapOvr>
+  <mc:AlternateContent xmlns:mc="http://schemas.openxmlformats.org/markup-compatibility/2006" xmlns:p14="http://schemas.microsoft.com/office/powerpoint/2010/main">
+    <mc:Choice Requires="p14">
+      <p:transition spd="med" p14:dur="700">
+        <p:fade/>
+      </p:transition>
+    </mc:Choice>
+    <mc:Fallback xmlns="">
+      <p:transition spd="med">
+        <p:fade/>
+      </p:transition>
+    </mc:Fallback>
+  </mc:AlternateContent>
+  <p:timing>
+    <p:tnLst>
+      <p:par>
+        <p:cTn id="1" dur="indefinite" restart="never" nodeType="tmRoot">
+          <p:childTnLst>
+            <p:seq concurrent="1" nextAc="seek">
+              <p:cTn id="2" dur="indefinite" nodeType="mainSeq">
+                <p:childTnLst>
+                  <p:par>
+                    <p:cTn id="3" fill="hold">
+                      <p:stCondLst>
+                        <p:cond delay="indefinite"/>
+                      </p:stCondLst>
+                      <p:childTnLst>
+                        <p:par>
+                          <p:cTn id="4" fill="hold">
+                            <p:stCondLst>
+                              <p:cond delay="0"/>
+                            </p:stCondLst>
+                            <p:childTnLst>
+                              <p:par>
+                                <p:cTn id="5" presetID="1" presetClass="exit" presetSubtype="0" fill="hold" nodeType="clickEffect">
+                                  <p:stCondLst>
+                                    <p:cond delay="0"/>
+                                  </p:stCondLst>
+                                  <p:childTnLst>
+                                    <p:set>
+                                      <p:cBhvr>
+                                        <p:cTn id="6" dur="1" fill="hold">
+                                          <p:stCondLst>
+                                            <p:cond delay="0"/>
+                                          </p:stCondLst>
+                                        </p:cTn>
+                                        <p:tgtEl>
+                                          <p:spTgt spid="5"/>
+                                        </p:tgtEl>
+                                        <p:attrNameLst>
+                                          <p:attrName>style.visibility</p:attrName>
+                                        </p:attrNameLst>
+                                      </p:cBhvr>
+                                      <p:to>
+                                        <p:strVal val="hidden"/>
+                                      </p:to>
+                                    </p:set>
+                                  </p:childTnLst>
+                                </p:cTn>
+                              </p:par>
+                              <p:par>
+                                <p:cTn id="7" presetID="1" presetClass="entr" presetSubtype="0" fill="hold" nodeType="withEffect">
+                                  <p:stCondLst>
+                                    <p:cond delay="0"/>
+                                  </p:stCondLst>
+                                  <p:childTnLst>
+                                    <p:set>
+                                      <p:cBhvr>
+                                        <p:cTn id="8" dur="1" fill="hold">
+                                          <p:stCondLst>
+                                            <p:cond delay="0"/>
+                                          </p:stCondLst>
+                                        </p:cTn>
+                                        <p:tgtEl>
+                                          <p:spTgt spid="3"/>
+                                        </p:tgtEl>
+                                        <p:attrNameLst>
+                                          <p:attrName>style.visibility</p:attrName>
+                                        </p:attrNameLst>
+                                      </p:cBhvr>
+                                      <p:to>
+                                        <p:strVal val="visible"/>
+                                      </p:to>
+                                    </p:set>
+                                  </p:childTnLst>
+                                </p:cTn>
+                              </p:par>
+                            </p:childTnLst>
+                          </p:cTn>
+                        </p:par>
+                      </p:childTnLst>
+                    </p:cTn>
+                  </p:par>
+                </p:childTnLst>
+              </p:cTn>
+              <p:prevCondLst>
+                <p:cond evt="onPrev" delay="0">
+                  <p:tgtEl>
+                    <p:sldTgt/>
+                  </p:tgtEl>
+                </p:cond>
+              </p:prevCondLst>
+              <p:nextCondLst>
+                <p:cond evt="onNext" delay="0">
+                  <p:tgtEl>
+                    <p:sldTgt/>
+                  </p:tgtEl>
+                </p:cond>
+              </p:nextCondLst>
+            </p:seq>
+          </p:childTnLst>
+        </p:cTn>
+      </p:par>
+    </p:tnLst>
+  </p:timing>
+</p:sld>
+</file>
+
+<file path=ppt/slides/slide21.xml><?xml version="1.0" encoding="utf-8"?>
+<p:sld xmlns:a="http://schemas.openxmlformats.org/drawingml/2006/main" xmlns:r="http://schemas.openxmlformats.org/officeDocument/2006/relationships" xmlns:p="http://schemas.openxmlformats.org/presentationml/2006/main">
+  <p:cSld>
+    <p:spTree>
+      <p:nvGrpSpPr>
+        <p:cNvPr id="1" name=""/>
+        <p:cNvGrpSpPr/>
+        <p:nvPr/>
+      </p:nvGrpSpPr>
+      <p:grpSpPr>
+        <a:xfrm>
+          <a:off x="0" y="0"/>
+          <a:ext cx="0" cy="0"/>
+          <a:chOff x="0" y="0"/>
+          <a:chExt cx="0" cy="0"/>
+        </a:xfrm>
+      </p:grpSpPr>
+      <p:pic>
+        <p:nvPicPr>
+          <p:cNvPr id="5" name="Espace réservé du contenu 4"/>
+          <p:cNvPicPr>
+            <a:picLocks noGrp="1" noChangeAspect="1"/>
+          </p:cNvPicPr>
+          <p:nvPr>
+            <p:ph idx="1"/>
+          </p:nvPr>
+        </p:nvPicPr>
+        <p:blipFill>
+          <a:blip r:embed="rId3" cstate="print">
+            <a:extLst>
+              <a:ext uri="{28A0092B-C50C-407E-A947-70E740481C1C}">
+                <a14:useLocalDpi xmlns:a14="http://schemas.microsoft.com/office/drawing/2010/main" val="0"/>
+              </a:ext>
+            </a:extLst>
+          </a:blip>
+          <a:stretch>
+            <a:fillRect/>
+          </a:stretch>
+        </p:blipFill>
+        <p:spPr>
+          <a:xfrm>
+            <a:off x="319957" y="1234252"/>
+            <a:ext cx="8723124" cy="4311342"/>
+          </a:xfrm>
+        </p:spPr>
+      </p:pic>
+      <p:sp>
+        <p:nvSpPr>
+          <p:cNvPr id="2" name="Titre 1"/>
+          <p:cNvSpPr>
+            <a:spLocks noGrp="1"/>
+          </p:cNvSpPr>
+          <p:nvPr>
+            <p:ph type="title"/>
+          </p:nvPr>
+        </p:nvSpPr>
+        <p:spPr/>
+        <p:txBody>
+          <a:bodyPr/>
+          <a:lstStyle/>
+          <a:p>
+            <a:r>
+              <a:rPr lang="fr-FR" dirty="0" smtClean="0"/>
+              <a:t>Optimiseur</a:t>
+            </a:r>
+            <a:endParaRPr lang="fr-FR" dirty="0"/>
+          </a:p>
+        </p:txBody>
+      </p:sp>
+      <p:sp>
+        <p:nvSpPr>
+          <p:cNvPr id="4" name="Espace réservé du texte 3"/>
+          <p:cNvSpPr>
+            <a:spLocks noGrp="1"/>
+          </p:cNvSpPr>
+          <p:nvPr>
+            <p:ph type="body" sz="quarter" idx="10"/>
+          </p:nvPr>
+        </p:nvSpPr>
+        <p:spPr/>
+        <p:txBody>
+          <a:bodyPr>
+            <a:normAutofit fontScale="92500" lnSpcReduction="20000"/>
+          </a:bodyPr>
+          <a:lstStyle/>
+          <a:p>
+            <a:r>
+              <a:rPr lang="fr-FR" dirty="0"/>
+              <a:t>Spécifications </a:t>
+            </a:r>
+            <a:r>
+              <a:rPr lang="fr-FR" dirty="0" smtClean="0"/>
+              <a:t>fonctionnelles.</a:t>
+            </a:r>
+            <a:endParaRPr lang="fr-FR" dirty="0"/>
+          </a:p>
+        </p:txBody>
+      </p:sp>
+    </p:spTree>
+    <p:extLst>
+      <p:ext uri="{BB962C8B-B14F-4D97-AF65-F5344CB8AC3E}">
+        <p14:creationId xmlns:p14="http://schemas.microsoft.com/office/powerpoint/2010/main" val="1433429"/>
+      </p:ext>
+    </p:extLst>
+  </p:cSld>
+  <p:clrMapOvr>
+    <a:masterClrMapping/>
+  </p:clrMapOvr>
+  <mc:AlternateContent xmlns:mc="http://schemas.openxmlformats.org/markup-compatibility/2006" xmlns:p14="http://schemas.microsoft.com/office/powerpoint/2010/main">
+    <mc:Choice Requires="p14">
+      <p:transition p14:dur="10"/>
+    </mc:Choice>
+    <mc:Fallback xmlns="">
+      <p:transition/>
+    </mc:Fallback>
+  </mc:AlternateContent>
+  <p:timing>
+    <p:tnLst>
+      <p:par>
+        <p:cTn id="1" dur="indefinite" restart="never" nodeType="tmRoot"/>
+      </p:par>
+    </p:tnLst>
+  </p:timing>
+</p:sld>
+</file>
+
+<file path=ppt/slides/slide22.xml><?xml version="1.0" encoding="utf-8"?>
+<p:sld xmlns:a="http://schemas.openxmlformats.org/drawingml/2006/main" xmlns:r="http://schemas.openxmlformats.org/officeDocument/2006/relationships" xmlns:p="http://schemas.openxmlformats.org/presentationml/2006/main">
+  <p:cSld>
+    <p:spTree>
+      <p:nvGrpSpPr>
+        <p:cNvPr id="1" name=""/>
+        <p:cNvGrpSpPr/>
+        <p:nvPr/>
+      </p:nvGrpSpPr>
+      <p:grpSpPr>
+        <a:xfrm>
+          <a:off x="0" y="0"/>
+          <a:ext cx="0" cy="0"/>
+          <a:chOff x="0" y="0"/>
+          <a:chExt cx="0" cy="0"/>
+        </a:xfrm>
+      </p:grpSpPr>
+      <p:pic>
+        <p:nvPicPr>
+          <p:cNvPr id="5" name="Espace réservé du contenu 4"/>
+          <p:cNvPicPr>
+            <a:picLocks noGrp="1" noChangeAspect="1"/>
+          </p:cNvPicPr>
+          <p:nvPr>
+            <p:ph idx="1"/>
+          </p:nvPr>
+        </p:nvPicPr>
+        <p:blipFill>
+          <a:blip r:embed="rId3" cstate="print">
+            <a:extLst>
+              <a:ext uri="{28A0092B-C50C-407E-A947-70E740481C1C}">
+                <a14:useLocalDpi xmlns:a14="http://schemas.microsoft.com/office/drawing/2010/main" val="0"/>
+              </a:ext>
+            </a:extLst>
+          </a:blip>
+          <a:stretch>
+            <a:fillRect/>
+          </a:stretch>
+        </p:blipFill>
+        <p:spPr>
+          <a:xfrm>
+            <a:off x="319958" y="1234252"/>
+            <a:ext cx="8723122" cy="4311342"/>
+          </a:xfrm>
+        </p:spPr>
+      </p:pic>
+      <p:sp>
+        <p:nvSpPr>
+          <p:cNvPr id="2" name="Titre 1"/>
+          <p:cNvSpPr>
+            <a:spLocks noGrp="1"/>
+          </p:cNvSpPr>
+          <p:nvPr>
+            <p:ph type="title"/>
+          </p:nvPr>
+        </p:nvSpPr>
+        <p:spPr/>
+        <p:txBody>
+          <a:bodyPr/>
+          <a:lstStyle/>
+          <a:p>
+            <a:r>
+              <a:rPr lang="fr-FR" dirty="0" smtClean="0"/>
+              <a:t>Optimiseur</a:t>
+            </a:r>
+            <a:endParaRPr lang="fr-FR" dirty="0"/>
+          </a:p>
+        </p:txBody>
+      </p:sp>
+      <p:sp>
+        <p:nvSpPr>
+          <p:cNvPr id="4" name="Espace réservé du texte 3"/>
+          <p:cNvSpPr>
+            <a:spLocks noGrp="1"/>
+          </p:cNvSpPr>
+          <p:nvPr>
+            <p:ph type="body" sz="quarter" idx="10"/>
+          </p:nvPr>
+        </p:nvSpPr>
+        <p:spPr/>
+        <p:txBody>
+          <a:bodyPr>
+            <a:normAutofit fontScale="92500" lnSpcReduction="20000"/>
+          </a:bodyPr>
+          <a:lstStyle/>
+          <a:p>
+            <a:r>
+              <a:rPr lang="fr-FR" dirty="0"/>
+              <a:t>Spécifications </a:t>
+            </a:r>
+            <a:r>
+              <a:rPr lang="fr-FR" dirty="0" smtClean="0"/>
+              <a:t>fonctionnelles.</a:t>
+            </a:r>
+            <a:endParaRPr lang="fr-FR" dirty="0"/>
+          </a:p>
+        </p:txBody>
+      </p:sp>
+      <p:sp>
+        <p:nvSpPr>
+          <p:cNvPr id="3" name="ZoneTexte 2"/>
+          <p:cNvSpPr txBox="1"/>
+          <p:nvPr/>
+        </p:nvSpPr>
+        <p:spPr>
+          <a:xfrm>
+            <a:off x="1008150" y="1237576"/>
+            <a:ext cx="3384376" cy="646331"/>
+          </a:xfrm>
+          <a:prstGeom prst="rect">
+            <a:avLst/>
+          </a:prstGeom>
+          <a:noFill/>
+        </p:spPr>
+        <p:txBody>
+          <a:bodyPr wrap="square" rtlCol="0">
+            <a:spAutoFit/>
+          </a:bodyPr>
+          <a:lstStyle/>
+          <a:p>
+            <a:r>
+              <a:rPr lang="fr-FR" dirty="0" smtClean="0"/>
+              <a:t>Arbre optimisé pour un coup minimal</a:t>
+            </a:r>
+            <a:endParaRPr lang="fr-FR" dirty="0"/>
+          </a:p>
+        </p:txBody>
+      </p:sp>
+      <p:pic>
+        <p:nvPicPr>
+          <p:cNvPr id="7" name="Image 6"/>
+          <p:cNvPicPr>
+            <a:picLocks noChangeAspect="1"/>
+          </p:cNvPicPr>
+          <p:nvPr/>
+        </p:nvPicPr>
+        <p:blipFill>
+          <a:blip r:embed="rId4" cstate="print">
+            <a:extLst>
+              <a:ext uri="{28A0092B-C50C-407E-A947-70E740481C1C}">
+                <a14:useLocalDpi xmlns:a14="http://schemas.microsoft.com/office/drawing/2010/main" val="0"/>
+              </a:ext>
+            </a:extLst>
+          </a:blip>
+          <a:stretch>
+            <a:fillRect/>
+          </a:stretch>
+        </p:blipFill>
+        <p:spPr>
+          <a:xfrm>
+            <a:off x="4067944" y="450284"/>
+            <a:ext cx="2406653" cy="6221036"/>
+          </a:xfrm>
+          <a:prstGeom prst="rect">
+            <a:avLst/>
+          </a:prstGeom>
+        </p:spPr>
+      </p:pic>
+    </p:spTree>
+    <p:extLst>
+      <p:ext uri="{BB962C8B-B14F-4D97-AF65-F5344CB8AC3E}">
+        <p14:creationId xmlns:p14="http://schemas.microsoft.com/office/powerpoint/2010/main" val="2053331608"/>
+      </p:ext>
+    </p:extLst>
+  </p:cSld>
+  <p:clrMapOvr>
+    <a:masterClrMapping/>
+  </p:clrMapOvr>
+  <mc:AlternateContent xmlns:mc="http://schemas.openxmlformats.org/markup-compatibility/2006" xmlns:p14="http://schemas.microsoft.com/office/powerpoint/2010/main">
+    <mc:Choice Requires="p14">
+      <p:transition spd="med" p14:dur="700">
+        <p:fade/>
+      </p:transition>
+    </mc:Choice>
+    <mc:Fallback xmlns="">
+      <p:transition spd="med">
+        <p:fade/>
+      </p:transition>
+    </mc:Fallback>
+  </mc:AlternateContent>
+  <p:timing>
+    <p:tnLst>
+      <p:par>
+        <p:cTn id="1" dur="indefinite" restart="never" nodeType="tmRoot">
+          <p:childTnLst>
+            <p:seq concurrent="1" nextAc="seek">
+              <p:cTn id="2" dur="indefinite" nodeType="mainSeq">
+                <p:childTnLst>
+                  <p:par>
+                    <p:cTn id="3" fill="hold">
+                      <p:stCondLst>
+                        <p:cond delay="indefinite"/>
+                      </p:stCondLst>
+                      <p:childTnLst>
+                        <p:par>
+                          <p:cTn id="4" fill="hold">
+                            <p:stCondLst>
+                              <p:cond delay="0"/>
+                            </p:stCondLst>
+                            <p:childTnLst>
+                              <p:par>
+                                <p:cTn id="5" presetID="1" presetClass="exit" presetSubtype="0" fill="hold" nodeType="clickEffect">
+                                  <p:stCondLst>
+                                    <p:cond delay="0"/>
+                                  </p:stCondLst>
+                                  <p:childTnLst>
+                                    <p:set>
+                                      <p:cBhvr>
+                                        <p:cTn id="6" dur="1" fill="hold">
+                                          <p:stCondLst>
+                                            <p:cond delay="0"/>
+                                          </p:stCondLst>
+                                        </p:cTn>
+                                        <p:tgtEl>
+                                          <p:spTgt spid="5"/>
+                                        </p:tgtEl>
+                                        <p:attrNameLst>
+                                          <p:attrName>style.visibility</p:attrName>
+                                        </p:attrNameLst>
+                                      </p:cBhvr>
+                                      <p:to>
+                                        <p:strVal val="hidden"/>
+                                      </p:to>
+                                    </p:set>
+                                  </p:childTnLst>
+                                </p:cTn>
+                              </p:par>
+                              <p:par>
+                                <p:cTn id="7" presetID="10" presetClass="entr" presetSubtype="0" fill="hold" nodeType="withEffect">
+                                  <p:stCondLst>
+                                    <p:cond delay="0"/>
+                                  </p:stCondLst>
+                                  <p:childTnLst>
+                                    <p:set>
+                                      <p:cBhvr>
+                                        <p:cTn id="8" dur="1" fill="hold">
+                                          <p:stCondLst>
+                                            <p:cond delay="0"/>
+                                          </p:stCondLst>
+                                        </p:cTn>
+                                        <p:tgtEl>
+                                          <p:spTgt spid="7"/>
+                                        </p:tgtEl>
+                                        <p:attrNameLst>
+                                          <p:attrName>style.visibility</p:attrName>
+                                        </p:attrNameLst>
+                                      </p:cBhvr>
+                                      <p:to>
+                                        <p:strVal val="visible"/>
+                                      </p:to>
+                                    </p:set>
+                                    <p:animEffect transition="in" filter="fade">
+                                      <p:cBhvr>
+                                        <p:cTn id="9" dur="500"/>
+                                        <p:tgtEl>
+                                          <p:spTgt spid="7"/>
+                                        </p:tgtEl>
+                                      </p:cBhvr>
+                                    </p:animEffect>
+                                  </p:childTnLst>
+                                </p:cTn>
+                              </p:par>
+                            </p:childTnLst>
+                          </p:cTn>
+                        </p:par>
+                      </p:childTnLst>
+                    </p:cTn>
+                  </p:par>
+                </p:childTnLst>
+              </p:cTn>
+              <p:prevCondLst>
+                <p:cond evt="onPrev" delay="0">
+                  <p:tgtEl>
+                    <p:sldTgt/>
+                  </p:tgtEl>
+                </p:cond>
+              </p:prevCondLst>
+              <p:nextCondLst>
+                <p:cond evt="onNext" delay="0">
+                  <p:tgtEl>
+                    <p:sldTgt/>
+                  </p:tgtEl>
+                </p:cond>
+              </p:nextCondLst>
+            </p:seq>
+          </p:childTnLst>
+        </p:cTn>
+      </p:par>
+    </p:tnLst>
+  </p:timing>
+</p:sld>
+</file>
+
+<file path=ppt/slides/slide23.xml><?xml version="1.0" encoding="utf-8"?>
+<p:sld xmlns:a="http://schemas.openxmlformats.org/drawingml/2006/main" xmlns:r="http://schemas.openxmlformats.org/officeDocument/2006/relationships" xmlns:p="http://schemas.openxmlformats.org/presentationml/2006/main">
+  <p:cSld>
+    <p:spTree>
+      <p:nvGrpSpPr>
+        <p:cNvPr id="1" name=""/>
+        <p:cNvGrpSpPr/>
+        <p:nvPr/>
+      </p:nvGrpSpPr>
+      <p:grpSpPr>
+        <a:xfrm>
+          <a:off x="0" y="0"/>
+          <a:ext cx="0" cy="0"/>
+          <a:chOff x="0" y="0"/>
+          <a:chExt cx="0" cy="0"/>
+        </a:xfrm>
+      </p:grpSpPr>
+      <p:sp>
+        <p:nvSpPr>
+          <p:cNvPr id="2" name="Titre 1"/>
+          <p:cNvSpPr>
+            <a:spLocks noGrp="1"/>
+          </p:cNvSpPr>
+          <p:nvPr>
+            <p:ph type="title"/>
+          </p:nvPr>
+        </p:nvSpPr>
+        <p:spPr/>
+        <p:txBody>
+          <a:bodyPr/>
+          <a:lstStyle/>
+          <a:p>
+            <a:r>
+              <a:rPr lang="fr-FR" dirty="0" smtClean="0"/>
+              <a:t>Amélioration d’</a:t>
+            </a:r>
+            <a:r>
+              <a:rPr lang="fr-FR" dirty="0" err="1" smtClean="0"/>
+              <a:t>ADTool</a:t>
+            </a:r>
+            <a:endParaRPr lang="fr-FR" dirty="0"/>
+          </a:p>
+        </p:txBody>
+      </p:sp>
+      <p:pic>
+        <p:nvPicPr>
+          <p:cNvPr id="5" name="Espace réservé du contenu 4"/>
+          <p:cNvPicPr>
+            <a:picLocks noGrp="1" noChangeAspect="1"/>
+          </p:cNvPicPr>
+          <p:nvPr>
+            <p:ph idx="1"/>
+          </p:nvPr>
+        </p:nvPicPr>
+        <p:blipFill>
+          <a:blip r:embed="rId2" cstate="print">
+            <a:extLst>
+              <a:ext uri="{28A0092B-C50C-407E-A947-70E740481C1C}">
+                <a14:useLocalDpi xmlns:a14="http://schemas.microsoft.com/office/drawing/2010/main" val="0"/>
+              </a:ext>
+            </a:extLst>
+          </a:blip>
+          <a:stretch>
+            <a:fillRect/>
+          </a:stretch>
+        </p:blipFill>
+        <p:spPr>
+          <a:xfrm>
+            <a:off x="395536" y="1618335"/>
+            <a:ext cx="2500550" cy="2861206"/>
+          </a:xfrm>
+        </p:spPr>
+      </p:pic>
+      <p:sp>
+        <p:nvSpPr>
+          <p:cNvPr id="4" name="Espace réservé du texte 3"/>
+          <p:cNvSpPr>
+            <a:spLocks noGrp="1"/>
+          </p:cNvSpPr>
+          <p:nvPr>
+            <p:ph type="body" sz="quarter" idx="10"/>
+          </p:nvPr>
+        </p:nvSpPr>
+        <p:spPr/>
+        <p:txBody>
+          <a:bodyPr>
+            <a:normAutofit fontScale="92500" lnSpcReduction="20000"/>
+          </a:bodyPr>
+          <a:lstStyle/>
+          <a:p>
+            <a:r>
+              <a:rPr lang="fr-FR" dirty="0" smtClean="0"/>
+              <a:t>Spécification fonctionnelles</a:t>
+            </a:r>
+            <a:endParaRPr lang="fr-FR" dirty="0"/>
+          </a:p>
+        </p:txBody>
+      </p:sp>
+      <p:sp>
+        <p:nvSpPr>
+          <p:cNvPr id="6" name="ZoneTexte 5"/>
+          <p:cNvSpPr txBox="1"/>
+          <p:nvPr/>
+        </p:nvSpPr>
+        <p:spPr>
+          <a:xfrm>
+            <a:off x="3491880" y="1525444"/>
+            <a:ext cx="2232248" cy="3046988"/>
+          </a:xfrm>
+          <a:prstGeom prst="rect">
+            <a:avLst/>
+          </a:prstGeom>
+          <a:noFill/>
+        </p:spPr>
+        <p:txBody>
+          <a:bodyPr wrap="square" rtlCol="0">
+            <a:spAutoFit/>
+          </a:bodyPr>
+          <a:lstStyle/>
+          <a:p>
+            <a:r>
+              <a:rPr lang="nl-NL" sz="2400" dirty="0"/>
+              <a:t>op(</a:t>
+            </a:r>
+          </a:p>
+          <a:p>
+            <a:r>
+              <a:rPr lang="nl-NL" sz="2400" dirty="0"/>
+              <a:t>      </a:t>
+            </a:r>
+            <a:r>
+              <a:rPr lang="nl-NL" sz="2400" dirty="0" err="1"/>
+              <a:t>ap</a:t>
+            </a:r>
+            <a:r>
+              <a:rPr lang="nl-NL" sz="2400" dirty="0"/>
+              <a:t>(</a:t>
+            </a:r>
+          </a:p>
+          <a:p>
+            <a:r>
+              <a:rPr lang="nl-NL" sz="2400" dirty="0"/>
+              <a:t>            2.0,</a:t>
+            </a:r>
+          </a:p>
+          <a:p>
+            <a:r>
+              <a:rPr lang="nl-NL" sz="2400" dirty="0"/>
+              <a:t>            2.1</a:t>
+            </a:r>
+          </a:p>
+          <a:p>
+            <a:r>
+              <a:rPr lang="nl-NL" sz="2400" dirty="0"/>
+              <a:t>      ),</a:t>
+            </a:r>
+          </a:p>
+          <a:p>
+            <a:r>
+              <a:rPr lang="nl-NL" sz="2400" dirty="0"/>
+              <a:t>      1.1,</a:t>
+            </a:r>
+          </a:p>
+          <a:p>
+            <a:r>
+              <a:rPr lang="nl-NL" sz="2400" dirty="0"/>
+              <a:t>      1.2</a:t>
+            </a:r>
+          </a:p>
+          <a:p>
+            <a:r>
+              <a:rPr lang="nl-NL" sz="2400" dirty="0"/>
+              <a:t>)</a:t>
+            </a:r>
+            <a:endParaRPr lang="fr-FR" sz="2400" dirty="0"/>
+          </a:p>
+        </p:txBody>
+      </p:sp>
+      <p:sp>
+        <p:nvSpPr>
+          <p:cNvPr id="7" name="ZoneTexte 6"/>
+          <p:cNvSpPr txBox="1"/>
+          <p:nvPr/>
+        </p:nvSpPr>
+        <p:spPr>
+          <a:xfrm>
+            <a:off x="395536" y="5013176"/>
+            <a:ext cx="2644566" cy="369332"/>
+          </a:xfrm>
+          <a:prstGeom prst="rect">
+            <a:avLst/>
+          </a:prstGeom>
+          <a:noFill/>
+        </p:spPr>
+        <p:txBody>
+          <a:bodyPr wrap="square" rtlCol="0">
+            <a:spAutoFit/>
+            <a:scene3d>
+              <a:camera prst="orthographicFront"/>
+              <a:lightRig rig="harsh" dir="t"/>
+            </a:scene3d>
+            <a:sp3d extrusionH="57150" prstMaterial="matte">
+              <a:bevelT w="63500" h="12700" prst="angle"/>
+              <a:contourClr>
+                <a:schemeClr val="bg1">
+                  <a:lumMod val="65000"/>
+                </a:schemeClr>
+              </a:contourClr>
+            </a:sp3d>
+          </a:bodyPr>
+          <a:lstStyle/>
+          <a:p>
+            <a:pPr algn="ctr"/>
+            <a:r>
+              <a:rPr lang="fr-FR" b="1" dirty="0" smtClean="0">
+                <a:ln/>
+                <a:solidFill>
+                  <a:schemeClr val="accent3"/>
+                </a:solidFill>
+              </a:rPr>
+              <a:t>Un arbre</a:t>
+            </a:r>
+            <a:endParaRPr lang="fr-FR" b="1" dirty="0">
+              <a:ln/>
+              <a:solidFill>
+                <a:schemeClr val="accent3"/>
+              </a:solidFill>
+            </a:endParaRPr>
+          </a:p>
+        </p:txBody>
+      </p:sp>
+      <p:sp>
+        <p:nvSpPr>
+          <p:cNvPr id="8" name="ZoneTexte 7"/>
+          <p:cNvSpPr txBox="1"/>
+          <p:nvPr/>
+        </p:nvSpPr>
+        <p:spPr>
+          <a:xfrm>
+            <a:off x="3031966" y="5013176"/>
+            <a:ext cx="2644566" cy="369332"/>
+          </a:xfrm>
+          <a:prstGeom prst="rect">
+            <a:avLst/>
+          </a:prstGeom>
+          <a:noFill/>
+        </p:spPr>
+        <p:txBody>
+          <a:bodyPr wrap="square" rtlCol="0">
+            <a:spAutoFit/>
+            <a:scene3d>
+              <a:camera prst="orthographicFront"/>
+              <a:lightRig rig="harsh" dir="t"/>
+            </a:scene3d>
+            <a:sp3d extrusionH="57150" prstMaterial="matte">
+              <a:bevelT w="63500" h="12700" prst="angle"/>
+              <a:contourClr>
+                <a:schemeClr val="bg1">
+                  <a:lumMod val="65000"/>
+                </a:schemeClr>
+              </a:contourClr>
+            </a:sp3d>
+          </a:bodyPr>
+          <a:lstStyle/>
+          <a:p>
+            <a:pPr algn="ctr"/>
+            <a:r>
+              <a:rPr lang="fr-FR" b="1" dirty="0" smtClean="0">
+                <a:ln/>
+                <a:solidFill>
+                  <a:schemeClr val="accent3"/>
+                </a:solidFill>
+              </a:rPr>
+              <a:t>Une grammaire</a:t>
+            </a:r>
+            <a:endParaRPr lang="fr-FR" b="1" dirty="0">
+              <a:ln/>
+              <a:solidFill>
+                <a:schemeClr val="accent3"/>
+              </a:solidFill>
+            </a:endParaRPr>
+          </a:p>
+        </p:txBody>
+      </p:sp>
+      <p:sp>
+        <p:nvSpPr>
+          <p:cNvPr id="10" name="ZoneTexte 9"/>
+          <p:cNvSpPr txBox="1"/>
+          <p:nvPr/>
+        </p:nvSpPr>
+        <p:spPr>
+          <a:xfrm>
+            <a:off x="6171098" y="1450111"/>
+            <a:ext cx="2232248" cy="3046988"/>
+          </a:xfrm>
+          <a:prstGeom prst="rect">
+            <a:avLst/>
+          </a:prstGeom>
+          <a:noFill/>
+        </p:spPr>
+        <p:txBody>
+          <a:bodyPr wrap="square" rtlCol="0">
+            <a:spAutoFit/>
+          </a:bodyPr>
+          <a:lstStyle/>
+          <a:p>
+            <a:r>
+              <a:rPr lang="nl-NL" sz="2400" dirty="0"/>
+              <a:t>o</a:t>
+            </a:r>
+            <a:r>
+              <a:rPr lang="nl-NL" sz="2400" dirty="0" smtClean="0"/>
+              <a:t>p{0.0}(</a:t>
+            </a:r>
+            <a:endParaRPr lang="nl-NL" sz="2400" dirty="0"/>
+          </a:p>
+          <a:p>
+            <a:r>
+              <a:rPr lang="nl-NL" sz="2400" dirty="0"/>
+              <a:t>      </a:t>
+            </a:r>
+            <a:r>
+              <a:rPr lang="nl-NL" sz="2400" dirty="0" err="1" smtClean="0"/>
+              <a:t>ap</a:t>
+            </a:r>
+            <a:r>
+              <a:rPr lang="nl-NL" sz="2400" dirty="0" smtClean="0"/>
+              <a:t>{1.0}(</a:t>
+            </a:r>
+            <a:endParaRPr lang="nl-NL" sz="2400" dirty="0"/>
+          </a:p>
+          <a:p>
+            <a:r>
+              <a:rPr lang="nl-NL" sz="2400" dirty="0"/>
+              <a:t>            2.0,</a:t>
+            </a:r>
+          </a:p>
+          <a:p>
+            <a:r>
+              <a:rPr lang="nl-NL" sz="2400" dirty="0"/>
+              <a:t>            2.1</a:t>
+            </a:r>
+          </a:p>
+          <a:p>
+            <a:r>
+              <a:rPr lang="nl-NL" sz="2400" dirty="0"/>
+              <a:t>      ),</a:t>
+            </a:r>
+          </a:p>
+          <a:p>
+            <a:r>
+              <a:rPr lang="nl-NL" sz="2400" dirty="0"/>
+              <a:t>      1.1,</a:t>
+            </a:r>
+          </a:p>
+          <a:p>
+            <a:r>
+              <a:rPr lang="nl-NL" sz="2400" dirty="0"/>
+              <a:t>      1.2</a:t>
+            </a:r>
+          </a:p>
+          <a:p>
+            <a:r>
+              <a:rPr lang="nl-NL" sz="2400" dirty="0"/>
+              <a:t>)</a:t>
+            </a:r>
+            <a:endParaRPr lang="fr-FR" sz="2400" dirty="0"/>
+          </a:p>
+        </p:txBody>
+      </p:sp>
+      <p:sp>
+        <p:nvSpPr>
+          <p:cNvPr id="11" name="ZoneTexte 10"/>
+          <p:cNvSpPr txBox="1"/>
+          <p:nvPr/>
+        </p:nvSpPr>
+        <p:spPr>
+          <a:xfrm>
+            <a:off x="5815866" y="4869160"/>
+            <a:ext cx="2644566" cy="646331"/>
+          </a:xfrm>
+          <a:prstGeom prst="rect">
+            <a:avLst/>
+          </a:prstGeom>
+          <a:noFill/>
+        </p:spPr>
+        <p:txBody>
+          <a:bodyPr wrap="square" rtlCol="0">
+            <a:spAutoFit/>
+            <a:scene3d>
+              <a:camera prst="orthographicFront"/>
+              <a:lightRig rig="harsh" dir="t"/>
+            </a:scene3d>
+            <a:sp3d extrusionH="57150" prstMaterial="matte">
+              <a:bevelT w="63500" h="12700" prst="angle"/>
+              <a:contourClr>
+                <a:schemeClr val="bg1">
+                  <a:lumMod val="65000"/>
+                </a:schemeClr>
+              </a:contourClr>
+            </a:sp3d>
+          </a:bodyPr>
+          <a:lstStyle/>
+          <a:p>
+            <a:pPr algn="ctr"/>
+            <a:r>
+              <a:rPr lang="fr-FR" b="1" dirty="0" smtClean="0">
+                <a:ln/>
+                <a:solidFill>
+                  <a:schemeClr val="accent3"/>
+                </a:solidFill>
+              </a:rPr>
+              <a:t>Une nouvelle</a:t>
+            </a:r>
+          </a:p>
+          <a:p>
+            <a:pPr algn="ctr"/>
+            <a:r>
+              <a:rPr lang="fr-FR" b="1" dirty="0" smtClean="0">
+                <a:ln/>
+                <a:solidFill>
+                  <a:schemeClr val="accent3"/>
+                </a:solidFill>
+              </a:rPr>
+              <a:t>grammaire</a:t>
+            </a:r>
+            <a:endParaRPr lang="fr-FR" b="1" dirty="0">
+              <a:ln/>
+              <a:solidFill>
+                <a:schemeClr val="accent3"/>
+              </a:solidFill>
+            </a:endParaRPr>
+          </a:p>
+        </p:txBody>
+      </p:sp>
+    </p:spTree>
+    <p:extLst>
+      <p:ext uri="{BB962C8B-B14F-4D97-AF65-F5344CB8AC3E}">
+        <p14:creationId xmlns:p14="http://schemas.microsoft.com/office/powerpoint/2010/main" val="3707253623"/>
+      </p:ext>
+    </p:extLst>
+  </p:cSld>
+  <p:clrMapOvr>
+    <a:masterClrMapping/>
+  </p:clrMapOvr>
+  <p:timing>
+    <p:tnLst>
+      <p:par>
+        <p:cTn id="1" dur="indefinite" restart="never" nodeType="tmRoot">
+          <p:childTnLst>
+            <p:seq concurrent="1" nextAc="seek">
+              <p:cTn id="2" dur="indefinite" nodeType="mainSeq">
+                <p:childTnLst>
+                  <p:par>
+                    <p:cTn id="3" fill="hold">
+                      <p:stCondLst>
+                        <p:cond delay="indefinite"/>
+                      </p:stCondLst>
+                      <p:childTnLst>
+                        <p:par>
+                          <p:cTn id="4" fill="hold">
+                            <p:stCondLst>
+                              <p:cond delay="0"/>
+                            </p:stCondLst>
+                            <p:childTnLst>
+                              <p:par>
+                                <p:cTn id="5" presetID="10" presetClass="entr" presetSubtype="0" fill="hold" nodeType="clickEffect">
+                                  <p:stCondLst>
+                                    <p:cond delay="0"/>
+                                  </p:stCondLst>
+                                  <p:childTnLst>
+                                    <p:set>
+                                      <p:cBhvr>
+                                        <p:cTn id="6" dur="1" fill="hold">
+                                          <p:stCondLst>
+                                            <p:cond delay="0"/>
+                                          </p:stCondLst>
+                                        </p:cTn>
+                                        <p:tgtEl>
+                                          <p:spTgt spid="5"/>
+                                        </p:tgtEl>
+                                        <p:attrNameLst>
+                                          <p:attrName>style.visibility</p:attrName>
+                                        </p:attrNameLst>
+                                      </p:cBhvr>
+                                      <p:to>
+                                        <p:strVal val="visible"/>
+                                      </p:to>
+                                    </p:set>
+                                    <p:animEffect transition="in" filter="fade">
+                                      <p:cBhvr>
+                                        <p:cTn id="7" dur="500"/>
+                                        <p:tgtEl>
+                                          <p:spTgt spid="5"/>
+                                        </p:tgtEl>
+                                      </p:cBhvr>
+                                    </p:animEffect>
+                                  </p:childTnLst>
+                                </p:cTn>
+                              </p:par>
+                              <p:par>
+                                <p:cTn id="8" presetID="10" presetClass="entr" presetSubtype="0" fill="hold" grpId="0" nodeType="withEffect">
+                                  <p:stCondLst>
+                                    <p:cond delay="0"/>
+                                  </p:stCondLst>
+                                  <p:childTnLst>
+                                    <p:set>
+                                      <p:cBhvr>
+                                        <p:cTn id="9" dur="1" fill="hold">
+                                          <p:stCondLst>
+                                            <p:cond delay="0"/>
+                                          </p:stCondLst>
+                                        </p:cTn>
+                                        <p:tgtEl>
+                                          <p:spTgt spid="7"/>
+                                        </p:tgtEl>
+                                        <p:attrNameLst>
+                                          <p:attrName>style.visibility</p:attrName>
+                                        </p:attrNameLst>
+                                      </p:cBhvr>
+                                      <p:to>
+                                        <p:strVal val="visible"/>
+                                      </p:to>
+                                    </p:set>
+                                    <p:animEffect transition="in" filter="fade">
+                                      <p:cBhvr>
+                                        <p:cTn id="10" dur="500"/>
+                                        <p:tgtEl>
+                                          <p:spTgt spid="7"/>
+                                        </p:tgtEl>
+                                      </p:cBhvr>
+                                    </p:animEffect>
+                                  </p:childTnLst>
+                                </p:cTn>
+                              </p:par>
+                            </p:childTnLst>
+                          </p:cTn>
+                        </p:par>
+                      </p:childTnLst>
+                    </p:cTn>
+                  </p:par>
+                  <p:par>
+                    <p:cTn id="11" fill="hold">
+                      <p:stCondLst>
+                        <p:cond delay="indefinite"/>
+                      </p:stCondLst>
+                      <p:childTnLst>
+                        <p:par>
+                          <p:cTn id="12" fill="hold">
+                            <p:stCondLst>
+                              <p:cond delay="0"/>
+                            </p:stCondLst>
+                            <p:childTnLst>
+                              <p:par>
+                                <p:cTn id="13" presetID="10" presetClass="entr" presetSubtype="0" fill="hold" grpId="0" nodeType="clickEffect">
+                                  <p:stCondLst>
+                                    <p:cond delay="0"/>
+                                  </p:stCondLst>
+                                  <p:childTnLst>
+                                    <p:set>
+                                      <p:cBhvr>
+                                        <p:cTn id="14" dur="1" fill="hold">
+                                          <p:stCondLst>
+                                            <p:cond delay="0"/>
+                                          </p:stCondLst>
+                                        </p:cTn>
+                                        <p:tgtEl>
+                                          <p:spTgt spid="6"/>
+                                        </p:tgtEl>
+                                        <p:attrNameLst>
+                                          <p:attrName>style.visibility</p:attrName>
+                                        </p:attrNameLst>
+                                      </p:cBhvr>
+                                      <p:to>
+                                        <p:strVal val="visible"/>
+                                      </p:to>
+                                    </p:set>
+                                    <p:animEffect transition="in" filter="fade">
+                                      <p:cBhvr>
+                                        <p:cTn id="15" dur="500"/>
+                                        <p:tgtEl>
+                                          <p:spTgt spid="6"/>
+                                        </p:tgtEl>
+                                      </p:cBhvr>
+                                    </p:animEffect>
+                                  </p:childTnLst>
+                                </p:cTn>
+                              </p:par>
+                              <p:par>
+                                <p:cTn id="16" presetID="10" presetClass="entr" presetSubtype="0" fill="hold" grpId="0" nodeType="withEffect">
+                                  <p:stCondLst>
+                                    <p:cond delay="0"/>
+                                  </p:stCondLst>
+                                  <p:childTnLst>
+                                    <p:set>
+                                      <p:cBhvr>
+                                        <p:cTn id="17" dur="1" fill="hold">
+                                          <p:stCondLst>
+                                            <p:cond delay="0"/>
+                                          </p:stCondLst>
+                                        </p:cTn>
+                                        <p:tgtEl>
+                                          <p:spTgt spid="8"/>
+                                        </p:tgtEl>
+                                        <p:attrNameLst>
+                                          <p:attrName>style.visibility</p:attrName>
+                                        </p:attrNameLst>
+                                      </p:cBhvr>
+                                      <p:to>
+                                        <p:strVal val="visible"/>
+                                      </p:to>
+                                    </p:set>
+                                    <p:animEffect transition="in" filter="fade">
+                                      <p:cBhvr>
+                                        <p:cTn id="18" dur="500"/>
+                                        <p:tgtEl>
+                                          <p:spTgt spid="8"/>
+                                        </p:tgtEl>
+                                      </p:cBhvr>
+                                    </p:animEffect>
+                                  </p:childTnLst>
+                                </p:cTn>
+                              </p:par>
+                            </p:childTnLst>
+                          </p:cTn>
+                        </p:par>
+                      </p:childTnLst>
+                    </p:cTn>
+                  </p:par>
+                  <p:par>
+                    <p:cTn id="19" fill="hold">
+                      <p:stCondLst>
+                        <p:cond delay="indefinite"/>
+                      </p:stCondLst>
+                      <p:childTnLst>
+                        <p:par>
+                          <p:cTn id="20" fill="hold">
+                            <p:stCondLst>
+                              <p:cond delay="0"/>
+                            </p:stCondLst>
+                            <p:childTnLst>
+                              <p:par>
+                                <p:cTn id="21" presetID="10" presetClass="entr" presetSubtype="0" fill="hold" grpId="0" nodeType="clickEffect">
+                                  <p:stCondLst>
+                                    <p:cond delay="0"/>
+                                  </p:stCondLst>
+                                  <p:childTnLst>
+                                    <p:set>
+                                      <p:cBhvr>
+                                        <p:cTn id="22" dur="1" fill="hold">
+                                          <p:stCondLst>
+                                            <p:cond delay="0"/>
+                                          </p:stCondLst>
+                                        </p:cTn>
+                                        <p:tgtEl>
+                                          <p:spTgt spid="10"/>
+                                        </p:tgtEl>
+                                        <p:attrNameLst>
+                                          <p:attrName>style.visibility</p:attrName>
+                                        </p:attrNameLst>
+                                      </p:cBhvr>
+                                      <p:to>
+                                        <p:strVal val="visible"/>
+                                      </p:to>
+                                    </p:set>
+                                    <p:animEffect transition="in" filter="fade">
+                                      <p:cBhvr>
+                                        <p:cTn id="23" dur="500"/>
+                                        <p:tgtEl>
+                                          <p:spTgt spid="10"/>
+                                        </p:tgtEl>
+                                      </p:cBhvr>
+                                    </p:animEffect>
+                                  </p:childTnLst>
+                                </p:cTn>
+                              </p:par>
+                              <p:par>
+                                <p:cTn id="24" presetID="10" presetClass="entr" presetSubtype="0" fill="hold" grpId="0" nodeType="withEffect">
+                                  <p:stCondLst>
+                                    <p:cond delay="0"/>
+                                  </p:stCondLst>
+                                  <p:childTnLst>
+                                    <p:set>
+                                      <p:cBhvr>
+                                        <p:cTn id="25" dur="1" fill="hold">
+                                          <p:stCondLst>
+                                            <p:cond delay="0"/>
+                                          </p:stCondLst>
+                                        </p:cTn>
+                                        <p:tgtEl>
+                                          <p:spTgt spid="11"/>
+                                        </p:tgtEl>
+                                        <p:attrNameLst>
+                                          <p:attrName>style.visibility</p:attrName>
+                                        </p:attrNameLst>
+                                      </p:cBhvr>
+                                      <p:to>
+                                        <p:strVal val="visible"/>
+                                      </p:to>
+                                    </p:set>
+                                    <p:animEffect transition="in" filter="fade">
+                                      <p:cBhvr>
+                                        <p:cTn id="26" dur="500"/>
+                                        <p:tgtEl>
+                                          <p:spTgt spid="11"/>
+                                        </p:tgtEl>
+                                      </p:cBhvr>
+                                    </p:animEffect>
+                                  </p:childTnLst>
+                                </p:cTn>
+                              </p:par>
+                            </p:childTnLst>
+                          </p:cTn>
+                        </p:par>
+                      </p:childTnLst>
+                    </p:cTn>
+                  </p:par>
+                </p:childTnLst>
+              </p:cTn>
+              <p:prevCondLst>
+                <p:cond evt="onPrev" delay="0">
+                  <p:tgtEl>
+                    <p:sldTgt/>
+                  </p:tgtEl>
+                </p:cond>
+              </p:prevCondLst>
+              <p:nextCondLst>
+                <p:cond evt="onNext" delay="0">
+                  <p:tgtEl>
+                    <p:sldTgt/>
+                  </p:tgtEl>
+                </p:cond>
+              </p:nextCondLst>
+            </p:seq>
+          </p:childTnLst>
+        </p:cTn>
+      </p:par>
+    </p:tnLst>
+    <p:bldLst>
+      <p:bldP spid="6" grpId="0"/>
+      <p:bldP spid="7" grpId="0"/>
+      <p:bldP spid="8" grpId="0"/>
+      <p:bldP spid="10" grpId="0"/>
+      <p:bldP spid="11" grpId="0"/>
+    </p:bldLst>
+  </p:timing>
+</p:sld>
+</file>
+
+<file path=ppt/slides/slide24.xml><?xml version="1.0" encoding="utf-8"?>
+<p:sld xmlns:a="http://schemas.openxmlformats.org/drawingml/2006/main" xmlns:r="http://schemas.openxmlformats.org/officeDocument/2006/relationships" xmlns:p="http://schemas.openxmlformats.org/presentationml/2006/main">
+  <p:cSld>
+    <p:spTree>
+      <p:nvGrpSpPr>
+        <p:cNvPr id="1" name=""/>
+        <p:cNvGrpSpPr/>
+        <p:nvPr/>
+      </p:nvGrpSpPr>
+      <p:grpSpPr>
+        <a:xfrm>
+          <a:off x="0" y="0"/>
+          <a:ext cx="0" cy="0"/>
+          <a:chOff x="0" y="0"/>
+          <a:chExt cx="0" cy="0"/>
+        </a:xfrm>
+      </p:grpSpPr>
+      <p:sp>
+        <p:nvSpPr>
+          <p:cNvPr id="2" name="Titre 1"/>
+          <p:cNvSpPr>
+            <a:spLocks noGrp="1"/>
+          </p:cNvSpPr>
+          <p:nvPr>
+            <p:ph type="title"/>
+          </p:nvPr>
+        </p:nvSpPr>
+        <p:spPr/>
+        <p:txBody>
+          <a:bodyPr/>
+          <a:lstStyle/>
+          <a:p>
+            <a:r>
+              <a:rPr lang="fr-FR" dirty="0" smtClean="0"/>
+              <a:t>Ergonomie logicielle</a:t>
+            </a:r>
+            <a:endParaRPr lang="fr-FR" dirty="0"/>
           </a:p>
         </p:txBody>
       </p:sp>
@@ -4462,71 +10211,47 @@
             <p:ph idx="1"/>
           </p:nvPr>
         </p:nvSpPr>
-        <p:spPr/>
+        <p:spPr>
+          <a:xfrm>
+            <a:off x="671397" y="3590893"/>
+            <a:ext cx="7509131" cy="1296144"/>
+          </a:xfrm>
+        </p:spPr>
         <p:txBody>
           <a:bodyPr/>
           <a:lstStyle/>
           <a:p>
             <a:r>
-              <a:rPr lang="fr-FR" smtClean="0"/>
-              <a:t>Intro : contexte (l’analyse des risques)</a:t>
-            </a:r>
-          </a:p>
-          <a:p>
-            <a:endParaRPr lang="fr-FR" smtClean="0"/>
-          </a:p>
-          <a:p>
-            <a:r>
-              <a:rPr lang="fr-FR" smtClean="0"/>
-              <a:t>Etat de l’art (ADTrees)</a:t>
-            </a:r>
-          </a:p>
-          <a:p>
-            <a:endParaRPr lang="fr-FR" smtClean="0"/>
-          </a:p>
-          <a:p>
-            <a:r>
-              <a:rPr lang="fr-FR" smtClean="0"/>
-              <a:t>Etude de l’existant (ADTool)</a:t>
-            </a:r>
-          </a:p>
-          <a:p>
-            <a:endParaRPr lang="fr-FR" smtClean="0"/>
-          </a:p>
-          <a:p>
-            <a:r>
-              <a:rPr lang="fr-FR" smtClean="0"/>
-              <a:t>Glasir : cahier des charges</a:t>
-            </a:r>
-          </a:p>
-          <a:p>
-            <a:r>
-              <a:rPr lang="fr-FR" smtClean="0"/>
-              <a:t>Architecture globale</a:t>
-            </a:r>
-          </a:p>
-          <a:p>
-            <a:endParaRPr lang="fr-FR" smtClean="0"/>
-          </a:p>
-          <a:p>
-            <a:r>
-              <a:rPr lang="fr-FR" smtClean="0"/>
-              <a:t>Spécifications (détails techniques)</a:t>
-            </a:r>
-          </a:p>
-          <a:p>
-            <a:endParaRPr lang="fr-FR" smtClean="0"/>
-          </a:p>
-          <a:p>
-            <a:r>
-              <a:rPr lang="fr-FR" smtClean="0"/>
-              <a:t>Plannif (très peu)</a:t>
-            </a:r>
-          </a:p>
-          <a:p>
-            <a:r>
-              <a:rPr lang="fr-FR" smtClean="0"/>
-              <a:t>Conclusion</a:t>
+              <a:rPr lang="fr-FR" dirty="0" smtClean="0"/>
+              <a:t>Des fonctionnalités de base pour améliorer </a:t>
+            </a:r>
+            <a:r>
+              <a:rPr lang="fr-FR" dirty="0" err="1" smtClean="0"/>
+              <a:t>ADTools</a:t>
+            </a:r>
+            <a:r>
+              <a:rPr lang="fr-FR" dirty="0" smtClean="0"/>
+              <a:t>.</a:t>
+            </a:r>
+          </a:p>
+          <a:p>
+            <a:pPr marL="342900" indent="-342900">
+              <a:buFont typeface="Arial" panose="020B0604020202020204" pitchFamily="34" charset="0"/>
+              <a:buChar char="•"/>
+            </a:pPr>
+            <a:r>
+              <a:rPr lang="fr-FR" dirty="0" smtClean="0"/>
+              <a:t>Fonction annuler</a:t>
+            </a:r>
+          </a:p>
+          <a:p>
+            <a:pPr marL="342900" indent="-342900">
+              <a:buFont typeface="Arial" panose="020B0604020202020204" pitchFamily="34" charset="0"/>
+              <a:buChar char="•"/>
+            </a:pPr>
+            <a:r>
+              <a:rPr lang="fr-FR" dirty="0" smtClean="0"/>
+              <a:t>Fonction copier-couper/coller.</a:t>
             </a:r>
           </a:p>
         </p:txBody>
@@ -4548,7 +10273,388 @@
           </a:bodyPr>
           <a:lstStyle/>
           <a:p>
-            <a:endParaRPr lang="fr-FR"/>
+            <a:r>
+              <a:rPr lang="fr-FR" dirty="0"/>
+              <a:t>Spécification fonctionnelles</a:t>
+            </a:r>
+          </a:p>
+        </p:txBody>
+      </p:sp>
+      <p:sp>
+        <p:nvSpPr>
+          <p:cNvPr id="6" name="Espace réservé du contenu 2"/>
+          <p:cNvSpPr txBox="1">
+            <a:spLocks/>
+          </p:cNvSpPr>
+          <p:nvPr/>
+        </p:nvSpPr>
+        <p:spPr>
+          <a:xfrm>
+            <a:off x="671398" y="1880281"/>
+            <a:ext cx="7509131" cy="1296144"/>
+          </a:xfrm>
+          <a:prstGeom prst="rect">
+            <a:avLst/>
+          </a:prstGeom>
+        </p:spPr>
+        <p:txBody>
+          <a:bodyPr vert="horz" lIns="91440" tIns="45720" rIns="91440" bIns="45720" rtlCol="0">
+            <a:normAutofit fontScale="92500"/>
+          </a:bodyPr>
+          <a:lstStyle>
+            <a:lvl1pPr marL="0" indent="0" algn="l" defTabSz="914400" rtl="0" eaLnBrk="1" latinLnBrk="0" hangingPunct="1">
+              <a:spcBef>
+                <a:spcPct val="20000"/>
+              </a:spcBef>
+              <a:buFontTx/>
+              <a:buNone/>
+              <a:defRPr lang="fr-FR" sz="2000" b="1" kern="1200">
+                <a:solidFill>
+                  <a:srgbClr val="004D6F"/>
+                </a:solidFill>
+                <a:latin typeface="Arial" pitchFamily="34" charset="0"/>
+                <a:ea typeface="+mn-ea"/>
+                <a:cs typeface="Arial" pitchFamily="34" charset="0"/>
+              </a:defRPr>
+            </a:lvl1pPr>
+            <a:lvl2pPr marL="742950" indent="-285750" algn="l" defTabSz="914400" rtl="0" eaLnBrk="1" latinLnBrk="0" hangingPunct="1">
+              <a:spcBef>
+                <a:spcPct val="20000"/>
+              </a:spcBef>
+              <a:buFont typeface="Arial" panose="020B0604020202020204" pitchFamily="34" charset="0"/>
+              <a:buChar char="•"/>
+              <a:defRPr lang="fr-FR" sz="1500" b="1" kern="1200" baseline="0">
+                <a:solidFill>
+                  <a:srgbClr val="4F4D50"/>
+                </a:solidFill>
+                <a:latin typeface="Arial" pitchFamily="34" charset="0"/>
+                <a:ea typeface="+mn-ea"/>
+                <a:cs typeface="Arial" pitchFamily="34" charset="0"/>
+              </a:defRPr>
+            </a:lvl2pPr>
+            <a:lvl3pPr marL="1143000" indent="-228600" algn="l" defTabSz="914400" rtl="0" eaLnBrk="1" latinLnBrk="0" hangingPunct="1">
+              <a:lnSpc>
+                <a:spcPct val="100000"/>
+              </a:lnSpc>
+              <a:spcBef>
+                <a:spcPts val="600"/>
+              </a:spcBef>
+              <a:buFont typeface="Arial" panose="020B0604020202020204" pitchFamily="34" charset="0"/>
+              <a:buChar char="•"/>
+              <a:defRPr lang="fr-FR" sz="1200" kern="1200" baseline="0" dirty="0" smtClean="0">
+                <a:solidFill>
+                  <a:srgbClr val="4F4D50"/>
+                </a:solidFill>
+                <a:latin typeface="Arial" pitchFamily="34" charset="0"/>
+                <a:ea typeface="+mn-ea"/>
+                <a:cs typeface="Arial" pitchFamily="34" charset="0"/>
+              </a:defRPr>
+            </a:lvl3pPr>
+            <a:lvl4pPr marL="1600200" indent="-228600" algn="l" defTabSz="914400" rtl="0" eaLnBrk="1" latinLnBrk="0" hangingPunct="1">
+              <a:spcBef>
+                <a:spcPct val="20000"/>
+              </a:spcBef>
+              <a:buFont typeface="Arial" panose="020B0604020202020204" pitchFamily="34" charset="0"/>
+              <a:buChar char="–"/>
+              <a:defRPr sz="2000" kern="1200">
+                <a:solidFill>
+                  <a:schemeClr val="tx1"/>
+                </a:solidFill>
+                <a:latin typeface="+mn-lt"/>
+                <a:ea typeface="+mn-ea"/>
+                <a:cs typeface="+mn-cs"/>
+              </a:defRPr>
+            </a:lvl4pPr>
+            <a:lvl5pPr marL="2057400" indent="-228600" algn="l" defTabSz="914400" rtl="0" eaLnBrk="1" latinLnBrk="0" hangingPunct="1">
+              <a:spcBef>
+                <a:spcPct val="20000"/>
+              </a:spcBef>
+              <a:buFont typeface="Arial" panose="020B0604020202020204" pitchFamily="34" charset="0"/>
+              <a:buChar char="»"/>
+              <a:defRPr sz="2000" kern="1200">
+                <a:solidFill>
+                  <a:schemeClr val="tx1"/>
+                </a:solidFill>
+                <a:latin typeface="+mn-lt"/>
+                <a:ea typeface="+mn-ea"/>
+                <a:cs typeface="+mn-cs"/>
+              </a:defRPr>
+            </a:lvl5pPr>
+            <a:lvl6pPr marL="2514600" indent="-228600" algn="l" defTabSz="914400" rtl="0" eaLnBrk="1" latinLnBrk="0" hangingPunct="1">
+              <a:spcBef>
+                <a:spcPct val="20000"/>
+              </a:spcBef>
+              <a:buFont typeface="Arial" panose="020B0604020202020204" pitchFamily="34" charset="0"/>
+              <a:buChar char="•"/>
+              <a:defRPr sz="2000" kern="1200">
+                <a:solidFill>
+                  <a:schemeClr val="tx1"/>
+                </a:solidFill>
+                <a:latin typeface="+mn-lt"/>
+                <a:ea typeface="+mn-ea"/>
+                <a:cs typeface="+mn-cs"/>
+              </a:defRPr>
+            </a:lvl6pPr>
+            <a:lvl7pPr marL="2971800" indent="-228600" algn="l" defTabSz="914400" rtl="0" eaLnBrk="1" latinLnBrk="0" hangingPunct="1">
+              <a:spcBef>
+                <a:spcPct val="20000"/>
+              </a:spcBef>
+              <a:buFont typeface="Arial" panose="020B0604020202020204" pitchFamily="34" charset="0"/>
+              <a:buChar char="•"/>
+              <a:defRPr sz="2000" kern="1200">
+                <a:solidFill>
+                  <a:schemeClr val="tx1"/>
+                </a:solidFill>
+                <a:latin typeface="+mn-lt"/>
+                <a:ea typeface="+mn-ea"/>
+                <a:cs typeface="+mn-cs"/>
+              </a:defRPr>
+            </a:lvl7pPr>
+            <a:lvl8pPr marL="3429000" indent="-228600" algn="l" defTabSz="914400" rtl="0" eaLnBrk="1" latinLnBrk="0" hangingPunct="1">
+              <a:spcBef>
+                <a:spcPct val="20000"/>
+              </a:spcBef>
+              <a:buFont typeface="Arial" panose="020B0604020202020204" pitchFamily="34" charset="0"/>
+              <a:buChar char="•"/>
+              <a:defRPr sz="2000" kern="1200">
+                <a:solidFill>
+                  <a:schemeClr val="tx1"/>
+                </a:solidFill>
+                <a:latin typeface="+mn-lt"/>
+                <a:ea typeface="+mn-ea"/>
+                <a:cs typeface="+mn-cs"/>
+              </a:defRPr>
+            </a:lvl8pPr>
+            <a:lvl9pPr marL="3886200" indent="-228600" algn="l" defTabSz="914400" rtl="0" eaLnBrk="1" latinLnBrk="0" hangingPunct="1">
+              <a:spcBef>
+                <a:spcPct val="20000"/>
+              </a:spcBef>
+              <a:buFont typeface="Arial" panose="020B0604020202020204" pitchFamily="34" charset="0"/>
+              <a:buChar char="•"/>
+              <a:defRPr sz="2000" kern="1200">
+                <a:solidFill>
+                  <a:schemeClr val="tx1"/>
+                </a:solidFill>
+                <a:latin typeface="+mn-lt"/>
+                <a:ea typeface="+mn-ea"/>
+                <a:cs typeface="+mn-cs"/>
+              </a:defRPr>
+            </a:lvl9pPr>
+          </a:lstStyle>
+          <a:p>
+            <a:r>
+              <a:rPr lang="fr-FR" dirty="0" smtClean="0"/>
+              <a:t>Des outils pour gérer son projet de modélisation dans </a:t>
+            </a:r>
+            <a:r>
+              <a:rPr lang="fr-FR" dirty="0" err="1" smtClean="0"/>
+              <a:t>Glasir</a:t>
+            </a:r>
+            <a:r>
+              <a:rPr lang="fr-FR" dirty="0" smtClean="0"/>
+              <a:t>.</a:t>
+            </a:r>
+          </a:p>
+          <a:p>
+            <a:pPr marL="342900" indent="-342900">
+              <a:buFont typeface="Arial" panose="020B0604020202020204" pitchFamily="34" charset="0"/>
+              <a:buChar char="•"/>
+            </a:pPr>
+            <a:r>
+              <a:rPr lang="fr-FR" dirty="0" smtClean="0"/>
+              <a:t>Un affichage des arbres du projet en arborescence</a:t>
+            </a:r>
+          </a:p>
+          <a:p>
+            <a:pPr marL="342900" indent="-342900">
+              <a:buFont typeface="Arial" panose="020B0604020202020204" pitchFamily="34" charset="0"/>
+              <a:buChar char="•"/>
+            </a:pPr>
+            <a:r>
+              <a:rPr lang="fr-FR" dirty="0" smtClean="0"/>
+              <a:t>Une bibliothèque de modèle.</a:t>
+            </a:r>
+          </a:p>
+        </p:txBody>
+      </p:sp>
+    </p:spTree>
+    <p:extLst>
+      <p:ext uri="{BB962C8B-B14F-4D97-AF65-F5344CB8AC3E}">
+        <p14:creationId xmlns:p14="http://schemas.microsoft.com/office/powerpoint/2010/main" val="3685594"/>
+      </p:ext>
+    </p:extLst>
+  </p:cSld>
+  <p:clrMapOvr>
+    <a:masterClrMapping/>
+  </p:clrMapOvr>
+  <p:timing>
+    <p:tnLst>
+      <p:par>
+        <p:cTn id="1" dur="indefinite" restart="never" nodeType="tmRoot"/>
+      </p:par>
+    </p:tnLst>
+  </p:timing>
+</p:sld>
+</file>
+
+<file path=ppt/slides/slide25.xml><?xml version="1.0" encoding="utf-8"?>
+<p:sld xmlns:a="http://schemas.openxmlformats.org/drawingml/2006/main" xmlns:r="http://schemas.openxmlformats.org/officeDocument/2006/relationships" xmlns:p="http://schemas.openxmlformats.org/presentationml/2006/main">
+  <p:cSld>
+    <p:spTree>
+      <p:nvGrpSpPr>
+        <p:cNvPr id="1" name=""/>
+        <p:cNvGrpSpPr/>
+        <p:nvPr/>
+      </p:nvGrpSpPr>
+      <p:grpSpPr>
+        <a:xfrm>
+          <a:off x="0" y="0"/>
+          <a:ext cx="0" cy="0"/>
+          <a:chOff x="0" y="0"/>
+          <a:chExt cx="0" cy="0"/>
+        </a:xfrm>
+      </p:grpSpPr>
+      <p:sp>
+        <p:nvSpPr>
+          <p:cNvPr id="2" name="Titre 1"/>
+          <p:cNvSpPr>
+            <a:spLocks noGrp="1"/>
+          </p:cNvSpPr>
+          <p:nvPr>
+            <p:ph type="title"/>
+          </p:nvPr>
+        </p:nvSpPr>
+        <p:spPr/>
+        <p:txBody>
+          <a:bodyPr>
+            <a:normAutofit/>
+          </a:bodyPr>
+          <a:lstStyle/>
+          <a:p>
+            <a:pPr algn="ctr"/>
+            <a:r>
+              <a:rPr lang="fr-FR" sz="2800" dirty="0" smtClean="0"/>
+              <a:t>Méthode SCRUM</a:t>
+            </a:r>
+            <a:endParaRPr lang="fr-FR" sz="2800" dirty="0"/>
+          </a:p>
+        </p:txBody>
+      </p:sp>
+      <p:sp>
+        <p:nvSpPr>
+          <p:cNvPr id="3" name="Espace réservé du contenu 2"/>
+          <p:cNvSpPr>
+            <a:spLocks noGrp="1"/>
+          </p:cNvSpPr>
+          <p:nvPr>
+            <p:ph idx="1"/>
+          </p:nvPr>
+        </p:nvSpPr>
+        <p:spPr/>
+        <p:txBody>
+          <a:bodyPr/>
+          <a:lstStyle/>
+          <a:p>
+            <a:endParaRPr lang="fr-FR" dirty="0" smtClean="0"/>
+          </a:p>
+          <a:p>
+            <a:endParaRPr lang="fr-FR" dirty="0" smtClean="0"/>
+          </a:p>
+          <a:p>
+            <a:pPr>
+              <a:buFont typeface="Wingdings" pitchFamily="2" charset="2"/>
+              <a:buChar char="q"/>
+            </a:pPr>
+            <a:r>
+              <a:rPr lang="fr-FR" dirty="0" smtClean="0"/>
+              <a:t>ScrumMaster</a:t>
+            </a:r>
+          </a:p>
+          <a:p>
+            <a:pPr>
+              <a:buFont typeface="Wingdings" pitchFamily="2" charset="2"/>
+              <a:buChar char="q"/>
+            </a:pPr>
+            <a:endParaRPr lang="fr-FR" dirty="0" smtClean="0"/>
+          </a:p>
+          <a:p>
+            <a:endParaRPr lang="fr-FR" dirty="0" smtClean="0"/>
+          </a:p>
+          <a:p>
+            <a:pPr>
+              <a:buFont typeface="Wingdings" pitchFamily="2" charset="2"/>
+              <a:buChar char="q"/>
+            </a:pPr>
+            <a:r>
+              <a:rPr lang="fr-FR" dirty="0" smtClean="0"/>
+              <a:t>Product Owner</a:t>
+            </a:r>
+          </a:p>
+          <a:p>
+            <a:pPr>
+              <a:buFont typeface="Wingdings" pitchFamily="2" charset="2"/>
+              <a:buChar char="q"/>
+            </a:pPr>
+            <a:endParaRPr lang="fr-FR" dirty="0" smtClean="0"/>
+          </a:p>
+          <a:p>
+            <a:endParaRPr lang="fr-FR" dirty="0" smtClean="0"/>
+          </a:p>
+          <a:p>
+            <a:pPr>
+              <a:buFont typeface="Wingdings" pitchFamily="2" charset="2"/>
+              <a:buChar char="q"/>
+            </a:pPr>
+            <a:r>
+              <a:rPr lang="fr-FR" dirty="0" smtClean="0"/>
+              <a:t>Mêlée quotidienne</a:t>
+            </a:r>
+          </a:p>
+          <a:p>
+            <a:endParaRPr lang="fr-FR" dirty="0" smtClean="0"/>
+          </a:p>
+          <a:p>
+            <a:pPr>
+              <a:buFont typeface="Wingdings" pitchFamily="2" charset="2"/>
+              <a:buChar char="q"/>
+            </a:pPr>
+            <a:endParaRPr lang="fr-FR" dirty="0" smtClean="0"/>
+          </a:p>
+          <a:p>
+            <a:pPr>
+              <a:buFont typeface="Wingdings" pitchFamily="2" charset="2"/>
+              <a:buChar char="q"/>
+            </a:pPr>
+            <a:r>
+              <a:rPr lang="fr-FR" dirty="0" smtClean="0"/>
+              <a:t>Sprints</a:t>
+            </a:r>
+            <a:endParaRPr lang="fr-FR" dirty="0"/>
+          </a:p>
+        </p:txBody>
+      </p:sp>
+      <p:sp>
+        <p:nvSpPr>
+          <p:cNvPr id="4" name="Espace réservé du texte 3"/>
+          <p:cNvSpPr>
+            <a:spLocks noGrp="1"/>
+          </p:cNvSpPr>
+          <p:nvPr>
+            <p:ph type="body" sz="quarter" idx="10"/>
+          </p:nvPr>
+        </p:nvSpPr>
+        <p:spPr/>
+        <p:txBody>
+          <a:bodyPr>
+            <a:normAutofit fontScale="92500" lnSpcReduction="20000"/>
+          </a:bodyPr>
+          <a:lstStyle/>
+          <a:p>
+            <a:r>
+              <a:rPr lang="fr-FR" dirty="0" smtClean="0"/>
+              <a:t>Planification</a:t>
+            </a:r>
+            <a:endParaRPr lang="fr-FR" dirty="0"/>
           </a:p>
         </p:txBody>
       </p:sp>
@@ -4561,6 +10667,2532 @@
     <p:tnLst>
       <p:par>
         <p:cTn id="1" dur="indefinite" restart="never" nodeType="tmRoot"/>
+      </p:par>
+    </p:tnLst>
+  </p:timing>
+</p:sld>
+</file>
+
+<file path=ppt/slides/slide26.xml><?xml version="1.0" encoding="utf-8"?>
+<p:sld xmlns:a="http://schemas.openxmlformats.org/drawingml/2006/main" xmlns:r="http://schemas.openxmlformats.org/officeDocument/2006/relationships" xmlns:p="http://schemas.openxmlformats.org/presentationml/2006/main">
+  <p:cSld>
+    <p:spTree>
+      <p:nvGrpSpPr>
+        <p:cNvPr id="1" name=""/>
+        <p:cNvGrpSpPr/>
+        <p:nvPr/>
+      </p:nvGrpSpPr>
+      <p:grpSpPr>
+        <a:xfrm>
+          <a:off x="0" y="0"/>
+          <a:ext cx="0" cy="0"/>
+          <a:chOff x="0" y="0"/>
+          <a:chExt cx="0" cy="0"/>
+        </a:xfrm>
+      </p:grpSpPr>
+      <p:sp>
+        <p:nvSpPr>
+          <p:cNvPr id="2" name="Titre 1"/>
+          <p:cNvSpPr>
+            <a:spLocks noGrp="1"/>
+          </p:cNvSpPr>
+          <p:nvPr>
+            <p:ph type="title"/>
+          </p:nvPr>
+        </p:nvSpPr>
+        <p:spPr/>
+        <p:txBody>
+          <a:bodyPr>
+            <a:normAutofit/>
+          </a:bodyPr>
+          <a:lstStyle/>
+          <a:p>
+            <a:pPr algn="ctr"/>
+            <a:r>
+              <a:rPr lang="fr-FR" sz="2800" dirty="0" smtClean="0"/>
+              <a:t>Versionnement de Glasir</a:t>
+            </a:r>
+            <a:endParaRPr lang="fr-FR" sz="2800" dirty="0"/>
+          </a:p>
+        </p:txBody>
+      </p:sp>
+      <p:sp>
+        <p:nvSpPr>
+          <p:cNvPr id="3" name="Espace réservé du contenu 2"/>
+          <p:cNvSpPr>
+            <a:spLocks noGrp="1"/>
+          </p:cNvSpPr>
+          <p:nvPr>
+            <p:ph idx="1"/>
+          </p:nvPr>
+        </p:nvSpPr>
+        <p:spPr/>
+        <p:txBody>
+          <a:bodyPr/>
+          <a:lstStyle/>
+          <a:p>
+            <a:pPr>
+              <a:buFont typeface="Wingdings" pitchFamily="2" charset="2"/>
+              <a:buChar char="q"/>
+            </a:pPr>
+            <a:endParaRPr lang="fr-FR" dirty="0" smtClean="0"/>
+          </a:p>
+          <a:p>
+            <a:pPr>
+              <a:buFont typeface="Wingdings" pitchFamily="2" charset="2"/>
+              <a:buChar char="q"/>
+            </a:pPr>
+            <a:endParaRPr lang="fr-FR" dirty="0" smtClean="0"/>
+          </a:p>
+          <a:p>
+            <a:pPr>
+              <a:buFont typeface="Wingdings" pitchFamily="2" charset="2"/>
+              <a:buChar char="q"/>
+            </a:pPr>
+            <a:r>
+              <a:rPr lang="fr-FR" dirty="0" smtClean="0"/>
+              <a:t>Version 0.1 : Paramètre de synthèse</a:t>
+            </a:r>
+          </a:p>
+          <a:p>
+            <a:pPr>
+              <a:buFont typeface="Wingdings" pitchFamily="2" charset="2"/>
+              <a:buChar char="q"/>
+            </a:pPr>
+            <a:endParaRPr lang="fr-FR" dirty="0" smtClean="0"/>
+          </a:p>
+          <a:p>
+            <a:endParaRPr lang="fr-FR" dirty="0" smtClean="0"/>
+          </a:p>
+          <a:p>
+            <a:pPr>
+              <a:buFont typeface="Wingdings" pitchFamily="2" charset="2"/>
+              <a:buChar char="q"/>
+            </a:pPr>
+            <a:endParaRPr lang="fr-FR" dirty="0" smtClean="0"/>
+          </a:p>
+          <a:p>
+            <a:pPr>
+              <a:buFont typeface="Wingdings" pitchFamily="2" charset="2"/>
+              <a:buChar char="q"/>
+            </a:pPr>
+            <a:r>
+              <a:rPr lang="fr-FR" dirty="0" smtClean="0"/>
+              <a:t>Version 0.2 : Filtre</a:t>
+            </a:r>
+          </a:p>
+          <a:p>
+            <a:endParaRPr lang="fr-FR" dirty="0" smtClean="0"/>
+          </a:p>
+          <a:p>
+            <a:pPr>
+              <a:buFont typeface="Wingdings" pitchFamily="2" charset="2"/>
+              <a:buChar char="q"/>
+            </a:pPr>
+            <a:endParaRPr lang="fr-FR" dirty="0" smtClean="0"/>
+          </a:p>
+          <a:p>
+            <a:pPr>
+              <a:buFont typeface="Wingdings" pitchFamily="2" charset="2"/>
+              <a:buChar char="q"/>
+            </a:pPr>
+            <a:endParaRPr lang="fr-FR" dirty="0" smtClean="0"/>
+          </a:p>
+          <a:p>
+            <a:pPr>
+              <a:buFont typeface="Wingdings" pitchFamily="2" charset="2"/>
+              <a:buChar char="q"/>
+            </a:pPr>
+            <a:r>
+              <a:rPr lang="fr-FR" dirty="0" smtClean="0"/>
+              <a:t>Version 1.0 : Optimiseur</a:t>
+            </a:r>
+          </a:p>
+        </p:txBody>
+      </p:sp>
+      <p:sp>
+        <p:nvSpPr>
+          <p:cNvPr id="4" name="Espace réservé du texte 3"/>
+          <p:cNvSpPr>
+            <a:spLocks noGrp="1"/>
+          </p:cNvSpPr>
+          <p:nvPr>
+            <p:ph type="body" sz="quarter" idx="10"/>
+          </p:nvPr>
+        </p:nvSpPr>
+        <p:spPr/>
+        <p:txBody>
+          <a:bodyPr>
+            <a:normAutofit fontScale="92500" lnSpcReduction="20000"/>
+          </a:bodyPr>
+          <a:lstStyle/>
+          <a:p>
+            <a:r>
+              <a:rPr lang="fr-FR" dirty="0" smtClean="0"/>
+              <a:t>Planification</a:t>
+            </a:r>
+            <a:endParaRPr lang="fr-FR" dirty="0"/>
+          </a:p>
+        </p:txBody>
+      </p:sp>
+    </p:spTree>
+  </p:cSld>
+  <p:clrMapOvr>
+    <a:masterClrMapping/>
+  </p:clrMapOvr>
+  <p:timing>
+    <p:tnLst>
+      <p:par>
+        <p:cTn id="1" dur="indefinite" restart="never" nodeType="tmRoot"/>
+      </p:par>
+    </p:tnLst>
+  </p:timing>
+</p:sld>
+</file>
+
+<file path=ppt/slides/slide27.xml><?xml version="1.0" encoding="utf-8"?>
+<p:sld xmlns:a="http://schemas.openxmlformats.org/drawingml/2006/main" xmlns:r="http://schemas.openxmlformats.org/officeDocument/2006/relationships" xmlns:p="http://schemas.openxmlformats.org/presentationml/2006/main">
+  <p:cSld>
+    <p:spTree>
+      <p:nvGrpSpPr>
+        <p:cNvPr id="1" name=""/>
+        <p:cNvGrpSpPr/>
+        <p:nvPr/>
+      </p:nvGrpSpPr>
+      <p:grpSpPr>
+        <a:xfrm>
+          <a:off x="0" y="0"/>
+          <a:ext cx="0" cy="0"/>
+          <a:chOff x="0" y="0"/>
+          <a:chExt cx="0" cy="0"/>
+        </a:xfrm>
+      </p:grpSpPr>
+      <p:sp>
+        <p:nvSpPr>
+          <p:cNvPr id="2" name="Titre 1"/>
+          <p:cNvSpPr>
+            <a:spLocks noGrp="1"/>
+          </p:cNvSpPr>
+          <p:nvPr>
+            <p:ph type="title"/>
+          </p:nvPr>
+        </p:nvSpPr>
+        <p:spPr/>
+        <p:txBody>
+          <a:bodyPr>
+            <a:normAutofit/>
+          </a:bodyPr>
+          <a:lstStyle/>
+          <a:p>
+            <a:pPr algn="ctr"/>
+            <a:r>
+              <a:rPr lang="fr-FR" sz="2800" dirty="0" smtClean="0"/>
+              <a:t>Identification des risques</a:t>
+            </a:r>
+            <a:endParaRPr lang="fr-FR" sz="2800" dirty="0"/>
+          </a:p>
+        </p:txBody>
+      </p:sp>
+      <p:sp>
+        <p:nvSpPr>
+          <p:cNvPr id="3" name="Espace réservé du contenu 2"/>
+          <p:cNvSpPr>
+            <a:spLocks noGrp="1"/>
+          </p:cNvSpPr>
+          <p:nvPr>
+            <p:ph idx="1"/>
+          </p:nvPr>
+        </p:nvSpPr>
+        <p:spPr/>
+        <p:txBody>
+          <a:bodyPr/>
+          <a:lstStyle/>
+          <a:p>
+            <a:endParaRPr lang="fr-FR" dirty="0" smtClean="0"/>
+          </a:p>
+          <a:p>
+            <a:endParaRPr lang="fr-FR" dirty="0" smtClean="0"/>
+          </a:p>
+          <a:p>
+            <a:pPr>
+              <a:buFont typeface="Wingdings" pitchFamily="2" charset="2"/>
+              <a:buChar char="q"/>
+            </a:pPr>
+            <a:r>
+              <a:rPr lang="fr-FR" dirty="0" smtClean="0"/>
+              <a:t>Identifier les entraves éventuelles</a:t>
+            </a:r>
+          </a:p>
+          <a:p>
+            <a:pPr>
+              <a:buFont typeface="Wingdings" pitchFamily="2" charset="2"/>
+              <a:buChar char="q"/>
+            </a:pPr>
+            <a:endParaRPr lang="fr-FR" dirty="0" smtClean="0"/>
+          </a:p>
+          <a:p>
+            <a:pPr>
+              <a:buFont typeface="Wingdings" pitchFamily="2" charset="2"/>
+              <a:buChar char="q"/>
+            </a:pPr>
+            <a:endParaRPr lang="fr-FR" dirty="0" smtClean="0"/>
+          </a:p>
+          <a:p>
+            <a:pPr>
+              <a:buFont typeface="Wingdings" pitchFamily="2" charset="2"/>
+              <a:buChar char="q"/>
+            </a:pPr>
+            <a:endParaRPr lang="fr-FR" dirty="0" smtClean="0"/>
+          </a:p>
+          <a:p>
+            <a:pPr>
+              <a:buFont typeface="Wingdings" pitchFamily="2" charset="2"/>
+              <a:buChar char="q"/>
+            </a:pPr>
+            <a:r>
+              <a:rPr lang="fr-FR" dirty="0" smtClean="0"/>
+              <a:t>Identifier les tâches concernées</a:t>
+            </a:r>
+          </a:p>
+          <a:p>
+            <a:pPr>
+              <a:buFont typeface="Wingdings" pitchFamily="2" charset="2"/>
+              <a:buChar char="q"/>
+            </a:pPr>
+            <a:endParaRPr lang="fr-FR" dirty="0" smtClean="0"/>
+          </a:p>
+          <a:p>
+            <a:pPr>
+              <a:buFont typeface="Wingdings" pitchFamily="2" charset="2"/>
+              <a:buChar char="q"/>
+            </a:pPr>
+            <a:endParaRPr lang="fr-FR" dirty="0" smtClean="0"/>
+          </a:p>
+          <a:p>
+            <a:pPr>
+              <a:buFont typeface="Wingdings" pitchFamily="2" charset="2"/>
+              <a:buChar char="q"/>
+            </a:pPr>
+            <a:endParaRPr lang="fr-FR" dirty="0" smtClean="0"/>
+          </a:p>
+          <a:p>
+            <a:pPr>
+              <a:buFont typeface="Wingdings" pitchFamily="2" charset="2"/>
+              <a:buChar char="q"/>
+            </a:pPr>
+            <a:r>
+              <a:rPr lang="fr-FR" dirty="0" smtClean="0"/>
+              <a:t>Prévoir des solutions appropriées</a:t>
+            </a:r>
+            <a:endParaRPr lang="fr-FR" dirty="0"/>
+          </a:p>
+        </p:txBody>
+      </p:sp>
+      <p:sp>
+        <p:nvSpPr>
+          <p:cNvPr id="4" name="Espace réservé du texte 3"/>
+          <p:cNvSpPr>
+            <a:spLocks noGrp="1"/>
+          </p:cNvSpPr>
+          <p:nvPr>
+            <p:ph type="body" sz="quarter" idx="10"/>
+          </p:nvPr>
+        </p:nvSpPr>
+        <p:spPr/>
+        <p:txBody>
+          <a:bodyPr>
+            <a:normAutofit fontScale="92500" lnSpcReduction="20000"/>
+          </a:bodyPr>
+          <a:lstStyle/>
+          <a:p>
+            <a:r>
+              <a:rPr lang="fr-FR" dirty="0" smtClean="0"/>
+              <a:t>Planification</a:t>
+            </a:r>
+            <a:endParaRPr lang="fr-FR" dirty="0"/>
+          </a:p>
+        </p:txBody>
+      </p:sp>
+    </p:spTree>
+  </p:cSld>
+  <p:clrMapOvr>
+    <a:masterClrMapping/>
+  </p:clrMapOvr>
+  <p:timing>
+    <p:tnLst>
+      <p:par>
+        <p:cTn id="1" dur="indefinite" restart="never" nodeType="tmRoot"/>
+      </p:par>
+    </p:tnLst>
+  </p:timing>
+</p:sld>
+</file>
+
+<file path=ppt/slides/slide28.xml><?xml version="1.0" encoding="utf-8"?>
+<p:sld xmlns:a="http://schemas.openxmlformats.org/drawingml/2006/main" xmlns:r="http://schemas.openxmlformats.org/officeDocument/2006/relationships" xmlns:p="http://schemas.openxmlformats.org/presentationml/2006/main">
+  <p:cSld>
+    <p:spTree>
+      <p:nvGrpSpPr>
+        <p:cNvPr id="1" name=""/>
+        <p:cNvGrpSpPr/>
+        <p:nvPr/>
+      </p:nvGrpSpPr>
+      <p:grpSpPr>
+        <a:xfrm>
+          <a:off x="0" y="0"/>
+          <a:ext cx="0" cy="0"/>
+          <a:chOff x="0" y="0"/>
+          <a:chExt cx="0" cy="0"/>
+        </a:xfrm>
+      </p:grpSpPr>
+      <p:sp>
+        <p:nvSpPr>
+          <p:cNvPr id="2" name="Titre 1"/>
+          <p:cNvSpPr>
+            <a:spLocks noGrp="1"/>
+          </p:cNvSpPr>
+          <p:nvPr>
+            <p:ph type="title"/>
+          </p:nvPr>
+        </p:nvSpPr>
+        <p:spPr/>
+        <p:txBody>
+          <a:bodyPr>
+            <a:normAutofit/>
+          </a:bodyPr>
+          <a:lstStyle/>
+          <a:p>
+            <a:pPr algn="ctr"/>
+            <a:r>
+              <a:rPr lang="fr-FR" sz="2800" dirty="0" smtClean="0"/>
+              <a:t>Planification</a:t>
+            </a:r>
+            <a:endParaRPr lang="fr-FR" sz="2800" dirty="0"/>
+          </a:p>
+        </p:txBody>
+      </p:sp>
+      <p:sp>
+        <p:nvSpPr>
+          <p:cNvPr id="3" name="Espace réservé du contenu 2"/>
+          <p:cNvSpPr>
+            <a:spLocks noGrp="1"/>
+          </p:cNvSpPr>
+          <p:nvPr>
+            <p:ph idx="1"/>
+          </p:nvPr>
+        </p:nvSpPr>
+        <p:spPr/>
+        <p:txBody>
+          <a:bodyPr/>
+          <a:lstStyle/>
+          <a:p>
+            <a:endParaRPr lang="fr-FR" dirty="0" smtClean="0"/>
+          </a:p>
+          <a:p>
+            <a:endParaRPr lang="fr-FR" dirty="0" smtClean="0"/>
+          </a:p>
+          <a:p>
+            <a:endParaRPr lang="fr-FR" dirty="0" smtClean="0"/>
+          </a:p>
+          <a:p>
+            <a:endParaRPr lang="fr-FR" dirty="0" smtClean="0"/>
+          </a:p>
+          <a:p>
+            <a:r>
+              <a:rPr lang="fr-FR" dirty="0" smtClean="0"/>
+              <a:t>Découpage par tâches</a:t>
+            </a:r>
+            <a:endParaRPr lang="fr-FR" dirty="0"/>
+          </a:p>
+        </p:txBody>
+      </p:sp>
+      <p:sp>
+        <p:nvSpPr>
+          <p:cNvPr id="4" name="Espace réservé du texte 3"/>
+          <p:cNvSpPr>
+            <a:spLocks noGrp="1"/>
+          </p:cNvSpPr>
+          <p:nvPr>
+            <p:ph type="body" sz="quarter" idx="10"/>
+          </p:nvPr>
+        </p:nvSpPr>
+        <p:spPr/>
+        <p:txBody>
+          <a:bodyPr>
+            <a:normAutofit fontScale="92500" lnSpcReduction="20000"/>
+          </a:bodyPr>
+          <a:lstStyle/>
+          <a:p>
+            <a:r>
+              <a:rPr lang="fr-FR" dirty="0" smtClean="0"/>
+              <a:t>Planification</a:t>
+            </a:r>
+            <a:endParaRPr lang="fr-FR" dirty="0"/>
+          </a:p>
+        </p:txBody>
+      </p:sp>
+      <p:pic>
+        <p:nvPicPr>
+          <p:cNvPr id="5" name="Image 4" descr="planification.png"/>
+          <p:cNvPicPr>
+            <a:picLocks noChangeAspect="1"/>
+          </p:cNvPicPr>
+          <p:nvPr/>
+        </p:nvPicPr>
+        <p:blipFill>
+          <a:blip r:embed="rId2" cstate="print"/>
+          <a:stretch>
+            <a:fillRect/>
+          </a:stretch>
+        </p:blipFill>
+        <p:spPr>
+          <a:xfrm>
+            <a:off x="179512" y="3284984"/>
+            <a:ext cx="8820472" cy="1217272"/>
+          </a:xfrm>
+          <a:prstGeom prst="rect">
+            <a:avLst/>
+          </a:prstGeom>
+        </p:spPr>
+      </p:pic>
+    </p:spTree>
+  </p:cSld>
+  <p:clrMapOvr>
+    <a:masterClrMapping/>
+  </p:clrMapOvr>
+  <p:timing>
+    <p:tnLst>
+      <p:par>
+        <p:cTn id="1" dur="indefinite" restart="never" nodeType="tmRoot"/>
+      </p:par>
+    </p:tnLst>
+  </p:timing>
+</p:sld>
+</file>
+
+<file path=ppt/slides/slide29.xml><?xml version="1.0" encoding="utf-8"?>
+<p:sld xmlns:a="http://schemas.openxmlformats.org/drawingml/2006/main" xmlns:r="http://schemas.openxmlformats.org/officeDocument/2006/relationships" xmlns:p="http://schemas.openxmlformats.org/presentationml/2006/main">
+  <p:cSld>
+    <p:spTree>
+      <p:nvGrpSpPr>
+        <p:cNvPr id="1" name=""/>
+        <p:cNvGrpSpPr/>
+        <p:nvPr/>
+      </p:nvGrpSpPr>
+      <p:grpSpPr>
+        <a:xfrm>
+          <a:off x="0" y="0"/>
+          <a:ext cx="0" cy="0"/>
+          <a:chOff x="0" y="0"/>
+          <a:chExt cx="0" cy="0"/>
+        </a:xfrm>
+      </p:grpSpPr>
+      <p:sp>
+        <p:nvSpPr>
+          <p:cNvPr id="2" name="Titre 1"/>
+          <p:cNvSpPr>
+            <a:spLocks noGrp="1"/>
+          </p:cNvSpPr>
+          <p:nvPr>
+            <p:ph type="title"/>
+          </p:nvPr>
+        </p:nvSpPr>
+        <p:spPr/>
+        <p:txBody>
+          <a:bodyPr>
+            <a:normAutofit/>
+          </a:bodyPr>
+          <a:lstStyle/>
+          <a:p>
+            <a:pPr algn="ctr"/>
+            <a:r>
+              <a:rPr lang="fr-FR" sz="2800" dirty="0" smtClean="0"/>
+              <a:t>Conclusion</a:t>
+            </a:r>
+            <a:endParaRPr lang="fr-FR" sz="2800" dirty="0"/>
+          </a:p>
+        </p:txBody>
+      </p:sp>
+      <p:sp>
+        <p:nvSpPr>
+          <p:cNvPr id="3" name="Espace réservé du contenu 2"/>
+          <p:cNvSpPr>
+            <a:spLocks noGrp="1"/>
+          </p:cNvSpPr>
+          <p:nvPr>
+            <p:ph idx="1"/>
+          </p:nvPr>
+        </p:nvSpPr>
+        <p:spPr/>
+        <p:txBody>
+          <a:bodyPr/>
+          <a:lstStyle/>
+          <a:p>
+            <a:endParaRPr lang="fr-FR" dirty="0" smtClean="0"/>
+          </a:p>
+          <a:p>
+            <a:pPr>
+              <a:buFont typeface="Wingdings" pitchFamily="2" charset="2"/>
+              <a:buChar char="q"/>
+            </a:pPr>
+            <a:endParaRPr lang="fr-FR" smtClean="0"/>
+          </a:p>
+          <a:p>
+            <a:endParaRPr lang="fr-FR" dirty="0" smtClean="0"/>
+          </a:p>
+          <a:p>
+            <a:endParaRPr lang="fr-FR" dirty="0" smtClean="0"/>
+          </a:p>
+          <a:p>
+            <a:pPr>
+              <a:buFont typeface="Wingdings" pitchFamily="2" charset="2"/>
+              <a:buChar char="q"/>
+            </a:pPr>
+            <a:r>
+              <a:rPr lang="fr-FR" dirty="0" smtClean="0"/>
+              <a:t>Apprentissage de nos erreurs </a:t>
+            </a:r>
+          </a:p>
+          <a:p>
+            <a:pPr>
+              <a:buFont typeface="Wingdings" pitchFamily="2" charset="2"/>
+              <a:buChar char="q"/>
+            </a:pPr>
+            <a:endParaRPr lang="fr-FR" dirty="0" smtClean="0"/>
+          </a:p>
+          <a:p>
+            <a:endParaRPr lang="fr-FR" dirty="0" smtClean="0"/>
+          </a:p>
+          <a:p>
+            <a:pPr>
+              <a:buFont typeface="Wingdings" pitchFamily="2" charset="2"/>
+              <a:buChar char="q"/>
+            </a:pPr>
+            <a:r>
+              <a:rPr lang="fr-FR" dirty="0" smtClean="0"/>
+              <a:t>Place à la réalisation !</a:t>
+            </a:r>
+          </a:p>
+          <a:p>
+            <a:pPr>
+              <a:buFont typeface="Wingdings" pitchFamily="2" charset="2"/>
+              <a:buChar char="q"/>
+            </a:pPr>
+            <a:endParaRPr lang="fr-FR" dirty="0" smtClean="0"/>
+          </a:p>
+          <a:p>
+            <a:pPr>
+              <a:buFont typeface="Wingdings" pitchFamily="2" charset="2"/>
+              <a:buChar char="q"/>
+            </a:pPr>
+            <a:endParaRPr lang="fr-FR" dirty="0" smtClean="0"/>
+          </a:p>
+          <a:p>
+            <a:pPr>
+              <a:buFont typeface="Wingdings" pitchFamily="2" charset="2"/>
+              <a:buChar char="q"/>
+            </a:pPr>
+            <a:endParaRPr lang="fr-FR" dirty="0" smtClean="0"/>
+          </a:p>
+          <a:p>
+            <a:pPr>
+              <a:buFont typeface="Wingdings" pitchFamily="2" charset="2"/>
+              <a:buChar char="q"/>
+            </a:pPr>
+            <a:endParaRPr lang="fr-FR" dirty="0"/>
+          </a:p>
+        </p:txBody>
+      </p:sp>
+      <p:sp>
+        <p:nvSpPr>
+          <p:cNvPr id="4" name="Espace réservé du texte 3"/>
+          <p:cNvSpPr>
+            <a:spLocks noGrp="1"/>
+          </p:cNvSpPr>
+          <p:nvPr>
+            <p:ph type="body" sz="quarter" idx="10"/>
+          </p:nvPr>
+        </p:nvSpPr>
+        <p:spPr/>
+        <p:txBody>
+          <a:bodyPr>
+            <a:normAutofit fontScale="92500" lnSpcReduction="20000"/>
+          </a:bodyPr>
+          <a:lstStyle/>
+          <a:p>
+            <a:r>
+              <a:rPr lang="fr-FR" dirty="0" smtClean="0"/>
+              <a:t>Conclusion</a:t>
+            </a:r>
+            <a:endParaRPr lang="fr-FR" dirty="0"/>
+          </a:p>
+        </p:txBody>
+      </p:sp>
+    </p:spTree>
+  </p:cSld>
+  <p:clrMapOvr>
+    <a:masterClrMapping/>
+  </p:clrMapOvr>
+  <p:timing>
+    <p:tnLst>
+      <p:par>
+        <p:cTn id="1" dur="indefinite" restart="never" nodeType="tmRoot"/>
+      </p:par>
+    </p:tnLst>
+  </p:timing>
+</p:sld>
+</file>
+
+<file path=ppt/slides/slide3.xml><?xml version="1.0" encoding="utf-8"?>
+<p:sld xmlns:a="http://schemas.openxmlformats.org/drawingml/2006/main" xmlns:r="http://schemas.openxmlformats.org/officeDocument/2006/relationships" xmlns:p="http://schemas.openxmlformats.org/presentationml/2006/main">
+  <p:cSld>
+    <p:spTree>
+      <p:nvGrpSpPr>
+        <p:cNvPr id="1" name=""/>
+        <p:cNvGrpSpPr/>
+        <p:nvPr/>
+      </p:nvGrpSpPr>
+      <p:grpSpPr>
+        <a:xfrm>
+          <a:off x="0" y="0"/>
+          <a:ext cx="0" cy="0"/>
+          <a:chOff x="0" y="0"/>
+          <a:chExt cx="0" cy="0"/>
+        </a:xfrm>
+      </p:grpSpPr>
+      <p:sp>
+        <p:nvSpPr>
+          <p:cNvPr id="2" name="Titre 1"/>
+          <p:cNvSpPr>
+            <a:spLocks noGrp="1"/>
+          </p:cNvSpPr>
+          <p:nvPr>
+            <p:ph type="title"/>
+          </p:nvPr>
+        </p:nvSpPr>
+        <p:spPr/>
+        <p:txBody>
+          <a:bodyPr/>
+          <a:lstStyle/>
+          <a:p>
+            <a:endParaRPr lang="fr-FR"/>
+          </a:p>
+        </p:txBody>
+      </p:sp>
+      <p:sp>
+        <p:nvSpPr>
+          <p:cNvPr id="3" name="Espace réservé du contenu 2"/>
+          <p:cNvSpPr>
+            <a:spLocks noGrp="1"/>
+          </p:cNvSpPr>
+          <p:nvPr>
+            <p:ph idx="1"/>
+          </p:nvPr>
+        </p:nvSpPr>
+        <p:spPr>
+          <a:xfrm>
+            <a:off x="457200" y="908720"/>
+            <a:ext cx="8229600" cy="1008112"/>
+          </a:xfrm>
+        </p:spPr>
+        <p:txBody>
+          <a:bodyPr>
+            <a:normAutofit/>
+          </a:bodyPr>
+          <a:lstStyle/>
+          <a:p>
+            <a:pPr algn="ctr"/>
+            <a:r>
+              <a:rPr lang="fr-FR" sz="4800" smtClean="0"/>
+              <a:t> 16 et 18 mai 2012</a:t>
+            </a:r>
+          </a:p>
+          <a:p>
+            <a:pPr algn="ctr"/>
+            <a:endParaRPr lang="fr-FR" sz="4800" smtClean="0"/>
+          </a:p>
+          <a:p>
+            <a:pPr algn="ctr"/>
+            <a:endParaRPr lang="fr-FR" sz="4800" smtClean="0"/>
+          </a:p>
+          <a:p>
+            <a:pPr algn="ctr"/>
+            <a:endParaRPr lang="fr-FR" sz="4800" smtClean="0"/>
+          </a:p>
+          <a:p>
+            <a:pPr algn="ctr"/>
+            <a:endParaRPr lang="fr-FR" sz="4800" smtClean="0"/>
+          </a:p>
+          <a:p>
+            <a:pPr algn="ctr"/>
+            <a:endParaRPr lang="fr-FR" sz="4800"/>
+          </a:p>
+        </p:txBody>
+      </p:sp>
+      <p:sp>
+        <p:nvSpPr>
+          <p:cNvPr id="4" name="Espace réservé du texte 3"/>
+          <p:cNvSpPr>
+            <a:spLocks noGrp="1"/>
+          </p:cNvSpPr>
+          <p:nvPr>
+            <p:ph type="body" sz="quarter" idx="10"/>
+          </p:nvPr>
+        </p:nvSpPr>
+        <p:spPr/>
+        <p:txBody>
+          <a:bodyPr>
+            <a:normAutofit fontScale="92500" lnSpcReduction="20000"/>
+          </a:bodyPr>
+          <a:lstStyle/>
+          <a:p>
+            <a:r>
+              <a:rPr lang="fr-FR" smtClean="0"/>
+              <a:t>Introduction</a:t>
+            </a:r>
+            <a:endParaRPr lang="fr-FR"/>
+          </a:p>
+        </p:txBody>
+      </p:sp>
+      <p:pic>
+        <p:nvPicPr>
+          <p:cNvPr id="5" name="Image 4" descr="logo-metro-rennes.png"/>
+          <p:cNvPicPr>
+            <a:picLocks noChangeAspect="1"/>
+          </p:cNvPicPr>
+          <p:nvPr/>
+        </p:nvPicPr>
+        <p:blipFill>
+          <a:blip r:embed="rId3" cstate="print"/>
+          <a:stretch>
+            <a:fillRect/>
+          </a:stretch>
+        </p:blipFill>
+        <p:spPr>
+          <a:xfrm>
+            <a:off x="3779912" y="2492896"/>
+            <a:ext cx="1524000" cy="1524000"/>
+          </a:xfrm>
+          <a:prstGeom prst="rect">
+            <a:avLst/>
+          </a:prstGeom>
+        </p:spPr>
+      </p:pic>
+      <p:pic>
+        <p:nvPicPr>
+          <p:cNvPr id="10" name="Image 9" descr="logo-metro-rennes.png"/>
+          <p:cNvPicPr>
+            <a:picLocks noChangeAspect="1"/>
+          </p:cNvPicPr>
+          <p:nvPr/>
+        </p:nvPicPr>
+        <p:blipFill>
+          <a:blip r:embed="rId3" cstate="print">
+            <a:duotone>
+              <a:prstClr val="black"/>
+              <a:schemeClr val="accent5">
+                <a:tint val="45000"/>
+                <a:satMod val="400000"/>
+              </a:schemeClr>
+            </a:duotone>
+          </a:blip>
+          <a:stretch>
+            <a:fillRect/>
+          </a:stretch>
+        </p:blipFill>
+        <p:spPr>
+          <a:xfrm>
+            <a:off x="3779912" y="2492896"/>
+            <a:ext cx="1524000" cy="1524000"/>
+          </a:xfrm>
+          <a:prstGeom prst="rect">
+            <a:avLst/>
+          </a:prstGeom>
+        </p:spPr>
+      </p:pic>
+      <p:sp>
+        <p:nvSpPr>
+          <p:cNvPr id="11" name="ZoneTexte 10"/>
+          <p:cNvSpPr txBox="1"/>
+          <p:nvPr/>
+        </p:nvSpPr>
+        <p:spPr>
+          <a:xfrm>
+            <a:off x="0" y="4581128"/>
+            <a:ext cx="9144000" cy="830997"/>
+          </a:xfrm>
+          <a:prstGeom prst="rect">
+            <a:avLst/>
+          </a:prstGeom>
+          <a:noFill/>
+        </p:spPr>
+        <p:txBody>
+          <a:bodyPr wrap="square" rtlCol="0">
+            <a:spAutoFit/>
+          </a:bodyPr>
+          <a:lstStyle/>
+          <a:p>
+            <a:pPr algn="ctr"/>
+            <a:r>
+              <a:rPr lang="fr-FR" sz="4800" b="1" smtClean="0">
+                <a:solidFill>
+                  <a:srgbClr val="004D6F"/>
+                </a:solidFill>
+                <a:latin typeface="Arial" pitchFamily="34" charset="0"/>
+                <a:cs typeface="Arial" pitchFamily="34" charset="0"/>
+              </a:rPr>
+              <a:t>Métro en panne</a:t>
+            </a:r>
+          </a:p>
+        </p:txBody>
+      </p:sp>
+    </p:spTree>
+  </p:cSld>
+  <p:clrMapOvr>
+    <a:masterClrMapping/>
+  </p:clrMapOvr>
+  <p:timing>
+    <p:tnLst>
+      <p:par>
+        <p:cTn id="1" dur="indefinite" restart="never" nodeType="tmRoot">
+          <p:childTnLst>
+            <p:seq concurrent="1" nextAc="seek">
+              <p:cTn id="2" dur="indefinite" nodeType="mainSeq">
+                <p:childTnLst>
+                  <p:par>
+                    <p:cTn id="3" fill="hold">
+                      <p:stCondLst>
+                        <p:cond delay="indefinite"/>
+                      </p:stCondLst>
+                      <p:childTnLst>
+                        <p:par>
+                          <p:cTn id="4" fill="hold">
+                            <p:stCondLst>
+                              <p:cond delay="0"/>
+                            </p:stCondLst>
+                            <p:childTnLst>
+                              <p:par>
+                                <p:cTn id="5" presetID="1" presetClass="entr" presetSubtype="0" fill="hold" grpId="0" nodeType="clickEffect">
+                                  <p:stCondLst>
+                                    <p:cond delay="0"/>
+                                  </p:stCondLst>
+                                  <p:childTnLst>
+                                    <p:set>
+                                      <p:cBhvr>
+                                        <p:cTn id="6" dur="1" fill="hold">
+                                          <p:stCondLst>
+                                            <p:cond delay="0"/>
+                                          </p:stCondLst>
+                                        </p:cTn>
+                                        <p:tgtEl>
+                                          <p:spTgt spid="11"/>
+                                        </p:tgtEl>
+                                        <p:attrNameLst>
+                                          <p:attrName>style.visibility</p:attrName>
+                                        </p:attrNameLst>
+                                      </p:cBhvr>
+                                      <p:to>
+                                        <p:strVal val="visible"/>
+                                      </p:to>
+                                    </p:set>
+                                  </p:childTnLst>
+                                </p:cTn>
+                              </p:par>
+                              <p:par>
+                                <p:cTn id="7" presetID="10" presetClass="entr" presetSubtype="0" fill="hold" nodeType="withEffect">
+                                  <p:stCondLst>
+                                    <p:cond delay="0"/>
+                                  </p:stCondLst>
+                                  <p:childTnLst>
+                                    <p:set>
+                                      <p:cBhvr>
+                                        <p:cTn id="8" dur="1" fill="hold">
+                                          <p:stCondLst>
+                                            <p:cond delay="0"/>
+                                          </p:stCondLst>
+                                        </p:cTn>
+                                        <p:tgtEl>
+                                          <p:spTgt spid="10"/>
+                                        </p:tgtEl>
+                                        <p:attrNameLst>
+                                          <p:attrName>style.visibility</p:attrName>
+                                        </p:attrNameLst>
+                                      </p:cBhvr>
+                                      <p:to>
+                                        <p:strVal val="visible"/>
+                                      </p:to>
+                                    </p:set>
+                                    <p:animEffect transition="in" filter="fade">
+                                      <p:cBhvr>
+                                        <p:cTn id="9" dur="2000"/>
+                                        <p:tgtEl>
+                                          <p:spTgt spid="10"/>
+                                        </p:tgtEl>
+                                      </p:cBhvr>
+                                    </p:animEffect>
+                                  </p:childTnLst>
+                                </p:cTn>
+                              </p:par>
+                            </p:childTnLst>
+                          </p:cTn>
+                        </p:par>
+                      </p:childTnLst>
+                    </p:cTn>
+                  </p:par>
+                </p:childTnLst>
+              </p:cTn>
+              <p:prevCondLst>
+                <p:cond evt="onPrev" delay="0">
+                  <p:tgtEl>
+                    <p:sldTgt/>
+                  </p:tgtEl>
+                </p:cond>
+              </p:prevCondLst>
+              <p:nextCondLst>
+                <p:cond evt="onNext" delay="0">
+                  <p:tgtEl>
+                    <p:sldTgt/>
+                  </p:tgtEl>
+                </p:cond>
+              </p:nextCondLst>
+            </p:seq>
+          </p:childTnLst>
+        </p:cTn>
+      </p:par>
+    </p:tnLst>
+    <p:bldLst>
+      <p:bldP spid="11" grpId="0"/>
+    </p:bldLst>
+  </p:timing>
+</p:sld>
+</file>
+
+<file path=ppt/slides/slide4.xml><?xml version="1.0" encoding="utf-8"?>
+<p:sld xmlns:a="http://schemas.openxmlformats.org/drawingml/2006/main" xmlns:r="http://schemas.openxmlformats.org/officeDocument/2006/relationships" xmlns:p="http://schemas.openxmlformats.org/presentationml/2006/main">
+  <p:cSld>
+    <p:spTree>
+      <p:nvGrpSpPr>
+        <p:cNvPr id="1" name=""/>
+        <p:cNvGrpSpPr/>
+        <p:nvPr/>
+      </p:nvGrpSpPr>
+      <p:grpSpPr>
+        <a:xfrm>
+          <a:off x="0" y="0"/>
+          <a:ext cx="0" cy="0"/>
+          <a:chOff x="0" y="0"/>
+          <a:chExt cx="0" cy="0"/>
+        </a:xfrm>
+      </p:grpSpPr>
+      <p:sp>
+        <p:nvSpPr>
+          <p:cNvPr id="2" name="Titre 1"/>
+          <p:cNvSpPr>
+            <a:spLocks noGrp="1"/>
+          </p:cNvSpPr>
+          <p:nvPr>
+            <p:ph type="title"/>
+          </p:nvPr>
+        </p:nvSpPr>
+        <p:spPr/>
+        <p:txBody>
+          <a:bodyPr/>
+          <a:lstStyle/>
+          <a:p>
+            <a:endParaRPr lang="fr-FR"/>
+          </a:p>
+        </p:txBody>
+      </p:sp>
+      <p:sp>
+        <p:nvSpPr>
+          <p:cNvPr id="3" name="Espace réservé du contenu 2"/>
+          <p:cNvSpPr>
+            <a:spLocks noGrp="1"/>
+          </p:cNvSpPr>
+          <p:nvPr>
+            <p:ph idx="1"/>
+          </p:nvPr>
+        </p:nvSpPr>
+        <p:spPr/>
+        <p:txBody>
+          <a:bodyPr/>
+          <a:lstStyle/>
+          <a:p>
+            <a:r>
+              <a:rPr lang="fr-FR" smtClean="0"/>
+              <a:t>transition</a:t>
+            </a:r>
+            <a:endParaRPr lang="fr-FR"/>
+          </a:p>
+        </p:txBody>
+      </p:sp>
+      <p:sp>
+        <p:nvSpPr>
+          <p:cNvPr id="4" name="Espace réservé du texte 3"/>
+          <p:cNvSpPr>
+            <a:spLocks noGrp="1"/>
+          </p:cNvSpPr>
+          <p:nvPr>
+            <p:ph type="body" sz="quarter" idx="10"/>
+          </p:nvPr>
+        </p:nvSpPr>
+        <p:spPr/>
+        <p:txBody>
+          <a:bodyPr>
+            <a:normAutofit fontScale="92500" lnSpcReduction="20000"/>
+          </a:bodyPr>
+          <a:lstStyle/>
+          <a:p>
+            <a:endParaRPr lang="fr-FR"/>
+          </a:p>
+        </p:txBody>
+      </p:sp>
+    </p:spTree>
+  </p:cSld>
+  <p:clrMapOvr>
+    <a:masterClrMapping/>
+  </p:clrMapOvr>
+  <p:timing>
+    <p:tnLst>
+      <p:par>
+        <p:cTn id="1" dur="indefinite" restart="never" nodeType="tmRoot"/>
+      </p:par>
+    </p:tnLst>
+  </p:timing>
+</p:sld>
+</file>
+
+<file path=ppt/slides/slide5.xml><?xml version="1.0" encoding="utf-8"?>
+<p:sld xmlns:a="http://schemas.openxmlformats.org/drawingml/2006/main" xmlns:r="http://schemas.openxmlformats.org/officeDocument/2006/relationships" xmlns:p="http://schemas.openxmlformats.org/presentationml/2006/main">
+  <p:cSld>
+    <p:spTree>
+      <p:nvGrpSpPr>
+        <p:cNvPr id="1" name=""/>
+        <p:cNvGrpSpPr/>
+        <p:nvPr/>
+      </p:nvGrpSpPr>
+      <p:grpSpPr>
+        <a:xfrm>
+          <a:off x="0" y="0"/>
+          <a:ext cx="0" cy="0"/>
+          <a:chOff x="0" y="0"/>
+          <a:chExt cx="0" cy="0"/>
+        </a:xfrm>
+      </p:grpSpPr>
+      <p:sp>
+        <p:nvSpPr>
+          <p:cNvPr id="2" name="Titre 1"/>
+          <p:cNvSpPr>
+            <a:spLocks noGrp="1"/>
+          </p:cNvSpPr>
+          <p:nvPr>
+            <p:ph type="title"/>
+          </p:nvPr>
+        </p:nvSpPr>
+        <p:spPr/>
+        <p:txBody>
+          <a:bodyPr/>
+          <a:lstStyle/>
+          <a:p>
+            <a:r>
+              <a:rPr lang="fr-FR" dirty="0" smtClean="0"/>
+              <a:t>Etat de l’art</a:t>
+            </a:r>
+            <a:endParaRPr lang="fr-FR" dirty="0"/>
+          </a:p>
+        </p:txBody>
+      </p:sp>
+      <p:sp>
+        <p:nvSpPr>
+          <p:cNvPr id="3" name="Espace réservé du contenu 2"/>
+          <p:cNvSpPr>
+            <a:spLocks noGrp="1"/>
+          </p:cNvSpPr>
+          <p:nvPr>
+            <p:ph idx="1"/>
+          </p:nvPr>
+        </p:nvSpPr>
+        <p:spPr/>
+        <p:txBody>
+          <a:bodyPr/>
+          <a:lstStyle/>
+          <a:p>
+            <a:r>
+              <a:rPr lang="fr-FR" dirty="0" smtClean="0">
+                <a:sym typeface="Wingdings" panose="05000000000000000000" pitchFamily="2" charset="2"/>
+              </a:rPr>
+              <a:t>1999 : Bruce </a:t>
+            </a:r>
+            <a:r>
+              <a:rPr lang="fr-FR" dirty="0" err="1" smtClean="0">
+                <a:sym typeface="Wingdings" panose="05000000000000000000" pitchFamily="2" charset="2"/>
+              </a:rPr>
+              <a:t>Schneier</a:t>
+            </a:r>
+            <a:r>
+              <a:rPr lang="fr-FR" dirty="0" smtClean="0">
+                <a:sym typeface="Wingdings" panose="05000000000000000000" pitchFamily="2" charset="2"/>
+              </a:rPr>
+              <a:t> invente les arbres d’attaque</a:t>
+            </a:r>
+          </a:p>
+        </p:txBody>
+      </p:sp>
+      <p:sp>
+        <p:nvSpPr>
+          <p:cNvPr id="4" name="Espace réservé du texte 3"/>
+          <p:cNvSpPr>
+            <a:spLocks noGrp="1"/>
+          </p:cNvSpPr>
+          <p:nvPr>
+            <p:ph type="body" sz="quarter" idx="10"/>
+          </p:nvPr>
+        </p:nvSpPr>
+        <p:spPr/>
+        <p:txBody>
+          <a:bodyPr>
+            <a:normAutofit fontScale="92500" lnSpcReduction="20000"/>
+          </a:bodyPr>
+          <a:lstStyle/>
+          <a:p>
+            <a:r>
+              <a:rPr lang="fr-FR" dirty="0" smtClean="0"/>
+              <a:t>Arbres d’attaque</a:t>
+            </a:r>
+            <a:endParaRPr lang="fr-FR" dirty="0"/>
+          </a:p>
+        </p:txBody>
+      </p:sp>
+      <p:pic>
+        <p:nvPicPr>
+          <p:cNvPr id="10" name="Image 9"/>
+          <p:cNvPicPr>
+            <a:picLocks noChangeAspect="1"/>
+          </p:cNvPicPr>
+          <p:nvPr/>
+        </p:nvPicPr>
+        <p:blipFill>
+          <a:blip r:embed="rId3">
+            <a:extLst>
+              <a:ext uri="{28A0092B-C50C-407E-A947-70E740481C1C}">
+                <a14:useLocalDpi xmlns:a14="http://schemas.microsoft.com/office/drawing/2010/main" val="0"/>
+              </a:ext>
+            </a:extLst>
+          </a:blip>
+          <a:stretch>
+            <a:fillRect/>
+          </a:stretch>
+        </p:blipFill>
+        <p:spPr>
+          <a:xfrm>
+            <a:off x="0" y="2164260"/>
+            <a:ext cx="9144000" cy="3568996"/>
+          </a:xfrm>
+          <a:prstGeom prst="rect">
+            <a:avLst/>
+          </a:prstGeom>
+        </p:spPr>
+      </p:pic>
+    </p:spTree>
+    <p:extLst>
+      <p:ext uri="{BB962C8B-B14F-4D97-AF65-F5344CB8AC3E}">
+        <p14:creationId xmlns:p14="http://schemas.microsoft.com/office/powerpoint/2010/main" val="679461077"/>
+      </p:ext>
+    </p:extLst>
+  </p:cSld>
+  <p:clrMapOvr>
+    <a:masterClrMapping/>
+  </p:clrMapOvr>
+  <p:timing>
+    <p:tnLst>
+      <p:par>
+        <p:cTn id="1" dur="indefinite" restart="never" nodeType="tmRoot">
+          <p:childTnLst>
+            <p:seq concurrent="1" nextAc="seek">
+              <p:cTn id="2" dur="indefinite" nodeType="mainSeq">
+                <p:childTnLst>
+                  <p:par>
+                    <p:cTn id="3" fill="hold">
+                      <p:stCondLst>
+                        <p:cond delay="indefinite"/>
+                      </p:stCondLst>
+                      <p:childTnLst>
+                        <p:par>
+                          <p:cTn id="4" fill="hold">
+                            <p:stCondLst>
+                              <p:cond delay="0"/>
+                            </p:stCondLst>
+                            <p:childTnLst>
+                              <p:par>
+                                <p:cTn id="5" presetID="1" presetClass="entr" presetSubtype="0" fill="hold" grpId="0" nodeType="clickEffect">
+                                  <p:stCondLst>
+                                    <p:cond delay="0"/>
+                                  </p:stCondLst>
+                                  <p:childTnLst>
+                                    <p:set>
+                                      <p:cBhvr>
+                                        <p:cTn id="6" dur="1" fill="hold">
+                                          <p:stCondLst>
+                                            <p:cond delay="0"/>
+                                          </p:stCondLst>
+                                        </p:cTn>
+                                        <p:tgtEl>
+                                          <p:spTgt spid="3">
+                                            <p:txEl>
+                                              <p:pRg st="0" end="0"/>
+                                            </p:txEl>
+                                          </p:spTgt>
+                                        </p:tgtEl>
+                                        <p:attrNameLst>
+                                          <p:attrName>style.visibility</p:attrName>
+                                        </p:attrNameLst>
+                                      </p:cBhvr>
+                                      <p:to>
+                                        <p:strVal val="visible"/>
+                                      </p:to>
+                                    </p:set>
+                                  </p:childTnLst>
+                                </p:cTn>
+                              </p:par>
+                            </p:childTnLst>
+                          </p:cTn>
+                        </p:par>
+                      </p:childTnLst>
+                    </p:cTn>
+                  </p:par>
+                  <p:par>
+                    <p:cTn id="7" fill="hold">
+                      <p:stCondLst>
+                        <p:cond delay="indefinite"/>
+                      </p:stCondLst>
+                      <p:childTnLst>
+                        <p:par>
+                          <p:cTn id="8" fill="hold">
+                            <p:stCondLst>
+                              <p:cond delay="0"/>
+                            </p:stCondLst>
+                            <p:childTnLst>
+                              <p:par>
+                                <p:cTn id="9" presetID="1" presetClass="entr" presetSubtype="0" fill="hold" nodeType="clickEffect">
+                                  <p:stCondLst>
+                                    <p:cond delay="0"/>
+                                  </p:stCondLst>
+                                  <p:childTnLst>
+                                    <p:set>
+                                      <p:cBhvr>
+                                        <p:cTn id="10" dur="1" fill="hold">
+                                          <p:stCondLst>
+                                            <p:cond delay="0"/>
+                                          </p:stCondLst>
+                                        </p:cTn>
+                                        <p:tgtEl>
+                                          <p:spTgt spid="10"/>
+                                        </p:tgtEl>
+                                        <p:attrNameLst>
+                                          <p:attrName>style.visibility</p:attrName>
+                                        </p:attrNameLst>
+                                      </p:cBhvr>
+                                      <p:to>
+                                        <p:strVal val="visible"/>
+                                      </p:to>
+                                    </p:set>
+                                  </p:childTnLst>
+                                </p:cTn>
+                              </p:par>
+                            </p:childTnLst>
+                          </p:cTn>
+                        </p:par>
+                      </p:childTnLst>
+                    </p:cTn>
+                  </p:par>
+                </p:childTnLst>
+              </p:cTn>
+              <p:prevCondLst>
+                <p:cond evt="onPrev" delay="0">
+                  <p:tgtEl>
+                    <p:sldTgt/>
+                  </p:tgtEl>
+                </p:cond>
+              </p:prevCondLst>
+              <p:nextCondLst>
+                <p:cond evt="onNext" delay="0">
+                  <p:tgtEl>
+                    <p:sldTgt/>
+                  </p:tgtEl>
+                </p:cond>
+              </p:nextCondLst>
+            </p:seq>
+          </p:childTnLst>
+        </p:cTn>
+      </p:par>
+    </p:tnLst>
+    <p:bldLst>
+      <p:bldP spid="3" grpId="0" build="p"/>
+    </p:bldLst>
+  </p:timing>
+</p:sld>
+</file>
+
+<file path=ppt/slides/slide6.xml><?xml version="1.0" encoding="utf-8"?>
+<p:sld xmlns:a="http://schemas.openxmlformats.org/drawingml/2006/main" xmlns:r="http://schemas.openxmlformats.org/officeDocument/2006/relationships" xmlns:p="http://schemas.openxmlformats.org/presentationml/2006/main">
+  <p:cSld>
+    <p:spTree>
+      <p:nvGrpSpPr>
+        <p:cNvPr id="1" name=""/>
+        <p:cNvGrpSpPr/>
+        <p:nvPr/>
+      </p:nvGrpSpPr>
+      <p:grpSpPr>
+        <a:xfrm>
+          <a:off x="0" y="0"/>
+          <a:ext cx="0" cy="0"/>
+          <a:chOff x="0" y="0"/>
+          <a:chExt cx="0" cy="0"/>
+        </a:xfrm>
+      </p:grpSpPr>
+      <p:sp>
+        <p:nvSpPr>
+          <p:cNvPr id="2" name="Titre 1"/>
+          <p:cNvSpPr>
+            <a:spLocks noGrp="1"/>
+          </p:cNvSpPr>
+          <p:nvPr>
+            <p:ph type="title"/>
+          </p:nvPr>
+        </p:nvSpPr>
+        <p:spPr/>
+        <p:txBody>
+          <a:bodyPr/>
+          <a:lstStyle/>
+          <a:p>
+            <a:r>
+              <a:rPr lang="fr-FR" dirty="0" smtClean="0"/>
+              <a:t>Etat de l’art</a:t>
+            </a:r>
+            <a:endParaRPr lang="fr-FR" dirty="0"/>
+          </a:p>
+        </p:txBody>
+      </p:sp>
+      <p:sp>
+        <p:nvSpPr>
+          <p:cNvPr id="3" name="Espace réservé du contenu 2"/>
+          <p:cNvSpPr>
+            <a:spLocks noGrp="1"/>
+          </p:cNvSpPr>
+          <p:nvPr>
+            <p:ph idx="1"/>
+          </p:nvPr>
+        </p:nvSpPr>
+        <p:spPr/>
+        <p:txBody>
+          <a:bodyPr/>
+          <a:lstStyle/>
+          <a:p>
+            <a:r>
+              <a:rPr lang="fr-FR" dirty="0" smtClean="0"/>
+              <a:t>Le concept </a:t>
+            </a:r>
+            <a:r>
+              <a:rPr lang="fr-FR" dirty="0"/>
+              <a:t>a </a:t>
+            </a:r>
+            <a:r>
+              <a:rPr lang="fr-FR" dirty="0" smtClean="0"/>
+              <a:t>évolué</a:t>
+            </a:r>
+            <a:r>
+              <a:rPr lang="fr-FR" dirty="0" smtClean="0">
+                <a:sym typeface="Wingdings" panose="05000000000000000000" pitchFamily="2" charset="2"/>
+              </a:rPr>
+              <a:t> en arbres </a:t>
+            </a:r>
+            <a:r>
+              <a:rPr lang="fr-FR" dirty="0">
+                <a:sym typeface="Wingdings" panose="05000000000000000000" pitchFamily="2" charset="2"/>
+              </a:rPr>
+              <a:t>d’attaque et de défense</a:t>
+            </a:r>
+          </a:p>
+          <a:p>
+            <a:endParaRPr lang="fr-FR" dirty="0">
+              <a:sym typeface="Wingdings" panose="05000000000000000000" pitchFamily="2" charset="2"/>
+            </a:endParaRPr>
+          </a:p>
+          <a:p>
+            <a:endParaRPr lang="fr-FR" dirty="0"/>
+          </a:p>
+        </p:txBody>
+      </p:sp>
+      <p:sp>
+        <p:nvSpPr>
+          <p:cNvPr id="4" name="Espace réservé du texte 3"/>
+          <p:cNvSpPr>
+            <a:spLocks noGrp="1"/>
+          </p:cNvSpPr>
+          <p:nvPr>
+            <p:ph type="body" sz="quarter" idx="10"/>
+          </p:nvPr>
+        </p:nvSpPr>
+        <p:spPr/>
+        <p:txBody>
+          <a:bodyPr>
+            <a:normAutofit fontScale="92500" lnSpcReduction="20000"/>
+          </a:bodyPr>
+          <a:lstStyle/>
+          <a:p>
+            <a:r>
+              <a:rPr lang="fr-FR" dirty="0" smtClean="0"/>
+              <a:t>Arbres d’attaque et de défense</a:t>
+            </a:r>
+            <a:endParaRPr lang="fr-FR" dirty="0"/>
+          </a:p>
+        </p:txBody>
+      </p:sp>
+      <p:pic>
+        <p:nvPicPr>
+          <p:cNvPr id="9" name="Image 8"/>
+          <p:cNvPicPr>
+            <a:picLocks noChangeAspect="1"/>
+          </p:cNvPicPr>
+          <p:nvPr/>
+        </p:nvPicPr>
+        <p:blipFill>
+          <a:blip r:embed="rId2">
+            <a:extLst>
+              <a:ext uri="{28A0092B-C50C-407E-A947-70E740481C1C}">
+                <a14:useLocalDpi xmlns:a14="http://schemas.microsoft.com/office/drawing/2010/main" val="0"/>
+              </a:ext>
+            </a:extLst>
+          </a:blip>
+          <a:stretch>
+            <a:fillRect/>
+          </a:stretch>
+        </p:blipFill>
+        <p:spPr>
+          <a:xfrm>
+            <a:off x="2913" y="1916832"/>
+            <a:ext cx="9144000" cy="3814509"/>
+          </a:xfrm>
+          <a:prstGeom prst="rect">
+            <a:avLst/>
+          </a:prstGeom>
+        </p:spPr>
+      </p:pic>
+    </p:spTree>
+    <p:extLst>
+      <p:ext uri="{BB962C8B-B14F-4D97-AF65-F5344CB8AC3E}">
+        <p14:creationId xmlns:p14="http://schemas.microsoft.com/office/powerpoint/2010/main" val="3423601455"/>
+      </p:ext>
+    </p:extLst>
+  </p:cSld>
+  <p:clrMapOvr>
+    <a:masterClrMapping/>
+  </p:clrMapOvr>
+  <p:timing>
+    <p:tnLst>
+      <p:par>
+        <p:cTn id="1" dur="indefinite" restart="never" nodeType="tmRoot">
+          <p:childTnLst>
+            <p:seq concurrent="1" nextAc="seek">
+              <p:cTn id="2" dur="indefinite" nodeType="mainSeq">
+                <p:childTnLst>
+                  <p:par>
+                    <p:cTn id="3" fill="hold">
+                      <p:stCondLst>
+                        <p:cond delay="indefinite"/>
+                      </p:stCondLst>
+                      <p:childTnLst>
+                        <p:par>
+                          <p:cTn id="4" fill="hold">
+                            <p:stCondLst>
+                              <p:cond delay="0"/>
+                            </p:stCondLst>
+                            <p:childTnLst>
+                              <p:par>
+                                <p:cTn id="5" presetID="1" presetClass="entr" presetSubtype="0" fill="hold" grpId="0" nodeType="clickEffect">
+                                  <p:stCondLst>
+                                    <p:cond delay="0"/>
+                                  </p:stCondLst>
+                                  <p:childTnLst>
+                                    <p:set>
+                                      <p:cBhvr>
+                                        <p:cTn id="6" dur="1" fill="hold">
+                                          <p:stCondLst>
+                                            <p:cond delay="0"/>
+                                          </p:stCondLst>
+                                        </p:cTn>
+                                        <p:tgtEl>
+                                          <p:spTgt spid="3">
+                                            <p:txEl>
+                                              <p:pRg st="0" end="0"/>
+                                            </p:txEl>
+                                          </p:spTgt>
+                                        </p:tgtEl>
+                                        <p:attrNameLst>
+                                          <p:attrName>style.visibility</p:attrName>
+                                        </p:attrNameLst>
+                                      </p:cBhvr>
+                                      <p:to>
+                                        <p:strVal val="visible"/>
+                                      </p:to>
+                                    </p:set>
+                                  </p:childTnLst>
+                                </p:cTn>
+                              </p:par>
+                            </p:childTnLst>
+                          </p:cTn>
+                        </p:par>
+                      </p:childTnLst>
+                    </p:cTn>
+                  </p:par>
+                  <p:par>
+                    <p:cTn id="7" fill="hold">
+                      <p:stCondLst>
+                        <p:cond delay="indefinite"/>
+                      </p:stCondLst>
+                      <p:childTnLst>
+                        <p:par>
+                          <p:cTn id="8" fill="hold">
+                            <p:stCondLst>
+                              <p:cond delay="0"/>
+                            </p:stCondLst>
+                            <p:childTnLst>
+                              <p:par>
+                                <p:cTn id="9" presetID="1" presetClass="entr" presetSubtype="0" fill="hold" nodeType="clickEffect">
+                                  <p:stCondLst>
+                                    <p:cond delay="0"/>
+                                  </p:stCondLst>
+                                  <p:childTnLst>
+                                    <p:set>
+                                      <p:cBhvr>
+                                        <p:cTn id="10" dur="1" fill="hold">
+                                          <p:stCondLst>
+                                            <p:cond delay="0"/>
+                                          </p:stCondLst>
+                                        </p:cTn>
+                                        <p:tgtEl>
+                                          <p:spTgt spid="9"/>
+                                        </p:tgtEl>
+                                        <p:attrNameLst>
+                                          <p:attrName>style.visibility</p:attrName>
+                                        </p:attrNameLst>
+                                      </p:cBhvr>
+                                      <p:to>
+                                        <p:strVal val="visible"/>
+                                      </p:to>
+                                    </p:set>
+                                  </p:childTnLst>
+                                </p:cTn>
+                              </p:par>
+                            </p:childTnLst>
+                          </p:cTn>
+                        </p:par>
+                      </p:childTnLst>
+                    </p:cTn>
+                  </p:par>
+                </p:childTnLst>
+              </p:cTn>
+              <p:prevCondLst>
+                <p:cond evt="onPrev" delay="0">
+                  <p:tgtEl>
+                    <p:sldTgt/>
+                  </p:tgtEl>
+                </p:cond>
+              </p:prevCondLst>
+              <p:nextCondLst>
+                <p:cond evt="onNext" delay="0">
+                  <p:tgtEl>
+                    <p:sldTgt/>
+                  </p:tgtEl>
+                </p:cond>
+              </p:nextCondLst>
+            </p:seq>
+          </p:childTnLst>
+        </p:cTn>
+      </p:par>
+    </p:tnLst>
+    <p:bldLst>
+      <p:bldP spid="3" grpId="0" build="p"/>
+    </p:bldLst>
+  </p:timing>
+</p:sld>
+</file>
+
+<file path=ppt/slides/slide7.xml><?xml version="1.0" encoding="utf-8"?>
+<p:sld xmlns:a="http://schemas.openxmlformats.org/drawingml/2006/main" xmlns:r="http://schemas.openxmlformats.org/officeDocument/2006/relationships" xmlns:p="http://schemas.openxmlformats.org/presentationml/2006/main">
+  <p:cSld>
+    <p:spTree>
+      <p:nvGrpSpPr>
+        <p:cNvPr id="1" name=""/>
+        <p:cNvGrpSpPr/>
+        <p:nvPr/>
+      </p:nvGrpSpPr>
+      <p:grpSpPr>
+        <a:xfrm>
+          <a:off x="0" y="0"/>
+          <a:ext cx="0" cy="0"/>
+          <a:chOff x="0" y="0"/>
+          <a:chExt cx="0" cy="0"/>
+        </a:xfrm>
+      </p:grpSpPr>
+      <p:sp>
+        <p:nvSpPr>
+          <p:cNvPr id="96" name="TextShape 1"/>
+          <p:cNvSpPr txBox="1"/>
+          <p:nvPr/>
+        </p:nvSpPr>
+        <p:spPr>
+          <a:xfrm>
+            <a:off x="1763640" y="92160"/>
+            <a:ext cx="6460560" cy="571320"/>
+          </a:xfrm>
+          <a:prstGeom prst="rect">
+            <a:avLst/>
+          </a:prstGeom>
+          <a:noFill/>
+          <a:ln>
+            <a:noFill/>
+          </a:ln>
+        </p:spPr>
+        <p:txBody>
+          <a:bodyPr anchor="ctr"/>
+          <a:lstStyle/>
+          <a:p>
+            <a:pPr algn="r">
+              <a:lnSpc>
+                <a:spcPct val="100000"/>
+              </a:lnSpc>
+            </a:pPr>
+            <a:r>
+              <a:rPr lang="fr-FR" sz="1600" b="1" strike="noStrike">
+                <a:solidFill>
+                  <a:srgbClr val="4F4D50"/>
+                </a:solidFill>
+                <a:latin typeface="Arial"/>
+              </a:rPr>
+              <a:t>Étude de l'existant</a:t>
+            </a:r>
+            <a:endParaRPr/>
+          </a:p>
+        </p:txBody>
+      </p:sp>
+      <p:pic>
+        <p:nvPicPr>
+          <p:cNvPr id="97" name="Image 96"/>
+          <p:cNvPicPr/>
+          <p:nvPr/>
+        </p:nvPicPr>
+        <p:blipFill>
+          <a:blip r:embed="rId3"/>
+          <a:stretch/>
+        </p:blipFill>
+        <p:spPr>
+          <a:xfrm>
+            <a:off x="3312000" y="2088000"/>
+            <a:ext cx="2736000" cy="1006560"/>
+          </a:xfrm>
+          <a:prstGeom prst="rect">
+            <a:avLst/>
+          </a:prstGeom>
+          <a:ln>
+            <a:noFill/>
+          </a:ln>
+        </p:spPr>
+      </p:pic>
+      <p:pic>
+        <p:nvPicPr>
+          <p:cNvPr id="98" name="Image 97"/>
+          <p:cNvPicPr/>
+          <p:nvPr/>
+        </p:nvPicPr>
+        <p:blipFill>
+          <a:blip r:embed="rId4"/>
+          <a:stretch/>
+        </p:blipFill>
+        <p:spPr>
+          <a:xfrm>
+            <a:off x="3216600" y="4176000"/>
+            <a:ext cx="3047400" cy="685440"/>
+          </a:xfrm>
+          <a:prstGeom prst="rect">
+            <a:avLst/>
+          </a:prstGeom>
+          <a:ln>
+            <a:noFill/>
+          </a:ln>
+        </p:spPr>
+      </p:pic>
+      <p:sp>
+        <p:nvSpPr>
+          <p:cNvPr id="5" name="Espace réservé du texte 3"/>
+          <p:cNvSpPr txBox="1">
+            <a:spLocks/>
+          </p:cNvSpPr>
+          <p:nvPr/>
+        </p:nvSpPr>
+        <p:spPr>
+          <a:xfrm>
+            <a:off x="2700338" y="6597650"/>
+            <a:ext cx="5327650" cy="215900"/>
+          </a:xfrm>
+          <a:prstGeom prst="rect">
+            <a:avLst/>
+          </a:prstGeom>
+        </p:spPr>
+        <p:txBody>
+          <a:bodyPr>
+            <a:normAutofit fontScale="47500" lnSpcReduction="20000"/>
+          </a:bodyPr>
+          <a:lstStyle>
+            <a:lvl1pPr marL="0" indent="0" algn="l" defTabSz="914400" rtl="0" eaLnBrk="1" latinLnBrk="0" hangingPunct="1">
+              <a:spcBef>
+                <a:spcPct val="20000"/>
+              </a:spcBef>
+              <a:buFontTx/>
+              <a:buNone/>
+              <a:defRPr lang="fr-FR" sz="2000" b="1" kern="1200" dirty="0" smtClean="0">
+                <a:solidFill>
+                  <a:srgbClr val="004D6F"/>
+                </a:solidFill>
+                <a:latin typeface="Arial" pitchFamily="34" charset="0"/>
+                <a:ea typeface="+mn-ea"/>
+                <a:cs typeface="Arial" pitchFamily="34" charset="0"/>
+              </a:defRPr>
+            </a:lvl1pPr>
+            <a:lvl2pPr marL="742950" indent="-285750" algn="l" defTabSz="914400" rtl="0" eaLnBrk="1" latinLnBrk="0" hangingPunct="1">
+              <a:spcBef>
+                <a:spcPct val="20000"/>
+              </a:spcBef>
+              <a:buFont typeface="Arial" panose="020B0604020202020204" pitchFamily="34" charset="0"/>
+              <a:buChar char="–"/>
+              <a:defRPr lang="fr-FR" sz="1500" b="1" kern="1200" baseline="0" dirty="0" smtClean="0">
+                <a:solidFill>
+                  <a:srgbClr val="4F4D50"/>
+                </a:solidFill>
+                <a:latin typeface="Arial" pitchFamily="34" charset="0"/>
+                <a:ea typeface="+mn-ea"/>
+                <a:cs typeface="Arial" pitchFamily="34" charset="0"/>
+              </a:defRPr>
+            </a:lvl2pPr>
+            <a:lvl3pPr marL="1143000" indent="-228600" algn="l" defTabSz="914400" rtl="0" eaLnBrk="1" latinLnBrk="0" hangingPunct="1">
+              <a:lnSpc>
+                <a:spcPct val="100000"/>
+              </a:lnSpc>
+              <a:spcBef>
+                <a:spcPts val="600"/>
+              </a:spcBef>
+              <a:buFont typeface="Arial" panose="020B0604020202020204" pitchFamily="34" charset="0"/>
+              <a:buChar char="•"/>
+              <a:defRPr lang="fr-FR" sz="1200" kern="1200" baseline="0" dirty="0" smtClean="0">
+                <a:solidFill>
+                  <a:srgbClr val="4F4D50"/>
+                </a:solidFill>
+                <a:latin typeface="Arial" pitchFamily="34" charset="0"/>
+                <a:ea typeface="+mn-ea"/>
+                <a:cs typeface="Arial" pitchFamily="34" charset="0"/>
+              </a:defRPr>
+            </a:lvl3pPr>
+            <a:lvl4pPr marL="1600200" indent="-228600" algn="l" defTabSz="914400" rtl="0" eaLnBrk="1" latinLnBrk="0" hangingPunct="1">
+              <a:spcBef>
+                <a:spcPct val="20000"/>
+              </a:spcBef>
+              <a:buFont typeface="Arial" panose="020B0604020202020204" pitchFamily="34" charset="0"/>
+              <a:buChar char="–"/>
+              <a:defRPr sz="2000" kern="1200">
+                <a:solidFill>
+                  <a:schemeClr val="tx1"/>
+                </a:solidFill>
+                <a:latin typeface="+mn-lt"/>
+                <a:ea typeface="+mn-ea"/>
+                <a:cs typeface="+mn-cs"/>
+              </a:defRPr>
+            </a:lvl4pPr>
+            <a:lvl5pPr marL="2057400" indent="-228600" algn="l" defTabSz="914400" rtl="0" eaLnBrk="1" latinLnBrk="0" hangingPunct="1">
+              <a:spcBef>
+                <a:spcPct val="20000"/>
+              </a:spcBef>
+              <a:buFont typeface="Arial" panose="020B0604020202020204" pitchFamily="34" charset="0"/>
+              <a:buChar char="»"/>
+              <a:defRPr sz="2000" kern="1200">
+                <a:solidFill>
+                  <a:schemeClr val="tx1"/>
+                </a:solidFill>
+                <a:latin typeface="+mn-lt"/>
+                <a:ea typeface="+mn-ea"/>
+                <a:cs typeface="+mn-cs"/>
+              </a:defRPr>
+            </a:lvl5pPr>
+            <a:lvl6pPr marL="2514600" indent="-228600" algn="l" defTabSz="914400" rtl="0" eaLnBrk="1" latinLnBrk="0" hangingPunct="1">
+              <a:spcBef>
+                <a:spcPct val="20000"/>
+              </a:spcBef>
+              <a:buFont typeface="Arial" panose="020B0604020202020204" pitchFamily="34" charset="0"/>
+              <a:buChar char="•"/>
+              <a:defRPr sz="2000" kern="1200">
+                <a:solidFill>
+                  <a:schemeClr val="tx1"/>
+                </a:solidFill>
+                <a:latin typeface="+mn-lt"/>
+                <a:ea typeface="+mn-ea"/>
+                <a:cs typeface="+mn-cs"/>
+              </a:defRPr>
+            </a:lvl6pPr>
+            <a:lvl7pPr marL="2971800" indent="-228600" algn="l" defTabSz="914400" rtl="0" eaLnBrk="1" latinLnBrk="0" hangingPunct="1">
+              <a:spcBef>
+                <a:spcPct val="20000"/>
+              </a:spcBef>
+              <a:buFont typeface="Arial" panose="020B0604020202020204" pitchFamily="34" charset="0"/>
+              <a:buChar char="•"/>
+              <a:defRPr sz="2000" kern="1200">
+                <a:solidFill>
+                  <a:schemeClr val="tx1"/>
+                </a:solidFill>
+                <a:latin typeface="+mn-lt"/>
+                <a:ea typeface="+mn-ea"/>
+                <a:cs typeface="+mn-cs"/>
+              </a:defRPr>
+            </a:lvl7pPr>
+            <a:lvl8pPr marL="3429000" indent="-228600" algn="l" defTabSz="914400" rtl="0" eaLnBrk="1" latinLnBrk="0" hangingPunct="1">
+              <a:spcBef>
+                <a:spcPct val="20000"/>
+              </a:spcBef>
+              <a:buFont typeface="Arial" panose="020B0604020202020204" pitchFamily="34" charset="0"/>
+              <a:buChar char="•"/>
+              <a:defRPr sz="2000" kern="1200">
+                <a:solidFill>
+                  <a:schemeClr val="tx1"/>
+                </a:solidFill>
+                <a:latin typeface="+mn-lt"/>
+                <a:ea typeface="+mn-ea"/>
+                <a:cs typeface="+mn-cs"/>
+              </a:defRPr>
+            </a:lvl8pPr>
+            <a:lvl9pPr marL="3886200" indent="-228600" algn="l" defTabSz="914400" rtl="0" eaLnBrk="1" latinLnBrk="0" hangingPunct="1">
+              <a:spcBef>
+                <a:spcPct val="20000"/>
+              </a:spcBef>
+              <a:buFont typeface="Arial" panose="020B0604020202020204" pitchFamily="34" charset="0"/>
+              <a:buChar char="•"/>
+              <a:defRPr sz="2000" kern="1200">
+                <a:solidFill>
+                  <a:schemeClr val="tx1"/>
+                </a:solidFill>
+                <a:latin typeface="+mn-lt"/>
+                <a:ea typeface="+mn-ea"/>
+                <a:cs typeface="+mn-cs"/>
+              </a:defRPr>
+            </a:lvl9pPr>
+          </a:lstStyle>
+          <a:p>
+            <a:r>
+              <a:rPr lang="fr-FR" dirty="0" err="1" smtClean="0"/>
+              <a:t>ADTool</a:t>
+            </a:r>
+            <a:endParaRPr lang="fr-FR" dirty="0" smtClean="0"/>
+          </a:p>
+        </p:txBody>
+      </p:sp>
+    </p:spTree>
+  </p:cSld>
+  <p:clrMapOvr>
+    <a:masterClrMapping/>
+  </p:clrMapOvr>
+  <p:timing>
+    <p:tnLst>
+      <p:par>
+        <p:cTn id="1" dur="indefinite" restart="never" nodeType="tmRoot">
+          <p:childTnLst>
+            <p:seq>
+              <p:cTn id="2" nodeType="mainSeq"/>
+              <p:prevCondLst>
+                <p:cond evt="onPrev" delay="0">
+                  <p:tgtEl>
+                    <p:sldTgt/>
+                  </p:tgtEl>
+                </p:cond>
+              </p:prevCondLst>
+              <p:nextCondLst>
+                <p:cond evt="onNext" delay="0">
+                  <p:tgtEl>
+                    <p:sldTgt/>
+                  </p:tgtEl>
+                </p:cond>
+              </p:nextCondLst>
+            </p:seq>
+          </p:childTnLst>
+        </p:cTn>
+      </p:par>
+    </p:tnLst>
+  </p:timing>
+</p:sld>
+</file>
+
+<file path=ppt/slides/slide8.xml><?xml version="1.0" encoding="utf-8"?>
+<p:sld xmlns:a="http://schemas.openxmlformats.org/drawingml/2006/main" xmlns:r="http://schemas.openxmlformats.org/officeDocument/2006/relationships" xmlns:p="http://schemas.openxmlformats.org/presentationml/2006/main">
+  <p:cSld>
+    <p:spTree>
+      <p:nvGrpSpPr>
+        <p:cNvPr id="1" name=""/>
+        <p:cNvGrpSpPr/>
+        <p:nvPr/>
+      </p:nvGrpSpPr>
+      <p:grpSpPr>
+        <a:xfrm>
+          <a:off x="0" y="0"/>
+          <a:ext cx="0" cy="0"/>
+          <a:chOff x="0" y="0"/>
+          <a:chExt cx="0" cy="0"/>
+        </a:xfrm>
+      </p:grpSpPr>
+      <p:sp>
+        <p:nvSpPr>
+          <p:cNvPr id="99" name="TextShape 1"/>
+          <p:cNvSpPr txBox="1"/>
+          <p:nvPr/>
+        </p:nvSpPr>
+        <p:spPr>
+          <a:xfrm>
+            <a:off x="1763640" y="92520"/>
+            <a:ext cx="6460560" cy="571320"/>
+          </a:xfrm>
+          <a:prstGeom prst="rect">
+            <a:avLst/>
+          </a:prstGeom>
+          <a:noFill/>
+          <a:ln>
+            <a:noFill/>
+          </a:ln>
+        </p:spPr>
+        <p:txBody>
+          <a:bodyPr anchor="ctr"/>
+          <a:lstStyle/>
+          <a:p>
+            <a:pPr algn="r">
+              <a:lnSpc>
+                <a:spcPct val="100000"/>
+              </a:lnSpc>
+            </a:pPr>
+            <a:r>
+              <a:rPr lang="fr-FR" sz="1600" b="1" strike="noStrike">
+                <a:solidFill>
+                  <a:srgbClr val="4F4D50"/>
+                </a:solidFill>
+                <a:latin typeface="Arial"/>
+              </a:rPr>
+              <a:t>Étude de l'existant</a:t>
+            </a:r>
+            <a:endParaRPr/>
+          </a:p>
+        </p:txBody>
+      </p:sp>
+      <p:pic>
+        <p:nvPicPr>
+          <p:cNvPr id="100" name="Image 99"/>
+          <p:cNvPicPr/>
+          <p:nvPr/>
+        </p:nvPicPr>
+        <p:blipFill>
+          <a:blip r:embed="rId3"/>
+          <a:stretch/>
+        </p:blipFill>
+        <p:spPr>
+          <a:xfrm>
+            <a:off x="2380320" y="2160000"/>
+            <a:ext cx="4675680" cy="2664000"/>
+          </a:xfrm>
+          <a:prstGeom prst="rect">
+            <a:avLst/>
+          </a:prstGeom>
+          <a:ln>
+            <a:noFill/>
+          </a:ln>
+        </p:spPr>
+      </p:pic>
+      <p:sp>
+        <p:nvSpPr>
+          <p:cNvPr id="4" name="Espace réservé du texte 3"/>
+          <p:cNvSpPr txBox="1">
+            <a:spLocks/>
+          </p:cNvSpPr>
+          <p:nvPr/>
+        </p:nvSpPr>
+        <p:spPr>
+          <a:xfrm>
+            <a:off x="2700338" y="6597650"/>
+            <a:ext cx="5327650" cy="215900"/>
+          </a:xfrm>
+          <a:prstGeom prst="rect">
+            <a:avLst/>
+          </a:prstGeom>
+        </p:spPr>
+        <p:txBody>
+          <a:bodyPr>
+            <a:normAutofit fontScale="47500" lnSpcReduction="20000"/>
+          </a:bodyPr>
+          <a:lstStyle>
+            <a:lvl1pPr marL="0" indent="0" algn="l" defTabSz="914400" rtl="0" eaLnBrk="1" latinLnBrk="0" hangingPunct="1">
+              <a:spcBef>
+                <a:spcPct val="20000"/>
+              </a:spcBef>
+              <a:buFontTx/>
+              <a:buNone/>
+              <a:defRPr lang="fr-FR" sz="2000" b="1" kern="1200" dirty="0" smtClean="0">
+                <a:solidFill>
+                  <a:srgbClr val="004D6F"/>
+                </a:solidFill>
+                <a:latin typeface="Arial" pitchFamily="34" charset="0"/>
+                <a:ea typeface="+mn-ea"/>
+                <a:cs typeface="Arial" pitchFamily="34" charset="0"/>
+              </a:defRPr>
+            </a:lvl1pPr>
+            <a:lvl2pPr marL="742950" indent="-285750" algn="l" defTabSz="914400" rtl="0" eaLnBrk="1" latinLnBrk="0" hangingPunct="1">
+              <a:spcBef>
+                <a:spcPct val="20000"/>
+              </a:spcBef>
+              <a:buFont typeface="Arial" panose="020B0604020202020204" pitchFamily="34" charset="0"/>
+              <a:buChar char="–"/>
+              <a:defRPr lang="fr-FR" sz="1500" b="1" kern="1200" baseline="0" dirty="0" smtClean="0">
+                <a:solidFill>
+                  <a:srgbClr val="4F4D50"/>
+                </a:solidFill>
+                <a:latin typeface="Arial" pitchFamily="34" charset="0"/>
+                <a:ea typeface="+mn-ea"/>
+                <a:cs typeface="Arial" pitchFamily="34" charset="0"/>
+              </a:defRPr>
+            </a:lvl2pPr>
+            <a:lvl3pPr marL="1143000" indent="-228600" algn="l" defTabSz="914400" rtl="0" eaLnBrk="1" latinLnBrk="0" hangingPunct="1">
+              <a:lnSpc>
+                <a:spcPct val="100000"/>
+              </a:lnSpc>
+              <a:spcBef>
+                <a:spcPts val="600"/>
+              </a:spcBef>
+              <a:buFont typeface="Arial" panose="020B0604020202020204" pitchFamily="34" charset="0"/>
+              <a:buChar char="•"/>
+              <a:defRPr lang="fr-FR" sz="1200" kern="1200" baseline="0" dirty="0" smtClean="0">
+                <a:solidFill>
+                  <a:srgbClr val="4F4D50"/>
+                </a:solidFill>
+                <a:latin typeface="Arial" pitchFamily="34" charset="0"/>
+                <a:ea typeface="+mn-ea"/>
+                <a:cs typeface="Arial" pitchFamily="34" charset="0"/>
+              </a:defRPr>
+            </a:lvl3pPr>
+            <a:lvl4pPr marL="1600200" indent="-228600" algn="l" defTabSz="914400" rtl="0" eaLnBrk="1" latinLnBrk="0" hangingPunct="1">
+              <a:spcBef>
+                <a:spcPct val="20000"/>
+              </a:spcBef>
+              <a:buFont typeface="Arial" panose="020B0604020202020204" pitchFamily="34" charset="0"/>
+              <a:buChar char="–"/>
+              <a:defRPr sz="2000" kern="1200">
+                <a:solidFill>
+                  <a:schemeClr val="tx1"/>
+                </a:solidFill>
+                <a:latin typeface="+mn-lt"/>
+                <a:ea typeface="+mn-ea"/>
+                <a:cs typeface="+mn-cs"/>
+              </a:defRPr>
+            </a:lvl4pPr>
+            <a:lvl5pPr marL="2057400" indent="-228600" algn="l" defTabSz="914400" rtl="0" eaLnBrk="1" latinLnBrk="0" hangingPunct="1">
+              <a:spcBef>
+                <a:spcPct val="20000"/>
+              </a:spcBef>
+              <a:buFont typeface="Arial" panose="020B0604020202020204" pitchFamily="34" charset="0"/>
+              <a:buChar char="»"/>
+              <a:defRPr sz="2000" kern="1200">
+                <a:solidFill>
+                  <a:schemeClr val="tx1"/>
+                </a:solidFill>
+                <a:latin typeface="+mn-lt"/>
+                <a:ea typeface="+mn-ea"/>
+                <a:cs typeface="+mn-cs"/>
+              </a:defRPr>
+            </a:lvl5pPr>
+            <a:lvl6pPr marL="2514600" indent="-228600" algn="l" defTabSz="914400" rtl="0" eaLnBrk="1" latinLnBrk="0" hangingPunct="1">
+              <a:spcBef>
+                <a:spcPct val="20000"/>
+              </a:spcBef>
+              <a:buFont typeface="Arial" panose="020B0604020202020204" pitchFamily="34" charset="0"/>
+              <a:buChar char="•"/>
+              <a:defRPr sz="2000" kern="1200">
+                <a:solidFill>
+                  <a:schemeClr val="tx1"/>
+                </a:solidFill>
+                <a:latin typeface="+mn-lt"/>
+                <a:ea typeface="+mn-ea"/>
+                <a:cs typeface="+mn-cs"/>
+              </a:defRPr>
+            </a:lvl6pPr>
+            <a:lvl7pPr marL="2971800" indent="-228600" algn="l" defTabSz="914400" rtl="0" eaLnBrk="1" latinLnBrk="0" hangingPunct="1">
+              <a:spcBef>
+                <a:spcPct val="20000"/>
+              </a:spcBef>
+              <a:buFont typeface="Arial" panose="020B0604020202020204" pitchFamily="34" charset="0"/>
+              <a:buChar char="•"/>
+              <a:defRPr sz="2000" kern="1200">
+                <a:solidFill>
+                  <a:schemeClr val="tx1"/>
+                </a:solidFill>
+                <a:latin typeface="+mn-lt"/>
+                <a:ea typeface="+mn-ea"/>
+                <a:cs typeface="+mn-cs"/>
+              </a:defRPr>
+            </a:lvl7pPr>
+            <a:lvl8pPr marL="3429000" indent="-228600" algn="l" defTabSz="914400" rtl="0" eaLnBrk="1" latinLnBrk="0" hangingPunct="1">
+              <a:spcBef>
+                <a:spcPct val="20000"/>
+              </a:spcBef>
+              <a:buFont typeface="Arial" panose="020B0604020202020204" pitchFamily="34" charset="0"/>
+              <a:buChar char="•"/>
+              <a:defRPr sz="2000" kern="1200">
+                <a:solidFill>
+                  <a:schemeClr val="tx1"/>
+                </a:solidFill>
+                <a:latin typeface="+mn-lt"/>
+                <a:ea typeface="+mn-ea"/>
+                <a:cs typeface="+mn-cs"/>
+              </a:defRPr>
+            </a:lvl8pPr>
+            <a:lvl9pPr marL="3886200" indent="-228600" algn="l" defTabSz="914400" rtl="0" eaLnBrk="1" latinLnBrk="0" hangingPunct="1">
+              <a:spcBef>
+                <a:spcPct val="20000"/>
+              </a:spcBef>
+              <a:buFont typeface="Arial" panose="020B0604020202020204" pitchFamily="34" charset="0"/>
+              <a:buChar char="•"/>
+              <a:defRPr sz="2000" kern="1200">
+                <a:solidFill>
+                  <a:schemeClr val="tx1"/>
+                </a:solidFill>
+                <a:latin typeface="+mn-lt"/>
+                <a:ea typeface="+mn-ea"/>
+                <a:cs typeface="+mn-cs"/>
+              </a:defRPr>
+            </a:lvl9pPr>
+          </a:lstStyle>
+          <a:p>
+            <a:r>
+              <a:rPr lang="fr-FR" dirty="0" err="1" smtClean="0"/>
+              <a:t>ADTool</a:t>
+            </a:r>
+            <a:endParaRPr lang="fr-FR" dirty="0"/>
+          </a:p>
+        </p:txBody>
+      </p:sp>
+    </p:spTree>
+  </p:cSld>
+  <p:clrMapOvr>
+    <a:masterClrMapping/>
+  </p:clrMapOvr>
+  <p:timing>
+    <p:tnLst>
+      <p:par>
+        <p:cTn id="1" dur="indefinite" restart="never" nodeType="tmRoot">
+          <p:childTnLst>
+            <p:seq>
+              <p:cTn id="2" nodeType="mainSeq"/>
+              <p:prevCondLst>
+                <p:cond evt="onPrev" delay="0">
+                  <p:tgtEl>
+                    <p:sldTgt/>
+                  </p:tgtEl>
+                </p:cond>
+              </p:prevCondLst>
+              <p:nextCondLst>
+                <p:cond evt="onNext" delay="0">
+                  <p:tgtEl>
+                    <p:sldTgt/>
+                  </p:tgtEl>
+                </p:cond>
+              </p:nextCondLst>
+            </p:seq>
+          </p:childTnLst>
+        </p:cTn>
+      </p:par>
+    </p:tnLst>
+  </p:timing>
+</p:sld>
+</file>
+
+<file path=ppt/slides/slide9.xml><?xml version="1.0" encoding="utf-8"?>
+<p:sld xmlns:a="http://schemas.openxmlformats.org/drawingml/2006/main" xmlns:r="http://schemas.openxmlformats.org/officeDocument/2006/relationships" xmlns:p="http://schemas.openxmlformats.org/presentationml/2006/main">
+  <p:cSld>
+    <p:spTree>
+      <p:nvGrpSpPr>
+        <p:cNvPr id="1" name=""/>
+        <p:cNvGrpSpPr/>
+        <p:nvPr/>
+      </p:nvGrpSpPr>
+      <p:grpSpPr>
+        <a:xfrm>
+          <a:off x="0" y="0"/>
+          <a:ext cx="0" cy="0"/>
+          <a:chOff x="0" y="0"/>
+          <a:chExt cx="0" cy="0"/>
+        </a:xfrm>
+      </p:grpSpPr>
+      <p:sp>
+        <p:nvSpPr>
+          <p:cNvPr id="101" name="TextShape 1"/>
+          <p:cNvSpPr txBox="1"/>
+          <p:nvPr/>
+        </p:nvSpPr>
+        <p:spPr>
+          <a:xfrm>
+            <a:off x="1763640" y="92520"/>
+            <a:ext cx="6460560" cy="571320"/>
+          </a:xfrm>
+          <a:prstGeom prst="rect">
+            <a:avLst/>
+          </a:prstGeom>
+          <a:noFill/>
+          <a:ln>
+            <a:noFill/>
+          </a:ln>
+        </p:spPr>
+        <p:txBody>
+          <a:bodyPr anchor="ctr"/>
+          <a:lstStyle/>
+          <a:p>
+            <a:pPr algn="r">
+              <a:lnSpc>
+                <a:spcPct val="100000"/>
+              </a:lnSpc>
+            </a:pPr>
+            <a:r>
+              <a:rPr lang="fr-FR" sz="1600" b="1" strike="noStrike">
+                <a:solidFill>
+                  <a:srgbClr val="4F4D50"/>
+                </a:solidFill>
+                <a:latin typeface="Arial"/>
+              </a:rPr>
+              <a:t>Étude de l'existant</a:t>
+            </a:r>
+            <a:endParaRPr/>
+          </a:p>
+        </p:txBody>
+      </p:sp>
+      <p:pic>
+        <p:nvPicPr>
+          <p:cNvPr id="102" name="Image 101"/>
+          <p:cNvPicPr/>
+          <p:nvPr/>
+        </p:nvPicPr>
+        <p:blipFill>
+          <a:blip r:embed="rId3"/>
+          <a:stretch/>
+        </p:blipFill>
+        <p:spPr>
+          <a:xfrm>
+            <a:off x="2157480" y="663840"/>
+            <a:ext cx="5042520" cy="5960160"/>
+          </a:xfrm>
+          <a:prstGeom prst="rect">
+            <a:avLst/>
+          </a:prstGeom>
+          <a:ln>
+            <a:noFill/>
+          </a:ln>
+        </p:spPr>
+      </p:pic>
+      <p:sp>
+        <p:nvSpPr>
+          <p:cNvPr id="4" name="Espace réservé du texte 3"/>
+          <p:cNvSpPr txBox="1">
+            <a:spLocks/>
+          </p:cNvSpPr>
+          <p:nvPr/>
+        </p:nvSpPr>
+        <p:spPr>
+          <a:xfrm>
+            <a:off x="2700338" y="6597650"/>
+            <a:ext cx="5327650" cy="215900"/>
+          </a:xfrm>
+          <a:prstGeom prst="rect">
+            <a:avLst/>
+          </a:prstGeom>
+        </p:spPr>
+        <p:txBody>
+          <a:bodyPr>
+            <a:normAutofit fontScale="47500" lnSpcReduction="20000"/>
+          </a:bodyPr>
+          <a:lstStyle>
+            <a:lvl1pPr marL="0" indent="0" algn="l" defTabSz="914400" rtl="0" eaLnBrk="1" latinLnBrk="0" hangingPunct="1">
+              <a:spcBef>
+                <a:spcPct val="20000"/>
+              </a:spcBef>
+              <a:buFontTx/>
+              <a:buNone/>
+              <a:defRPr lang="fr-FR" sz="2000" b="1" kern="1200" dirty="0" smtClean="0">
+                <a:solidFill>
+                  <a:srgbClr val="004D6F"/>
+                </a:solidFill>
+                <a:latin typeface="Arial" pitchFamily="34" charset="0"/>
+                <a:ea typeface="+mn-ea"/>
+                <a:cs typeface="Arial" pitchFamily="34" charset="0"/>
+              </a:defRPr>
+            </a:lvl1pPr>
+            <a:lvl2pPr marL="742950" indent="-285750" algn="l" defTabSz="914400" rtl="0" eaLnBrk="1" latinLnBrk="0" hangingPunct="1">
+              <a:spcBef>
+                <a:spcPct val="20000"/>
+              </a:spcBef>
+              <a:buFont typeface="Arial" panose="020B0604020202020204" pitchFamily="34" charset="0"/>
+              <a:buChar char="–"/>
+              <a:defRPr lang="fr-FR" sz="1500" b="1" kern="1200" baseline="0" dirty="0" smtClean="0">
+                <a:solidFill>
+                  <a:srgbClr val="4F4D50"/>
+                </a:solidFill>
+                <a:latin typeface="Arial" pitchFamily="34" charset="0"/>
+                <a:ea typeface="+mn-ea"/>
+                <a:cs typeface="Arial" pitchFamily="34" charset="0"/>
+              </a:defRPr>
+            </a:lvl2pPr>
+            <a:lvl3pPr marL="1143000" indent="-228600" algn="l" defTabSz="914400" rtl="0" eaLnBrk="1" latinLnBrk="0" hangingPunct="1">
+              <a:lnSpc>
+                <a:spcPct val="100000"/>
+              </a:lnSpc>
+              <a:spcBef>
+                <a:spcPts val="600"/>
+              </a:spcBef>
+              <a:buFont typeface="Arial" panose="020B0604020202020204" pitchFamily="34" charset="0"/>
+              <a:buChar char="•"/>
+              <a:defRPr lang="fr-FR" sz="1200" kern="1200" baseline="0" dirty="0" smtClean="0">
+                <a:solidFill>
+                  <a:srgbClr val="4F4D50"/>
+                </a:solidFill>
+                <a:latin typeface="Arial" pitchFamily="34" charset="0"/>
+                <a:ea typeface="+mn-ea"/>
+                <a:cs typeface="Arial" pitchFamily="34" charset="0"/>
+              </a:defRPr>
+            </a:lvl3pPr>
+            <a:lvl4pPr marL="1600200" indent="-228600" algn="l" defTabSz="914400" rtl="0" eaLnBrk="1" latinLnBrk="0" hangingPunct="1">
+              <a:spcBef>
+                <a:spcPct val="20000"/>
+              </a:spcBef>
+              <a:buFont typeface="Arial" panose="020B0604020202020204" pitchFamily="34" charset="0"/>
+              <a:buChar char="–"/>
+              <a:defRPr sz="2000" kern="1200">
+                <a:solidFill>
+                  <a:schemeClr val="tx1"/>
+                </a:solidFill>
+                <a:latin typeface="+mn-lt"/>
+                <a:ea typeface="+mn-ea"/>
+                <a:cs typeface="+mn-cs"/>
+              </a:defRPr>
+            </a:lvl4pPr>
+            <a:lvl5pPr marL="2057400" indent="-228600" algn="l" defTabSz="914400" rtl="0" eaLnBrk="1" latinLnBrk="0" hangingPunct="1">
+              <a:spcBef>
+                <a:spcPct val="20000"/>
+              </a:spcBef>
+              <a:buFont typeface="Arial" panose="020B0604020202020204" pitchFamily="34" charset="0"/>
+              <a:buChar char="»"/>
+              <a:defRPr sz="2000" kern="1200">
+                <a:solidFill>
+                  <a:schemeClr val="tx1"/>
+                </a:solidFill>
+                <a:latin typeface="+mn-lt"/>
+                <a:ea typeface="+mn-ea"/>
+                <a:cs typeface="+mn-cs"/>
+              </a:defRPr>
+            </a:lvl5pPr>
+            <a:lvl6pPr marL="2514600" indent="-228600" algn="l" defTabSz="914400" rtl="0" eaLnBrk="1" latinLnBrk="0" hangingPunct="1">
+              <a:spcBef>
+                <a:spcPct val="20000"/>
+              </a:spcBef>
+              <a:buFont typeface="Arial" panose="020B0604020202020204" pitchFamily="34" charset="0"/>
+              <a:buChar char="•"/>
+              <a:defRPr sz="2000" kern="1200">
+                <a:solidFill>
+                  <a:schemeClr val="tx1"/>
+                </a:solidFill>
+                <a:latin typeface="+mn-lt"/>
+                <a:ea typeface="+mn-ea"/>
+                <a:cs typeface="+mn-cs"/>
+              </a:defRPr>
+            </a:lvl6pPr>
+            <a:lvl7pPr marL="2971800" indent="-228600" algn="l" defTabSz="914400" rtl="0" eaLnBrk="1" latinLnBrk="0" hangingPunct="1">
+              <a:spcBef>
+                <a:spcPct val="20000"/>
+              </a:spcBef>
+              <a:buFont typeface="Arial" panose="020B0604020202020204" pitchFamily="34" charset="0"/>
+              <a:buChar char="•"/>
+              <a:defRPr sz="2000" kern="1200">
+                <a:solidFill>
+                  <a:schemeClr val="tx1"/>
+                </a:solidFill>
+                <a:latin typeface="+mn-lt"/>
+                <a:ea typeface="+mn-ea"/>
+                <a:cs typeface="+mn-cs"/>
+              </a:defRPr>
+            </a:lvl7pPr>
+            <a:lvl8pPr marL="3429000" indent="-228600" algn="l" defTabSz="914400" rtl="0" eaLnBrk="1" latinLnBrk="0" hangingPunct="1">
+              <a:spcBef>
+                <a:spcPct val="20000"/>
+              </a:spcBef>
+              <a:buFont typeface="Arial" panose="020B0604020202020204" pitchFamily="34" charset="0"/>
+              <a:buChar char="•"/>
+              <a:defRPr sz="2000" kern="1200">
+                <a:solidFill>
+                  <a:schemeClr val="tx1"/>
+                </a:solidFill>
+                <a:latin typeface="+mn-lt"/>
+                <a:ea typeface="+mn-ea"/>
+                <a:cs typeface="+mn-cs"/>
+              </a:defRPr>
+            </a:lvl8pPr>
+            <a:lvl9pPr marL="3886200" indent="-228600" algn="l" defTabSz="914400" rtl="0" eaLnBrk="1" latinLnBrk="0" hangingPunct="1">
+              <a:spcBef>
+                <a:spcPct val="20000"/>
+              </a:spcBef>
+              <a:buFont typeface="Arial" panose="020B0604020202020204" pitchFamily="34" charset="0"/>
+              <a:buChar char="•"/>
+              <a:defRPr sz="2000" kern="1200">
+                <a:solidFill>
+                  <a:schemeClr val="tx1"/>
+                </a:solidFill>
+                <a:latin typeface="+mn-lt"/>
+                <a:ea typeface="+mn-ea"/>
+                <a:cs typeface="+mn-cs"/>
+              </a:defRPr>
+            </a:lvl9pPr>
+          </a:lstStyle>
+          <a:p>
+            <a:r>
+              <a:rPr lang="fr-FR" dirty="0" err="1" smtClean="0"/>
+              <a:t>ADTool</a:t>
+            </a:r>
+            <a:endParaRPr lang="fr-FR" dirty="0" smtClean="0"/>
+          </a:p>
+        </p:txBody>
+      </p:sp>
+    </p:spTree>
+  </p:cSld>
+  <p:clrMapOvr>
+    <a:masterClrMapping/>
+  </p:clrMapOvr>
+  <p:timing>
+    <p:tnLst>
+      <p:par>
+        <p:cTn id="1" dur="indefinite" restart="never" nodeType="tmRoot">
+          <p:childTnLst>
+            <p:seq>
+              <p:cTn id="2" nodeType="mainSeq"/>
+              <p:prevCondLst>
+                <p:cond evt="onPrev" delay="0">
+                  <p:tgtEl>
+                    <p:sldTgt/>
+                  </p:tgtEl>
+                </p:cond>
+              </p:prevCondLst>
+              <p:nextCondLst>
+                <p:cond evt="onNext" delay="0">
+                  <p:tgtEl>
+                    <p:sldTgt/>
+                  </p:tgtEl>
+                </p:cond>
+              </p:nextCondLst>
+            </p:seq>
+          </p:childTnLst>
+        </p:cTn>
       </p:par>
     </p:tnLst>
   </p:timing>
@@ -4850,4 +13482,287 @@
   <a:objectDefaults/>
   <a:extraClrSchemeLst/>
 </a:theme>
+</file>
+
+<file path=ppt/theme/theme2.xml><?xml version="1.0" encoding="utf-8"?>
+<a:theme xmlns:a="http://schemas.openxmlformats.org/drawingml/2006/main" name="Thème Office">
+  <a:themeElements>
+    <a:clrScheme name="Office">
+      <a:dk1>
+        <a:sysClr val="windowText" lastClr="000000"/>
+      </a:dk1>
+      <a:lt1>
+        <a:sysClr val="window" lastClr="FFFFFF"/>
+      </a:lt1>
+      <a:dk2>
+        <a:srgbClr val="1F497D"/>
+      </a:dk2>
+      <a:lt2>
+        <a:srgbClr val="EEECE1"/>
+      </a:lt2>
+      <a:accent1>
+        <a:srgbClr val="4F81BD"/>
+      </a:accent1>
+      <a:accent2>
+        <a:srgbClr val="C0504D"/>
+      </a:accent2>
+      <a:accent3>
+        <a:srgbClr val="9BBB59"/>
+      </a:accent3>
+      <a:accent4>
+        <a:srgbClr val="8064A2"/>
+      </a:accent4>
+      <a:accent5>
+        <a:srgbClr val="4BACC6"/>
+      </a:accent5>
+      <a:accent6>
+        <a:srgbClr val="F79646"/>
+      </a:accent6>
+      <a:hlink>
+        <a:srgbClr val="0000FF"/>
+      </a:hlink>
+      <a:folHlink>
+        <a:srgbClr val="800080"/>
+      </a:folHlink>
+    </a:clrScheme>
+    <a:fontScheme name="Office">
+      <a:majorFont>
+        <a:latin typeface="Calibri"/>
+        <a:ea typeface=""/>
+        <a:cs typeface=""/>
+        <a:font script="Jpan" typeface="ＭＳ Ｐゴシック"/>
+        <a:font script="Hang" typeface="맑은 고딕"/>
+        <a:font script="Hans" typeface="宋体"/>
+        <a:font script="Hant" typeface="新細明體"/>
+        <a:font script="Arab" typeface="Times New Roman"/>
+        <a:font script="Hebr" typeface="Times New Roman"/>
+        <a:font script="Thai" typeface="Angsana New"/>
+        <a:font script="Ethi" typeface="Nyala"/>
+        <a:font script="Beng" typeface="Vrinda"/>
+        <a:font script="Gujr" typeface="Shruti"/>
+        <a:font script="Khmr" typeface="MoolBoran"/>
+        <a:font script="Knda" typeface="Tunga"/>
+        <a:font script="Guru" typeface="Raavi"/>
+        <a:font script="Cans" typeface="Euphemia"/>
+        <a:font script="Cher" typeface="Plantagenet Cherokee"/>
+        <a:font script="Yiii" typeface="Microsoft Yi Baiti"/>
+        <a:font script="Tibt" typeface="Microsoft Himalaya"/>
+        <a:font script="Thaa" typeface="MV Boli"/>
+        <a:font script="Deva" typeface="Mangal"/>
+        <a:font script="Telu" typeface="Gautami"/>
+        <a:font script="Taml" typeface="Latha"/>
+        <a:font script="Syrc" typeface="Estrangelo Edessa"/>
+        <a:font script="Orya" typeface="Kalinga"/>
+        <a:font script="Mlym" typeface="Kartika"/>
+        <a:font script="Laoo" typeface="DokChampa"/>
+        <a:font script="Sinh" typeface="Iskoola Pota"/>
+        <a:font script="Mong" typeface="Mongolian Baiti"/>
+        <a:font script="Viet" typeface="Times New Roman"/>
+        <a:font script="Uigh" typeface="Microsoft Uighur"/>
+      </a:majorFont>
+      <a:minorFont>
+        <a:latin typeface="Calibri"/>
+        <a:ea typeface=""/>
+        <a:cs typeface=""/>
+        <a:font script="Jpan" typeface="ＭＳ Ｐゴシック"/>
+        <a:font script="Hang" typeface="맑은 고딕"/>
+        <a:font script="Hans" typeface="宋体"/>
+        <a:font script="Hant" typeface="新細明體"/>
+        <a:font script="Arab" typeface="Arial"/>
+        <a:font script="Hebr" typeface="Arial"/>
+        <a:font script="Thai" typeface="Cordia New"/>
+        <a:font script="Ethi" typeface="Nyala"/>
+        <a:font script="Beng" typeface="Vrinda"/>
+        <a:font script="Gujr" typeface="Shruti"/>
+        <a:font script="Khmr" typeface="DaunPenh"/>
+        <a:font script="Knda" typeface="Tunga"/>
+        <a:font script="Guru" typeface="Raavi"/>
+        <a:font script="Cans" typeface="Euphemia"/>
+        <a:font script="Cher" typeface="Plantagenet Cherokee"/>
+        <a:font script="Yiii" typeface="Microsoft Yi Baiti"/>
+        <a:font script="Tibt" typeface="Microsoft Himalaya"/>
+        <a:font script="Thaa" typeface="MV Boli"/>
+        <a:font script="Deva" typeface="Mangal"/>
+        <a:font script="Telu" typeface="Gautami"/>
+        <a:font script="Taml" typeface="Latha"/>
+        <a:font script="Syrc" typeface="Estrangelo Edessa"/>
+        <a:font script="Orya" typeface="Kalinga"/>
+        <a:font script="Mlym" typeface="Kartika"/>
+        <a:font script="Laoo" typeface="DokChampa"/>
+        <a:font script="Sinh" typeface="Iskoola Pota"/>
+        <a:font script="Mong" typeface="Mongolian Baiti"/>
+        <a:font script="Viet" typeface="Arial"/>
+        <a:font script="Uigh" typeface="Microsoft Uighur"/>
+      </a:minorFont>
+    </a:fontScheme>
+    <a:fmtScheme name="Office">
+      <a:fillStyleLst>
+        <a:solidFill>
+          <a:schemeClr val="phClr"/>
+        </a:solidFill>
+        <a:gradFill rotWithShape="1">
+          <a:gsLst>
+            <a:gs pos="0">
+              <a:schemeClr val="phClr">
+                <a:tint val="50000"/>
+                <a:satMod val="300000"/>
+              </a:schemeClr>
+            </a:gs>
+            <a:gs pos="35000">
+              <a:schemeClr val="phClr">
+                <a:tint val="37000"/>
+                <a:satMod val="300000"/>
+              </a:schemeClr>
+            </a:gs>
+            <a:gs pos="100000">
+              <a:schemeClr val="phClr">
+                <a:tint val="15000"/>
+                <a:satMod val="350000"/>
+              </a:schemeClr>
+            </a:gs>
+          </a:gsLst>
+          <a:lin ang="16200000" scaled="1"/>
+        </a:gradFill>
+        <a:gradFill rotWithShape="1">
+          <a:gsLst>
+            <a:gs pos="0">
+              <a:schemeClr val="phClr">
+                <a:shade val="51000"/>
+                <a:satMod val="130000"/>
+              </a:schemeClr>
+            </a:gs>
+            <a:gs pos="80000">
+              <a:schemeClr val="phClr">
+                <a:shade val="93000"/>
+                <a:satMod val="130000"/>
+              </a:schemeClr>
+            </a:gs>
+            <a:gs pos="100000">
+              <a:schemeClr val="phClr">
+                <a:shade val="94000"/>
+                <a:satMod val="135000"/>
+              </a:schemeClr>
+            </a:gs>
+          </a:gsLst>
+          <a:lin ang="16200000" scaled="0"/>
+        </a:gradFill>
+      </a:fillStyleLst>
+      <a:lnStyleLst>
+        <a:ln w="9525" cap="flat" cmpd="sng" algn="ctr">
+          <a:solidFill>
+            <a:schemeClr val="phClr">
+              <a:shade val="95000"/>
+              <a:satMod val="105000"/>
+            </a:schemeClr>
+          </a:solidFill>
+          <a:prstDash val="solid"/>
+        </a:ln>
+        <a:ln w="25400" cap="flat" cmpd="sng" algn="ctr">
+          <a:solidFill>
+            <a:schemeClr val="phClr"/>
+          </a:solidFill>
+          <a:prstDash val="solid"/>
+        </a:ln>
+        <a:ln w="38100" cap="flat" cmpd="sng" algn="ctr">
+          <a:solidFill>
+            <a:schemeClr val="phClr"/>
+          </a:solidFill>
+          <a:prstDash val="solid"/>
+        </a:ln>
+      </a:lnStyleLst>
+      <a:effectStyleLst>
+        <a:effectStyle>
+          <a:effectLst>
+            <a:outerShdw blurRad="40000" dist="20000" dir="5400000" rotWithShape="0">
+              <a:srgbClr val="000000">
+                <a:alpha val="38000"/>
+              </a:srgbClr>
+            </a:outerShdw>
+          </a:effectLst>
+        </a:effectStyle>
+        <a:effectStyle>
+          <a:effectLst>
+            <a:outerShdw blurRad="40000" dist="23000" dir="5400000" rotWithShape="0">
+              <a:srgbClr val="000000">
+                <a:alpha val="35000"/>
+              </a:srgbClr>
+            </a:outerShdw>
+          </a:effectLst>
+        </a:effectStyle>
+        <a:effectStyle>
+          <a:effectLst>
+            <a:outerShdw blurRad="40000" dist="23000" dir="5400000" rotWithShape="0">
+              <a:srgbClr val="000000">
+                <a:alpha val="35000"/>
+              </a:srgbClr>
+            </a:outerShdw>
+          </a:effectLst>
+          <a:scene3d>
+            <a:camera prst="orthographicFront">
+              <a:rot lat="0" lon="0" rev="0"/>
+            </a:camera>
+            <a:lightRig rig="threePt" dir="t">
+              <a:rot lat="0" lon="0" rev="1200000"/>
+            </a:lightRig>
+          </a:scene3d>
+          <a:sp3d>
+            <a:bevelT w="63500" h="25400"/>
+          </a:sp3d>
+        </a:effectStyle>
+      </a:effectStyleLst>
+      <a:bgFillStyleLst>
+        <a:solidFill>
+          <a:schemeClr val="phClr"/>
+        </a:solidFill>
+        <a:gradFill rotWithShape="1">
+          <a:gsLst>
+            <a:gs pos="0">
+              <a:schemeClr val="phClr">
+                <a:tint val="40000"/>
+                <a:satMod val="350000"/>
+              </a:schemeClr>
+            </a:gs>
+            <a:gs pos="40000">
+              <a:schemeClr val="phClr">
+                <a:tint val="45000"/>
+                <a:shade val="99000"/>
+                <a:satMod val="350000"/>
+              </a:schemeClr>
+            </a:gs>
+            <a:gs pos="100000">
+              <a:schemeClr val="phClr">
+                <a:shade val="20000"/>
+                <a:satMod val="255000"/>
+              </a:schemeClr>
+            </a:gs>
+          </a:gsLst>
+          <a:path path="circle">
+            <a:fillToRect l="50000" t="-80000" r="50000" b="180000"/>
+          </a:path>
+        </a:gradFill>
+        <a:gradFill rotWithShape="1">
+          <a:gsLst>
+            <a:gs pos="0">
+              <a:schemeClr val="phClr">
+                <a:tint val="80000"/>
+                <a:satMod val="300000"/>
+              </a:schemeClr>
+            </a:gs>
+            <a:gs pos="100000">
+              <a:schemeClr val="phClr">
+                <a:shade val="30000"/>
+                <a:satMod val="200000"/>
+              </a:schemeClr>
+            </a:gs>
+          </a:gsLst>
+          <a:path path="circle">
+            <a:fillToRect l="50000" t="50000" r="50000" b="50000"/>
+          </a:path>
+        </a:gradFill>
+      </a:bgFillStyleLst>
+    </a:fmtScheme>
+  </a:themeElements>
+  <a:objectDefaults/>
+  <a:extraClrSchemeLst/>
+</a:theme>
 </file>
--- a/soutenances/projet_decembre/soutenance_projet_decembre.pptx
+++ b/soutenances/projet_decembre/soutenance_projet_decembre.pptx
@@ -8617,7 +8617,7 @@
           <a:p>
             <a:pPr algn="ctr"/>
             <a:r>
-              <a:rPr lang="fr-FR" sz="4800" b="1" smtClean="0">
+              <a:rPr lang="fr-FR" sz="4800" b="1" dirty="0" smtClean="0">
                 <a:solidFill>
                   <a:srgbClr val="004D6F"/>
                 </a:solidFill>

--- a/soutenances/projet_decembre/soutenance_projet_decembre.pptx
+++ b/soutenances/projet_decembre/soutenance_projet_decembre.pptx
@@ -5,38 +5,33 @@
     <p:sldMasterId id="2147483654" r:id="rId1"/>
   </p:sldMasterIdLst>
   <p:notesMasterIdLst>
-    <p:notesMasterId r:id="rId31"/>
+    <p:notesMasterId r:id="rId26"/>
   </p:notesMasterIdLst>
   <p:sldIdLst>
     <p:sldId id="261" r:id="rId2"/>
-    <p:sldId id="263" r:id="rId3"/>
-    <p:sldId id="260" r:id="rId4"/>
-    <p:sldId id="262" r:id="rId5"/>
-    <p:sldId id="264" r:id="rId6"/>
-    <p:sldId id="265" r:id="rId7"/>
-    <p:sldId id="266" r:id="rId8"/>
-    <p:sldId id="267" r:id="rId9"/>
-    <p:sldId id="268" r:id="rId10"/>
-    <p:sldId id="269" r:id="rId11"/>
-    <p:sldId id="270" r:id="rId12"/>
-    <p:sldId id="271" r:id="rId13"/>
-    <p:sldId id="272" r:id="rId14"/>
-    <p:sldId id="273" r:id="rId15"/>
-    <p:sldId id="274" r:id="rId16"/>
-    <p:sldId id="275" r:id="rId17"/>
-    <p:sldId id="276" r:id="rId18"/>
-    <p:sldId id="277" r:id="rId19"/>
-    <p:sldId id="278" r:id="rId20"/>
-    <p:sldId id="279" r:id="rId21"/>
-    <p:sldId id="280" r:id="rId22"/>
-    <p:sldId id="281" r:id="rId23"/>
-    <p:sldId id="282" r:id="rId24"/>
-    <p:sldId id="283" r:id="rId25"/>
-    <p:sldId id="284" r:id="rId26"/>
-    <p:sldId id="285" r:id="rId27"/>
-    <p:sldId id="286" r:id="rId28"/>
-    <p:sldId id="288" r:id="rId29"/>
-    <p:sldId id="289" r:id="rId30"/>
+    <p:sldId id="291" r:id="rId3"/>
+    <p:sldId id="264" r:id="rId4"/>
+    <p:sldId id="265" r:id="rId5"/>
+    <p:sldId id="266" r:id="rId6"/>
+    <p:sldId id="267" r:id="rId7"/>
+    <p:sldId id="268" r:id="rId8"/>
+    <p:sldId id="269" r:id="rId9"/>
+    <p:sldId id="270" r:id="rId10"/>
+    <p:sldId id="271" r:id="rId11"/>
+    <p:sldId id="273" r:id="rId12"/>
+    <p:sldId id="275" r:id="rId13"/>
+    <p:sldId id="276" r:id="rId14"/>
+    <p:sldId id="278" r:id="rId15"/>
+    <p:sldId id="279" r:id="rId16"/>
+    <p:sldId id="280" r:id="rId17"/>
+    <p:sldId id="281" r:id="rId18"/>
+    <p:sldId id="290" r:id="rId19"/>
+    <p:sldId id="274" r:id="rId20"/>
+    <p:sldId id="282" r:id="rId21"/>
+    <p:sldId id="283" r:id="rId22"/>
+    <p:sldId id="285" r:id="rId23"/>
+    <p:sldId id="284" r:id="rId24"/>
+    <p:sldId id="289" r:id="rId25"/>
   </p:sldIdLst>
   <p:sldSz cx="9144000" cy="6858000" type="screen4x3"/>
   <p:notesSz cx="6858000" cy="9144000"/>
@@ -141,9 +136,7 @@
         <p14:section name="Modèles INSA" id="{339B715A-A4F6-482F-9E8F-E995A152AF53}">
           <p14:sldIdLst>
             <p14:sldId id="261"/>
-            <p14:sldId id="263"/>
-            <p14:sldId id="260"/>
-            <p14:sldId id="262"/>
+            <p14:sldId id="291"/>
             <p14:sldId id="264"/>
             <p14:sldId id="265"/>
             <p14:sldId id="266"/>
@@ -152,22 +145,19 @@
             <p14:sldId id="269"/>
             <p14:sldId id="270"/>
             <p14:sldId id="271"/>
-            <p14:sldId id="272"/>
             <p14:sldId id="273"/>
-            <p14:sldId id="274"/>
             <p14:sldId id="275"/>
             <p14:sldId id="276"/>
-            <p14:sldId id="277"/>
             <p14:sldId id="278"/>
             <p14:sldId id="279"/>
             <p14:sldId id="280"/>
             <p14:sldId id="281"/>
+            <p14:sldId id="290"/>
+            <p14:sldId id="274"/>
             <p14:sldId id="282"/>
             <p14:sldId id="283"/>
+            <p14:sldId id="285"/>
             <p14:sldId id="284"/>
-            <p14:sldId id="285"/>
-            <p14:sldId id="286"/>
-            <p14:sldId id="288"/>
             <p14:sldId id="289"/>
           </p14:sldIdLst>
         </p14:section>
@@ -260,7 +250,7 @@
             <a:fld id="{63971E1F-7B1D-43D7-A338-A6C5FB8F6681}" type="datetimeFigureOut">
               <a:rPr lang="fr-FR" smtClean="0"/>
               <a:pPr/>
-              <a:t>15/12/2014</a:t>
+              <a:t>16/12/2014</a:t>
             </a:fld>
             <a:endParaRPr lang="fr-FR"/>
           </a:p>
@@ -578,21 +568,24 @@
           <a:lstStyle/>
           <a:p>
             <a:r>
-              <a:rPr lang="fr-FR" baseline="0" smtClean="0"/>
-              <a:t>Bonjour merci d’être venus si nombreux…</a:t>
-            </a:r>
-          </a:p>
-          <a:p>
-            <a:r>
-              <a:rPr lang="fr-FR" baseline="0" smtClean="0"/>
-              <a:t>Notre sujet va porter sur l’analyse de sécurité d’un système que vous devez probablement tous connaitre : le Service de Transport de l’Agglo Rennaise (STAR).</a:t>
-            </a:r>
-          </a:p>
-          <a:p>
-            <a:r>
-              <a:rPr lang="fr-FR" baseline="0" smtClean="0"/>
-              <a:t>Pour commencer, le STAR, c’est quand même un service plutôt important.</a:t>
-            </a:r>
+              <a:rPr lang="fr-FR" baseline="0" dirty="0" smtClean="0"/>
+              <a:t>Bonjour merci d’être venu.</a:t>
+            </a:r>
+          </a:p>
+          <a:p>
+            <a:r>
+              <a:rPr lang="fr-FR" baseline="0" dirty="0" smtClean="0"/>
+              <a:t>Ceci est notre question.</a:t>
+            </a:r>
+          </a:p>
+          <a:p>
+            <a:r>
+              <a:rPr lang="fr-FR" baseline="0" dirty="0" smtClean="0"/>
+              <a:t>Progressivement on a abstrait le truc.</a:t>
+            </a:r>
+          </a:p>
+          <a:p>
+            <a:endParaRPr lang="fr-FR" baseline="0" dirty="0" smtClean="0"/>
           </a:p>
         </p:txBody>
       </p:sp>
@@ -621,265 +614,6 @@
         </p:txBody>
       </p:sp>
     </p:spTree>
-  </p:cSld>
-  <p:clrMapOvr>
-    <a:masterClrMapping/>
-  </p:clrMapOvr>
-</p:notes>
-</file>
-
-<file path=ppt/notesSlides/notesSlide10.xml><?xml version="1.0" encoding="utf-8"?>
-<p:notes xmlns:a="http://schemas.openxmlformats.org/drawingml/2006/main" xmlns:r="http://schemas.openxmlformats.org/officeDocument/2006/relationships" xmlns:p="http://schemas.openxmlformats.org/presentationml/2006/main">
-  <p:cSld>
-    <p:spTree>
-      <p:nvGrpSpPr>
-        <p:cNvPr id="1" name=""/>
-        <p:cNvGrpSpPr/>
-        <p:nvPr/>
-      </p:nvGrpSpPr>
-      <p:grpSpPr>
-        <a:xfrm>
-          <a:off x="0" y="0"/>
-          <a:ext cx="0" cy="0"/>
-          <a:chOff x="0" y="0"/>
-          <a:chExt cx="0" cy="0"/>
-        </a:xfrm>
-      </p:grpSpPr>
-      <p:sp>
-        <p:nvSpPr>
-          <p:cNvPr id="111" name="PlaceHolder 1"/>
-          <p:cNvSpPr>
-            <a:spLocks noGrp="1"/>
-          </p:cNvSpPr>
-          <p:nvPr>
-            <p:ph type="body"/>
-          </p:nvPr>
-        </p:nvSpPr>
-        <p:spPr>
-          <a:xfrm>
-            <a:off x="685830" y="4343322"/>
-            <a:ext cx="5486309" cy="4114564"/>
-          </a:xfrm>
-          <a:prstGeom prst="rect">
-            <a:avLst/>
-          </a:prstGeom>
-        </p:spPr>
-        <p:txBody>
-          <a:bodyPr lIns="0" tIns="0" rIns="0" bIns="0"/>
-          <a:lstStyle/>
-          <a:p>
-            <a:r>
-              <a:rPr lang="fr-FR" sz="1800">
-                <a:latin typeface="Arial"/>
-              </a:rPr>
-              <a:t>Possibilité de valuer les arbres : parler des param de base</a:t>
-            </a:r>
-            <a:endParaRPr/>
-          </a:p>
-          <a:p>
-            <a:endParaRPr/>
-          </a:p>
-          <a:p>
-            <a:r>
-              <a:rPr lang="fr-FR" sz="1800">
-                <a:latin typeface="Arial"/>
-              </a:rPr>
-              <a:t>Pb : </a:t>
-            </a:r>
-            <a:endParaRPr/>
-          </a:p>
-          <a:p>
-            <a:endParaRPr/>
-          </a:p>
-          <a:p>
-            <a:r>
-              <a:rPr lang="fr-FR" sz="1800">
-                <a:latin typeface="Arial"/>
-              </a:rPr>
-              <a:t>- un seul param à la fois</a:t>
-            </a:r>
-            <a:endParaRPr/>
-          </a:p>
-          <a:p>
-            <a:r>
-              <a:rPr lang="fr-FR" sz="1800">
-                <a:latin typeface="Arial"/>
-              </a:rPr>
-              <a:t>- pas d'exploitation possible</a:t>
-            </a:r>
-            <a:endParaRPr/>
-          </a:p>
-        </p:txBody>
-      </p:sp>
-    </p:spTree>
-  </p:cSld>
-  <p:clrMapOvr>
-    <a:masterClrMapping/>
-  </p:clrMapOvr>
-</p:notes>
-</file>
-
-<file path=ppt/notesSlides/notesSlide11.xml><?xml version="1.0" encoding="utf-8"?>
-<p:notes xmlns:a="http://schemas.openxmlformats.org/drawingml/2006/main" xmlns:r="http://schemas.openxmlformats.org/officeDocument/2006/relationships" xmlns:p="http://schemas.openxmlformats.org/presentationml/2006/main">
-  <p:cSld>
-    <p:spTree>
-      <p:nvGrpSpPr>
-        <p:cNvPr id="1" name=""/>
-        <p:cNvGrpSpPr/>
-        <p:nvPr/>
-      </p:nvGrpSpPr>
-      <p:grpSpPr>
-        <a:xfrm>
-          <a:off x="0" y="0"/>
-          <a:ext cx="0" cy="0"/>
-          <a:chOff x="0" y="0"/>
-          <a:chExt cx="0" cy="0"/>
-        </a:xfrm>
-      </p:grpSpPr>
-      <p:sp>
-        <p:nvSpPr>
-          <p:cNvPr id="2" name="Espace réservé de l'image des diapositives 1"/>
-          <p:cNvSpPr>
-            <a:spLocks noGrp="1" noRot="1" noChangeAspect="1"/>
-          </p:cNvSpPr>
-          <p:nvPr>
-            <p:ph type="sldImg"/>
-          </p:nvPr>
-        </p:nvSpPr>
-        <p:spPr/>
-      </p:sp>
-      <p:sp>
-        <p:nvSpPr>
-          <p:cNvPr id="3" name="Espace réservé des commentaires 2"/>
-          <p:cNvSpPr>
-            <a:spLocks noGrp="1"/>
-          </p:cNvSpPr>
-          <p:nvPr>
-            <p:ph type="body" idx="1"/>
-          </p:nvPr>
-        </p:nvSpPr>
-        <p:spPr/>
-        <p:txBody>
-          <a:bodyPr/>
-          <a:lstStyle/>
-          <a:p>
-            <a:endParaRPr lang="fr-FR" dirty="0"/>
-          </a:p>
-        </p:txBody>
-      </p:sp>
-      <p:sp>
-        <p:nvSpPr>
-          <p:cNvPr id="4" name="Espace réservé du numéro de diapositive 3"/>
-          <p:cNvSpPr>
-            <a:spLocks noGrp="1"/>
-          </p:cNvSpPr>
-          <p:nvPr>
-            <p:ph type="sldNum" sz="quarter" idx="10"/>
-          </p:nvPr>
-        </p:nvSpPr>
-        <p:spPr/>
-        <p:txBody>
-          <a:bodyPr/>
-          <a:lstStyle/>
-          <a:p>
-            <a:fld id="{AB9270AC-FE6D-4237-9CBB-95A5B25BC716}" type="slidenum">
-              <a:rPr lang="fr-FR" smtClean="0"/>
-              <a:t>21</a:t>
-            </a:fld>
-            <a:endParaRPr lang="fr-FR"/>
-          </a:p>
-        </p:txBody>
-      </p:sp>
-    </p:spTree>
-    <p:extLst>
-      <p:ext uri="{BB962C8B-B14F-4D97-AF65-F5344CB8AC3E}">
-        <p14:creationId xmlns:p14="http://schemas.microsoft.com/office/powerpoint/2010/main" val="3305065583"/>
-      </p:ext>
-    </p:extLst>
-  </p:cSld>
-  <p:clrMapOvr>
-    <a:masterClrMapping/>
-  </p:clrMapOvr>
-</p:notes>
-</file>
-
-<file path=ppt/notesSlides/notesSlide12.xml><?xml version="1.0" encoding="utf-8"?>
-<p:notes xmlns:a="http://schemas.openxmlformats.org/drawingml/2006/main" xmlns:r="http://schemas.openxmlformats.org/officeDocument/2006/relationships" xmlns:p="http://schemas.openxmlformats.org/presentationml/2006/main">
-  <p:cSld>
-    <p:spTree>
-      <p:nvGrpSpPr>
-        <p:cNvPr id="1" name=""/>
-        <p:cNvGrpSpPr/>
-        <p:nvPr/>
-      </p:nvGrpSpPr>
-      <p:grpSpPr>
-        <a:xfrm>
-          <a:off x="0" y="0"/>
-          <a:ext cx="0" cy="0"/>
-          <a:chOff x="0" y="0"/>
-          <a:chExt cx="0" cy="0"/>
-        </a:xfrm>
-      </p:grpSpPr>
-      <p:sp>
-        <p:nvSpPr>
-          <p:cNvPr id="2" name="Espace réservé de l'image des diapositives 1"/>
-          <p:cNvSpPr>
-            <a:spLocks noGrp="1" noRot="1" noChangeAspect="1"/>
-          </p:cNvSpPr>
-          <p:nvPr>
-            <p:ph type="sldImg"/>
-          </p:nvPr>
-        </p:nvSpPr>
-        <p:spPr/>
-      </p:sp>
-      <p:sp>
-        <p:nvSpPr>
-          <p:cNvPr id="3" name="Espace réservé des commentaires 2"/>
-          <p:cNvSpPr>
-            <a:spLocks noGrp="1"/>
-          </p:cNvSpPr>
-          <p:nvPr>
-            <p:ph type="body" idx="1"/>
-          </p:nvPr>
-        </p:nvSpPr>
-        <p:spPr/>
-        <p:txBody>
-          <a:bodyPr/>
-          <a:lstStyle/>
-          <a:p>
-            <a:endParaRPr lang="fr-FR" dirty="0"/>
-          </a:p>
-        </p:txBody>
-      </p:sp>
-      <p:sp>
-        <p:nvSpPr>
-          <p:cNvPr id="4" name="Espace réservé du numéro de diapositive 3"/>
-          <p:cNvSpPr>
-            <a:spLocks noGrp="1"/>
-          </p:cNvSpPr>
-          <p:nvPr>
-            <p:ph type="sldNum" sz="quarter" idx="10"/>
-          </p:nvPr>
-        </p:nvSpPr>
-        <p:spPr/>
-        <p:txBody>
-          <a:bodyPr/>
-          <a:lstStyle/>
-          <a:p>
-            <a:fld id="{AB9270AC-FE6D-4237-9CBB-95A5B25BC716}" type="slidenum">
-              <a:rPr lang="fr-FR" smtClean="0"/>
-              <a:t>22</a:t>
-            </a:fld>
-            <a:endParaRPr lang="fr-FR"/>
-          </a:p>
-        </p:txBody>
-      </p:sp>
-    </p:spTree>
-    <p:extLst>
-      <p:ext uri="{BB962C8B-B14F-4D97-AF65-F5344CB8AC3E}">
-        <p14:creationId xmlns:p14="http://schemas.microsoft.com/office/powerpoint/2010/main" val="1252608685"/>
-      </p:ext>
-    </p:extLst>
   </p:cSld>
   <p:clrMapOvr>
     <a:masterClrMapping/>
@@ -928,34 +662,10 @@
         </p:nvSpPr>
         <p:spPr/>
         <p:txBody>
-          <a:bodyPr>
-            <a:normAutofit/>
-          </a:bodyPr>
+          <a:bodyPr/>
           <a:lstStyle/>
           <a:p>
-            <a:r>
-              <a:rPr lang="fr-FR" smtClean="0"/>
-              <a:t>importance fonctionnement transports publics</a:t>
-            </a:r>
-          </a:p>
-          <a:p>
-            <a:r>
-              <a:rPr lang="fr-FR" smtClean="0"/>
-              <a:t>retombées économiques</a:t>
-            </a:r>
-          </a:p>
-          <a:p>
-            <a:r>
-              <a:rPr lang="fr-FR" smtClean="0"/>
-              <a:t>moins embouteillages </a:t>
-            </a:r>
-          </a:p>
-          <a:p>
-            <a:r>
-              <a:rPr lang="fr-FR" smtClean="0"/>
-              <a:t>économie CO 2</a:t>
-            </a:r>
-            <a:endParaRPr lang="fr-FR"/>
+            <a:endParaRPr lang="fr-FR" dirty="0"/>
           </a:p>
         </p:txBody>
       </p:sp>
@@ -974,16 +684,20 @@
           <a:bodyPr/>
           <a:lstStyle/>
           <a:p>
-            <a:fld id="{7DDCF73A-A167-4C23-969D-BB6EE6B805CD}" type="slidenum">
+            <a:fld id="{2301B3DF-4127-41C0-BB05-FA3D19621909}" type="slidenum">
               <a:rPr lang="fr-FR" smtClean="0"/>
-              <a:pPr/>
-              <a:t>2</a:t>
+              <a:t>3</a:t>
             </a:fld>
             <a:endParaRPr lang="fr-FR"/>
           </a:p>
         </p:txBody>
       </p:sp>
     </p:spTree>
+    <p:extLst>
+      <p:ext uri="{BB962C8B-B14F-4D97-AF65-F5344CB8AC3E}">
+        <p14:creationId xmlns:p14="http://schemas.microsoft.com/office/powerpoint/2010/main" val="874516906"/>
+      </p:ext>
+    </p:extLst>
   </p:cSld>
   <p:clrMapOvr>
     <a:masterClrMapping/>
@@ -1010,84 +724,55 @@
       </p:grpSpPr>
       <p:sp>
         <p:nvSpPr>
-          <p:cNvPr id="2" name="Espace réservé de l'image des diapositives 1"/>
-          <p:cNvSpPr>
-            <a:spLocks noGrp="1" noRot="1" noChangeAspect="1"/>
-          </p:cNvSpPr>
-          <p:nvPr>
-            <p:ph type="sldImg"/>
-          </p:nvPr>
-        </p:nvSpPr>
-        <p:spPr/>
-      </p:sp>
-      <p:sp>
-        <p:nvSpPr>
-          <p:cNvPr id="3" name="Espace réservé des commentaires 2"/>
+          <p:cNvPr id="107" name="PlaceHolder 1"/>
           <p:cNvSpPr>
             <a:spLocks noGrp="1"/>
           </p:cNvSpPr>
           <p:nvPr>
-            <p:ph type="body" idx="1"/>
+            <p:ph type="body"/>
           </p:nvPr>
         </p:nvSpPr>
-        <p:spPr/>
+        <p:spPr>
+          <a:xfrm>
+            <a:off x="685830" y="4343322"/>
+            <a:ext cx="5486309" cy="4114564"/>
+          </a:xfrm>
+          <a:prstGeom prst="rect">
+            <a:avLst/>
+          </a:prstGeom>
+        </p:spPr>
         <p:txBody>
-          <a:bodyPr>
-            <a:normAutofit/>
-          </a:bodyPr>
+          <a:bodyPr lIns="0" tIns="0" rIns="0" bIns="0"/>
           <a:lstStyle/>
           <a:p>
             <a:r>
-              <a:rPr lang="fr-FR" smtClean="0"/>
-              <a:t>Que</a:t>
-            </a:r>
-            <a:r>
-              <a:rPr lang="fr-FR" baseline="0" smtClean="0"/>
-              <a:t> se passe-t-il en cas de panne ?</a:t>
-            </a:r>
-          </a:p>
-          <a:p>
-            <a:r>
-              <a:rPr lang="fr-FR" baseline="0" smtClean="0"/>
-              <a:t>16 et 18 mai 2012</a:t>
-            </a:r>
-          </a:p>
-          <a:p>
-            <a:r>
-              <a:rPr lang="fr-FR" baseline="0" smtClean="0"/>
-              <a:t>-&gt; bus relais mis en place </a:t>
-            </a:r>
-          </a:p>
-          <a:p>
-            <a:r>
-              <a:rPr lang="fr-FR" baseline="0" smtClean="0"/>
-              <a:t>Solution de secours ayant un cout  mais assurant globalement le service</a:t>
-            </a:r>
-            <a:endParaRPr lang="fr-FR"/>
-          </a:p>
-        </p:txBody>
-      </p:sp>
-      <p:sp>
-        <p:nvSpPr>
-          <p:cNvPr id="4" name="Espace réservé du numéro de diapositive 3"/>
-          <p:cNvSpPr>
-            <a:spLocks noGrp="1"/>
-          </p:cNvSpPr>
-          <p:nvPr>
-            <p:ph type="sldNum" sz="quarter" idx="10"/>
-          </p:nvPr>
-        </p:nvSpPr>
-        <p:spPr/>
-        <p:txBody>
-          <a:bodyPr/>
-          <a:lstStyle/>
-          <a:p>
-            <a:fld id="{7DDCF73A-A167-4C23-969D-BB6EE6B805CD}" type="slidenum">
-              <a:rPr lang="fr-FR" smtClean="0"/>
-              <a:pPr/>
-              <a:t>3</a:t>
-            </a:fld>
-            <a:endParaRPr lang="fr-FR"/>
+              <a:rPr lang="fr-FR" sz="1800">
+                <a:latin typeface="Arial"/>
+              </a:rPr>
+              <a:t>- sont payants </a:t>
+            </a:r>
+            <a:endParaRPr/>
+          </a:p>
+          <a:p>
+            <a:r>
+              <a:rPr lang="fr-FR" sz="1800">
+                <a:latin typeface="Arial"/>
+              </a:rPr>
+              <a:t>- modélisent que les arbres d'attaque</a:t>
+            </a:r>
+            <a:endParaRPr/>
+          </a:p>
+          <a:p>
+            <a:endParaRPr/>
+          </a:p>
+          <a:p>
+            <a:r>
+              <a:rPr lang="fr-FR" sz="1800">
+                <a:latin typeface="Arial"/>
+              </a:rPr>
+              <a:t>- les entreprises développent en interne leurs propres outils de modélisation des arbres d'attaque </a:t>
+            </a:r>
+            <a:endParaRPr/>
           </a:p>
         </p:txBody>
       </p:sp>
@@ -1118,68 +803,43 @@
       </p:grpSpPr>
       <p:sp>
         <p:nvSpPr>
-          <p:cNvPr id="2" name="Espace réservé de l'image des diapositives 1"/>
-          <p:cNvSpPr>
-            <a:spLocks noGrp="1" noRot="1" noChangeAspect="1"/>
-          </p:cNvSpPr>
-          <p:nvPr>
-            <p:ph type="sldImg"/>
-          </p:nvPr>
-        </p:nvSpPr>
-        <p:spPr/>
-      </p:sp>
-      <p:sp>
-        <p:nvSpPr>
-          <p:cNvPr id="3" name="Espace réservé des commentaires 2"/>
+          <p:cNvPr id="108" name="PlaceHolder 1"/>
           <p:cNvSpPr>
             <a:spLocks noGrp="1"/>
           </p:cNvSpPr>
           <p:nvPr>
-            <p:ph type="body" idx="1"/>
+            <p:ph type="body"/>
           </p:nvPr>
         </p:nvSpPr>
-        <p:spPr/>
+        <p:spPr>
+          <a:xfrm>
+            <a:off x="685830" y="4343322"/>
+            <a:ext cx="5486309" cy="4114564"/>
+          </a:xfrm>
+          <a:prstGeom prst="rect">
+            <a:avLst/>
+          </a:prstGeom>
+        </p:spPr>
         <p:txBody>
-          <a:bodyPr>
-            <a:normAutofit/>
-          </a:bodyPr>
+          <a:bodyPr lIns="0" tIns="0" rIns="0" bIns="0"/>
           <a:lstStyle/>
           <a:p>
             <a:r>
-              <a:rPr lang="fr-FR" smtClean="0"/>
-              <a:t>La question étant donc : est-il possible de paralyser le STAR ?</a:t>
-            </a:r>
-          </a:p>
-          <a:p>
-            <a:r>
-              <a:rPr lang="fr-FR" smtClean="0"/>
-              <a:t>Et c’est qu’intervient l’analyse de sécurité. Je vais donc laisser florent vous en parler.</a:t>
-            </a:r>
-            <a:endParaRPr lang="fr-FR"/>
-          </a:p>
-        </p:txBody>
-      </p:sp>
-      <p:sp>
-        <p:nvSpPr>
-          <p:cNvPr id="4" name="Espace réservé du numéro de diapositive 3"/>
-          <p:cNvSpPr>
-            <a:spLocks noGrp="1"/>
-          </p:cNvSpPr>
-          <p:nvPr>
-            <p:ph type="sldNum" sz="quarter" idx="10"/>
-          </p:nvPr>
-        </p:nvSpPr>
-        <p:spPr/>
-        <p:txBody>
-          <a:bodyPr/>
-          <a:lstStyle/>
-          <a:p>
-            <a:fld id="{7DDCF73A-A167-4C23-969D-BB6EE6B805CD}" type="slidenum">
-              <a:rPr lang="fr-FR" smtClean="0"/>
-              <a:pPr/>
-              <a:t>4</a:t>
-            </a:fld>
-            <a:endParaRPr lang="fr-FR"/>
+              <a:rPr lang="fr-FR" sz="1800">
+                <a:latin typeface="Arial"/>
+              </a:rPr>
+              <a:t>- seul logiciel pour les ADTrees</a:t>
+            </a:r>
+            <a:endParaRPr/>
+          </a:p>
+          <a:p>
+            <a:r>
+              <a:rPr lang="fr-FR" sz="1800">
+                <a:latin typeface="Arial"/>
+              </a:rPr>
+              <a:t>- logiciel libre</a:t>
+            </a:r>
+            <a:endParaRPr/>
           </a:p>
         </p:txBody>
       </p:sp>
@@ -1210,64 +870,89 @@
       </p:grpSpPr>
       <p:sp>
         <p:nvSpPr>
-          <p:cNvPr id="2" name="Espace réservé de l'image des diapositives 1"/>
-          <p:cNvSpPr>
-            <a:spLocks noGrp="1" noRot="1" noChangeAspect="1"/>
-          </p:cNvSpPr>
-          <p:nvPr>
-            <p:ph type="sldImg"/>
-          </p:nvPr>
-        </p:nvSpPr>
-        <p:spPr/>
-      </p:sp>
-      <p:sp>
-        <p:nvSpPr>
-          <p:cNvPr id="3" name="Espace réservé des commentaires 2"/>
+          <p:cNvPr id="109" name="PlaceHolder 1"/>
           <p:cNvSpPr>
             <a:spLocks noGrp="1"/>
           </p:cNvSpPr>
           <p:nvPr>
-            <p:ph type="body" idx="1"/>
+            <p:ph type="body"/>
           </p:nvPr>
         </p:nvSpPr>
-        <p:spPr/>
+        <p:spPr>
+          <a:xfrm>
+            <a:off x="685830" y="4343322"/>
+            <a:ext cx="5486309" cy="4114564"/>
+          </a:xfrm>
+          <a:prstGeom prst="rect">
+            <a:avLst/>
+          </a:prstGeom>
+        </p:spPr>
         <p:txBody>
-          <a:bodyPr/>
+          <a:bodyPr lIns="0" tIns="0" rIns="0" bIns="0"/>
           <a:lstStyle/>
           <a:p>
-            <a:endParaRPr lang="fr-FR" dirty="0"/>
+            <a:r>
+              <a:rPr lang="fr-FR" sz="1800">
+                <a:latin typeface="Arial"/>
+              </a:rPr>
+              <a:t>Fonctionnalités : </a:t>
+            </a:r>
+            <a:endParaRPr/>
+          </a:p>
+          <a:p>
+            <a:endParaRPr/>
+          </a:p>
+          <a:p>
+            <a:r>
+              <a:rPr lang="fr-FR" sz="1800">
+                <a:latin typeface="Arial"/>
+              </a:rPr>
+              <a:t>- ouvrir/modifier ADTrees</a:t>
+            </a:r>
+            <a:endParaRPr/>
+          </a:p>
+          <a:p>
+            <a:r>
+              <a:rPr lang="fr-FR" sz="1800">
+                <a:latin typeface="Arial"/>
+              </a:rPr>
+              <a:t>- import/export en pdf, png etc</a:t>
+            </a:r>
+            <a:endParaRPr/>
+          </a:p>
+          <a:p>
+            <a:r>
+              <a:rPr lang="fr-FR" sz="1800">
+                <a:latin typeface="Arial"/>
+              </a:rPr>
+              <a:t>- fenêtre ADTerm Edit</a:t>
+            </a:r>
+            <a:endParaRPr/>
+          </a:p>
+          <a:p>
+            <a:endParaRPr/>
+          </a:p>
+          <a:p>
+            <a:r>
+              <a:rPr lang="fr-FR" sz="1800">
+                <a:latin typeface="Arial"/>
+              </a:rPr>
+              <a:t>Pb :</a:t>
+            </a:r>
+            <a:endParaRPr/>
+          </a:p>
+          <a:p>
+            <a:r>
+              <a:rPr lang="fr-FR" sz="1800">
+                <a:latin typeface="Arial"/>
+              </a:rPr>
+              <a:t>- un seul arbre à la fois (pas d'onglets)</a:t>
+            </a:r>
+            <a:endParaRPr/>
           </a:p>
         </p:txBody>
       </p:sp>
-      <p:sp>
-        <p:nvSpPr>
-          <p:cNvPr id="4" name="Espace réservé du numéro de diapositive 3"/>
-          <p:cNvSpPr>
-            <a:spLocks noGrp="1"/>
-          </p:cNvSpPr>
-          <p:nvPr>
-            <p:ph type="sldNum" sz="quarter" idx="10"/>
-          </p:nvPr>
-        </p:nvSpPr>
-        <p:spPr/>
-        <p:txBody>
-          <a:bodyPr/>
-          <a:lstStyle/>
-          <a:p>
-            <a:fld id="{2301B3DF-4127-41C0-BB05-FA3D19621909}" type="slidenum">
-              <a:rPr lang="fr-FR" smtClean="0"/>
-              <a:t>5</a:t>
-            </a:fld>
-            <a:endParaRPr lang="fr-FR"/>
-          </a:p>
-        </p:txBody>
-      </p:sp>
     </p:spTree>
-    <p:extLst>
-      <p:ext uri="{BB962C8B-B14F-4D97-AF65-F5344CB8AC3E}">
-        <p14:creationId xmlns:p14="http://schemas.microsoft.com/office/powerpoint/2010/main" val="874516906"/>
-      </p:ext>
-    </p:extLst>
   </p:cSld>
   <p:clrMapOvr>
     <a:masterClrMapping/>
@@ -1294,7 +979,7 @@
       </p:grpSpPr>
       <p:sp>
         <p:nvSpPr>
-          <p:cNvPr id="107" name="PlaceHolder 1"/>
+          <p:cNvPr id="110" name="PlaceHolder 1"/>
           <p:cNvSpPr>
             <a:spLocks noGrp="1"/>
           </p:cNvSpPr>
@@ -1319,8 +1004,11 @@
               <a:rPr lang="fr-FR" sz="1800">
                 <a:latin typeface="Arial"/>
               </a:rPr>
-              <a:t>- sont payants </a:t>
-            </a:r>
+              <a:t>Fonctions manquantes :</a:t>
+            </a:r>
+            <a:endParaRPr/>
+          </a:p>
+          <a:p>
             <a:endParaRPr/>
           </a:p>
           <a:p>
@@ -1328,11 +1016,8 @@
               <a:rPr lang="fr-FR" sz="1800">
                 <a:latin typeface="Arial"/>
               </a:rPr>
-              <a:t>- modélisent que les arbres d'attaque</a:t>
-            </a:r>
-            <a:endParaRPr/>
-          </a:p>
-          <a:p>
+              <a:t>- couper/copier/coller</a:t>
+            </a:r>
             <a:endParaRPr/>
           </a:p>
           <a:p>
@@ -1340,7 +1025,7 @@
               <a:rPr lang="fr-FR" sz="1800">
                 <a:latin typeface="Arial"/>
               </a:rPr>
-              <a:t>- les entreprises développent en interne leurs propres outils de modélisation des arbres d'attaque </a:t>
+              <a:t>- annuler (ctrl+z)</a:t>
             </a:r>
             <a:endParaRPr/>
           </a:p>
@@ -1373,7 +1058,7 @@
       </p:grpSpPr>
       <p:sp>
         <p:nvSpPr>
-          <p:cNvPr id="108" name="PlaceHolder 1"/>
+          <p:cNvPr id="111" name="PlaceHolder 1"/>
           <p:cNvSpPr>
             <a:spLocks noGrp="1"/>
           </p:cNvSpPr>
@@ -1398,8 +1083,11 @@
               <a:rPr lang="fr-FR" sz="1800">
                 <a:latin typeface="Arial"/>
               </a:rPr>
-              <a:t>- seul logiciel pour les ADTrees</a:t>
-            </a:r>
+              <a:t>Possibilité de valuer les arbres : parler des param de base</a:t>
+            </a:r>
+            <a:endParaRPr/>
+          </a:p>
+          <a:p>
             <a:endParaRPr/>
           </a:p>
           <a:p>
@@ -1407,7 +1095,28 @@
               <a:rPr lang="fr-FR" sz="1800">
                 <a:latin typeface="Arial"/>
               </a:rPr>
-              <a:t>- logiciel libre</a:t>
+              <a:t>Pb : </a:t>
+            </a:r>
+            <a:endParaRPr/>
+          </a:p>
+          <a:p>
+            <a:endParaRPr/>
+          </a:p>
+          <a:p>
+            <a:r>
+              <a:rPr lang="fr-FR" sz="1800">
+                <a:latin typeface="Arial"/>
+              </a:rPr>
+              <a:t>- un seul param à la fois</a:t>
+            </a:r>
+            <a:endParaRPr/>
+          </a:p>
+          <a:p>
+            <a:r>
+              <a:rPr lang="fr-FR" sz="1800">
+                <a:latin typeface="Arial"/>
+              </a:rPr>
+              <a:t>- pas d'exploitation possible</a:t>
             </a:r>
             <a:endParaRPr/>
           </a:p>
@@ -1440,89 +1149,64 @@
       </p:grpSpPr>
       <p:sp>
         <p:nvSpPr>
-          <p:cNvPr id="109" name="PlaceHolder 1"/>
+          <p:cNvPr id="2" name="Espace réservé de l'image des diapositives 1"/>
+          <p:cNvSpPr>
+            <a:spLocks noGrp="1" noRot="1" noChangeAspect="1"/>
+          </p:cNvSpPr>
+          <p:nvPr>
+            <p:ph type="sldImg"/>
+          </p:nvPr>
+        </p:nvSpPr>
+        <p:spPr/>
+      </p:sp>
+      <p:sp>
+        <p:nvSpPr>
+          <p:cNvPr id="3" name="Espace réservé des commentaires 2"/>
           <p:cNvSpPr>
             <a:spLocks noGrp="1"/>
           </p:cNvSpPr>
           <p:nvPr>
-            <p:ph type="body"/>
+            <p:ph type="body" idx="1"/>
           </p:nvPr>
         </p:nvSpPr>
-        <p:spPr>
-          <a:xfrm>
-            <a:off x="685830" y="4343322"/>
-            <a:ext cx="5486309" cy="4114564"/>
-          </a:xfrm>
-          <a:prstGeom prst="rect">
-            <a:avLst/>
-          </a:prstGeom>
-        </p:spPr>
+        <p:spPr/>
         <p:txBody>
-          <a:bodyPr lIns="0" tIns="0" rIns="0" bIns="0"/>
+          <a:bodyPr/>
           <a:lstStyle/>
           <a:p>
-            <a:r>
-              <a:rPr lang="fr-FR" sz="1800">
-                <a:latin typeface="Arial"/>
-              </a:rPr>
-              <a:t>Fonctionnalités : </a:t>
-            </a:r>
-            <a:endParaRPr/>
-          </a:p>
-          <a:p>
-            <a:endParaRPr/>
-          </a:p>
-          <a:p>
-            <a:r>
-              <a:rPr lang="fr-FR" sz="1800">
-                <a:latin typeface="Arial"/>
-              </a:rPr>
-              <a:t>- ouvrir/modifier ADTrees</a:t>
-            </a:r>
-            <a:endParaRPr/>
-          </a:p>
-          <a:p>
-            <a:r>
-              <a:rPr lang="fr-FR" sz="1800">
-                <a:latin typeface="Arial"/>
-              </a:rPr>
-              <a:t>- import/export en pdf, png etc</a:t>
-            </a:r>
-            <a:endParaRPr/>
-          </a:p>
-          <a:p>
-            <a:r>
-              <a:rPr lang="fr-FR" sz="1800">
-                <a:latin typeface="Arial"/>
-              </a:rPr>
-              <a:t>- fenêtre ADTerm Edit</a:t>
-            </a:r>
-            <a:endParaRPr/>
-          </a:p>
-          <a:p>
-            <a:endParaRPr/>
-          </a:p>
-          <a:p>
-            <a:r>
-              <a:rPr lang="fr-FR" sz="1800">
-                <a:latin typeface="Arial"/>
-              </a:rPr>
-              <a:t>Pb :</a:t>
-            </a:r>
-            <a:endParaRPr/>
-          </a:p>
-          <a:p>
-            <a:r>
-              <a:rPr lang="fr-FR" sz="1800">
-                <a:latin typeface="Arial"/>
-              </a:rPr>
-              <a:t>- un seul arbre à la fois (pas d'onglets)</a:t>
-            </a:r>
-            <a:endParaRPr/>
+            <a:endParaRPr lang="fr-FR" dirty="0"/>
           </a:p>
         </p:txBody>
       </p:sp>
+      <p:sp>
+        <p:nvSpPr>
+          <p:cNvPr id="4" name="Espace réservé du numéro de diapositive 3"/>
+          <p:cNvSpPr>
+            <a:spLocks noGrp="1"/>
+          </p:cNvSpPr>
+          <p:nvPr>
+            <p:ph type="sldNum" sz="quarter" idx="10"/>
+          </p:nvPr>
+        </p:nvSpPr>
+        <p:spPr/>
+        <p:txBody>
+          <a:bodyPr/>
+          <a:lstStyle/>
+          <a:p>
+            <a:fld id="{AB9270AC-FE6D-4237-9CBB-95A5B25BC716}" type="slidenum">
+              <a:rPr lang="fr-FR" smtClean="0"/>
+              <a:t>16</a:t>
+            </a:fld>
+            <a:endParaRPr lang="fr-FR"/>
+          </a:p>
+        </p:txBody>
+      </p:sp>
     </p:spTree>
+    <p:extLst>
+      <p:ext uri="{BB962C8B-B14F-4D97-AF65-F5344CB8AC3E}">
+        <p14:creationId xmlns:p14="http://schemas.microsoft.com/office/powerpoint/2010/main" val="3305065583"/>
+      </p:ext>
+    </p:extLst>
   </p:cSld>
   <p:clrMapOvr>
     <a:masterClrMapping/>
@@ -1549,59 +1233,64 @@
       </p:grpSpPr>
       <p:sp>
         <p:nvSpPr>
-          <p:cNvPr id="110" name="PlaceHolder 1"/>
+          <p:cNvPr id="2" name="Espace réservé de l'image des diapositives 1"/>
+          <p:cNvSpPr>
+            <a:spLocks noGrp="1" noRot="1" noChangeAspect="1"/>
+          </p:cNvSpPr>
+          <p:nvPr>
+            <p:ph type="sldImg"/>
+          </p:nvPr>
+        </p:nvSpPr>
+        <p:spPr/>
+      </p:sp>
+      <p:sp>
+        <p:nvSpPr>
+          <p:cNvPr id="3" name="Espace réservé des commentaires 2"/>
           <p:cNvSpPr>
             <a:spLocks noGrp="1"/>
           </p:cNvSpPr>
           <p:nvPr>
-            <p:ph type="body"/>
+            <p:ph type="body" idx="1"/>
           </p:nvPr>
         </p:nvSpPr>
-        <p:spPr>
-          <a:xfrm>
-            <a:off x="685830" y="4343322"/>
-            <a:ext cx="5486309" cy="4114564"/>
-          </a:xfrm>
-          <a:prstGeom prst="rect">
-            <a:avLst/>
-          </a:prstGeom>
-        </p:spPr>
+        <p:spPr/>
         <p:txBody>
-          <a:bodyPr lIns="0" tIns="0" rIns="0" bIns="0"/>
+          <a:bodyPr/>
           <a:lstStyle/>
           <a:p>
-            <a:r>
-              <a:rPr lang="fr-FR" sz="1800">
-                <a:latin typeface="Arial"/>
-              </a:rPr>
-              <a:t>Fonctions manquantes :</a:t>
-            </a:r>
-            <a:endParaRPr/>
-          </a:p>
-          <a:p>
-            <a:endParaRPr/>
-          </a:p>
-          <a:p>
-            <a:r>
-              <a:rPr lang="fr-FR" sz="1800">
-                <a:latin typeface="Arial"/>
-              </a:rPr>
-              <a:t>- couper/copier/coller</a:t>
-            </a:r>
-            <a:endParaRPr/>
-          </a:p>
-          <a:p>
-            <a:r>
-              <a:rPr lang="fr-FR" sz="1800">
-                <a:latin typeface="Arial"/>
-              </a:rPr>
-              <a:t>- annuler (ctrl+z)</a:t>
-            </a:r>
-            <a:endParaRPr/>
+            <a:endParaRPr lang="fr-FR" dirty="0"/>
           </a:p>
         </p:txBody>
       </p:sp>
+      <p:sp>
+        <p:nvSpPr>
+          <p:cNvPr id="4" name="Espace réservé du numéro de diapositive 3"/>
+          <p:cNvSpPr>
+            <a:spLocks noGrp="1"/>
+          </p:cNvSpPr>
+          <p:nvPr>
+            <p:ph type="sldNum" sz="quarter" idx="10"/>
+          </p:nvPr>
+        </p:nvSpPr>
+        <p:spPr/>
+        <p:txBody>
+          <a:bodyPr/>
+          <a:lstStyle/>
+          <a:p>
+            <a:fld id="{AB9270AC-FE6D-4237-9CBB-95A5B25BC716}" type="slidenum">
+              <a:rPr lang="fr-FR" smtClean="0"/>
+              <a:t>17</a:t>
+            </a:fld>
+            <a:endParaRPr lang="fr-FR"/>
+          </a:p>
+        </p:txBody>
+      </p:sp>
     </p:spTree>
+    <p:extLst>
+      <p:ext uri="{BB962C8B-B14F-4D97-AF65-F5344CB8AC3E}">
+        <p14:creationId xmlns:p14="http://schemas.microsoft.com/office/powerpoint/2010/main" val="1252608685"/>
+      </p:ext>
+    </p:extLst>
   </p:cSld>
   <p:clrMapOvr>
     <a:masterClrMapping/>
@@ -5869,48 +5558,6 @@
       </p:grpSpPr>
       <p:sp>
         <p:nvSpPr>
-          <p:cNvPr id="5" name="Titre 4"/>
-          <p:cNvSpPr>
-            <a:spLocks noGrp="1"/>
-          </p:cNvSpPr>
-          <p:nvPr>
-            <p:ph type="ctrTitle"/>
-          </p:nvPr>
-        </p:nvSpPr>
-        <p:spPr>
-          <a:xfrm>
-            <a:off x="179512" y="1988840"/>
-            <a:ext cx="3240360" cy="1037977"/>
-          </a:xfrm>
-        </p:spPr>
-        <p:txBody>
-          <a:bodyPr>
-            <a:normAutofit/>
-          </a:bodyPr>
-          <a:lstStyle/>
-          <a:p>
-            <a:r>
-              <a:rPr lang="fr-FR" sz="4000" smtClean="0">
-                <a:solidFill>
-                  <a:schemeClr val="tx1">
-                    <a:lumMod val="50000"/>
-                  </a:schemeClr>
-                </a:solidFill>
-              </a:rPr>
-              <a:t>GLASIR</a:t>
-            </a:r>
-            <a:endParaRPr lang="fr-FR" sz="4000">
-              <a:solidFill>
-                <a:schemeClr val="tx1">
-                  <a:lumMod val="50000"/>
-                </a:schemeClr>
-              </a:solidFill>
-            </a:endParaRPr>
-          </a:p>
-        </p:txBody>
-      </p:sp>
-      <p:sp>
-        <p:nvSpPr>
           <p:cNvPr id="6" name="Sous-titre 5"/>
           <p:cNvSpPr>
             <a:spLocks noGrp="1"/>
@@ -5921,19 +5568,18 @@
         </p:nvSpPr>
         <p:spPr>
           <a:xfrm>
-            <a:off x="0" y="5229200"/>
-            <a:ext cx="9144000" cy="982960"/>
+            <a:off x="0" y="1594540"/>
+            <a:ext cx="6875240" cy="4066708"/>
           </a:xfrm>
         </p:spPr>
         <p:txBody>
           <a:bodyPr>
-            <a:normAutofit/>
+            <a:noAutofit/>
           </a:bodyPr>
           <a:lstStyle/>
           <a:p>
-            <a:pPr algn="ctr"/>
-            <a:r>
-              <a:rPr lang="fr-FR" sz="2400" smtClean="0">
+            <a:r>
+              <a:rPr lang="fr-FR" sz="4800" dirty="0" smtClean="0">
                 <a:solidFill>
                   <a:schemeClr val="tx1">
                     <a:lumMod val="50000"/>
@@ -5944,9 +5590,8 @@
             </a:r>
           </a:p>
           <a:p>
-            <a:pPr algn="ctr"/>
-            <a:r>
-              <a:rPr lang="fr-FR" sz="2400" smtClean="0">
+            <a:r>
+              <a:rPr lang="fr-FR" sz="4800" dirty="0" smtClean="0">
                 <a:solidFill>
                   <a:schemeClr val="tx1">
                     <a:lumMod val="50000"/>
@@ -5955,7 +5600,7 @@
               </a:rPr>
               <a:t>les transports en commun à Rennes ?</a:t>
             </a:r>
-            <a:endParaRPr lang="fr-FR" sz="2400">
+            <a:endParaRPr lang="fr-FR" sz="4800" dirty="0">
               <a:solidFill>
                 <a:schemeClr val="tx1">
                   <a:lumMod val="50000"/>
@@ -6167,48 +5812,6 @@
           </a:p>
         </p:txBody>
       </p:sp>
-      <p:sp>
-        <p:nvSpPr>
-          <p:cNvPr id="10" name="ZoneTexte 9"/>
-          <p:cNvSpPr txBox="1"/>
-          <p:nvPr/>
-        </p:nvSpPr>
-        <p:spPr>
-          <a:xfrm>
-            <a:off x="179512" y="2924944"/>
-            <a:ext cx="3312368" cy="369332"/>
-          </a:xfrm>
-          <a:prstGeom prst="rect">
-            <a:avLst/>
-          </a:prstGeom>
-          <a:noFill/>
-        </p:spPr>
-        <p:txBody>
-          <a:bodyPr wrap="square" rtlCol="0">
-            <a:spAutoFit/>
-          </a:bodyPr>
-          <a:lstStyle/>
-          <a:p>
-            <a:r>
-              <a:rPr lang="fr-FR" smtClean="0">
-                <a:solidFill>
-                  <a:schemeClr val="tx1">
-                    <a:lumMod val="50000"/>
-                  </a:schemeClr>
-                </a:solidFill>
-              </a:rPr>
-              <a:t>Logiciel d’analyse de sécurité</a:t>
-            </a:r>
-            <a:endParaRPr lang="fr-FR">
-              <a:solidFill>
-                <a:schemeClr val="tx1">
-                  <a:lumMod val="50000"/>
-                </a:schemeClr>
-              </a:solidFill>
-            </a:endParaRPr>
-          </a:p>
-        </p:txBody>
-      </p:sp>
     </p:spTree>
   </p:cSld>
   <p:clrMapOvr>
@@ -6225,578 +5828,6 @@
 </file>
 
 <file path=ppt/slides/slide10.xml><?xml version="1.0" encoding="utf-8"?>
-<p:sld xmlns:a="http://schemas.openxmlformats.org/drawingml/2006/main" xmlns:r="http://schemas.openxmlformats.org/officeDocument/2006/relationships" xmlns:p="http://schemas.openxmlformats.org/presentationml/2006/main">
-  <p:cSld>
-    <p:spTree>
-      <p:nvGrpSpPr>
-        <p:cNvPr id="1" name=""/>
-        <p:cNvGrpSpPr/>
-        <p:nvPr/>
-      </p:nvGrpSpPr>
-      <p:grpSpPr>
-        <a:xfrm>
-          <a:off x="0" y="0"/>
-          <a:ext cx="0" cy="0"/>
-          <a:chOff x="0" y="0"/>
-          <a:chExt cx="0" cy="0"/>
-        </a:xfrm>
-      </p:grpSpPr>
-      <p:sp>
-        <p:nvSpPr>
-          <p:cNvPr id="103" name="TextShape 1"/>
-          <p:cNvSpPr txBox="1"/>
-          <p:nvPr/>
-        </p:nvSpPr>
-        <p:spPr>
-          <a:xfrm>
-            <a:off x="1763640" y="92520"/>
-            <a:ext cx="6460560" cy="571320"/>
-          </a:xfrm>
-          <a:prstGeom prst="rect">
-            <a:avLst/>
-          </a:prstGeom>
-          <a:noFill/>
-          <a:ln>
-            <a:noFill/>
-          </a:ln>
-        </p:spPr>
-        <p:txBody>
-          <a:bodyPr anchor="ctr"/>
-          <a:lstStyle/>
-          <a:p>
-            <a:pPr algn="r">
-              <a:lnSpc>
-                <a:spcPct val="100000"/>
-              </a:lnSpc>
-            </a:pPr>
-            <a:r>
-              <a:rPr lang="fr-FR" sz="1600" b="1" strike="noStrike">
-                <a:solidFill>
-                  <a:srgbClr val="4F4D50"/>
-                </a:solidFill>
-                <a:latin typeface="Arial"/>
-              </a:rPr>
-              <a:t>Étude de l'existant</a:t>
-            </a:r>
-            <a:endParaRPr/>
-          </a:p>
-        </p:txBody>
-      </p:sp>
-      <p:pic>
-        <p:nvPicPr>
-          <p:cNvPr id="104" name="Image 103"/>
-          <p:cNvPicPr/>
-          <p:nvPr/>
-        </p:nvPicPr>
-        <p:blipFill>
-          <a:blip r:embed="rId3"/>
-          <a:stretch/>
-        </p:blipFill>
-        <p:spPr>
-          <a:xfrm>
-            <a:off x="1368360" y="1114560"/>
-            <a:ext cx="6571800" cy="4645800"/>
-          </a:xfrm>
-          <a:prstGeom prst="rect">
-            <a:avLst/>
-          </a:prstGeom>
-          <a:ln>
-            <a:noFill/>
-          </a:ln>
-        </p:spPr>
-      </p:pic>
-      <p:sp>
-        <p:nvSpPr>
-          <p:cNvPr id="4" name="Espace réservé du texte 3"/>
-          <p:cNvSpPr txBox="1">
-            <a:spLocks/>
-          </p:cNvSpPr>
-          <p:nvPr/>
-        </p:nvSpPr>
-        <p:spPr>
-          <a:xfrm>
-            <a:off x="2700338" y="6597650"/>
-            <a:ext cx="5327650" cy="215900"/>
-          </a:xfrm>
-          <a:prstGeom prst="rect">
-            <a:avLst/>
-          </a:prstGeom>
-        </p:spPr>
-        <p:txBody>
-          <a:bodyPr>
-            <a:normAutofit fontScale="47500" lnSpcReduction="20000"/>
-          </a:bodyPr>
-          <a:lstStyle>
-            <a:lvl1pPr marL="0" indent="0" algn="l" defTabSz="914400" rtl="0" eaLnBrk="1" latinLnBrk="0" hangingPunct="1">
-              <a:spcBef>
-                <a:spcPct val="20000"/>
-              </a:spcBef>
-              <a:buFontTx/>
-              <a:buNone/>
-              <a:defRPr lang="fr-FR" sz="2000" b="1" kern="1200" dirty="0" smtClean="0">
-                <a:solidFill>
-                  <a:srgbClr val="004D6F"/>
-                </a:solidFill>
-                <a:latin typeface="Arial" pitchFamily="34" charset="0"/>
-                <a:ea typeface="+mn-ea"/>
-                <a:cs typeface="Arial" pitchFamily="34" charset="0"/>
-              </a:defRPr>
-            </a:lvl1pPr>
-            <a:lvl2pPr marL="742950" indent="-285750" algn="l" defTabSz="914400" rtl="0" eaLnBrk="1" latinLnBrk="0" hangingPunct="1">
-              <a:spcBef>
-                <a:spcPct val="20000"/>
-              </a:spcBef>
-              <a:buFont typeface="Arial" panose="020B0604020202020204" pitchFamily="34" charset="0"/>
-              <a:buChar char="–"/>
-              <a:defRPr lang="fr-FR" sz="1500" b="1" kern="1200" baseline="0" dirty="0" smtClean="0">
-                <a:solidFill>
-                  <a:srgbClr val="4F4D50"/>
-                </a:solidFill>
-                <a:latin typeface="Arial" pitchFamily="34" charset="0"/>
-                <a:ea typeface="+mn-ea"/>
-                <a:cs typeface="Arial" pitchFamily="34" charset="0"/>
-              </a:defRPr>
-            </a:lvl2pPr>
-            <a:lvl3pPr marL="1143000" indent="-228600" algn="l" defTabSz="914400" rtl="0" eaLnBrk="1" latinLnBrk="0" hangingPunct="1">
-              <a:lnSpc>
-                <a:spcPct val="100000"/>
-              </a:lnSpc>
-              <a:spcBef>
-                <a:spcPts val="600"/>
-              </a:spcBef>
-              <a:buFont typeface="Arial" panose="020B0604020202020204" pitchFamily="34" charset="0"/>
-              <a:buChar char="•"/>
-              <a:defRPr lang="fr-FR" sz="1200" kern="1200" baseline="0" dirty="0" smtClean="0">
-                <a:solidFill>
-                  <a:srgbClr val="4F4D50"/>
-                </a:solidFill>
-                <a:latin typeface="Arial" pitchFamily="34" charset="0"/>
-                <a:ea typeface="+mn-ea"/>
-                <a:cs typeface="Arial" pitchFamily="34" charset="0"/>
-              </a:defRPr>
-            </a:lvl3pPr>
-            <a:lvl4pPr marL="1600200" indent="-228600" algn="l" defTabSz="914400" rtl="0" eaLnBrk="1" latinLnBrk="0" hangingPunct="1">
-              <a:spcBef>
-                <a:spcPct val="20000"/>
-              </a:spcBef>
-              <a:buFont typeface="Arial" panose="020B0604020202020204" pitchFamily="34" charset="0"/>
-              <a:buChar char="–"/>
-              <a:defRPr sz="2000" kern="1200">
-                <a:solidFill>
-                  <a:schemeClr val="tx1"/>
-                </a:solidFill>
-                <a:latin typeface="+mn-lt"/>
-                <a:ea typeface="+mn-ea"/>
-                <a:cs typeface="+mn-cs"/>
-              </a:defRPr>
-            </a:lvl4pPr>
-            <a:lvl5pPr marL="2057400" indent="-228600" algn="l" defTabSz="914400" rtl="0" eaLnBrk="1" latinLnBrk="0" hangingPunct="1">
-              <a:spcBef>
-                <a:spcPct val="20000"/>
-              </a:spcBef>
-              <a:buFont typeface="Arial" panose="020B0604020202020204" pitchFamily="34" charset="0"/>
-              <a:buChar char="»"/>
-              <a:defRPr sz="2000" kern="1200">
-                <a:solidFill>
-                  <a:schemeClr val="tx1"/>
-                </a:solidFill>
-                <a:latin typeface="+mn-lt"/>
-                <a:ea typeface="+mn-ea"/>
-                <a:cs typeface="+mn-cs"/>
-              </a:defRPr>
-            </a:lvl5pPr>
-            <a:lvl6pPr marL="2514600" indent="-228600" algn="l" defTabSz="914400" rtl="0" eaLnBrk="1" latinLnBrk="0" hangingPunct="1">
-              <a:spcBef>
-                <a:spcPct val="20000"/>
-              </a:spcBef>
-              <a:buFont typeface="Arial" panose="020B0604020202020204" pitchFamily="34" charset="0"/>
-              <a:buChar char="•"/>
-              <a:defRPr sz="2000" kern="1200">
-                <a:solidFill>
-                  <a:schemeClr val="tx1"/>
-                </a:solidFill>
-                <a:latin typeface="+mn-lt"/>
-                <a:ea typeface="+mn-ea"/>
-                <a:cs typeface="+mn-cs"/>
-              </a:defRPr>
-            </a:lvl6pPr>
-            <a:lvl7pPr marL="2971800" indent="-228600" algn="l" defTabSz="914400" rtl="0" eaLnBrk="1" latinLnBrk="0" hangingPunct="1">
-              <a:spcBef>
-                <a:spcPct val="20000"/>
-              </a:spcBef>
-              <a:buFont typeface="Arial" panose="020B0604020202020204" pitchFamily="34" charset="0"/>
-              <a:buChar char="•"/>
-              <a:defRPr sz="2000" kern="1200">
-                <a:solidFill>
-                  <a:schemeClr val="tx1"/>
-                </a:solidFill>
-                <a:latin typeface="+mn-lt"/>
-                <a:ea typeface="+mn-ea"/>
-                <a:cs typeface="+mn-cs"/>
-              </a:defRPr>
-            </a:lvl7pPr>
-            <a:lvl8pPr marL="3429000" indent="-228600" algn="l" defTabSz="914400" rtl="0" eaLnBrk="1" latinLnBrk="0" hangingPunct="1">
-              <a:spcBef>
-                <a:spcPct val="20000"/>
-              </a:spcBef>
-              <a:buFont typeface="Arial" panose="020B0604020202020204" pitchFamily="34" charset="0"/>
-              <a:buChar char="•"/>
-              <a:defRPr sz="2000" kern="1200">
-                <a:solidFill>
-                  <a:schemeClr val="tx1"/>
-                </a:solidFill>
-                <a:latin typeface="+mn-lt"/>
-                <a:ea typeface="+mn-ea"/>
-                <a:cs typeface="+mn-cs"/>
-              </a:defRPr>
-            </a:lvl8pPr>
-            <a:lvl9pPr marL="3886200" indent="-228600" algn="l" defTabSz="914400" rtl="0" eaLnBrk="1" latinLnBrk="0" hangingPunct="1">
-              <a:spcBef>
-                <a:spcPct val="20000"/>
-              </a:spcBef>
-              <a:buFont typeface="Arial" panose="020B0604020202020204" pitchFamily="34" charset="0"/>
-              <a:buChar char="•"/>
-              <a:defRPr sz="2000" kern="1200">
-                <a:solidFill>
-                  <a:schemeClr val="tx1"/>
-                </a:solidFill>
-                <a:latin typeface="+mn-lt"/>
-                <a:ea typeface="+mn-ea"/>
-                <a:cs typeface="+mn-cs"/>
-              </a:defRPr>
-            </a:lvl9pPr>
-          </a:lstStyle>
-          <a:p>
-            <a:r>
-              <a:rPr lang="fr-FR" dirty="0" err="1" smtClean="0"/>
-              <a:t>ADTool</a:t>
-            </a:r>
-            <a:endParaRPr lang="fr-FR" dirty="0" smtClean="0"/>
-          </a:p>
-        </p:txBody>
-      </p:sp>
-    </p:spTree>
-  </p:cSld>
-  <p:clrMapOvr>
-    <a:masterClrMapping/>
-  </p:clrMapOvr>
-  <p:timing>
-    <p:tnLst>
-      <p:par>
-        <p:cTn id="1" dur="indefinite" restart="never" nodeType="tmRoot">
-          <p:childTnLst>
-            <p:seq>
-              <p:cTn id="2" nodeType="mainSeq"/>
-              <p:prevCondLst>
-                <p:cond evt="onPrev" delay="0">
-                  <p:tgtEl>
-                    <p:sldTgt/>
-                  </p:tgtEl>
-                </p:cond>
-              </p:prevCondLst>
-              <p:nextCondLst>
-                <p:cond evt="onNext" delay="0">
-                  <p:tgtEl>
-                    <p:sldTgt/>
-                  </p:tgtEl>
-                </p:cond>
-              </p:nextCondLst>
-            </p:seq>
-          </p:childTnLst>
-        </p:cTn>
-      </p:par>
-    </p:tnLst>
-  </p:timing>
-</p:sld>
-</file>
-
-<file path=ppt/slides/slide11.xml><?xml version="1.0" encoding="utf-8"?>
-<p:sld xmlns:a="http://schemas.openxmlformats.org/drawingml/2006/main" xmlns:r="http://schemas.openxmlformats.org/officeDocument/2006/relationships" xmlns:p="http://schemas.openxmlformats.org/presentationml/2006/main">
-  <p:cSld>
-    <p:spTree>
-      <p:nvGrpSpPr>
-        <p:cNvPr id="1" name=""/>
-        <p:cNvGrpSpPr/>
-        <p:nvPr/>
-      </p:nvGrpSpPr>
-      <p:grpSpPr>
-        <a:xfrm>
-          <a:off x="0" y="0"/>
-          <a:ext cx="0" cy="0"/>
-          <a:chOff x="0" y="0"/>
-          <a:chExt cx="0" cy="0"/>
-        </a:xfrm>
-      </p:grpSpPr>
-      <p:sp>
-        <p:nvSpPr>
-          <p:cNvPr id="105" name="TextShape 1"/>
-          <p:cNvSpPr txBox="1"/>
-          <p:nvPr/>
-        </p:nvSpPr>
-        <p:spPr>
-          <a:xfrm>
-            <a:off x="1763640" y="92880"/>
-            <a:ext cx="6460560" cy="571320"/>
-          </a:xfrm>
-          <a:prstGeom prst="rect">
-            <a:avLst/>
-          </a:prstGeom>
-          <a:noFill/>
-          <a:ln>
-            <a:noFill/>
-          </a:ln>
-        </p:spPr>
-        <p:txBody>
-          <a:bodyPr anchor="ctr"/>
-          <a:lstStyle/>
-          <a:p>
-            <a:pPr algn="r">
-              <a:lnSpc>
-                <a:spcPct val="100000"/>
-              </a:lnSpc>
-            </a:pPr>
-            <a:r>
-              <a:rPr lang="fr-FR" sz="1600" b="1" strike="noStrike">
-                <a:solidFill>
-                  <a:srgbClr val="4F4D50"/>
-                </a:solidFill>
-                <a:latin typeface="Arial"/>
-              </a:rPr>
-              <a:t>Étude de l'existant</a:t>
-            </a:r>
-            <a:endParaRPr/>
-          </a:p>
-        </p:txBody>
-      </p:sp>
-      <p:pic>
-        <p:nvPicPr>
-          <p:cNvPr id="106" name="Image 105"/>
-          <p:cNvPicPr/>
-          <p:nvPr/>
-        </p:nvPicPr>
-        <p:blipFill>
-          <a:blip r:embed="rId3"/>
-          <a:stretch/>
-        </p:blipFill>
-        <p:spPr>
-          <a:xfrm>
-            <a:off x="1850400" y="1000440"/>
-            <a:ext cx="5524560" cy="4884480"/>
-          </a:xfrm>
-          <a:prstGeom prst="rect">
-            <a:avLst/>
-          </a:prstGeom>
-          <a:ln>
-            <a:noFill/>
-          </a:ln>
-        </p:spPr>
-      </p:pic>
-      <p:sp>
-        <p:nvSpPr>
-          <p:cNvPr id="4" name="Espace réservé du texte 3"/>
-          <p:cNvSpPr txBox="1">
-            <a:spLocks/>
-          </p:cNvSpPr>
-          <p:nvPr/>
-        </p:nvSpPr>
-        <p:spPr>
-          <a:xfrm>
-            <a:off x="2700338" y="6597650"/>
-            <a:ext cx="5327650" cy="215900"/>
-          </a:xfrm>
-          <a:prstGeom prst="rect">
-            <a:avLst/>
-          </a:prstGeom>
-        </p:spPr>
-        <p:txBody>
-          <a:bodyPr>
-            <a:normAutofit fontScale="47500" lnSpcReduction="20000"/>
-          </a:bodyPr>
-          <a:lstStyle>
-            <a:lvl1pPr marL="0" indent="0" algn="l" defTabSz="914400" rtl="0" eaLnBrk="1" latinLnBrk="0" hangingPunct="1">
-              <a:spcBef>
-                <a:spcPct val="20000"/>
-              </a:spcBef>
-              <a:buFontTx/>
-              <a:buNone/>
-              <a:defRPr lang="fr-FR" sz="2000" b="1" kern="1200" dirty="0" smtClean="0">
-                <a:solidFill>
-                  <a:srgbClr val="004D6F"/>
-                </a:solidFill>
-                <a:latin typeface="Arial" pitchFamily="34" charset="0"/>
-                <a:ea typeface="+mn-ea"/>
-                <a:cs typeface="Arial" pitchFamily="34" charset="0"/>
-              </a:defRPr>
-            </a:lvl1pPr>
-            <a:lvl2pPr marL="742950" indent="-285750" algn="l" defTabSz="914400" rtl="0" eaLnBrk="1" latinLnBrk="0" hangingPunct="1">
-              <a:spcBef>
-                <a:spcPct val="20000"/>
-              </a:spcBef>
-              <a:buFont typeface="Arial" panose="020B0604020202020204" pitchFamily="34" charset="0"/>
-              <a:buChar char="–"/>
-              <a:defRPr lang="fr-FR" sz="1500" b="1" kern="1200" baseline="0" dirty="0" smtClean="0">
-                <a:solidFill>
-                  <a:srgbClr val="4F4D50"/>
-                </a:solidFill>
-                <a:latin typeface="Arial" pitchFamily="34" charset="0"/>
-                <a:ea typeface="+mn-ea"/>
-                <a:cs typeface="Arial" pitchFamily="34" charset="0"/>
-              </a:defRPr>
-            </a:lvl2pPr>
-            <a:lvl3pPr marL="1143000" indent="-228600" algn="l" defTabSz="914400" rtl="0" eaLnBrk="1" latinLnBrk="0" hangingPunct="1">
-              <a:lnSpc>
-                <a:spcPct val="100000"/>
-              </a:lnSpc>
-              <a:spcBef>
-                <a:spcPts val="600"/>
-              </a:spcBef>
-              <a:buFont typeface="Arial" panose="020B0604020202020204" pitchFamily="34" charset="0"/>
-              <a:buChar char="•"/>
-              <a:defRPr lang="fr-FR" sz="1200" kern="1200" baseline="0" dirty="0" smtClean="0">
-                <a:solidFill>
-                  <a:srgbClr val="4F4D50"/>
-                </a:solidFill>
-                <a:latin typeface="Arial" pitchFamily="34" charset="0"/>
-                <a:ea typeface="+mn-ea"/>
-                <a:cs typeface="Arial" pitchFamily="34" charset="0"/>
-              </a:defRPr>
-            </a:lvl3pPr>
-            <a:lvl4pPr marL="1600200" indent="-228600" algn="l" defTabSz="914400" rtl="0" eaLnBrk="1" latinLnBrk="0" hangingPunct="1">
-              <a:spcBef>
-                <a:spcPct val="20000"/>
-              </a:spcBef>
-              <a:buFont typeface="Arial" panose="020B0604020202020204" pitchFamily="34" charset="0"/>
-              <a:buChar char="–"/>
-              <a:defRPr sz="2000" kern="1200">
-                <a:solidFill>
-                  <a:schemeClr val="tx1"/>
-                </a:solidFill>
-                <a:latin typeface="+mn-lt"/>
-                <a:ea typeface="+mn-ea"/>
-                <a:cs typeface="+mn-cs"/>
-              </a:defRPr>
-            </a:lvl4pPr>
-            <a:lvl5pPr marL="2057400" indent="-228600" algn="l" defTabSz="914400" rtl="0" eaLnBrk="1" latinLnBrk="0" hangingPunct="1">
-              <a:spcBef>
-                <a:spcPct val="20000"/>
-              </a:spcBef>
-              <a:buFont typeface="Arial" panose="020B0604020202020204" pitchFamily="34" charset="0"/>
-              <a:buChar char="»"/>
-              <a:defRPr sz="2000" kern="1200">
-                <a:solidFill>
-                  <a:schemeClr val="tx1"/>
-                </a:solidFill>
-                <a:latin typeface="+mn-lt"/>
-                <a:ea typeface="+mn-ea"/>
-                <a:cs typeface="+mn-cs"/>
-              </a:defRPr>
-            </a:lvl5pPr>
-            <a:lvl6pPr marL="2514600" indent="-228600" algn="l" defTabSz="914400" rtl="0" eaLnBrk="1" latinLnBrk="0" hangingPunct="1">
-              <a:spcBef>
-                <a:spcPct val="20000"/>
-              </a:spcBef>
-              <a:buFont typeface="Arial" panose="020B0604020202020204" pitchFamily="34" charset="0"/>
-              <a:buChar char="•"/>
-              <a:defRPr sz="2000" kern="1200">
-                <a:solidFill>
-                  <a:schemeClr val="tx1"/>
-                </a:solidFill>
-                <a:latin typeface="+mn-lt"/>
-                <a:ea typeface="+mn-ea"/>
-                <a:cs typeface="+mn-cs"/>
-              </a:defRPr>
-            </a:lvl6pPr>
-            <a:lvl7pPr marL="2971800" indent="-228600" algn="l" defTabSz="914400" rtl="0" eaLnBrk="1" latinLnBrk="0" hangingPunct="1">
-              <a:spcBef>
-                <a:spcPct val="20000"/>
-              </a:spcBef>
-              <a:buFont typeface="Arial" panose="020B0604020202020204" pitchFamily="34" charset="0"/>
-              <a:buChar char="•"/>
-              <a:defRPr sz="2000" kern="1200">
-                <a:solidFill>
-                  <a:schemeClr val="tx1"/>
-                </a:solidFill>
-                <a:latin typeface="+mn-lt"/>
-                <a:ea typeface="+mn-ea"/>
-                <a:cs typeface="+mn-cs"/>
-              </a:defRPr>
-            </a:lvl7pPr>
-            <a:lvl8pPr marL="3429000" indent="-228600" algn="l" defTabSz="914400" rtl="0" eaLnBrk="1" latinLnBrk="0" hangingPunct="1">
-              <a:spcBef>
-                <a:spcPct val="20000"/>
-              </a:spcBef>
-              <a:buFont typeface="Arial" panose="020B0604020202020204" pitchFamily="34" charset="0"/>
-              <a:buChar char="•"/>
-              <a:defRPr sz="2000" kern="1200">
-                <a:solidFill>
-                  <a:schemeClr val="tx1"/>
-                </a:solidFill>
-                <a:latin typeface="+mn-lt"/>
-                <a:ea typeface="+mn-ea"/>
-                <a:cs typeface="+mn-cs"/>
-              </a:defRPr>
-            </a:lvl8pPr>
-            <a:lvl9pPr marL="3886200" indent="-228600" algn="l" defTabSz="914400" rtl="0" eaLnBrk="1" latinLnBrk="0" hangingPunct="1">
-              <a:spcBef>
-                <a:spcPct val="20000"/>
-              </a:spcBef>
-              <a:buFont typeface="Arial" panose="020B0604020202020204" pitchFamily="34" charset="0"/>
-              <a:buChar char="•"/>
-              <a:defRPr sz="2000" kern="1200">
-                <a:solidFill>
-                  <a:schemeClr val="tx1"/>
-                </a:solidFill>
-                <a:latin typeface="+mn-lt"/>
-                <a:ea typeface="+mn-ea"/>
-                <a:cs typeface="+mn-cs"/>
-              </a:defRPr>
-            </a:lvl9pPr>
-          </a:lstStyle>
-          <a:p>
-            <a:r>
-              <a:rPr lang="fr-FR" dirty="0" err="1" smtClean="0"/>
-              <a:t>ADTool</a:t>
-            </a:r>
-            <a:endParaRPr lang="fr-FR" dirty="0" smtClean="0"/>
-          </a:p>
-        </p:txBody>
-      </p:sp>
-    </p:spTree>
-  </p:cSld>
-  <p:clrMapOvr>
-    <a:masterClrMapping/>
-  </p:clrMapOvr>
-  <p:timing>
-    <p:tnLst>
-      <p:par>
-        <p:cTn id="1" dur="indefinite" restart="never" nodeType="tmRoot">
-          <p:childTnLst>
-            <p:seq>
-              <p:cTn id="2" nodeType="mainSeq"/>
-              <p:prevCondLst>
-                <p:cond evt="onPrev" delay="0">
-                  <p:tgtEl>
-                    <p:sldTgt/>
-                  </p:tgtEl>
-                </p:cond>
-              </p:prevCondLst>
-              <p:nextCondLst>
-                <p:cond evt="onNext" delay="0">
-                  <p:tgtEl>
-                    <p:sldTgt/>
-                  </p:tgtEl>
-                </p:cond>
-              </p:nextCondLst>
-            </p:seq>
-          </p:childTnLst>
-        </p:cTn>
-      </p:par>
-    </p:tnLst>
-  </p:timing>
-</p:sld>
-</file>
-
-<file path=ppt/slides/slide12.xml><?xml version="1.0" encoding="utf-8"?>
 <p:sld xmlns:a="http://schemas.openxmlformats.org/drawingml/2006/main" xmlns:r="http://schemas.openxmlformats.org/officeDocument/2006/relationships" xmlns:p="http://schemas.openxmlformats.org/presentationml/2006/main">
   <p:cSld>
     <p:spTree>
@@ -7085,337 +6116,7 @@
 </p:sld>
 </file>
 
-<file path=ppt/slides/slide13.xml><?xml version="1.0" encoding="utf-8"?>
-<p:sld xmlns:a="http://schemas.openxmlformats.org/drawingml/2006/main" xmlns:r="http://schemas.openxmlformats.org/officeDocument/2006/relationships" xmlns:p="http://schemas.openxmlformats.org/presentationml/2006/main">
-  <p:cSld>
-    <p:spTree>
-      <p:nvGrpSpPr>
-        <p:cNvPr id="1" name=""/>
-        <p:cNvGrpSpPr/>
-        <p:nvPr/>
-      </p:nvGrpSpPr>
-      <p:grpSpPr>
-        <a:xfrm>
-          <a:off x="0" y="0"/>
-          <a:ext cx="0" cy="0"/>
-          <a:chOff x="0" y="0"/>
-          <a:chExt cx="0" cy="0"/>
-        </a:xfrm>
-      </p:grpSpPr>
-      <p:sp>
-        <p:nvSpPr>
-          <p:cNvPr id="2" name="Title 1"/>
-          <p:cNvSpPr>
-            <a:spLocks noGrp="1"/>
-          </p:cNvSpPr>
-          <p:nvPr>
-            <p:ph type="title"/>
-          </p:nvPr>
-        </p:nvSpPr>
-        <p:spPr/>
-        <p:txBody>
-          <a:bodyPr/>
-          <a:lstStyle/>
-          <a:p>
-            <a:endParaRPr lang="fr-FR" dirty="0"/>
-          </a:p>
-        </p:txBody>
-      </p:sp>
-      <p:sp>
-        <p:nvSpPr>
-          <p:cNvPr id="3" name="Content Placeholder 2"/>
-          <p:cNvSpPr>
-            <a:spLocks noGrp="1"/>
-          </p:cNvSpPr>
-          <p:nvPr>
-            <p:ph idx="1"/>
-          </p:nvPr>
-        </p:nvSpPr>
-        <p:spPr/>
-        <p:txBody>
-          <a:bodyPr/>
-          <a:lstStyle/>
-          <a:p>
-            <a:r>
-              <a:rPr lang="fr-FR" dirty="0" smtClean="0"/>
-              <a:t>Nouvelles fonctionnalités d’analyse:</a:t>
-            </a:r>
-          </a:p>
-          <a:p>
-            <a:endParaRPr lang="fr-FR" dirty="0" smtClean="0"/>
-          </a:p>
-          <a:p>
-            <a:pPr marL="342900" indent="-342900">
-              <a:buFont typeface="Arial" panose="020B0604020202020204" pitchFamily="34" charset="0"/>
-              <a:buChar char="•"/>
-            </a:pPr>
-            <a:r>
-              <a:rPr lang="fr-FR" dirty="0" smtClean="0"/>
-              <a:t>Optimiseur</a:t>
-            </a:r>
-          </a:p>
-          <a:p>
-            <a:pPr marL="342900" indent="-342900">
-              <a:buFont typeface="Arial" panose="020B0604020202020204" pitchFamily="34" charset="0"/>
-              <a:buChar char="•"/>
-            </a:pPr>
-            <a:endParaRPr lang="fr-FR" dirty="0"/>
-          </a:p>
-          <a:p>
-            <a:pPr marL="342900" indent="-342900">
-              <a:buFont typeface="Arial" panose="020B0604020202020204" pitchFamily="34" charset="0"/>
-              <a:buChar char="•"/>
-            </a:pPr>
-            <a:r>
-              <a:rPr lang="fr-FR" dirty="0" smtClean="0"/>
-              <a:t>Paramètre synthèse</a:t>
-            </a:r>
-          </a:p>
-          <a:p>
-            <a:pPr marL="342900" indent="-342900">
-              <a:buFont typeface="Arial" panose="020B0604020202020204" pitchFamily="34" charset="0"/>
-              <a:buChar char="•"/>
-            </a:pPr>
-            <a:endParaRPr lang="fr-FR" dirty="0" smtClean="0"/>
-          </a:p>
-          <a:p>
-            <a:pPr marL="342900" indent="-342900">
-              <a:buFont typeface="Arial" panose="020B0604020202020204" pitchFamily="34" charset="0"/>
-              <a:buChar char="•"/>
-            </a:pPr>
-            <a:r>
-              <a:rPr lang="fr-FR" dirty="0" smtClean="0"/>
-              <a:t>Filtre</a:t>
-            </a:r>
-          </a:p>
-          <a:p>
-            <a:pPr marL="342900" indent="-342900">
-              <a:buFont typeface="Arial" panose="020B0604020202020204" pitchFamily="34" charset="0"/>
-              <a:buChar char="•"/>
-            </a:pPr>
-            <a:endParaRPr lang="fr-FR" dirty="0"/>
-          </a:p>
-          <a:p>
-            <a:endParaRPr lang="fr-FR" dirty="0" smtClean="0"/>
-          </a:p>
-        </p:txBody>
-      </p:sp>
-      <p:sp>
-        <p:nvSpPr>
-          <p:cNvPr id="4" name="Text Placeholder 3"/>
-          <p:cNvSpPr>
-            <a:spLocks noGrp="1"/>
-          </p:cNvSpPr>
-          <p:nvPr>
-            <p:ph type="body" sz="quarter" idx="10"/>
-          </p:nvPr>
-        </p:nvSpPr>
-        <p:spPr/>
-        <p:txBody>
-          <a:bodyPr>
-            <a:normAutofit fontScale="92500" lnSpcReduction="20000"/>
-          </a:bodyPr>
-          <a:lstStyle/>
-          <a:p>
-            <a:r>
-              <a:rPr lang="fr-FR" dirty="0" smtClean="0"/>
-              <a:t>Cahier des charges</a:t>
-            </a:r>
-            <a:endParaRPr lang="fr-FR" dirty="0"/>
-          </a:p>
-        </p:txBody>
-      </p:sp>
-    </p:spTree>
-    <p:extLst>
-      <p:ext uri="{BB962C8B-B14F-4D97-AF65-F5344CB8AC3E}">
-        <p14:creationId xmlns:p14="http://schemas.microsoft.com/office/powerpoint/2010/main" val="1530234867"/>
-      </p:ext>
-    </p:extLst>
-  </p:cSld>
-  <p:clrMapOvr>
-    <a:masterClrMapping/>
-  </p:clrMapOvr>
-  <p:timing>
-    <p:tnLst>
-      <p:par>
-        <p:cTn id="1" dur="indefinite" restart="never" nodeType="tmRoot">
-          <p:childTnLst>
-            <p:seq concurrent="1" nextAc="seek">
-              <p:cTn id="2" dur="indefinite" nodeType="mainSeq">
-                <p:childTnLst>
-                  <p:par>
-                    <p:cTn id="3" fill="hold">
-                      <p:stCondLst>
-                        <p:cond delay="indefinite"/>
-                      </p:stCondLst>
-                      <p:childTnLst>
-                        <p:par>
-                          <p:cTn id="4" fill="hold">
-                            <p:stCondLst>
-                              <p:cond delay="0"/>
-                            </p:stCondLst>
-                            <p:childTnLst>
-                              <p:par>
-                                <p:cTn id="5" presetID="1" presetClass="entr" presetSubtype="0" fill="hold" nodeType="clickEffect">
-                                  <p:stCondLst>
-                                    <p:cond delay="0"/>
-                                  </p:stCondLst>
-                                  <p:childTnLst>
-                                    <p:set>
-                                      <p:cBhvr>
-                                        <p:cTn id="6" dur="1" fill="hold">
-                                          <p:stCondLst>
-                                            <p:cond delay="0"/>
-                                          </p:stCondLst>
-                                        </p:cTn>
-                                        <p:tgtEl>
-                                          <p:spTgt spid="3">
-                                            <p:txEl>
-                                              <p:pRg st="2" end="2"/>
-                                            </p:txEl>
-                                          </p:spTgt>
-                                        </p:tgtEl>
-                                        <p:attrNameLst>
-                                          <p:attrName>style.visibility</p:attrName>
-                                        </p:attrNameLst>
-                                      </p:cBhvr>
-                                      <p:to>
-                                        <p:strVal val="visible"/>
-                                      </p:to>
-                                    </p:set>
-                                  </p:childTnLst>
-                                </p:cTn>
-                              </p:par>
-                            </p:childTnLst>
-                          </p:cTn>
-                        </p:par>
-                      </p:childTnLst>
-                    </p:cTn>
-                  </p:par>
-                  <p:par>
-                    <p:cTn id="7" fill="hold">
-                      <p:stCondLst>
-                        <p:cond delay="indefinite"/>
-                      </p:stCondLst>
-                      <p:childTnLst>
-                        <p:par>
-                          <p:cTn id="8" fill="hold">
-                            <p:stCondLst>
-                              <p:cond delay="0"/>
-                            </p:stCondLst>
-                            <p:childTnLst>
-                              <p:par>
-                                <p:cTn id="9" presetID="1" presetClass="entr" presetSubtype="0" fill="hold" nodeType="clickEffect">
-                                  <p:stCondLst>
-                                    <p:cond delay="0"/>
-                                  </p:stCondLst>
-                                  <p:childTnLst>
-                                    <p:set>
-                                      <p:cBhvr>
-                                        <p:cTn id="10" dur="1" fill="hold">
-                                          <p:stCondLst>
-                                            <p:cond delay="0"/>
-                                          </p:stCondLst>
-                                        </p:cTn>
-                                        <p:tgtEl>
-                                          <p:spTgt spid="3">
-                                            <p:txEl>
-                                              <p:pRg st="4" end="4"/>
-                                            </p:txEl>
-                                          </p:spTgt>
-                                        </p:tgtEl>
-                                        <p:attrNameLst>
-                                          <p:attrName>style.visibility</p:attrName>
-                                        </p:attrNameLst>
-                                      </p:cBhvr>
-                                      <p:to>
-                                        <p:strVal val="visible"/>
-                                      </p:to>
-                                    </p:set>
-                                  </p:childTnLst>
-                                </p:cTn>
-                              </p:par>
-                            </p:childTnLst>
-                          </p:cTn>
-                        </p:par>
-                      </p:childTnLst>
-                    </p:cTn>
-                  </p:par>
-                  <p:par>
-                    <p:cTn id="11" fill="hold">
-                      <p:stCondLst>
-                        <p:cond delay="indefinite"/>
-                      </p:stCondLst>
-                      <p:childTnLst>
-                        <p:par>
-                          <p:cTn id="12" fill="hold">
-                            <p:stCondLst>
-                              <p:cond delay="0"/>
-                            </p:stCondLst>
-                            <p:childTnLst>
-                              <p:par>
-                                <p:cTn id="13" presetID="1" presetClass="entr" presetSubtype="0" fill="hold" nodeType="clickEffect">
-                                  <p:stCondLst>
-                                    <p:cond delay="0"/>
-                                  </p:stCondLst>
-                                  <p:childTnLst>
-                                    <p:set>
-                                      <p:cBhvr>
-                                        <p:cTn id="14" dur="1" fill="hold">
-                                          <p:stCondLst>
-                                            <p:cond delay="0"/>
-                                          </p:stCondLst>
-                                        </p:cTn>
-                                        <p:tgtEl>
-                                          <p:spTgt spid="3">
-                                            <p:txEl>
-                                              <p:pRg st="6" end="6"/>
-                                            </p:txEl>
-                                          </p:spTgt>
-                                        </p:tgtEl>
-                                        <p:attrNameLst>
-                                          <p:attrName>style.visibility</p:attrName>
-                                        </p:attrNameLst>
-                                      </p:cBhvr>
-                                      <p:to>
-                                        <p:strVal val="visible"/>
-                                      </p:to>
-                                    </p:set>
-                                  </p:childTnLst>
-                                </p:cTn>
-                              </p:par>
-                            </p:childTnLst>
-                          </p:cTn>
-                        </p:par>
-                      </p:childTnLst>
-                    </p:cTn>
-                  </p:par>
-                </p:childTnLst>
-              </p:cTn>
-              <p:prevCondLst>
-                <p:cond evt="onPrev" delay="0">
-                  <p:tgtEl>
-                    <p:sldTgt/>
-                  </p:tgtEl>
-                </p:cond>
-              </p:prevCondLst>
-              <p:nextCondLst>
-                <p:cond evt="onNext" delay="0">
-                  <p:tgtEl>
-                    <p:sldTgt/>
-                  </p:tgtEl>
-                </p:cond>
-              </p:nextCondLst>
-            </p:seq>
-          </p:childTnLst>
-        </p:cTn>
-      </p:par>
-    </p:tnLst>
-  </p:timing>
-</p:sld>
-</file>
-
-<file path=ppt/slides/slide14.xml><?xml version="1.0" encoding="utf-8"?>
+<file path=ppt/slides/slide11.xml><?xml version="1.0" encoding="utf-8"?>
 <p:sld xmlns:a="http://schemas.openxmlformats.org/drawingml/2006/main" xmlns:r="http://schemas.openxmlformats.org/officeDocument/2006/relationships" xmlns:p="http://schemas.openxmlformats.org/presentationml/2006/main">
   <p:cSld>
     <p:spTree>
@@ -7685,137 +6386,7 @@
 </p:sld>
 </file>
 
-<file path=ppt/slides/slide15.xml><?xml version="1.0" encoding="utf-8"?>
-<p:sld xmlns:a="http://schemas.openxmlformats.org/drawingml/2006/main" xmlns:r="http://schemas.openxmlformats.org/officeDocument/2006/relationships" xmlns:p="http://schemas.openxmlformats.org/presentationml/2006/main">
-  <p:cSld>
-    <p:spTree>
-      <p:nvGrpSpPr>
-        <p:cNvPr id="1" name=""/>
-        <p:cNvGrpSpPr/>
-        <p:nvPr/>
-      </p:nvGrpSpPr>
-      <p:grpSpPr>
-        <a:xfrm>
-          <a:off x="0" y="0"/>
-          <a:ext cx="0" cy="0"/>
-          <a:chOff x="0" y="0"/>
-          <a:chExt cx="0" cy="0"/>
-        </a:xfrm>
-      </p:grpSpPr>
-      <p:sp>
-        <p:nvSpPr>
-          <p:cNvPr id="2" name="Title 1"/>
-          <p:cNvSpPr>
-            <a:spLocks noGrp="1"/>
-          </p:cNvSpPr>
-          <p:nvPr>
-            <p:ph type="title"/>
-          </p:nvPr>
-        </p:nvSpPr>
-        <p:spPr/>
-        <p:txBody>
-          <a:bodyPr/>
-          <a:lstStyle/>
-          <a:p>
-            <a:endParaRPr lang="fr-FR"/>
-          </a:p>
-        </p:txBody>
-      </p:sp>
-      <p:sp>
-        <p:nvSpPr>
-          <p:cNvPr id="3" name="Content Placeholder 2"/>
-          <p:cNvSpPr>
-            <a:spLocks noGrp="1"/>
-          </p:cNvSpPr>
-          <p:nvPr>
-            <p:ph idx="1"/>
-          </p:nvPr>
-        </p:nvSpPr>
-        <p:spPr/>
-        <p:txBody>
-          <a:bodyPr/>
-          <a:lstStyle/>
-          <a:p>
-            <a:endParaRPr lang="fr-FR" dirty="0"/>
-          </a:p>
-        </p:txBody>
-      </p:sp>
-      <p:sp>
-        <p:nvSpPr>
-          <p:cNvPr id="4" name="Text Placeholder 3"/>
-          <p:cNvSpPr>
-            <a:spLocks noGrp="1"/>
-          </p:cNvSpPr>
-          <p:nvPr>
-            <p:ph type="body" sz="quarter" idx="10"/>
-          </p:nvPr>
-        </p:nvSpPr>
-        <p:spPr/>
-        <p:txBody>
-          <a:bodyPr>
-            <a:normAutofit fontScale="92500" lnSpcReduction="20000"/>
-          </a:bodyPr>
-          <a:lstStyle/>
-          <a:p>
-            <a:r>
-              <a:rPr lang="fr-FR" dirty="0" smtClean="0"/>
-              <a:t>Architecture</a:t>
-            </a:r>
-            <a:endParaRPr lang="fr-FR" dirty="0"/>
-          </a:p>
-        </p:txBody>
-      </p:sp>
-      <p:pic>
-        <p:nvPicPr>
-          <p:cNvPr id="5" name="Picture 4"/>
-          <p:cNvPicPr>
-            <a:picLocks noChangeAspect="1"/>
-          </p:cNvPicPr>
-          <p:nvPr/>
-        </p:nvPicPr>
-        <p:blipFill>
-          <a:blip r:embed="rId2">
-            <a:extLst>
-              <a:ext uri="{28A0092B-C50C-407E-A947-70E740481C1C}">
-                <a14:useLocalDpi xmlns:a14="http://schemas.microsoft.com/office/drawing/2010/main" val="0"/>
-              </a:ext>
-            </a:extLst>
-          </a:blip>
-          <a:stretch>
-            <a:fillRect/>
-          </a:stretch>
-        </p:blipFill>
-        <p:spPr>
-          <a:xfrm>
-            <a:off x="1259972" y="1088740"/>
-            <a:ext cx="6912768" cy="5184576"/>
-          </a:xfrm>
-          <a:prstGeom prst="rect">
-            <a:avLst/>
-          </a:prstGeom>
-        </p:spPr>
-      </p:pic>
-    </p:spTree>
-    <p:extLst>
-      <p:ext uri="{BB962C8B-B14F-4D97-AF65-F5344CB8AC3E}">
-        <p14:creationId xmlns:p14="http://schemas.microsoft.com/office/powerpoint/2010/main" val="3871753629"/>
-      </p:ext>
-    </p:extLst>
-  </p:cSld>
-  <p:clrMapOvr>
-    <a:masterClrMapping/>
-  </p:clrMapOvr>
-  <p:timing>
-    <p:tnLst>
-      <p:par>
-        <p:cTn id="1" dur="indefinite" restart="never" nodeType="tmRoot"/>
-      </p:par>
-    </p:tnLst>
-  </p:timing>
-</p:sld>
-</file>
-
-<file path=ppt/slides/slide16.xml><?xml version="1.0" encoding="utf-8"?>
+<file path=ppt/slides/slide12.xml><?xml version="1.0" encoding="utf-8"?>
 <p:sld xmlns:a="http://schemas.openxmlformats.org/drawingml/2006/main" xmlns:r="http://schemas.openxmlformats.org/officeDocument/2006/relationships" xmlns:p="http://schemas.openxmlformats.org/presentationml/2006/main">
   <p:cSld>
     <p:spTree>
@@ -8037,7 +6608,7 @@
 </p:sld>
 </file>
 
-<file path=ppt/slides/slide17.xml><?xml version="1.0" encoding="utf-8"?>
+<file path=ppt/slides/slide13.xml><?xml version="1.0" encoding="utf-8"?>
 <p:sld xmlns:a="http://schemas.openxmlformats.org/drawingml/2006/main" xmlns:r="http://schemas.openxmlformats.org/officeDocument/2006/relationships" xmlns:p="http://schemas.openxmlformats.org/presentationml/2006/main">
   <p:cSld>
     <p:spTree>
@@ -8290,154 +6861,7 @@
 </p:sld>
 </file>
 
-<file path=ppt/slides/slide18.xml><?xml version="1.0" encoding="utf-8"?>
-<p:sld xmlns:a="http://schemas.openxmlformats.org/drawingml/2006/main" xmlns:r="http://schemas.openxmlformats.org/officeDocument/2006/relationships" xmlns:p="http://schemas.openxmlformats.org/presentationml/2006/main">
-  <p:cSld>
-    <p:spTree>
-      <p:nvGrpSpPr>
-        <p:cNvPr id="1" name=""/>
-        <p:cNvGrpSpPr/>
-        <p:nvPr/>
-      </p:nvGrpSpPr>
-      <p:grpSpPr>
-        <a:xfrm>
-          <a:off x="0" y="0"/>
-          <a:ext cx="0" cy="0"/>
-          <a:chOff x="0" y="0"/>
-          <a:chExt cx="0" cy="0"/>
-        </a:xfrm>
-      </p:grpSpPr>
-      <p:sp>
-        <p:nvSpPr>
-          <p:cNvPr id="2" name="Titre 1"/>
-          <p:cNvSpPr>
-            <a:spLocks noGrp="1"/>
-          </p:cNvSpPr>
-          <p:nvPr>
-            <p:ph type="title"/>
-          </p:nvPr>
-        </p:nvSpPr>
-        <p:spPr/>
-        <p:txBody>
-          <a:bodyPr/>
-          <a:lstStyle/>
-          <a:p>
-            <a:r>
-              <a:rPr lang="fr-FR" dirty="0" smtClean="0"/>
-              <a:t>Filtre</a:t>
-            </a:r>
-            <a:endParaRPr lang="fr-FR" dirty="0"/>
-          </a:p>
-        </p:txBody>
-      </p:sp>
-      <p:sp>
-        <p:nvSpPr>
-          <p:cNvPr id="3" name="Espace réservé du contenu 2"/>
-          <p:cNvSpPr>
-            <a:spLocks noGrp="1"/>
-          </p:cNvSpPr>
-          <p:nvPr>
-            <p:ph idx="1"/>
-          </p:nvPr>
-        </p:nvSpPr>
-        <p:spPr/>
-        <p:txBody>
-          <a:bodyPr/>
-          <a:lstStyle/>
-          <a:p>
-            <a:endParaRPr lang="fr-FR" dirty="0"/>
-          </a:p>
-          <a:p>
-            <a:endParaRPr lang="fr-FR" dirty="0" smtClean="0"/>
-          </a:p>
-          <a:p>
-            <a:endParaRPr lang="fr-FR" dirty="0" smtClean="0"/>
-          </a:p>
-          <a:p>
-            <a:endParaRPr lang="fr-FR" dirty="0"/>
-          </a:p>
-          <a:p>
-            <a:endParaRPr lang="fr-FR" dirty="0" smtClean="0"/>
-          </a:p>
-          <a:p>
-            <a:endParaRPr lang="fr-FR" dirty="0"/>
-          </a:p>
-          <a:p>
-            <a:endParaRPr lang="fr-FR" dirty="0" smtClean="0"/>
-          </a:p>
-        </p:txBody>
-      </p:sp>
-      <p:sp>
-        <p:nvSpPr>
-          <p:cNvPr id="4" name="Espace réservé du texte 3"/>
-          <p:cNvSpPr>
-            <a:spLocks noGrp="1"/>
-          </p:cNvSpPr>
-          <p:nvPr>
-            <p:ph type="body" sz="quarter" idx="10"/>
-          </p:nvPr>
-        </p:nvSpPr>
-        <p:spPr/>
-        <p:txBody>
-          <a:bodyPr>
-            <a:normAutofit fontScale="92500" lnSpcReduction="20000"/>
-          </a:bodyPr>
-          <a:lstStyle/>
-          <a:p>
-            <a:r>
-              <a:rPr lang="fr-FR" dirty="0" smtClean="0"/>
-              <a:t>Spécifications fonctionnelles.</a:t>
-            </a:r>
-            <a:endParaRPr lang="fr-FR" dirty="0"/>
-          </a:p>
-        </p:txBody>
-      </p:sp>
-      <p:pic>
-        <p:nvPicPr>
-          <p:cNvPr id="7" name="Image 6"/>
-          <p:cNvPicPr>
-            <a:picLocks noChangeAspect="1"/>
-          </p:cNvPicPr>
-          <p:nvPr/>
-        </p:nvPicPr>
-        <p:blipFill>
-          <a:blip r:embed="rId2">
-            <a:extLst>
-              <a:ext uri="{28A0092B-C50C-407E-A947-70E740481C1C}">
-                <a14:useLocalDpi xmlns:a14="http://schemas.microsoft.com/office/drawing/2010/main" val="0"/>
-              </a:ext>
-            </a:extLst>
-          </a:blip>
-          <a:stretch>
-            <a:fillRect/>
-          </a:stretch>
-        </p:blipFill>
-        <p:spPr>
-          <a:xfrm>
-            <a:off x="298376" y="1460115"/>
-            <a:ext cx="8388424" cy="4441826"/>
-          </a:xfrm>
-          <a:prstGeom prst="rect">
-            <a:avLst/>
-          </a:prstGeom>
-        </p:spPr>
-      </p:pic>
-    </p:spTree>
-  </p:cSld>
-  <p:clrMapOvr>
-    <a:masterClrMapping/>
-  </p:clrMapOvr>
-  <p:timing>
-    <p:tnLst>
-      <p:par>
-        <p:cTn id="1" dur="indefinite" restart="never" nodeType="tmRoot"/>
-      </p:par>
-    </p:tnLst>
-  </p:timing>
-</p:sld>
-</file>
-
-<file path=ppt/slides/slide19.xml><?xml version="1.0" encoding="utf-8"?>
+<file path=ppt/slides/slide14.xml><?xml version="1.0" encoding="utf-8"?>
 <p:sld xmlns:a="http://schemas.openxmlformats.org/drawingml/2006/main" xmlns:r="http://schemas.openxmlformats.org/officeDocument/2006/relationships" xmlns:p="http://schemas.openxmlformats.org/presentationml/2006/main">
   <p:cSld>
     <p:spTree>
@@ -8555,167 +6979,7 @@
 </p:sld>
 </file>
 
-<file path=ppt/slides/slide2.xml><?xml version="1.0" encoding="utf-8"?>
-<p:sld xmlns:a="http://schemas.openxmlformats.org/drawingml/2006/main" xmlns:r="http://schemas.openxmlformats.org/officeDocument/2006/relationships" xmlns:p="http://schemas.openxmlformats.org/presentationml/2006/main">
-  <p:cSld>
-    <p:spTree>
-      <p:nvGrpSpPr>
-        <p:cNvPr id="1" name=""/>
-        <p:cNvGrpSpPr/>
-        <p:nvPr/>
-      </p:nvGrpSpPr>
-      <p:grpSpPr>
-        <a:xfrm>
-          <a:off x="0" y="0"/>
-          <a:ext cx="0" cy="0"/>
-          <a:chOff x="0" y="0"/>
-          <a:chExt cx="0" cy="0"/>
-        </a:xfrm>
-      </p:grpSpPr>
-      <p:sp>
-        <p:nvSpPr>
-          <p:cNvPr id="7" name="Espace réservé du texte 6"/>
-          <p:cNvSpPr>
-            <a:spLocks noGrp="1"/>
-          </p:cNvSpPr>
-          <p:nvPr>
-            <p:ph type="body" sz="quarter" idx="10"/>
-          </p:nvPr>
-        </p:nvSpPr>
-        <p:spPr/>
-        <p:txBody>
-          <a:bodyPr>
-            <a:normAutofit fontScale="92500" lnSpcReduction="20000"/>
-          </a:bodyPr>
-          <a:lstStyle/>
-          <a:p>
-            <a:endParaRPr lang="fr-FR"/>
-          </a:p>
-        </p:txBody>
-      </p:sp>
-      <p:sp>
-        <p:nvSpPr>
-          <p:cNvPr id="9" name="ZoneTexte 8"/>
-          <p:cNvSpPr txBox="1"/>
-          <p:nvPr/>
-        </p:nvSpPr>
-        <p:spPr>
-          <a:xfrm>
-            <a:off x="0" y="2492896"/>
-            <a:ext cx="9144000" cy="830997"/>
-          </a:xfrm>
-          <a:prstGeom prst="rect">
-            <a:avLst/>
-          </a:prstGeom>
-          <a:noFill/>
-        </p:spPr>
-        <p:txBody>
-          <a:bodyPr wrap="square" rtlCol="0">
-            <a:spAutoFit/>
-          </a:bodyPr>
-          <a:lstStyle/>
-          <a:p>
-            <a:pPr algn="ctr"/>
-            <a:r>
-              <a:rPr lang="fr-FR" sz="4800" b="1" dirty="0" smtClean="0">
-                <a:solidFill>
-                  <a:srgbClr val="004D6F"/>
-                </a:solidFill>
-                <a:latin typeface="Arial" pitchFamily="34" charset="0"/>
-                <a:cs typeface="Arial" pitchFamily="34" charset="0"/>
-              </a:rPr>
-              <a:t>250 000 trajets par jour</a:t>
-            </a:r>
-          </a:p>
-        </p:txBody>
-      </p:sp>
-    </p:spTree>
-  </p:cSld>
-  <p:clrMapOvr>
-    <a:masterClrMapping/>
-  </p:clrMapOvr>
-  <p:timing>
-    <p:tnLst>
-      <p:par>
-        <p:cTn id="1" dur="indefinite" restart="never" nodeType="tmRoot">
-          <p:childTnLst>
-            <p:seq concurrent="1" nextAc="seek">
-              <p:cTn id="2" dur="indefinite" nodeType="mainSeq">
-                <p:childTnLst>
-                  <p:par>
-                    <p:cTn id="3" fill="hold">
-                      <p:stCondLst>
-                        <p:cond delay="indefinite"/>
-                      </p:stCondLst>
-                      <p:childTnLst>
-                        <p:par>
-                          <p:cTn id="4" fill="hold">
-                            <p:stCondLst>
-                              <p:cond delay="0"/>
-                            </p:stCondLst>
-                            <p:childTnLst>
-                              <p:par>
-                                <p:cTn id="5" presetID="1" presetClass="entr" presetSubtype="0" fill="hold" grpId="0" nodeType="clickEffect">
-                                  <p:stCondLst>
-                                    <p:cond delay="0"/>
-                                  </p:stCondLst>
-                                  <p:childTnLst>
-                                    <p:set>
-                                      <p:cBhvr>
-                                        <p:cTn id="6" dur="1" fill="hold">
-                                          <p:stCondLst>
-                                            <p:cond delay="0"/>
-                                          </p:stCondLst>
-                                        </p:cTn>
-                                        <p:tgtEl>
-                                          <p:spTgt spid="9"/>
-                                        </p:tgtEl>
-                                        <p:attrNameLst>
-                                          <p:attrName>style.visibility</p:attrName>
-                                        </p:attrNameLst>
-                                      </p:cBhvr>
-                                      <p:to>
-                                        <p:strVal val="visible"/>
-                                      </p:to>
-                                    </p:set>
-                                  </p:childTnLst>
-                                </p:cTn>
-                              </p:par>
-                            </p:childTnLst>
-                          </p:cTn>
-                        </p:par>
-                      </p:childTnLst>
-                    </p:cTn>
-                  </p:par>
-                </p:childTnLst>
-              </p:cTn>
-              <p:prevCondLst>
-                <p:cond evt="onPrev" delay="0">
-                  <p:tgtEl>
-                    <p:sldTgt/>
-                  </p:tgtEl>
-                </p:cond>
-              </p:prevCondLst>
-              <p:nextCondLst>
-                <p:cond evt="onNext" delay="0">
-                  <p:tgtEl>
-                    <p:sldTgt/>
-                  </p:tgtEl>
-                </p:cond>
-              </p:nextCondLst>
-            </p:seq>
-          </p:childTnLst>
-        </p:cTn>
-      </p:par>
-    </p:tnLst>
-    <p:bldLst>
-      <p:bldP spid="9" grpId="0"/>
-    </p:bldLst>
-  </p:timing>
-</p:sld>
-</file>
-
-<file path=ppt/slides/slide20.xml><?xml version="1.0" encoding="utf-8"?>
+<file path=ppt/slides/slide15.xml><?xml version="1.0" encoding="utf-8"?>
 <p:sld xmlns:a="http://schemas.openxmlformats.org/drawingml/2006/main" xmlns:r="http://schemas.openxmlformats.org/officeDocument/2006/relationships" xmlns:p="http://schemas.openxmlformats.org/presentationml/2006/main">
   <p:cSld>
     <p:spTree>
@@ -8993,7 +7257,7 @@
 </p:sld>
 </file>
 
-<file path=ppt/slides/slide21.xml><?xml version="1.0" encoding="utf-8"?>
+<file path=ppt/slides/slide16.xml><?xml version="1.0" encoding="utf-8"?>
 <p:sld xmlns:a="http://schemas.openxmlformats.org/drawingml/2006/main" xmlns:r="http://schemas.openxmlformats.org/officeDocument/2006/relationships" xmlns:p="http://schemas.openxmlformats.org/presentationml/2006/main">
   <p:cSld>
     <p:spTree>
@@ -9119,7 +7383,7 @@
 </p:sld>
 </file>
 
-<file path=ppt/slides/slide22.xml><?xml version="1.0" encoding="utf-8"?>
+<file path=ppt/slides/slide17.xml><?xml version="1.0" encoding="utf-8"?>
 <p:sld xmlns:a="http://schemas.openxmlformats.org/drawingml/2006/main" xmlns:r="http://schemas.openxmlformats.org/officeDocument/2006/relationships" xmlns:p="http://schemas.openxmlformats.org/presentationml/2006/main">
   <p:cSld>
     <p:spTree>
@@ -9412,7 +7676,537 @@
 </p:sld>
 </file>
 
-<file path=ppt/slides/slide23.xml><?xml version="1.0" encoding="utf-8"?>
+<file path=ppt/slides/slide18.xml><?xml version="1.0" encoding="utf-8"?>
+<p:sld xmlns:a="http://schemas.openxmlformats.org/drawingml/2006/main" xmlns:r="http://schemas.openxmlformats.org/officeDocument/2006/relationships" xmlns:p="http://schemas.openxmlformats.org/presentationml/2006/main">
+  <p:cSld>
+    <p:spTree>
+      <p:nvGrpSpPr>
+        <p:cNvPr id="1" name=""/>
+        <p:cNvGrpSpPr/>
+        <p:nvPr/>
+      </p:nvGrpSpPr>
+      <p:grpSpPr>
+        <a:xfrm>
+          <a:off x="0" y="0"/>
+          <a:ext cx="0" cy="0"/>
+          <a:chOff x="0" y="0"/>
+          <a:chExt cx="0" cy="0"/>
+        </a:xfrm>
+      </p:grpSpPr>
+      <p:sp>
+        <p:nvSpPr>
+          <p:cNvPr id="2" name="Titre 1"/>
+          <p:cNvSpPr>
+            <a:spLocks noGrp="1"/>
+          </p:cNvSpPr>
+          <p:nvPr>
+            <p:ph type="title"/>
+          </p:nvPr>
+        </p:nvSpPr>
+        <p:spPr/>
+        <p:txBody>
+          <a:bodyPr/>
+          <a:lstStyle/>
+          <a:p>
+            <a:r>
+              <a:rPr lang="fr-FR" dirty="0" smtClean="0"/>
+              <a:t>Ergonomie logicielle</a:t>
+            </a:r>
+            <a:endParaRPr lang="fr-FR" dirty="0"/>
+          </a:p>
+        </p:txBody>
+      </p:sp>
+      <p:sp>
+        <p:nvSpPr>
+          <p:cNvPr id="4" name="Espace réservé du texte 3"/>
+          <p:cNvSpPr>
+            <a:spLocks noGrp="1"/>
+          </p:cNvSpPr>
+          <p:nvPr>
+            <p:ph type="body" sz="quarter" idx="10"/>
+          </p:nvPr>
+        </p:nvSpPr>
+        <p:spPr/>
+        <p:txBody>
+          <a:bodyPr>
+            <a:normAutofit fontScale="92500" lnSpcReduction="20000"/>
+          </a:bodyPr>
+          <a:lstStyle/>
+          <a:p>
+            <a:r>
+              <a:rPr lang="fr-FR" dirty="0"/>
+              <a:t>Spécification fonctionnelles</a:t>
+            </a:r>
+          </a:p>
+        </p:txBody>
+      </p:sp>
+      <p:sp>
+        <p:nvSpPr>
+          <p:cNvPr id="6" name="Espace réservé du contenu 2"/>
+          <p:cNvSpPr txBox="1">
+            <a:spLocks/>
+          </p:cNvSpPr>
+          <p:nvPr/>
+        </p:nvSpPr>
+        <p:spPr>
+          <a:xfrm>
+            <a:off x="671398" y="1880281"/>
+            <a:ext cx="7509131" cy="1296144"/>
+          </a:xfrm>
+          <a:prstGeom prst="rect">
+            <a:avLst/>
+          </a:prstGeom>
+        </p:spPr>
+        <p:txBody>
+          <a:bodyPr vert="horz" lIns="91440" tIns="45720" rIns="91440" bIns="45720" rtlCol="0">
+            <a:normAutofit fontScale="92500"/>
+          </a:bodyPr>
+          <a:lstStyle>
+            <a:lvl1pPr marL="0" indent="0" algn="l" defTabSz="914400" rtl="0" eaLnBrk="1" latinLnBrk="0" hangingPunct="1">
+              <a:spcBef>
+                <a:spcPct val="20000"/>
+              </a:spcBef>
+              <a:buFontTx/>
+              <a:buNone/>
+              <a:defRPr lang="fr-FR" sz="2000" b="1" kern="1200">
+                <a:solidFill>
+                  <a:srgbClr val="004D6F"/>
+                </a:solidFill>
+                <a:latin typeface="Arial" pitchFamily="34" charset="0"/>
+                <a:ea typeface="+mn-ea"/>
+                <a:cs typeface="Arial" pitchFamily="34" charset="0"/>
+              </a:defRPr>
+            </a:lvl1pPr>
+            <a:lvl2pPr marL="742950" indent="-285750" algn="l" defTabSz="914400" rtl="0" eaLnBrk="1" latinLnBrk="0" hangingPunct="1">
+              <a:spcBef>
+                <a:spcPct val="20000"/>
+              </a:spcBef>
+              <a:buFont typeface="Arial" panose="020B0604020202020204" pitchFamily="34" charset="0"/>
+              <a:buChar char="•"/>
+              <a:defRPr lang="fr-FR" sz="1500" b="1" kern="1200" baseline="0">
+                <a:solidFill>
+                  <a:srgbClr val="4F4D50"/>
+                </a:solidFill>
+                <a:latin typeface="Arial" pitchFamily="34" charset="0"/>
+                <a:ea typeface="+mn-ea"/>
+                <a:cs typeface="Arial" pitchFamily="34" charset="0"/>
+              </a:defRPr>
+            </a:lvl2pPr>
+            <a:lvl3pPr marL="1143000" indent="-228600" algn="l" defTabSz="914400" rtl="0" eaLnBrk="1" latinLnBrk="0" hangingPunct="1">
+              <a:lnSpc>
+                <a:spcPct val="100000"/>
+              </a:lnSpc>
+              <a:spcBef>
+                <a:spcPts val="600"/>
+              </a:spcBef>
+              <a:buFont typeface="Arial" panose="020B0604020202020204" pitchFamily="34" charset="0"/>
+              <a:buChar char="•"/>
+              <a:defRPr lang="fr-FR" sz="1200" kern="1200" baseline="0" dirty="0" smtClean="0">
+                <a:solidFill>
+                  <a:srgbClr val="4F4D50"/>
+                </a:solidFill>
+                <a:latin typeface="Arial" pitchFamily="34" charset="0"/>
+                <a:ea typeface="+mn-ea"/>
+                <a:cs typeface="Arial" pitchFamily="34" charset="0"/>
+              </a:defRPr>
+            </a:lvl3pPr>
+            <a:lvl4pPr marL="1600200" indent="-228600" algn="l" defTabSz="914400" rtl="0" eaLnBrk="1" latinLnBrk="0" hangingPunct="1">
+              <a:spcBef>
+                <a:spcPct val="20000"/>
+              </a:spcBef>
+              <a:buFont typeface="Arial" panose="020B0604020202020204" pitchFamily="34" charset="0"/>
+              <a:buChar char="–"/>
+              <a:defRPr sz="2000" kern="1200">
+                <a:solidFill>
+                  <a:schemeClr val="tx1"/>
+                </a:solidFill>
+                <a:latin typeface="+mn-lt"/>
+                <a:ea typeface="+mn-ea"/>
+                <a:cs typeface="+mn-cs"/>
+              </a:defRPr>
+            </a:lvl4pPr>
+            <a:lvl5pPr marL="2057400" indent="-228600" algn="l" defTabSz="914400" rtl="0" eaLnBrk="1" latinLnBrk="0" hangingPunct="1">
+              <a:spcBef>
+                <a:spcPct val="20000"/>
+              </a:spcBef>
+              <a:buFont typeface="Arial" panose="020B0604020202020204" pitchFamily="34" charset="0"/>
+              <a:buChar char="»"/>
+              <a:defRPr sz="2000" kern="1200">
+                <a:solidFill>
+                  <a:schemeClr val="tx1"/>
+                </a:solidFill>
+                <a:latin typeface="+mn-lt"/>
+                <a:ea typeface="+mn-ea"/>
+                <a:cs typeface="+mn-cs"/>
+              </a:defRPr>
+            </a:lvl5pPr>
+            <a:lvl6pPr marL="2514600" indent="-228600" algn="l" defTabSz="914400" rtl="0" eaLnBrk="1" latinLnBrk="0" hangingPunct="1">
+              <a:spcBef>
+                <a:spcPct val="20000"/>
+              </a:spcBef>
+              <a:buFont typeface="Arial" panose="020B0604020202020204" pitchFamily="34" charset="0"/>
+              <a:buChar char="•"/>
+              <a:defRPr sz="2000" kern="1200">
+                <a:solidFill>
+                  <a:schemeClr val="tx1"/>
+                </a:solidFill>
+                <a:latin typeface="+mn-lt"/>
+                <a:ea typeface="+mn-ea"/>
+                <a:cs typeface="+mn-cs"/>
+              </a:defRPr>
+            </a:lvl6pPr>
+            <a:lvl7pPr marL="2971800" indent="-228600" algn="l" defTabSz="914400" rtl="0" eaLnBrk="1" latinLnBrk="0" hangingPunct="1">
+              <a:spcBef>
+                <a:spcPct val="20000"/>
+              </a:spcBef>
+              <a:buFont typeface="Arial" panose="020B0604020202020204" pitchFamily="34" charset="0"/>
+              <a:buChar char="•"/>
+              <a:defRPr sz="2000" kern="1200">
+                <a:solidFill>
+                  <a:schemeClr val="tx1"/>
+                </a:solidFill>
+                <a:latin typeface="+mn-lt"/>
+                <a:ea typeface="+mn-ea"/>
+                <a:cs typeface="+mn-cs"/>
+              </a:defRPr>
+            </a:lvl7pPr>
+            <a:lvl8pPr marL="3429000" indent="-228600" algn="l" defTabSz="914400" rtl="0" eaLnBrk="1" latinLnBrk="0" hangingPunct="1">
+              <a:spcBef>
+                <a:spcPct val="20000"/>
+              </a:spcBef>
+              <a:buFont typeface="Arial" panose="020B0604020202020204" pitchFamily="34" charset="0"/>
+              <a:buChar char="•"/>
+              <a:defRPr sz="2000" kern="1200">
+                <a:solidFill>
+                  <a:schemeClr val="tx1"/>
+                </a:solidFill>
+                <a:latin typeface="+mn-lt"/>
+                <a:ea typeface="+mn-ea"/>
+                <a:cs typeface="+mn-cs"/>
+              </a:defRPr>
+            </a:lvl8pPr>
+            <a:lvl9pPr marL="3886200" indent="-228600" algn="l" defTabSz="914400" rtl="0" eaLnBrk="1" latinLnBrk="0" hangingPunct="1">
+              <a:spcBef>
+                <a:spcPct val="20000"/>
+              </a:spcBef>
+              <a:buFont typeface="Arial" panose="020B0604020202020204" pitchFamily="34" charset="0"/>
+              <a:buChar char="•"/>
+              <a:defRPr sz="2000" kern="1200">
+                <a:solidFill>
+                  <a:schemeClr val="tx1"/>
+                </a:solidFill>
+                <a:latin typeface="+mn-lt"/>
+                <a:ea typeface="+mn-ea"/>
+                <a:cs typeface="+mn-cs"/>
+              </a:defRPr>
+            </a:lvl9pPr>
+          </a:lstStyle>
+          <a:p>
+            <a:r>
+              <a:rPr lang="fr-FR" dirty="0" smtClean="0"/>
+              <a:t>Des outils pour gérer son projet de modélisation dans </a:t>
+            </a:r>
+            <a:r>
+              <a:rPr lang="fr-FR" dirty="0" err="1" smtClean="0"/>
+              <a:t>Glasir</a:t>
+            </a:r>
+            <a:r>
+              <a:rPr lang="fr-FR" dirty="0" smtClean="0"/>
+              <a:t>.</a:t>
+            </a:r>
+          </a:p>
+          <a:p>
+            <a:pPr marL="342900" indent="-342900">
+              <a:buFont typeface="Arial" panose="020B0604020202020204" pitchFamily="34" charset="0"/>
+              <a:buChar char="•"/>
+            </a:pPr>
+            <a:r>
+              <a:rPr lang="fr-FR" dirty="0" smtClean="0"/>
+              <a:t>Un affichage des arbres du projet en arborescence</a:t>
+            </a:r>
+          </a:p>
+          <a:p>
+            <a:pPr marL="342900" indent="-342900">
+              <a:buFont typeface="Arial" panose="020B0604020202020204" pitchFamily="34" charset="0"/>
+              <a:buChar char="•"/>
+            </a:pPr>
+            <a:r>
+              <a:rPr lang="fr-FR" dirty="0" smtClean="0"/>
+              <a:t>Une bibliothèque de modèle.</a:t>
+            </a:r>
+          </a:p>
+        </p:txBody>
+      </p:sp>
+      <p:sp>
+        <p:nvSpPr>
+          <p:cNvPr id="5" name="Espace réservé du contenu 4"/>
+          <p:cNvSpPr>
+            <a:spLocks noGrp="1"/>
+          </p:cNvSpPr>
+          <p:nvPr>
+            <p:ph idx="1"/>
+          </p:nvPr>
+        </p:nvSpPr>
+        <p:spPr/>
+        <p:txBody>
+          <a:bodyPr/>
+          <a:lstStyle/>
+          <a:p>
+            <a:endParaRPr lang="fr-FR"/>
+          </a:p>
+        </p:txBody>
+      </p:sp>
+    </p:spTree>
+    <p:extLst>
+      <p:ext uri="{BB962C8B-B14F-4D97-AF65-F5344CB8AC3E}">
+        <p14:creationId xmlns:p14="http://schemas.microsoft.com/office/powerpoint/2010/main" val="2992677937"/>
+      </p:ext>
+    </p:extLst>
+  </p:cSld>
+  <p:clrMapOvr>
+    <a:masterClrMapping/>
+  </p:clrMapOvr>
+  <p:timing>
+    <p:tnLst>
+      <p:par>
+        <p:cTn id="1" dur="indefinite" restart="never" nodeType="tmRoot"/>
+      </p:par>
+    </p:tnLst>
+  </p:timing>
+</p:sld>
+</file>
+
+<file path=ppt/slides/slide19.xml><?xml version="1.0" encoding="utf-8"?>
+<p:sld xmlns:a="http://schemas.openxmlformats.org/drawingml/2006/main" xmlns:r="http://schemas.openxmlformats.org/officeDocument/2006/relationships" xmlns:p="http://schemas.openxmlformats.org/presentationml/2006/main">
+  <p:cSld>
+    <p:spTree>
+      <p:nvGrpSpPr>
+        <p:cNvPr id="1" name=""/>
+        <p:cNvGrpSpPr/>
+        <p:nvPr/>
+      </p:nvGrpSpPr>
+      <p:grpSpPr>
+        <a:xfrm>
+          <a:off x="0" y="0"/>
+          <a:ext cx="0" cy="0"/>
+          <a:chOff x="0" y="0"/>
+          <a:chExt cx="0" cy="0"/>
+        </a:xfrm>
+      </p:grpSpPr>
+      <p:sp>
+        <p:nvSpPr>
+          <p:cNvPr id="2" name="Title 1"/>
+          <p:cNvSpPr>
+            <a:spLocks noGrp="1"/>
+          </p:cNvSpPr>
+          <p:nvPr>
+            <p:ph type="title"/>
+          </p:nvPr>
+        </p:nvSpPr>
+        <p:spPr/>
+        <p:txBody>
+          <a:bodyPr/>
+          <a:lstStyle/>
+          <a:p>
+            <a:endParaRPr lang="fr-FR"/>
+          </a:p>
+        </p:txBody>
+      </p:sp>
+      <p:sp>
+        <p:nvSpPr>
+          <p:cNvPr id="3" name="Content Placeholder 2"/>
+          <p:cNvSpPr>
+            <a:spLocks noGrp="1"/>
+          </p:cNvSpPr>
+          <p:nvPr>
+            <p:ph idx="1"/>
+          </p:nvPr>
+        </p:nvSpPr>
+        <p:spPr/>
+        <p:txBody>
+          <a:bodyPr/>
+          <a:lstStyle/>
+          <a:p>
+            <a:endParaRPr lang="fr-FR" dirty="0"/>
+          </a:p>
+        </p:txBody>
+      </p:sp>
+      <p:sp>
+        <p:nvSpPr>
+          <p:cNvPr id="4" name="Text Placeholder 3"/>
+          <p:cNvSpPr>
+            <a:spLocks noGrp="1"/>
+          </p:cNvSpPr>
+          <p:nvPr>
+            <p:ph type="body" sz="quarter" idx="10"/>
+          </p:nvPr>
+        </p:nvSpPr>
+        <p:spPr/>
+        <p:txBody>
+          <a:bodyPr>
+            <a:normAutofit fontScale="92500" lnSpcReduction="20000"/>
+          </a:bodyPr>
+          <a:lstStyle/>
+          <a:p>
+            <a:r>
+              <a:rPr lang="fr-FR" dirty="0" smtClean="0"/>
+              <a:t>Architecture</a:t>
+            </a:r>
+            <a:endParaRPr lang="fr-FR" dirty="0"/>
+          </a:p>
+        </p:txBody>
+      </p:sp>
+      <p:pic>
+        <p:nvPicPr>
+          <p:cNvPr id="5" name="Picture 4"/>
+          <p:cNvPicPr>
+            <a:picLocks noChangeAspect="1"/>
+          </p:cNvPicPr>
+          <p:nvPr/>
+        </p:nvPicPr>
+        <p:blipFill>
+          <a:blip r:embed="rId2">
+            <a:extLst>
+              <a:ext uri="{28A0092B-C50C-407E-A947-70E740481C1C}">
+                <a14:useLocalDpi xmlns:a14="http://schemas.microsoft.com/office/drawing/2010/main" val="0"/>
+              </a:ext>
+            </a:extLst>
+          </a:blip>
+          <a:stretch>
+            <a:fillRect/>
+          </a:stretch>
+        </p:blipFill>
+        <p:spPr>
+          <a:xfrm>
+            <a:off x="1259972" y="1088740"/>
+            <a:ext cx="6912768" cy="5184576"/>
+          </a:xfrm>
+          <a:prstGeom prst="rect">
+            <a:avLst/>
+          </a:prstGeom>
+        </p:spPr>
+      </p:pic>
+    </p:spTree>
+    <p:extLst>
+      <p:ext uri="{BB962C8B-B14F-4D97-AF65-F5344CB8AC3E}">
+        <p14:creationId xmlns:p14="http://schemas.microsoft.com/office/powerpoint/2010/main" val="3871753629"/>
+      </p:ext>
+    </p:extLst>
+  </p:cSld>
+  <p:clrMapOvr>
+    <a:masterClrMapping/>
+  </p:clrMapOvr>
+  <p:timing>
+    <p:tnLst>
+      <p:par>
+        <p:cTn id="1" dur="indefinite" restart="never" nodeType="tmRoot"/>
+      </p:par>
+    </p:tnLst>
+  </p:timing>
+</p:sld>
+</file>
+
+<file path=ppt/slides/slide2.xml><?xml version="1.0" encoding="utf-8"?>
+<p:sld xmlns:a="http://schemas.openxmlformats.org/drawingml/2006/main" xmlns:r="http://schemas.openxmlformats.org/officeDocument/2006/relationships" xmlns:p="http://schemas.openxmlformats.org/presentationml/2006/main">
+  <p:cSld>
+    <p:spTree>
+      <p:nvGrpSpPr>
+        <p:cNvPr id="1" name=""/>
+        <p:cNvGrpSpPr/>
+        <p:nvPr/>
+      </p:nvGrpSpPr>
+      <p:grpSpPr>
+        <a:xfrm>
+          <a:off x="0" y="0"/>
+          <a:ext cx="0" cy="0"/>
+          <a:chOff x="0" y="0"/>
+          <a:chExt cx="0" cy="0"/>
+        </a:xfrm>
+      </p:grpSpPr>
+      <p:sp>
+        <p:nvSpPr>
+          <p:cNvPr id="2" name="Titre 1"/>
+          <p:cNvSpPr>
+            <a:spLocks noGrp="1"/>
+          </p:cNvSpPr>
+          <p:nvPr>
+            <p:ph type="title"/>
+          </p:nvPr>
+        </p:nvSpPr>
+        <p:spPr/>
+        <p:txBody>
+          <a:bodyPr/>
+          <a:lstStyle/>
+          <a:p>
+            <a:endParaRPr lang="fr-FR"/>
+          </a:p>
+        </p:txBody>
+      </p:sp>
+      <p:sp>
+        <p:nvSpPr>
+          <p:cNvPr id="3" name="Espace réservé du contenu 2"/>
+          <p:cNvSpPr>
+            <a:spLocks noGrp="1"/>
+          </p:cNvSpPr>
+          <p:nvPr>
+            <p:ph idx="1"/>
+          </p:nvPr>
+        </p:nvSpPr>
+        <p:spPr/>
+        <p:txBody>
+          <a:bodyPr/>
+          <a:lstStyle/>
+          <a:p>
+            <a:r>
+              <a:rPr lang="fr-FR" dirty="0" smtClean="0"/>
+              <a:t>GLASIIIIIR</a:t>
+            </a:r>
+            <a:endParaRPr lang="fr-FR" dirty="0"/>
+          </a:p>
+        </p:txBody>
+      </p:sp>
+      <p:sp>
+        <p:nvSpPr>
+          <p:cNvPr id="4" name="Espace réservé du texte 3"/>
+          <p:cNvSpPr>
+            <a:spLocks noGrp="1"/>
+          </p:cNvSpPr>
+          <p:nvPr>
+            <p:ph type="body" sz="quarter" idx="10"/>
+          </p:nvPr>
+        </p:nvSpPr>
+        <p:spPr/>
+        <p:txBody>
+          <a:bodyPr>
+            <a:normAutofit fontScale="92500" lnSpcReduction="20000"/>
+          </a:bodyPr>
+          <a:lstStyle/>
+          <a:p>
+            <a:endParaRPr lang="fr-FR"/>
+          </a:p>
+        </p:txBody>
+      </p:sp>
+    </p:spTree>
+    <p:extLst>
+      <p:ext uri="{BB962C8B-B14F-4D97-AF65-F5344CB8AC3E}">
+        <p14:creationId xmlns:p14="http://schemas.microsoft.com/office/powerpoint/2010/main" val="2179122091"/>
+      </p:ext>
+    </p:extLst>
+  </p:cSld>
+  <p:clrMapOvr>
+    <a:masterClrMapping/>
+  </p:clrMapOvr>
+  <p:timing>
+    <p:tnLst>
+      <p:par>
+        <p:cTn id="1" dur="indefinite" restart="never" nodeType="tmRoot"/>
+      </p:par>
+    </p:tnLst>
+  </p:timing>
+</p:sld>
+</file>
+
+<file path=ppt/slides/slide20.xml><?xml version="1.0" encoding="utf-8"?>
 <p:sld xmlns:a="http://schemas.openxmlformats.org/drawingml/2006/main" xmlns:r="http://schemas.openxmlformats.org/officeDocument/2006/relationships" xmlns:p="http://schemas.openxmlformats.org/presentationml/2006/main">
   <p:cSld>
     <p:spTree>
@@ -10161,7 +8955,7 @@
 </p:sld>
 </file>
 
-<file path=ppt/slides/slide24.xml><?xml version="1.0" encoding="utf-8"?>
+<file path=ppt/slides/slide21.xml><?xml version="1.0" encoding="utf-8"?>
 <p:sld xmlns:a="http://schemas.openxmlformats.org/drawingml/2006/main" xmlns:r="http://schemas.openxmlformats.org/officeDocument/2006/relationships" xmlns:p="http://schemas.openxmlformats.org/presentationml/2006/main">
   <p:cSld>
     <p:spTree>
@@ -10276,203 +9070,6 @@
             <a:r>
               <a:rPr lang="fr-FR" dirty="0"/>
               <a:t>Spécification fonctionnelles</a:t>
-            </a:r>
-          </a:p>
-        </p:txBody>
-      </p:sp>
-      <p:sp>
-        <p:nvSpPr>
-          <p:cNvPr id="6" name="Espace réservé du contenu 2"/>
-          <p:cNvSpPr txBox="1">
-            <a:spLocks/>
-          </p:cNvSpPr>
-          <p:nvPr/>
-        </p:nvSpPr>
-        <p:spPr>
-          <a:xfrm>
-            <a:off x="671398" y="1880281"/>
-            <a:ext cx="7509131" cy="1296144"/>
-          </a:xfrm>
-          <a:prstGeom prst="rect">
-            <a:avLst/>
-          </a:prstGeom>
-        </p:spPr>
-        <p:txBody>
-          <a:bodyPr vert="horz" lIns="91440" tIns="45720" rIns="91440" bIns="45720" rtlCol="0">
-            <a:normAutofit fontScale="92500"/>
-          </a:bodyPr>
-          <a:lstStyle>
-            <a:lvl1pPr marL="0" indent="0" algn="l" defTabSz="914400" rtl="0" eaLnBrk="1" latinLnBrk="0" hangingPunct="1">
-              <a:spcBef>
-                <a:spcPct val="20000"/>
-              </a:spcBef>
-              <a:buFontTx/>
-              <a:buNone/>
-              <a:defRPr lang="fr-FR" sz="2000" b="1" kern="1200">
-                <a:solidFill>
-                  <a:srgbClr val="004D6F"/>
-                </a:solidFill>
-                <a:latin typeface="Arial" pitchFamily="34" charset="0"/>
-                <a:ea typeface="+mn-ea"/>
-                <a:cs typeface="Arial" pitchFamily="34" charset="0"/>
-              </a:defRPr>
-            </a:lvl1pPr>
-            <a:lvl2pPr marL="742950" indent="-285750" algn="l" defTabSz="914400" rtl="0" eaLnBrk="1" latinLnBrk="0" hangingPunct="1">
-              <a:spcBef>
-                <a:spcPct val="20000"/>
-              </a:spcBef>
-              <a:buFont typeface="Arial" panose="020B0604020202020204" pitchFamily="34" charset="0"/>
-              <a:buChar char="•"/>
-              <a:defRPr lang="fr-FR" sz="1500" b="1" kern="1200" baseline="0">
-                <a:solidFill>
-                  <a:srgbClr val="4F4D50"/>
-                </a:solidFill>
-                <a:latin typeface="Arial" pitchFamily="34" charset="0"/>
-                <a:ea typeface="+mn-ea"/>
-                <a:cs typeface="Arial" pitchFamily="34" charset="0"/>
-              </a:defRPr>
-            </a:lvl2pPr>
-            <a:lvl3pPr marL="1143000" indent="-228600" algn="l" defTabSz="914400" rtl="0" eaLnBrk="1" latinLnBrk="0" hangingPunct="1">
-              <a:lnSpc>
-                <a:spcPct val="100000"/>
-              </a:lnSpc>
-              <a:spcBef>
-                <a:spcPts val="600"/>
-              </a:spcBef>
-              <a:buFont typeface="Arial" panose="020B0604020202020204" pitchFamily="34" charset="0"/>
-              <a:buChar char="•"/>
-              <a:defRPr lang="fr-FR" sz="1200" kern="1200" baseline="0" dirty="0" smtClean="0">
-                <a:solidFill>
-                  <a:srgbClr val="4F4D50"/>
-                </a:solidFill>
-                <a:latin typeface="Arial" pitchFamily="34" charset="0"/>
-                <a:ea typeface="+mn-ea"/>
-                <a:cs typeface="Arial" pitchFamily="34" charset="0"/>
-              </a:defRPr>
-            </a:lvl3pPr>
-            <a:lvl4pPr marL="1600200" indent="-228600" algn="l" defTabSz="914400" rtl="0" eaLnBrk="1" latinLnBrk="0" hangingPunct="1">
-              <a:spcBef>
-                <a:spcPct val="20000"/>
-              </a:spcBef>
-              <a:buFont typeface="Arial" panose="020B0604020202020204" pitchFamily="34" charset="0"/>
-              <a:buChar char="–"/>
-              <a:defRPr sz="2000" kern="1200">
-                <a:solidFill>
-                  <a:schemeClr val="tx1"/>
-                </a:solidFill>
-                <a:latin typeface="+mn-lt"/>
-                <a:ea typeface="+mn-ea"/>
-                <a:cs typeface="+mn-cs"/>
-              </a:defRPr>
-            </a:lvl4pPr>
-            <a:lvl5pPr marL="2057400" indent="-228600" algn="l" defTabSz="914400" rtl="0" eaLnBrk="1" latinLnBrk="0" hangingPunct="1">
-              <a:spcBef>
-                <a:spcPct val="20000"/>
-              </a:spcBef>
-              <a:buFont typeface="Arial" panose="020B0604020202020204" pitchFamily="34" charset="0"/>
-              <a:buChar char="»"/>
-              <a:defRPr sz="2000" kern="1200">
-                <a:solidFill>
-                  <a:schemeClr val="tx1"/>
-                </a:solidFill>
-                <a:latin typeface="+mn-lt"/>
-                <a:ea typeface="+mn-ea"/>
-                <a:cs typeface="+mn-cs"/>
-              </a:defRPr>
-            </a:lvl5pPr>
-            <a:lvl6pPr marL="2514600" indent="-228600" algn="l" defTabSz="914400" rtl="0" eaLnBrk="1" latinLnBrk="0" hangingPunct="1">
-              <a:spcBef>
-                <a:spcPct val="20000"/>
-              </a:spcBef>
-              <a:buFont typeface="Arial" panose="020B0604020202020204" pitchFamily="34" charset="0"/>
-              <a:buChar char="•"/>
-              <a:defRPr sz="2000" kern="1200">
-                <a:solidFill>
-                  <a:schemeClr val="tx1"/>
-                </a:solidFill>
-                <a:latin typeface="+mn-lt"/>
-                <a:ea typeface="+mn-ea"/>
-                <a:cs typeface="+mn-cs"/>
-              </a:defRPr>
-            </a:lvl6pPr>
-            <a:lvl7pPr marL="2971800" indent="-228600" algn="l" defTabSz="914400" rtl="0" eaLnBrk="1" latinLnBrk="0" hangingPunct="1">
-              <a:spcBef>
-                <a:spcPct val="20000"/>
-              </a:spcBef>
-              <a:buFont typeface="Arial" panose="020B0604020202020204" pitchFamily="34" charset="0"/>
-              <a:buChar char="•"/>
-              <a:defRPr sz="2000" kern="1200">
-                <a:solidFill>
-                  <a:schemeClr val="tx1"/>
-                </a:solidFill>
-                <a:latin typeface="+mn-lt"/>
-                <a:ea typeface="+mn-ea"/>
-                <a:cs typeface="+mn-cs"/>
-              </a:defRPr>
-            </a:lvl7pPr>
-            <a:lvl8pPr marL="3429000" indent="-228600" algn="l" defTabSz="914400" rtl="0" eaLnBrk="1" latinLnBrk="0" hangingPunct="1">
-              <a:spcBef>
-                <a:spcPct val="20000"/>
-              </a:spcBef>
-              <a:buFont typeface="Arial" panose="020B0604020202020204" pitchFamily="34" charset="0"/>
-              <a:buChar char="•"/>
-              <a:defRPr sz="2000" kern="1200">
-                <a:solidFill>
-                  <a:schemeClr val="tx1"/>
-                </a:solidFill>
-                <a:latin typeface="+mn-lt"/>
-                <a:ea typeface="+mn-ea"/>
-                <a:cs typeface="+mn-cs"/>
-              </a:defRPr>
-            </a:lvl8pPr>
-            <a:lvl9pPr marL="3886200" indent="-228600" algn="l" defTabSz="914400" rtl="0" eaLnBrk="1" latinLnBrk="0" hangingPunct="1">
-              <a:spcBef>
-                <a:spcPct val="20000"/>
-              </a:spcBef>
-              <a:buFont typeface="Arial" panose="020B0604020202020204" pitchFamily="34" charset="0"/>
-              <a:buChar char="•"/>
-              <a:defRPr sz="2000" kern="1200">
-                <a:solidFill>
-                  <a:schemeClr val="tx1"/>
-                </a:solidFill>
-                <a:latin typeface="+mn-lt"/>
-                <a:ea typeface="+mn-ea"/>
-                <a:cs typeface="+mn-cs"/>
-              </a:defRPr>
-            </a:lvl9pPr>
-          </a:lstStyle>
-          <a:p>
-            <a:r>
-              <a:rPr lang="fr-FR" dirty="0" smtClean="0"/>
-              <a:t>Des outils pour gérer son projet de modélisation dans </a:t>
-            </a:r>
-            <a:r>
-              <a:rPr lang="fr-FR" dirty="0" err="1" smtClean="0"/>
-              <a:t>Glasir</a:t>
-            </a:r>
-            <a:r>
-              <a:rPr lang="fr-FR" dirty="0" smtClean="0"/>
-              <a:t>.</a:t>
-            </a:r>
-          </a:p>
-          <a:p>
-            <a:pPr marL="342900" indent="-342900">
-              <a:buFont typeface="Arial" panose="020B0604020202020204" pitchFamily="34" charset="0"/>
-              <a:buChar char="•"/>
-            </a:pPr>
-            <a:r>
-              <a:rPr lang="fr-FR" dirty="0" smtClean="0"/>
-              <a:t>Un affichage des arbres du projet en arborescence</a:t>
-            </a:r>
-          </a:p>
-          <a:p>
-            <a:pPr marL="342900" indent="-342900">
-              <a:buFont typeface="Arial" panose="020B0604020202020204" pitchFamily="34" charset="0"/>
-              <a:buChar char="•"/>
-            </a:pPr>
-            <a:r>
-              <a:rPr lang="fr-FR" dirty="0" smtClean="0"/>
-              <a:t>Une bibliothèque de modèle.</a:t>
             </a:r>
           </a:p>
         </p:txBody>
@@ -10497,7 +9094,7 @@
 </p:sld>
 </file>
 
-<file path=ppt/slides/slide25.xml><?xml version="1.0" encoding="utf-8"?>
+<file path=ppt/slides/slide22.xml><?xml version="1.0" encoding="utf-8"?>
 <p:sld xmlns:a="http://schemas.openxmlformats.org/drawingml/2006/main" xmlns:r="http://schemas.openxmlformats.org/officeDocument/2006/relationships" xmlns:p="http://schemas.openxmlformats.org/presentationml/2006/main">
   <p:cSld>
     <p:spTree>
@@ -10534,7 +9131,7 @@
             <a:pPr algn="ctr"/>
             <a:r>
               <a:rPr lang="fr-FR" sz="2800" dirty="0" smtClean="0"/>
-              <a:t>Méthode SCRUM</a:t>
+              <a:t>Versionnement de Glasir</a:t>
             </a:r>
             <a:endParaRPr lang="fr-FR" sz="2800" dirty="0"/>
           </a:p>
@@ -10555,22 +9152,6 @@
           <a:bodyPr/>
           <a:lstStyle/>
           <a:p>
-            <a:endParaRPr lang="fr-FR" dirty="0" smtClean="0"/>
-          </a:p>
-          <a:p>
-            <a:endParaRPr lang="fr-FR" dirty="0" smtClean="0"/>
-          </a:p>
-          <a:p>
-            <a:pPr>
-              <a:buFont typeface="Wingdings" pitchFamily="2" charset="2"/>
-              <a:buChar char="q"/>
-            </a:pPr>
-            <a:r>
-              <a:rPr lang="fr-FR" dirty="0" smtClean="0"/>
-              <a:t>ScrumMaster</a:t>
-            </a:r>
-          </a:p>
-          <a:p>
             <a:pPr>
               <a:buFont typeface="Wingdings" pitchFamily="2" charset="2"/>
               <a:buChar char="q"/>
@@ -10578,19 +9159,6 @@
             <a:endParaRPr lang="fr-FR" dirty="0" smtClean="0"/>
           </a:p>
           <a:p>
-            <a:endParaRPr lang="fr-FR" dirty="0" smtClean="0"/>
-          </a:p>
-          <a:p>
-            <a:pPr>
-              <a:buFont typeface="Wingdings" pitchFamily="2" charset="2"/>
-              <a:buChar char="q"/>
-            </a:pPr>
-            <a:r>
-              <a:rPr lang="fr-FR" dirty="0" smtClean="0"/>
-              <a:t>Product Owner</a:t>
-            </a:r>
-          </a:p>
-          <a:p>
             <a:pPr>
               <a:buFont typeface="Wingdings" pitchFamily="2" charset="2"/>
               <a:buChar char="q"/>
@@ -10598,20 +9166,14 @@
             <a:endParaRPr lang="fr-FR" dirty="0" smtClean="0"/>
           </a:p>
           <a:p>
-            <a:endParaRPr lang="fr-FR" dirty="0" smtClean="0"/>
-          </a:p>
-          <a:p>
             <a:pPr>
               <a:buFont typeface="Wingdings" pitchFamily="2" charset="2"/>
               <a:buChar char="q"/>
             </a:pPr>
             <a:r>
               <a:rPr lang="fr-FR" dirty="0" smtClean="0"/>
-              <a:t>Mêlée quotidienne</a:t>
-            </a:r>
-          </a:p>
-          <a:p>
-            <a:endParaRPr lang="fr-FR" dirty="0" smtClean="0"/>
+              <a:t>Version 0.1 : Paramètre de synthèse</a:t>
+            </a:r>
           </a:p>
           <a:p>
             <a:pPr>
@@ -10621,15 +9183,51 @@
             <a:endParaRPr lang="fr-FR" dirty="0" smtClean="0"/>
           </a:p>
           <a:p>
+            <a:endParaRPr lang="fr-FR" dirty="0" smtClean="0"/>
+          </a:p>
+          <a:p>
             <a:pPr>
               <a:buFont typeface="Wingdings" pitchFamily="2" charset="2"/>
               <a:buChar char="q"/>
             </a:pPr>
+            <a:endParaRPr lang="fr-FR" dirty="0" smtClean="0"/>
+          </a:p>
+          <a:p>
+            <a:pPr>
+              <a:buFont typeface="Wingdings" pitchFamily="2" charset="2"/>
+              <a:buChar char="q"/>
+            </a:pPr>
             <a:r>
               <a:rPr lang="fr-FR" dirty="0" smtClean="0"/>
-              <a:t>Sprints</a:t>
-            </a:r>
-            <a:endParaRPr lang="fr-FR" dirty="0"/>
+              <a:t>Version 0.2 : Filtre</a:t>
+            </a:r>
+          </a:p>
+          <a:p>
+            <a:endParaRPr lang="fr-FR" dirty="0" smtClean="0"/>
+          </a:p>
+          <a:p>
+            <a:pPr>
+              <a:buFont typeface="Wingdings" pitchFamily="2" charset="2"/>
+              <a:buChar char="q"/>
+            </a:pPr>
+            <a:endParaRPr lang="fr-FR" dirty="0" smtClean="0"/>
+          </a:p>
+          <a:p>
+            <a:pPr>
+              <a:buFont typeface="Wingdings" pitchFamily="2" charset="2"/>
+              <a:buChar char="q"/>
+            </a:pPr>
+            <a:endParaRPr lang="fr-FR" dirty="0" smtClean="0"/>
+          </a:p>
+          <a:p>
+            <a:pPr>
+              <a:buFont typeface="Wingdings" pitchFamily="2" charset="2"/>
+              <a:buChar char="q"/>
+            </a:pPr>
+            <a:r>
+              <a:rPr lang="fr-FR" dirty="0" smtClean="0"/>
+              <a:t>Version 1.0 : Optimiseur</a:t>
+            </a:r>
           </a:p>
         </p:txBody>
       </p:sp>
@@ -10673,7 +9271,7 @@
 </p:sld>
 </file>
 
-<file path=ppt/slides/slide26.xml><?xml version="1.0" encoding="utf-8"?>
+<file path=ppt/slides/slide23.xml><?xml version="1.0" encoding="utf-8"?>
 <p:sld xmlns:a="http://schemas.openxmlformats.org/drawingml/2006/main" xmlns:r="http://schemas.openxmlformats.org/officeDocument/2006/relationships" xmlns:p="http://schemas.openxmlformats.org/presentationml/2006/main">
   <p:cSld>
     <p:spTree>
@@ -10710,7 +9308,7 @@
             <a:pPr algn="ctr"/>
             <a:r>
               <a:rPr lang="fr-FR" sz="2800" dirty="0" smtClean="0"/>
-              <a:t>Versionnement de Glasir</a:t>
+              <a:t>Méthode SCRUM</a:t>
             </a:r>
             <a:endParaRPr lang="fr-FR" sz="2800" dirty="0"/>
           </a:p>
@@ -10731,6 +9329,22 @@
           <a:bodyPr/>
           <a:lstStyle/>
           <a:p>
+            <a:endParaRPr lang="fr-FR" dirty="0" smtClean="0"/>
+          </a:p>
+          <a:p>
+            <a:endParaRPr lang="fr-FR" dirty="0" smtClean="0"/>
+          </a:p>
+          <a:p>
+            <a:pPr>
+              <a:buFont typeface="Wingdings" pitchFamily="2" charset="2"/>
+              <a:buChar char="q"/>
+            </a:pPr>
+            <a:r>
+              <a:rPr lang="fr-FR" dirty="0" smtClean="0"/>
+              <a:t>ScrumMaster</a:t>
+            </a:r>
+          </a:p>
+          <a:p>
             <a:pPr>
               <a:buFont typeface="Wingdings" pitchFamily="2" charset="2"/>
               <a:buChar char="q"/>
@@ -10738,6 +9352,19 @@
             <a:endParaRPr lang="fr-FR" dirty="0" smtClean="0"/>
           </a:p>
           <a:p>
+            <a:endParaRPr lang="fr-FR" dirty="0" smtClean="0"/>
+          </a:p>
+          <a:p>
+            <a:pPr>
+              <a:buFont typeface="Wingdings" pitchFamily="2" charset="2"/>
+              <a:buChar char="q"/>
+            </a:pPr>
+            <a:r>
+              <a:rPr lang="fr-FR" dirty="0" smtClean="0"/>
+              <a:t>Product Owner</a:t>
+            </a:r>
+          </a:p>
+          <a:p>
             <a:pPr>
               <a:buFont typeface="Wingdings" pitchFamily="2" charset="2"/>
               <a:buChar char="q"/>
@@ -10745,14 +9372,20 @@
             <a:endParaRPr lang="fr-FR" dirty="0" smtClean="0"/>
           </a:p>
           <a:p>
+            <a:endParaRPr lang="fr-FR" dirty="0" smtClean="0"/>
+          </a:p>
+          <a:p>
             <a:pPr>
               <a:buFont typeface="Wingdings" pitchFamily="2" charset="2"/>
               <a:buChar char="q"/>
             </a:pPr>
             <a:r>
               <a:rPr lang="fr-FR" dirty="0" smtClean="0"/>
-              <a:t>Version 0.1 : Paramètre de synthèse</a:t>
-            </a:r>
+              <a:t>Mêlée quotidienne</a:t>
+            </a:r>
+          </a:p>
+          <a:p>
+            <a:endParaRPr lang="fr-FR" dirty="0" smtClean="0"/>
           </a:p>
           <a:p>
             <a:pPr>
@@ -10762,51 +9395,15 @@
             <a:endParaRPr lang="fr-FR" dirty="0" smtClean="0"/>
           </a:p>
           <a:p>
-            <a:endParaRPr lang="fr-FR" dirty="0" smtClean="0"/>
-          </a:p>
-          <a:p>
             <a:pPr>
               <a:buFont typeface="Wingdings" pitchFamily="2" charset="2"/>
               <a:buChar char="q"/>
             </a:pPr>
-            <a:endParaRPr lang="fr-FR" dirty="0" smtClean="0"/>
-          </a:p>
-          <a:p>
-            <a:pPr>
-              <a:buFont typeface="Wingdings" pitchFamily="2" charset="2"/>
-              <a:buChar char="q"/>
-            </a:pPr>
             <a:r>
               <a:rPr lang="fr-FR" dirty="0" smtClean="0"/>
-              <a:t>Version 0.2 : Filtre</a:t>
-            </a:r>
-          </a:p>
-          <a:p>
-            <a:endParaRPr lang="fr-FR" dirty="0" smtClean="0"/>
-          </a:p>
-          <a:p>
-            <a:pPr>
-              <a:buFont typeface="Wingdings" pitchFamily="2" charset="2"/>
-              <a:buChar char="q"/>
-            </a:pPr>
-            <a:endParaRPr lang="fr-FR" dirty="0" smtClean="0"/>
-          </a:p>
-          <a:p>
-            <a:pPr>
-              <a:buFont typeface="Wingdings" pitchFamily="2" charset="2"/>
-              <a:buChar char="q"/>
-            </a:pPr>
-            <a:endParaRPr lang="fr-FR" dirty="0" smtClean="0"/>
-          </a:p>
-          <a:p>
-            <a:pPr>
-              <a:buFont typeface="Wingdings" pitchFamily="2" charset="2"/>
-              <a:buChar char="q"/>
-            </a:pPr>
-            <a:r>
-              <a:rPr lang="fr-FR" dirty="0" smtClean="0"/>
-              <a:t>Version 1.0 : Optimiseur</a:t>
-            </a:r>
+              <a:t>Sprints</a:t>
+            </a:r>
+            <a:endParaRPr lang="fr-FR" dirty="0"/>
           </a:p>
         </p:txBody>
       </p:sp>
@@ -10850,7 +9447,7 @@
 </p:sld>
 </file>
 
-<file path=ppt/slides/slide27.xml><?xml version="1.0" encoding="utf-8"?>
+<file path=ppt/slides/slide24.xml><?xml version="1.0" encoding="utf-8"?>
 <p:sld xmlns:a="http://schemas.openxmlformats.org/drawingml/2006/main" xmlns:r="http://schemas.openxmlformats.org/officeDocument/2006/relationships" xmlns:p="http://schemas.openxmlformats.org/presentationml/2006/main">
   <p:cSld>
     <p:spTree>
@@ -10887,7 +9484,7 @@
             <a:pPr algn="ctr"/>
             <a:r>
               <a:rPr lang="fr-FR" sz="2800" dirty="0" smtClean="0"/>
-              <a:t>Identification des risques</a:t>
+              <a:t>Conclusion</a:t>
             </a:r>
             <a:endParaRPr lang="fr-FR" sz="2800" dirty="0"/>
           </a:p>
@@ -10911,331 +9508,11 @@
             <a:endParaRPr lang="fr-FR" dirty="0" smtClean="0"/>
           </a:p>
           <a:p>
-            <a:endParaRPr lang="fr-FR" dirty="0" smtClean="0"/>
-          </a:p>
-          <a:p>
-            <a:pPr>
-              <a:buFont typeface="Wingdings" pitchFamily="2" charset="2"/>
-              <a:buChar char="q"/>
-            </a:pPr>
-            <a:r>
-              <a:rPr lang="fr-FR" dirty="0" smtClean="0"/>
-              <a:t>Identifier les entraves éventuelles</a:t>
-            </a:r>
-          </a:p>
-          <a:p>
             <a:pPr>
               <a:buFont typeface="Wingdings" pitchFamily="2" charset="2"/>
               <a:buChar char="q"/>
             </a:pPr>
             <a:endParaRPr lang="fr-FR" dirty="0" smtClean="0"/>
-          </a:p>
-          <a:p>
-            <a:pPr>
-              <a:buFont typeface="Wingdings" pitchFamily="2" charset="2"/>
-              <a:buChar char="q"/>
-            </a:pPr>
-            <a:endParaRPr lang="fr-FR" dirty="0" smtClean="0"/>
-          </a:p>
-          <a:p>
-            <a:pPr>
-              <a:buFont typeface="Wingdings" pitchFamily="2" charset="2"/>
-              <a:buChar char="q"/>
-            </a:pPr>
-            <a:endParaRPr lang="fr-FR" dirty="0" smtClean="0"/>
-          </a:p>
-          <a:p>
-            <a:pPr>
-              <a:buFont typeface="Wingdings" pitchFamily="2" charset="2"/>
-              <a:buChar char="q"/>
-            </a:pPr>
-            <a:r>
-              <a:rPr lang="fr-FR" dirty="0" smtClean="0"/>
-              <a:t>Identifier les tâches concernées</a:t>
-            </a:r>
-          </a:p>
-          <a:p>
-            <a:pPr>
-              <a:buFont typeface="Wingdings" pitchFamily="2" charset="2"/>
-              <a:buChar char="q"/>
-            </a:pPr>
-            <a:endParaRPr lang="fr-FR" dirty="0" smtClean="0"/>
-          </a:p>
-          <a:p>
-            <a:pPr>
-              <a:buFont typeface="Wingdings" pitchFamily="2" charset="2"/>
-              <a:buChar char="q"/>
-            </a:pPr>
-            <a:endParaRPr lang="fr-FR" dirty="0" smtClean="0"/>
-          </a:p>
-          <a:p>
-            <a:pPr>
-              <a:buFont typeface="Wingdings" pitchFamily="2" charset="2"/>
-              <a:buChar char="q"/>
-            </a:pPr>
-            <a:endParaRPr lang="fr-FR" dirty="0" smtClean="0"/>
-          </a:p>
-          <a:p>
-            <a:pPr>
-              <a:buFont typeface="Wingdings" pitchFamily="2" charset="2"/>
-              <a:buChar char="q"/>
-            </a:pPr>
-            <a:r>
-              <a:rPr lang="fr-FR" dirty="0" smtClean="0"/>
-              <a:t>Prévoir des solutions appropriées</a:t>
-            </a:r>
-            <a:endParaRPr lang="fr-FR" dirty="0"/>
-          </a:p>
-        </p:txBody>
-      </p:sp>
-      <p:sp>
-        <p:nvSpPr>
-          <p:cNvPr id="4" name="Espace réservé du texte 3"/>
-          <p:cNvSpPr>
-            <a:spLocks noGrp="1"/>
-          </p:cNvSpPr>
-          <p:nvPr>
-            <p:ph type="body" sz="quarter" idx="10"/>
-          </p:nvPr>
-        </p:nvSpPr>
-        <p:spPr/>
-        <p:txBody>
-          <a:bodyPr>
-            <a:normAutofit fontScale="92500" lnSpcReduction="20000"/>
-          </a:bodyPr>
-          <a:lstStyle/>
-          <a:p>
-            <a:r>
-              <a:rPr lang="fr-FR" dirty="0" smtClean="0"/>
-              <a:t>Planification</a:t>
-            </a:r>
-            <a:endParaRPr lang="fr-FR" dirty="0"/>
-          </a:p>
-        </p:txBody>
-      </p:sp>
-    </p:spTree>
-  </p:cSld>
-  <p:clrMapOvr>
-    <a:masterClrMapping/>
-  </p:clrMapOvr>
-  <p:timing>
-    <p:tnLst>
-      <p:par>
-        <p:cTn id="1" dur="indefinite" restart="never" nodeType="tmRoot"/>
-      </p:par>
-    </p:tnLst>
-  </p:timing>
-</p:sld>
-</file>
-
-<file path=ppt/slides/slide28.xml><?xml version="1.0" encoding="utf-8"?>
-<p:sld xmlns:a="http://schemas.openxmlformats.org/drawingml/2006/main" xmlns:r="http://schemas.openxmlformats.org/officeDocument/2006/relationships" xmlns:p="http://schemas.openxmlformats.org/presentationml/2006/main">
-  <p:cSld>
-    <p:spTree>
-      <p:nvGrpSpPr>
-        <p:cNvPr id="1" name=""/>
-        <p:cNvGrpSpPr/>
-        <p:nvPr/>
-      </p:nvGrpSpPr>
-      <p:grpSpPr>
-        <a:xfrm>
-          <a:off x="0" y="0"/>
-          <a:ext cx="0" cy="0"/>
-          <a:chOff x="0" y="0"/>
-          <a:chExt cx="0" cy="0"/>
-        </a:xfrm>
-      </p:grpSpPr>
-      <p:sp>
-        <p:nvSpPr>
-          <p:cNvPr id="2" name="Titre 1"/>
-          <p:cNvSpPr>
-            <a:spLocks noGrp="1"/>
-          </p:cNvSpPr>
-          <p:nvPr>
-            <p:ph type="title"/>
-          </p:nvPr>
-        </p:nvSpPr>
-        <p:spPr/>
-        <p:txBody>
-          <a:bodyPr>
-            <a:normAutofit/>
-          </a:bodyPr>
-          <a:lstStyle/>
-          <a:p>
-            <a:pPr algn="ctr"/>
-            <a:r>
-              <a:rPr lang="fr-FR" sz="2800" dirty="0" smtClean="0"/>
-              <a:t>Planification</a:t>
-            </a:r>
-            <a:endParaRPr lang="fr-FR" sz="2800" dirty="0"/>
-          </a:p>
-        </p:txBody>
-      </p:sp>
-      <p:sp>
-        <p:nvSpPr>
-          <p:cNvPr id="3" name="Espace réservé du contenu 2"/>
-          <p:cNvSpPr>
-            <a:spLocks noGrp="1"/>
-          </p:cNvSpPr>
-          <p:nvPr>
-            <p:ph idx="1"/>
-          </p:nvPr>
-        </p:nvSpPr>
-        <p:spPr/>
-        <p:txBody>
-          <a:bodyPr/>
-          <a:lstStyle/>
-          <a:p>
-            <a:endParaRPr lang="fr-FR" dirty="0" smtClean="0"/>
-          </a:p>
-          <a:p>
-            <a:endParaRPr lang="fr-FR" dirty="0" smtClean="0"/>
-          </a:p>
-          <a:p>
-            <a:endParaRPr lang="fr-FR" dirty="0" smtClean="0"/>
-          </a:p>
-          <a:p>
-            <a:endParaRPr lang="fr-FR" dirty="0" smtClean="0"/>
-          </a:p>
-          <a:p>
-            <a:r>
-              <a:rPr lang="fr-FR" dirty="0" smtClean="0"/>
-              <a:t>Découpage par tâches</a:t>
-            </a:r>
-            <a:endParaRPr lang="fr-FR" dirty="0"/>
-          </a:p>
-        </p:txBody>
-      </p:sp>
-      <p:sp>
-        <p:nvSpPr>
-          <p:cNvPr id="4" name="Espace réservé du texte 3"/>
-          <p:cNvSpPr>
-            <a:spLocks noGrp="1"/>
-          </p:cNvSpPr>
-          <p:nvPr>
-            <p:ph type="body" sz="quarter" idx="10"/>
-          </p:nvPr>
-        </p:nvSpPr>
-        <p:spPr/>
-        <p:txBody>
-          <a:bodyPr>
-            <a:normAutofit fontScale="92500" lnSpcReduction="20000"/>
-          </a:bodyPr>
-          <a:lstStyle/>
-          <a:p>
-            <a:r>
-              <a:rPr lang="fr-FR" dirty="0" smtClean="0"/>
-              <a:t>Planification</a:t>
-            </a:r>
-            <a:endParaRPr lang="fr-FR" dirty="0"/>
-          </a:p>
-        </p:txBody>
-      </p:sp>
-      <p:pic>
-        <p:nvPicPr>
-          <p:cNvPr id="5" name="Image 4" descr="planification.png"/>
-          <p:cNvPicPr>
-            <a:picLocks noChangeAspect="1"/>
-          </p:cNvPicPr>
-          <p:nvPr/>
-        </p:nvPicPr>
-        <p:blipFill>
-          <a:blip r:embed="rId2" cstate="print"/>
-          <a:stretch>
-            <a:fillRect/>
-          </a:stretch>
-        </p:blipFill>
-        <p:spPr>
-          <a:xfrm>
-            <a:off x="179512" y="3284984"/>
-            <a:ext cx="8820472" cy="1217272"/>
-          </a:xfrm>
-          <a:prstGeom prst="rect">
-            <a:avLst/>
-          </a:prstGeom>
-        </p:spPr>
-      </p:pic>
-    </p:spTree>
-  </p:cSld>
-  <p:clrMapOvr>
-    <a:masterClrMapping/>
-  </p:clrMapOvr>
-  <p:timing>
-    <p:tnLst>
-      <p:par>
-        <p:cTn id="1" dur="indefinite" restart="never" nodeType="tmRoot"/>
-      </p:par>
-    </p:tnLst>
-  </p:timing>
-</p:sld>
-</file>
-
-<file path=ppt/slides/slide29.xml><?xml version="1.0" encoding="utf-8"?>
-<p:sld xmlns:a="http://schemas.openxmlformats.org/drawingml/2006/main" xmlns:r="http://schemas.openxmlformats.org/officeDocument/2006/relationships" xmlns:p="http://schemas.openxmlformats.org/presentationml/2006/main">
-  <p:cSld>
-    <p:spTree>
-      <p:nvGrpSpPr>
-        <p:cNvPr id="1" name=""/>
-        <p:cNvGrpSpPr/>
-        <p:nvPr/>
-      </p:nvGrpSpPr>
-      <p:grpSpPr>
-        <a:xfrm>
-          <a:off x="0" y="0"/>
-          <a:ext cx="0" cy="0"/>
-          <a:chOff x="0" y="0"/>
-          <a:chExt cx="0" cy="0"/>
-        </a:xfrm>
-      </p:grpSpPr>
-      <p:sp>
-        <p:nvSpPr>
-          <p:cNvPr id="2" name="Titre 1"/>
-          <p:cNvSpPr>
-            <a:spLocks noGrp="1"/>
-          </p:cNvSpPr>
-          <p:nvPr>
-            <p:ph type="title"/>
-          </p:nvPr>
-        </p:nvSpPr>
-        <p:spPr/>
-        <p:txBody>
-          <a:bodyPr>
-            <a:normAutofit/>
-          </a:bodyPr>
-          <a:lstStyle/>
-          <a:p>
-            <a:pPr algn="ctr"/>
-            <a:r>
-              <a:rPr lang="fr-FR" sz="2800" dirty="0" smtClean="0"/>
-              <a:t>Conclusion</a:t>
-            </a:r>
-            <a:endParaRPr lang="fr-FR" sz="2800" dirty="0"/>
-          </a:p>
-        </p:txBody>
-      </p:sp>
-      <p:sp>
-        <p:nvSpPr>
-          <p:cNvPr id="3" name="Espace réservé du contenu 2"/>
-          <p:cNvSpPr>
-            <a:spLocks noGrp="1"/>
-          </p:cNvSpPr>
-          <p:nvPr>
-            <p:ph idx="1"/>
-          </p:nvPr>
-        </p:nvSpPr>
-        <p:spPr/>
-        <p:txBody>
-          <a:bodyPr/>
-          <a:lstStyle/>
-          <a:p>
-            <a:endParaRPr lang="fr-FR" dirty="0" smtClean="0"/>
-          </a:p>
-          <a:p>
-            <a:pPr>
-              <a:buFont typeface="Wingdings" pitchFamily="2" charset="2"/>
-              <a:buChar char="q"/>
-            </a:pPr>
-            <a:endParaRPr lang="fr-FR" smtClean="0"/>
           </a:p>
           <a:p>
             <a:endParaRPr lang="fr-FR" dirty="0" smtClean="0"/>
@@ -11375,7 +9652,11 @@
           <a:bodyPr/>
           <a:lstStyle/>
           <a:p>
-            <a:endParaRPr lang="fr-FR"/>
+            <a:r>
+              <a:rPr lang="fr-FR" dirty="0" smtClean="0"/>
+              <a:t>Etat de l’art</a:t>
+            </a:r>
+            <a:endParaRPr lang="fr-FR" dirty="0"/>
           </a:p>
         </p:txBody>
       </p:sp>
@@ -11389,434 +9670,11 @@
             <p:ph idx="1"/>
           </p:nvPr>
         </p:nvSpPr>
-        <p:spPr>
-          <a:xfrm>
-            <a:off x="457200" y="908720"/>
-            <a:ext cx="8229600" cy="1008112"/>
-          </a:xfrm>
-        </p:spPr>
-        <p:txBody>
-          <a:bodyPr>
-            <a:normAutofit/>
-          </a:bodyPr>
-          <a:lstStyle/>
-          <a:p>
-            <a:pPr algn="ctr"/>
-            <a:r>
-              <a:rPr lang="fr-FR" sz="4800" smtClean="0"/>
-              <a:t> 16 et 18 mai 2012</a:t>
-            </a:r>
-          </a:p>
-          <a:p>
-            <a:pPr algn="ctr"/>
-            <a:endParaRPr lang="fr-FR" sz="4800" smtClean="0"/>
-          </a:p>
-          <a:p>
-            <a:pPr algn="ctr"/>
-            <a:endParaRPr lang="fr-FR" sz="4800" smtClean="0"/>
-          </a:p>
-          <a:p>
-            <a:pPr algn="ctr"/>
-            <a:endParaRPr lang="fr-FR" sz="4800" smtClean="0"/>
-          </a:p>
-          <a:p>
-            <a:pPr algn="ctr"/>
-            <a:endParaRPr lang="fr-FR" sz="4800" smtClean="0"/>
-          </a:p>
-          <a:p>
-            <a:pPr algn="ctr"/>
-            <a:endParaRPr lang="fr-FR" sz="4800"/>
-          </a:p>
-        </p:txBody>
-      </p:sp>
-      <p:sp>
-        <p:nvSpPr>
-          <p:cNvPr id="4" name="Espace réservé du texte 3"/>
-          <p:cNvSpPr>
-            <a:spLocks noGrp="1"/>
-          </p:cNvSpPr>
-          <p:nvPr>
-            <p:ph type="body" sz="quarter" idx="10"/>
-          </p:nvPr>
-        </p:nvSpPr>
-        <p:spPr/>
-        <p:txBody>
-          <a:bodyPr>
-            <a:normAutofit fontScale="92500" lnSpcReduction="20000"/>
-          </a:bodyPr>
-          <a:lstStyle/>
-          <a:p>
-            <a:r>
-              <a:rPr lang="fr-FR" smtClean="0"/>
-              <a:t>Introduction</a:t>
-            </a:r>
-            <a:endParaRPr lang="fr-FR"/>
-          </a:p>
-        </p:txBody>
-      </p:sp>
-      <p:pic>
-        <p:nvPicPr>
-          <p:cNvPr id="5" name="Image 4" descr="logo-metro-rennes.png"/>
-          <p:cNvPicPr>
-            <a:picLocks noChangeAspect="1"/>
-          </p:cNvPicPr>
-          <p:nvPr/>
-        </p:nvPicPr>
-        <p:blipFill>
-          <a:blip r:embed="rId3" cstate="print"/>
-          <a:stretch>
-            <a:fillRect/>
-          </a:stretch>
-        </p:blipFill>
-        <p:spPr>
-          <a:xfrm>
-            <a:off x="3779912" y="2492896"/>
-            <a:ext cx="1524000" cy="1524000"/>
-          </a:xfrm>
-          <a:prstGeom prst="rect">
-            <a:avLst/>
-          </a:prstGeom>
-        </p:spPr>
-      </p:pic>
-      <p:pic>
-        <p:nvPicPr>
-          <p:cNvPr id="10" name="Image 9" descr="logo-metro-rennes.png"/>
-          <p:cNvPicPr>
-            <a:picLocks noChangeAspect="1"/>
-          </p:cNvPicPr>
-          <p:nvPr/>
-        </p:nvPicPr>
-        <p:blipFill>
-          <a:blip r:embed="rId3" cstate="print">
-            <a:duotone>
-              <a:prstClr val="black"/>
-              <a:schemeClr val="accent5">
-                <a:tint val="45000"/>
-                <a:satMod val="400000"/>
-              </a:schemeClr>
-            </a:duotone>
-          </a:blip>
-          <a:stretch>
-            <a:fillRect/>
-          </a:stretch>
-        </p:blipFill>
-        <p:spPr>
-          <a:xfrm>
-            <a:off x="3779912" y="2492896"/>
-            <a:ext cx="1524000" cy="1524000"/>
-          </a:xfrm>
-          <a:prstGeom prst="rect">
-            <a:avLst/>
-          </a:prstGeom>
-        </p:spPr>
-      </p:pic>
-      <p:sp>
-        <p:nvSpPr>
-          <p:cNvPr id="11" name="ZoneTexte 10"/>
-          <p:cNvSpPr txBox="1"/>
-          <p:nvPr/>
-        </p:nvSpPr>
-        <p:spPr>
-          <a:xfrm>
-            <a:off x="0" y="4581128"/>
-            <a:ext cx="9144000" cy="830997"/>
-          </a:xfrm>
-          <a:prstGeom prst="rect">
-            <a:avLst/>
-          </a:prstGeom>
-          <a:noFill/>
-        </p:spPr>
-        <p:txBody>
-          <a:bodyPr wrap="square" rtlCol="0">
-            <a:spAutoFit/>
-          </a:bodyPr>
-          <a:lstStyle/>
-          <a:p>
-            <a:pPr algn="ctr"/>
-            <a:r>
-              <a:rPr lang="fr-FR" sz="4800" b="1" smtClean="0">
-                <a:solidFill>
-                  <a:srgbClr val="004D6F"/>
-                </a:solidFill>
-                <a:latin typeface="Arial" pitchFamily="34" charset="0"/>
-                <a:cs typeface="Arial" pitchFamily="34" charset="0"/>
-              </a:rPr>
-              <a:t>Métro en panne</a:t>
-            </a:r>
-          </a:p>
-        </p:txBody>
-      </p:sp>
-    </p:spTree>
-  </p:cSld>
-  <p:clrMapOvr>
-    <a:masterClrMapping/>
-  </p:clrMapOvr>
-  <p:timing>
-    <p:tnLst>
-      <p:par>
-        <p:cTn id="1" dur="indefinite" restart="never" nodeType="tmRoot">
-          <p:childTnLst>
-            <p:seq concurrent="1" nextAc="seek">
-              <p:cTn id="2" dur="indefinite" nodeType="mainSeq">
-                <p:childTnLst>
-                  <p:par>
-                    <p:cTn id="3" fill="hold">
-                      <p:stCondLst>
-                        <p:cond delay="indefinite"/>
-                      </p:stCondLst>
-                      <p:childTnLst>
-                        <p:par>
-                          <p:cTn id="4" fill="hold">
-                            <p:stCondLst>
-                              <p:cond delay="0"/>
-                            </p:stCondLst>
-                            <p:childTnLst>
-                              <p:par>
-                                <p:cTn id="5" presetID="1" presetClass="entr" presetSubtype="0" fill="hold" grpId="0" nodeType="clickEffect">
-                                  <p:stCondLst>
-                                    <p:cond delay="0"/>
-                                  </p:stCondLst>
-                                  <p:childTnLst>
-                                    <p:set>
-                                      <p:cBhvr>
-                                        <p:cTn id="6" dur="1" fill="hold">
-                                          <p:stCondLst>
-                                            <p:cond delay="0"/>
-                                          </p:stCondLst>
-                                        </p:cTn>
-                                        <p:tgtEl>
-                                          <p:spTgt spid="11"/>
-                                        </p:tgtEl>
-                                        <p:attrNameLst>
-                                          <p:attrName>style.visibility</p:attrName>
-                                        </p:attrNameLst>
-                                      </p:cBhvr>
-                                      <p:to>
-                                        <p:strVal val="visible"/>
-                                      </p:to>
-                                    </p:set>
-                                  </p:childTnLst>
-                                </p:cTn>
-                              </p:par>
-                              <p:par>
-                                <p:cTn id="7" presetID="10" presetClass="entr" presetSubtype="0" fill="hold" nodeType="withEffect">
-                                  <p:stCondLst>
-                                    <p:cond delay="0"/>
-                                  </p:stCondLst>
-                                  <p:childTnLst>
-                                    <p:set>
-                                      <p:cBhvr>
-                                        <p:cTn id="8" dur="1" fill="hold">
-                                          <p:stCondLst>
-                                            <p:cond delay="0"/>
-                                          </p:stCondLst>
-                                        </p:cTn>
-                                        <p:tgtEl>
-                                          <p:spTgt spid="10"/>
-                                        </p:tgtEl>
-                                        <p:attrNameLst>
-                                          <p:attrName>style.visibility</p:attrName>
-                                        </p:attrNameLst>
-                                      </p:cBhvr>
-                                      <p:to>
-                                        <p:strVal val="visible"/>
-                                      </p:to>
-                                    </p:set>
-                                    <p:animEffect transition="in" filter="fade">
-                                      <p:cBhvr>
-                                        <p:cTn id="9" dur="2000"/>
-                                        <p:tgtEl>
-                                          <p:spTgt spid="10"/>
-                                        </p:tgtEl>
-                                      </p:cBhvr>
-                                    </p:animEffect>
-                                  </p:childTnLst>
-                                </p:cTn>
-                              </p:par>
-                            </p:childTnLst>
-                          </p:cTn>
-                        </p:par>
-                      </p:childTnLst>
-                    </p:cTn>
-                  </p:par>
-                </p:childTnLst>
-              </p:cTn>
-              <p:prevCondLst>
-                <p:cond evt="onPrev" delay="0">
-                  <p:tgtEl>
-                    <p:sldTgt/>
-                  </p:tgtEl>
-                </p:cond>
-              </p:prevCondLst>
-              <p:nextCondLst>
-                <p:cond evt="onNext" delay="0">
-                  <p:tgtEl>
-                    <p:sldTgt/>
-                  </p:tgtEl>
-                </p:cond>
-              </p:nextCondLst>
-            </p:seq>
-          </p:childTnLst>
-        </p:cTn>
-      </p:par>
-    </p:tnLst>
-    <p:bldLst>
-      <p:bldP spid="11" grpId="0"/>
-    </p:bldLst>
-  </p:timing>
-</p:sld>
-</file>
-
-<file path=ppt/slides/slide4.xml><?xml version="1.0" encoding="utf-8"?>
-<p:sld xmlns:a="http://schemas.openxmlformats.org/drawingml/2006/main" xmlns:r="http://schemas.openxmlformats.org/officeDocument/2006/relationships" xmlns:p="http://schemas.openxmlformats.org/presentationml/2006/main">
-  <p:cSld>
-    <p:spTree>
-      <p:nvGrpSpPr>
-        <p:cNvPr id="1" name=""/>
-        <p:cNvGrpSpPr/>
-        <p:nvPr/>
-      </p:nvGrpSpPr>
-      <p:grpSpPr>
-        <a:xfrm>
-          <a:off x="0" y="0"/>
-          <a:ext cx="0" cy="0"/>
-          <a:chOff x="0" y="0"/>
-          <a:chExt cx="0" cy="0"/>
-        </a:xfrm>
-      </p:grpSpPr>
-      <p:sp>
-        <p:nvSpPr>
-          <p:cNvPr id="2" name="Titre 1"/>
-          <p:cNvSpPr>
-            <a:spLocks noGrp="1"/>
-          </p:cNvSpPr>
-          <p:nvPr>
-            <p:ph type="title"/>
-          </p:nvPr>
-        </p:nvSpPr>
         <p:spPr/>
         <p:txBody>
           <a:bodyPr/>
           <a:lstStyle/>
           <a:p>
-            <a:endParaRPr lang="fr-FR"/>
-          </a:p>
-        </p:txBody>
-      </p:sp>
-      <p:sp>
-        <p:nvSpPr>
-          <p:cNvPr id="3" name="Espace réservé du contenu 2"/>
-          <p:cNvSpPr>
-            <a:spLocks noGrp="1"/>
-          </p:cNvSpPr>
-          <p:nvPr>
-            <p:ph idx="1"/>
-          </p:nvPr>
-        </p:nvSpPr>
-        <p:spPr/>
-        <p:txBody>
-          <a:bodyPr/>
-          <a:lstStyle/>
-          <a:p>
-            <a:r>
-              <a:rPr lang="fr-FR" smtClean="0"/>
-              <a:t>transition</a:t>
-            </a:r>
-            <a:endParaRPr lang="fr-FR"/>
-          </a:p>
-        </p:txBody>
-      </p:sp>
-      <p:sp>
-        <p:nvSpPr>
-          <p:cNvPr id="4" name="Espace réservé du texte 3"/>
-          <p:cNvSpPr>
-            <a:spLocks noGrp="1"/>
-          </p:cNvSpPr>
-          <p:nvPr>
-            <p:ph type="body" sz="quarter" idx="10"/>
-          </p:nvPr>
-        </p:nvSpPr>
-        <p:spPr/>
-        <p:txBody>
-          <a:bodyPr>
-            <a:normAutofit fontScale="92500" lnSpcReduction="20000"/>
-          </a:bodyPr>
-          <a:lstStyle/>
-          <a:p>
-            <a:endParaRPr lang="fr-FR"/>
-          </a:p>
-        </p:txBody>
-      </p:sp>
-    </p:spTree>
-  </p:cSld>
-  <p:clrMapOvr>
-    <a:masterClrMapping/>
-  </p:clrMapOvr>
-  <p:timing>
-    <p:tnLst>
-      <p:par>
-        <p:cTn id="1" dur="indefinite" restart="never" nodeType="tmRoot"/>
-      </p:par>
-    </p:tnLst>
-  </p:timing>
-</p:sld>
-</file>
-
-<file path=ppt/slides/slide5.xml><?xml version="1.0" encoding="utf-8"?>
-<p:sld xmlns:a="http://schemas.openxmlformats.org/drawingml/2006/main" xmlns:r="http://schemas.openxmlformats.org/officeDocument/2006/relationships" xmlns:p="http://schemas.openxmlformats.org/presentationml/2006/main">
-  <p:cSld>
-    <p:spTree>
-      <p:nvGrpSpPr>
-        <p:cNvPr id="1" name=""/>
-        <p:cNvGrpSpPr/>
-        <p:nvPr/>
-      </p:nvGrpSpPr>
-      <p:grpSpPr>
-        <a:xfrm>
-          <a:off x="0" y="0"/>
-          <a:ext cx="0" cy="0"/>
-          <a:chOff x="0" y="0"/>
-          <a:chExt cx="0" cy="0"/>
-        </a:xfrm>
-      </p:grpSpPr>
-      <p:sp>
-        <p:nvSpPr>
-          <p:cNvPr id="2" name="Titre 1"/>
-          <p:cNvSpPr>
-            <a:spLocks noGrp="1"/>
-          </p:cNvSpPr>
-          <p:nvPr>
-            <p:ph type="title"/>
-          </p:nvPr>
-        </p:nvSpPr>
-        <p:spPr/>
-        <p:txBody>
-          <a:bodyPr/>
-          <a:lstStyle/>
-          <a:p>
-            <a:r>
-              <a:rPr lang="fr-FR" dirty="0" smtClean="0"/>
-              <a:t>Etat de l’art</a:t>
-            </a:r>
-            <a:endParaRPr lang="fr-FR" dirty="0"/>
-          </a:p>
-        </p:txBody>
-      </p:sp>
-      <p:sp>
-        <p:nvSpPr>
-          <p:cNvPr id="3" name="Espace réservé du contenu 2"/>
-          <p:cNvSpPr>
-            <a:spLocks noGrp="1"/>
-          </p:cNvSpPr>
-          <p:nvPr>
-            <p:ph idx="1"/>
-          </p:nvPr>
-        </p:nvSpPr>
-        <p:spPr/>
-        <p:txBody>
-          <a:bodyPr/>
-          <a:lstStyle/>
-          <a:p>
             <a:r>
               <a:rPr lang="fr-FR" dirty="0" smtClean="0">
                 <a:sym typeface="Wingdings" panose="05000000000000000000" pitchFamily="2" charset="2"/>
@@ -11833,7 +9691,19 @@
               <a:rPr lang="fr-FR" dirty="0" smtClean="0">
                 <a:sym typeface="Wingdings" panose="05000000000000000000" pitchFamily="2" charset="2"/>
               </a:rPr>
-              <a:t> invente les arbres d’attaque</a:t>
+              <a:t> </a:t>
+            </a:r>
+            <a:r>
+              <a:rPr lang="fr-FR" dirty="0" smtClean="0">
+                <a:sym typeface="Wingdings" panose="05000000000000000000" pitchFamily="2" charset="2"/>
+              </a:rPr>
+              <a:t>introduit les </a:t>
+            </a:r>
+            <a:r>
+              <a:rPr lang="fr-FR" dirty="0" smtClean="0">
+                <a:sym typeface="Wingdings" panose="05000000000000000000" pitchFamily="2" charset="2"/>
+              </a:rPr>
+              <a:t>arbres d’attaque</a:t>
             </a:r>
           </a:p>
         </p:txBody>
@@ -12033,7 +9903,7 @@
 </p:sld>
 </file>
 
-<file path=ppt/slides/slide6.xml><?xml version="1.0" encoding="utf-8"?>
+<file path=ppt/slides/slide4.xml><?xml version="1.0" encoding="utf-8"?>
 <p:sld xmlns:a="http://schemas.openxmlformats.org/drawingml/2006/main" xmlns:r="http://schemas.openxmlformats.org/officeDocument/2006/relationships" xmlns:p="http://schemas.openxmlformats.org/presentationml/2006/main">
   <p:cSld>
     <p:spTree>
@@ -12318,7 +10188,7 @@
 </p:sld>
 </file>
 
-<file path=ppt/slides/slide7.xml><?xml version="1.0" encoding="utf-8"?>
+<file path=ppt/slides/slide5.xml><?xml version="1.0" encoding="utf-8"?>
 <p:sld xmlns:a="http://schemas.openxmlformats.org/drawingml/2006/main" xmlns:r="http://schemas.openxmlformats.org/officeDocument/2006/relationships" xmlns:p="http://schemas.openxmlformats.org/presentationml/2006/main">
   <p:cSld>
     <p:spTree>
@@ -12627,7 +10497,7 @@
 </p:sld>
 </file>
 
-<file path=ppt/slides/slide8.xml><?xml version="1.0" encoding="utf-8"?>
+<file path=ppt/slides/slide6.xml><?xml version="1.0" encoding="utf-8"?>
 <p:sld xmlns:a="http://schemas.openxmlformats.org/drawingml/2006/main" xmlns:r="http://schemas.openxmlformats.org/officeDocument/2006/relationships" xmlns:p="http://schemas.openxmlformats.org/presentationml/2006/main">
   <p:cSld>
     <p:spTree>
@@ -12913,6 +10783,578 @@
 </p:sld>
 </file>
 
+<file path=ppt/slides/slide7.xml><?xml version="1.0" encoding="utf-8"?>
+<p:sld xmlns:a="http://schemas.openxmlformats.org/drawingml/2006/main" xmlns:r="http://schemas.openxmlformats.org/officeDocument/2006/relationships" xmlns:p="http://schemas.openxmlformats.org/presentationml/2006/main">
+  <p:cSld>
+    <p:spTree>
+      <p:nvGrpSpPr>
+        <p:cNvPr id="1" name=""/>
+        <p:cNvGrpSpPr/>
+        <p:nvPr/>
+      </p:nvGrpSpPr>
+      <p:grpSpPr>
+        <a:xfrm>
+          <a:off x="0" y="0"/>
+          <a:ext cx="0" cy="0"/>
+          <a:chOff x="0" y="0"/>
+          <a:chExt cx="0" cy="0"/>
+        </a:xfrm>
+      </p:grpSpPr>
+      <p:sp>
+        <p:nvSpPr>
+          <p:cNvPr id="101" name="TextShape 1"/>
+          <p:cNvSpPr txBox="1"/>
+          <p:nvPr/>
+        </p:nvSpPr>
+        <p:spPr>
+          <a:xfrm>
+            <a:off x="1763640" y="92520"/>
+            <a:ext cx="6460560" cy="571320"/>
+          </a:xfrm>
+          <a:prstGeom prst="rect">
+            <a:avLst/>
+          </a:prstGeom>
+          <a:noFill/>
+          <a:ln>
+            <a:noFill/>
+          </a:ln>
+        </p:spPr>
+        <p:txBody>
+          <a:bodyPr anchor="ctr"/>
+          <a:lstStyle/>
+          <a:p>
+            <a:pPr algn="r">
+              <a:lnSpc>
+                <a:spcPct val="100000"/>
+              </a:lnSpc>
+            </a:pPr>
+            <a:r>
+              <a:rPr lang="fr-FR" sz="1600" b="1" strike="noStrike">
+                <a:solidFill>
+                  <a:srgbClr val="4F4D50"/>
+                </a:solidFill>
+                <a:latin typeface="Arial"/>
+              </a:rPr>
+              <a:t>Étude de l'existant</a:t>
+            </a:r>
+            <a:endParaRPr/>
+          </a:p>
+        </p:txBody>
+      </p:sp>
+      <p:pic>
+        <p:nvPicPr>
+          <p:cNvPr id="102" name="Image 101"/>
+          <p:cNvPicPr/>
+          <p:nvPr/>
+        </p:nvPicPr>
+        <p:blipFill>
+          <a:blip r:embed="rId3"/>
+          <a:stretch/>
+        </p:blipFill>
+        <p:spPr>
+          <a:xfrm>
+            <a:off x="2157480" y="663840"/>
+            <a:ext cx="5042520" cy="5960160"/>
+          </a:xfrm>
+          <a:prstGeom prst="rect">
+            <a:avLst/>
+          </a:prstGeom>
+          <a:ln>
+            <a:noFill/>
+          </a:ln>
+        </p:spPr>
+      </p:pic>
+      <p:sp>
+        <p:nvSpPr>
+          <p:cNvPr id="4" name="Espace réservé du texte 3"/>
+          <p:cNvSpPr txBox="1">
+            <a:spLocks/>
+          </p:cNvSpPr>
+          <p:nvPr/>
+        </p:nvSpPr>
+        <p:spPr>
+          <a:xfrm>
+            <a:off x="2700338" y="6597650"/>
+            <a:ext cx="5327650" cy="215900"/>
+          </a:xfrm>
+          <a:prstGeom prst="rect">
+            <a:avLst/>
+          </a:prstGeom>
+        </p:spPr>
+        <p:txBody>
+          <a:bodyPr>
+            <a:normAutofit fontScale="47500" lnSpcReduction="20000"/>
+          </a:bodyPr>
+          <a:lstStyle>
+            <a:lvl1pPr marL="0" indent="0" algn="l" defTabSz="914400" rtl="0" eaLnBrk="1" latinLnBrk="0" hangingPunct="1">
+              <a:spcBef>
+                <a:spcPct val="20000"/>
+              </a:spcBef>
+              <a:buFontTx/>
+              <a:buNone/>
+              <a:defRPr lang="fr-FR" sz="2000" b="1" kern="1200" dirty="0" smtClean="0">
+                <a:solidFill>
+                  <a:srgbClr val="004D6F"/>
+                </a:solidFill>
+                <a:latin typeface="Arial" pitchFamily="34" charset="0"/>
+                <a:ea typeface="+mn-ea"/>
+                <a:cs typeface="Arial" pitchFamily="34" charset="0"/>
+              </a:defRPr>
+            </a:lvl1pPr>
+            <a:lvl2pPr marL="742950" indent="-285750" algn="l" defTabSz="914400" rtl="0" eaLnBrk="1" latinLnBrk="0" hangingPunct="1">
+              <a:spcBef>
+                <a:spcPct val="20000"/>
+              </a:spcBef>
+              <a:buFont typeface="Arial" panose="020B0604020202020204" pitchFamily="34" charset="0"/>
+              <a:buChar char="–"/>
+              <a:defRPr lang="fr-FR" sz="1500" b="1" kern="1200" baseline="0" dirty="0" smtClean="0">
+                <a:solidFill>
+                  <a:srgbClr val="4F4D50"/>
+                </a:solidFill>
+                <a:latin typeface="Arial" pitchFamily="34" charset="0"/>
+                <a:ea typeface="+mn-ea"/>
+                <a:cs typeface="Arial" pitchFamily="34" charset="0"/>
+              </a:defRPr>
+            </a:lvl2pPr>
+            <a:lvl3pPr marL="1143000" indent="-228600" algn="l" defTabSz="914400" rtl="0" eaLnBrk="1" latinLnBrk="0" hangingPunct="1">
+              <a:lnSpc>
+                <a:spcPct val="100000"/>
+              </a:lnSpc>
+              <a:spcBef>
+                <a:spcPts val="600"/>
+              </a:spcBef>
+              <a:buFont typeface="Arial" panose="020B0604020202020204" pitchFamily="34" charset="0"/>
+              <a:buChar char="•"/>
+              <a:defRPr lang="fr-FR" sz="1200" kern="1200" baseline="0" dirty="0" smtClean="0">
+                <a:solidFill>
+                  <a:srgbClr val="4F4D50"/>
+                </a:solidFill>
+                <a:latin typeface="Arial" pitchFamily="34" charset="0"/>
+                <a:ea typeface="+mn-ea"/>
+                <a:cs typeface="Arial" pitchFamily="34" charset="0"/>
+              </a:defRPr>
+            </a:lvl3pPr>
+            <a:lvl4pPr marL="1600200" indent="-228600" algn="l" defTabSz="914400" rtl="0" eaLnBrk="1" latinLnBrk="0" hangingPunct="1">
+              <a:spcBef>
+                <a:spcPct val="20000"/>
+              </a:spcBef>
+              <a:buFont typeface="Arial" panose="020B0604020202020204" pitchFamily="34" charset="0"/>
+              <a:buChar char="–"/>
+              <a:defRPr sz="2000" kern="1200">
+                <a:solidFill>
+                  <a:schemeClr val="tx1"/>
+                </a:solidFill>
+                <a:latin typeface="+mn-lt"/>
+                <a:ea typeface="+mn-ea"/>
+                <a:cs typeface="+mn-cs"/>
+              </a:defRPr>
+            </a:lvl4pPr>
+            <a:lvl5pPr marL="2057400" indent="-228600" algn="l" defTabSz="914400" rtl="0" eaLnBrk="1" latinLnBrk="0" hangingPunct="1">
+              <a:spcBef>
+                <a:spcPct val="20000"/>
+              </a:spcBef>
+              <a:buFont typeface="Arial" panose="020B0604020202020204" pitchFamily="34" charset="0"/>
+              <a:buChar char="»"/>
+              <a:defRPr sz="2000" kern="1200">
+                <a:solidFill>
+                  <a:schemeClr val="tx1"/>
+                </a:solidFill>
+                <a:latin typeface="+mn-lt"/>
+                <a:ea typeface="+mn-ea"/>
+                <a:cs typeface="+mn-cs"/>
+              </a:defRPr>
+            </a:lvl5pPr>
+            <a:lvl6pPr marL="2514600" indent="-228600" algn="l" defTabSz="914400" rtl="0" eaLnBrk="1" latinLnBrk="0" hangingPunct="1">
+              <a:spcBef>
+                <a:spcPct val="20000"/>
+              </a:spcBef>
+              <a:buFont typeface="Arial" panose="020B0604020202020204" pitchFamily="34" charset="0"/>
+              <a:buChar char="•"/>
+              <a:defRPr sz="2000" kern="1200">
+                <a:solidFill>
+                  <a:schemeClr val="tx1"/>
+                </a:solidFill>
+                <a:latin typeface="+mn-lt"/>
+                <a:ea typeface="+mn-ea"/>
+                <a:cs typeface="+mn-cs"/>
+              </a:defRPr>
+            </a:lvl6pPr>
+            <a:lvl7pPr marL="2971800" indent="-228600" algn="l" defTabSz="914400" rtl="0" eaLnBrk="1" latinLnBrk="0" hangingPunct="1">
+              <a:spcBef>
+                <a:spcPct val="20000"/>
+              </a:spcBef>
+              <a:buFont typeface="Arial" panose="020B0604020202020204" pitchFamily="34" charset="0"/>
+              <a:buChar char="•"/>
+              <a:defRPr sz="2000" kern="1200">
+                <a:solidFill>
+                  <a:schemeClr val="tx1"/>
+                </a:solidFill>
+                <a:latin typeface="+mn-lt"/>
+                <a:ea typeface="+mn-ea"/>
+                <a:cs typeface="+mn-cs"/>
+              </a:defRPr>
+            </a:lvl7pPr>
+            <a:lvl8pPr marL="3429000" indent="-228600" algn="l" defTabSz="914400" rtl="0" eaLnBrk="1" latinLnBrk="0" hangingPunct="1">
+              <a:spcBef>
+                <a:spcPct val="20000"/>
+              </a:spcBef>
+              <a:buFont typeface="Arial" panose="020B0604020202020204" pitchFamily="34" charset="0"/>
+              <a:buChar char="•"/>
+              <a:defRPr sz="2000" kern="1200">
+                <a:solidFill>
+                  <a:schemeClr val="tx1"/>
+                </a:solidFill>
+                <a:latin typeface="+mn-lt"/>
+                <a:ea typeface="+mn-ea"/>
+                <a:cs typeface="+mn-cs"/>
+              </a:defRPr>
+            </a:lvl8pPr>
+            <a:lvl9pPr marL="3886200" indent="-228600" algn="l" defTabSz="914400" rtl="0" eaLnBrk="1" latinLnBrk="0" hangingPunct="1">
+              <a:spcBef>
+                <a:spcPct val="20000"/>
+              </a:spcBef>
+              <a:buFont typeface="Arial" panose="020B0604020202020204" pitchFamily="34" charset="0"/>
+              <a:buChar char="•"/>
+              <a:defRPr sz="2000" kern="1200">
+                <a:solidFill>
+                  <a:schemeClr val="tx1"/>
+                </a:solidFill>
+                <a:latin typeface="+mn-lt"/>
+                <a:ea typeface="+mn-ea"/>
+                <a:cs typeface="+mn-cs"/>
+              </a:defRPr>
+            </a:lvl9pPr>
+          </a:lstStyle>
+          <a:p>
+            <a:r>
+              <a:rPr lang="fr-FR" dirty="0" err="1" smtClean="0"/>
+              <a:t>ADTool</a:t>
+            </a:r>
+            <a:endParaRPr lang="fr-FR" dirty="0" smtClean="0"/>
+          </a:p>
+        </p:txBody>
+      </p:sp>
+    </p:spTree>
+  </p:cSld>
+  <p:clrMapOvr>
+    <a:masterClrMapping/>
+  </p:clrMapOvr>
+  <p:timing>
+    <p:tnLst>
+      <p:par>
+        <p:cTn id="1" dur="indefinite" restart="never" nodeType="tmRoot">
+          <p:childTnLst>
+            <p:seq>
+              <p:cTn id="2" nodeType="mainSeq"/>
+              <p:prevCondLst>
+                <p:cond evt="onPrev" delay="0">
+                  <p:tgtEl>
+                    <p:sldTgt/>
+                  </p:tgtEl>
+                </p:cond>
+              </p:prevCondLst>
+              <p:nextCondLst>
+                <p:cond evt="onNext" delay="0">
+                  <p:tgtEl>
+                    <p:sldTgt/>
+                  </p:tgtEl>
+                </p:cond>
+              </p:nextCondLst>
+            </p:seq>
+          </p:childTnLst>
+        </p:cTn>
+      </p:par>
+    </p:tnLst>
+  </p:timing>
+</p:sld>
+</file>
+
+<file path=ppt/slides/slide8.xml><?xml version="1.0" encoding="utf-8"?>
+<p:sld xmlns:a="http://schemas.openxmlformats.org/drawingml/2006/main" xmlns:r="http://schemas.openxmlformats.org/officeDocument/2006/relationships" xmlns:p="http://schemas.openxmlformats.org/presentationml/2006/main">
+  <p:cSld>
+    <p:spTree>
+      <p:nvGrpSpPr>
+        <p:cNvPr id="1" name=""/>
+        <p:cNvGrpSpPr/>
+        <p:nvPr/>
+      </p:nvGrpSpPr>
+      <p:grpSpPr>
+        <a:xfrm>
+          <a:off x="0" y="0"/>
+          <a:ext cx="0" cy="0"/>
+          <a:chOff x="0" y="0"/>
+          <a:chExt cx="0" cy="0"/>
+        </a:xfrm>
+      </p:grpSpPr>
+      <p:sp>
+        <p:nvSpPr>
+          <p:cNvPr id="103" name="TextShape 1"/>
+          <p:cNvSpPr txBox="1"/>
+          <p:nvPr/>
+        </p:nvSpPr>
+        <p:spPr>
+          <a:xfrm>
+            <a:off x="1763640" y="92520"/>
+            <a:ext cx="6460560" cy="571320"/>
+          </a:xfrm>
+          <a:prstGeom prst="rect">
+            <a:avLst/>
+          </a:prstGeom>
+          <a:noFill/>
+          <a:ln>
+            <a:noFill/>
+          </a:ln>
+        </p:spPr>
+        <p:txBody>
+          <a:bodyPr anchor="ctr"/>
+          <a:lstStyle/>
+          <a:p>
+            <a:pPr algn="r">
+              <a:lnSpc>
+                <a:spcPct val="100000"/>
+              </a:lnSpc>
+            </a:pPr>
+            <a:r>
+              <a:rPr lang="fr-FR" sz="1600" b="1" strike="noStrike">
+                <a:solidFill>
+                  <a:srgbClr val="4F4D50"/>
+                </a:solidFill>
+                <a:latin typeface="Arial"/>
+              </a:rPr>
+              <a:t>Étude de l'existant</a:t>
+            </a:r>
+            <a:endParaRPr/>
+          </a:p>
+        </p:txBody>
+      </p:sp>
+      <p:pic>
+        <p:nvPicPr>
+          <p:cNvPr id="104" name="Image 103"/>
+          <p:cNvPicPr/>
+          <p:nvPr/>
+        </p:nvPicPr>
+        <p:blipFill>
+          <a:blip r:embed="rId3"/>
+          <a:stretch/>
+        </p:blipFill>
+        <p:spPr>
+          <a:xfrm>
+            <a:off x="1368360" y="1114560"/>
+            <a:ext cx="6571800" cy="4645800"/>
+          </a:xfrm>
+          <a:prstGeom prst="rect">
+            <a:avLst/>
+          </a:prstGeom>
+          <a:ln>
+            <a:noFill/>
+          </a:ln>
+        </p:spPr>
+      </p:pic>
+      <p:sp>
+        <p:nvSpPr>
+          <p:cNvPr id="4" name="Espace réservé du texte 3"/>
+          <p:cNvSpPr txBox="1">
+            <a:spLocks/>
+          </p:cNvSpPr>
+          <p:nvPr/>
+        </p:nvSpPr>
+        <p:spPr>
+          <a:xfrm>
+            <a:off x="2700338" y="6597650"/>
+            <a:ext cx="5327650" cy="215900"/>
+          </a:xfrm>
+          <a:prstGeom prst="rect">
+            <a:avLst/>
+          </a:prstGeom>
+        </p:spPr>
+        <p:txBody>
+          <a:bodyPr>
+            <a:normAutofit fontScale="47500" lnSpcReduction="20000"/>
+          </a:bodyPr>
+          <a:lstStyle>
+            <a:lvl1pPr marL="0" indent="0" algn="l" defTabSz="914400" rtl="0" eaLnBrk="1" latinLnBrk="0" hangingPunct="1">
+              <a:spcBef>
+                <a:spcPct val="20000"/>
+              </a:spcBef>
+              <a:buFontTx/>
+              <a:buNone/>
+              <a:defRPr lang="fr-FR" sz="2000" b="1" kern="1200" dirty="0" smtClean="0">
+                <a:solidFill>
+                  <a:srgbClr val="004D6F"/>
+                </a:solidFill>
+                <a:latin typeface="Arial" pitchFamily="34" charset="0"/>
+                <a:ea typeface="+mn-ea"/>
+                <a:cs typeface="Arial" pitchFamily="34" charset="0"/>
+              </a:defRPr>
+            </a:lvl1pPr>
+            <a:lvl2pPr marL="742950" indent="-285750" algn="l" defTabSz="914400" rtl="0" eaLnBrk="1" latinLnBrk="0" hangingPunct="1">
+              <a:spcBef>
+                <a:spcPct val="20000"/>
+              </a:spcBef>
+              <a:buFont typeface="Arial" panose="020B0604020202020204" pitchFamily="34" charset="0"/>
+              <a:buChar char="–"/>
+              <a:defRPr lang="fr-FR" sz="1500" b="1" kern="1200" baseline="0" dirty="0" smtClean="0">
+                <a:solidFill>
+                  <a:srgbClr val="4F4D50"/>
+                </a:solidFill>
+                <a:latin typeface="Arial" pitchFamily="34" charset="0"/>
+                <a:ea typeface="+mn-ea"/>
+                <a:cs typeface="Arial" pitchFamily="34" charset="0"/>
+              </a:defRPr>
+            </a:lvl2pPr>
+            <a:lvl3pPr marL="1143000" indent="-228600" algn="l" defTabSz="914400" rtl="0" eaLnBrk="1" latinLnBrk="0" hangingPunct="1">
+              <a:lnSpc>
+                <a:spcPct val="100000"/>
+              </a:lnSpc>
+              <a:spcBef>
+                <a:spcPts val="600"/>
+              </a:spcBef>
+              <a:buFont typeface="Arial" panose="020B0604020202020204" pitchFamily="34" charset="0"/>
+              <a:buChar char="•"/>
+              <a:defRPr lang="fr-FR" sz="1200" kern="1200" baseline="0" dirty="0" smtClean="0">
+                <a:solidFill>
+                  <a:srgbClr val="4F4D50"/>
+                </a:solidFill>
+                <a:latin typeface="Arial" pitchFamily="34" charset="0"/>
+                <a:ea typeface="+mn-ea"/>
+                <a:cs typeface="Arial" pitchFamily="34" charset="0"/>
+              </a:defRPr>
+            </a:lvl3pPr>
+            <a:lvl4pPr marL="1600200" indent="-228600" algn="l" defTabSz="914400" rtl="0" eaLnBrk="1" latinLnBrk="0" hangingPunct="1">
+              <a:spcBef>
+                <a:spcPct val="20000"/>
+              </a:spcBef>
+              <a:buFont typeface="Arial" panose="020B0604020202020204" pitchFamily="34" charset="0"/>
+              <a:buChar char="–"/>
+              <a:defRPr sz="2000" kern="1200">
+                <a:solidFill>
+                  <a:schemeClr val="tx1"/>
+                </a:solidFill>
+                <a:latin typeface="+mn-lt"/>
+                <a:ea typeface="+mn-ea"/>
+                <a:cs typeface="+mn-cs"/>
+              </a:defRPr>
+            </a:lvl4pPr>
+            <a:lvl5pPr marL="2057400" indent="-228600" algn="l" defTabSz="914400" rtl="0" eaLnBrk="1" latinLnBrk="0" hangingPunct="1">
+              <a:spcBef>
+                <a:spcPct val="20000"/>
+              </a:spcBef>
+              <a:buFont typeface="Arial" panose="020B0604020202020204" pitchFamily="34" charset="0"/>
+              <a:buChar char="»"/>
+              <a:defRPr sz="2000" kern="1200">
+                <a:solidFill>
+                  <a:schemeClr val="tx1"/>
+                </a:solidFill>
+                <a:latin typeface="+mn-lt"/>
+                <a:ea typeface="+mn-ea"/>
+                <a:cs typeface="+mn-cs"/>
+              </a:defRPr>
+            </a:lvl5pPr>
+            <a:lvl6pPr marL="2514600" indent="-228600" algn="l" defTabSz="914400" rtl="0" eaLnBrk="1" latinLnBrk="0" hangingPunct="1">
+              <a:spcBef>
+                <a:spcPct val="20000"/>
+              </a:spcBef>
+              <a:buFont typeface="Arial" panose="020B0604020202020204" pitchFamily="34" charset="0"/>
+              <a:buChar char="•"/>
+              <a:defRPr sz="2000" kern="1200">
+                <a:solidFill>
+                  <a:schemeClr val="tx1"/>
+                </a:solidFill>
+                <a:latin typeface="+mn-lt"/>
+                <a:ea typeface="+mn-ea"/>
+                <a:cs typeface="+mn-cs"/>
+              </a:defRPr>
+            </a:lvl6pPr>
+            <a:lvl7pPr marL="2971800" indent="-228600" algn="l" defTabSz="914400" rtl="0" eaLnBrk="1" latinLnBrk="0" hangingPunct="1">
+              <a:spcBef>
+                <a:spcPct val="20000"/>
+              </a:spcBef>
+              <a:buFont typeface="Arial" panose="020B0604020202020204" pitchFamily="34" charset="0"/>
+              <a:buChar char="•"/>
+              <a:defRPr sz="2000" kern="1200">
+                <a:solidFill>
+                  <a:schemeClr val="tx1"/>
+                </a:solidFill>
+                <a:latin typeface="+mn-lt"/>
+                <a:ea typeface="+mn-ea"/>
+                <a:cs typeface="+mn-cs"/>
+              </a:defRPr>
+            </a:lvl7pPr>
+            <a:lvl8pPr marL="3429000" indent="-228600" algn="l" defTabSz="914400" rtl="0" eaLnBrk="1" latinLnBrk="0" hangingPunct="1">
+              <a:spcBef>
+                <a:spcPct val="20000"/>
+              </a:spcBef>
+              <a:buFont typeface="Arial" panose="020B0604020202020204" pitchFamily="34" charset="0"/>
+              <a:buChar char="•"/>
+              <a:defRPr sz="2000" kern="1200">
+                <a:solidFill>
+                  <a:schemeClr val="tx1"/>
+                </a:solidFill>
+                <a:latin typeface="+mn-lt"/>
+                <a:ea typeface="+mn-ea"/>
+                <a:cs typeface="+mn-cs"/>
+              </a:defRPr>
+            </a:lvl8pPr>
+            <a:lvl9pPr marL="3886200" indent="-228600" algn="l" defTabSz="914400" rtl="0" eaLnBrk="1" latinLnBrk="0" hangingPunct="1">
+              <a:spcBef>
+                <a:spcPct val="20000"/>
+              </a:spcBef>
+              <a:buFont typeface="Arial" panose="020B0604020202020204" pitchFamily="34" charset="0"/>
+              <a:buChar char="•"/>
+              <a:defRPr sz="2000" kern="1200">
+                <a:solidFill>
+                  <a:schemeClr val="tx1"/>
+                </a:solidFill>
+                <a:latin typeface="+mn-lt"/>
+                <a:ea typeface="+mn-ea"/>
+                <a:cs typeface="+mn-cs"/>
+              </a:defRPr>
+            </a:lvl9pPr>
+          </a:lstStyle>
+          <a:p>
+            <a:r>
+              <a:rPr lang="fr-FR" dirty="0" err="1" smtClean="0"/>
+              <a:t>ADTool</a:t>
+            </a:r>
+            <a:endParaRPr lang="fr-FR" dirty="0" smtClean="0"/>
+          </a:p>
+        </p:txBody>
+      </p:sp>
+    </p:spTree>
+  </p:cSld>
+  <p:clrMapOvr>
+    <a:masterClrMapping/>
+  </p:clrMapOvr>
+  <p:timing>
+    <p:tnLst>
+      <p:par>
+        <p:cTn id="1" dur="indefinite" restart="never" nodeType="tmRoot">
+          <p:childTnLst>
+            <p:seq>
+              <p:cTn id="2" nodeType="mainSeq"/>
+              <p:prevCondLst>
+                <p:cond evt="onPrev" delay="0">
+                  <p:tgtEl>
+                    <p:sldTgt/>
+                  </p:tgtEl>
+                </p:cond>
+              </p:prevCondLst>
+              <p:nextCondLst>
+                <p:cond evt="onNext" delay="0">
+                  <p:tgtEl>
+                    <p:sldTgt/>
+                  </p:tgtEl>
+                </p:cond>
+              </p:nextCondLst>
+            </p:seq>
+          </p:childTnLst>
+        </p:cTn>
+      </p:par>
+    </p:tnLst>
+  </p:timing>
+</p:sld>
+</file>
+
 <file path=ppt/slides/slide9.xml><?xml version="1.0" encoding="utf-8"?>
 <p:sld xmlns:a="http://schemas.openxmlformats.org/drawingml/2006/main" xmlns:r="http://schemas.openxmlformats.org/officeDocument/2006/relationships" xmlns:p="http://schemas.openxmlformats.org/presentationml/2006/main">
   <p:cSld>
@@ -12932,13 +11374,13 @@
       </p:grpSpPr>
       <p:sp>
         <p:nvSpPr>
-          <p:cNvPr id="101" name="TextShape 1"/>
+          <p:cNvPr id="105" name="TextShape 1"/>
           <p:cNvSpPr txBox="1"/>
           <p:nvPr/>
         </p:nvSpPr>
         <p:spPr>
           <a:xfrm>
-            <a:off x="1763640" y="92520"/>
+            <a:off x="1763640" y="92880"/>
             <a:ext cx="6460560" cy="571320"/>
           </a:xfrm>
           <a:prstGeom prst="rect">
@@ -12973,7 +11415,7 @@
       </p:sp>
       <p:pic>
         <p:nvPicPr>
-          <p:cNvPr id="102" name="Image 101"/>
+          <p:cNvPr id="106" name="Image 105"/>
           <p:cNvPicPr/>
           <p:nvPr/>
         </p:nvPicPr>
@@ -12983,8 +11425,8 @@
         </p:blipFill>
         <p:spPr>
           <a:xfrm>
-            <a:off x="2157480" y="663840"/>
-            <a:ext cx="5042520" cy="5960160"/>
+            <a:off x="1850400" y="1000440"/>
+            <a:ext cx="5524560" cy="4884480"/>
           </a:xfrm>
           <a:prstGeom prst="rect">
             <a:avLst/>

--- a/soutenances/projet_decembre/soutenance_projet_decembre.pptx
+++ b/soutenances/projet_decembre/soutenance_projet_decembre.pptx
@@ -5,33 +5,35 @@
     <p:sldMasterId id="2147483654" r:id="rId1"/>
   </p:sldMasterIdLst>
   <p:notesMasterIdLst>
-    <p:notesMasterId r:id="rId26"/>
+    <p:notesMasterId r:id="rId28"/>
   </p:notesMasterIdLst>
   <p:sldIdLst>
     <p:sldId id="261" r:id="rId2"/>
-    <p:sldId id="291" r:id="rId3"/>
-    <p:sldId id="264" r:id="rId4"/>
-    <p:sldId id="265" r:id="rId5"/>
-    <p:sldId id="266" r:id="rId6"/>
-    <p:sldId id="267" r:id="rId7"/>
-    <p:sldId id="268" r:id="rId8"/>
-    <p:sldId id="269" r:id="rId9"/>
-    <p:sldId id="270" r:id="rId10"/>
-    <p:sldId id="271" r:id="rId11"/>
-    <p:sldId id="273" r:id="rId12"/>
-    <p:sldId id="275" r:id="rId13"/>
-    <p:sldId id="276" r:id="rId14"/>
-    <p:sldId id="278" r:id="rId15"/>
-    <p:sldId id="279" r:id="rId16"/>
-    <p:sldId id="280" r:id="rId17"/>
-    <p:sldId id="281" r:id="rId18"/>
-    <p:sldId id="290" r:id="rId19"/>
-    <p:sldId id="274" r:id="rId20"/>
-    <p:sldId id="282" r:id="rId21"/>
-    <p:sldId id="283" r:id="rId22"/>
-    <p:sldId id="285" r:id="rId23"/>
-    <p:sldId id="284" r:id="rId24"/>
-    <p:sldId id="289" r:id="rId25"/>
+    <p:sldId id="262" r:id="rId3"/>
+    <p:sldId id="263" r:id="rId4"/>
+    <p:sldId id="264" r:id="rId5"/>
+    <p:sldId id="288" r:id="rId6"/>
+    <p:sldId id="266" r:id="rId7"/>
+    <p:sldId id="267" r:id="rId8"/>
+    <p:sldId id="268" r:id="rId9"/>
+    <p:sldId id="269" r:id="rId10"/>
+    <p:sldId id="270" r:id="rId11"/>
+    <p:sldId id="271" r:id="rId12"/>
+    <p:sldId id="272" r:id="rId13"/>
+    <p:sldId id="273" r:id="rId14"/>
+    <p:sldId id="274" r:id="rId15"/>
+    <p:sldId id="275" r:id="rId16"/>
+    <p:sldId id="276" r:id="rId17"/>
+    <p:sldId id="277" r:id="rId18"/>
+    <p:sldId id="278" r:id="rId19"/>
+    <p:sldId id="279" r:id="rId20"/>
+    <p:sldId id="280" r:id="rId21"/>
+    <p:sldId id="281" r:id="rId22"/>
+    <p:sldId id="282" r:id="rId23"/>
+    <p:sldId id="285" r:id="rId24"/>
+    <p:sldId id="284" r:id="rId25"/>
+    <p:sldId id="286" r:id="rId26"/>
+    <p:sldId id="287" r:id="rId27"/>
   </p:sldIdLst>
   <p:sldSz cx="9144000" cy="6858000" type="screen4x3"/>
   <p:notesSz cx="6858000" cy="9144000"/>
@@ -136,29 +138,31 @@
         <p14:section name="Modèles INSA" id="{339B715A-A4F6-482F-9E8F-E995A152AF53}">
           <p14:sldIdLst>
             <p14:sldId id="261"/>
-            <p14:sldId id="291"/>
+            <p14:sldId id="262"/>
+            <p14:sldId id="263"/>
             <p14:sldId id="264"/>
-            <p14:sldId id="265"/>
+            <p14:sldId id="288"/>
             <p14:sldId id="266"/>
             <p14:sldId id="267"/>
             <p14:sldId id="268"/>
             <p14:sldId id="269"/>
             <p14:sldId id="270"/>
             <p14:sldId id="271"/>
+            <p14:sldId id="272"/>
             <p14:sldId id="273"/>
+            <p14:sldId id="274"/>
             <p14:sldId id="275"/>
             <p14:sldId id="276"/>
+            <p14:sldId id="277"/>
             <p14:sldId id="278"/>
             <p14:sldId id="279"/>
             <p14:sldId id="280"/>
             <p14:sldId id="281"/>
-            <p14:sldId id="290"/>
-            <p14:sldId id="274"/>
             <p14:sldId id="282"/>
-            <p14:sldId id="283"/>
             <p14:sldId id="285"/>
             <p14:sldId id="284"/>
-            <p14:sldId id="289"/>
+            <p14:sldId id="286"/>
+            <p14:sldId id="287"/>
           </p14:sldIdLst>
         </p14:section>
       </p14:sectionLst>
@@ -250,7 +254,7 @@
             <a:fld id="{63971E1F-7B1D-43D7-A338-A6C5FB8F6681}" type="datetimeFigureOut">
               <a:rPr lang="fr-FR" smtClean="0"/>
               <a:pPr/>
-              <a:t>16/12/2014</a:t>
+              <a:t>17/12/2014</a:t>
             </a:fld>
             <a:endParaRPr lang="fr-FR"/>
           </a:p>
@@ -421,7 +425,7 @@
     </p:spTree>
     <p:extLst>
       <p:ext uri="{BB962C8B-B14F-4D97-AF65-F5344CB8AC3E}">
-        <p14:creationId xmlns:p14="http://schemas.microsoft.com/office/powerpoint/2010/main" val="937745426"/>
+        <p14:creationId xmlns:p14="http://schemas.microsoft.com/office/powerpoint/2010/main" val="1267155448"/>
       </p:ext>
     </p:extLst>
   </p:cSld>
@@ -568,24 +572,21 @@
           <a:lstStyle/>
           <a:p>
             <a:r>
-              <a:rPr lang="fr-FR" baseline="0" dirty="0" smtClean="0"/>
-              <a:t>Bonjour merci d’être venu.</a:t>
-            </a:r>
-          </a:p>
-          <a:p>
-            <a:r>
-              <a:rPr lang="fr-FR" baseline="0" dirty="0" smtClean="0"/>
-              <a:t>Ceci est notre question.</a:t>
-            </a:r>
-          </a:p>
-          <a:p>
-            <a:r>
-              <a:rPr lang="fr-FR" baseline="0" dirty="0" smtClean="0"/>
-              <a:t>Progressivement on a abstrait le truc.</a:t>
-            </a:r>
-          </a:p>
-          <a:p>
-            <a:endParaRPr lang="fr-FR" baseline="0" dirty="0" smtClean="0"/>
+              <a:rPr lang="fr-FR" baseline="0" smtClean="0"/>
+              <a:t>Bonjour et merci d’être venu si nombreux.</a:t>
+            </a:r>
+          </a:p>
+          <a:p>
+            <a:r>
+              <a:rPr lang="fr-FR" baseline="0" smtClean="0"/>
+              <a:t>Notre sujet c’était initialement ça</a:t>
+            </a:r>
+          </a:p>
+          <a:p>
+            <a:r>
+              <a:rPr lang="fr-FR" baseline="0" smtClean="0"/>
+              <a:t>Mais on a progressivement abstrait le concept</a:t>
+            </a:r>
           </a:p>
         </p:txBody>
       </p:sp>
@@ -614,6 +615,758 @@
         </p:txBody>
       </p:sp>
     </p:spTree>
+  </p:cSld>
+  <p:clrMapOvr>
+    <a:masterClrMapping/>
+  </p:clrMapOvr>
+</p:notes>
+</file>
+
+<file path=ppt/notesSlides/notesSlide10.xml><?xml version="1.0" encoding="utf-8"?>
+<p:notes xmlns:a="http://schemas.openxmlformats.org/drawingml/2006/main" xmlns:r="http://schemas.openxmlformats.org/officeDocument/2006/relationships" xmlns:p="http://schemas.openxmlformats.org/presentationml/2006/main">
+  <p:cSld>
+    <p:spTree>
+      <p:nvGrpSpPr>
+        <p:cNvPr id="1" name=""/>
+        <p:cNvGrpSpPr/>
+        <p:nvPr/>
+      </p:nvGrpSpPr>
+      <p:grpSpPr>
+        <a:xfrm>
+          <a:off x="0" y="0"/>
+          <a:ext cx="0" cy="0"/>
+          <a:chOff x="0" y="0"/>
+          <a:chExt cx="0" cy="0"/>
+        </a:xfrm>
+      </p:grpSpPr>
+      <p:sp>
+        <p:nvSpPr>
+          <p:cNvPr id="2" name="Espace réservé de l'image des diapositives 1"/>
+          <p:cNvSpPr>
+            <a:spLocks noGrp="1" noRot="1" noChangeAspect="1"/>
+          </p:cNvSpPr>
+          <p:nvPr>
+            <p:ph type="sldImg"/>
+          </p:nvPr>
+        </p:nvSpPr>
+        <p:spPr/>
+      </p:sp>
+      <p:sp>
+        <p:nvSpPr>
+          <p:cNvPr id="3" name="Espace réservé des commentaires 2"/>
+          <p:cNvSpPr>
+            <a:spLocks noGrp="1"/>
+          </p:cNvSpPr>
+          <p:nvPr>
+            <p:ph type="body" idx="1"/>
+          </p:nvPr>
+        </p:nvSpPr>
+        <p:spPr/>
+        <p:txBody>
+          <a:bodyPr/>
+          <a:lstStyle/>
+          <a:p>
+            <a:endParaRPr lang="fr-FR" dirty="0"/>
+          </a:p>
+        </p:txBody>
+      </p:sp>
+      <p:sp>
+        <p:nvSpPr>
+          <p:cNvPr id="4" name="Espace réservé du numéro de diapositive 3"/>
+          <p:cNvSpPr>
+            <a:spLocks noGrp="1"/>
+          </p:cNvSpPr>
+          <p:nvPr>
+            <p:ph type="sldNum" sz="quarter" idx="10"/>
+          </p:nvPr>
+        </p:nvSpPr>
+        <p:spPr/>
+        <p:txBody>
+          <a:bodyPr/>
+          <a:lstStyle/>
+          <a:p>
+            <a:fld id="{AB9270AC-FE6D-4237-9CBB-95A5B25BC716}" type="slidenum">
+              <a:rPr lang="fr-FR" smtClean="0"/>
+              <a:t>17</a:t>
+            </a:fld>
+            <a:endParaRPr lang="fr-FR"/>
+          </a:p>
+        </p:txBody>
+      </p:sp>
+    </p:spTree>
+    <p:extLst>
+      <p:ext uri="{BB962C8B-B14F-4D97-AF65-F5344CB8AC3E}">
+        <p14:creationId xmlns:p14="http://schemas.microsoft.com/office/powerpoint/2010/main" val="3305065583"/>
+      </p:ext>
+    </p:extLst>
+  </p:cSld>
+  <p:clrMapOvr>
+    <a:masterClrMapping/>
+  </p:clrMapOvr>
+</p:notes>
+</file>
+
+<file path=ppt/notesSlides/notesSlide11.xml><?xml version="1.0" encoding="utf-8"?>
+<p:notes xmlns:a="http://schemas.openxmlformats.org/drawingml/2006/main" xmlns:r="http://schemas.openxmlformats.org/officeDocument/2006/relationships" xmlns:p="http://schemas.openxmlformats.org/presentationml/2006/main">
+  <p:cSld>
+    <p:spTree>
+      <p:nvGrpSpPr>
+        <p:cNvPr id="1" name=""/>
+        <p:cNvGrpSpPr/>
+        <p:nvPr/>
+      </p:nvGrpSpPr>
+      <p:grpSpPr>
+        <a:xfrm>
+          <a:off x="0" y="0"/>
+          <a:ext cx="0" cy="0"/>
+          <a:chOff x="0" y="0"/>
+          <a:chExt cx="0" cy="0"/>
+        </a:xfrm>
+      </p:grpSpPr>
+      <p:sp>
+        <p:nvSpPr>
+          <p:cNvPr id="2" name="Espace réservé de l'image des diapositives 1"/>
+          <p:cNvSpPr>
+            <a:spLocks noGrp="1" noRot="1" noChangeAspect="1"/>
+          </p:cNvSpPr>
+          <p:nvPr>
+            <p:ph type="sldImg"/>
+          </p:nvPr>
+        </p:nvSpPr>
+        <p:spPr/>
+      </p:sp>
+      <p:sp>
+        <p:nvSpPr>
+          <p:cNvPr id="3" name="Espace réservé des commentaires 2"/>
+          <p:cNvSpPr>
+            <a:spLocks noGrp="1"/>
+          </p:cNvSpPr>
+          <p:nvPr>
+            <p:ph type="body" idx="1"/>
+          </p:nvPr>
+        </p:nvSpPr>
+        <p:spPr/>
+        <p:txBody>
+          <a:bodyPr/>
+          <a:lstStyle/>
+          <a:p>
+            <a:endParaRPr lang="fr-FR" dirty="0"/>
+          </a:p>
+        </p:txBody>
+      </p:sp>
+      <p:sp>
+        <p:nvSpPr>
+          <p:cNvPr id="4" name="Espace réservé du numéro de diapositive 3"/>
+          <p:cNvSpPr>
+            <a:spLocks noGrp="1"/>
+          </p:cNvSpPr>
+          <p:nvPr>
+            <p:ph type="sldNum" sz="quarter" idx="10"/>
+          </p:nvPr>
+        </p:nvSpPr>
+        <p:spPr/>
+        <p:txBody>
+          <a:bodyPr/>
+          <a:lstStyle/>
+          <a:p>
+            <a:fld id="{AB9270AC-FE6D-4237-9CBB-95A5B25BC716}" type="slidenum">
+              <a:rPr lang="fr-FR" smtClean="0"/>
+              <a:t>18</a:t>
+            </a:fld>
+            <a:endParaRPr lang="fr-FR"/>
+          </a:p>
+        </p:txBody>
+      </p:sp>
+    </p:spTree>
+    <p:extLst>
+      <p:ext uri="{BB962C8B-B14F-4D97-AF65-F5344CB8AC3E}">
+        <p14:creationId xmlns:p14="http://schemas.microsoft.com/office/powerpoint/2010/main" val="1252608685"/>
+      </p:ext>
+    </p:extLst>
+  </p:cSld>
+  <p:clrMapOvr>
+    <a:masterClrMapping/>
+  </p:clrMapOvr>
+</p:notes>
+</file>
+
+<file path=ppt/notesSlides/notesSlide12.xml><?xml version="1.0" encoding="utf-8"?>
+<p:notes xmlns:a="http://schemas.openxmlformats.org/drawingml/2006/main" xmlns:r="http://schemas.openxmlformats.org/officeDocument/2006/relationships" xmlns:p="http://schemas.openxmlformats.org/presentationml/2006/main">
+  <p:cSld>
+    <p:spTree>
+      <p:nvGrpSpPr>
+        <p:cNvPr id="1" name=""/>
+        <p:cNvGrpSpPr/>
+        <p:nvPr/>
+      </p:nvGrpSpPr>
+      <p:grpSpPr>
+        <a:xfrm>
+          <a:off x="0" y="0"/>
+          <a:ext cx="0" cy="0"/>
+          <a:chOff x="0" y="0"/>
+          <a:chExt cx="0" cy="0"/>
+        </a:xfrm>
+      </p:grpSpPr>
+      <p:sp>
+        <p:nvSpPr>
+          <p:cNvPr id="2" name="Espace réservé de l'image des diapositives 1"/>
+          <p:cNvSpPr>
+            <a:spLocks noGrp="1" noRot="1" noChangeAspect="1"/>
+          </p:cNvSpPr>
+          <p:nvPr>
+            <p:ph type="sldImg"/>
+          </p:nvPr>
+        </p:nvSpPr>
+        <p:spPr/>
+      </p:sp>
+      <p:sp>
+        <p:nvSpPr>
+          <p:cNvPr id="3" name="Espace réservé des commentaires 2"/>
+          <p:cNvSpPr>
+            <a:spLocks noGrp="1"/>
+          </p:cNvSpPr>
+          <p:nvPr>
+            <p:ph type="body" idx="1"/>
+          </p:nvPr>
+        </p:nvSpPr>
+        <p:spPr/>
+        <p:txBody>
+          <a:bodyPr/>
+          <a:lstStyle/>
+          <a:p>
+            <a:r>
+              <a:rPr lang="fr-FR" dirty="0" smtClean="0"/>
+              <a:t>Décision de travailler avec un </a:t>
+            </a:r>
+            <a:r>
+              <a:rPr lang="fr-FR" dirty="0" err="1" smtClean="0"/>
+              <a:t>versionnement</a:t>
+            </a:r>
+            <a:r>
+              <a:rPr lang="fr-FR" dirty="0" smtClean="0"/>
+              <a:t> pour </a:t>
+            </a:r>
+            <a:r>
+              <a:rPr lang="fr-FR" dirty="0" err="1" smtClean="0"/>
+              <a:t>eviter</a:t>
+            </a:r>
+            <a:r>
+              <a:rPr lang="fr-FR" dirty="0" smtClean="0"/>
+              <a:t> prise de retard (</a:t>
+            </a:r>
+            <a:r>
+              <a:rPr lang="fr-FR" dirty="0" err="1" smtClean="0"/>
+              <a:t>versionnement</a:t>
+            </a:r>
+            <a:r>
+              <a:rPr lang="fr-FR" dirty="0" smtClean="0"/>
+              <a:t> régulier)</a:t>
+            </a:r>
+          </a:p>
+          <a:p>
+            <a:endParaRPr lang="fr-FR" dirty="0" smtClean="0"/>
+          </a:p>
+          <a:p>
+            <a:r>
+              <a:rPr lang="fr-FR" dirty="0" smtClean="0"/>
+              <a:t>3 versions bon</a:t>
+            </a:r>
+            <a:r>
+              <a:rPr lang="fr-FR" baseline="0" dirty="0" smtClean="0"/>
+              <a:t> nombre : pas trop (temps perdu au packaging), pas trop peu (</a:t>
+            </a:r>
+            <a:r>
+              <a:rPr lang="fr-FR" baseline="0" dirty="0" err="1" smtClean="0"/>
+              <a:t>pr</a:t>
+            </a:r>
+            <a:r>
+              <a:rPr lang="fr-FR" baseline="0" dirty="0" smtClean="0"/>
+              <a:t> </a:t>
+            </a:r>
+            <a:r>
+              <a:rPr lang="fr-FR" baseline="0" dirty="0" err="1" smtClean="0"/>
+              <a:t>etre</a:t>
+            </a:r>
+            <a:r>
+              <a:rPr lang="fr-FR" baseline="0" dirty="0" smtClean="0"/>
+              <a:t> efficace)</a:t>
+            </a:r>
+          </a:p>
+          <a:p>
+            <a:endParaRPr lang="fr-FR" baseline="0" dirty="0" smtClean="0"/>
+          </a:p>
+          <a:p>
+            <a:r>
+              <a:rPr lang="fr-FR" baseline="0" dirty="0" smtClean="0"/>
+              <a:t>3 versions selon les 3 </a:t>
+            </a:r>
+            <a:r>
+              <a:rPr lang="fr-FR" baseline="0" dirty="0" err="1" smtClean="0"/>
+              <a:t>fcts</a:t>
+            </a:r>
+            <a:r>
+              <a:rPr lang="fr-FR" baseline="0" dirty="0" smtClean="0"/>
+              <a:t> principales car découpage naturel et bonne </a:t>
+            </a:r>
+            <a:r>
+              <a:rPr lang="fr-FR" baseline="0" dirty="0" err="1" smtClean="0"/>
+              <a:t>modelisation</a:t>
+            </a:r>
+            <a:r>
+              <a:rPr lang="fr-FR" baseline="0" dirty="0" smtClean="0"/>
+              <a:t> de l’avancée (répartie)</a:t>
+            </a:r>
+            <a:endParaRPr lang="fr-FR" dirty="0"/>
+          </a:p>
+        </p:txBody>
+      </p:sp>
+      <p:sp>
+        <p:nvSpPr>
+          <p:cNvPr id="4" name="Espace réservé du numéro de diapositive 3"/>
+          <p:cNvSpPr>
+            <a:spLocks noGrp="1"/>
+          </p:cNvSpPr>
+          <p:nvPr>
+            <p:ph type="sldNum" sz="quarter" idx="10"/>
+          </p:nvPr>
+        </p:nvSpPr>
+        <p:spPr/>
+        <p:txBody>
+          <a:bodyPr/>
+          <a:lstStyle/>
+          <a:p>
+            <a:fld id="{2600FC35-23D2-447E-B61F-00B8DBEE929E}" type="slidenum">
+              <a:rPr lang="fr-FR" smtClean="0"/>
+              <a:pPr/>
+              <a:t>23</a:t>
+            </a:fld>
+            <a:endParaRPr lang="fr-FR"/>
+          </a:p>
+        </p:txBody>
+      </p:sp>
+    </p:spTree>
+    <p:extLst>
+      <p:ext uri="{BB962C8B-B14F-4D97-AF65-F5344CB8AC3E}">
+        <p14:creationId xmlns:p14="http://schemas.microsoft.com/office/powerpoint/2010/main" val="2047181594"/>
+      </p:ext>
+    </p:extLst>
+  </p:cSld>
+  <p:clrMapOvr>
+    <a:masterClrMapping/>
+  </p:clrMapOvr>
+</p:notes>
+</file>
+
+<file path=ppt/notesSlides/notesSlide13.xml><?xml version="1.0" encoding="utf-8"?>
+<p:notes xmlns:a="http://schemas.openxmlformats.org/drawingml/2006/main" xmlns:r="http://schemas.openxmlformats.org/officeDocument/2006/relationships" xmlns:p="http://schemas.openxmlformats.org/presentationml/2006/main">
+  <p:cSld>
+    <p:spTree>
+      <p:nvGrpSpPr>
+        <p:cNvPr id="1" name=""/>
+        <p:cNvGrpSpPr/>
+        <p:nvPr/>
+      </p:nvGrpSpPr>
+      <p:grpSpPr>
+        <a:xfrm>
+          <a:off x="0" y="0"/>
+          <a:ext cx="0" cy="0"/>
+          <a:chOff x="0" y="0"/>
+          <a:chExt cx="0" cy="0"/>
+        </a:xfrm>
+      </p:grpSpPr>
+      <p:sp>
+        <p:nvSpPr>
+          <p:cNvPr id="2" name="Espace réservé de l'image des diapositives 1"/>
+          <p:cNvSpPr>
+            <a:spLocks noGrp="1" noRot="1" noChangeAspect="1"/>
+          </p:cNvSpPr>
+          <p:nvPr>
+            <p:ph type="sldImg"/>
+          </p:nvPr>
+        </p:nvSpPr>
+        <p:spPr/>
+      </p:sp>
+      <p:sp>
+        <p:nvSpPr>
+          <p:cNvPr id="3" name="Espace réservé des commentaires 2"/>
+          <p:cNvSpPr>
+            <a:spLocks noGrp="1"/>
+          </p:cNvSpPr>
+          <p:nvPr>
+            <p:ph type="body" idx="1"/>
+          </p:nvPr>
+        </p:nvSpPr>
+        <p:spPr/>
+        <p:txBody>
+          <a:bodyPr/>
+          <a:lstStyle/>
+          <a:p>
+            <a:pPr>
+              <a:buFont typeface="Wingdings" pitchFamily="2" charset="2"/>
+              <a:buNone/>
+            </a:pPr>
+            <a:r>
+              <a:rPr lang="fr-FR" dirty="0" smtClean="0"/>
+              <a:t>Recherche d’une méthode</a:t>
+            </a:r>
+            <a:r>
+              <a:rPr lang="fr-FR" baseline="0" dirty="0" smtClean="0"/>
+              <a:t> Agile</a:t>
+            </a:r>
+          </a:p>
+          <a:p>
+            <a:pPr>
+              <a:buFont typeface="Wingdings" pitchFamily="2" charset="2"/>
+              <a:buNone/>
+            </a:pPr>
+            <a:endParaRPr lang="fr-FR" baseline="0" dirty="0" smtClean="0"/>
+          </a:p>
+          <a:p>
+            <a:pPr>
+              <a:buFont typeface="Wingdings" pitchFamily="2" charset="2"/>
+              <a:buNone/>
+            </a:pPr>
+            <a:r>
+              <a:rPr lang="fr-FR" dirty="0" smtClean="0"/>
+              <a:t>SCRUM intéressant</a:t>
+            </a:r>
+            <a:r>
+              <a:rPr lang="fr-FR" baseline="0" dirty="0" smtClean="0"/>
+              <a:t> car </a:t>
+            </a:r>
+          </a:p>
+          <a:p>
+            <a:pPr marL="171450" indent="-171450">
+              <a:buFont typeface="Arial" panose="020B0604020202020204" pitchFamily="34" charset="0"/>
+              <a:buChar char="•"/>
+            </a:pPr>
+            <a:r>
+              <a:rPr lang="fr-FR" baseline="0" dirty="0" smtClean="0"/>
+              <a:t>facile a mettre en place</a:t>
+            </a:r>
+          </a:p>
+          <a:p>
+            <a:pPr marL="171450" indent="-171450">
+              <a:buFont typeface="Arial" panose="020B0604020202020204" pitchFamily="34" charset="0"/>
+              <a:buChar char="•"/>
+            </a:pPr>
+            <a:r>
+              <a:rPr lang="fr-FR" baseline="0" dirty="0" smtClean="0"/>
+              <a:t>correspond bien aux attentes de livrables, taille de projet</a:t>
+            </a:r>
+            <a:endParaRPr lang="fr-FR" dirty="0" smtClean="0"/>
+          </a:p>
+          <a:p>
+            <a:pPr>
+              <a:buFont typeface="Wingdings" pitchFamily="2" charset="2"/>
+              <a:buNone/>
+            </a:pPr>
+            <a:endParaRPr lang="fr-FR" dirty="0" smtClean="0"/>
+          </a:p>
+          <a:p>
+            <a:pPr>
+              <a:buFont typeface="Wingdings" pitchFamily="2" charset="2"/>
+              <a:buNone/>
+            </a:pPr>
+            <a:r>
+              <a:rPr lang="fr-FR" dirty="0" err="1" smtClean="0"/>
+              <a:t>ScrumMaster</a:t>
+            </a:r>
+            <a:r>
+              <a:rPr lang="fr-FR" baseline="0" dirty="0" smtClean="0"/>
+              <a:t> : coordinateur</a:t>
+            </a:r>
+            <a:endParaRPr lang="fr-FR" dirty="0" smtClean="0"/>
+          </a:p>
+          <a:p>
+            <a:pPr>
+              <a:buFont typeface="Wingdings" pitchFamily="2" charset="2"/>
+              <a:buNone/>
+            </a:pPr>
+            <a:r>
+              <a:rPr lang="fr-FR" dirty="0" smtClean="0"/>
+              <a:t>Product </a:t>
+            </a:r>
+            <a:r>
+              <a:rPr lang="fr-FR" dirty="0" err="1" smtClean="0"/>
+              <a:t>Owner</a:t>
+            </a:r>
+            <a:r>
+              <a:rPr lang="fr-FR" dirty="0" smtClean="0"/>
+              <a:t> : coordinateur et encadrants</a:t>
+            </a:r>
+          </a:p>
+          <a:p>
+            <a:pPr marL="0" indent="0">
+              <a:buFont typeface="Arial" panose="020B0604020202020204" pitchFamily="34" charset="0"/>
+              <a:buNone/>
+            </a:pPr>
+            <a:endParaRPr lang="fr-FR" dirty="0" smtClean="0"/>
+          </a:p>
+          <a:p>
+            <a:pPr>
+              <a:buFont typeface="Wingdings" pitchFamily="2" charset="2"/>
+              <a:buNone/>
+            </a:pPr>
+            <a:r>
+              <a:rPr lang="fr-FR" dirty="0" smtClean="0"/>
+              <a:t>Mêlée quotidienne</a:t>
+            </a:r>
+            <a:r>
+              <a:rPr lang="fr-FR" baseline="0" dirty="0" smtClean="0"/>
+              <a:t> : hebdomadaire</a:t>
+            </a:r>
+            <a:endParaRPr lang="fr-FR" dirty="0" smtClean="0"/>
+          </a:p>
+          <a:p>
+            <a:pPr>
+              <a:buFont typeface="Wingdings" pitchFamily="2" charset="2"/>
+              <a:buNone/>
+            </a:pPr>
+            <a:endParaRPr lang="fr-FR" dirty="0" smtClean="0"/>
+          </a:p>
+          <a:p>
+            <a:pPr>
+              <a:buFont typeface="Wingdings" pitchFamily="2" charset="2"/>
+              <a:buNone/>
+            </a:pPr>
+            <a:r>
+              <a:rPr lang="fr-FR" dirty="0" smtClean="0"/>
+              <a:t>Sprints : </a:t>
+            </a:r>
+            <a:r>
+              <a:rPr lang="fr-FR" dirty="0" err="1" smtClean="0"/>
+              <a:t>grpes</a:t>
+            </a:r>
+            <a:r>
+              <a:rPr lang="fr-FR" dirty="0" smtClean="0"/>
+              <a:t> de taches dans </a:t>
+            </a:r>
+            <a:r>
+              <a:rPr lang="fr-FR" dirty="0" err="1" smtClean="0"/>
+              <a:t>chaques</a:t>
+            </a:r>
+            <a:r>
+              <a:rPr lang="fr-FR" dirty="0" smtClean="0"/>
+              <a:t> versions</a:t>
+            </a:r>
+          </a:p>
+          <a:p>
+            <a:endParaRPr lang="fr-FR" dirty="0"/>
+          </a:p>
+        </p:txBody>
+      </p:sp>
+      <p:sp>
+        <p:nvSpPr>
+          <p:cNvPr id="4" name="Espace réservé du numéro de diapositive 3"/>
+          <p:cNvSpPr>
+            <a:spLocks noGrp="1"/>
+          </p:cNvSpPr>
+          <p:nvPr>
+            <p:ph type="sldNum" sz="quarter" idx="10"/>
+          </p:nvPr>
+        </p:nvSpPr>
+        <p:spPr/>
+        <p:txBody>
+          <a:bodyPr/>
+          <a:lstStyle/>
+          <a:p>
+            <a:fld id="{2600FC35-23D2-447E-B61F-00B8DBEE929E}" type="slidenum">
+              <a:rPr lang="fr-FR" smtClean="0"/>
+              <a:pPr/>
+              <a:t>24</a:t>
+            </a:fld>
+            <a:endParaRPr lang="fr-FR"/>
+          </a:p>
+        </p:txBody>
+      </p:sp>
+    </p:spTree>
+    <p:extLst>
+      <p:ext uri="{BB962C8B-B14F-4D97-AF65-F5344CB8AC3E}">
+        <p14:creationId xmlns:p14="http://schemas.microsoft.com/office/powerpoint/2010/main" val="3881882308"/>
+      </p:ext>
+    </p:extLst>
+  </p:cSld>
+  <p:clrMapOvr>
+    <a:masterClrMapping/>
+  </p:clrMapOvr>
+</p:notes>
+</file>
+
+<file path=ppt/notesSlides/notesSlide14.xml><?xml version="1.0" encoding="utf-8"?>
+<p:notes xmlns:a="http://schemas.openxmlformats.org/drawingml/2006/main" xmlns:r="http://schemas.openxmlformats.org/officeDocument/2006/relationships" xmlns:p="http://schemas.openxmlformats.org/presentationml/2006/main">
+  <p:cSld>
+    <p:spTree>
+      <p:nvGrpSpPr>
+        <p:cNvPr id="1" name=""/>
+        <p:cNvGrpSpPr/>
+        <p:nvPr/>
+      </p:nvGrpSpPr>
+      <p:grpSpPr>
+        <a:xfrm>
+          <a:off x="0" y="0"/>
+          <a:ext cx="0" cy="0"/>
+          <a:chOff x="0" y="0"/>
+          <a:chExt cx="0" cy="0"/>
+        </a:xfrm>
+      </p:grpSpPr>
+      <p:sp>
+        <p:nvSpPr>
+          <p:cNvPr id="2" name="Espace réservé de l'image des diapositives 1"/>
+          <p:cNvSpPr>
+            <a:spLocks noGrp="1" noRot="1" noChangeAspect="1"/>
+          </p:cNvSpPr>
+          <p:nvPr>
+            <p:ph type="sldImg"/>
+          </p:nvPr>
+        </p:nvSpPr>
+        <p:spPr/>
+      </p:sp>
+      <p:sp>
+        <p:nvSpPr>
+          <p:cNvPr id="3" name="Espace réservé des commentaires 2"/>
+          <p:cNvSpPr>
+            <a:spLocks noGrp="1"/>
+          </p:cNvSpPr>
+          <p:nvPr>
+            <p:ph type="body" idx="1"/>
+          </p:nvPr>
+        </p:nvSpPr>
+        <p:spPr/>
+        <p:txBody>
+          <a:bodyPr/>
+          <a:lstStyle/>
+          <a:p>
+            <a:r>
+              <a:rPr lang="fr-FR" dirty="0" smtClean="0"/>
+              <a:t>Apprentissage des erreurs passées :</a:t>
+            </a:r>
+          </a:p>
+          <a:p>
+            <a:endParaRPr lang="fr-FR" dirty="0" smtClean="0"/>
+          </a:p>
+          <a:p>
+            <a:pPr marL="171450" indent="-171450">
+              <a:buFont typeface="Arial" panose="020B0604020202020204" pitchFamily="34" charset="0"/>
+              <a:buChar char="•"/>
+            </a:pPr>
+            <a:r>
+              <a:rPr lang="fr-FR" dirty="0" smtClean="0"/>
+              <a:t>Gestion</a:t>
+            </a:r>
+            <a:r>
+              <a:rPr lang="fr-FR" baseline="0" dirty="0" smtClean="0"/>
+              <a:t> du travail en groupe, avec attribution des taches. Amélioration tangible au long des rapports</a:t>
+            </a:r>
+          </a:p>
+          <a:p>
+            <a:pPr marL="171450" indent="-171450">
+              <a:buFont typeface="Arial" panose="020B0604020202020204" pitchFamily="34" charset="0"/>
+              <a:buChar char="•"/>
+            </a:pPr>
+            <a:endParaRPr lang="fr-FR" baseline="0" dirty="0" smtClean="0"/>
+          </a:p>
+          <a:p>
+            <a:pPr marL="171450" indent="-171450">
+              <a:buFont typeface="Arial" panose="020B0604020202020204" pitchFamily="34" charset="0"/>
+              <a:buChar char="•"/>
+            </a:pPr>
+            <a:r>
+              <a:rPr lang="fr-FR" baseline="0" dirty="0" err="1" smtClean="0"/>
+              <a:t>Interet</a:t>
+            </a:r>
+            <a:r>
+              <a:rPr lang="fr-FR" baseline="0" dirty="0" smtClean="0"/>
+              <a:t> de la spécialisation (moins de relectures/repasses : MS Project, intro/conclu) : </a:t>
+            </a:r>
+            <a:r>
+              <a:rPr lang="fr-FR" baseline="0" dirty="0" err="1" smtClean="0"/>
+              <a:t>resp</a:t>
+            </a:r>
+            <a:r>
+              <a:rPr lang="fr-FR" baseline="0" dirty="0" smtClean="0"/>
+              <a:t> </a:t>
+            </a:r>
+            <a:r>
+              <a:rPr lang="fr-FR" baseline="0" dirty="0" err="1" smtClean="0"/>
+              <a:t>ADTool</a:t>
+            </a:r>
+            <a:r>
+              <a:rPr lang="fr-FR" baseline="0" dirty="0" smtClean="0"/>
+              <a:t>, </a:t>
+            </a:r>
+            <a:r>
+              <a:rPr lang="fr-FR" baseline="0" dirty="0" err="1" smtClean="0"/>
+              <a:t>resp</a:t>
+            </a:r>
+            <a:r>
+              <a:rPr lang="fr-FR" baseline="0" dirty="0" smtClean="0"/>
+              <a:t> Interface, </a:t>
+            </a:r>
+            <a:r>
+              <a:rPr lang="fr-FR" baseline="0" dirty="0" err="1" smtClean="0"/>
+              <a:t>resp</a:t>
+            </a:r>
+            <a:r>
+              <a:rPr lang="fr-FR" baseline="0" dirty="0" smtClean="0"/>
+              <a:t> </a:t>
+            </a:r>
+            <a:r>
+              <a:rPr lang="fr-FR" baseline="0" dirty="0" err="1" smtClean="0"/>
+              <a:t>Algo</a:t>
+            </a:r>
+            <a:endParaRPr lang="fr-FR" baseline="0" dirty="0" smtClean="0"/>
+          </a:p>
+          <a:p>
+            <a:pPr marL="171450" indent="-171450">
+              <a:buFont typeface="Arial" panose="020B0604020202020204" pitchFamily="34" charset="0"/>
+              <a:buChar char="•"/>
+            </a:pPr>
+            <a:endParaRPr lang="fr-FR" baseline="0" dirty="0" smtClean="0"/>
+          </a:p>
+          <a:p>
+            <a:pPr marL="171450" indent="-171450">
+              <a:buFont typeface="Arial" panose="020B0604020202020204" pitchFamily="34" charset="0"/>
+              <a:buChar char="•"/>
+            </a:pPr>
+            <a:r>
+              <a:rPr lang="fr-FR" smtClean="0"/>
+              <a:t>Gain rapidité</a:t>
+            </a:r>
+            <a:endParaRPr lang="fr-FR" dirty="0"/>
+          </a:p>
+        </p:txBody>
+      </p:sp>
+      <p:sp>
+        <p:nvSpPr>
+          <p:cNvPr id="4" name="Espace réservé du numéro de diapositive 3"/>
+          <p:cNvSpPr>
+            <a:spLocks noGrp="1"/>
+          </p:cNvSpPr>
+          <p:nvPr>
+            <p:ph type="sldNum" sz="quarter" idx="10"/>
+          </p:nvPr>
+        </p:nvSpPr>
+        <p:spPr/>
+        <p:txBody>
+          <a:bodyPr/>
+          <a:lstStyle/>
+          <a:p>
+            <a:fld id="{2600FC35-23D2-447E-B61F-00B8DBEE929E}" type="slidenum">
+              <a:rPr lang="fr-FR" smtClean="0"/>
+              <a:pPr/>
+              <a:t>25</a:t>
+            </a:fld>
+            <a:endParaRPr lang="fr-FR"/>
+          </a:p>
+        </p:txBody>
+      </p:sp>
+    </p:spTree>
+    <p:extLst>
+      <p:ext uri="{BB962C8B-B14F-4D97-AF65-F5344CB8AC3E}">
+        <p14:creationId xmlns:p14="http://schemas.microsoft.com/office/powerpoint/2010/main" val="1261299983"/>
+      </p:ext>
+    </p:extLst>
   </p:cSld>
   <p:clrMapOvr>
     <a:masterClrMapping/>
@@ -665,6 +1418,24 @@
           <a:bodyPr/>
           <a:lstStyle/>
           <a:p>
+            <a:r>
+              <a:rPr lang="fr-FR" dirty="0" smtClean="0"/>
+              <a:t>Inventé</a:t>
+            </a:r>
+            <a:r>
+              <a:rPr lang="fr-FR" baseline="0" dirty="0" smtClean="0"/>
+              <a:t> en 62 pour l’armée de l’air américaine pour évaluer l’un de ses systèmes, et depuis la pratique s’est répandue</a:t>
+            </a:r>
+            <a:r>
+              <a:rPr lang="fr-FR" baseline="0" dirty="0" smtClean="0"/>
+              <a:t>.</a:t>
+            </a:r>
+          </a:p>
+          <a:p>
+            <a:r>
+              <a:rPr lang="fr-FR" baseline="0" dirty="0" smtClean="0"/>
+              <a:t>Toujours utilisé en industrie, pour des systèmes mécaniques. De base pour l’armée c’était pour un système de lancement de missiles.</a:t>
+            </a:r>
             <a:endParaRPr lang="fr-FR" dirty="0"/>
           </a:p>
         </p:txBody>
@@ -724,59 +1495,88 @@
       </p:grpSpPr>
       <p:sp>
         <p:nvSpPr>
-          <p:cNvPr id="107" name="PlaceHolder 1"/>
+          <p:cNvPr id="2" name="Espace réservé de l'image des diapositives 1"/>
+          <p:cNvSpPr>
+            <a:spLocks noGrp="1" noRot="1" noChangeAspect="1"/>
+          </p:cNvSpPr>
+          <p:nvPr>
+            <p:ph type="sldImg"/>
+          </p:nvPr>
+        </p:nvSpPr>
+        <p:spPr/>
+      </p:sp>
+      <p:sp>
+        <p:nvSpPr>
+          <p:cNvPr id="3" name="Espace réservé des commentaires 2"/>
           <p:cNvSpPr>
             <a:spLocks noGrp="1"/>
           </p:cNvSpPr>
           <p:nvPr>
-            <p:ph type="body"/>
+            <p:ph type="body" idx="1"/>
           </p:nvPr>
         </p:nvSpPr>
-        <p:spPr>
-          <a:xfrm>
-            <a:off x="685830" y="4343322"/>
-            <a:ext cx="5486309" cy="4114564"/>
-          </a:xfrm>
-          <a:prstGeom prst="rect">
-            <a:avLst/>
-          </a:prstGeom>
-        </p:spPr>
-        <p:txBody>
-          <a:bodyPr lIns="0" tIns="0" rIns="0" bIns="0"/>
+        <p:spPr/>
+        <p:txBody>
+          <a:bodyPr/>
           <a:lstStyle/>
           <a:p>
             <a:r>
-              <a:rPr lang="fr-FR" sz="1800">
-                <a:latin typeface="Arial"/>
-              </a:rPr>
-              <a:t>- sont payants </a:t>
-            </a:r>
-            <a:endParaRPr/>
-          </a:p>
-          <a:p>
-            <a:r>
-              <a:rPr lang="fr-FR" sz="1800">
-                <a:latin typeface="Arial"/>
-              </a:rPr>
-              <a:t>- modélisent que les arbres d'attaque</a:t>
-            </a:r>
-            <a:endParaRPr/>
-          </a:p>
-          <a:p>
-            <a:endParaRPr/>
-          </a:p>
-          <a:p>
-            <a:r>
-              <a:rPr lang="fr-FR" sz="1800">
-                <a:latin typeface="Arial"/>
-              </a:rPr>
-              <a:t>- les entreprises développent en interne leurs propres outils de modélisation des arbres d'attaque </a:t>
-            </a:r>
-            <a:endParaRPr/>
+              <a:rPr lang="fr-FR" dirty="0" smtClean="0"/>
+              <a:t>C’est</a:t>
+            </a:r>
+            <a:r>
+              <a:rPr lang="fr-FR" baseline="0" dirty="0" smtClean="0"/>
+              <a:t> à partir de ces arbres de défaillance que Bruce </a:t>
+            </a:r>
+            <a:r>
+              <a:rPr lang="fr-FR" baseline="0" dirty="0" err="1" smtClean="0"/>
+              <a:t>Schneier</a:t>
+            </a:r>
+            <a:r>
+              <a:rPr lang="fr-FR" baseline="0" dirty="0" smtClean="0"/>
+              <a:t> a introduit le concept d’arbre d’attaque. Le principe est assez simple, on commence par définir un but principal. Ici on va prendre le but de notre projet initial, Paralyser le STAR.  On va chercher les moyens d’atteindre ce but. On voit les 3 là, Ce sont des moyens indépendants, ce sont des nœuds dits disjonctifs, équivaut au « ou » de l’arbre de défaillance. Puis on se dit que bloquer le réseau, ce n’est pas assez explicite, ou qu’il y a encore beaucoup de moyens de le faire. On va donc lui ajouter des fils. Pour bloquer le SI, on peut </a:t>
+            </a:r>
+            <a:r>
+              <a:rPr lang="fr-FR" baseline="0" dirty="0" err="1" smtClean="0"/>
+              <a:t>blabla</a:t>
+            </a:r>
+            <a:r>
+              <a:rPr lang="fr-FR" baseline="0" dirty="0" smtClean="0"/>
+              <a:t>. Ici, il faut les 2, nœud conjonctif, « et ».</a:t>
+            </a:r>
+            <a:endParaRPr lang="fr-FR" dirty="0"/>
+          </a:p>
+        </p:txBody>
+      </p:sp>
+      <p:sp>
+        <p:nvSpPr>
+          <p:cNvPr id="4" name="Espace réservé du numéro de diapositive 3"/>
+          <p:cNvSpPr>
+            <a:spLocks noGrp="1"/>
+          </p:cNvSpPr>
+          <p:nvPr>
+            <p:ph type="sldNum" sz="quarter" idx="10"/>
+          </p:nvPr>
+        </p:nvSpPr>
+        <p:spPr/>
+        <p:txBody>
+          <a:bodyPr/>
+          <a:lstStyle/>
+          <a:p>
+            <a:fld id="{2301B3DF-4127-41C0-BB05-FA3D19621909}" type="slidenum">
+              <a:rPr lang="fr-FR" smtClean="0"/>
+              <a:t>4</a:t>
+            </a:fld>
+            <a:endParaRPr lang="fr-FR"/>
           </a:p>
         </p:txBody>
       </p:sp>
     </p:spTree>
+    <p:extLst>
+      <p:ext uri="{BB962C8B-B14F-4D97-AF65-F5344CB8AC3E}">
+        <p14:creationId xmlns:p14="http://schemas.microsoft.com/office/powerpoint/2010/main" val="874516906"/>
+      </p:ext>
+    </p:extLst>
   </p:cSld>
   <p:clrMapOvr>
     <a:masterClrMapping/>
@@ -803,47 +1603,100 @@
       </p:grpSpPr>
       <p:sp>
         <p:nvSpPr>
-          <p:cNvPr id="108" name="PlaceHolder 1"/>
+          <p:cNvPr id="2" name="Espace réservé de l'image des diapositives 1"/>
+          <p:cNvSpPr>
+            <a:spLocks noGrp="1" noRot="1" noChangeAspect="1"/>
+          </p:cNvSpPr>
+          <p:nvPr>
+            <p:ph type="sldImg"/>
+          </p:nvPr>
+        </p:nvSpPr>
+        <p:spPr/>
+      </p:sp>
+      <p:sp>
+        <p:nvSpPr>
+          <p:cNvPr id="3" name="Espace réservé des commentaires 2"/>
           <p:cNvSpPr>
             <a:spLocks noGrp="1"/>
           </p:cNvSpPr>
           <p:nvPr>
-            <p:ph type="body"/>
+            <p:ph type="body" idx="1"/>
           </p:nvPr>
         </p:nvSpPr>
-        <p:spPr>
-          <a:xfrm>
-            <a:off x="685830" y="4343322"/>
-            <a:ext cx="5486309" cy="4114564"/>
-          </a:xfrm>
-          <a:prstGeom prst="rect">
-            <a:avLst/>
-          </a:prstGeom>
-        </p:spPr>
-        <p:txBody>
-          <a:bodyPr lIns="0" tIns="0" rIns="0" bIns="0"/>
+        <p:spPr/>
+        <p:txBody>
+          <a:bodyPr/>
           <a:lstStyle/>
           <a:p>
             <a:r>
-              <a:rPr lang="fr-FR" sz="1800">
-                <a:latin typeface="Arial"/>
-              </a:rPr>
-              <a:t>- seul logiciel pour les ADTrees</a:t>
-            </a:r>
-            <a:endParaRPr/>
-          </a:p>
-          <a:p>
-            <a:r>
-              <a:rPr lang="fr-FR" sz="1800">
-                <a:latin typeface="Arial"/>
-              </a:rPr>
-              <a:t>- logiciel libre</a:t>
-            </a:r>
-            <a:endParaRPr/>
+              <a:rPr lang="fr-FR" dirty="0" smtClean="0"/>
+              <a:t>Intègre le concept de défense, représenté</a:t>
+            </a:r>
+            <a:r>
+              <a:rPr lang="fr-FR" baseline="0" dirty="0" smtClean="0"/>
+              <a:t> </a:t>
+            </a:r>
+            <a:r>
+              <a:rPr lang="fr-FR" baseline="0" dirty="0" err="1" smtClean="0"/>
+              <a:t>blabla</a:t>
+            </a:r>
+            <a:r>
+              <a:rPr lang="fr-FR" baseline="0" dirty="0" smtClean="0"/>
+              <a:t> carré vert </a:t>
+            </a:r>
+            <a:r>
+              <a:rPr lang="fr-FR" baseline="0" dirty="0" err="1" smtClean="0"/>
+              <a:t>blabla</a:t>
+            </a:r>
+            <a:r>
+              <a:rPr lang="fr-FR" baseline="0" dirty="0" smtClean="0"/>
+              <a:t> pointillés </a:t>
+            </a:r>
+            <a:r>
+              <a:rPr lang="fr-FR" baseline="0" dirty="0" err="1" smtClean="0"/>
+              <a:t>blabla</a:t>
+            </a:r>
+            <a:r>
+              <a:rPr lang="fr-FR" baseline="0" dirty="0" smtClean="0"/>
+              <a:t> c’est attaque et </a:t>
+            </a:r>
+            <a:r>
+              <a:rPr lang="fr-FR" baseline="0" smtClean="0"/>
+              <a:t>attaque défense c’est pas pareil.</a:t>
+            </a:r>
+            <a:endParaRPr lang="fr-FR" dirty="0"/>
+          </a:p>
+        </p:txBody>
+      </p:sp>
+      <p:sp>
+        <p:nvSpPr>
+          <p:cNvPr id="4" name="Espace réservé du numéro de diapositive 3"/>
+          <p:cNvSpPr>
+            <a:spLocks noGrp="1"/>
+          </p:cNvSpPr>
+          <p:nvPr>
+            <p:ph type="sldNum" sz="quarter" idx="10"/>
+          </p:nvPr>
+        </p:nvSpPr>
+        <p:spPr/>
+        <p:txBody>
+          <a:bodyPr/>
+          <a:lstStyle/>
+          <a:p>
+            <a:fld id="{2301B3DF-4127-41C0-BB05-FA3D19621909}" type="slidenum">
+              <a:rPr lang="fr-FR" smtClean="0"/>
+              <a:t>5</a:t>
+            </a:fld>
+            <a:endParaRPr lang="fr-FR"/>
           </a:p>
         </p:txBody>
       </p:sp>
     </p:spTree>
+    <p:extLst>
+      <p:ext uri="{BB962C8B-B14F-4D97-AF65-F5344CB8AC3E}">
+        <p14:creationId xmlns:p14="http://schemas.microsoft.com/office/powerpoint/2010/main" val="874516906"/>
+      </p:ext>
+    </p:extLst>
   </p:cSld>
   <p:clrMapOvr>
     <a:masterClrMapping/>
@@ -870,7 +1723,7 @@
       </p:grpSpPr>
       <p:sp>
         <p:nvSpPr>
-          <p:cNvPr id="109" name="PlaceHolder 1"/>
+          <p:cNvPr id="107" name="PlaceHolder 1"/>
           <p:cNvSpPr>
             <a:spLocks noGrp="1"/>
           </p:cNvSpPr>
@@ -895,11 +1748,8 @@
               <a:rPr lang="fr-FR" sz="1800">
                 <a:latin typeface="Arial"/>
               </a:rPr>
-              <a:t>Fonctionnalités : </a:t>
-            </a:r>
-            <a:endParaRPr/>
-          </a:p>
-          <a:p>
+              <a:t>- sont payants </a:t>
+            </a:r>
             <a:endParaRPr/>
           </a:p>
           <a:p>
@@ -907,8 +1757,11 @@
               <a:rPr lang="fr-FR" sz="1800">
                 <a:latin typeface="Arial"/>
               </a:rPr>
-              <a:t>- ouvrir/modifier ADTrees</a:t>
-            </a:r>
+              <a:t>- modélisent que les arbres d'attaque</a:t>
+            </a:r>
+            <a:endParaRPr/>
+          </a:p>
+          <a:p>
             <a:endParaRPr/>
           </a:p>
           <a:p>
@@ -916,37 +1769,7 @@
               <a:rPr lang="fr-FR" sz="1800">
                 <a:latin typeface="Arial"/>
               </a:rPr>
-              <a:t>- import/export en pdf, png etc</a:t>
-            </a:r>
-            <a:endParaRPr/>
-          </a:p>
-          <a:p>
-            <a:r>
-              <a:rPr lang="fr-FR" sz="1800">
-                <a:latin typeface="Arial"/>
-              </a:rPr>
-              <a:t>- fenêtre ADTerm Edit</a:t>
-            </a:r>
-            <a:endParaRPr/>
-          </a:p>
-          <a:p>
-            <a:endParaRPr/>
-          </a:p>
-          <a:p>
-            <a:r>
-              <a:rPr lang="fr-FR" sz="1800">
-                <a:latin typeface="Arial"/>
-              </a:rPr>
-              <a:t>Pb :</a:t>
-            </a:r>
-            <a:endParaRPr/>
-          </a:p>
-          <a:p>
-            <a:r>
-              <a:rPr lang="fr-FR" sz="1800">
-                <a:latin typeface="Arial"/>
-              </a:rPr>
-              <a:t>- un seul arbre à la fois (pas d'onglets)</a:t>
+              <a:t>- les entreprises développent en interne leurs propres outils de modélisation des arbres d'attaque </a:t>
             </a:r>
             <a:endParaRPr/>
           </a:p>
@@ -979,7 +1802,7 @@
       </p:grpSpPr>
       <p:sp>
         <p:nvSpPr>
-          <p:cNvPr id="110" name="PlaceHolder 1"/>
+          <p:cNvPr id="108" name="PlaceHolder 1"/>
           <p:cNvSpPr>
             <a:spLocks noGrp="1"/>
           </p:cNvSpPr>
@@ -1004,11 +1827,8 @@
               <a:rPr lang="fr-FR" sz="1800">
                 <a:latin typeface="Arial"/>
               </a:rPr>
-              <a:t>Fonctions manquantes :</a:t>
-            </a:r>
-            <a:endParaRPr/>
-          </a:p>
-          <a:p>
+              <a:t>- seul logiciel pour les ADTrees</a:t>
+            </a:r>
             <a:endParaRPr/>
           </a:p>
           <a:p>
@@ -1016,16 +1836,7 @@
               <a:rPr lang="fr-FR" sz="1800">
                 <a:latin typeface="Arial"/>
               </a:rPr>
-              <a:t>- couper/copier/coller</a:t>
-            </a:r>
-            <a:endParaRPr/>
-          </a:p>
-          <a:p>
-            <a:r>
-              <a:rPr lang="fr-FR" sz="1800">
-                <a:latin typeface="Arial"/>
-              </a:rPr>
-              <a:t>- annuler (ctrl+z)</a:t>
+              <a:t>- logiciel libre</a:t>
             </a:r>
             <a:endParaRPr/>
           </a:p>
@@ -1058,7 +1869,7 @@
       </p:grpSpPr>
       <p:sp>
         <p:nvSpPr>
-          <p:cNvPr id="111" name="PlaceHolder 1"/>
+          <p:cNvPr id="109" name="PlaceHolder 1"/>
           <p:cNvSpPr>
             <a:spLocks noGrp="1"/>
           </p:cNvSpPr>
@@ -1083,7 +1894,7 @@
               <a:rPr lang="fr-FR" sz="1800">
                 <a:latin typeface="Arial"/>
               </a:rPr>
-              <a:t>Possibilité de valuer les arbres : parler des param de base</a:t>
+              <a:t>Fonctionnalités : </a:t>
             </a:r>
             <a:endParaRPr/>
           </a:p>
@@ -1095,11 +1906,8 @@
               <a:rPr lang="fr-FR" sz="1800">
                 <a:latin typeface="Arial"/>
               </a:rPr>
-              <a:t>Pb : </a:t>
-            </a:r>
-            <a:endParaRPr/>
-          </a:p>
-          <a:p>
+              <a:t>- ouvrir/modifier ADTrees</a:t>
+            </a:r>
             <a:endParaRPr/>
           </a:p>
           <a:p>
@@ -1107,7 +1915,7 @@
               <a:rPr lang="fr-FR" sz="1800">
                 <a:latin typeface="Arial"/>
               </a:rPr>
-              <a:t>- un seul param à la fois</a:t>
+              <a:t>- import/export en pdf, png etc</a:t>
             </a:r>
             <a:endParaRPr/>
           </a:p>
@@ -1116,7 +1924,28 @@
               <a:rPr lang="fr-FR" sz="1800">
                 <a:latin typeface="Arial"/>
               </a:rPr>
-              <a:t>- pas d'exploitation possible</a:t>
+              <a:t>- fenêtre ADTerm Edit</a:t>
+            </a:r>
+            <a:endParaRPr/>
+          </a:p>
+          <a:p>
+            <a:endParaRPr/>
+          </a:p>
+          <a:p>
+            <a:r>
+              <a:rPr lang="fr-FR" sz="1800">
+                <a:latin typeface="Arial"/>
+              </a:rPr>
+              <a:t>Pb :</a:t>
+            </a:r>
+            <a:endParaRPr/>
+          </a:p>
+          <a:p>
+            <a:r>
+              <a:rPr lang="fr-FR" sz="1800">
+                <a:latin typeface="Arial"/>
+              </a:rPr>
+              <a:t>- un seul arbre à la fois (pas d'onglets)</a:t>
             </a:r>
             <a:endParaRPr/>
           </a:p>
@@ -1149,64 +1978,59 @@
       </p:grpSpPr>
       <p:sp>
         <p:nvSpPr>
-          <p:cNvPr id="2" name="Espace réservé de l'image des diapositives 1"/>
-          <p:cNvSpPr>
-            <a:spLocks noGrp="1" noRot="1" noChangeAspect="1"/>
-          </p:cNvSpPr>
-          <p:nvPr>
-            <p:ph type="sldImg"/>
-          </p:nvPr>
-        </p:nvSpPr>
-        <p:spPr/>
-      </p:sp>
-      <p:sp>
-        <p:nvSpPr>
-          <p:cNvPr id="3" name="Espace réservé des commentaires 2"/>
+          <p:cNvPr id="110" name="PlaceHolder 1"/>
           <p:cNvSpPr>
             <a:spLocks noGrp="1"/>
           </p:cNvSpPr>
           <p:nvPr>
-            <p:ph type="body" idx="1"/>
+            <p:ph type="body"/>
           </p:nvPr>
         </p:nvSpPr>
-        <p:spPr/>
-        <p:txBody>
-          <a:bodyPr/>
+        <p:spPr>
+          <a:xfrm>
+            <a:off x="685830" y="4343322"/>
+            <a:ext cx="5486309" cy="4114564"/>
+          </a:xfrm>
+          <a:prstGeom prst="rect">
+            <a:avLst/>
+          </a:prstGeom>
+        </p:spPr>
+        <p:txBody>
+          <a:bodyPr lIns="0" tIns="0" rIns="0" bIns="0"/>
           <a:lstStyle/>
           <a:p>
-            <a:endParaRPr lang="fr-FR" dirty="0"/>
-          </a:p>
-        </p:txBody>
-      </p:sp>
-      <p:sp>
-        <p:nvSpPr>
-          <p:cNvPr id="4" name="Espace réservé du numéro de diapositive 3"/>
-          <p:cNvSpPr>
-            <a:spLocks noGrp="1"/>
-          </p:cNvSpPr>
-          <p:nvPr>
-            <p:ph type="sldNum" sz="quarter" idx="10"/>
-          </p:nvPr>
-        </p:nvSpPr>
-        <p:spPr/>
-        <p:txBody>
-          <a:bodyPr/>
-          <a:lstStyle/>
-          <a:p>
-            <a:fld id="{AB9270AC-FE6D-4237-9CBB-95A5B25BC716}" type="slidenum">
-              <a:rPr lang="fr-FR" smtClean="0"/>
-              <a:t>16</a:t>
-            </a:fld>
-            <a:endParaRPr lang="fr-FR"/>
+            <a:r>
+              <a:rPr lang="fr-FR" sz="1800">
+                <a:latin typeface="Arial"/>
+              </a:rPr>
+              <a:t>Fonctions manquantes :</a:t>
+            </a:r>
+            <a:endParaRPr/>
+          </a:p>
+          <a:p>
+            <a:endParaRPr/>
+          </a:p>
+          <a:p>
+            <a:r>
+              <a:rPr lang="fr-FR" sz="1800">
+                <a:latin typeface="Arial"/>
+              </a:rPr>
+              <a:t>- couper/copier/coller</a:t>
+            </a:r>
+            <a:endParaRPr/>
+          </a:p>
+          <a:p>
+            <a:r>
+              <a:rPr lang="fr-FR" sz="1800">
+                <a:latin typeface="Arial"/>
+              </a:rPr>
+              <a:t>- annuler (ctrl+z)</a:t>
+            </a:r>
+            <a:endParaRPr/>
           </a:p>
         </p:txBody>
       </p:sp>
     </p:spTree>
-    <p:extLst>
-      <p:ext uri="{BB962C8B-B14F-4D97-AF65-F5344CB8AC3E}">
-        <p14:creationId xmlns:p14="http://schemas.microsoft.com/office/powerpoint/2010/main" val="3305065583"/>
-      </p:ext>
-    </p:extLst>
   </p:cSld>
   <p:clrMapOvr>
     <a:masterClrMapping/>
@@ -1233,64 +2057,71 @@
       </p:grpSpPr>
       <p:sp>
         <p:nvSpPr>
-          <p:cNvPr id="2" name="Espace réservé de l'image des diapositives 1"/>
-          <p:cNvSpPr>
-            <a:spLocks noGrp="1" noRot="1" noChangeAspect="1"/>
-          </p:cNvSpPr>
-          <p:nvPr>
-            <p:ph type="sldImg"/>
-          </p:nvPr>
-        </p:nvSpPr>
-        <p:spPr/>
-      </p:sp>
-      <p:sp>
-        <p:nvSpPr>
-          <p:cNvPr id="3" name="Espace réservé des commentaires 2"/>
+          <p:cNvPr id="111" name="PlaceHolder 1"/>
           <p:cNvSpPr>
             <a:spLocks noGrp="1"/>
           </p:cNvSpPr>
           <p:nvPr>
-            <p:ph type="body" idx="1"/>
+            <p:ph type="body"/>
           </p:nvPr>
         </p:nvSpPr>
-        <p:spPr/>
-        <p:txBody>
-          <a:bodyPr/>
+        <p:spPr>
+          <a:xfrm>
+            <a:off x="685830" y="4343322"/>
+            <a:ext cx="5486309" cy="4114564"/>
+          </a:xfrm>
+          <a:prstGeom prst="rect">
+            <a:avLst/>
+          </a:prstGeom>
+        </p:spPr>
+        <p:txBody>
+          <a:bodyPr lIns="0" tIns="0" rIns="0" bIns="0"/>
           <a:lstStyle/>
           <a:p>
-            <a:endParaRPr lang="fr-FR" dirty="0"/>
-          </a:p>
-        </p:txBody>
-      </p:sp>
-      <p:sp>
-        <p:nvSpPr>
-          <p:cNvPr id="4" name="Espace réservé du numéro de diapositive 3"/>
-          <p:cNvSpPr>
-            <a:spLocks noGrp="1"/>
-          </p:cNvSpPr>
-          <p:nvPr>
-            <p:ph type="sldNum" sz="quarter" idx="10"/>
-          </p:nvPr>
-        </p:nvSpPr>
-        <p:spPr/>
-        <p:txBody>
-          <a:bodyPr/>
-          <a:lstStyle/>
-          <a:p>
-            <a:fld id="{AB9270AC-FE6D-4237-9CBB-95A5B25BC716}" type="slidenum">
-              <a:rPr lang="fr-FR" smtClean="0"/>
-              <a:t>17</a:t>
-            </a:fld>
-            <a:endParaRPr lang="fr-FR"/>
+            <a:r>
+              <a:rPr lang="fr-FR" sz="1800">
+                <a:latin typeface="Arial"/>
+              </a:rPr>
+              <a:t>Possibilité de valuer les arbres : parler des param de base</a:t>
+            </a:r>
+            <a:endParaRPr/>
+          </a:p>
+          <a:p>
+            <a:endParaRPr/>
+          </a:p>
+          <a:p>
+            <a:r>
+              <a:rPr lang="fr-FR" sz="1800">
+                <a:latin typeface="Arial"/>
+              </a:rPr>
+              <a:t>Pb : </a:t>
+            </a:r>
+            <a:endParaRPr/>
+          </a:p>
+          <a:p>
+            <a:endParaRPr/>
+          </a:p>
+          <a:p>
+            <a:r>
+              <a:rPr lang="fr-FR" sz="1800">
+                <a:latin typeface="Arial"/>
+              </a:rPr>
+              <a:t>- un seul param à la fois</a:t>
+            </a:r>
+            <a:endParaRPr/>
+          </a:p>
+          <a:p>
+            <a:r>
+              <a:rPr lang="fr-FR" sz="1800">
+                <a:latin typeface="Arial"/>
+              </a:rPr>
+              <a:t>- pas d'exploitation possible</a:t>
+            </a:r>
+            <a:endParaRPr/>
           </a:p>
         </p:txBody>
       </p:sp>
     </p:spTree>
-    <p:extLst>
-      <p:ext uri="{BB962C8B-B14F-4D97-AF65-F5344CB8AC3E}">
-        <p14:creationId xmlns:p14="http://schemas.microsoft.com/office/powerpoint/2010/main" val="1252608685"/>
-      </p:ext>
-    </p:extLst>
   </p:cSld>
   <p:clrMapOvr>
     <a:masterClrMapping/>
@@ -5558,53 +6389,112 @@
       </p:grpSpPr>
       <p:sp>
         <p:nvSpPr>
-          <p:cNvPr id="6" name="Sous-titre 5"/>
+          <p:cNvPr id="5" name="Titre 4"/>
           <p:cNvSpPr>
             <a:spLocks noGrp="1"/>
           </p:cNvSpPr>
           <p:nvPr>
-            <p:ph type="subTitle" idx="1"/>
+            <p:ph type="ctrTitle"/>
           </p:nvPr>
         </p:nvSpPr>
         <p:spPr>
           <a:xfrm>
-            <a:off x="0" y="1594540"/>
-            <a:ext cx="6875240" cy="4066708"/>
+            <a:off x="107504" y="1412776"/>
+            <a:ext cx="5760640" cy="2952328"/>
           </a:xfrm>
         </p:spPr>
         <p:txBody>
           <a:bodyPr>
-            <a:noAutofit/>
+            <a:normAutofit/>
           </a:bodyPr>
           <a:lstStyle/>
           <a:p>
             <a:r>
-              <a:rPr lang="fr-FR" sz="4800" dirty="0" smtClean="0">
+              <a:rPr lang="fr-FR" sz="2800" cap="small" smtClean="0">
                 <a:solidFill>
-                  <a:schemeClr val="tx1">
-                    <a:lumMod val="50000"/>
-                  </a:schemeClr>
+                  <a:srgbClr val="0C0C0C"/>
                 </a:solidFill>
               </a:rPr>
-              <a:t>Est-il difficile de paralyser </a:t>
-            </a:r>
-          </a:p>
-          <a:p>
-            <a:r>
-              <a:rPr lang="fr-FR" sz="4800" dirty="0" smtClean="0">
+              <a:t>Est-il </a:t>
+            </a:r>
+            <a:br>
+              <a:rPr lang="fr-FR" sz="2800" cap="small" smtClean="0">
                 <a:solidFill>
-                  <a:schemeClr val="tx1">
-                    <a:lumMod val="50000"/>
-                  </a:schemeClr>
+                  <a:srgbClr val="0C0C0C"/>
                 </a:solidFill>
               </a:rPr>
-              <a:t>les transports en commun à Rennes ?</a:t>
-            </a:r>
-            <a:endParaRPr lang="fr-FR" sz="4800" dirty="0">
+            </a:br>
+            <a:r>
+              <a:rPr lang="fr-FR" sz="2800" cap="small" smtClean="0">
+                <a:solidFill>
+                  <a:srgbClr val="0C0C0C"/>
+                </a:solidFill>
+              </a:rPr>
+              <a:t>difficile de </a:t>
+            </a:r>
+            <a:br>
+              <a:rPr lang="fr-FR" sz="2800" cap="small" smtClean="0">
+                <a:solidFill>
+                  <a:srgbClr val="0C0C0C"/>
+                </a:solidFill>
+              </a:rPr>
+            </a:br>
+            <a:r>
+              <a:rPr lang="fr-FR" sz="2800" cap="small" smtClean="0">
+                <a:solidFill>
+                  <a:srgbClr val="0C0C0C"/>
+                </a:solidFill>
+              </a:rPr>
+              <a:t>paralyser les </a:t>
+            </a:r>
+            <a:br>
+              <a:rPr lang="fr-FR" sz="2800" cap="small" smtClean="0">
+                <a:solidFill>
+                  <a:srgbClr val="0C0C0C"/>
+                </a:solidFill>
+              </a:rPr>
+            </a:br>
+            <a:r>
+              <a:rPr lang="fr-FR" sz="2800" cap="small" smtClean="0">
+                <a:solidFill>
+                  <a:srgbClr val="0C0C0C"/>
+                </a:solidFill>
+              </a:rPr>
+              <a:t>transports en </a:t>
+            </a:r>
+            <a:br>
+              <a:rPr lang="fr-FR" sz="2800" cap="small" smtClean="0">
+                <a:solidFill>
+                  <a:srgbClr val="0C0C0C"/>
+                </a:solidFill>
+              </a:rPr>
+            </a:br>
+            <a:r>
+              <a:rPr lang="fr-FR" sz="2800" cap="small" smtClean="0">
+                <a:solidFill>
+                  <a:srgbClr val="0C0C0C"/>
+                </a:solidFill>
+              </a:rPr>
+              <a:t>commun de </a:t>
+            </a:r>
+            <a:br>
+              <a:rPr lang="fr-FR" sz="2800" cap="small" smtClean="0">
+                <a:solidFill>
+                  <a:srgbClr val="0C0C0C"/>
+                </a:solidFill>
+              </a:rPr>
+            </a:br>
+            <a:r>
+              <a:rPr lang="fr-FR" sz="2800" cap="small" smtClean="0">
+                <a:solidFill>
+                  <a:srgbClr val="0C0C0C"/>
+                </a:solidFill>
+              </a:rPr>
+              <a:t>Rennes ?</a:t>
+            </a:r>
+            <a:endParaRPr lang="fr-FR" sz="2800" cap="small">
               <a:solidFill>
-                <a:schemeClr val="tx1">
-                  <a:lumMod val="50000"/>
-                </a:schemeClr>
+                <a:srgbClr val="0C0C0C"/>
               </a:solidFill>
             </a:endParaRPr>
           </a:p>
@@ -5618,7 +6508,7 @@
         </p:nvSpPr>
         <p:spPr>
           <a:xfrm>
-            <a:off x="6156176" y="332656"/>
+            <a:off x="6084168" y="0"/>
             <a:ext cx="2664296" cy="1261884"/>
           </a:xfrm>
           <a:prstGeom prst="rect">
@@ -5636,9 +6526,7 @@
             <a:r>
               <a:rPr lang="fr-FR" b="1" smtClean="0">
                 <a:solidFill>
-                  <a:schemeClr val="tx1">
-                    <a:lumMod val="50000"/>
-                  </a:schemeClr>
+                  <a:schemeClr val="bg1"/>
                 </a:solidFill>
               </a:rPr>
               <a:t>Encadrants</a:t>
@@ -5649,12 +6537,18 @@
             <a:r>
               <a:rPr lang="fr-FR" smtClean="0">
                 <a:solidFill>
-                  <a:schemeClr val="tx1">
-                    <a:lumMod val="50000"/>
-                  </a:schemeClr>
+                  <a:srgbClr val="0C0C0C"/>
                 </a:solidFill>
               </a:rPr>
-              <a:t>Gildas Avoine</a:t>
+              <a:t>Gildas </a:t>
+            </a:r>
+            <a:r>
+              <a:rPr lang="fr-FR" cap="small" smtClean="0">
+                <a:solidFill>
+                  <a:srgbClr val="0C0C0C"/>
+                </a:solidFill>
+              </a:rPr>
+              <a:t>Avoine</a:t>
             </a:r>
           </a:p>
           <a:p>
@@ -5662,12 +6556,18 @@
             <a:r>
               <a:rPr lang="fr-FR" smtClean="0">
                 <a:solidFill>
-                  <a:schemeClr val="tx1">
-                    <a:lumMod val="50000"/>
-                  </a:schemeClr>
+                  <a:srgbClr val="0C0C0C"/>
                 </a:solidFill>
               </a:rPr>
-              <a:t>Barbara Kordy</a:t>
+              <a:t>Barbara </a:t>
+            </a:r>
+            <a:r>
+              <a:rPr lang="fr-FR" cap="small" smtClean="0">
+                <a:solidFill>
+                  <a:srgbClr val="0C0C0C"/>
+                </a:solidFill>
+              </a:rPr>
+              <a:t>Kordy</a:t>
             </a:r>
           </a:p>
           <a:p>
@@ -5706,7 +6606,7 @@
         </p:nvSpPr>
         <p:spPr>
           <a:xfrm>
-            <a:off x="5796136" y="2564904"/>
+            <a:off x="5796136" y="4149080"/>
             <a:ext cx="3024336" cy="2031325"/>
           </a:xfrm>
           <a:prstGeom prst="rect">
@@ -5724,9 +6624,7 @@
             <a:r>
               <a:rPr lang="fr-FR" b="1" smtClean="0">
                 <a:solidFill>
-                  <a:schemeClr val="tx1">
-                    <a:lumMod val="50000"/>
-                  </a:schemeClr>
+                  <a:srgbClr val="FF0000"/>
                 </a:solidFill>
               </a:rPr>
               <a:t>Étudiants</a:t>
@@ -5737,12 +6635,18 @@
             <a:r>
               <a:rPr lang="fr-FR" smtClean="0">
                 <a:solidFill>
-                  <a:schemeClr val="tx1">
-                    <a:lumMod val="50000"/>
-                  </a:schemeClr>
+                  <a:srgbClr val="212121"/>
                 </a:solidFill>
               </a:rPr>
-              <a:t>Pierre-Marie Airiau</a:t>
+              <a:t>Pierre-Marie </a:t>
+            </a:r>
+            <a:r>
+              <a:rPr lang="fr-FR" cap="small" smtClean="0">
+                <a:solidFill>
+                  <a:srgbClr val="212121"/>
+                </a:solidFill>
+              </a:rPr>
+              <a:t>Airiau</a:t>
             </a:r>
           </a:p>
           <a:p>
@@ -5750,12 +6654,18 @@
             <a:r>
               <a:rPr lang="fr-FR" smtClean="0">
                 <a:solidFill>
-                  <a:schemeClr val="tx1">
-                    <a:lumMod val="50000"/>
-                  </a:schemeClr>
+                  <a:srgbClr val="212121"/>
                 </a:solidFill>
               </a:rPr>
-              <a:t>Valentin Esmieu</a:t>
+              <a:t>Valentin </a:t>
+            </a:r>
+            <a:r>
+              <a:rPr lang="fr-FR" cap="small" smtClean="0">
+                <a:solidFill>
+                  <a:srgbClr val="212121"/>
+                </a:solidFill>
+              </a:rPr>
+              <a:t>Esmieu</a:t>
             </a:r>
           </a:p>
           <a:p>
@@ -5763,12 +6673,18 @@
             <a:r>
               <a:rPr lang="fr-FR" smtClean="0">
                 <a:solidFill>
-                  <a:schemeClr val="tx1">
-                    <a:lumMod val="50000"/>
-                  </a:schemeClr>
+                  <a:srgbClr val="212121"/>
                 </a:solidFill>
               </a:rPr>
-              <a:t>Hoel Kervadec</a:t>
+              <a:t>Hoel </a:t>
+            </a:r>
+            <a:r>
+              <a:rPr lang="fr-FR" cap="small" smtClean="0">
+                <a:solidFill>
+                  <a:srgbClr val="212121"/>
+                </a:solidFill>
+              </a:rPr>
+              <a:t>Kervadec</a:t>
             </a:r>
           </a:p>
           <a:p>
@@ -5776,12 +6692,18 @@
             <a:r>
               <a:rPr lang="fr-FR" smtClean="0">
                 <a:solidFill>
-                  <a:schemeClr val="tx1">
-                    <a:lumMod val="50000"/>
-                  </a:schemeClr>
+                  <a:srgbClr val="212121"/>
                 </a:solidFill>
               </a:rPr>
-              <a:t>Maud Leray</a:t>
+              <a:t>Maud </a:t>
+            </a:r>
+            <a:r>
+              <a:rPr lang="fr-FR" cap="small" smtClean="0">
+                <a:solidFill>
+                  <a:srgbClr val="212121"/>
+                </a:solidFill>
+              </a:rPr>
+              <a:t>Leray</a:t>
             </a:r>
           </a:p>
           <a:p>
@@ -5789,12 +6711,18 @@
             <a:r>
               <a:rPr lang="fr-FR" smtClean="0">
                 <a:solidFill>
-                  <a:schemeClr val="tx1">
-                    <a:lumMod val="50000"/>
-                  </a:schemeClr>
+                  <a:srgbClr val="212121"/>
                 </a:solidFill>
               </a:rPr>
-              <a:t>Florent Mallard</a:t>
+              <a:t>Florent </a:t>
+            </a:r>
+            <a:r>
+              <a:rPr lang="fr-FR" cap="small" smtClean="0">
+                <a:solidFill>
+                  <a:srgbClr val="212121"/>
+                </a:solidFill>
+              </a:rPr>
+              <a:t>Mallard</a:t>
             </a:r>
           </a:p>
           <a:p>
@@ -5802,12 +6730,18 @@
             <a:r>
               <a:rPr lang="fr-FR" smtClean="0">
                 <a:solidFill>
-                  <a:schemeClr val="tx1">
-                    <a:lumMod val="50000"/>
-                  </a:schemeClr>
+                  <a:srgbClr val="212121"/>
                 </a:solidFill>
               </a:rPr>
-              <a:t>Corentin Nicole</a:t>
+              <a:t>Corentin </a:t>
+            </a:r>
+            <a:r>
+              <a:rPr lang="fr-FR" cap="small" smtClean="0">
+                <a:solidFill>
+                  <a:srgbClr val="212121"/>
+                </a:solidFill>
+              </a:rPr>
+              <a:t>Nicole</a:t>
             </a:r>
           </a:p>
         </p:txBody>
@@ -5846,6 +6780,122 @@
       </p:grpSpPr>
       <p:sp>
         <p:nvSpPr>
+          <p:cNvPr id="105" name="TextShape 1"/>
+          <p:cNvSpPr txBox="1"/>
+          <p:nvPr/>
+        </p:nvSpPr>
+        <p:spPr>
+          <a:xfrm>
+            <a:off x="1763640" y="92880"/>
+            <a:ext cx="6460560" cy="571320"/>
+          </a:xfrm>
+          <a:prstGeom prst="rect">
+            <a:avLst/>
+          </a:prstGeom>
+          <a:noFill/>
+          <a:ln>
+            <a:noFill/>
+          </a:ln>
+        </p:spPr>
+        <p:txBody>
+          <a:bodyPr anchor="ctr"/>
+          <a:lstStyle/>
+          <a:p>
+            <a:pPr algn="r">
+              <a:lnSpc>
+                <a:spcPct val="100000"/>
+              </a:lnSpc>
+            </a:pPr>
+            <a:r>
+              <a:rPr lang="fr-FR" sz="1600" b="1" strike="noStrike">
+                <a:solidFill>
+                  <a:srgbClr val="4F4D50"/>
+                </a:solidFill>
+                <a:latin typeface="Arial"/>
+              </a:rPr>
+              <a:t>Étude de l'existant</a:t>
+            </a:r>
+            <a:endParaRPr/>
+          </a:p>
+        </p:txBody>
+      </p:sp>
+      <p:pic>
+        <p:nvPicPr>
+          <p:cNvPr id="106" name="Image 105"/>
+          <p:cNvPicPr/>
+          <p:nvPr/>
+        </p:nvPicPr>
+        <p:blipFill>
+          <a:blip r:embed="rId3"/>
+          <a:stretch/>
+        </p:blipFill>
+        <p:spPr>
+          <a:xfrm>
+            <a:off x="1850400" y="1000440"/>
+            <a:ext cx="5524560" cy="4884480"/>
+          </a:xfrm>
+          <a:prstGeom prst="rect">
+            <a:avLst/>
+          </a:prstGeom>
+          <a:ln>
+            <a:noFill/>
+          </a:ln>
+        </p:spPr>
+      </p:pic>
+    </p:spTree>
+  </p:cSld>
+  <p:clrMapOvr>
+    <a:masterClrMapping/>
+  </p:clrMapOvr>
+  <p:timing>
+    <p:tnLst>
+      <p:par>
+        <p:cTn id="1" dur="indefinite" restart="never" nodeType="tmRoot">
+          <p:childTnLst>
+            <p:seq>
+              <p:cTn id="2" nodeType="mainSeq"/>
+              <p:prevCondLst>
+                <p:cond evt="onPrev" delay="0">
+                  <p:tgtEl>
+                    <p:sldTgt/>
+                  </p:tgtEl>
+                </p:cond>
+              </p:prevCondLst>
+              <p:nextCondLst>
+                <p:cond evt="onNext" delay="0">
+                  <p:tgtEl>
+                    <p:sldTgt/>
+                  </p:tgtEl>
+                </p:cond>
+              </p:nextCondLst>
+            </p:seq>
+          </p:childTnLst>
+        </p:cTn>
+      </p:par>
+    </p:tnLst>
+  </p:timing>
+</p:sld>
+</file>
+
+<file path=ppt/slides/slide11.xml><?xml version="1.0" encoding="utf-8"?>
+<p:sld xmlns:a="http://schemas.openxmlformats.org/drawingml/2006/main" xmlns:r="http://schemas.openxmlformats.org/officeDocument/2006/relationships" xmlns:p="http://schemas.openxmlformats.org/presentationml/2006/main">
+  <p:cSld>
+    <p:spTree>
+      <p:nvGrpSpPr>
+        <p:cNvPr id="1" name=""/>
+        <p:cNvGrpSpPr/>
+        <p:nvPr/>
+      </p:nvGrpSpPr>
+      <p:grpSpPr>
+        <a:xfrm>
+          <a:off x="0" y="0"/>
+          <a:ext cx="0" cy="0"/>
+          <a:chOff x="0" y="0"/>
+          <a:chExt cx="0" cy="0"/>
+        </a:xfrm>
+      </p:grpSpPr>
+      <p:sp>
+        <p:nvSpPr>
           <p:cNvPr id="2" name="Title 1"/>
           <p:cNvSpPr>
             <a:spLocks noGrp="1"/>
@@ -5860,7 +6910,7 @@
           <a:lstStyle/>
           <a:p>
             <a:r>
-              <a:rPr lang="en-US" dirty="0" smtClean="0"/>
+              <a:rPr lang="fr-FR" dirty="0" smtClean="0"/>
               <a:t>Cahier des charges</a:t>
             </a:r>
             <a:endParaRPr lang="fr-FR" dirty="0"/>
@@ -5952,7 +7002,7 @@
       </p:sp>
       <p:sp>
         <p:nvSpPr>
-          <p:cNvPr id="4" name="Text Placeholder 3"/>
+          <p:cNvPr id="5" name="Text Placeholder 4"/>
           <p:cNvSpPr>
             <a:spLocks noGrp="1"/>
           </p:cNvSpPr>
@@ -5967,11 +7017,7 @@
           </a:bodyPr>
           <a:lstStyle/>
           <a:p>
-            <a:r>
-              <a:rPr lang="fr-FR" dirty="0" smtClean="0"/>
-              <a:t>Cahier des charges</a:t>
-            </a:r>
-            <a:endParaRPr lang="fr-FR" dirty="0"/>
+            <a:endParaRPr lang="fr-FR"/>
           </a:p>
         </p:txBody>
       </p:sp>
@@ -6116,7 +7162,7 @@
 </p:sld>
 </file>
 
-<file path=ppt/slides/slide11.xml><?xml version="1.0" encoding="utf-8"?>
+<file path=ppt/slides/slide12.xml><?xml version="1.0" encoding="utf-8"?>
 <p:sld xmlns:a="http://schemas.openxmlformats.org/drawingml/2006/main" xmlns:r="http://schemas.openxmlformats.org/officeDocument/2006/relationships" xmlns:p="http://schemas.openxmlformats.org/presentationml/2006/main">
   <p:cSld>
     <p:spTree>
@@ -6148,7 +7194,11 @@
           <a:bodyPr/>
           <a:lstStyle/>
           <a:p>
-            <a:endParaRPr lang="fr-FR"/>
+            <a:r>
+              <a:rPr lang="fr-FR" dirty="0" smtClean="0"/>
+              <a:t>Interface</a:t>
+            </a:r>
+            <a:endParaRPr lang="fr-FR" dirty="0"/>
           </a:p>
         </p:txBody>
       </p:sp>
@@ -6166,30 +7216,6 @@
         <p:txBody>
           <a:bodyPr/>
           <a:lstStyle/>
-          <a:p>
-            <a:r>
-              <a:rPr lang="fr-FR" dirty="0" smtClean="0"/>
-              <a:t>Reprendre </a:t>
-            </a:r>
-            <a:r>
-              <a:rPr lang="fr-FR" dirty="0" err="1"/>
-              <a:t>ADTool</a:t>
-            </a:r>
-            <a:r>
-              <a:rPr lang="fr-FR" dirty="0"/>
-              <a:t> pour </a:t>
-            </a:r>
-            <a:r>
-              <a:rPr lang="fr-FR" dirty="0" smtClean="0"/>
-              <a:t>éditer les arbres</a:t>
-            </a:r>
-          </a:p>
-          <a:p>
-            <a:r>
-              <a:rPr lang="fr-FR" dirty="0" smtClean="0"/>
-              <a:t>L’intégrer dans notre logiciel en tant que sous fenêtre</a:t>
-            </a:r>
-          </a:p>
           <a:p>
             <a:endParaRPr lang="fr-FR" dirty="0"/>
           </a:p>
@@ -6293,55 +7319,6 @@
                                           </p:stCondLst>
                                         </p:cTn>
                                         <p:tgtEl>
-                                          <p:spTgt spid="3">
-                                            <p:txEl>
-                                              <p:pRg st="1" end="1"/>
-                                            </p:txEl>
-                                          </p:spTgt>
-                                        </p:tgtEl>
-                                        <p:attrNameLst>
-                                          <p:attrName>style.visibility</p:attrName>
-                                        </p:attrNameLst>
-                                      </p:cBhvr>
-                                      <p:to>
-                                        <p:strVal val="visible"/>
-                                      </p:to>
-                                    </p:set>
-                                  </p:childTnLst>
-                                </p:cTn>
-                              </p:par>
-                            </p:childTnLst>
-                          </p:cTn>
-                        </p:par>
-                      </p:childTnLst>
-                    </p:cTn>
-                  </p:par>
-                  <p:par>
-                    <p:cTn id="7" fill="hold">
-                      <p:stCondLst>
-                        <p:cond delay="indefinite"/>
-                      </p:stCondLst>
-                      <p:childTnLst>
-                        <p:par>
-                          <p:cTn id="8" fill="hold">
-                            <p:stCondLst>
-                              <p:cond delay="0"/>
-                            </p:stCondLst>
-                            <p:childTnLst>
-                              <p:par>
-                                <p:cTn id="9" presetID="1" presetClass="entr" presetSubtype="0" fill="hold" nodeType="clickEffect">
-                                  <p:stCondLst>
-                                    <p:cond delay="0"/>
-                                  </p:stCondLst>
-                                  <p:childTnLst>
-                                    <p:set>
-                                      <p:cBhvr>
-                                        <p:cTn id="10" dur="1" fill="hold">
-                                          <p:stCondLst>
-                                            <p:cond delay="0"/>
-                                          </p:stCondLst>
-                                        </p:cTn>
-                                        <p:tgtEl>
                                           <p:spTgt spid="5"/>
                                         </p:tgtEl>
                                         <p:attrNameLst>
@@ -6386,7 +7363,7 @@
 </p:sld>
 </file>
 
-<file path=ppt/slides/slide12.xml><?xml version="1.0" encoding="utf-8"?>
+<file path=ppt/slides/slide13.xml><?xml version="1.0" encoding="utf-8"?>
 <p:sld xmlns:a="http://schemas.openxmlformats.org/drawingml/2006/main" xmlns:r="http://schemas.openxmlformats.org/officeDocument/2006/relationships" xmlns:p="http://schemas.openxmlformats.org/presentationml/2006/main">
   <p:cSld>
     <p:spTree>
@@ -6591,7 +7568,7 @@
     </p:spTree>
     <p:extLst>
       <p:ext uri="{BB962C8B-B14F-4D97-AF65-F5344CB8AC3E}">
-        <p14:creationId xmlns:p14="http://schemas.microsoft.com/office/powerpoint/2010/main" val="4013023658"/>
+        <p14:creationId xmlns:p14="http://schemas.microsoft.com/office/powerpoint/2010/main" val="3670560706"/>
       </p:ext>
     </p:extLst>
   </p:cSld>
@@ -6608,7 +7585,7 @@
 </p:sld>
 </file>
 
-<file path=ppt/slides/slide13.xml><?xml version="1.0" encoding="utf-8"?>
+<file path=ppt/slides/slide14.xml><?xml version="1.0" encoding="utf-8"?>
 <p:sld xmlns:a="http://schemas.openxmlformats.org/drawingml/2006/main" xmlns:r="http://schemas.openxmlformats.org/officeDocument/2006/relationships" xmlns:p="http://schemas.openxmlformats.org/presentationml/2006/main">
   <p:cSld>
     <p:spTree>
@@ -6738,7 +7715,7 @@
                         <a:rPr lang="fr-FR" sz="3600" b="0" i="1" smtClean="0">
                           <a:latin typeface="Cambria Math" panose="02040503050406030204" pitchFamily="18" charset="0"/>
                         </a:rPr>
-                        <m:t>𝑟𝑒𝑠</m:t>
+                        <m:t>𝑟𝑒𝑠𝑢𝑙𝑡</m:t>
                       </m:r>
                       <m:r>
                         <a:rPr lang="fr-FR" sz="3600" b="0" i="1" smtClean="0">
@@ -6844,7 +7821,7 @@
     </p:spTree>
     <p:extLst>
       <p:ext uri="{BB962C8B-B14F-4D97-AF65-F5344CB8AC3E}">
-        <p14:creationId xmlns:p14="http://schemas.microsoft.com/office/powerpoint/2010/main" val="3755762842"/>
+        <p14:creationId xmlns:p14="http://schemas.microsoft.com/office/powerpoint/2010/main" val="272842688"/>
       </p:ext>
     </p:extLst>
   </p:cSld>
@@ -6861,7 +7838,7 @@
 </p:sld>
 </file>
 
-<file path=ppt/slides/slide14.xml><?xml version="1.0" encoding="utf-8"?>
+<file path=ppt/slides/slide15.xml><?xml version="1.0" encoding="utf-8"?>
 <p:sld xmlns:a="http://schemas.openxmlformats.org/drawingml/2006/main" xmlns:r="http://schemas.openxmlformats.org/officeDocument/2006/relationships" xmlns:p="http://schemas.openxmlformats.org/presentationml/2006/main">
   <p:cSld>
     <p:spTree>
@@ -6954,7 +7931,7 @@
     </p:spTree>
     <p:extLst>
       <p:ext uri="{BB962C8B-B14F-4D97-AF65-F5344CB8AC3E}">
-        <p14:creationId xmlns:p14="http://schemas.microsoft.com/office/powerpoint/2010/main" val="541828603"/>
+        <p14:creationId xmlns:p14="http://schemas.microsoft.com/office/powerpoint/2010/main" val="224227235"/>
       </p:ext>
     </p:extLst>
   </p:cSld>
@@ -6979,7 +7956,7 @@
 </p:sld>
 </file>
 
-<file path=ppt/slides/slide15.xml><?xml version="1.0" encoding="utf-8"?>
+<file path=ppt/slides/slide16.xml><?xml version="1.0" encoding="utf-8"?>
 <p:sld xmlns:a="http://schemas.openxmlformats.org/drawingml/2006/main" xmlns:r="http://schemas.openxmlformats.org/officeDocument/2006/relationships" xmlns:p="http://schemas.openxmlformats.org/presentationml/2006/main">
   <p:cSld>
     <p:spTree>
@@ -7124,7 +8101,7 @@
           <a:p>
             <a:r>
               <a:rPr lang="fr-FR" dirty="0" smtClean="0"/>
-              <a:t>Arbre optimisé pour un coup compris  dans l’intervalle [0,500]</a:t>
+              <a:t>Arbre filtré pour un coup compris  dans l’intervalle [0,500]</a:t>
             </a:r>
             <a:endParaRPr lang="fr-FR" dirty="0"/>
           </a:p>
@@ -7133,7 +8110,7 @@
     </p:spTree>
     <p:extLst>
       <p:ext uri="{BB962C8B-B14F-4D97-AF65-F5344CB8AC3E}">
-        <p14:creationId xmlns:p14="http://schemas.microsoft.com/office/powerpoint/2010/main" val="495475639"/>
+        <p14:creationId xmlns:p14="http://schemas.microsoft.com/office/powerpoint/2010/main" val="1672530608"/>
       </p:ext>
     </p:extLst>
   </p:cSld>
@@ -7257,7 +8234,7 @@
 </p:sld>
 </file>
 
-<file path=ppt/slides/slide16.xml><?xml version="1.0" encoding="utf-8"?>
+<file path=ppt/slides/slide17.xml><?xml version="1.0" encoding="utf-8"?>
 <p:sld xmlns:a="http://schemas.openxmlformats.org/drawingml/2006/main" xmlns:r="http://schemas.openxmlformats.org/officeDocument/2006/relationships" xmlns:p="http://schemas.openxmlformats.org/presentationml/2006/main">
   <p:cSld>
     <p:spTree>
@@ -7355,6 +8332,36 @@
           </a:p>
         </p:txBody>
       </p:sp>
+      <p:sp>
+        <p:nvSpPr>
+          <p:cNvPr id="3" name="ZoneTexte 2"/>
+          <p:cNvSpPr txBox="1"/>
+          <p:nvPr/>
+        </p:nvSpPr>
+        <p:spPr>
+          <a:xfrm>
+            <a:off x="354237" y="928074"/>
+            <a:ext cx="3531963" cy="523220"/>
+          </a:xfrm>
+          <a:prstGeom prst="rect">
+            <a:avLst/>
+          </a:prstGeom>
+          <a:noFill/>
+        </p:spPr>
+        <p:txBody>
+          <a:bodyPr wrap="square" rtlCol="0">
+            <a:spAutoFit/>
+          </a:bodyPr>
+          <a:lstStyle/>
+          <a:p>
+            <a:r>
+              <a:rPr lang="fr-FR" sz="2800" dirty="0" smtClean="0"/>
+              <a:t>L’optimiseur</a:t>
+            </a:r>
+            <a:endParaRPr lang="fr-FR" sz="2800" dirty="0"/>
+          </a:p>
+        </p:txBody>
+      </p:sp>
     </p:spTree>
     <p:extLst>
       <p:ext uri="{BB962C8B-B14F-4D97-AF65-F5344CB8AC3E}">
@@ -7383,7 +8390,7 @@
 </p:sld>
 </file>
 
-<file path=ppt/slides/slide17.xml><?xml version="1.0" encoding="utf-8"?>
+<file path=ppt/slides/slide18.xml><?xml version="1.0" encoding="utf-8"?>
 <p:sld xmlns:a="http://schemas.openxmlformats.org/drawingml/2006/main" xmlns:r="http://schemas.openxmlformats.org/officeDocument/2006/relationships" xmlns:p="http://schemas.openxmlformats.org/presentationml/2006/main">
   <p:cSld>
     <p:spTree>
@@ -7489,8 +8496,8 @@
         </p:nvSpPr>
         <p:spPr>
           <a:xfrm>
-            <a:off x="1008150" y="1237576"/>
-            <a:ext cx="3384376" cy="646331"/>
+            <a:off x="592970" y="2204864"/>
+            <a:ext cx="3114934" cy="830997"/>
           </a:xfrm>
           <a:prstGeom prst="rect">
             <a:avLst/>
@@ -7503,11 +8510,12 @@
           </a:bodyPr>
           <a:lstStyle/>
           <a:p>
-            <a:r>
-              <a:rPr lang="fr-FR" dirty="0" smtClean="0"/>
+            <a:pPr algn="just"/>
+            <a:r>
+              <a:rPr lang="fr-FR" sz="2400" dirty="0" smtClean="0"/>
               <a:t>Arbre optimisé pour un coup minimal</a:t>
             </a:r>
-            <a:endParaRPr lang="fr-FR" dirty="0"/>
+            <a:endParaRPr lang="fr-FR" sz="2400" dirty="0"/>
           </a:p>
         </p:txBody>
       </p:sp>
@@ -7541,6 +8549,36 @@
           </a:prstGeom>
         </p:spPr>
       </p:pic>
+      <p:sp>
+        <p:nvSpPr>
+          <p:cNvPr id="8" name="ZoneTexte 7"/>
+          <p:cNvSpPr txBox="1"/>
+          <p:nvPr/>
+        </p:nvSpPr>
+        <p:spPr>
+          <a:xfrm>
+            <a:off x="354237" y="928074"/>
+            <a:ext cx="3531963" cy="523220"/>
+          </a:xfrm>
+          <a:prstGeom prst="rect">
+            <a:avLst/>
+          </a:prstGeom>
+          <a:noFill/>
+        </p:spPr>
+        <p:txBody>
+          <a:bodyPr wrap="square" rtlCol="0">
+            <a:spAutoFit/>
+          </a:bodyPr>
+          <a:lstStyle/>
+          <a:p>
+            <a:r>
+              <a:rPr lang="fr-FR" sz="2800" dirty="0" smtClean="0"/>
+              <a:t>L’optimiseur</a:t>
+            </a:r>
+            <a:endParaRPr lang="fr-FR" sz="2800" dirty="0"/>
+          </a:p>
+        </p:txBody>
+      </p:sp>
     </p:spTree>
     <p:extLst>
       <p:ext uri="{BB962C8B-B14F-4D97-AF65-F5344CB8AC3E}">
@@ -7676,7 +8714,7 @@
 </p:sld>
 </file>
 
-<file path=ppt/slides/slide18.xml><?xml version="1.0" encoding="utf-8"?>
+<file path=ppt/slides/slide19.xml><?xml version="1.0" encoding="utf-8"?>
 <p:sld xmlns:a="http://schemas.openxmlformats.org/drawingml/2006/main" xmlns:r="http://schemas.openxmlformats.org/officeDocument/2006/relationships" xmlns:p="http://schemas.openxmlformats.org/presentationml/2006/main">
   <p:cSld>
     <p:spTree>
@@ -7750,8 +8788,8 @@
         </p:nvSpPr>
         <p:spPr>
           <a:xfrm>
-            <a:off x="671398" y="1880281"/>
-            <a:ext cx="7509131" cy="1296144"/>
+            <a:off x="539552" y="1124745"/>
+            <a:ext cx="7684946" cy="576064"/>
           </a:xfrm>
           <a:prstGeom prst="rect">
             <a:avLst/>
@@ -7759,7 +8797,7 @@
         </p:spPr>
         <p:txBody>
           <a:bodyPr vert="horz" lIns="91440" tIns="45720" rIns="91440" bIns="45720" rtlCol="0">
-            <a:normAutofit fontScale="92500"/>
+            <a:noAutofit/>
           </a:bodyPr>
           <a:lstStyle>
             <a:lvl1pPr marL="0" indent="0" algn="l" defTabSz="914400" rtl="0" eaLnBrk="1" latinLnBrk="0" hangingPunct="1">
@@ -7903,56 +8941,142 @@
           </a:lstStyle>
           <a:p>
             <a:r>
+              <a:rPr lang="fr-FR" sz="2400" dirty="0" smtClean="0"/>
+              <a:t>Des outils pour gérer son projet de modélisation dans </a:t>
+            </a:r>
+            <a:r>
+              <a:rPr lang="fr-FR" sz="2400" dirty="0" err="1" smtClean="0"/>
+              <a:t>Glasir</a:t>
+            </a:r>
+            <a:r>
+              <a:rPr lang="fr-FR" sz="2400" dirty="0" smtClean="0"/>
+              <a:t>.</a:t>
+            </a:r>
+          </a:p>
+        </p:txBody>
+      </p:sp>
+      <p:sp>
+        <p:nvSpPr>
+          <p:cNvPr id="3" name="ZoneTexte 2"/>
+          <p:cNvSpPr txBox="1"/>
+          <p:nvPr/>
+        </p:nvSpPr>
+        <p:spPr>
+          <a:xfrm>
+            <a:off x="481552" y="4843056"/>
+            <a:ext cx="3960440" cy="1107996"/>
+          </a:xfrm>
+          <a:prstGeom prst="rect">
+            <a:avLst/>
+          </a:prstGeom>
+          <a:noFill/>
+        </p:spPr>
+        <p:txBody>
+          <a:bodyPr wrap="square" rtlCol="0">
+            <a:spAutoFit/>
+          </a:bodyPr>
+          <a:lstStyle/>
+          <a:p>
+            <a:r>
+              <a:rPr lang="fr-FR" sz="2400" dirty="0"/>
+              <a:t>Un affichage des arbres du projet en arborescence</a:t>
+            </a:r>
+          </a:p>
+          <a:p>
+            <a:endParaRPr lang="fr-FR" dirty="0"/>
+          </a:p>
+        </p:txBody>
+      </p:sp>
+      <p:sp>
+        <p:nvSpPr>
+          <p:cNvPr id="7" name="ZoneTexte 6"/>
+          <p:cNvSpPr txBox="1"/>
+          <p:nvPr/>
+        </p:nvSpPr>
+        <p:spPr>
+          <a:xfrm>
+            <a:off x="4716016" y="4815140"/>
+            <a:ext cx="4752528" cy="738664"/>
+          </a:xfrm>
+          <a:prstGeom prst="rect">
+            <a:avLst/>
+          </a:prstGeom>
+          <a:noFill/>
+        </p:spPr>
+        <p:txBody>
+          <a:bodyPr wrap="square" rtlCol="0">
+            <a:spAutoFit/>
+          </a:bodyPr>
+          <a:lstStyle/>
+          <a:p>
+            <a:r>
+              <a:rPr lang="fr-FR" sz="2400" dirty="0"/>
+              <a:t>Une bibliothèque de modèle.</a:t>
+            </a:r>
+          </a:p>
+          <a:p>
+            <a:endParaRPr lang="fr-FR" dirty="0"/>
+          </a:p>
+        </p:txBody>
+      </p:sp>
+      <p:pic>
+        <p:nvPicPr>
+          <p:cNvPr id="8" name="Image 7"/>
+          <p:cNvPicPr>
+            <a:picLocks noChangeAspect="1"/>
+          </p:cNvPicPr>
+          <p:nvPr/>
+        </p:nvPicPr>
+        <p:blipFill rotWithShape="1">
+          <a:blip r:embed="rId2" cstate="print">
+            <a:extLst>
+              <a:ext uri="{28A0092B-C50C-407E-A947-70E740481C1C}">
+                <a14:useLocalDpi xmlns:a14="http://schemas.microsoft.com/office/drawing/2010/main" val="0"/>
+              </a:ext>
+            </a:extLst>
+          </a:blip>
+          <a:srcRect/>
+          <a:stretch/>
+        </p:blipFill>
+        <p:spPr>
+          <a:xfrm>
+            <a:off x="35625" y="2168367"/>
+            <a:ext cx="4958468" cy="2360295"/>
+          </a:xfrm>
+          <a:prstGeom prst="rect">
+            <a:avLst/>
+          </a:prstGeom>
+        </p:spPr>
+      </p:pic>
+      <p:sp>
+        <p:nvSpPr>
+          <p:cNvPr id="9" name="ZoneTexte 8"/>
+          <p:cNvSpPr txBox="1"/>
+          <p:nvPr/>
+        </p:nvSpPr>
+        <p:spPr>
+          <a:xfrm>
+            <a:off x="5220072" y="2934809"/>
+            <a:ext cx="3466339" cy="646331"/>
+          </a:xfrm>
+          <a:prstGeom prst="rect">
+            <a:avLst/>
+          </a:prstGeom>
+          <a:noFill/>
+        </p:spPr>
+        <p:txBody>
+          <a:bodyPr wrap="square" rtlCol="0">
+            <a:spAutoFit/>
+          </a:bodyPr>
+          <a:lstStyle/>
+          <a:p>
+            <a:r>
               <a:rPr lang="fr-FR" dirty="0" smtClean="0"/>
-              <a:t>Des outils pour gérer son projet de modélisation dans </a:t>
-            </a:r>
-            <a:r>
-              <a:rPr lang="fr-FR" dirty="0" err="1" smtClean="0"/>
-              <a:t>Glasir</a:t>
-            </a:r>
-            <a:r>
-              <a:rPr lang="fr-FR" dirty="0" smtClean="0"/>
-              <a:t>.</a:t>
-            </a:r>
-          </a:p>
-          <a:p>
-            <a:pPr marL="342900" indent="-342900">
-              <a:buFont typeface="Arial" panose="020B0604020202020204" pitchFamily="34" charset="0"/>
-              <a:buChar char="•"/>
-            </a:pPr>
-            <a:r>
-              <a:rPr lang="fr-FR" dirty="0" smtClean="0"/>
-              <a:t>Un affichage des arbres du projet en arborescence</a:t>
-            </a:r>
-          </a:p>
-          <a:p>
-            <a:pPr marL="342900" indent="-342900">
-              <a:buFont typeface="Arial" panose="020B0604020202020204" pitchFamily="34" charset="0"/>
-              <a:buChar char="•"/>
-            </a:pPr>
-            <a:r>
-              <a:rPr lang="fr-FR" dirty="0" smtClean="0"/>
-              <a:t>Une bibliothèque de modèle.</a:t>
-            </a:r>
-          </a:p>
-        </p:txBody>
-      </p:sp>
-      <p:sp>
-        <p:nvSpPr>
-          <p:cNvPr id="5" name="Espace réservé du contenu 4"/>
-          <p:cNvSpPr>
-            <a:spLocks noGrp="1"/>
-          </p:cNvSpPr>
-          <p:nvPr>
-            <p:ph idx="1"/>
-          </p:nvPr>
-        </p:nvSpPr>
-        <p:spPr/>
-        <p:txBody>
-          <a:bodyPr/>
-          <a:lstStyle/>
-          <a:p>
-            <a:endParaRPr lang="fr-FR"/>
+              <a:t>Mettre ici arbre typique</a:t>
+            </a:r>
+          </a:p>
+          <a:p>
+            <a:endParaRPr lang="fr-FR" dirty="0"/>
           </a:p>
         </p:txBody>
       </p:sp>
@@ -7976,7 +9100,7 @@
 </p:sld>
 </file>
 
-<file path=ppt/slides/slide19.xml><?xml version="1.0" encoding="utf-8"?>
+<file path=ppt/slides/slide2.xml><?xml version="1.0" encoding="utf-8"?>
 <p:sld xmlns:a="http://schemas.openxmlformats.org/drawingml/2006/main" xmlns:r="http://schemas.openxmlformats.org/officeDocument/2006/relationships" xmlns:p="http://schemas.openxmlformats.org/presentationml/2006/main">
   <p:cSld>
     <p:spTree>
@@ -7995,6 +9119,84 @@
       </p:grpSpPr>
       <p:sp>
         <p:nvSpPr>
+          <p:cNvPr id="5" name="Titre 4"/>
+          <p:cNvSpPr>
+            <a:spLocks noGrp="1"/>
+          </p:cNvSpPr>
+          <p:nvPr>
+            <p:ph type="title"/>
+          </p:nvPr>
+        </p:nvSpPr>
+        <p:spPr/>
+        <p:txBody>
+          <a:bodyPr>
+            <a:normAutofit/>
+          </a:bodyPr>
+          <a:lstStyle/>
+          <a:p>
+            <a:r>
+              <a:rPr lang="fr-FR" sz="7200" cap="small" smtClean="0"/>
+              <a:t>Glasir</a:t>
+            </a:r>
+            <a:endParaRPr lang="fr-FR" sz="7200" cap="small"/>
+          </a:p>
+        </p:txBody>
+      </p:sp>
+      <p:sp>
+        <p:nvSpPr>
+          <p:cNvPr id="7" name="Espace réservé du texte 6"/>
+          <p:cNvSpPr>
+            <a:spLocks noGrp="1"/>
+          </p:cNvSpPr>
+          <p:nvPr>
+            <p:ph type="body" sz="quarter" idx="10"/>
+          </p:nvPr>
+        </p:nvSpPr>
+        <p:spPr/>
+        <p:txBody>
+          <a:bodyPr>
+            <a:normAutofit fontScale="92500" lnSpcReduction="20000"/>
+          </a:bodyPr>
+          <a:lstStyle/>
+          <a:p>
+            <a:endParaRPr lang="fr-FR"/>
+          </a:p>
+        </p:txBody>
+      </p:sp>
+    </p:spTree>
+  </p:cSld>
+  <p:clrMapOvr>
+    <a:masterClrMapping/>
+  </p:clrMapOvr>
+  <p:timing>
+    <p:tnLst>
+      <p:par>
+        <p:cTn id="1" dur="indefinite" restart="never" nodeType="tmRoot"/>
+      </p:par>
+    </p:tnLst>
+  </p:timing>
+</p:sld>
+</file>
+
+<file path=ppt/slides/slide20.xml><?xml version="1.0" encoding="utf-8"?>
+<p:sld xmlns:a="http://schemas.openxmlformats.org/drawingml/2006/main" xmlns:r="http://schemas.openxmlformats.org/officeDocument/2006/relationships" xmlns:p="http://schemas.openxmlformats.org/presentationml/2006/main">
+  <p:cSld>
+    <p:spTree>
+      <p:nvGrpSpPr>
+        <p:cNvPr id="1" name=""/>
+        <p:cNvGrpSpPr/>
+        <p:nvPr/>
+      </p:nvGrpSpPr>
+      <p:grpSpPr>
+        <a:xfrm>
+          <a:off x="0" y="0"/>
+          <a:ext cx="0" cy="0"/>
+          <a:chOff x="0" y="0"/>
+          <a:chExt cx="0" cy="0"/>
+        </a:xfrm>
+      </p:grpSpPr>
+      <p:sp>
+        <p:nvSpPr>
           <p:cNvPr id="2" name="Title 1"/>
           <p:cNvSpPr>
             <a:spLocks noGrp="1"/>
@@ -8022,11 +9224,20 @@
             <p:ph idx="1"/>
           </p:nvPr>
         </p:nvSpPr>
-        <p:spPr/>
+        <p:spPr>
+          <a:xfrm>
+            <a:off x="467544" y="752049"/>
+            <a:ext cx="8229600" cy="5544616"/>
+          </a:xfrm>
+        </p:spPr>
         <p:txBody>
           <a:bodyPr/>
           <a:lstStyle/>
           <a:p>
+            <a:r>
+              <a:rPr lang="fr-FR" dirty="0" smtClean="0"/>
+              <a:t>L’architecture du logiciel</a:t>
+            </a:r>
             <a:endParaRPr lang="fr-FR" dirty="0"/>
           </a:p>
         </p:txBody>
@@ -8106,107 +9317,7 @@
 </p:sld>
 </file>
 
-<file path=ppt/slides/slide2.xml><?xml version="1.0" encoding="utf-8"?>
-<p:sld xmlns:a="http://schemas.openxmlformats.org/drawingml/2006/main" xmlns:r="http://schemas.openxmlformats.org/officeDocument/2006/relationships" xmlns:p="http://schemas.openxmlformats.org/presentationml/2006/main">
-  <p:cSld>
-    <p:spTree>
-      <p:nvGrpSpPr>
-        <p:cNvPr id="1" name=""/>
-        <p:cNvGrpSpPr/>
-        <p:nvPr/>
-      </p:nvGrpSpPr>
-      <p:grpSpPr>
-        <a:xfrm>
-          <a:off x="0" y="0"/>
-          <a:ext cx="0" cy="0"/>
-          <a:chOff x="0" y="0"/>
-          <a:chExt cx="0" cy="0"/>
-        </a:xfrm>
-      </p:grpSpPr>
-      <p:sp>
-        <p:nvSpPr>
-          <p:cNvPr id="2" name="Titre 1"/>
-          <p:cNvSpPr>
-            <a:spLocks noGrp="1"/>
-          </p:cNvSpPr>
-          <p:nvPr>
-            <p:ph type="title"/>
-          </p:nvPr>
-        </p:nvSpPr>
-        <p:spPr/>
-        <p:txBody>
-          <a:bodyPr/>
-          <a:lstStyle/>
-          <a:p>
-            <a:endParaRPr lang="fr-FR"/>
-          </a:p>
-        </p:txBody>
-      </p:sp>
-      <p:sp>
-        <p:nvSpPr>
-          <p:cNvPr id="3" name="Espace réservé du contenu 2"/>
-          <p:cNvSpPr>
-            <a:spLocks noGrp="1"/>
-          </p:cNvSpPr>
-          <p:nvPr>
-            <p:ph idx="1"/>
-          </p:nvPr>
-        </p:nvSpPr>
-        <p:spPr/>
-        <p:txBody>
-          <a:bodyPr/>
-          <a:lstStyle/>
-          <a:p>
-            <a:r>
-              <a:rPr lang="fr-FR" dirty="0" smtClean="0"/>
-              <a:t>GLASIIIIIR</a:t>
-            </a:r>
-            <a:endParaRPr lang="fr-FR" dirty="0"/>
-          </a:p>
-        </p:txBody>
-      </p:sp>
-      <p:sp>
-        <p:nvSpPr>
-          <p:cNvPr id="4" name="Espace réservé du texte 3"/>
-          <p:cNvSpPr>
-            <a:spLocks noGrp="1"/>
-          </p:cNvSpPr>
-          <p:nvPr>
-            <p:ph type="body" sz="quarter" idx="10"/>
-          </p:nvPr>
-        </p:nvSpPr>
-        <p:spPr/>
-        <p:txBody>
-          <a:bodyPr>
-            <a:normAutofit fontScale="92500" lnSpcReduction="20000"/>
-          </a:bodyPr>
-          <a:lstStyle/>
-          <a:p>
-            <a:endParaRPr lang="fr-FR"/>
-          </a:p>
-        </p:txBody>
-      </p:sp>
-    </p:spTree>
-    <p:extLst>
-      <p:ext uri="{BB962C8B-B14F-4D97-AF65-F5344CB8AC3E}">
-        <p14:creationId xmlns:p14="http://schemas.microsoft.com/office/powerpoint/2010/main" val="2179122091"/>
-      </p:ext>
-    </p:extLst>
-  </p:cSld>
-  <p:clrMapOvr>
-    <a:masterClrMapping/>
-  </p:clrMapOvr>
-  <p:timing>
-    <p:tnLst>
-      <p:par>
-        <p:cTn id="1" dur="indefinite" restart="never" nodeType="tmRoot"/>
-      </p:par>
-    </p:tnLst>
-  </p:timing>
-</p:sld>
-</file>
-
-<file path=ppt/slides/slide20.xml><?xml version="1.0" encoding="utf-8"?>
+<file path=ppt/slides/slide21.xml><?xml version="1.0" encoding="utf-8"?>
 <p:sld xmlns:a="http://schemas.openxmlformats.org/drawingml/2006/main" xmlns:r="http://schemas.openxmlformats.org/officeDocument/2006/relationships" xmlns:p="http://schemas.openxmlformats.org/presentationml/2006/main">
   <p:cSld>
     <p:spTree>
@@ -8392,7 +9503,7 @@
         </p:nvSpPr>
         <p:spPr>
           <a:xfrm>
-            <a:off x="395536" y="5013176"/>
+            <a:off x="251520" y="5151675"/>
             <a:ext cx="2644566" cy="369332"/>
           </a:xfrm>
           <a:prstGeom prst="rect">
@@ -8446,7 +9557,7 @@
         <p:spPr>
           <a:xfrm>
             <a:off x="3031966" y="5013176"/>
-            <a:ext cx="2644566" cy="369332"/>
+            <a:ext cx="2644566" cy="646331"/>
           </a:xfrm>
           <a:prstGeom prst="rect">
             <a:avLst/>
@@ -8479,7 +9590,7 @@
                   <a:schemeClr val="accent3"/>
                 </a:solidFill>
               </a:rPr>
-              <a:t>Une grammaire</a:t>
+              <a:t>Une représentation textuelle</a:t>
             </a:r>
             <a:endParaRPr lang="fr-FR" b="1" dirty="0">
               <a:ln/>
@@ -8584,8 +9695,8 @@
         </p:nvSpPr>
         <p:spPr>
           <a:xfrm>
-            <a:off x="5815866" y="4869160"/>
-            <a:ext cx="2644566" cy="646331"/>
+            <a:off x="5733540" y="4960388"/>
+            <a:ext cx="3004606" cy="646331"/>
           </a:xfrm>
           <a:prstGeom prst="rect">
             <a:avLst/>
@@ -8618,26 +9729,17 @@
                   <a:schemeClr val="accent3"/>
                 </a:solidFill>
               </a:rPr>
-              <a:t>Une nouvelle</a:t>
-            </a:r>
-          </a:p>
-          <a:p>
-            <a:pPr algn="ctr"/>
-            <a:r>
-              <a:rPr lang="fr-FR" b="1" dirty="0" smtClean="0">
+              <a:t>Une nouvelle représentation </a:t>
+            </a:r>
+            <a:r>
+              <a:rPr lang="fr-FR" b="1" dirty="0">
                 <a:ln/>
                 <a:solidFill>
                   <a:schemeClr val="accent3"/>
                 </a:solidFill>
               </a:rPr>
-              <a:t>grammaire</a:t>
-            </a:r>
-            <a:endParaRPr lang="fr-FR" b="1" dirty="0">
-              <a:ln/>
-              <a:solidFill>
-                <a:schemeClr val="accent3"/>
-              </a:solidFill>
-            </a:endParaRPr>
+              <a:t>textuelle</a:t>
+            </a:r>
           </a:p>
         </p:txBody>
       </p:sp>
@@ -8955,145 +10057,6 @@
 </p:sld>
 </file>
 
-<file path=ppt/slides/slide21.xml><?xml version="1.0" encoding="utf-8"?>
-<p:sld xmlns:a="http://schemas.openxmlformats.org/drawingml/2006/main" xmlns:r="http://schemas.openxmlformats.org/officeDocument/2006/relationships" xmlns:p="http://schemas.openxmlformats.org/presentationml/2006/main">
-  <p:cSld>
-    <p:spTree>
-      <p:nvGrpSpPr>
-        <p:cNvPr id="1" name=""/>
-        <p:cNvGrpSpPr/>
-        <p:nvPr/>
-      </p:nvGrpSpPr>
-      <p:grpSpPr>
-        <a:xfrm>
-          <a:off x="0" y="0"/>
-          <a:ext cx="0" cy="0"/>
-          <a:chOff x="0" y="0"/>
-          <a:chExt cx="0" cy="0"/>
-        </a:xfrm>
-      </p:grpSpPr>
-      <p:sp>
-        <p:nvSpPr>
-          <p:cNvPr id="2" name="Titre 1"/>
-          <p:cNvSpPr>
-            <a:spLocks noGrp="1"/>
-          </p:cNvSpPr>
-          <p:nvPr>
-            <p:ph type="title"/>
-          </p:nvPr>
-        </p:nvSpPr>
-        <p:spPr/>
-        <p:txBody>
-          <a:bodyPr/>
-          <a:lstStyle/>
-          <a:p>
-            <a:r>
-              <a:rPr lang="fr-FR" dirty="0" smtClean="0"/>
-              <a:t>Ergonomie logicielle</a:t>
-            </a:r>
-            <a:endParaRPr lang="fr-FR" dirty="0"/>
-          </a:p>
-        </p:txBody>
-      </p:sp>
-      <p:sp>
-        <p:nvSpPr>
-          <p:cNvPr id="3" name="Espace réservé du contenu 2"/>
-          <p:cNvSpPr>
-            <a:spLocks noGrp="1"/>
-          </p:cNvSpPr>
-          <p:nvPr>
-            <p:ph idx="1"/>
-          </p:nvPr>
-        </p:nvSpPr>
-        <p:spPr>
-          <a:xfrm>
-            <a:off x="671397" y="3590893"/>
-            <a:ext cx="7509131" cy="1296144"/>
-          </a:xfrm>
-        </p:spPr>
-        <p:txBody>
-          <a:bodyPr/>
-          <a:lstStyle/>
-          <a:p>
-            <a:r>
-              <a:rPr lang="fr-FR" dirty="0" smtClean="0"/>
-              <a:t>Des fonctionnalités de base pour améliorer </a:t>
-            </a:r>
-            <a:r>
-              <a:rPr lang="fr-FR" dirty="0" err="1" smtClean="0"/>
-              <a:t>ADTools</a:t>
-            </a:r>
-            <a:r>
-              <a:rPr lang="fr-FR" dirty="0" smtClean="0"/>
-              <a:t>.</a:t>
-            </a:r>
-          </a:p>
-          <a:p>
-            <a:pPr marL="342900" indent="-342900">
-              <a:buFont typeface="Arial" panose="020B0604020202020204" pitchFamily="34" charset="0"/>
-              <a:buChar char="•"/>
-            </a:pPr>
-            <a:r>
-              <a:rPr lang="fr-FR" dirty="0" smtClean="0"/>
-              <a:t>Fonction annuler</a:t>
-            </a:r>
-          </a:p>
-          <a:p>
-            <a:pPr marL="342900" indent="-342900">
-              <a:buFont typeface="Arial" panose="020B0604020202020204" pitchFamily="34" charset="0"/>
-              <a:buChar char="•"/>
-            </a:pPr>
-            <a:r>
-              <a:rPr lang="fr-FR" dirty="0" smtClean="0"/>
-              <a:t>Fonction copier-couper/coller.</a:t>
-            </a:r>
-          </a:p>
-        </p:txBody>
-      </p:sp>
-      <p:sp>
-        <p:nvSpPr>
-          <p:cNvPr id="4" name="Espace réservé du texte 3"/>
-          <p:cNvSpPr>
-            <a:spLocks noGrp="1"/>
-          </p:cNvSpPr>
-          <p:nvPr>
-            <p:ph type="body" sz="quarter" idx="10"/>
-          </p:nvPr>
-        </p:nvSpPr>
-        <p:spPr/>
-        <p:txBody>
-          <a:bodyPr>
-            <a:normAutofit fontScale="92500" lnSpcReduction="20000"/>
-          </a:bodyPr>
-          <a:lstStyle/>
-          <a:p>
-            <a:r>
-              <a:rPr lang="fr-FR" dirty="0"/>
-              <a:t>Spécification fonctionnelles</a:t>
-            </a:r>
-          </a:p>
-        </p:txBody>
-      </p:sp>
-    </p:spTree>
-    <p:extLst>
-      <p:ext uri="{BB962C8B-B14F-4D97-AF65-F5344CB8AC3E}">
-        <p14:creationId xmlns:p14="http://schemas.microsoft.com/office/powerpoint/2010/main" val="3685594"/>
-      </p:ext>
-    </p:extLst>
-  </p:cSld>
-  <p:clrMapOvr>
-    <a:masterClrMapping/>
-  </p:clrMapOvr>
-  <p:timing>
-    <p:tnLst>
-      <p:par>
-        <p:cTn id="1" dur="indefinite" restart="never" nodeType="tmRoot"/>
-      </p:par>
-    </p:tnLst>
-  </p:timing>
-</p:sld>
-</file>
-
 <file path=ppt/slides/slide22.xml><?xml version="1.0" encoding="utf-8"?>
 <p:sld xmlns:a="http://schemas.openxmlformats.org/drawingml/2006/main" xmlns:r="http://schemas.openxmlformats.org/officeDocument/2006/relationships" xmlns:p="http://schemas.openxmlformats.org/presentationml/2006/main">
   <p:cSld>
@@ -9123,17 +10086,14 @@
         </p:nvSpPr>
         <p:spPr/>
         <p:txBody>
-          <a:bodyPr>
-            <a:normAutofit/>
-          </a:bodyPr>
+          <a:bodyPr/>
           <a:lstStyle/>
           <a:p>
-            <a:pPr algn="ctr"/>
-            <a:r>
-              <a:rPr lang="fr-FR" sz="2800" dirty="0" smtClean="0"/>
-              <a:t>Versionnement de Glasir</a:t>
-            </a:r>
-            <a:endParaRPr lang="fr-FR" sz="2800" dirty="0"/>
+            <a:r>
+              <a:rPr lang="fr-FR" dirty="0" smtClean="0"/>
+              <a:t>Ergonomie logicielle</a:t>
+            </a:r>
+            <a:endParaRPr lang="fr-FR" dirty="0"/>
           </a:p>
         </p:txBody>
       </p:sp>
@@ -9147,86 +10107,27 @@
             <p:ph idx="1"/>
           </p:nvPr>
         </p:nvSpPr>
-        <p:spPr/>
+        <p:spPr>
+          <a:xfrm>
+            <a:off x="715367" y="908721"/>
+            <a:ext cx="7509131" cy="576064"/>
+          </a:xfrm>
+        </p:spPr>
         <p:txBody>
           <a:bodyPr/>
           <a:lstStyle/>
           <a:p>
-            <a:pPr>
-              <a:buFont typeface="Wingdings" pitchFamily="2" charset="2"/>
-              <a:buChar char="q"/>
-            </a:pPr>
-            <a:endParaRPr lang="fr-FR" dirty="0" smtClean="0"/>
-          </a:p>
-          <a:p>
-            <a:pPr>
-              <a:buFont typeface="Wingdings" pitchFamily="2" charset="2"/>
-              <a:buChar char="q"/>
-            </a:pPr>
-            <a:endParaRPr lang="fr-FR" dirty="0" smtClean="0"/>
-          </a:p>
-          <a:p>
-            <a:pPr>
-              <a:buFont typeface="Wingdings" pitchFamily="2" charset="2"/>
-              <a:buChar char="q"/>
-            </a:pPr>
             <a:r>
               <a:rPr lang="fr-FR" dirty="0" smtClean="0"/>
-              <a:t>Version 0.1 : Paramètre de synthèse</a:t>
-            </a:r>
-          </a:p>
-          <a:p>
-            <a:pPr>
-              <a:buFont typeface="Wingdings" pitchFamily="2" charset="2"/>
-              <a:buChar char="q"/>
-            </a:pPr>
-            <a:endParaRPr lang="fr-FR" dirty="0" smtClean="0"/>
-          </a:p>
-          <a:p>
-            <a:endParaRPr lang="fr-FR" dirty="0" smtClean="0"/>
-          </a:p>
-          <a:p>
-            <a:pPr>
-              <a:buFont typeface="Wingdings" pitchFamily="2" charset="2"/>
-              <a:buChar char="q"/>
-            </a:pPr>
-            <a:endParaRPr lang="fr-FR" dirty="0" smtClean="0"/>
-          </a:p>
-          <a:p>
-            <a:pPr>
-              <a:buFont typeface="Wingdings" pitchFamily="2" charset="2"/>
-              <a:buChar char="q"/>
-            </a:pPr>
+              <a:t>Des fonctionnalités de base pour améliorer </a:t>
+            </a:r>
+            <a:r>
+              <a:rPr lang="fr-FR" dirty="0" err="1" smtClean="0"/>
+              <a:t>ADTools</a:t>
+            </a:r>
             <a:r>
               <a:rPr lang="fr-FR" dirty="0" smtClean="0"/>
-              <a:t>Version 0.2 : Filtre</a:t>
-            </a:r>
-          </a:p>
-          <a:p>
-            <a:endParaRPr lang="fr-FR" dirty="0" smtClean="0"/>
-          </a:p>
-          <a:p>
-            <a:pPr>
-              <a:buFont typeface="Wingdings" pitchFamily="2" charset="2"/>
-              <a:buChar char="q"/>
-            </a:pPr>
-            <a:endParaRPr lang="fr-FR" dirty="0" smtClean="0"/>
-          </a:p>
-          <a:p>
-            <a:pPr>
-              <a:buFont typeface="Wingdings" pitchFamily="2" charset="2"/>
-              <a:buChar char="q"/>
-            </a:pPr>
-            <a:endParaRPr lang="fr-FR" dirty="0" smtClean="0"/>
-          </a:p>
-          <a:p>
-            <a:pPr>
-              <a:buFont typeface="Wingdings" pitchFamily="2" charset="2"/>
-              <a:buChar char="q"/>
-            </a:pPr>
-            <a:r>
-              <a:rPr lang="fr-FR" dirty="0" smtClean="0"/>
-              <a:t>Version 1.0 : Optimiseur</a:t>
+              <a:t>.</a:t>
             </a:r>
           </a:p>
         </p:txBody>
@@ -9249,14 +10150,134 @@
           <a:lstStyle/>
           <a:p>
             <a:r>
-              <a:rPr lang="fr-FR" dirty="0" smtClean="0"/>
-              <a:t>Planification</a:t>
-            </a:r>
+              <a:rPr lang="fr-FR" dirty="0"/>
+              <a:t>Spécification fonctionnelles</a:t>
+            </a:r>
+          </a:p>
+        </p:txBody>
+      </p:sp>
+      <p:sp>
+        <p:nvSpPr>
+          <p:cNvPr id="5" name="ZoneTexte 4"/>
+          <p:cNvSpPr txBox="1"/>
+          <p:nvPr/>
+        </p:nvSpPr>
+        <p:spPr>
+          <a:xfrm>
+            <a:off x="5281083" y="2281767"/>
+            <a:ext cx="3096344" cy="738664"/>
+          </a:xfrm>
+          <a:prstGeom prst="rect">
+            <a:avLst/>
+          </a:prstGeom>
+          <a:noFill/>
+        </p:spPr>
+        <p:txBody>
+          <a:bodyPr wrap="square" rtlCol="0">
+            <a:spAutoFit/>
+          </a:bodyPr>
+          <a:lstStyle/>
+          <a:p>
+            <a:r>
+              <a:rPr lang="fr-FR" sz="2400" dirty="0"/>
+              <a:t>Fonction annuler</a:t>
+            </a:r>
+          </a:p>
+          <a:p>
             <a:endParaRPr lang="fr-FR" dirty="0"/>
           </a:p>
         </p:txBody>
       </p:sp>
+      <p:sp>
+        <p:nvSpPr>
+          <p:cNvPr id="6" name="ZoneTexte 5"/>
+          <p:cNvSpPr txBox="1"/>
+          <p:nvPr/>
+        </p:nvSpPr>
+        <p:spPr>
+          <a:xfrm>
+            <a:off x="5281082" y="3817413"/>
+            <a:ext cx="3179349" cy="1107996"/>
+          </a:xfrm>
+          <a:prstGeom prst="rect">
+            <a:avLst/>
+          </a:prstGeom>
+          <a:noFill/>
+        </p:spPr>
+        <p:txBody>
+          <a:bodyPr wrap="square" rtlCol="0">
+            <a:spAutoFit/>
+          </a:bodyPr>
+          <a:lstStyle/>
+          <a:p>
+            <a:r>
+              <a:rPr lang="fr-FR" sz="2400" dirty="0"/>
+              <a:t>Fonction </a:t>
+            </a:r>
+            <a:endParaRPr lang="fr-FR" sz="2400" dirty="0" smtClean="0"/>
+          </a:p>
+          <a:p>
+            <a:r>
+              <a:rPr lang="fr-FR" sz="2400" dirty="0" smtClean="0"/>
+              <a:t>copier-couper/coller</a:t>
+            </a:r>
+            <a:r>
+              <a:rPr lang="fr-FR" sz="2400" dirty="0"/>
+              <a:t>.</a:t>
+            </a:r>
+          </a:p>
+          <a:p>
+            <a:endParaRPr lang="fr-FR" dirty="0"/>
+          </a:p>
+        </p:txBody>
+      </p:sp>
+      <p:pic>
+        <p:nvPicPr>
+          <p:cNvPr id="1028" name="Picture 4" descr="http://www.makesomelol.com/wp-content/uploads/2012/07/copier-coller-couper.jpg"/>
+          <p:cNvPicPr>
+            <a:picLocks noChangeAspect="1" noChangeArrowheads="1"/>
+          </p:cNvPicPr>
+          <p:nvPr/>
+        </p:nvPicPr>
+        <p:blipFill>
+          <a:blip r:embed="rId2">
+            <a:extLst>
+              <a:ext uri="{28A0092B-C50C-407E-A947-70E740481C1C}">
+                <a14:useLocalDpi xmlns:a14="http://schemas.microsoft.com/office/drawing/2010/main" val="0"/>
+              </a:ext>
+            </a:extLst>
+          </a:blip>
+          <a:srcRect/>
+          <a:stretch>
+            <a:fillRect/>
+          </a:stretch>
+        </p:blipFill>
+        <p:spPr bwMode="auto">
+          <a:xfrm>
+            <a:off x="680839" y="1521238"/>
+            <a:ext cx="4286250" cy="4286250"/>
+          </a:xfrm>
+          <a:prstGeom prst="rect">
+            <a:avLst/>
+          </a:prstGeom>
+          <a:noFill/>
+          <a:extLst>
+            <a:ext uri="{909E8E84-426E-40DD-AFC4-6F175D3DCCD1}">
+              <a14:hiddenFill xmlns:a14="http://schemas.microsoft.com/office/drawing/2010/main">
+                <a:solidFill>
+                  <a:srgbClr val="FFFFFF"/>
+                </a:solidFill>
+              </a14:hiddenFill>
+            </a:ext>
+          </a:extLst>
+        </p:spPr>
+      </p:pic>
     </p:spTree>
+    <p:extLst>
+      <p:ext uri="{BB962C8B-B14F-4D97-AF65-F5344CB8AC3E}">
+        <p14:creationId xmlns:p14="http://schemas.microsoft.com/office/powerpoint/2010/main" val="3685594"/>
+      </p:ext>
+    </p:extLst>
   </p:cSld>
   <p:clrMapOvr>
     <a:masterClrMapping/>
@@ -9308,7 +10329,7 @@
             <a:pPr algn="ctr"/>
             <a:r>
               <a:rPr lang="fr-FR" sz="2800" dirty="0" smtClean="0"/>
-              <a:t>Méthode SCRUM</a:t>
+              <a:t>Versionnement de Glasir</a:t>
             </a:r>
             <a:endParaRPr lang="fr-FR" sz="2800" dirty="0"/>
           </a:p>
@@ -9329,22 +10350,6 @@
           <a:bodyPr/>
           <a:lstStyle/>
           <a:p>
-            <a:endParaRPr lang="fr-FR" dirty="0" smtClean="0"/>
-          </a:p>
-          <a:p>
-            <a:endParaRPr lang="fr-FR" dirty="0" smtClean="0"/>
-          </a:p>
-          <a:p>
-            <a:pPr>
-              <a:buFont typeface="Wingdings" pitchFamily="2" charset="2"/>
-              <a:buChar char="q"/>
-            </a:pPr>
-            <a:r>
-              <a:rPr lang="fr-FR" dirty="0" smtClean="0"/>
-              <a:t>ScrumMaster</a:t>
-            </a:r>
-          </a:p>
-          <a:p>
             <a:pPr>
               <a:buFont typeface="Wingdings" pitchFamily="2" charset="2"/>
               <a:buChar char="q"/>
@@ -9352,19 +10357,6 @@
             <a:endParaRPr lang="fr-FR" dirty="0" smtClean="0"/>
           </a:p>
           <a:p>
-            <a:endParaRPr lang="fr-FR" dirty="0" smtClean="0"/>
-          </a:p>
-          <a:p>
-            <a:pPr>
-              <a:buFont typeface="Wingdings" pitchFamily="2" charset="2"/>
-              <a:buChar char="q"/>
-            </a:pPr>
-            <a:r>
-              <a:rPr lang="fr-FR" dirty="0" smtClean="0"/>
-              <a:t>Product Owner</a:t>
-            </a:r>
-          </a:p>
-          <a:p>
             <a:pPr>
               <a:buFont typeface="Wingdings" pitchFamily="2" charset="2"/>
               <a:buChar char="q"/>
@@ -9372,20 +10364,14 @@
             <a:endParaRPr lang="fr-FR" dirty="0" smtClean="0"/>
           </a:p>
           <a:p>
-            <a:endParaRPr lang="fr-FR" dirty="0" smtClean="0"/>
-          </a:p>
-          <a:p>
             <a:pPr>
               <a:buFont typeface="Wingdings" pitchFamily="2" charset="2"/>
               <a:buChar char="q"/>
             </a:pPr>
             <a:r>
               <a:rPr lang="fr-FR" dirty="0" smtClean="0"/>
-              <a:t>Mêlée quotidienne</a:t>
-            </a:r>
-          </a:p>
-          <a:p>
-            <a:endParaRPr lang="fr-FR" dirty="0" smtClean="0"/>
+              <a:t>Version 0.1 : Paramètre de synthèse</a:t>
+            </a:r>
           </a:p>
           <a:p>
             <a:pPr>
@@ -9395,15 +10381,51 @@
             <a:endParaRPr lang="fr-FR" dirty="0" smtClean="0"/>
           </a:p>
           <a:p>
+            <a:endParaRPr lang="fr-FR" dirty="0" smtClean="0"/>
+          </a:p>
+          <a:p>
             <a:pPr>
               <a:buFont typeface="Wingdings" pitchFamily="2" charset="2"/>
               <a:buChar char="q"/>
             </a:pPr>
+            <a:endParaRPr lang="fr-FR" dirty="0" smtClean="0"/>
+          </a:p>
+          <a:p>
+            <a:pPr>
+              <a:buFont typeface="Wingdings" pitchFamily="2" charset="2"/>
+              <a:buChar char="q"/>
+            </a:pPr>
             <a:r>
               <a:rPr lang="fr-FR" dirty="0" smtClean="0"/>
-              <a:t>Sprints</a:t>
-            </a:r>
-            <a:endParaRPr lang="fr-FR" dirty="0"/>
+              <a:t>Version 0.2 : Filtre</a:t>
+            </a:r>
+          </a:p>
+          <a:p>
+            <a:endParaRPr lang="fr-FR" dirty="0" smtClean="0"/>
+          </a:p>
+          <a:p>
+            <a:pPr>
+              <a:buFont typeface="Wingdings" pitchFamily="2" charset="2"/>
+              <a:buChar char="q"/>
+            </a:pPr>
+            <a:endParaRPr lang="fr-FR" dirty="0" smtClean="0"/>
+          </a:p>
+          <a:p>
+            <a:pPr>
+              <a:buFont typeface="Wingdings" pitchFamily="2" charset="2"/>
+              <a:buChar char="q"/>
+            </a:pPr>
+            <a:endParaRPr lang="fr-FR" dirty="0" smtClean="0"/>
+          </a:p>
+          <a:p>
+            <a:pPr>
+              <a:buFont typeface="Wingdings" pitchFamily="2" charset="2"/>
+              <a:buChar char="q"/>
+            </a:pPr>
+            <a:r>
+              <a:rPr lang="fr-FR" dirty="0" smtClean="0"/>
+              <a:t>Version 1.0 : Optimiseur</a:t>
+            </a:r>
           </a:p>
         </p:txBody>
       </p:sp>
@@ -9484,7 +10506,7 @@
             <a:pPr algn="ctr"/>
             <a:r>
               <a:rPr lang="fr-FR" sz="2800" dirty="0" smtClean="0"/>
-              <a:t>Conclusion</a:t>
+              <a:t>Gestion de Projet</a:t>
             </a:r>
             <a:endParaRPr lang="fr-FR" sz="2800" dirty="0"/>
           </a:p>
@@ -9508,75 +10530,10 @@
             <a:endParaRPr lang="fr-FR" dirty="0" smtClean="0"/>
           </a:p>
           <a:p>
-            <a:pPr>
-              <a:buFont typeface="Wingdings" pitchFamily="2" charset="2"/>
-              <a:buChar char="q"/>
-            </a:pPr>
-            <a:endParaRPr lang="fr-FR" dirty="0" smtClean="0"/>
-          </a:p>
-          <a:p>
-            <a:endParaRPr lang="fr-FR" dirty="0" smtClean="0"/>
-          </a:p>
-          <a:p>
-            <a:endParaRPr lang="fr-FR" dirty="0" smtClean="0"/>
-          </a:p>
-          <a:p>
-            <a:pPr>
-              <a:buFont typeface="Wingdings" pitchFamily="2" charset="2"/>
-              <a:buChar char="q"/>
-            </a:pPr>
             <a:r>
               <a:rPr lang="fr-FR" dirty="0" smtClean="0"/>
-              <a:t>Apprentissage de nos erreurs </a:t>
-            </a:r>
-          </a:p>
-          <a:p>
-            <a:pPr>
-              <a:buFont typeface="Wingdings" pitchFamily="2" charset="2"/>
-              <a:buChar char="q"/>
-            </a:pPr>
-            <a:endParaRPr lang="fr-FR" dirty="0" smtClean="0"/>
-          </a:p>
-          <a:p>
-            <a:endParaRPr lang="fr-FR" dirty="0" smtClean="0"/>
-          </a:p>
-          <a:p>
-            <a:pPr>
-              <a:buFont typeface="Wingdings" pitchFamily="2" charset="2"/>
-              <a:buChar char="q"/>
-            </a:pPr>
-            <a:r>
-              <a:rPr lang="fr-FR" dirty="0" smtClean="0"/>
-              <a:t>Place à la réalisation !</a:t>
-            </a:r>
-          </a:p>
-          <a:p>
-            <a:pPr>
-              <a:buFont typeface="Wingdings" pitchFamily="2" charset="2"/>
-              <a:buChar char="q"/>
-            </a:pPr>
-            <a:endParaRPr lang="fr-FR" dirty="0" smtClean="0"/>
-          </a:p>
-          <a:p>
-            <a:pPr>
-              <a:buFont typeface="Wingdings" pitchFamily="2" charset="2"/>
-              <a:buChar char="q"/>
-            </a:pPr>
-            <a:endParaRPr lang="fr-FR" dirty="0" smtClean="0"/>
-          </a:p>
-          <a:p>
-            <a:pPr>
-              <a:buFont typeface="Wingdings" pitchFamily="2" charset="2"/>
-              <a:buChar char="q"/>
-            </a:pPr>
-            <a:endParaRPr lang="fr-FR" dirty="0" smtClean="0"/>
-          </a:p>
-          <a:p>
-            <a:pPr>
-              <a:buFont typeface="Wingdings" pitchFamily="2" charset="2"/>
-              <a:buChar char="q"/>
-            </a:pPr>
-            <a:endParaRPr lang="fr-FR" dirty="0"/>
+              <a:t>Méthode SCRUM</a:t>
+            </a:r>
           </a:p>
         </p:txBody>
       </p:sp>
@@ -9599,13 +10556,321 @@
           <a:p>
             <a:r>
               <a:rPr lang="fr-FR" dirty="0" smtClean="0"/>
+              <a:t>Planification</a:t>
+            </a:r>
+            <a:endParaRPr lang="fr-FR" dirty="0"/>
+          </a:p>
+        </p:txBody>
+      </p:sp>
+      <p:pic>
+        <p:nvPicPr>
+          <p:cNvPr id="5" name="Image 4"/>
+          <p:cNvPicPr>
+            <a:picLocks noChangeAspect="1"/>
+          </p:cNvPicPr>
+          <p:nvPr/>
+        </p:nvPicPr>
+        <p:blipFill>
+          <a:blip r:embed="rId3" cstate="print">
+            <a:extLst>
+              <a:ext uri="{28A0092B-C50C-407E-A947-70E740481C1C}">
+                <a14:useLocalDpi xmlns:a14="http://schemas.microsoft.com/office/drawing/2010/main" val="0"/>
+              </a:ext>
+            </a:extLst>
+          </a:blip>
+          <a:stretch>
+            <a:fillRect/>
+          </a:stretch>
+        </p:blipFill>
+        <p:spPr>
+          <a:xfrm>
+            <a:off x="1857375" y="1709353"/>
+            <a:ext cx="5429250" cy="3943350"/>
+          </a:xfrm>
+          <a:prstGeom prst="rect">
+            <a:avLst/>
+          </a:prstGeom>
+        </p:spPr>
+      </p:pic>
+    </p:spTree>
+  </p:cSld>
+  <p:clrMapOvr>
+    <a:masterClrMapping/>
+  </p:clrMapOvr>
+  <p:timing>
+    <p:tnLst>
+      <p:par>
+        <p:cTn id="1" dur="indefinite" restart="never" nodeType="tmRoot"/>
+      </p:par>
+    </p:tnLst>
+  </p:timing>
+</p:sld>
+</file>
+
+<file path=ppt/slides/slide25.xml><?xml version="1.0" encoding="utf-8"?>
+<p:sld xmlns:a="http://schemas.openxmlformats.org/drawingml/2006/main" xmlns:r="http://schemas.openxmlformats.org/officeDocument/2006/relationships" xmlns:p="http://schemas.openxmlformats.org/presentationml/2006/main">
+  <p:cSld>
+    <p:spTree>
+      <p:nvGrpSpPr>
+        <p:cNvPr id="1" name=""/>
+        <p:cNvGrpSpPr/>
+        <p:nvPr/>
+      </p:nvGrpSpPr>
+      <p:grpSpPr>
+        <a:xfrm>
+          <a:off x="0" y="0"/>
+          <a:ext cx="0" cy="0"/>
+          <a:chOff x="0" y="0"/>
+          <a:chExt cx="0" cy="0"/>
+        </a:xfrm>
+      </p:grpSpPr>
+      <p:sp>
+        <p:nvSpPr>
+          <p:cNvPr id="2" name="Titre 1"/>
+          <p:cNvSpPr>
+            <a:spLocks noGrp="1"/>
+          </p:cNvSpPr>
+          <p:nvPr>
+            <p:ph type="title"/>
+          </p:nvPr>
+        </p:nvSpPr>
+        <p:spPr/>
+        <p:txBody>
+          <a:bodyPr>
+            <a:normAutofit/>
+          </a:bodyPr>
+          <a:lstStyle/>
+          <a:p>
+            <a:pPr algn="ctr"/>
+            <a:r>
+              <a:rPr lang="fr-FR" sz="2800" dirty="0" smtClean="0"/>
               <a:t>Conclusion</a:t>
             </a:r>
+            <a:endParaRPr lang="fr-FR" sz="2800" dirty="0"/>
+          </a:p>
+        </p:txBody>
+      </p:sp>
+      <p:sp>
+        <p:nvSpPr>
+          <p:cNvPr id="3" name="Espace réservé du contenu 2"/>
+          <p:cNvSpPr>
+            <a:spLocks noGrp="1"/>
+          </p:cNvSpPr>
+          <p:nvPr>
+            <p:ph idx="1"/>
+          </p:nvPr>
+        </p:nvSpPr>
+        <p:spPr/>
+        <p:txBody>
+          <a:bodyPr/>
+          <a:lstStyle/>
+          <a:p>
+            <a:endParaRPr lang="fr-FR" dirty="0" smtClean="0"/>
+          </a:p>
+          <a:p>
+            <a:pPr>
+              <a:buFont typeface="Wingdings" pitchFamily="2" charset="2"/>
+              <a:buChar char="q"/>
+            </a:pPr>
+            <a:endParaRPr lang="fr-FR" dirty="0" smtClean="0"/>
+          </a:p>
+          <a:p>
+            <a:endParaRPr lang="fr-FR" dirty="0" smtClean="0"/>
+          </a:p>
+          <a:p>
+            <a:endParaRPr lang="fr-FR" dirty="0" smtClean="0"/>
+          </a:p>
+          <a:p>
+            <a:pPr>
+              <a:buFont typeface="Wingdings" pitchFamily="2" charset="2"/>
+              <a:buChar char="q"/>
+            </a:pPr>
+            <a:r>
+              <a:rPr lang="fr-FR" dirty="0" smtClean="0"/>
+              <a:t>Amélioration au contact des difficultés rencontrées </a:t>
+            </a:r>
+          </a:p>
+          <a:p>
+            <a:pPr>
+              <a:buFont typeface="Wingdings" pitchFamily="2" charset="2"/>
+              <a:buChar char="q"/>
+            </a:pPr>
+            <a:endParaRPr lang="fr-FR" dirty="0" smtClean="0"/>
+          </a:p>
+          <a:p>
+            <a:endParaRPr lang="fr-FR" dirty="0" smtClean="0"/>
+          </a:p>
+          <a:p>
+            <a:pPr>
+              <a:buFont typeface="Wingdings" pitchFamily="2" charset="2"/>
+              <a:buChar char="q"/>
+            </a:pPr>
+            <a:r>
+              <a:rPr lang="fr-FR" dirty="0" smtClean="0"/>
+              <a:t>Place à la réalisation !</a:t>
+            </a:r>
+          </a:p>
+          <a:p>
+            <a:pPr>
+              <a:buFont typeface="Wingdings" pitchFamily="2" charset="2"/>
+              <a:buChar char="q"/>
+            </a:pPr>
+            <a:endParaRPr lang="fr-FR" dirty="0" smtClean="0"/>
+          </a:p>
+          <a:p>
+            <a:pPr>
+              <a:buFont typeface="Wingdings" pitchFamily="2" charset="2"/>
+              <a:buChar char="q"/>
+            </a:pPr>
+            <a:endParaRPr lang="fr-FR" dirty="0" smtClean="0"/>
+          </a:p>
+          <a:p>
+            <a:pPr>
+              <a:buFont typeface="Wingdings" pitchFamily="2" charset="2"/>
+              <a:buChar char="q"/>
+            </a:pPr>
+            <a:endParaRPr lang="fr-FR" dirty="0" smtClean="0"/>
+          </a:p>
+          <a:p>
+            <a:pPr>
+              <a:buFont typeface="Wingdings" pitchFamily="2" charset="2"/>
+              <a:buChar char="q"/>
+            </a:pPr>
             <a:endParaRPr lang="fr-FR" dirty="0"/>
           </a:p>
         </p:txBody>
       </p:sp>
+      <p:sp>
+        <p:nvSpPr>
+          <p:cNvPr id="4" name="Espace réservé du texte 3"/>
+          <p:cNvSpPr>
+            <a:spLocks noGrp="1"/>
+          </p:cNvSpPr>
+          <p:nvPr>
+            <p:ph type="body" sz="quarter" idx="10"/>
+          </p:nvPr>
+        </p:nvSpPr>
+        <p:spPr/>
+        <p:txBody>
+          <a:bodyPr>
+            <a:normAutofit fontScale="92500" lnSpcReduction="20000"/>
+          </a:bodyPr>
+          <a:lstStyle/>
+          <a:p>
+            <a:r>
+              <a:rPr lang="fr-FR" dirty="0" smtClean="0"/>
+              <a:t>Conclusion</a:t>
+            </a:r>
+            <a:endParaRPr lang="fr-FR" dirty="0"/>
+          </a:p>
+        </p:txBody>
+      </p:sp>
     </p:spTree>
+  </p:cSld>
+  <p:clrMapOvr>
+    <a:masterClrMapping/>
+  </p:clrMapOvr>
+  <p:timing>
+    <p:tnLst>
+      <p:par>
+        <p:cTn id="1" dur="indefinite" restart="never" nodeType="tmRoot"/>
+      </p:par>
+    </p:tnLst>
+  </p:timing>
+</p:sld>
+</file>
+
+<file path=ppt/slides/slide26.xml><?xml version="1.0" encoding="utf-8"?>
+<p:sld xmlns:a="http://schemas.openxmlformats.org/drawingml/2006/main" xmlns:r="http://schemas.openxmlformats.org/officeDocument/2006/relationships" xmlns:p="http://schemas.openxmlformats.org/presentationml/2006/main">
+  <p:cSld>
+    <p:spTree>
+      <p:nvGrpSpPr>
+        <p:cNvPr id="1" name=""/>
+        <p:cNvGrpSpPr/>
+        <p:nvPr/>
+      </p:nvGrpSpPr>
+      <p:grpSpPr>
+        <a:xfrm>
+          <a:off x="0" y="0"/>
+          <a:ext cx="0" cy="0"/>
+          <a:chOff x="0" y="0"/>
+          <a:chExt cx="0" cy="0"/>
+        </a:xfrm>
+      </p:grpSpPr>
+      <p:sp>
+        <p:nvSpPr>
+          <p:cNvPr id="2" name="Titre 1"/>
+          <p:cNvSpPr>
+            <a:spLocks noGrp="1"/>
+          </p:cNvSpPr>
+          <p:nvPr>
+            <p:ph type="title"/>
+          </p:nvPr>
+        </p:nvSpPr>
+        <p:spPr/>
+        <p:txBody>
+          <a:bodyPr/>
+          <a:lstStyle/>
+          <a:p>
+            <a:endParaRPr lang="fr-FR"/>
+          </a:p>
+        </p:txBody>
+      </p:sp>
+      <p:sp>
+        <p:nvSpPr>
+          <p:cNvPr id="3" name="Espace réservé du contenu 2"/>
+          <p:cNvSpPr>
+            <a:spLocks noGrp="1"/>
+          </p:cNvSpPr>
+          <p:nvPr>
+            <p:ph idx="1"/>
+          </p:nvPr>
+        </p:nvSpPr>
+        <p:spPr/>
+        <p:txBody>
+          <a:bodyPr>
+            <a:normAutofit/>
+          </a:bodyPr>
+          <a:lstStyle/>
+          <a:p>
+            <a:endParaRPr lang="fr-FR" sz="4800" dirty="0"/>
+          </a:p>
+          <a:p>
+            <a:r>
+              <a:rPr lang="fr-FR" sz="4800" dirty="0" smtClean="0"/>
+              <a:t>Des Questions ?</a:t>
+            </a:r>
+            <a:endParaRPr lang="fr-FR" sz="4800" dirty="0"/>
+          </a:p>
+        </p:txBody>
+      </p:sp>
+      <p:sp>
+        <p:nvSpPr>
+          <p:cNvPr id="4" name="Espace réservé du texte 3"/>
+          <p:cNvSpPr>
+            <a:spLocks noGrp="1"/>
+          </p:cNvSpPr>
+          <p:nvPr>
+            <p:ph type="body" sz="quarter" idx="10"/>
+          </p:nvPr>
+        </p:nvSpPr>
+        <p:spPr/>
+        <p:txBody>
+          <a:bodyPr>
+            <a:normAutofit fontScale="92500" lnSpcReduction="20000"/>
+          </a:bodyPr>
+          <a:lstStyle/>
+          <a:p>
+            <a:endParaRPr lang="fr-FR"/>
+          </a:p>
+        </p:txBody>
+      </p:sp>
+    </p:spTree>
+    <p:extLst>
+      <p:ext uri="{BB962C8B-B14F-4D97-AF65-F5344CB8AC3E}">
+        <p14:creationId xmlns:p14="http://schemas.microsoft.com/office/powerpoint/2010/main" val="2850511356"/>
+      </p:ext>
+    </p:extLst>
   </p:cSld>
   <p:clrMapOvr>
     <a:masterClrMapping/>
@@ -9652,94 +10917,19 @@
           <a:bodyPr/>
           <a:lstStyle/>
           <a:p>
-            <a:r>
-              <a:rPr lang="fr-FR" dirty="0" smtClean="0"/>
-              <a:t>Etat de l’art</a:t>
-            </a:r>
             <a:endParaRPr lang="fr-FR" dirty="0"/>
           </a:p>
         </p:txBody>
       </p:sp>
-      <p:sp>
-        <p:nvSpPr>
-          <p:cNvPr id="3" name="Espace réservé du contenu 2"/>
-          <p:cNvSpPr>
-            <a:spLocks noGrp="1"/>
-          </p:cNvSpPr>
+      <p:pic>
+        <p:nvPicPr>
+          <p:cNvPr id="5" name="Espace réservé du contenu 4"/>
+          <p:cNvPicPr>
+            <a:picLocks noGrp="1" noChangeAspect="1"/>
+          </p:cNvPicPr>
           <p:nvPr>
             <p:ph idx="1"/>
           </p:nvPr>
-        </p:nvSpPr>
-        <p:spPr/>
-        <p:txBody>
-          <a:bodyPr/>
-          <a:lstStyle/>
-          <a:p>
-            <a:r>
-              <a:rPr lang="fr-FR" dirty="0" smtClean="0">
-                <a:sym typeface="Wingdings" panose="05000000000000000000" pitchFamily="2" charset="2"/>
-              </a:rPr>
-              <a:t>1999 : Bruce </a:t>
-            </a:r>
-            <a:r>
-              <a:rPr lang="fr-FR" dirty="0" err="1" smtClean="0">
-                <a:sym typeface="Wingdings" panose="05000000000000000000" pitchFamily="2" charset="2"/>
-              </a:rPr>
-              <a:t>Schneier</a:t>
-            </a:r>
-            <a:r>
-              <a:rPr lang="fr-FR" dirty="0" smtClean="0">
-                <a:sym typeface="Wingdings" panose="05000000000000000000" pitchFamily="2" charset="2"/>
-              </a:rPr>
-              <a:t> </a:t>
-            </a:r>
-            <a:r>
-              <a:rPr lang="fr-FR" dirty="0" smtClean="0">
-                <a:sym typeface="Wingdings" panose="05000000000000000000" pitchFamily="2" charset="2"/>
-              </a:rPr>
-              <a:t>introduit les </a:t>
-            </a:r>
-            <a:r>
-              <a:rPr lang="fr-FR" dirty="0" smtClean="0">
-                <a:sym typeface="Wingdings" panose="05000000000000000000" pitchFamily="2" charset="2"/>
-              </a:rPr>
-              <a:t>arbres d’attaque</a:t>
-            </a:r>
-          </a:p>
-        </p:txBody>
-      </p:sp>
-      <p:sp>
-        <p:nvSpPr>
-          <p:cNvPr id="4" name="Espace réservé du texte 3"/>
-          <p:cNvSpPr>
-            <a:spLocks noGrp="1"/>
-          </p:cNvSpPr>
-          <p:nvPr>
-            <p:ph type="body" sz="quarter" idx="10"/>
-          </p:nvPr>
-        </p:nvSpPr>
-        <p:spPr/>
-        <p:txBody>
-          <a:bodyPr>
-            <a:normAutofit fontScale="92500" lnSpcReduction="20000"/>
-          </a:bodyPr>
-          <a:lstStyle/>
-          <a:p>
-            <a:r>
-              <a:rPr lang="fr-FR" dirty="0" smtClean="0"/>
-              <a:t>Arbres d’attaque</a:t>
-            </a:r>
-            <a:endParaRPr lang="fr-FR" dirty="0"/>
-          </a:p>
-        </p:txBody>
-      </p:sp>
-      <p:pic>
-        <p:nvPicPr>
-          <p:cNvPr id="10" name="Image 9"/>
-          <p:cNvPicPr>
-            <a:picLocks noChangeAspect="1"/>
-          </p:cNvPicPr>
-          <p:nvPr/>
         </p:nvPicPr>
         <p:blipFill>
           <a:blip r:embed="rId3">
@@ -9755,18 +10945,924 @@
         </p:blipFill>
         <p:spPr>
           <a:xfrm>
-            <a:off x="0" y="2164260"/>
-            <a:ext cx="9144000" cy="3568996"/>
+            <a:off x="467544" y="1988840"/>
+            <a:ext cx="8261499" cy="3797940"/>
+          </a:xfrm>
+        </p:spPr>
+      </p:pic>
+      <p:sp>
+        <p:nvSpPr>
+          <p:cNvPr id="4" name="Espace réservé du texte 3"/>
+          <p:cNvSpPr>
+            <a:spLocks noGrp="1"/>
+          </p:cNvSpPr>
+          <p:nvPr>
+            <p:ph type="body" sz="quarter" idx="10"/>
+          </p:nvPr>
+        </p:nvSpPr>
+        <p:spPr/>
+        <p:txBody>
+          <a:bodyPr>
+            <a:normAutofit fontScale="92500" lnSpcReduction="20000"/>
+          </a:bodyPr>
+          <a:lstStyle/>
+          <a:p>
+            <a:r>
+              <a:rPr lang="fr-FR" dirty="0" smtClean="0"/>
+              <a:t>Arbres d’attaque</a:t>
+            </a:r>
+            <a:endParaRPr lang="fr-FR" dirty="0"/>
+          </a:p>
+        </p:txBody>
+      </p:sp>
+      <p:sp>
+        <p:nvSpPr>
+          <p:cNvPr id="3" name="ZoneTexte 2"/>
+          <p:cNvSpPr txBox="1"/>
+          <p:nvPr/>
+        </p:nvSpPr>
+        <p:spPr>
+          <a:xfrm>
+            <a:off x="323528" y="908720"/>
+            <a:ext cx="8568952" cy="677108"/>
           </a:xfrm>
           <a:prstGeom prst="rect">
             <a:avLst/>
           </a:prstGeom>
+          <a:noFill/>
         </p:spPr>
-      </p:pic>
+        <p:txBody>
+          <a:bodyPr wrap="square" rtlCol="0">
+            <a:spAutoFit/>
+          </a:bodyPr>
+          <a:lstStyle/>
+          <a:p>
+            <a:r>
+              <a:rPr lang="fr-FR" sz="2000" b="1" dirty="0" smtClean="0">
+                <a:solidFill>
+                  <a:srgbClr val="004D6F"/>
+                </a:solidFill>
+                <a:latin typeface="Arial" pitchFamily="34" charset="0"/>
+                <a:cs typeface="Arial" pitchFamily="34" charset="0"/>
+                <a:sym typeface="Wingdings" panose="05000000000000000000" pitchFamily="2" charset="2"/>
+              </a:rPr>
+              <a:t>À l’origine : les arbres de défaillance</a:t>
+            </a:r>
+            <a:endParaRPr lang="fr-FR" sz="2000" b="1" dirty="0">
+              <a:solidFill>
+                <a:srgbClr val="004D6F"/>
+              </a:solidFill>
+              <a:latin typeface="Arial" pitchFamily="34" charset="0"/>
+              <a:cs typeface="Arial" pitchFamily="34" charset="0"/>
+              <a:sym typeface="Wingdings" panose="05000000000000000000" pitchFamily="2" charset="2"/>
+            </a:endParaRPr>
+          </a:p>
+          <a:p>
+            <a:endParaRPr lang="fr-FR" dirty="0"/>
+          </a:p>
+        </p:txBody>
+      </p:sp>
     </p:spTree>
     <p:extLst>
       <p:ext uri="{BB962C8B-B14F-4D97-AF65-F5344CB8AC3E}">
         <p14:creationId xmlns:p14="http://schemas.microsoft.com/office/powerpoint/2010/main" val="679461077"/>
+      </p:ext>
+    </p:extLst>
+  </p:cSld>
+  <p:clrMapOvr>
+    <a:masterClrMapping/>
+  </p:clrMapOvr>
+  <p:timing>
+    <p:tnLst>
+      <p:par>
+        <p:cTn id="1" dur="indefinite" restart="never" nodeType="tmRoot"/>
+      </p:par>
+    </p:tnLst>
+  </p:timing>
+</p:sld>
+</file>
+
+<file path=ppt/slides/slide4.xml><?xml version="1.0" encoding="utf-8"?>
+<p:sld xmlns:a="http://schemas.openxmlformats.org/drawingml/2006/main" xmlns:r="http://schemas.openxmlformats.org/officeDocument/2006/relationships" xmlns:p="http://schemas.openxmlformats.org/presentationml/2006/main">
+  <p:cSld>
+    <p:spTree>
+      <p:nvGrpSpPr>
+        <p:cNvPr id="1" name=""/>
+        <p:cNvGrpSpPr/>
+        <p:nvPr/>
+      </p:nvGrpSpPr>
+      <p:grpSpPr>
+        <a:xfrm>
+          <a:off x="0" y="0"/>
+          <a:ext cx="0" cy="0"/>
+          <a:chOff x="0" y="0"/>
+          <a:chExt cx="0" cy="0"/>
+        </a:xfrm>
+      </p:grpSpPr>
+      <p:sp>
+        <p:nvSpPr>
+          <p:cNvPr id="2" name="Titre 1"/>
+          <p:cNvSpPr>
+            <a:spLocks noGrp="1"/>
+          </p:cNvSpPr>
+          <p:nvPr>
+            <p:ph type="title"/>
+          </p:nvPr>
+        </p:nvSpPr>
+        <p:spPr/>
+        <p:txBody>
+          <a:bodyPr/>
+          <a:lstStyle/>
+          <a:p>
+            <a:endParaRPr lang="fr-FR" dirty="0"/>
+          </a:p>
+        </p:txBody>
+      </p:sp>
+      <p:sp>
+        <p:nvSpPr>
+          <p:cNvPr id="3" name="Espace réservé du contenu 2"/>
+          <p:cNvSpPr>
+            <a:spLocks noGrp="1"/>
+          </p:cNvSpPr>
+          <p:nvPr>
+            <p:ph idx="1"/>
+          </p:nvPr>
+        </p:nvSpPr>
+        <p:spPr/>
+        <p:txBody>
+          <a:bodyPr/>
+          <a:lstStyle/>
+          <a:p>
+            <a:r>
+              <a:rPr lang="fr-FR" dirty="0" smtClean="0">
+                <a:sym typeface="Wingdings" panose="05000000000000000000" pitchFamily="2" charset="2"/>
+              </a:rPr>
+              <a:t>1999 : Bruce </a:t>
+            </a:r>
+            <a:r>
+              <a:rPr lang="fr-FR" dirty="0" err="1" smtClean="0">
+                <a:sym typeface="Wingdings" panose="05000000000000000000" pitchFamily="2" charset="2"/>
+              </a:rPr>
+              <a:t>Schneier</a:t>
+            </a:r>
+            <a:r>
+              <a:rPr lang="fr-FR" dirty="0" smtClean="0">
+                <a:sym typeface="Wingdings" panose="05000000000000000000" pitchFamily="2" charset="2"/>
+              </a:rPr>
+              <a:t> introduit les arbres d’attaque</a:t>
+            </a:r>
+          </a:p>
+        </p:txBody>
+      </p:sp>
+      <p:sp>
+        <p:nvSpPr>
+          <p:cNvPr id="4" name="Espace réservé du texte 3"/>
+          <p:cNvSpPr>
+            <a:spLocks noGrp="1"/>
+          </p:cNvSpPr>
+          <p:nvPr>
+            <p:ph type="body" sz="quarter" idx="10"/>
+          </p:nvPr>
+        </p:nvSpPr>
+        <p:spPr/>
+        <p:txBody>
+          <a:bodyPr>
+            <a:normAutofit fontScale="92500" lnSpcReduction="20000"/>
+          </a:bodyPr>
+          <a:lstStyle/>
+          <a:p>
+            <a:r>
+              <a:rPr lang="fr-FR" dirty="0" smtClean="0"/>
+              <a:t>Arbres d’attaque</a:t>
+            </a:r>
+            <a:endParaRPr lang="fr-FR" dirty="0"/>
+          </a:p>
+        </p:txBody>
+      </p:sp>
+      <p:sp>
+        <p:nvSpPr>
+          <p:cNvPr id="5" name="Ellipse 4"/>
+          <p:cNvSpPr/>
+          <p:nvPr/>
+        </p:nvSpPr>
+        <p:spPr>
+          <a:xfrm>
+            <a:off x="3203848" y="1556792"/>
+            <a:ext cx="1728192" cy="864096"/>
+          </a:xfrm>
+          <a:prstGeom prst="ellipse">
+            <a:avLst/>
+          </a:prstGeom>
+          <a:solidFill>
+            <a:schemeClr val="bg1"/>
+          </a:solidFill>
+          <a:ln>
+            <a:solidFill>
+              <a:schemeClr val="accent5"/>
+            </a:solidFill>
+          </a:ln>
+        </p:spPr>
+        <p:style>
+          <a:lnRef idx="2">
+            <a:schemeClr val="accent1">
+              <a:shade val="50000"/>
+            </a:schemeClr>
+          </a:lnRef>
+          <a:fillRef idx="1">
+            <a:schemeClr val="accent1"/>
+          </a:fillRef>
+          <a:effectRef idx="0">
+            <a:schemeClr val="accent1"/>
+          </a:effectRef>
+          <a:fontRef idx="minor">
+            <a:schemeClr val="lt1"/>
+          </a:fontRef>
+        </p:style>
+        <p:txBody>
+          <a:bodyPr rtlCol="0" anchor="ctr"/>
+          <a:lstStyle/>
+          <a:p>
+            <a:pPr algn="ctr"/>
+            <a:endParaRPr lang="fr-FR">
+              <a:solidFill>
+                <a:schemeClr val="bg1"/>
+              </a:solidFill>
+            </a:endParaRPr>
+          </a:p>
+        </p:txBody>
+      </p:sp>
+      <p:sp>
+        <p:nvSpPr>
+          <p:cNvPr id="6" name="ZoneTexte 5"/>
+          <p:cNvSpPr txBox="1"/>
+          <p:nvPr/>
+        </p:nvSpPr>
+        <p:spPr>
+          <a:xfrm>
+            <a:off x="3203848" y="1988840"/>
+            <a:ext cx="1728192" cy="369332"/>
+          </a:xfrm>
+          <a:prstGeom prst="rect">
+            <a:avLst/>
+          </a:prstGeom>
+          <a:noFill/>
+        </p:spPr>
+        <p:txBody>
+          <a:bodyPr wrap="square" rtlCol="0">
+            <a:spAutoFit/>
+          </a:bodyPr>
+          <a:lstStyle/>
+          <a:p>
+            <a:endParaRPr lang="fr-FR" dirty="0"/>
+          </a:p>
+        </p:txBody>
+      </p:sp>
+      <p:sp>
+        <p:nvSpPr>
+          <p:cNvPr id="7" name="ZoneTexte 6"/>
+          <p:cNvSpPr txBox="1"/>
+          <p:nvPr/>
+        </p:nvSpPr>
+        <p:spPr>
+          <a:xfrm>
+            <a:off x="3517393" y="1665674"/>
+            <a:ext cx="1296144" cy="646331"/>
+          </a:xfrm>
+          <a:prstGeom prst="rect">
+            <a:avLst/>
+          </a:prstGeom>
+          <a:noFill/>
+        </p:spPr>
+        <p:txBody>
+          <a:bodyPr wrap="square" rtlCol="0">
+            <a:spAutoFit/>
+          </a:bodyPr>
+          <a:lstStyle/>
+          <a:p>
+            <a:r>
+              <a:rPr lang="fr-FR" dirty="0" smtClean="0"/>
+              <a:t>Paralyser le STAR</a:t>
+            </a:r>
+            <a:endParaRPr lang="fr-FR" dirty="0"/>
+          </a:p>
+        </p:txBody>
+      </p:sp>
+      <p:sp>
+        <p:nvSpPr>
+          <p:cNvPr id="11" name="Ellipse 10"/>
+          <p:cNvSpPr/>
+          <p:nvPr/>
+        </p:nvSpPr>
+        <p:spPr>
+          <a:xfrm>
+            <a:off x="971600" y="2996952"/>
+            <a:ext cx="1728192" cy="864096"/>
+          </a:xfrm>
+          <a:prstGeom prst="ellipse">
+            <a:avLst/>
+          </a:prstGeom>
+          <a:solidFill>
+            <a:schemeClr val="bg1"/>
+          </a:solidFill>
+          <a:ln>
+            <a:solidFill>
+              <a:schemeClr val="accent5"/>
+            </a:solidFill>
+          </a:ln>
+        </p:spPr>
+        <p:style>
+          <a:lnRef idx="2">
+            <a:schemeClr val="accent1">
+              <a:shade val="50000"/>
+            </a:schemeClr>
+          </a:lnRef>
+          <a:fillRef idx="1">
+            <a:schemeClr val="accent1"/>
+          </a:fillRef>
+          <a:effectRef idx="0">
+            <a:schemeClr val="accent1"/>
+          </a:effectRef>
+          <a:fontRef idx="minor">
+            <a:schemeClr val="lt1"/>
+          </a:fontRef>
+        </p:style>
+        <p:txBody>
+          <a:bodyPr rtlCol="0" anchor="ctr"/>
+          <a:lstStyle/>
+          <a:p>
+            <a:pPr algn="ctr"/>
+            <a:endParaRPr lang="fr-FR">
+              <a:solidFill>
+                <a:schemeClr val="bg1"/>
+              </a:solidFill>
+            </a:endParaRPr>
+          </a:p>
+        </p:txBody>
+      </p:sp>
+      <p:sp>
+        <p:nvSpPr>
+          <p:cNvPr id="12" name="Ellipse 11"/>
+          <p:cNvSpPr/>
+          <p:nvPr/>
+        </p:nvSpPr>
+        <p:spPr>
+          <a:xfrm>
+            <a:off x="3203848" y="2996952"/>
+            <a:ext cx="1728192" cy="864096"/>
+          </a:xfrm>
+          <a:prstGeom prst="ellipse">
+            <a:avLst/>
+          </a:prstGeom>
+          <a:solidFill>
+            <a:schemeClr val="bg1"/>
+          </a:solidFill>
+          <a:ln>
+            <a:solidFill>
+              <a:schemeClr val="accent5"/>
+            </a:solidFill>
+          </a:ln>
+        </p:spPr>
+        <p:style>
+          <a:lnRef idx="2">
+            <a:schemeClr val="accent1">
+              <a:shade val="50000"/>
+            </a:schemeClr>
+          </a:lnRef>
+          <a:fillRef idx="1">
+            <a:schemeClr val="accent1"/>
+          </a:fillRef>
+          <a:effectRef idx="0">
+            <a:schemeClr val="accent1"/>
+          </a:effectRef>
+          <a:fontRef idx="minor">
+            <a:schemeClr val="lt1"/>
+          </a:fontRef>
+        </p:style>
+        <p:txBody>
+          <a:bodyPr rtlCol="0" anchor="ctr"/>
+          <a:lstStyle/>
+          <a:p>
+            <a:pPr algn="ctr"/>
+            <a:endParaRPr lang="fr-FR">
+              <a:solidFill>
+                <a:schemeClr val="bg1"/>
+              </a:solidFill>
+            </a:endParaRPr>
+          </a:p>
+        </p:txBody>
+      </p:sp>
+      <p:sp>
+        <p:nvSpPr>
+          <p:cNvPr id="13" name="Ellipse 12"/>
+          <p:cNvSpPr/>
+          <p:nvPr/>
+        </p:nvSpPr>
+        <p:spPr>
+          <a:xfrm>
+            <a:off x="5436096" y="2996952"/>
+            <a:ext cx="2448272" cy="864096"/>
+          </a:xfrm>
+          <a:prstGeom prst="ellipse">
+            <a:avLst/>
+          </a:prstGeom>
+          <a:solidFill>
+            <a:schemeClr val="bg1"/>
+          </a:solidFill>
+          <a:ln>
+            <a:solidFill>
+              <a:schemeClr val="accent5"/>
+            </a:solidFill>
+          </a:ln>
+        </p:spPr>
+        <p:style>
+          <a:lnRef idx="2">
+            <a:schemeClr val="accent1">
+              <a:shade val="50000"/>
+            </a:schemeClr>
+          </a:lnRef>
+          <a:fillRef idx="1">
+            <a:schemeClr val="accent1"/>
+          </a:fillRef>
+          <a:effectRef idx="0">
+            <a:schemeClr val="accent1"/>
+          </a:effectRef>
+          <a:fontRef idx="minor">
+            <a:schemeClr val="lt1"/>
+          </a:fontRef>
+        </p:style>
+        <p:txBody>
+          <a:bodyPr rtlCol="0" anchor="ctr"/>
+          <a:lstStyle/>
+          <a:p>
+            <a:pPr algn="ctr"/>
+            <a:endParaRPr lang="fr-FR">
+              <a:solidFill>
+                <a:schemeClr val="bg1"/>
+              </a:solidFill>
+            </a:endParaRPr>
+          </a:p>
+        </p:txBody>
+      </p:sp>
+      <p:sp>
+        <p:nvSpPr>
+          <p:cNvPr id="14" name="Ellipse 13"/>
+          <p:cNvSpPr/>
+          <p:nvPr/>
+        </p:nvSpPr>
+        <p:spPr>
+          <a:xfrm>
+            <a:off x="6911784" y="4603850"/>
+            <a:ext cx="1728192" cy="864096"/>
+          </a:xfrm>
+          <a:prstGeom prst="ellipse">
+            <a:avLst/>
+          </a:prstGeom>
+          <a:solidFill>
+            <a:schemeClr val="bg1"/>
+          </a:solidFill>
+          <a:ln>
+            <a:solidFill>
+              <a:schemeClr val="accent5"/>
+            </a:solidFill>
+          </a:ln>
+        </p:spPr>
+        <p:style>
+          <a:lnRef idx="2">
+            <a:schemeClr val="accent1">
+              <a:shade val="50000"/>
+            </a:schemeClr>
+          </a:lnRef>
+          <a:fillRef idx="1">
+            <a:schemeClr val="accent1"/>
+          </a:fillRef>
+          <a:effectRef idx="0">
+            <a:schemeClr val="accent1"/>
+          </a:effectRef>
+          <a:fontRef idx="minor">
+            <a:schemeClr val="lt1"/>
+          </a:fontRef>
+        </p:style>
+        <p:txBody>
+          <a:bodyPr rtlCol="0" anchor="ctr"/>
+          <a:lstStyle/>
+          <a:p>
+            <a:pPr algn="ctr"/>
+            <a:endParaRPr lang="fr-FR">
+              <a:solidFill>
+                <a:schemeClr val="bg1"/>
+              </a:solidFill>
+            </a:endParaRPr>
+          </a:p>
+        </p:txBody>
+      </p:sp>
+      <p:sp>
+        <p:nvSpPr>
+          <p:cNvPr id="15" name="Ellipse 14"/>
+          <p:cNvSpPr/>
+          <p:nvPr/>
+        </p:nvSpPr>
+        <p:spPr>
+          <a:xfrm>
+            <a:off x="4805496" y="4603850"/>
+            <a:ext cx="1728192" cy="864096"/>
+          </a:xfrm>
+          <a:prstGeom prst="ellipse">
+            <a:avLst/>
+          </a:prstGeom>
+          <a:solidFill>
+            <a:schemeClr val="bg1"/>
+          </a:solidFill>
+          <a:ln>
+            <a:solidFill>
+              <a:schemeClr val="accent5"/>
+            </a:solidFill>
+          </a:ln>
+        </p:spPr>
+        <p:style>
+          <a:lnRef idx="2">
+            <a:schemeClr val="accent1">
+              <a:shade val="50000"/>
+            </a:schemeClr>
+          </a:lnRef>
+          <a:fillRef idx="1">
+            <a:schemeClr val="accent1"/>
+          </a:fillRef>
+          <a:effectRef idx="0">
+            <a:schemeClr val="accent1"/>
+          </a:effectRef>
+          <a:fontRef idx="minor">
+            <a:schemeClr val="lt1"/>
+          </a:fontRef>
+        </p:style>
+        <p:txBody>
+          <a:bodyPr rtlCol="0" anchor="ctr"/>
+          <a:lstStyle/>
+          <a:p>
+            <a:pPr algn="ctr"/>
+            <a:endParaRPr lang="fr-FR" dirty="0">
+              <a:solidFill>
+                <a:schemeClr val="bg1"/>
+              </a:solidFill>
+            </a:endParaRPr>
+          </a:p>
+        </p:txBody>
+      </p:sp>
+      <p:sp>
+        <p:nvSpPr>
+          <p:cNvPr id="9" name="ZoneTexte 8"/>
+          <p:cNvSpPr txBox="1"/>
+          <p:nvPr/>
+        </p:nvSpPr>
+        <p:spPr>
+          <a:xfrm>
+            <a:off x="1238158" y="3105834"/>
+            <a:ext cx="1296144" cy="646331"/>
+          </a:xfrm>
+          <a:prstGeom prst="rect">
+            <a:avLst/>
+          </a:prstGeom>
+          <a:noFill/>
+        </p:spPr>
+        <p:txBody>
+          <a:bodyPr wrap="square" rtlCol="0">
+            <a:spAutoFit/>
+          </a:bodyPr>
+          <a:lstStyle/>
+          <a:p>
+            <a:r>
+              <a:rPr lang="fr-FR" dirty="0" smtClean="0"/>
+              <a:t>Couper l’</a:t>
+            </a:r>
+            <a:r>
+              <a:rPr lang="fr-FR" dirty="0"/>
+              <a:t>é</a:t>
+            </a:r>
+            <a:r>
+              <a:rPr lang="fr-FR" dirty="0" smtClean="0"/>
+              <a:t>lectricité</a:t>
+            </a:r>
+            <a:endParaRPr lang="fr-FR" dirty="0"/>
+          </a:p>
+        </p:txBody>
+      </p:sp>
+      <p:sp>
+        <p:nvSpPr>
+          <p:cNvPr id="16" name="ZoneTexte 15"/>
+          <p:cNvSpPr txBox="1"/>
+          <p:nvPr/>
+        </p:nvSpPr>
+        <p:spPr>
+          <a:xfrm>
+            <a:off x="3602157" y="3105834"/>
+            <a:ext cx="1126615" cy="646331"/>
+          </a:xfrm>
+          <a:prstGeom prst="rect">
+            <a:avLst/>
+          </a:prstGeom>
+          <a:noFill/>
+        </p:spPr>
+        <p:txBody>
+          <a:bodyPr wrap="square" rtlCol="0">
+            <a:spAutoFit/>
+          </a:bodyPr>
+          <a:lstStyle/>
+          <a:p>
+            <a:r>
+              <a:rPr lang="fr-FR" dirty="0" smtClean="0"/>
+              <a:t>Bloquer les rues</a:t>
+            </a:r>
+            <a:endParaRPr lang="fr-FR" dirty="0"/>
+          </a:p>
+        </p:txBody>
+      </p:sp>
+      <p:sp>
+        <p:nvSpPr>
+          <p:cNvPr id="17" name="ZoneTexte 16"/>
+          <p:cNvSpPr txBox="1"/>
+          <p:nvPr/>
+        </p:nvSpPr>
+        <p:spPr>
+          <a:xfrm>
+            <a:off x="5796136" y="3105834"/>
+            <a:ext cx="2088232" cy="646331"/>
+          </a:xfrm>
+          <a:prstGeom prst="rect">
+            <a:avLst/>
+          </a:prstGeom>
+          <a:noFill/>
+        </p:spPr>
+        <p:txBody>
+          <a:bodyPr wrap="square" rtlCol="0">
+            <a:spAutoFit/>
+          </a:bodyPr>
+          <a:lstStyle/>
+          <a:p>
+            <a:r>
+              <a:rPr lang="fr-FR" dirty="0" smtClean="0"/>
+              <a:t>Bloquer le réseau informatique</a:t>
+            </a:r>
+            <a:endParaRPr lang="fr-FR" dirty="0"/>
+          </a:p>
+        </p:txBody>
+      </p:sp>
+      <p:sp>
+        <p:nvSpPr>
+          <p:cNvPr id="18" name="ZoneTexte 17"/>
+          <p:cNvSpPr txBox="1"/>
+          <p:nvPr/>
+        </p:nvSpPr>
+        <p:spPr>
+          <a:xfrm>
+            <a:off x="5112060" y="4690010"/>
+            <a:ext cx="1368152" cy="646331"/>
+          </a:xfrm>
+          <a:prstGeom prst="rect">
+            <a:avLst/>
+          </a:prstGeom>
+          <a:noFill/>
+        </p:spPr>
+        <p:txBody>
+          <a:bodyPr wrap="square" rtlCol="0">
+            <a:spAutoFit/>
+          </a:bodyPr>
+          <a:lstStyle/>
+          <a:p>
+            <a:r>
+              <a:rPr lang="fr-FR" dirty="0" smtClean="0"/>
+              <a:t>Pirater le réseau</a:t>
+            </a:r>
+            <a:endParaRPr lang="fr-FR" dirty="0"/>
+          </a:p>
+        </p:txBody>
+      </p:sp>
+      <p:sp>
+        <p:nvSpPr>
+          <p:cNvPr id="19" name="ZoneTexte 18"/>
+          <p:cNvSpPr txBox="1"/>
+          <p:nvPr/>
+        </p:nvSpPr>
+        <p:spPr>
+          <a:xfrm>
+            <a:off x="7207466" y="4725144"/>
+            <a:ext cx="1296144" cy="646331"/>
+          </a:xfrm>
+          <a:prstGeom prst="rect">
+            <a:avLst/>
+          </a:prstGeom>
+          <a:noFill/>
+        </p:spPr>
+        <p:txBody>
+          <a:bodyPr wrap="square" rtlCol="0">
+            <a:spAutoFit/>
+          </a:bodyPr>
+          <a:lstStyle/>
+          <a:p>
+            <a:r>
+              <a:rPr lang="fr-FR" dirty="0" smtClean="0"/>
+              <a:t>Couper le système</a:t>
+            </a:r>
+            <a:endParaRPr lang="fr-FR" dirty="0"/>
+          </a:p>
+        </p:txBody>
+      </p:sp>
+      <p:cxnSp>
+        <p:nvCxnSpPr>
+          <p:cNvPr id="21" name="Connecteur droit 20"/>
+          <p:cNvCxnSpPr>
+            <a:endCxn id="11" idx="0"/>
+          </p:cNvCxnSpPr>
+          <p:nvPr/>
+        </p:nvCxnSpPr>
+        <p:spPr>
+          <a:xfrm flipH="1">
+            <a:off x="1835696" y="2312005"/>
+            <a:ext cx="1681697" cy="684947"/>
+          </a:xfrm>
+          <a:prstGeom prst="line">
+            <a:avLst/>
+          </a:prstGeom>
+        </p:spPr>
+        <p:style>
+          <a:lnRef idx="1">
+            <a:schemeClr val="accent1"/>
+          </a:lnRef>
+          <a:fillRef idx="0">
+            <a:schemeClr val="accent1"/>
+          </a:fillRef>
+          <a:effectRef idx="0">
+            <a:schemeClr val="accent1"/>
+          </a:effectRef>
+          <a:fontRef idx="minor">
+            <a:schemeClr val="tx1"/>
+          </a:fontRef>
+        </p:style>
+      </p:cxnSp>
+      <p:cxnSp>
+        <p:nvCxnSpPr>
+          <p:cNvPr id="24" name="Connecteur droit 23"/>
+          <p:cNvCxnSpPr>
+            <a:stCxn id="5" idx="4"/>
+            <a:endCxn id="12" idx="0"/>
+          </p:cNvCxnSpPr>
+          <p:nvPr/>
+        </p:nvCxnSpPr>
+        <p:spPr>
+          <a:xfrm>
+            <a:off x="4067944" y="2420888"/>
+            <a:ext cx="0" cy="576064"/>
+          </a:xfrm>
+          <a:prstGeom prst="line">
+            <a:avLst/>
+          </a:prstGeom>
+        </p:spPr>
+        <p:style>
+          <a:lnRef idx="1">
+            <a:schemeClr val="accent1"/>
+          </a:lnRef>
+          <a:fillRef idx="0">
+            <a:schemeClr val="accent1"/>
+          </a:fillRef>
+          <a:effectRef idx="0">
+            <a:schemeClr val="accent1"/>
+          </a:effectRef>
+          <a:fontRef idx="minor">
+            <a:schemeClr val="tx1"/>
+          </a:fontRef>
+        </p:style>
+      </p:cxnSp>
+      <p:cxnSp>
+        <p:nvCxnSpPr>
+          <p:cNvPr id="31" name="Connecteur droit 30"/>
+          <p:cNvCxnSpPr>
+            <a:stCxn id="5" idx="5"/>
+            <a:endCxn id="13" idx="0"/>
+          </p:cNvCxnSpPr>
+          <p:nvPr/>
+        </p:nvCxnSpPr>
+        <p:spPr>
+          <a:xfrm>
+            <a:off x="4678952" y="2294344"/>
+            <a:ext cx="1981280" cy="702608"/>
+          </a:xfrm>
+          <a:prstGeom prst="line">
+            <a:avLst/>
+          </a:prstGeom>
+        </p:spPr>
+        <p:style>
+          <a:lnRef idx="1">
+            <a:schemeClr val="accent1"/>
+          </a:lnRef>
+          <a:fillRef idx="0">
+            <a:schemeClr val="accent1"/>
+          </a:fillRef>
+          <a:effectRef idx="0">
+            <a:schemeClr val="accent1"/>
+          </a:effectRef>
+          <a:fontRef idx="minor">
+            <a:schemeClr val="tx1"/>
+          </a:fontRef>
+        </p:style>
+      </p:cxnSp>
+      <p:cxnSp>
+        <p:nvCxnSpPr>
+          <p:cNvPr id="34" name="Connecteur droit 33"/>
+          <p:cNvCxnSpPr>
+            <a:stCxn id="13" idx="4"/>
+            <a:endCxn id="15" idx="0"/>
+          </p:cNvCxnSpPr>
+          <p:nvPr/>
+        </p:nvCxnSpPr>
+        <p:spPr>
+          <a:xfrm flipH="1">
+            <a:off x="5669592" y="3861048"/>
+            <a:ext cx="990640" cy="742802"/>
+          </a:xfrm>
+          <a:prstGeom prst="line">
+            <a:avLst/>
+          </a:prstGeom>
+        </p:spPr>
+        <p:style>
+          <a:lnRef idx="1">
+            <a:schemeClr val="accent1"/>
+          </a:lnRef>
+          <a:fillRef idx="0">
+            <a:schemeClr val="accent1"/>
+          </a:fillRef>
+          <a:effectRef idx="0">
+            <a:schemeClr val="accent1"/>
+          </a:effectRef>
+          <a:fontRef idx="minor">
+            <a:schemeClr val="tx1"/>
+          </a:fontRef>
+        </p:style>
+      </p:cxnSp>
+      <p:cxnSp>
+        <p:nvCxnSpPr>
+          <p:cNvPr id="37" name="Connecteur droit 36"/>
+          <p:cNvCxnSpPr>
+            <a:stCxn id="13" idx="4"/>
+            <a:endCxn id="14" idx="0"/>
+          </p:cNvCxnSpPr>
+          <p:nvPr/>
+        </p:nvCxnSpPr>
+        <p:spPr>
+          <a:xfrm>
+            <a:off x="6660232" y="3861048"/>
+            <a:ext cx="1115648" cy="742802"/>
+          </a:xfrm>
+          <a:prstGeom prst="line">
+            <a:avLst/>
+          </a:prstGeom>
+        </p:spPr>
+        <p:style>
+          <a:lnRef idx="1">
+            <a:schemeClr val="accent1"/>
+          </a:lnRef>
+          <a:fillRef idx="0">
+            <a:schemeClr val="accent1"/>
+          </a:fillRef>
+          <a:effectRef idx="0">
+            <a:schemeClr val="accent1"/>
+          </a:effectRef>
+          <a:fontRef idx="minor">
+            <a:schemeClr val="tx1"/>
+          </a:fontRef>
+        </p:style>
+      </p:cxnSp>
+      <p:cxnSp>
+        <p:nvCxnSpPr>
+          <p:cNvPr id="43" name="Connecteur droit 42"/>
+          <p:cNvCxnSpPr/>
+          <p:nvPr/>
+        </p:nvCxnSpPr>
+        <p:spPr>
+          <a:xfrm>
+            <a:off x="6164912" y="4232449"/>
+            <a:ext cx="1053144" cy="0"/>
+          </a:xfrm>
+          <a:prstGeom prst="line">
+            <a:avLst/>
+          </a:prstGeom>
+        </p:spPr>
+        <p:style>
+          <a:lnRef idx="1">
+            <a:schemeClr val="accent1"/>
+          </a:lnRef>
+          <a:fillRef idx="0">
+            <a:schemeClr val="accent1"/>
+          </a:fillRef>
+          <a:effectRef idx="0">
+            <a:schemeClr val="accent1"/>
+          </a:effectRef>
+          <a:fontRef idx="minor">
+            <a:schemeClr val="tx1"/>
+          </a:fontRef>
+        </p:style>
+      </p:cxnSp>
+    </p:spTree>
+    <p:extLst>
+      <p:ext uri="{BB962C8B-B14F-4D97-AF65-F5344CB8AC3E}">
+        <p14:creationId xmlns:p14="http://schemas.microsoft.com/office/powerpoint/2010/main" val="591009025"/>
       </p:ext>
     </p:extLst>
   </p:cSld>
@@ -9807,11 +11903,34 @@
                                           </p:stCondLst>
                                         </p:cTn>
                                         <p:tgtEl>
-                                          <p:spTgt spid="3">
-                                            <p:txEl>
-                                              <p:pRg st="0" end="0"/>
-                                            </p:txEl>
-                                          </p:spTgt>
+                                          <p:spTgt spid="5"/>
+                                        </p:tgtEl>
+                                        <p:attrNameLst>
+                                          <p:attrName>style.visibility</p:attrName>
+                                        </p:attrNameLst>
+                                      </p:cBhvr>
+                                      <p:to>
+                                        <p:strVal val="visible"/>
+                                      </p:to>
+                                    </p:set>
+                                  </p:childTnLst>
+                                </p:cTn>
+                              </p:par>
+                              <p:par>
+                                <p:cTn id="7" presetID="1" presetClass="entr" presetSubtype="0" fill="hold" grpId="0" nodeType="withEffect">
+                                  <p:stCondLst>
+                                    <p:cond delay="0"/>
+                                  </p:stCondLst>
+                                  <p:childTnLst>
+                                    <p:set>
+                                      <p:cBhvr>
+                                        <p:cTn id="8" dur="1" fill="hold">
+                                          <p:stCondLst>
+                                            <p:cond delay="0"/>
+                                          </p:stCondLst>
+                                        </p:cTn>
+                                        <p:tgtEl>
+                                          <p:spTgt spid="7"/>
                                         </p:tgtEl>
                                         <p:attrNameLst>
                                           <p:attrName>style.visibility</p:attrName>
@@ -9831,32 +11950,455 @@
                     </p:cTn>
                   </p:par>
                   <p:par>
-                    <p:cTn id="7" fill="hold">
+                    <p:cTn id="9" fill="hold">
                       <p:stCondLst>
                         <p:cond delay="indefinite"/>
                       </p:stCondLst>
                       <p:childTnLst>
                         <p:par>
-                          <p:cTn id="8" fill="hold">
+                          <p:cTn id="10" fill="hold">
                             <p:stCondLst>
                               <p:cond delay="0"/>
                             </p:stCondLst>
                             <p:childTnLst>
                               <p:par>
-                                <p:cTn id="9" presetID="1" presetClass="entr" presetSubtype="0" fill="hold" nodeType="clickEffect">
+                                <p:cTn id="11" presetID="1" presetClass="entr" presetSubtype="0" fill="hold" nodeType="clickEffect">
                                   <p:stCondLst>
                                     <p:cond delay="0"/>
                                   </p:stCondLst>
                                   <p:childTnLst>
                                     <p:set>
                                       <p:cBhvr>
-                                        <p:cTn id="10" dur="1" fill="hold">
+                                        <p:cTn id="12" dur="1" fill="hold">
                                           <p:stCondLst>
                                             <p:cond delay="0"/>
                                           </p:stCondLst>
                                         </p:cTn>
                                         <p:tgtEl>
-                                          <p:spTgt spid="10"/>
+                                          <p:spTgt spid="21"/>
+                                        </p:tgtEl>
+                                        <p:attrNameLst>
+                                          <p:attrName>style.visibility</p:attrName>
+                                        </p:attrNameLst>
+                                      </p:cBhvr>
+                                      <p:to>
+                                        <p:strVal val="visible"/>
+                                      </p:to>
+                                    </p:set>
+                                  </p:childTnLst>
+                                </p:cTn>
+                              </p:par>
+                              <p:par>
+                                <p:cTn id="13" presetID="1" presetClass="entr" presetSubtype="0" fill="hold" nodeType="withEffect">
+                                  <p:stCondLst>
+                                    <p:cond delay="0"/>
+                                  </p:stCondLst>
+                                  <p:childTnLst>
+                                    <p:set>
+                                      <p:cBhvr>
+                                        <p:cTn id="14" dur="1" fill="hold">
+                                          <p:stCondLst>
+                                            <p:cond delay="0"/>
+                                          </p:stCondLst>
+                                        </p:cTn>
+                                        <p:tgtEl>
+                                          <p:spTgt spid="24"/>
+                                        </p:tgtEl>
+                                        <p:attrNameLst>
+                                          <p:attrName>style.visibility</p:attrName>
+                                        </p:attrNameLst>
+                                      </p:cBhvr>
+                                      <p:to>
+                                        <p:strVal val="visible"/>
+                                      </p:to>
+                                    </p:set>
+                                  </p:childTnLst>
+                                </p:cTn>
+                              </p:par>
+                              <p:par>
+                                <p:cTn id="15" presetID="1" presetClass="entr" presetSubtype="0" fill="hold" nodeType="withEffect">
+                                  <p:stCondLst>
+                                    <p:cond delay="0"/>
+                                  </p:stCondLst>
+                                  <p:childTnLst>
+                                    <p:set>
+                                      <p:cBhvr>
+                                        <p:cTn id="16" dur="1" fill="hold">
+                                          <p:stCondLst>
+                                            <p:cond delay="0"/>
+                                          </p:stCondLst>
+                                        </p:cTn>
+                                        <p:tgtEl>
+                                          <p:spTgt spid="31"/>
+                                        </p:tgtEl>
+                                        <p:attrNameLst>
+                                          <p:attrName>style.visibility</p:attrName>
+                                        </p:attrNameLst>
+                                      </p:cBhvr>
+                                      <p:to>
+                                        <p:strVal val="visible"/>
+                                      </p:to>
+                                    </p:set>
+                                  </p:childTnLst>
+                                </p:cTn>
+                              </p:par>
+                              <p:par>
+                                <p:cTn id="17" presetID="1" presetClass="entr" presetSubtype="0" fill="hold" grpId="0" nodeType="withEffect">
+                                  <p:stCondLst>
+                                    <p:cond delay="0"/>
+                                  </p:stCondLst>
+                                  <p:childTnLst>
+                                    <p:set>
+                                      <p:cBhvr>
+                                        <p:cTn id="18" dur="1" fill="hold">
+                                          <p:stCondLst>
+                                            <p:cond delay="0"/>
+                                          </p:stCondLst>
+                                        </p:cTn>
+                                        <p:tgtEl>
+                                          <p:spTgt spid="11"/>
+                                        </p:tgtEl>
+                                        <p:attrNameLst>
+                                          <p:attrName>style.visibility</p:attrName>
+                                        </p:attrNameLst>
+                                      </p:cBhvr>
+                                      <p:to>
+                                        <p:strVal val="visible"/>
+                                      </p:to>
+                                    </p:set>
+                                  </p:childTnLst>
+                                </p:cTn>
+                              </p:par>
+                              <p:par>
+                                <p:cTn id="19" presetID="1" presetClass="entr" presetSubtype="0" fill="hold" grpId="0" nodeType="withEffect">
+                                  <p:stCondLst>
+                                    <p:cond delay="0"/>
+                                  </p:stCondLst>
+                                  <p:childTnLst>
+                                    <p:set>
+                                      <p:cBhvr>
+                                        <p:cTn id="20" dur="1" fill="hold">
+                                          <p:stCondLst>
+                                            <p:cond delay="0"/>
+                                          </p:stCondLst>
+                                        </p:cTn>
+                                        <p:tgtEl>
+                                          <p:spTgt spid="12"/>
+                                        </p:tgtEl>
+                                        <p:attrNameLst>
+                                          <p:attrName>style.visibility</p:attrName>
+                                        </p:attrNameLst>
+                                      </p:cBhvr>
+                                      <p:to>
+                                        <p:strVal val="visible"/>
+                                      </p:to>
+                                    </p:set>
+                                  </p:childTnLst>
+                                </p:cTn>
+                              </p:par>
+                              <p:par>
+                                <p:cTn id="21" presetID="1" presetClass="entr" presetSubtype="0" fill="hold" grpId="0" nodeType="withEffect">
+                                  <p:stCondLst>
+                                    <p:cond delay="0"/>
+                                  </p:stCondLst>
+                                  <p:childTnLst>
+                                    <p:set>
+                                      <p:cBhvr>
+                                        <p:cTn id="22" dur="1" fill="hold">
+                                          <p:stCondLst>
+                                            <p:cond delay="0"/>
+                                          </p:stCondLst>
+                                        </p:cTn>
+                                        <p:tgtEl>
+                                          <p:spTgt spid="13"/>
+                                        </p:tgtEl>
+                                        <p:attrNameLst>
+                                          <p:attrName>style.visibility</p:attrName>
+                                        </p:attrNameLst>
+                                      </p:cBhvr>
+                                      <p:to>
+                                        <p:strVal val="visible"/>
+                                      </p:to>
+                                    </p:set>
+                                  </p:childTnLst>
+                                </p:cTn>
+                              </p:par>
+                              <p:par>
+                                <p:cTn id="23" presetID="1" presetClass="entr" presetSubtype="0" fill="hold" grpId="0" nodeType="withEffect">
+                                  <p:stCondLst>
+                                    <p:cond delay="0"/>
+                                  </p:stCondLst>
+                                  <p:childTnLst>
+                                    <p:set>
+                                      <p:cBhvr>
+                                        <p:cTn id="24" dur="1" fill="hold">
+                                          <p:stCondLst>
+                                            <p:cond delay="0"/>
+                                          </p:stCondLst>
+                                        </p:cTn>
+                                        <p:tgtEl>
+                                          <p:spTgt spid="16"/>
+                                        </p:tgtEl>
+                                        <p:attrNameLst>
+                                          <p:attrName>style.visibility</p:attrName>
+                                        </p:attrNameLst>
+                                      </p:cBhvr>
+                                      <p:to>
+                                        <p:strVal val="visible"/>
+                                      </p:to>
+                                    </p:set>
+                                  </p:childTnLst>
+                                </p:cTn>
+                              </p:par>
+                              <p:par>
+                                <p:cTn id="25" presetID="1" presetClass="entr" presetSubtype="0" fill="hold" grpId="0" nodeType="withEffect">
+                                  <p:stCondLst>
+                                    <p:cond delay="0"/>
+                                  </p:stCondLst>
+                                  <p:childTnLst>
+                                    <p:set>
+                                      <p:cBhvr>
+                                        <p:cTn id="26" dur="1" fill="hold">
+                                          <p:stCondLst>
+                                            <p:cond delay="0"/>
+                                          </p:stCondLst>
+                                        </p:cTn>
+                                        <p:tgtEl>
+                                          <p:spTgt spid="9"/>
+                                        </p:tgtEl>
+                                        <p:attrNameLst>
+                                          <p:attrName>style.visibility</p:attrName>
+                                        </p:attrNameLst>
+                                      </p:cBhvr>
+                                      <p:to>
+                                        <p:strVal val="visible"/>
+                                      </p:to>
+                                    </p:set>
+                                  </p:childTnLst>
+                                </p:cTn>
+                              </p:par>
+                              <p:par>
+                                <p:cTn id="27" presetID="1" presetClass="entr" presetSubtype="0" fill="hold" grpId="0" nodeType="withEffect">
+                                  <p:stCondLst>
+                                    <p:cond delay="0"/>
+                                  </p:stCondLst>
+                                  <p:childTnLst>
+                                    <p:set>
+                                      <p:cBhvr>
+                                        <p:cTn id="28" dur="1" fill="hold">
+                                          <p:stCondLst>
+                                            <p:cond delay="0"/>
+                                          </p:stCondLst>
+                                        </p:cTn>
+                                        <p:tgtEl>
+                                          <p:spTgt spid="17"/>
+                                        </p:tgtEl>
+                                        <p:attrNameLst>
+                                          <p:attrName>style.visibility</p:attrName>
+                                        </p:attrNameLst>
+                                      </p:cBhvr>
+                                      <p:to>
+                                        <p:strVal val="visible"/>
+                                      </p:to>
+                                    </p:set>
+                                  </p:childTnLst>
+                                </p:cTn>
+                              </p:par>
+                            </p:childTnLst>
+                          </p:cTn>
+                        </p:par>
+                      </p:childTnLst>
+                    </p:cTn>
+                  </p:par>
+                  <p:par>
+                    <p:cTn id="29" fill="hold">
+                      <p:stCondLst>
+                        <p:cond delay="indefinite"/>
+                      </p:stCondLst>
+                      <p:childTnLst>
+                        <p:par>
+                          <p:cTn id="30" fill="hold">
+                            <p:stCondLst>
+                              <p:cond delay="0"/>
+                            </p:stCondLst>
+                            <p:childTnLst>
+                              <p:par>
+                                <p:cTn id="31" presetID="1" presetClass="entr" presetSubtype="0" fill="hold" grpId="0" nodeType="clickEffect">
+                                  <p:stCondLst>
+                                    <p:cond delay="0"/>
+                                  </p:stCondLst>
+                                  <p:childTnLst>
+                                    <p:set>
+                                      <p:cBhvr>
+                                        <p:cTn id="32" dur="1" fill="hold">
+                                          <p:stCondLst>
+                                            <p:cond delay="0"/>
+                                          </p:stCondLst>
+                                        </p:cTn>
+                                        <p:tgtEl>
+                                          <p:spTgt spid="15"/>
+                                        </p:tgtEl>
+                                        <p:attrNameLst>
+                                          <p:attrName>style.visibility</p:attrName>
+                                        </p:attrNameLst>
+                                      </p:cBhvr>
+                                      <p:to>
+                                        <p:strVal val="visible"/>
+                                      </p:to>
+                                    </p:set>
+                                  </p:childTnLst>
+                                </p:cTn>
+                              </p:par>
+                              <p:par>
+                                <p:cTn id="33" presetID="1" presetClass="entr" presetSubtype="0" fill="hold" grpId="0" nodeType="withEffect">
+                                  <p:stCondLst>
+                                    <p:cond delay="0"/>
+                                  </p:stCondLst>
+                                  <p:childTnLst>
+                                    <p:set>
+                                      <p:cBhvr>
+                                        <p:cTn id="34" dur="1" fill="hold">
+                                          <p:stCondLst>
+                                            <p:cond delay="0"/>
+                                          </p:stCondLst>
+                                        </p:cTn>
+                                        <p:tgtEl>
+                                          <p:spTgt spid="14"/>
+                                        </p:tgtEl>
+                                        <p:attrNameLst>
+                                          <p:attrName>style.visibility</p:attrName>
+                                        </p:attrNameLst>
+                                      </p:cBhvr>
+                                      <p:to>
+                                        <p:strVal val="visible"/>
+                                      </p:to>
+                                    </p:set>
+                                  </p:childTnLst>
+                                </p:cTn>
+                              </p:par>
+                              <p:par>
+                                <p:cTn id="35" presetID="1" presetClass="entr" presetSubtype="0" fill="hold" grpId="0" nodeType="withEffect">
+                                  <p:stCondLst>
+                                    <p:cond delay="0"/>
+                                  </p:stCondLst>
+                                  <p:childTnLst>
+                                    <p:set>
+                                      <p:cBhvr>
+                                        <p:cTn id="36" dur="1" fill="hold">
+                                          <p:stCondLst>
+                                            <p:cond delay="0"/>
+                                          </p:stCondLst>
+                                        </p:cTn>
+                                        <p:tgtEl>
+                                          <p:spTgt spid="18"/>
+                                        </p:tgtEl>
+                                        <p:attrNameLst>
+                                          <p:attrName>style.visibility</p:attrName>
+                                        </p:attrNameLst>
+                                      </p:cBhvr>
+                                      <p:to>
+                                        <p:strVal val="visible"/>
+                                      </p:to>
+                                    </p:set>
+                                  </p:childTnLst>
+                                </p:cTn>
+                              </p:par>
+                              <p:par>
+                                <p:cTn id="37" presetID="1" presetClass="entr" presetSubtype="0" fill="hold" grpId="0" nodeType="withEffect">
+                                  <p:stCondLst>
+                                    <p:cond delay="0"/>
+                                  </p:stCondLst>
+                                  <p:childTnLst>
+                                    <p:set>
+                                      <p:cBhvr>
+                                        <p:cTn id="38" dur="1" fill="hold">
+                                          <p:stCondLst>
+                                            <p:cond delay="0"/>
+                                          </p:stCondLst>
+                                        </p:cTn>
+                                        <p:tgtEl>
+                                          <p:spTgt spid="19"/>
+                                        </p:tgtEl>
+                                        <p:attrNameLst>
+                                          <p:attrName>style.visibility</p:attrName>
+                                        </p:attrNameLst>
+                                      </p:cBhvr>
+                                      <p:to>
+                                        <p:strVal val="visible"/>
+                                      </p:to>
+                                    </p:set>
+                                  </p:childTnLst>
+                                </p:cTn>
+                              </p:par>
+                              <p:par>
+                                <p:cTn id="39" presetID="1" presetClass="entr" presetSubtype="0" fill="hold" nodeType="withEffect">
+                                  <p:stCondLst>
+                                    <p:cond delay="0"/>
+                                  </p:stCondLst>
+                                  <p:childTnLst>
+                                    <p:set>
+                                      <p:cBhvr>
+                                        <p:cTn id="40" dur="1" fill="hold">
+                                          <p:stCondLst>
+                                            <p:cond delay="0"/>
+                                          </p:stCondLst>
+                                        </p:cTn>
+                                        <p:tgtEl>
+                                          <p:spTgt spid="34"/>
+                                        </p:tgtEl>
+                                        <p:attrNameLst>
+                                          <p:attrName>style.visibility</p:attrName>
+                                        </p:attrNameLst>
+                                      </p:cBhvr>
+                                      <p:to>
+                                        <p:strVal val="visible"/>
+                                      </p:to>
+                                    </p:set>
+                                  </p:childTnLst>
+                                </p:cTn>
+                              </p:par>
+                              <p:par>
+                                <p:cTn id="41" presetID="1" presetClass="entr" presetSubtype="0" fill="hold" nodeType="withEffect">
+                                  <p:stCondLst>
+                                    <p:cond delay="0"/>
+                                  </p:stCondLst>
+                                  <p:childTnLst>
+                                    <p:set>
+                                      <p:cBhvr>
+                                        <p:cTn id="42" dur="1" fill="hold">
+                                          <p:stCondLst>
+                                            <p:cond delay="0"/>
+                                          </p:stCondLst>
+                                        </p:cTn>
+                                        <p:tgtEl>
+                                          <p:spTgt spid="37"/>
+                                        </p:tgtEl>
+                                        <p:attrNameLst>
+                                          <p:attrName>style.visibility</p:attrName>
+                                        </p:attrNameLst>
+                                      </p:cBhvr>
+                                      <p:to>
+                                        <p:strVal val="visible"/>
+                                      </p:to>
+                                    </p:set>
+                                  </p:childTnLst>
+                                </p:cTn>
+                              </p:par>
+                              <p:par>
+                                <p:cTn id="43" presetID="1" presetClass="entr" presetSubtype="0" fill="hold" nodeType="withEffect">
+                                  <p:stCondLst>
+                                    <p:cond delay="0"/>
+                                  </p:stCondLst>
+                                  <p:childTnLst>
+                                    <p:set>
+                                      <p:cBhvr>
+                                        <p:cTn id="44" dur="1" fill="hold">
+                                          <p:stCondLst>
+                                            <p:cond delay="0"/>
+                                          </p:stCondLst>
+                                        </p:cTn>
+                                        <p:tgtEl>
+                                          <p:spTgt spid="43"/>
                                         </p:tgtEl>
                                         <p:attrNameLst>
                                           <p:attrName>style.visibility</p:attrName>
@@ -9897,13 +12439,24 @@
       </p:par>
     </p:tnLst>
     <p:bldLst>
-      <p:bldP spid="3" grpId="0" build="p"/>
+      <p:bldP spid="5" grpId="0" animBg="1"/>
+      <p:bldP spid="7" grpId="0"/>
+      <p:bldP spid="11" grpId="0" animBg="1"/>
+      <p:bldP spid="12" grpId="0" animBg="1"/>
+      <p:bldP spid="13" grpId="0" animBg="1"/>
+      <p:bldP spid="14" grpId="0" animBg="1"/>
+      <p:bldP spid="15" grpId="0" animBg="1"/>
+      <p:bldP spid="9" grpId="0"/>
+      <p:bldP spid="16" grpId="0"/>
+      <p:bldP spid="17" grpId="0"/>
+      <p:bldP spid="18" grpId="0"/>
+      <p:bldP spid="19" grpId="0"/>
     </p:bldLst>
   </p:timing>
 </p:sld>
 </file>
 
-<file path=ppt/slides/slide4.xml><?xml version="1.0" encoding="utf-8"?>
+<file path=ppt/slides/slide5.xml><?xml version="1.0" encoding="utf-8"?>
 <p:sld xmlns:a="http://schemas.openxmlformats.org/drawingml/2006/main" xmlns:r="http://schemas.openxmlformats.org/officeDocument/2006/relationships" xmlns:p="http://schemas.openxmlformats.org/presentationml/2006/main">
   <p:cSld>
     <p:spTree>
@@ -9935,10 +12488,6 @@
           <a:bodyPr/>
           <a:lstStyle/>
           <a:p>
-            <a:r>
-              <a:rPr lang="fr-FR" dirty="0" smtClean="0"/>
-              <a:t>Etat de l’art</a:t>
-            </a:r>
             <a:endParaRPr lang="fr-FR" dirty="0"/>
           </a:p>
         </p:txBody>
@@ -9953,43 +12502,22 @@
             <p:ph idx="1"/>
           </p:nvPr>
         </p:nvSpPr>
-        <p:spPr/>
+        <p:spPr>
+          <a:xfrm>
+            <a:off x="539552" y="836712"/>
+            <a:ext cx="8254200" cy="5687761"/>
+          </a:xfrm>
+        </p:spPr>
         <p:txBody>
           <a:bodyPr/>
           <a:lstStyle/>
           <a:p>
-            <a:r>
-              <a:rPr lang="fr-FR" dirty="0" smtClean="0"/>
-              <a:t>Le concept </a:t>
-            </a:r>
-            <a:r>
-              <a:rPr lang="fr-FR" dirty="0"/>
-              <a:t>a </a:t>
-            </a:r>
-            <a:r>
-              <a:rPr lang="fr-FR" dirty="0" smtClean="0"/>
-              <a:t>évolué</a:t>
-            </a:r>
             <a:r>
               <a:rPr lang="fr-FR" dirty="0" smtClean="0">
                 <a:sym typeface="Wingdings" panose="05000000000000000000" pitchFamily="2" charset="2"/>
               </a:rPr>
-              <a:t> en arbres </a:t>
-            </a:r>
-            <a:r>
-              <a:rPr lang="fr-FR" dirty="0">
-                <a:sym typeface="Wingdings" panose="05000000000000000000" pitchFamily="2" charset="2"/>
-              </a:rPr>
-              <a:t>d’attaque et de défense</a:t>
-            </a:r>
-          </a:p>
-          <a:p>
-            <a:endParaRPr lang="fr-FR" dirty="0">
-              <a:sym typeface="Wingdings" panose="05000000000000000000" pitchFamily="2" charset="2"/>
-            </a:endParaRPr>
-          </a:p>
-          <a:p>
-            <a:endParaRPr lang="fr-FR" dirty="0"/>
+              <a:t>Le concept a évolué en arbres d’attaque et de défense</a:t>
+            </a:r>
           </a:p>
         </p:txBody>
       </p:sp>
@@ -10012,52 +12540,960 @@
           <a:p>
             <a:r>
               <a:rPr lang="fr-FR" dirty="0" smtClean="0"/>
-              <a:t>Arbres d’attaque et de défense</a:t>
+              <a:t>Arbres d’attaque</a:t>
             </a:r>
             <a:endParaRPr lang="fr-FR" dirty="0"/>
           </a:p>
         </p:txBody>
       </p:sp>
-      <p:pic>
-        <p:nvPicPr>
-          <p:cNvPr id="9" name="Image 8"/>
-          <p:cNvPicPr>
-            <a:picLocks noChangeAspect="1"/>
-          </p:cNvPicPr>
+      <p:sp>
+        <p:nvSpPr>
+          <p:cNvPr id="6" name="ZoneTexte 5"/>
+          <p:cNvSpPr txBox="1"/>
           <p:nvPr/>
-        </p:nvPicPr>
-        <p:blipFill>
-          <a:blip r:embed="rId2">
-            <a:extLst>
-              <a:ext uri="{28A0092B-C50C-407E-A947-70E740481C1C}">
-                <a14:useLocalDpi xmlns:a14="http://schemas.microsoft.com/office/drawing/2010/main" val="0"/>
-              </a:ext>
-            </a:extLst>
-          </a:blip>
-          <a:stretch>
-            <a:fillRect/>
-          </a:stretch>
-        </p:blipFill>
+        </p:nvSpPr>
         <p:spPr>
           <a:xfrm>
-            <a:off x="2913" y="1916832"/>
-            <a:ext cx="9144000" cy="3814509"/>
+            <a:off x="3203848" y="1988840"/>
+            <a:ext cx="1728192" cy="369332"/>
           </a:xfrm>
           <a:prstGeom prst="rect">
             <a:avLst/>
           </a:prstGeom>
+          <a:noFill/>
         </p:spPr>
-      </p:pic>
+        <p:txBody>
+          <a:bodyPr wrap="square" rtlCol="0">
+            <a:spAutoFit/>
+          </a:bodyPr>
+          <a:lstStyle/>
+          <a:p>
+            <a:endParaRPr lang="fr-FR" dirty="0"/>
+          </a:p>
+        </p:txBody>
+      </p:sp>
+      <p:grpSp>
+        <p:nvGrpSpPr>
+          <p:cNvPr id="25" name="Groupe 24"/>
+          <p:cNvGrpSpPr/>
+          <p:nvPr/>
+        </p:nvGrpSpPr>
+        <p:grpSpPr>
+          <a:xfrm>
+            <a:off x="971600" y="1556792"/>
+            <a:ext cx="7668376" cy="3911154"/>
+            <a:chOff x="971600" y="1556792"/>
+            <a:chExt cx="7668376" cy="3911154"/>
+          </a:xfrm>
+        </p:grpSpPr>
+        <p:sp>
+          <p:nvSpPr>
+            <p:cNvPr id="5" name="Ellipse 4"/>
+            <p:cNvSpPr/>
+            <p:nvPr/>
+          </p:nvSpPr>
+          <p:spPr>
+            <a:xfrm>
+              <a:off x="3203848" y="1556792"/>
+              <a:ext cx="1728192" cy="864096"/>
+            </a:xfrm>
+            <a:prstGeom prst="ellipse">
+              <a:avLst/>
+            </a:prstGeom>
+            <a:solidFill>
+              <a:schemeClr val="bg1"/>
+            </a:solidFill>
+            <a:ln>
+              <a:solidFill>
+                <a:schemeClr val="accent5"/>
+              </a:solidFill>
+            </a:ln>
+          </p:spPr>
+          <p:style>
+            <a:lnRef idx="2">
+              <a:schemeClr val="accent1">
+                <a:shade val="50000"/>
+              </a:schemeClr>
+            </a:lnRef>
+            <a:fillRef idx="1">
+              <a:schemeClr val="accent1"/>
+            </a:fillRef>
+            <a:effectRef idx="0">
+              <a:schemeClr val="accent1"/>
+            </a:effectRef>
+            <a:fontRef idx="minor">
+              <a:schemeClr val="lt1"/>
+            </a:fontRef>
+          </p:style>
+          <p:txBody>
+            <a:bodyPr rtlCol="0" anchor="ctr"/>
+            <a:lstStyle/>
+            <a:p>
+              <a:pPr algn="ctr"/>
+              <a:endParaRPr lang="fr-FR">
+                <a:solidFill>
+                  <a:schemeClr val="bg1"/>
+                </a:solidFill>
+              </a:endParaRPr>
+            </a:p>
+          </p:txBody>
+        </p:sp>
+        <p:sp>
+          <p:nvSpPr>
+            <p:cNvPr id="7" name="ZoneTexte 6"/>
+            <p:cNvSpPr txBox="1"/>
+            <p:nvPr/>
+          </p:nvSpPr>
+          <p:spPr>
+            <a:xfrm>
+              <a:off x="3517393" y="1665674"/>
+              <a:ext cx="1296144" cy="646331"/>
+            </a:xfrm>
+            <a:prstGeom prst="rect">
+              <a:avLst/>
+            </a:prstGeom>
+            <a:noFill/>
+          </p:spPr>
+          <p:txBody>
+            <a:bodyPr wrap="square" rtlCol="0">
+              <a:spAutoFit/>
+            </a:bodyPr>
+            <a:lstStyle/>
+            <a:p>
+              <a:r>
+                <a:rPr lang="fr-FR" dirty="0" smtClean="0"/>
+                <a:t>Paralyser le STAR</a:t>
+              </a:r>
+              <a:endParaRPr lang="fr-FR" dirty="0"/>
+            </a:p>
+          </p:txBody>
+        </p:sp>
+        <p:sp>
+          <p:nvSpPr>
+            <p:cNvPr id="11" name="Ellipse 10"/>
+            <p:cNvSpPr/>
+            <p:nvPr/>
+          </p:nvSpPr>
+          <p:spPr>
+            <a:xfrm>
+              <a:off x="971600" y="2996952"/>
+              <a:ext cx="1728192" cy="864096"/>
+            </a:xfrm>
+            <a:prstGeom prst="ellipse">
+              <a:avLst/>
+            </a:prstGeom>
+            <a:solidFill>
+              <a:schemeClr val="bg1"/>
+            </a:solidFill>
+            <a:ln>
+              <a:solidFill>
+                <a:schemeClr val="accent5"/>
+              </a:solidFill>
+            </a:ln>
+          </p:spPr>
+          <p:style>
+            <a:lnRef idx="2">
+              <a:schemeClr val="accent1">
+                <a:shade val="50000"/>
+              </a:schemeClr>
+            </a:lnRef>
+            <a:fillRef idx="1">
+              <a:schemeClr val="accent1"/>
+            </a:fillRef>
+            <a:effectRef idx="0">
+              <a:schemeClr val="accent1"/>
+            </a:effectRef>
+            <a:fontRef idx="minor">
+              <a:schemeClr val="lt1"/>
+            </a:fontRef>
+          </p:style>
+          <p:txBody>
+            <a:bodyPr rtlCol="0" anchor="ctr"/>
+            <a:lstStyle/>
+            <a:p>
+              <a:pPr algn="ctr"/>
+              <a:endParaRPr lang="fr-FR">
+                <a:solidFill>
+                  <a:schemeClr val="bg1"/>
+                </a:solidFill>
+              </a:endParaRPr>
+            </a:p>
+          </p:txBody>
+        </p:sp>
+        <p:sp>
+          <p:nvSpPr>
+            <p:cNvPr id="12" name="Ellipse 11"/>
+            <p:cNvSpPr/>
+            <p:nvPr/>
+          </p:nvSpPr>
+          <p:spPr>
+            <a:xfrm>
+              <a:off x="3203848" y="2996952"/>
+              <a:ext cx="1728192" cy="864096"/>
+            </a:xfrm>
+            <a:prstGeom prst="ellipse">
+              <a:avLst/>
+            </a:prstGeom>
+            <a:solidFill>
+              <a:schemeClr val="bg1"/>
+            </a:solidFill>
+            <a:ln>
+              <a:solidFill>
+                <a:schemeClr val="accent5"/>
+              </a:solidFill>
+            </a:ln>
+          </p:spPr>
+          <p:style>
+            <a:lnRef idx="2">
+              <a:schemeClr val="accent1">
+                <a:shade val="50000"/>
+              </a:schemeClr>
+            </a:lnRef>
+            <a:fillRef idx="1">
+              <a:schemeClr val="accent1"/>
+            </a:fillRef>
+            <a:effectRef idx="0">
+              <a:schemeClr val="accent1"/>
+            </a:effectRef>
+            <a:fontRef idx="minor">
+              <a:schemeClr val="lt1"/>
+            </a:fontRef>
+          </p:style>
+          <p:txBody>
+            <a:bodyPr rtlCol="0" anchor="ctr"/>
+            <a:lstStyle/>
+            <a:p>
+              <a:pPr algn="ctr"/>
+              <a:endParaRPr lang="fr-FR">
+                <a:solidFill>
+                  <a:schemeClr val="bg1"/>
+                </a:solidFill>
+              </a:endParaRPr>
+            </a:p>
+          </p:txBody>
+        </p:sp>
+        <p:sp>
+          <p:nvSpPr>
+            <p:cNvPr id="13" name="Ellipse 12"/>
+            <p:cNvSpPr/>
+            <p:nvPr/>
+          </p:nvSpPr>
+          <p:spPr>
+            <a:xfrm>
+              <a:off x="5436096" y="2996952"/>
+              <a:ext cx="2448272" cy="864096"/>
+            </a:xfrm>
+            <a:prstGeom prst="ellipse">
+              <a:avLst/>
+            </a:prstGeom>
+            <a:solidFill>
+              <a:schemeClr val="bg1"/>
+            </a:solidFill>
+            <a:ln>
+              <a:solidFill>
+                <a:schemeClr val="accent5"/>
+              </a:solidFill>
+            </a:ln>
+          </p:spPr>
+          <p:style>
+            <a:lnRef idx="2">
+              <a:schemeClr val="accent1">
+                <a:shade val="50000"/>
+              </a:schemeClr>
+            </a:lnRef>
+            <a:fillRef idx="1">
+              <a:schemeClr val="accent1"/>
+            </a:fillRef>
+            <a:effectRef idx="0">
+              <a:schemeClr val="accent1"/>
+            </a:effectRef>
+            <a:fontRef idx="minor">
+              <a:schemeClr val="lt1"/>
+            </a:fontRef>
+          </p:style>
+          <p:txBody>
+            <a:bodyPr rtlCol="0" anchor="ctr"/>
+            <a:lstStyle/>
+            <a:p>
+              <a:pPr algn="ctr"/>
+              <a:endParaRPr lang="fr-FR">
+                <a:solidFill>
+                  <a:schemeClr val="bg1"/>
+                </a:solidFill>
+              </a:endParaRPr>
+            </a:p>
+          </p:txBody>
+        </p:sp>
+        <p:sp>
+          <p:nvSpPr>
+            <p:cNvPr id="14" name="Ellipse 13"/>
+            <p:cNvSpPr/>
+            <p:nvPr/>
+          </p:nvSpPr>
+          <p:spPr>
+            <a:xfrm>
+              <a:off x="6911784" y="4603850"/>
+              <a:ext cx="1728192" cy="864096"/>
+            </a:xfrm>
+            <a:prstGeom prst="ellipse">
+              <a:avLst/>
+            </a:prstGeom>
+            <a:solidFill>
+              <a:schemeClr val="bg1"/>
+            </a:solidFill>
+            <a:ln>
+              <a:solidFill>
+                <a:schemeClr val="accent5"/>
+              </a:solidFill>
+            </a:ln>
+          </p:spPr>
+          <p:style>
+            <a:lnRef idx="2">
+              <a:schemeClr val="accent1">
+                <a:shade val="50000"/>
+              </a:schemeClr>
+            </a:lnRef>
+            <a:fillRef idx="1">
+              <a:schemeClr val="accent1"/>
+            </a:fillRef>
+            <a:effectRef idx="0">
+              <a:schemeClr val="accent1"/>
+            </a:effectRef>
+            <a:fontRef idx="minor">
+              <a:schemeClr val="lt1"/>
+            </a:fontRef>
+          </p:style>
+          <p:txBody>
+            <a:bodyPr rtlCol="0" anchor="ctr"/>
+            <a:lstStyle/>
+            <a:p>
+              <a:pPr algn="ctr"/>
+              <a:endParaRPr lang="fr-FR">
+                <a:solidFill>
+                  <a:schemeClr val="bg1"/>
+                </a:solidFill>
+              </a:endParaRPr>
+            </a:p>
+          </p:txBody>
+        </p:sp>
+        <p:sp>
+          <p:nvSpPr>
+            <p:cNvPr id="15" name="Ellipse 14"/>
+            <p:cNvSpPr/>
+            <p:nvPr/>
+          </p:nvSpPr>
+          <p:spPr>
+            <a:xfrm>
+              <a:off x="4805496" y="4603850"/>
+              <a:ext cx="1728192" cy="864096"/>
+            </a:xfrm>
+            <a:prstGeom prst="ellipse">
+              <a:avLst/>
+            </a:prstGeom>
+            <a:solidFill>
+              <a:schemeClr val="bg1"/>
+            </a:solidFill>
+            <a:ln>
+              <a:solidFill>
+                <a:schemeClr val="accent5"/>
+              </a:solidFill>
+            </a:ln>
+          </p:spPr>
+          <p:style>
+            <a:lnRef idx="2">
+              <a:schemeClr val="accent1">
+                <a:shade val="50000"/>
+              </a:schemeClr>
+            </a:lnRef>
+            <a:fillRef idx="1">
+              <a:schemeClr val="accent1"/>
+            </a:fillRef>
+            <a:effectRef idx="0">
+              <a:schemeClr val="accent1"/>
+            </a:effectRef>
+            <a:fontRef idx="minor">
+              <a:schemeClr val="lt1"/>
+            </a:fontRef>
+          </p:style>
+          <p:txBody>
+            <a:bodyPr rtlCol="0" anchor="ctr"/>
+            <a:lstStyle/>
+            <a:p>
+              <a:pPr algn="ctr"/>
+              <a:endParaRPr lang="fr-FR" dirty="0">
+                <a:solidFill>
+                  <a:schemeClr val="bg1"/>
+                </a:solidFill>
+              </a:endParaRPr>
+            </a:p>
+          </p:txBody>
+        </p:sp>
+        <p:sp>
+          <p:nvSpPr>
+            <p:cNvPr id="9" name="ZoneTexte 8"/>
+            <p:cNvSpPr txBox="1"/>
+            <p:nvPr/>
+          </p:nvSpPr>
+          <p:spPr>
+            <a:xfrm>
+              <a:off x="1238158" y="3105834"/>
+              <a:ext cx="1296144" cy="646331"/>
+            </a:xfrm>
+            <a:prstGeom prst="rect">
+              <a:avLst/>
+            </a:prstGeom>
+            <a:noFill/>
+          </p:spPr>
+          <p:txBody>
+            <a:bodyPr wrap="square" rtlCol="0">
+              <a:spAutoFit/>
+            </a:bodyPr>
+            <a:lstStyle/>
+            <a:p>
+              <a:r>
+                <a:rPr lang="fr-FR" dirty="0" smtClean="0"/>
+                <a:t>Couper l’</a:t>
+              </a:r>
+              <a:r>
+                <a:rPr lang="fr-FR" dirty="0"/>
+                <a:t>é</a:t>
+              </a:r>
+              <a:r>
+                <a:rPr lang="fr-FR" dirty="0" smtClean="0"/>
+                <a:t>lectricité</a:t>
+              </a:r>
+              <a:endParaRPr lang="fr-FR" dirty="0"/>
+            </a:p>
+          </p:txBody>
+        </p:sp>
+        <p:sp>
+          <p:nvSpPr>
+            <p:cNvPr id="16" name="ZoneTexte 15"/>
+            <p:cNvSpPr txBox="1"/>
+            <p:nvPr/>
+          </p:nvSpPr>
+          <p:spPr>
+            <a:xfrm>
+              <a:off x="3602157" y="3105834"/>
+              <a:ext cx="1126615" cy="646331"/>
+            </a:xfrm>
+            <a:prstGeom prst="rect">
+              <a:avLst/>
+            </a:prstGeom>
+            <a:noFill/>
+          </p:spPr>
+          <p:txBody>
+            <a:bodyPr wrap="square" rtlCol="0">
+              <a:spAutoFit/>
+            </a:bodyPr>
+            <a:lstStyle/>
+            <a:p>
+              <a:r>
+                <a:rPr lang="fr-FR" dirty="0" smtClean="0"/>
+                <a:t>Bloquer les rues</a:t>
+              </a:r>
+              <a:endParaRPr lang="fr-FR" dirty="0"/>
+            </a:p>
+          </p:txBody>
+        </p:sp>
+        <p:sp>
+          <p:nvSpPr>
+            <p:cNvPr id="17" name="ZoneTexte 16"/>
+            <p:cNvSpPr txBox="1"/>
+            <p:nvPr/>
+          </p:nvSpPr>
+          <p:spPr>
+            <a:xfrm>
+              <a:off x="5796136" y="3105834"/>
+              <a:ext cx="2088232" cy="646331"/>
+            </a:xfrm>
+            <a:prstGeom prst="rect">
+              <a:avLst/>
+            </a:prstGeom>
+            <a:noFill/>
+          </p:spPr>
+          <p:txBody>
+            <a:bodyPr wrap="square" rtlCol="0">
+              <a:spAutoFit/>
+            </a:bodyPr>
+            <a:lstStyle/>
+            <a:p>
+              <a:r>
+                <a:rPr lang="fr-FR" dirty="0" smtClean="0"/>
+                <a:t>Bloquer le réseau informatique</a:t>
+              </a:r>
+              <a:endParaRPr lang="fr-FR" dirty="0"/>
+            </a:p>
+          </p:txBody>
+        </p:sp>
+        <p:sp>
+          <p:nvSpPr>
+            <p:cNvPr id="18" name="ZoneTexte 17"/>
+            <p:cNvSpPr txBox="1"/>
+            <p:nvPr/>
+          </p:nvSpPr>
+          <p:spPr>
+            <a:xfrm>
+              <a:off x="5112060" y="4690010"/>
+              <a:ext cx="1368152" cy="646331"/>
+            </a:xfrm>
+            <a:prstGeom prst="rect">
+              <a:avLst/>
+            </a:prstGeom>
+            <a:noFill/>
+          </p:spPr>
+          <p:txBody>
+            <a:bodyPr wrap="square" rtlCol="0">
+              <a:spAutoFit/>
+            </a:bodyPr>
+            <a:lstStyle/>
+            <a:p>
+              <a:r>
+                <a:rPr lang="fr-FR" dirty="0" smtClean="0"/>
+                <a:t>Pirater le réseau</a:t>
+              </a:r>
+              <a:endParaRPr lang="fr-FR" dirty="0"/>
+            </a:p>
+          </p:txBody>
+        </p:sp>
+        <p:sp>
+          <p:nvSpPr>
+            <p:cNvPr id="19" name="ZoneTexte 18"/>
+            <p:cNvSpPr txBox="1"/>
+            <p:nvPr/>
+          </p:nvSpPr>
+          <p:spPr>
+            <a:xfrm>
+              <a:off x="7207466" y="4725144"/>
+              <a:ext cx="1296144" cy="646331"/>
+            </a:xfrm>
+            <a:prstGeom prst="rect">
+              <a:avLst/>
+            </a:prstGeom>
+            <a:noFill/>
+          </p:spPr>
+          <p:txBody>
+            <a:bodyPr wrap="square" rtlCol="0">
+              <a:spAutoFit/>
+            </a:bodyPr>
+            <a:lstStyle/>
+            <a:p>
+              <a:r>
+                <a:rPr lang="fr-FR" dirty="0" smtClean="0"/>
+                <a:t>Couper le système</a:t>
+              </a:r>
+              <a:endParaRPr lang="fr-FR" dirty="0"/>
+            </a:p>
+          </p:txBody>
+        </p:sp>
+        <p:cxnSp>
+          <p:nvCxnSpPr>
+            <p:cNvPr id="21" name="Connecteur droit 20"/>
+            <p:cNvCxnSpPr>
+              <a:endCxn id="11" idx="0"/>
+            </p:cNvCxnSpPr>
+            <p:nvPr/>
+          </p:nvCxnSpPr>
+          <p:spPr>
+            <a:xfrm flipH="1">
+              <a:off x="1835696" y="2312005"/>
+              <a:ext cx="1681697" cy="684947"/>
+            </a:xfrm>
+            <a:prstGeom prst="line">
+              <a:avLst/>
+            </a:prstGeom>
+          </p:spPr>
+          <p:style>
+            <a:lnRef idx="1">
+              <a:schemeClr val="accent1"/>
+            </a:lnRef>
+            <a:fillRef idx="0">
+              <a:schemeClr val="accent1"/>
+            </a:fillRef>
+            <a:effectRef idx="0">
+              <a:schemeClr val="accent1"/>
+            </a:effectRef>
+            <a:fontRef idx="minor">
+              <a:schemeClr val="tx1"/>
+            </a:fontRef>
+          </p:style>
+        </p:cxnSp>
+        <p:cxnSp>
+          <p:nvCxnSpPr>
+            <p:cNvPr id="24" name="Connecteur droit 23"/>
+            <p:cNvCxnSpPr>
+              <a:stCxn id="5" idx="4"/>
+              <a:endCxn id="12" idx="0"/>
+            </p:cNvCxnSpPr>
+            <p:nvPr/>
+          </p:nvCxnSpPr>
+          <p:spPr>
+            <a:xfrm>
+              <a:off x="4067944" y="2420888"/>
+              <a:ext cx="0" cy="576064"/>
+            </a:xfrm>
+            <a:prstGeom prst="line">
+              <a:avLst/>
+            </a:prstGeom>
+          </p:spPr>
+          <p:style>
+            <a:lnRef idx="1">
+              <a:schemeClr val="accent1"/>
+            </a:lnRef>
+            <a:fillRef idx="0">
+              <a:schemeClr val="accent1"/>
+            </a:fillRef>
+            <a:effectRef idx="0">
+              <a:schemeClr val="accent1"/>
+            </a:effectRef>
+            <a:fontRef idx="minor">
+              <a:schemeClr val="tx1"/>
+            </a:fontRef>
+          </p:style>
+        </p:cxnSp>
+        <p:cxnSp>
+          <p:nvCxnSpPr>
+            <p:cNvPr id="31" name="Connecteur droit 30"/>
+            <p:cNvCxnSpPr>
+              <a:stCxn id="5" idx="5"/>
+              <a:endCxn id="13" idx="0"/>
+            </p:cNvCxnSpPr>
+            <p:nvPr/>
+          </p:nvCxnSpPr>
+          <p:spPr>
+            <a:xfrm>
+              <a:off x="4678952" y="2294344"/>
+              <a:ext cx="1981280" cy="702608"/>
+            </a:xfrm>
+            <a:prstGeom prst="line">
+              <a:avLst/>
+            </a:prstGeom>
+          </p:spPr>
+          <p:style>
+            <a:lnRef idx="1">
+              <a:schemeClr val="accent1"/>
+            </a:lnRef>
+            <a:fillRef idx="0">
+              <a:schemeClr val="accent1"/>
+            </a:fillRef>
+            <a:effectRef idx="0">
+              <a:schemeClr val="accent1"/>
+            </a:effectRef>
+            <a:fontRef idx="minor">
+              <a:schemeClr val="tx1"/>
+            </a:fontRef>
+          </p:style>
+        </p:cxnSp>
+        <p:cxnSp>
+          <p:nvCxnSpPr>
+            <p:cNvPr id="34" name="Connecteur droit 33"/>
+            <p:cNvCxnSpPr>
+              <a:stCxn id="13" idx="4"/>
+              <a:endCxn id="15" idx="0"/>
+            </p:cNvCxnSpPr>
+            <p:nvPr/>
+          </p:nvCxnSpPr>
+          <p:spPr>
+            <a:xfrm flipH="1">
+              <a:off x="5669592" y="3861048"/>
+              <a:ext cx="990640" cy="742802"/>
+            </a:xfrm>
+            <a:prstGeom prst="line">
+              <a:avLst/>
+            </a:prstGeom>
+          </p:spPr>
+          <p:style>
+            <a:lnRef idx="1">
+              <a:schemeClr val="accent1"/>
+            </a:lnRef>
+            <a:fillRef idx="0">
+              <a:schemeClr val="accent1"/>
+            </a:fillRef>
+            <a:effectRef idx="0">
+              <a:schemeClr val="accent1"/>
+            </a:effectRef>
+            <a:fontRef idx="minor">
+              <a:schemeClr val="tx1"/>
+            </a:fontRef>
+          </p:style>
+        </p:cxnSp>
+        <p:cxnSp>
+          <p:nvCxnSpPr>
+            <p:cNvPr id="37" name="Connecteur droit 36"/>
+            <p:cNvCxnSpPr>
+              <a:stCxn id="13" idx="4"/>
+              <a:endCxn id="14" idx="0"/>
+            </p:cNvCxnSpPr>
+            <p:nvPr/>
+          </p:nvCxnSpPr>
+          <p:spPr>
+            <a:xfrm>
+              <a:off x="6660232" y="3861048"/>
+              <a:ext cx="1115648" cy="742802"/>
+            </a:xfrm>
+            <a:prstGeom prst="line">
+              <a:avLst/>
+            </a:prstGeom>
+          </p:spPr>
+          <p:style>
+            <a:lnRef idx="1">
+              <a:schemeClr val="accent1"/>
+            </a:lnRef>
+            <a:fillRef idx="0">
+              <a:schemeClr val="accent1"/>
+            </a:fillRef>
+            <a:effectRef idx="0">
+              <a:schemeClr val="accent1"/>
+            </a:effectRef>
+            <a:fontRef idx="minor">
+              <a:schemeClr val="tx1"/>
+            </a:fontRef>
+          </p:style>
+        </p:cxnSp>
+        <p:cxnSp>
+          <p:nvCxnSpPr>
+            <p:cNvPr id="43" name="Connecteur droit 42"/>
+            <p:cNvCxnSpPr/>
+            <p:nvPr/>
+          </p:nvCxnSpPr>
+          <p:spPr>
+            <a:xfrm>
+              <a:off x="6164912" y="4232449"/>
+              <a:ext cx="1053144" cy="0"/>
+            </a:xfrm>
+            <a:prstGeom prst="line">
+              <a:avLst/>
+            </a:prstGeom>
+          </p:spPr>
+          <p:style>
+            <a:lnRef idx="1">
+              <a:schemeClr val="accent1"/>
+            </a:lnRef>
+            <a:fillRef idx="0">
+              <a:schemeClr val="accent1"/>
+            </a:fillRef>
+            <a:effectRef idx="0">
+              <a:schemeClr val="accent1"/>
+            </a:effectRef>
+            <a:fontRef idx="minor">
+              <a:schemeClr val="tx1"/>
+            </a:fontRef>
+          </p:style>
+        </p:cxnSp>
+      </p:grpSp>
+      <p:sp>
+        <p:nvSpPr>
+          <p:cNvPr id="8" name="Rectangle 7"/>
+          <p:cNvSpPr/>
+          <p:nvPr/>
+        </p:nvSpPr>
+        <p:spPr>
+          <a:xfrm>
+            <a:off x="5075526" y="6021288"/>
+            <a:ext cx="1188132" cy="576064"/>
+          </a:xfrm>
+          <a:prstGeom prst="rect">
+            <a:avLst/>
+          </a:prstGeom>
+          <a:solidFill>
+            <a:schemeClr val="bg1"/>
+          </a:solidFill>
+          <a:ln>
+            <a:solidFill>
+              <a:srgbClr val="00FA06"/>
+            </a:solidFill>
+          </a:ln>
+        </p:spPr>
+        <p:style>
+          <a:lnRef idx="2">
+            <a:schemeClr val="accent1">
+              <a:shade val="50000"/>
+            </a:schemeClr>
+          </a:lnRef>
+          <a:fillRef idx="1">
+            <a:schemeClr val="accent1"/>
+          </a:fillRef>
+          <a:effectRef idx="0">
+            <a:schemeClr val="accent1"/>
+          </a:effectRef>
+          <a:fontRef idx="minor">
+            <a:schemeClr val="lt1"/>
+          </a:fontRef>
+        </p:style>
+        <p:txBody>
+          <a:bodyPr rtlCol="0" anchor="ctr"/>
+          <a:lstStyle/>
+          <a:p>
+            <a:pPr algn="ctr"/>
+            <a:endParaRPr lang="fr-FR"/>
+          </a:p>
+        </p:txBody>
+      </p:sp>
+      <p:grpSp>
+        <p:nvGrpSpPr>
+          <p:cNvPr id="26" name="Groupe 25"/>
+          <p:cNvGrpSpPr/>
+          <p:nvPr/>
+        </p:nvGrpSpPr>
+        <p:grpSpPr>
+          <a:xfrm>
+            <a:off x="5075526" y="5467946"/>
+            <a:ext cx="1188132" cy="1138117"/>
+            <a:chOff x="5075526" y="5467946"/>
+            <a:chExt cx="1188132" cy="1138117"/>
+          </a:xfrm>
+        </p:grpSpPr>
+        <p:cxnSp>
+          <p:nvCxnSpPr>
+            <p:cNvPr id="20" name="Connecteur droit 19"/>
+            <p:cNvCxnSpPr>
+              <a:stCxn id="15" idx="4"/>
+            </p:cNvCxnSpPr>
+            <p:nvPr/>
+          </p:nvCxnSpPr>
+          <p:spPr>
+            <a:xfrm>
+              <a:off x="5669592" y="5467946"/>
+              <a:ext cx="0" cy="121294"/>
+            </a:xfrm>
+            <a:prstGeom prst="line">
+              <a:avLst/>
+            </a:prstGeom>
+          </p:spPr>
+          <p:style>
+            <a:lnRef idx="1">
+              <a:schemeClr val="accent1"/>
+            </a:lnRef>
+            <a:fillRef idx="0">
+              <a:schemeClr val="accent1"/>
+            </a:fillRef>
+            <a:effectRef idx="0">
+              <a:schemeClr val="accent1"/>
+            </a:effectRef>
+            <a:fontRef idx="minor">
+              <a:schemeClr val="tx1"/>
+            </a:fontRef>
+          </p:style>
+        </p:cxnSp>
+        <p:cxnSp>
+          <p:nvCxnSpPr>
+            <p:cNvPr id="23" name="Connecteur droit 22"/>
+            <p:cNvCxnSpPr/>
+            <p:nvPr/>
+          </p:nvCxnSpPr>
+          <p:spPr>
+            <a:xfrm>
+              <a:off x="5669592" y="5692204"/>
+              <a:ext cx="0" cy="108012"/>
+            </a:xfrm>
+            <a:prstGeom prst="line">
+              <a:avLst/>
+            </a:prstGeom>
+          </p:spPr>
+          <p:style>
+            <a:lnRef idx="1">
+              <a:schemeClr val="accent1"/>
+            </a:lnRef>
+            <a:fillRef idx="0">
+              <a:schemeClr val="accent1"/>
+            </a:fillRef>
+            <a:effectRef idx="0">
+              <a:schemeClr val="accent1"/>
+            </a:effectRef>
+            <a:fontRef idx="minor">
+              <a:schemeClr val="tx1"/>
+            </a:fontRef>
+          </p:style>
+        </p:cxnSp>
+        <p:cxnSp>
+          <p:nvCxnSpPr>
+            <p:cNvPr id="27" name="Connecteur droit 26"/>
+            <p:cNvCxnSpPr>
+              <a:endCxn id="8" idx="0"/>
+            </p:cNvCxnSpPr>
+            <p:nvPr/>
+          </p:nvCxnSpPr>
+          <p:spPr>
+            <a:xfrm>
+              <a:off x="5669592" y="5910752"/>
+              <a:ext cx="0" cy="110536"/>
+            </a:xfrm>
+            <a:prstGeom prst="line">
+              <a:avLst/>
+            </a:prstGeom>
+          </p:spPr>
+          <p:style>
+            <a:lnRef idx="1">
+              <a:schemeClr val="accent1"/>
+            </a:lnRef>
+            <a:fillRef idx="0">
+              <a:schemeClr val="accent1"/>
+            </a:fillRef>
+            <a:effectRef idx="0">
+              <a:schemeClr val="accent1"/>
+            </a:effectRef>
+            <a:fontRef idx="minor">
+              <a:schemeClr val="tx1"/>
+            </a:fontRef>
+          </p:style>
+        </p:cxnSp>
+        <p:sp>
+          <p:nvSpPr>
+            <p:cNvPr id="29" name="ZoneTexte 28"/>
+            <p:cNvSpPr txBox="1"/>
+            <p:nvPr/>
+          </p:nvSpPr>
+          <p:spPr>
+            <a:xfrm>
+              <a:off x="5075526" y="6021288"/>
+              <a:ext cx="1188132" cy="584775"/>
+            </a:xfrm>
+            <a:prstGeom prst="rect">
+              <a:avLst/>
+            </a:prstGeom>
+            <a:noFill/>
+          </p:spPr>
+          <p:txBody>
+            <a:bodyPr wrap="square" rtlCol="0">
+              <a:spAutoFit/>
+            </a:bodyPr>
+            <a:lstStyle/>
+            <a:p>
+              <a:r>
+                <a:rPr lang="fr-FR" sz="1600" dirty="0" smtClean="0"/>
+                <a:t>Installer un </a:t>
+              </a:r>
+              <a:r>
+                <a:rPr lang="fr-FR" sz="1600" dirty="0" err="1" smtClean="0"/>
+                <a:t>FireWall</a:t>
+              </a:r>
+              <a:endParaRPr lang="fr-FR" sz="1600" dirty="0"/>
+            </a:p>
+          </p:txBody>
+        </p:sp>
+      </p:grpSp>
     </p:spTree>
     <p:extLst>
       <p:ext uri="{BB962C8B-B14F-4D97-AF65-F5344CB8AC3E}">
-        <p14:creationId xmlns:p14="http://schemas.microsoft.com/office/powerpoint/2010/main" val="3423601455"/>
+        <p14:creationId xmlns:p14="http://schemas.microsoft.com/office/powerpoint/2010/main" val="1383831093"/>
       </p:ext>
     </p:extLst>
   </p:cSld>
   <p:clrMapOvr>
     <a:masterClrMapping/>
   </p:clrMapOvr>
+  <mc:AlternateContent xmlns:mc="http://schemas.openxmlformats.org/markup-compatibility/2006" xmlns:p14="http://schemas.microsoft.com/office/powerpoint/2010/main">
+    <mc:Choice Requires="p14">
+      <p:transition spd="med" p14:dur="700">
+        <p:fade/>
+      </p:transition>
+    </mc:Choice>
+    <mc:Fallback xmlns="">
+      <p:transition spd="med">
+        <p:fade/>
+      </p:transition>
+    </mc:Fallback>
+  </mc:AlternateContent>
   <p:timing>
     <p:tnLst>
       <p:par>
@@ -10079,10 +13515,15 @@
                             </p:stCondLst>
                             <p:childTnLst>
                               <p:par>
-                                <p:cTn id="5" presetID="1" presetClass="entr" presetSubtype="0" fill="hold" grpId="0" nodeType="clickEffect">
+                                <p:cTn id="5" presetID="1" presetClass="entr" presetSubtype="0" fill="hold" grpId="0" nodeType="clickEffect" nodePh="1">
                                   <p:stCondLst>
                                     <p:cond delay="0"/>
                                   </p:stCondLst>
+                                  <p:endCondLst>
+                                    <p:cond evt="begin" delay="0">
+                                      <p:tn val="5"/>
+                                    </p:cond>
+                                  </p:endCondLst>
                                   <p:childTnLst>
                                     <p:set>
                                       <p:cBhvr>
@@ -10092,56 +13533,7 @@
                                           </p:stCondLst>
                                         </p:cTn>
                                         <p:tgtEl>
-                                          <p:spTgt spid="3">
-                                            <p:txEl>
-                                              <p:pRg st="0" end="0"/>
-                                            </p:txEl>
-                                          </p:spTgt>
-                                        </p:tgtEl>
-                                        <p:attrNameLst>
-                                          <p:attrName>style.visibility</p:attrName>
-                                        </p:attrNameLst>
-                                      </p:cBhvr>
-                                      <p:to>
-                                        <p:strVal val="visible"/>
-                                      </p:to>
-                                    </p:set>
-                                  </p:childTnLst>
-                                </p:cTn>
-                              </p:par>
-                            </p:childTnLst>
-                          </p:cTn>
-                        </p:par>
-                      </p:childTnLst>
-                    </p:cTn>
-                  </p:par>
-                  <p:par>
-                    <p:cTn id="7" fill="hold">
-                      <p:stCondLst>
-                        <p:cond delay="indefinite"/>
-                      </p:stCondLst>
-                      <p:childTnLst>
-                        <p:par>
-                          <p:cTn id="8" fill="hold">
-                            <p:stCondLst>
-                              <p:cond delay="0"/>
-                            </p:stCondLst>
-                            <p:childTnLst>
-                              <p:par>
-                                <p:cTn id="9" presetID="1" presetClass="entr" presetSubtype="0" fill="hold" nodeType="clickEffect">
-                                  <p:stCondLst>
-                                    <p:cond delay="0"/>
-                                  </p:stCondLst>
-                                  <p:childTnLst>
-                                    <p:set>
-                                      <p:cBhvr>
-                                        <p:cTn id="10" dur="1" fill="hold">
-                                          <p:stCondLst>
-                                            <p:cond delay="0"/>
-                                          </p:stCondLst>
-                                        </p:cTn>
-                                        <p:tgtEl>
-                                          <p:spTgt spid="9"/>
+                                          <p:spTgt spid="6"/>
                                         </p:tgtEl>
                                         <p:attrNameLst>
                                           <p:attrName>style.visibility</p:attrName>
@@ -10182,13 +13574,13 @@
       </p:par>
     </p:tnLst>
     <p:bldLst>
-      <p:bldP spid="3" grpId="0" build="p"/>
+      <p:bldP spid="6" grpId="0"/>
     </p:bldLst>
   </p:timing>
 </p:sld>
 </file>
 
-<file path=ppt/slides/slide5.xml><?xml version="1.0" encoding="utf-8"?>
+<file path=ppt/slides/slide6.xml><?xml version="1.0" encoding="utf-8"?>
 <p:sld xmlns:a="http://schemas.openxmlformats.org/drawingml/2006/main" xmlns:r="http://schemas.openxmlformats.org/officeDocument/2006/relationships" xmlns:p="http://schemas.openxmlformats.org/presentationml/2006/main">
   <p:cSld>
     <p:spTree>
@@ -10292,462 +13684,6 @@
           </a:ln>
         </p:spPr>
       </p:pic>
-      <p:sp>
-        <p:nvSpPr>
-          <p:cNvPr id="5" name="Espace réservé du texte 3"/>
-          <p:cNvSpPr txBox="1">
-            <a:spLocks/>
-          </p:cNvSpPr>
-          <p:nvPr/>
-        </p:nvSpPr>
-        <p:spPr>
-          <a:xfrm>
-            <a:off x="2700338" y="6597650"/>
-            <a:ext cx="5327650" cy="215900"/>
-          </a:xfrm>
-          <a:prstGeom prst="rect">
-            <a:avLst/>
-          </a:prstGeom>
-        </p:spPr>
-        <p:txBody>
-          <a:bodyPr>
-            <a:normAutofit fontScale="47500" lnSpcReduction="20000"/>
-          </a:bodyPr>
-          <a:lstStyle>
-            <a:lvl1pPr marL="0" indent="0" algn="l" defTabSz="914400" rtl="0" eaLnBrk="1" latinLnBrk="0" hangingPunct="1">
-              <a:spcBef>
-                <a:spcPct val="20000"/>
-              </a:spcBef>
-              <a:buFontTx/>
-              <a:buNone/>
-              <a:defRPr lang="fr-FR" sz="2000" b="1" kern="1200" dirty="0" smtClean="0">
-                <a:solidFill>
-                  <a:srgbClr val="004D6F"/>
-                </a:solidFill>
-                <a:latin typeface="Arial" pitchFamily="34" charset="0"/>
-                <a:ea typeface="+mn-ea"/>
-                <a:cs typeface="Arial" pitchFamily="34" charset="0"/>
-              </a:defRPr>
-            </a:lvl1pPr>
-            <a:lvl2pPr marL="742950" indent="-285750" algn="l" defTabSz="914400" rtl="0" eaLnBrk="1" latinLnBrk="0" hangingPunct="1">
-              <a:spcBef>
-                <a:spcPct val="20000"/>
-              </a:spcBef>
-              <a:buFont typeface="Arial" panose="020B0604020202020204" pitchFamily="34" charset="0"/>
-              <a:buChar char="–"/>
-              <a:defRPr lang="fr-FR" sz="1500" b="1" kern="1200" baseline="0" dirty="0" smtClean="0">
-                <a:solidFill>
-                  <a:srgbClr val="4F4D50"/>
-                </a:solidFill>
-                <a:latin typeface="Arial" pitchFamily="34" charset="0"/>
-                <a:ea typeface="+mn-ea"/>
-                <a:cs typeface="Arial" pitchFamily="34" charset="0"/>
-              </a:defRPr>
-            </a:lvl2pPr>
-            <a:lvl3pPr marL="1143000" indent="-228600" algn="l" defTabSz="914400" rtl="0" eaLnBrk="1" latinLnBrk="0" hangingPunct="1">
-              <a:lnSpc>
-                <a:spcPct val="100000"/>
-              </a:lnSpc>
-              <a:spcBef>
-                <a:spcPts val="600"/>
-              </a:spcBef>
-              <a:buFont typeface="Arial" panose="020B0604020202020204" pitchFamily="34" charset="0"/>
-              <a:buChar char="•"/>
-              <a:defRPr lang="fr-FR" sz="1200" kern="1200" baseline="0" dirty="0" smtClean="0">
-                <a:solidFill>
-                  <a:srgbClr val="4F4D50"/>
-                </a:solidFill>
-                <a:latin typeface="Arial" pitchFamily="34" charset="0"/>
-                <a:ea typeface="+mn-ea"/>
-                <a:cs typeface="Arial" pitchFamily="34" charset="0"/>
-              </a:defRPr>
-            </a:lvl3pPr>
-            <a:lvl4pPr marL="1600200" indent="-228600" algn="l" defTabSz="914400" rtl="0" eaLnBrk="1" latinLnBrk="0" hangingPunct="1">
-              <a:spcBef>
-                <a:spcPct val="20000"/>
-              </a:spcBef>
-              <a:buFont typeface="Arial" panose="020B0604020202020204" pitchFamily="34" charset="0"/>
-              <a:buChar char="–"/>
-              <a:defRPr sz="2000" kern="1200">
-                <a:solidFill>
-                  <a:schemeClr val="tx1"/>
-                </a:solidFill>
-                <a:latin typeface="+mn-lt"/>
-                <a:ea typeface="+mn-ea"/>
-                <a:cs typeface="+mn-cs"/>
-              </a:defRPr>
-            </a:lvl4pPr>
-            <a:lvl5pPr marL="2057400" indent="-228600" algn="l" defTabSz="914400" rtl="0" eaLnBrk="1" latinLnBrk="0" hangingPunct="1">
-              <a:spcBef>
-                <a:spcPct val="20000"/>
-              </a:spcBef>
-              <a:buFont typeface="Arial" panose="020B0604020202020204" pitchFamily="34" charset="0"/>
-              <a:buChar char="»"/>
-              <a:defRPr sz="2000" kern="1200">
-                <a:solidFill>
-                  <a:schemeClr val="tx1"/>
-                </a:solidFill>
-                <a:latin typeface="+mn-lt"/>
-                <a:ea typeface="+mn-ea"/>
-                <a:cs typeface="+mn-cs"/>
-              </a:defRPr>
-            </a:lvl5pPr>
-            <a:lvl6pPr marL="2514600" indent="-228600" algn="l" defTabSz="914400" rtl="0" eaLnBrk="1" latinLnBrk="0" hangingPunct="1">
-              <a:spcBef>
-                <a:spcPct val="20000"/>
-              </a:spcBef>
-              <a:buFont typeface="Arial" panose="020B0604020202020204" pitchFamily="34" charset="0"/>
-              <a:buChar char="•"/>
-              <a:defRPr sz="2000" kern="1200">
-                <a:solidFill>
-                  <a:schemeClr val="tx1"/>
-                </a:solidFill>
-                <a:latin typeface="+mn-lt"/>
-                <a:ea typeface="+mn-ea"/>
-                <a:cs typeface="+mn-cs"/>
-              </a:defRPr>
-            </a:lvl6pPr>
-            <a:lvl7pPr marL="2971800" indent="-228600" algn="l" defTabSz="914400" rtl="0" eaLnBrk="1" latinLnBrk="0" hangingPunct="1">
-              <a:spcBef>
-                <a:spcPct val="20000"/>
-              </a:spcBef>
-              <a:buFont typeface="Arial" panose="020B0604020202020204" pitchFamily="34" charset="0"/>
-              <a:buChar char="•"/>
-              <a:defRPr sz="2000" kern="1200">
-                <a:solidFill>
-                  <a:schemeClr val="tx1"/>
-                </a:solidFill>
-                <a:latin typeface="+mn-lt"/>
-                <a:ea typeface="+mn-ea"/>
-                <a:cs typeface="+mn-cs"/>
-              </a:defRPr>
-            </a:lvl7pPr>
-            <a:lvl8pPr marL="3429000" indent="-228600" algn="l" defTabSz="914400" rtl="0" eaLnBrk="1" latinLnBrk="0" hangingPunct="1">
-              <a:spcBef>
-                <a:spcPct val="20000"/>
-              </a:spcBef>
-              <a:buFont typeface="Arial" panose="020B0604020202020204" pitchFamily="34" charset="0"/>
-              <a:buChar char="•"/>
-              <a:defRPr sz="2000" kern="1200">
-                <a:solidFill>
-                  <a:schemeClr val="tx1"/>
-                </a:solidFill>
-                <a:latin typeface="+mn-lt"/>
-                <a:ea typeface="+mn-ea"/>
-                <a:cs typeface="+mn-cs"/>
-              </a:defRPr>
-            </a:lvl8pPr>
-            <a:lvl9pPr marL="3886200" indent="-228600" algn="l" defTabSz="914400" rtl="0" eaLnBrk="1" latinLnBrk="0" hangingPunct="1">
-              <a:spcBef>
-                <a:spcPct val="20000"/>
-              </a:spcBef>
-              <a:buFont typeface="Arial" panose="020B0604020202020204" pitchFamily="34" charset="0"/>
-              <a:buChar char="•"/>
-              <a:defRPr sz="2000" kern="1200">
-                <a:solidFill>
-                  <a:schemeClr val="tx1"/>
-                </a:solidFill>
-                <a:latin typeface="+mn-lt"/>
-                <a:ea typeface="+mn-ea"/>
-                <a:cs typeface="+mn-cs"/>
-              </a:defRPr>
-            </a:lvl9pPr>
-          </a:lstStyle>
-          <a:p>
-            <a:r>
-              <a:rPr lang="fr-FR" dirty="0" err="1" smtClean="0"/>
-              <a:t>ADTool</a:t>
-            </a:r>
-            <a:endParaRPr lang="fr-FR" dirty="0" smtClean="0"/>
-          </a:p>
-        </p:txBody>
-      </p:sp>
-    </p:spTree>
-  </p:cSld>
-  <p:clrMapOvr>
-    <a:masterClrMapping/>
-  </p:clrMapOvr>
-  <p:timing>
-    <p:tnLst>
-      <p:par>
-        <p:cTn id="1" dur="indefinite" restart="never" nodeType="tmRoot">
-          <p:childTnLst>
-            <p:seq>
-              <p:cTn id="2" nodeType="mainSeq"/>
-              <p:prevCondLst>
-                <p:cond evt="onPrev" delay="0">
-                  <p:tgtEl>
-                    <p:sldTgt/>
-                  </p:tgtEl>
-                </p:cond>
-              </p:prevCondLst>
-              <p:nextCondLst>
-                <p:cond evt="onNext" delay="0">
-                  <p:tgtEl>
-                    <p:sldTgt/>
-                  </p:tgtEl>
-                </p:cond>
-              </p:nextCondLst>
-            </p:seq>
-          </p:childTnLst>
-        </p:cTn>
-      </p:par>
-    </p:tnLst>
-  </p:timing>
-</p:sld>
-</file>
-
-<file path=ppt/slides/slide6.xml><?xml version="1.0" encoding="utf-8"?>
-<p:sld xmlns:a="http://schemas.openxmlformats.org/drawingml/2006/main" xmlns:r="http://schemas.openxmlformats.org/officeDocument/2006/relationships" xmlns:p="http://schemas.openxmlformats.org/presentationml/2006/main">
-  <p:cSld>
-    <p:spTree>
-      <p:nvGrpSpPr>
-        <p:cNvPr id="1" name=""/>
-        <p:cNvGrpSpPr/>
-        <p:nvPr/>
-      </p:nvGrpSpPr>
-      <p:grpSpPr>
-        <a:xfrm>
-          <a:off x="0" y="0"/>
-          <a:ext cx="0" cy="0"/>
-          <a:chOff x="0" y="0"/>
-          <a:chExt cx="0" cy="0"/>
-        </a:xfrm>
-      </p:grpSpPr>
-      <p:sp>
-        <p:nvSpPr>
-          <p:cNvPr id="99" name="TextShape 1"/>
-          <p:cNvSpPr txBox="1"/>
-          <p:nvPr/>
-        </p:nvSpPr>
-        <p:spPr>
-          <a:xfrm>
-            <a:off x="1763640" y="92520"/>
-            <a:ext cx="6460560" cy="571320"/>
-          </a:xfrm>
-          <a:prstGeom prst="rect">
-            <a:avLst/>
-          </a:prstGeom>
-          <a:noFill/>
-          <a:ln>
-            <a:noFill/>
-          </a:ln>
-        </p:spPr>
-        <p:txBody>
-          <a:bodyPr anchor="ctr"/>
-          <a:lstStyle/>
-          <a:p>
-            <a:pPr algn="r">
-              <a:lnSpc>
-                <a:spcPct val="100000"/>
-              </a:lnSpc>
-            </a:pPr>
-            <a:r>
-              <a:rPr lang="fr-FR" sz="1600" b="1" strike="noStrike">
-                <a:solidFill>
-                  <a:srgbClr val="4F4D50"/>
-                </a:solidFill>
-                <a:latin typeface="Arial"/>
-              </a:rPr>
-              <a:t>Étude de l'existant</a:t>
-            </a:r>
-            <a:endParaRPr/>
-          </a:p>
-        </p:txBody>
-      </p:sp>
-      <p:pic>
-        <p:nvPicPr>
-          <p:cNvPr id="100" name="Image 99"/>
-          <p:cNvPicPr/>
-          <p:nvPr/>
-        </p:nvPicPr>
-        <p:blipFill>
-          <a:blip r:embed="rId3"/>
-          <a:stretch/>
-        </p:blipFill>
-        <p:spPr>
-          <a:xfrm>
-            <a:off x="2380320" y="2160000"/>
-            <a:ext cx="4675680" cy="2664000"/>
-          </a:xfrm>
-          <a:prstGeom prst="rect">
-            <a:avLst/>
-          </a:prstGeom>
-          <a:ln>
-            <a:noFill/>
-          </a:ln>
-        </p:spPr>
-      </p:pic>
-      <p:sp>
-        <p:nvSpPr>
-          <p:cNvPr id="4" name="Espace réservé du texte 3"/>
-          <p:cNvSpPr txBox="1">
-            <a:spLocks/>
-          </p:cNvSpPr>
-          <p:nvPr/>
-        </p:nvSpPr>
-        <p:spPr>
-          <a:xfrm>
-            <a:off x="2700338" y="6597650"/>
-            <a:ext cx="5327650" cy="215900"/>
-          </a:xfrm>
-          <a:prstGeom prst="rect">
-            <a:avLst/>
-          </a:prstGeom>
-        </p:spPr>
-        <p:txBody>
-          <a:bodyPr>
-            <a:normAutofit fontScale="47500" lnSpcReduction="20000"/>
-          </a:bodyPr>
-          <a:lstStyle>
-            <a:lvl1pPr marL="0" indent="0" algn="l" defTabSz="914400" rtl="0" eaLnBrk="1" latinLnBrk="0" hangingPunct="1">
-              <a:spcBef>
-                <a:spcPct val="20000"/>
-              </a:spcBef>
-              <a:buFontTx/>
-              <a:buNone/>
-              <a:defRPr lang="fr-FR" sz="2000" b="1" kern="1200" dirty="0" smtClean="0">
-                <a:solidFill>
-                  <a:srgbClr val="004D6F"/>
-                </a:solidFill>
-                <a:latin typeface="Arial" pitchFamily="34" charset="0"/>
-                <a:ea typeface="+mn-ea"/>
-                <a:cs typeface="Arial" pitchFamily="34" charset="0"/>
-              </a:defRPr>
-            </a:lvl1pPr>
-            <a:lvl2pPr marL="742950" indent="-285750" algn="l" defTabSz="914400" rtl="0" eaLnBrk="1" latinLnBrk="0" hangingPunct="1">
-              <a:spcBef>
-                <a:spcPct val="20000"/>
-              </a:spcBef>
-              <a:buFont typeface="Arial" panose="020B0604020202020204" pitchFamily="34" charset="0"/>
-              <a:buChar char="–"/>
-              <a:defRPr lang="fr-FR" sz="1500" b="1" kern="1200" baseline="0" dirty="0" smtClean="0">
-                <a:solidFill>
-                  <a:srgbClr val="4F4D50"/>
-                </a:solidFill>
-                <a:latin typeface="Arial" pitchFamily="34" charset="0"/>
-                <a:ea typeface="+mn-ea"/>
-                <a:cs typeface="Arial" pitchFamily="34" charset="0"/>
-              </a:defRPr>
-            </a:lvl2pPr>
-            <a:lvl3pPr marL="1143000" indent="-228600" algn="l" defTabSz="914400" rtl="0" eaLnBrk="1" latinLnBrk="0" hangingPunct="1">
-              <a:lnSpc>
-                <a:spcPct val="100000"/>
-              </a:lnSpc>
-              <a:spcBef>
-                <a:spcPts val="600"/>
-              </a:spcBef>
-              <a:buFont typeface="Arial" panose="020B0604020202020204" pitchFamily="34" charset="0"/>
-              <a:buChar char="•"/>
-              <a:defRPr lang="fr-FR" sz="1200" kern="1200" baseline="0" dirty="0" smtClean="0">
-                <a:solidFill>
-                  <a:srgbClr val="4F4D50"/>
-                </a:solidFill>
-                <a:latin typeface="Arial" pitchFamily="34" charset="0"/>
-                <a:ea typeface="+mn-ea"/>
-                <a:cs typeface="Arial" pitchFamily="34" charset="0"/>
-              </a:defRPr>
-            </a:lvl3pPr>
-            <a:lvl4pPr marL="1600200" indent="-228600" algn="l" defTabSz="914400" rtl="0" eaLnBrk="1" latinLnBrk="0" hangingPunct="1">
-              <a:spcBef>
-                <a:spcPct val="20000"/>
-              </a:spcBef>
-              <a:buFont typeface="Arial" panose="020B0604020202020204" pitchFamily="34" charset="0"/>
-              <a:buChar char="–"/>
-              <a:defRPr sz="2000" kern="1200">
-                <a:solidFill>
-                  <a:schemeClr val="tx1"/>
-                </a:solidFill>
-                <a:latin typeface="+mn-lt"/>
-                <a:ea typeface="+mn-ea"/>
-                <a:cs typeface="+mn-cs"/>
-              </a:defRPr>
-            </a:lvl4pPr>
-            <a:lvl5pPr marL="2057400" indent="-228600" algn="l" defTabSz="914400" rtl="0" eaLnBrk="1" latinLnBrk="0" hangingPunct="1">
-              <a:spcBef>
-                <a:spcPct val="20000"/>
-              </a:spcBef>
-              <a:buFont typeface="Arial" panose="020B0604020202020204" pitchFamily="34" charset="0"/>
-              <a:buChar char="»"/>
-              <a:defRPr sz="2000" kern="1200">
-                <a:solidFill>
-                  <a:schemeClr val="tx1"/>
-                </a:solidFill>
-                <a:latin typeface="+mn-lt"/>
-                <a:ea typeface="+mn-ea"/>
-                <a:cs typeface="+mn-cs"/>
-              </a:defRPr>
-            </a:lvl5pPr>
-            <a:lvl6pPr marL="2514600" indent="-228600" algn="l" defTabSz="914400" rtl="0" eaLnBrk="1" latinLnBrk="0" hangingPunct="1">
-              <a:spcBef>
-                <a:spcPct val="20000"/>
-              </a:spcBef>
-              <a:buFont typeface="Arial" panose="020B0604020202020204" pitchFamily="34" charset="0"/>
-              <a:buChar char="•"/>
-              <a:defRPr sz="2000" kern="1200">
-                <a:solidFill>
-                  <a:schemeClr val="tx1"/>
-                </a:solidFill>
-                <a:latin typeface="+mn-lt"/>
-                <a:ea typeface="+mn-ea"/>
-                <a:cs typeface="+mn-cs"/>
-              </a:defRPr>
-            </a:lvl6pPr>
-            <a:lvl7pPr marL="2971800" indent="-228600" algn="l" defTabSz="914400" rtl="0" eaLnBrk="1" latinLnBrk="0" hangingPunct="1">
-              <a:spcBef>
-                <a:spcPct val="20000"/>
-              </a:spcBef>
-              <a:buFont typeface="Arial" panose="020B0604020202020204" pitchFamily="34" charset="0"/>
-              <a:buChar char="•"/>
-              <a:defRPr sz="2000" kern="1200">
-                <a:solidFill>
-                  <a:schemeClr val="tx1"/>
-                </a:solidFill>
-                <a:latin typeface="+mn-lt"/>
-                <a:ea typeface="+mn-ea"/>
-                <a:cs typeface="+mn-cs"/>
-              </a:defRPr>
-            </a:lvl7pPr>
-            <a:lvl8pPr marL="3429000" indent="-228600" algn="l" defTabSz="914400" rtl="0" eaLnBrk="1" latinLnBrk="0" hangingPunct="1">
-              <a:spcBef>
-                <a:spcPct val="20000"/>
-              </a:spcBef>
-              <a:buFont typeface="Arial" panose="020B0604020202020204" pitchFamily="34" charset="0"/>
-              <a:buChar char="•"/>
-              <a:defRPr sz="2000" kern="1200">
-                <a:solidFill>
-                  <a:schemeClr val="tx1"/>
-                </a:solidFill>
-                <a:latin typeface="+mn-lt"/>
-                <a:ea typeface="+mn-ea"/>
-                <a:cs typeface="+mn-cs"/>
-              </a:defRPr>
-            </a:lvl8pPr>
-            <a:lvl9pPr marL="3886200" indent="-228600" algn="l" defTabSz="914400" rtl="0" eaLnBrk="1" latinLnBrk="0" hangingPunct="1">
-              <a:spcBef>
-                <a:spcPct val="20000"/>
-              </a:spcBef>
-              <a:buFont typeface="Arial" panose="020B0604020202020204" pitchFamily="34" charset="0"/>
-              <a:buChar char="•"/>
-              <a:defRPr sz="2000" kern="1200">
-                <a:solidFill>
-                  <a:schemeClr val="tx1"/>
-                </a:solidFill>
-                <a:latin typeface="+mn-lt"/>
-                <a:ea typeface="+mn-ea"/>
-                <a:cs typeface="+mn-cs"/>
-              </a:defRPr>
-            </a:lvl9pPr>
-          </a:lstStyle>
-          <a:p>
-            <a:r>
-              <a:rPr lang="fr-FR" dirty="0" err="1" smtClean="0"/>
-              <a:t>ADTool</a:t>
-            </a:r>
-            <a:endParaRPr lang="fr-FR" dirty="0"/>
-          </a:p>
-        </p:txBody>
-      </p:sp>
     </p:spTree>
   </p:cSld>
   <p:clrMapOvr>
@@ -10802,7 +13738,7 @@
       </p:grpSpPr>
       <p:sp>
         <p:nvSpPr>
-          <p:cNvPr id="101" name="TextShape 1"/>
+          <p:cNvPr id="99" name="TextShape 1"/>
           <p:cNvSpPr txBox="1"/>
           <p:nvPr/>
         </p:nvSpPr>
@@ -10843,7 +13779,7 @@
       </p:sp>
       <p:pic>
         <p:nvPicPr>
-          <p:cNvPr id="102" name="Image 101"/>
+          <p:cNvPr id="100" name="Image 99"/>
           <p:cNvPicPr/>
           <p:nvPr/>
         </p:nvPicPr>
@@ -10853,8 +13789,8 @@
         </p:blipFill>
         <p:spPr>
           <a:xfrm>
-            <a:off x="2157480" y="663840"/>
-            <a:ext cx="5042520" cy="5960160"/>
+            <a:off x="2380320" y="2160000"/>
+            <a:ext cx="4675680" cy="2664000"/>
           </a:xfrm>
           <a:prstGeom prst="rect">
             <a:avLst/>
@@ -10864,176 +13800,6 @@
           </a:ln>
         </p:spPr>
       </p:pic>
-      <p:sp>
-        <p:nvSpPr>
-          <p:cNvPr id="4" name="Espace réservé du texte 3"/>
-          <p:cNvSpPr txBox="1">
-            <a:spLocks/>
-          </p:cNvSpPr>
-          <p:nvPr/>
-        </p:nvSpPr>
-        <p:spPr>
-          <a:xfrm>
-            <a:off x="2700338" y="6597650"/>
-            <a:ext cx="5327650" cy="215900"/>
-          </a:xfrm>
-          <a:prstGeom prst="rect">
-            <a:avLst/>
-          </a:prstGeom>
-        </p:spPr>
-        <p:txBody>
-          <a:bodyPr>
-            <a:normAutofit fontScale="47500" lnSpcReduction="20000"/>
-          </a:bodyPr>
-          <a:lstStyle>
-            <a:lvl1pPr marL="0" indent="0" algn="l" defTabSz="914400" rtl="0" eaLnBrk="1" latinLnBrk="0" hangingPunct="1">
-              <a:spcBef>
-                <a:spcPct val="20000"/>
-              </a:spcBef>
-              <a:buFontTx/>
-              <a:buNone/>
-              <a:defRPr lang="fr-FR" sz="2000" b="1" kern="1200" dirty="0" smtClean="0">
-                <a:solidFill>
-                  <a:srgbClr val="004D6F"/>
-                </a:solidFill>
-                <a:latin typeface="Arial" pitchFamily="34" charset="0"/>
-                <a:ea typeface="+mn-ea"/>
-                <a:cs typeface="Arial" pitchFamily="34" charset="0"/>
-              </a:defRPr>
-            </a:lvl1pPr>
-            <a:lvl2pPr marL="742950" indent="-285750" algn="l" defTabSz="914400" rtl="0" eaLnBrk="1" latinLnBrk="0" hangingPunct="1">
-              <a:spcBef>
-                <a:spcPct val="20000"/>
-              </a:spcBef>
-              <a:buFont typeface="Arial" panose="020B0604020202020204" pitchFamily="34" charset="0"/>
-              <a:buChar char="–"/>
-              <a:defRPr lang="fr-FR" sz="1500" b="1" kern="1200" baseline="0" dirty="0" smtClean="0">
-                <a:solidFill>
-                  <a:srgbClr val="4F4D50"/>
-                </a:solidFill>
-                <a:latin typeface="Arial" pitchFamily="34" charset="0"/>
-                <a:ea typeface="+mn-ea"/>
-                <a:cs typeface="Arial" pitchFamily="34" charset="0"/>
-              </a:defRPr>
-            </a:lvl2pPr>
-            <a:lvl3pPr marL="1143000" indent="-228600" algn="l" defTabSz="914400" rtl="0" eaLnBrk="1" latinLnBrk="0" hangingPunct="1">
-              <a:lnSpc>
-                <a:spcPct val="100000"/>
-              </a:lnSpc>
-              <a:spcBef>
-                <a:spcPts val="600"/>
-              </a:spcBef>
-              <a:buFont typeface="Arial" panose="020B0604020202020204" pitchFamily="34" charset="0"/>
-              <a:buChar char="•"/>
-              <a:defRPr lang="fr-FR" sz="1200" kern="1200" baseline="0" dirty="0" smtClean="0">
-                <a:solidFill>
-                  <a:srgbClr val="4F4D50"/>
-                </a:solidFill>
-                <a:latin typeface="Arial" pitchFamily="34" charset="0"/>
-                <a:ea typeface="+mn-ea"/>
-                <a:cs typeface="Arial" pitchFamily="34" charset="0"/>
-              </a:defRPr>
-            </a:lvl3pPr>
-            <a:lvl4pPr marL="1600200" indent="-228600" algn="l" defTabSz="914400" rtl="0" eaLnBrk="1" latinLnBrk="0" hangingPunct="1">
-              <a:spcBef>
-                <a:spcPct val="20000"/>
-              </a:spcBef>
-              <a:buFont typeface="Arial" panose="020B0604020202020204" pitchFamily="34" charset="0"/>
-              <a:buChar char="–"/>
-              <a:defRPr sz="2000" kern="1200">
-                <a:solidFill>
-                  <a:schemeClr val="tx1"/>
-                </a:solidFill>
-                <a:latin typeface="+mn-lt"/>
-                <a:ea typeface="+mn-ea"/>
-                <a:cs typeface="+mn-cs"/>
-              </a:defRPr>
-            </a:lvl4pPr>
-            <a:lvl5pPr marL="2057400" indent="-228600" algn="l" defTabSz="914400" rtl="0" eaLnBrk="1" latinLnBrk="0" hangingPunct="1">
-              <a:spcBef>
-                <a:spcPct val="20000"/>
-              </a:spcBef>
-              <a:buFont typeface="Arial" panose="020B0604020202020204" pitchFamily="34" charset="0"/>
-              <a:buChar char="»"/>
-              <a:defRPr sz="2000" kern="1200">
-                <a:solidFill>
-                  <a:schemeClr val="tx1"/>
-                </a:solidFill>
-                <a:latin typeface="+mn-lt"/>
-                <a:ea typeface="+mn-ea"/>
-                <a:cs typeface="+mn-cs"/>
-              </a:defRPr>
-            </a:lvl5pPr>
-            <a:lvl6pPr marL="2514600" indent="-228600" algn="l" defTabSz="914400" rtl="0" eaLnBrk="1" latinLnBrk="0" hangingPunct="1">
-              <a:spcBef>
-                <a:spcPct val="20000"/>
-              </a:spcBef>
-              <a:buFont typeface="Arial" panose="020B0604020202020204" pitchFamily="34" charset="0"/>
-              <a:buChar char="•"/>
-              <a:defRPr sz="2000" kern="1200">
-                <a:solidFill>
-                  <a:schemeClr val="tx1"/>
-                </a:solidFill>
-                <a:latin typeface="+mn-lt"/>
-                <a:ea typeface="+mn-ea"/>
-                <a:cs typeface="+mn-cs"/>
-              </a:defRPr>
-            </a:lvl6pPr>
-            <a:lvl7pPr marL="2971800" indent="-228600" algn="l" defTabSz="914400" rtl="0" eaLnBrk="1" latinLnBrk="0" hangingPunct="1">
-              <a:spcBef>
-                <a:spcPct val="20000"/>
-              </a:spcBef>
-              <a:buFont typeface="Arial" panose="020B0604020202020204" pitchFamily="34" charset="0"/>
-              <a:buChar char="•"/>
-              <a:defRPr sz="2000" kern="1200">
-                <a:solidFill>
-                  <a:schemeClr val="tx1"/>
-                </a:solidFill>
-                <a:latin typeface="+mn-lt"/>
-                <a:ea typeface="+mn-ea"/>
-                <a:cs typeface="+mn-cs"/>
-              </a:defRPr>
-            </a:lvl7pPr>
-            <a:lvl8pPr marL="3429000" indent="-228600" algn="l" defTabSz="914400" rtl="0" eaLnBrk="1" latinLnBrk="0" hangingPunct="1">
-              <a:spcBef>
-                <a:spcPct val="20000"/>
-              </a:spcBef>
-              <a:buFont typeface="Arial" panose="020B0604020202020204" pitchFamily="34" charset="0"/>
-              <a:buChar char="•"/>
-              <a:defRPr sz="2000" kern="1200">
-                <a:solidFill>
-                  <a:schemeClr val="tx1"/>
-                </a:solidFill>
-                <a:latin typeface="+mn-lt"/>
-                <a:ea typeface="+mn-ea"/>
-                <a:cs typeface="+mn-cs"/>
-              </a:defRPr>
-            </a:lvl8pPr>
-            <a:lvl9pPr marL="3886200" indent="-228600" algn="l" defTabSz="914400" rtl="0" eaLnBrk="1" latinLnBrk="0" hangingPunct="1">
-              <a:spcBef>
-                <a:spcPct val="20000"/>
-              </a:spcBef>
-              <a:buFont typeface="Arial" panose="020B0604020202020204" pitchFamily="34" charset="0"/>
-              <a:buChar char="•"/>
-              <a:defRPr sz="2000" kern="1200">
-                <a:solidFill>
-                  <a:schemeClr val="tx1"/>
-                </a:solidFill>
-                <a:latin typeface="+mn-lt"/>
-                <a:ea typeface="+mn-ea"/>
-                <a:cs typeface="+mn-cs"/>
-              </a:defRPr>
-            </a:lvl9pPr>
-          </a:lstStyle>
-          <a:p>
-            <a:r>
-              <a:rPr lang="fr-FR" dirty="0" err="1" smtClean="0"/>
-              <a:t>ADTool</a:t>
-            </a:r>
-            <a:endParaRPr lang="fr-FR" dirty="0" smtClean="0"/>
-          </a:p>
-        </p:txBody>
-      </p:sp>
     </p:spTree>
   </p:cSld>
   <p:clrMapOvr>
@@ -11088,7 +13854,7 @@
       </p:grpSpPr>
       <p:sp>
         <p:nvSpPr>
-          <p:cNvPr id="103" name="TextShape 1"/>
+          <p:cNvPr id="101" name="TextShape 1"/>
           <p:cNvSpPr txBox="1"/>
           <p:nvPr/>
         </p:nvSpPr>
@@ -11129,7 +13895,7 @@
       </p:sp>
       <p:pic>
         <p:nvPicPr>
-          <p:cNvPr id="104" name="Image 103"/>
+          <p:cNvPr id="102" name="Image 101"/>
           <p:cNvPicPr/>
           <p:nvPr/>
         </p:nvPicPr>
@@ -11139,8 +13905,8 @@
         </p:blipFill>
         <p:spPr>
           <a:xfrm>
-            <a:off x="1368360" y="1114560"/>
-            <a:ext cx="6571800" cy="4645800"/>
+            <a:off x="2157480" y="663840"/>
+            <a:ext cx="5042520" cy="5960160"/>
           </a:xfrm>
           <a:prstGeom prst="rect">
             <a:avLst/>
@@ -11150,176 +13916,6 @@
           </a:ln>
         </p:spPr>
       </p:pic>
-      <p:sp>
-        <p:nvSpPr>
-          <p:cNvPr id="4" name="Espace réservé du texte 3"/>
-          <p:cNvSpPr txBox="1">
-            <a:spLocks/>
-          </p:cNvSpPr>
-          <p:nvPr/>
-        </p:nvSpPr>
-        <p:spPr>
-          <a:xfrm>
-            <a:off x="2700338" y="6597650"/>
-            <a:ext cx="5327650" cy="215900"/>
-          </a:xfrm>
-          <a:prstGeom prst="rect">
-            <a:avLst/>
-          </a:prstGeom>
-        </p:spPr>
-        <p:txBody>
-          <a:bodyPr>
-            <a:normAutofit fontScale="47500" lnSpcReduction="20000"/>
-          </a:bodyPr>
-          <a:lstStyle>
-            <a:lvl1pPr marL="0" indent="0" algn="l" defTabSz="914400" rtl="0" eaLnBrk="1" latinLnBrk="0" hangingPunct="1">
-              <a:spcBef>
-                <a:spcPct val="20000"/>
-              </a:spcBef>
-              <a:buFontTx/>
-              <a:buNone/>
-              <a:defRPr lang="fr-FR" sz="2000" b="1" kern="1200" dirty="0" smtClean="0">
-                <a:solidFill>
-                  <a:srgbClr val="004D6F"/>
-                </a:solidFill>
-                <a:latin typeface="Arial" pitchFamily="34" charset="0"/>
-                <a:ea typeface="+mn-ea"/>
-                <a:cs typeface="Arial" pitchFamily="34" charset="0"/>
-              </a:defRPr>
-            </a:lvl1pPr>
-            <a:lvl2pPr marL="742950" indent="-285750" algn="l" defTabSz="914400" rtl="0" eaLnBrk="1" latinLnBrk="0" hangingPunct="1">
-              <a:spcBef>
-                <a:spcPct val="20000"/>
-              </a:spcBef>
-              <a:buFont typeface="Arial" panose="020B0604020202020204" pitchFamily="34" charset="0"/>
-              <a:buChar char="–"/>
-              <a:defRPr lang="fr-FR" sz="1500" b="1" kern="1200" baseline="0" dirty="0" smtClean="0">
-                <a:solidFill>
-                  <a:srgbClr val="4F4D50"/>
-                </a:solidFill>
-                <a:latin typeface="Arial" pitchFamily="34" charset="0"/>
-                <a:ea typeface="+mn-ea"/>
-                <a:cs typeface="Arial" pitchFamily="34" charset="0"/>
-              </a:defRPr>
-            </a:lvl2pPr>
-            <a:lvl3pPr marL="1143000" indent="-228600" algn="l" defTabSz="914400" rtl="0" eaLnBrk="1" latinLnBrk="0" hangingPunct="1">
-              <a:lnSpc>
-                <a:spcPct val="100000"/>
-              </a:lnSpc>
-              <a:spcBef>
-                <a:spcPts val="600"/>
-              </a:spcBef>
-              <a:buFont typeface="Arial" panose="020B0604020202020204" pitchFamily="34" charset="0"/>
-              <a:buChar char="•"/>
-              <a:defRPr lang="fr-FR" sz="1200" kern="1200" baseline="0" dirty="0" smtClean="0">
-                <a:solidFill>
-                  <a:srgbClr val="4F4D50"/>
-                </a:solidFill>
-                <a:latin typeface="Arial" pitchFamily="34" charset="0"/>
-                <a:ea typeface="+mn-ea"/>
-                <a:cs typeface="Arial" pitchFamily="34" charset="0"/>
-              </a:defRPr>
-            </a:lvl3pPr>
-            <a:lvl4pPr marL="1600200" indent="-228600" algn="l" defTabSz="914400" rtl="0" eaLnBrk="1" latinLnBrk="0" hangingPunct="1">
-              <a:spcBef>
-                <a:spcPct val="20000"/>
-              </a:spcBef>
-              <a:buFont typeface="Arial" panose="020B0604020202020204" pitchFamily="34" charset="0"/>
-              <a:buChar char="–"/>
-              <a:defRPr sz="2000" kern="1200">
-                <a:solidFill>
-                  <a:schemeClr val="tx1"/>
-                </a:solidFill>
-                <a:latin typeface="+mn-lt"/>
-                <a:ea typeface="+mn-ea"/>
-                <a:cs typeface="+mn-cs"/>
-              </a:defRPr>
-            </a:lvl4pPr>
-            <a:lvl5pPr marL="2057400" indent="-228600" algn="l" defTabSz="914400" rtl="0" eaLnBrk="1" latinLnBrk="0" hangingPunct="1">
-              <a:spcBef>
-                <a:spcPct val="20000"/>
-              </a:spcBef>
-              <a:buFont typeface="Arial" panose="020B0604020202020204" pitchFamily="34" charset="0"/>
-              <a:buChar char="»"/>
-              <a:defRPr sz="2000" kern="1200">
-                <a:solidFill>
-                  <a:schemeClr val="tx1"/>
-                </a:solidFill>
-                <a:latin typeface="+mn-lt"/>
-                <a:ea typeface="+mn-ea"/>
-                <a:cs typeface="+mn-cs"/>
-              </a:defRPr>
-            </a:lvl5pPr>
-            <a:lvl6pPr marL="2514600" indent="-228600" algn="l" defTabSz="914400" rtl="0" eaLnBrk="1" latinLnBrk="0" hangingPunct="1">
-              <a:spcBef>
-                <a:spcPct val="20000"/>
-              </a:spcBef>
-              <a:buFont typeface="Arial" panose="020B0604020202020204" pitchFamily="34" charset="0"/>
-              <a:buChar char="•"/>
-              <a:defRPr sz="2000" kern="1200">
-                <a:solidFill>
-                  <a:schemeClr val="tx1"/>
-                </a:solidFill>
-                <a:latin typeface="+mn-lt"/>
-                <a:ea typeface="+mn-ea"/>
-                <a:cs typeface="+mn-cs"/>
-              </a:defRPr>
-            </a:lvl6pPr>
-            <a:lvl7pPr marL="2971800" indent="-228600" algn="l" defTabSz="914400" rtl="0" eaLnBrk="1" latinLnBrk="0" hangingPunct="1">
-              <a:spcBef>
-                <a:spcPct val="20000"/>
-              </a:spcBef>
-              <a:buFont typeface="Arial" panose="020B0604020202020204" pitchFamily="34" charset="0"/>
-              <a:buChar char="•"/>
-              <a:defRPr sz="2000" kern="1200">
-                <a:solidFill>
-                  <a:schemeClr val="tx1"/>
-                </a:solidFill>
-                <a:latin typeface="+mn-lt"/>
-                <a:ea typeface="+mn-ea"/>
-                <a:cs typeface="+mn-cs"/>
-              </a:defRPr>
-            </a:lvl7pPr>
-            <a:lvl8pPr marL="3429000" indent="-228600" algn="l" defTabSz="914400" rtl="0" eaLnBrk="1" latinLnBrk="0" hangingPunct="1">
-              <a:spcBef>
-                <a:spcPct val="20000"/>
-              </a:spcBef>
-              <a:buFont typeface="Arial" panose="020B0604020202020204" pitchFamily="34" charset="0"/>
-              <a:buChar char="•"/>
-              <a:defRPr sz="2000" kern="1200">
-                <a:solidFill>
-                  <a:schemeClr val="tx1"/>
-                </a:solidFill>
-                <a:latin typeface="+mn-lt"/>
-                <a:ea typeface="+mn-ea"/>
-                <a:cs typeface="+mn-cs"/>
-              </a:defRPr>
-            </a:lvl8pPr>
-            <a:lvl9pPr marL="3886200" indent="-228600" algn="l" defTabSz="914400" rtl="0" eaLnBrk="1" latinLnBrk="0" hangingPunct="1">
-              <a:spcBef>
-                <a:spcPct val="20000"/>
-              </a:spcBef>
-              <a:buFont typeface="Arial" panose="020B0604020202020204" pitchFamily="34" charset="0"/>
-              <a:buChar char="•"/>
-              <a:defRPr sz="2000" kern="1200">
-                <a:solidFill>
-                  <a:schemeClr val="tx1"/>
-                </a:solidFill>
-                <a:latin typeface="+mn-lt"/>
-                <a:ea typeface="+mn-ea"/>
-                <a:cs typeface="+mn-cs"/>
-              </a:defRPr>
-            </a:lvl9pPr>
-          </a:lstStyle>
-          <a:p>
-            <a:r>
-              <a:rPr lang="fr-FR" dirty="0" err="1" smtClean="0"/>
-              <a:t>ADTool</a:t>
-            </a:r>
-            <a:endParaRPr lang="fr-FR" dirty="0" smtClean="0"/>
-          </a:p>
-        </p:txBody>
-      </p:sp>
     </p:spTree>
   </p:cSld>
   <p:clrMapOvr>
@@ -11374,13 +13970,13 @@
       </p:grpSpPr>
       <p:sp>
         <p:nvSpPr>
-          <p:cNvPr id="105" name="TextShape 1"/>
+          <p:cNvPr id="103" name="TextShape 1"/>
           <p:cNvSpPr txBox="1"/>
           <p:nvPr/>
         </p:nvSpPr>
         <p:spPr>
           <a:xfrm>
-            <a:off x="1763640" y="92880"/>
+            <a:off x="1763640" y="92520"/>
             <a:ext cx="6460560" cy="571320"/>
           </a:xfrm>
           <a:prstGeom prst="rect">
@@ -11415,7 +14011,7 @@
       </p:sp>
       <p:pic>
         <p:nvPicPr>
-          <p:cNvPr id="106" name="Image 105"/>
+          <p:cNvPr id="104" name="Image 103"/>
           <p:cNvPicPr/>
           <p:nvPr/>
         </p:nvPicPr>
@@ -11425,8 +14021,8 @@
         </p:blipFill>
         <p:spPr>
           <a:xfrm>
-            <a:off x="1850400" y="1000440"/>
-            <a:ext cx="5524560" cy="4884480"/>
+            <a:off x="1368360" y="1114560"/>
+            <a:ext cx="6571800" cy="4645800"/>
           </a:xfrm>
           <a:prstGeom prst="rect">
             <a:avLst/>
@@ -11436,176 +14032,6 @@
           </a:ln>
         </p:spPr>
       </p:pic>
-      <p:sp>
-        <p:nvSpPr>
-          <p:cNvPr id="4" name="Espace réservé du texte 3"/>
-          <p:cNvSpPr txBox="1">
-            <a:spLocks/>
-          </p:cNvSpPr>
-          <p:nvPr/>
-        </p:nvSpPr>
-        <p:spPr>
-          <a:xfrm>
-            <a:off x="2700338" y="6597650"/>
-            <a:ext cx="5327650" cy="215900"/>
-          </a:xfrm>
-          <a:prstGeom prst="rect">
-            <a:avLst/>
-          </a:prstGeom>
-        </p:spPr>
-        <p:txBody>
-          <a:bodyPr>
-            <a:normAutofit fontScale="47500" lnSpcReduction="20000"/>
-          </a:bodyPr>
-          <a:lstStyle>
-            <a:lvl1pPr marL="0" indent="0" algn="l" defTabSz="914400" rtl="0" eaLnBrk="1" latinLnBrk="0" hangingPunct="1">
-              <a:spcBef>
-                <a:spcPct val="20000"/>
-              </a:spcBef>
-              <a:buFontTx/>
-              <a:buNone/>
-              <a:defRPr lang="fr-FR" sz="2000" b="1" kern="1200" dirty="0" smtClean="0">
-                <a:solidFill>
-                  <a:srgbClr val="004D6F"/>
-                </a:solidFill>
-                <a:latin typeface="Arial" pitchFamily="34" charset="0"/>
-                <a:ea typeface="+mn-ea"/>
-                <a:cs typeface="Arial" pitchFamily="34" charset="0"/>
-              </a:defRPr>
-            </a:lvl1pPr>
-            <a:lvl2pPr marL="742950" indent="-285750" algn="l" defTabSz="914400" rtl="0" eaLnBrk="1" latinLnBrk="0" hangingPunct="1">
-              <a:spcBef>
-                <a:spcPct val="20000"/>
-              </a:spcBef>
-              <a:buFont typeface="Arial" panose="020B0604020202020204" pitchFamily="34" charset="0"/>
-              <a:buChar char="–"/>
-              <a:defRPr lang="fr-FR" sz="1500" b="1" kern="1200" baseline="0" dirty="0" smtClean="0">
-                <a:solidFill>
-                  <a:srgbClr val="4F4D50"/>
-                </a:solidFill>
-                <a:latin typeface="Arial" pitchFamily="34" charset="0"/>
-                <a:ea typeface="+mn-ea"/>
-                <a:cs typeface="Arial" pitchFamily="34" charset="0"/>
-              </a:defRPr>
-            </a:lvl2pPr>
-            <a:lvl3pPr marL="1143000" indent="-228600" algn="l" defTabSz="914400" rtl="0" eaLnBrk="1" latinLnBrk="0" hangingPunct="1">
-              <a:lnSpc>
-                <a:spcPct val="100000"/>
-              </a:lnSpc>
-              <a:spcBef>
-                <a:spcPts val="600"/>
-              </a:spcBef>
-              <a:buFont typeface="Arial" panose="020B0604020202020204" pitchFamily="34" charset="0"/>
-              <a:buChar char="•"/>
-              <a:defRPr lang="fr-FR" sz="1200" kern="1200" baseline="0" dirty="0" smtClean="0">
-                <a:solidFill>
-                  <a:srgbClr val="4F4D50"/>
-                </a:solidFill>
-                <a:latin typeface="Arial" pitchFamily="34" charset="0"/>
-                <a:ea typeface="+mn-ea"/>
-                <a:cs typeface="Arial" pitchFamily="34" charset="0"/>
-              </a:defRPr>
-            </a:lvl3pPr>
-            <a:lvl4pPr marL="1600200" indent="-228600" algn="l" defTabSz="914400" rtl="0" eaLnBrk="1" latinLnBrk="0" hangingPunct="1">
-              <a:spcBef>
-                <a:spcPct val="20000"/>
-              </a:spcBef>
-              <a:buFont typeface="Arial" panose="020B0604020202020204" pitchFamily="34" charset="0"/>
-              <a:buChar char="–"/>
-              <a:defRPr sz="2000" kern="1200">
-                <a:solidFill>
-                  <a:schemeClr val="tx1"/>
-                </a:solidFill>
-                <a:latin typeface="+mn-lt"/>
-                <a:ea typeface="+mn-ea"/>
-                <a:cs typeface="+mn-cs"/>
-              </a:defRPr>
-            </a:lvl4pPr>
-            <a:lvl5pPr marL="2057400" indent="-228600" algn="l" defTabSz="914400" rtl="0" eaLnBrk="1" latinLnBrk="0" hangingPunct="1">
-              <a:spcBef>
-                <a:spcPct val="20000"/>
-              </a:spcBef>
-              <a:buFont typeface="Arial" panose="020B0604020202020204" pitchFamily="34" charset="0"/>
-              <a:buChar char="»"/>
-              <a:defRPr sz="2000" kern="1200">
-                <a:solidFill>
-                  <a:schemeClr val="tx1"/>
-                </a:solidFill>
-                <a:latin typeface="+mn-lt"/>
-                <a:ea typeface="+mn-ea"/>
-                <a:cs typeface="+mn-cs"/>
-              </a:defRPr>
-            </a:lvl5pPr>
-            <a:lvl6pPr marL="2514600" indent="-228600" algn="l" defTabSz="914400" rtl="0" eaLnBrk="1" latinLnBrk="0" hangingPunct="1">
-              <a:spcBef>
-                <a:spcPct val="20000"/>
-              </a:spcBef>
-              <a:buFont typeface="Arial" panose="020B0604020202020204" pitchFamily="34" charset="0"/>
-              <a:buChar char="•"/>
-              <a:defRPr sz="2000" kern="1200">
-                <a:solidFill>
-                  <a:schemeClr val="tx1"/>
-                </a:solidFill>
-                <a:latin typeface="+mn-lt"/>
-                <a:ea typeface="+mn-ea"/>
-                <a:cs typeface="+mn-cs"/>
-              </a:defRPr>
-            </a:lvl6pPr>
-            <a:lvl7pPr marL="2971800" indent="-228600" algn="l" defTabSz="914400" rtl="0" eaLnBrk="1" latinLnBrk="0" hangingPunct="1">
-              <a:spcBef>
-                <a:spcPct val="20000"/>
-              </a:spcBef>
-              <a:buFont typeface="Arial" panose="020B0604020202020204" pitchFamily="34" charset="0"/>
-              <a:buChar char="•"/>
-              <a:defRPr sz="2000" kern="1200">
-                <a:solidFill>
-                  <a:schemeClr val="tx1"/>
-                </a:solidFill>
-                <a:latin typeface="+mn-lt"/>
-                <a:ea typeface="+mn-ea"/>
-                <a:cs typeface="+mn-cs"/>
-              </a:defRPr>
-            </a:lvl7pPr>
-            <a:lvl8pPr marL="3429000" indent="-228600" algn="l" defTabSz="914400" rtl="0" eaLnBrk="1" latinLnBrk="0" hangingPunct="1">
-              <a:spcBef>
-                <a:spcPct val="20000"/>
-              </a:spcBef>
-              <a:buFont typeface="Arial" panose="020B0604020202020204" pitchFamily="34" charset="0"/>
-              <a:buChar char="•"/>
-              <a:defRPr sz="2000" kern="1200">
-                <a:solidFill>
-                  <a:schemeClr val="tx1"/>
-                </a:solidFill>
-                <a:latin typeface="+mn-lt"/>
-                <a:ea typeface="+mn-ea"/>
-                <a:cs typeface="+mn-cs"/>
-              </a:defRPr>
-            </a:lvl8pPr>
-            <a:lvl9pPr marL="3886200" indent="-228600" algn="l" defTabSz="914400" rtl="0" eaLnBrk="1" latinLnBrk="0" hangingPunct="1">
-              <a:spcBef>
-                <a:spcPct val="20000"/>
-              </a:spcBef>
-              <a:buFont typeface="Arial" panose="020B0604020202020204" pitchFamily="34" charset="0"/>
-              <a:buChar char="•"/>
-              <a:defRPr sz="2000" kern="1200">
-                <a:solidFill>
-                  <a:schemeClr val="tx1"/>
-                </a:solidFill>
-                <a:latin typeface="+mn-lt"/>
-                <a:ea typeface="+mn-ea"/>
-                <a:cs typeface="+mn-cs"/>
-              </a:defRPr>
-            </a:lvl9pPr>
-          </a:lstStyle>
-          <a:p>
-            <a:r>
-              <a:rPr lang="fr-FR" dirty="0" err="1" smtClean="0"/>
-              <a:t>ADTool</a:t>
-            </a:r>
-            <a:endParaRPr lang="fr-FR" dirty="0" smtClean="0"/>
-          </a:p>
-        </p:txBody>
-      </p:sp>
     </p:spTree>
   </p:cSld>
   <p:clrMapOvr>

--- a/soutenances/projet_decembre/soutenance_projet_decembre.pptx
+++ b/soutenances/projet_decembre/soutenance_projet_decembre.pptx
@@ -9,7 +9,7 @@
   </p:notesMasterIdLst>
   <p:sldIdLst>
     <p:sldId id="261" r:id="rId2"/>
-    <p:sldId id="262" r:id="rId3"/>
+    <p:sldId id="292" r:id="rId3"/>
     <p:sldId id="263" r:id="rId4"/>
     <p:sldId id="264" r:id="rId5"/>
     <p:sldId id="288" r:id="rId6"/>
@@ -26,14 +26,14 @@
     <p:sldId id="276" r:id="rId17"/>
     <p:sldId id="277" r:id="rId18"/>
     <p:sldId id="278" r:id="rId19"/>
-    <p:sldId id="279" r:id="rId20"/>
+    <p:sldId id="289" r:id="rId20"/>
     <p:sldId id="280" r:id="rId21"/>
     <p:sldId id="281" r:id="rId22"/>
     <p:sldId id="282" r:id="rId23"/>
     <p:sldId id="285" r:id="rId24"/>
     <p:sldId id="284" r:id="rId25"/>
-    <p:sldId id="286" r:id="rId26"/>
-    <p:sldId id="287" r:id="rId27"/>
+    <p:sldId id="290" r:id="rId26"/>
+    <p:sldId id="291" r:id="rId27"/>
   </p:sldIdLst>
   <p:sldSz cx="9144000" cy="6858000" type="screen4x3"/>
   <p:notesSz cx="6858000" cy="9144000"/>
@@ -138,7 +138,7 @@
         <p14:section name="Modèles INSA" id="{339B715A-A4F6-482F-9E8F-E995A152AF53}">
           <p14:sldIdLst>
             <p14:sldId id="261"/>
-            <p14:sldId id="262"/>
+            <p14:sldId id="292"/>
             <p14:sldId id="263"/>
             <p14:sldId id="264"/>
             <p14:sldId id="288"/>
@@ -155,14 +155,14 @@
             <p14:sldId id="276"/>
             <p14:sldId id="277"/>
             <p14:sldId id="278"/>
-            <p14:sldId id="279"/>
+            <p14:sldId id="289"/>
             <p14:sldId id="280"/>
             <p14:sldId id="281"/>
             <p14:sldId id="282"/>
             <p14:sldId id="285"/>
             <p14:sldId id="284"/>
-            <p14:sldId id="286"/>
-            <p14:sldId id="287"/>
+            <p14:sldId id="290"/>
+            <p14:sldId id="291"/>
           </p14:sldIdLst>
         </p14:section>
       </p14:sectionLst>
@@ -1234,7 +1234,9 @@
         </p:nvSpPr>
         <p:spPr/>
         <p:txBody>
-          <a:bodyPr/>
+          <a:bodyPr>
+            <a:normAutofit/>
+          </a:bodyPr>
           <a:lstStyle/>
           <a:p>
             <a:r>
@@ -1272,12 +1274,8 @@
               <a:buChar char="•"/>
             </a:pPr>
             <a:r>
-              <a:rPr lang="fr-FR" baseline="0" dirty="0" err="1" smtClean="0"/>
-              <a:t>Interet</a:t>
-            </a:r>
-            <a:r>
               <a:rPr lang="fr-FR" baseline="0" dirty="0" smtClean="0"/>
-              <a:t> de la spécialisation (moins de relectures/repasses : MS Project, intro/conclu) : </a:t>
+              <a:t>Intérêt de la spécialisation (moins de relectures/repasses : MS Project, intro/conclu) : </a:t>
             </a:r>
             <a:r>
               <a:rPr lang="fr-FR" baseline="0" dirty="0" err="1" smtClean="0"/>
@@ -1330,9 +1328,11 @@
               <a:buChar char="•"/>
             </a:pPr>
             <a:r>
-              <a:rPr lang="fr-FR" smtClean="0"/>
+              <a:rPr lang="fr-FR" dirty="0" smtClean="0"/>
               <a:t>Gain rapidité</a:t>
             </a:r>
+          </a:p>
+          <a:p>
             <a:endParaRPr lang="fr-FR" dirty="0"/>
           </a:p>
         </p:txBody>
@@ -1356,6 +1356,86 @@
               <a:rPr lang="fr-FR" smtClean="0"/>
               <a:pPr/>
               <a:t>25</a:t>
+            </a:fld>
+            <a:endParaRPr lang="fr-FR"/>
+          </a:p>
+        </p:txBody>
+      </p:sp>
+    </p:spTree>
+  </p:cSld>
+  <p:clrMapOvr>
+    <a:masterClrMapping/>
+  </p:clrMapOvr>
+</p:notes>
+</file>
+
+<file path=ppt/notesSlides/notesSlide15.xml><?xml version="1.0" encoding="utf-8"?>
+<p:notes xmlns:a="http://schemas.openxmlformats.org/drawingml/2006/main" xmlns:r="http://schemas.openxmlformats.org/officeDocument/2006/relationships" xmlns:p="http://schemas.openxmlformats.org/presentationml/2006/main">
+  <p:cSld>
+    <p:spTree>
+      <p:nvGrpSpPr>
+        <p:cNvPr id="1" name=""/>
+        <p:cNvGrpSpPr/>
+        <p:nvPr/>
+      </p:nvGrpSpPr>
+      <p:grpSpPr>
+        <a:xfrm>
+          <a:off x="0" y="0"/>
+          <a:ext cx="0" cy="0"/>
+          <a:chOff x="0" y="0"/>
+          <a:chExt cx="0" cy="0"/>
+        </a:xfrm>
+      </p:grpSpPr>
+      <p:sp>
+        <p:nvSpPr>
+          <p:cNvPr id="2" name="Espace réservé de l'image des diapositives 1"/>
+          <p:cNvSpPr>
+            <a:spLocks noGrp="1" noRot="1" noChangeAspect="1"/>
+          </p:cNvSpPr>
+          <p:nvPr>
+            <p:ph type="sldImg"/>
+          </p:nvPr>
+        </p:nvSpPr>
+        <p:spPr/>
+      </p:sp>
+      <p:sp>
+        <p:nvSpPr>
+          <p:cNvPr id="3" name="Espace réservé des commentaires 2"/>
+          <p:cNvSpPr>
+            <a:spLocks noGrp="1"/>
+          </p:cNvSpPr>
+          <p:nvPr>
+            <p:ph type="body" idx="1"/>
+          </p:nvPr>
+        </p:nvSpPr>
+        <p:spPr/>
+        <p:txBody>
+          <a:bodyPr/>
+          <a:lstStyle/>
+          <a:p>
+            <a:endParaRPr lang="fr-FR" dirty="0"/>
+          </a:p>
+        </p:txBody>
+      </p:sp>
+      <p:sp>
+        <p:nvSpPr>
+          <p:cNvPr id="4" name="Espace réservé du numéro de diapositive 3"/>
+          <p:cNvSpPr>
+            <a:spLocks noGrp="1"/>
+          </p:cNvSpPr>
+          <p:nvPr>
+            <p:ph type="sldNum" sz="quarter" idx="10"/>
+          </p:nvPr>
+        </p:nvSpPr>
+        <p:spPr/>
+        <p:txBody>
+          <a:bodyPr/>
+          <a:lstStyle/>
+          <a:p>
+            <a:fld id="{2600FC35-23D2-447E-B61F-00B8DBEE929E}" type="slidenum">
+              <a:rPr lang="fr-FR" smtClean="0"/>
+              <a:pPr/>
+              <a:t>26</a:t>
             </a:fld>
             <a:endParaRPr lang="fr-FR"/>
           </a:p>
@@ -7520,7 +7600,15 @@
             </a:r>
             <a:r>
               <a:rPr lang="fr-FR" dirty="0" smtClean="0"/>
-              <a:t> selon le cout minimum pour l’attaquant</a:t>
+              <a:t> selon le </a:t>
+            </a:r>
+            <a:r>
+              <a:rPr lang="fr-FR" dirty="0" smtClean="0"/>
+              <a:t>coût </a:t>
+            </a:r>
+            <a:r>
+              <a:rPr lang="fr-FR" dirty="0" smtClean="0"/>
+              <a:t>minimum pour l’attaquant</a:t>
             </a:r>
             <a:endParaRPr lang="fr-FR" dirty="0"/>
           </a:p>
@@ -8101,7 +8189,15 @@
           <a:p>
             <a:r>
               <a:rPr lang="fr-FR" dirty="0" smtClean="0"/>
-              <a:t>Arbre filtré pour un coup compris  dans l’intervalle [0,500]</a:t>
+              <a:t>Arbre filtré pour un </a:t>
+            </a:r>
+            <a:r>
+              <a:rPr lang="fr-FR" dirty="0" smtClean="0"/>
+              <a:t>coût </a:t>
+            </a:r>
+            <a:r>
+              <a:rPr lang="fr-FR" dirty="0" smtClean="0"/>
+              <a:t>compris  dans l’intervalle [0,500]</a:t>
             </a:r>
             <a:endParaRPr lang="fr-FR" dirty="0"/>
           </a:p>
@@ -8513,7 +8609,15 @@
             <a:pPr algn="just"/>
             <a:r>
               <a:rPr lang="fr-FR" sz="2400" dirty="0" smtClean="0"/>
-              <a:t>Arbre optimisé pour un coup minimal</a:t>
+              <a:t>Arbre optimisé pour un </a:t>
+            </a:r>
+            <a:r>
+              <a:rPr lang="fr-FR" sz="2400" dirty="0" smtClean="0"/>
+              <a:t>coût </a:t>
+            </a:r>
+            <a:r>
+              <a:rPr lang="fr-FR" sz="2400" dirty="0" smtClean="0"/>
+              <a:t>minimal</a:t>
             </a:r>
             <a:endParaRPr lang="fr-FR" sz="2400" dirty="0"/>
           </a:p>
@@ -8746,6 +8850,7 @@
           <a:bodyPr/>
           <a:lstStyle/>
           <a:p>
+            <a:pPr algn="ctr"/>
             <a:r>
               <a:rPr lang="fr-FR" dirty="0" smtClean="0"/>
               <a:t>Ergonomie logicielle</a:t>
@@ -9011,8 +9116,13 @@
           <a:p>
             <a:r>
               <a:rPr lang="fr-FR" sz="2400" dirty="0"/>
-              <a:t>Une bibliothèque de modèle.</a:t>
-            </a:r>
+              <a:t>Une bibliothèque de </a:t>
+            </a:r>
+            <a:r>
+              <a:rPr lang="fr-FR" sz="2400" dirty="0" smtClean="0"/>
+              <a:t>modèles</a:t>
+            </a:r>
+            <a:endParaRPr lang="fr-FR" sz="2400" dirty="0"/>
           </a:p>
           <a:p>
             <a:endParaRPr lang="fr-FR" dirty="0"/>
@@ -9080,6 +9190,47 @@
           </a:p>
         </p:txBody>
       </p:sp>
+      <p:pic>
+        <p:nvPicPr>
+          <p:cNvPr id="1026" name="Picture 2" descr="F:\Documents\Cours\4AN\Projet Korrigo\korrigolo\soutenances\projet_decembre\Images\ex_modele.png"/>
+          <p:cNvPicPr>
+            <a:picLocks noChangeAspect="1" noChangeArrowheads="1"/>
+          </p:cNvPicPr>
+          <p:nvPr/>
+        </p:nvPicPr>
+        <p:blipFill>
+          <a:blip r:embed="rId3" cstate="print">
+            <a:extLst>
+              <a:ext uri="{28A0092B-C50C-407E-A947-70E740481C1C}">
+                <a14:useLocalDpi xmlns:a14="http://schemas.microsoft.com/office/drawing/2010/main" val="0"/>
+              </a:ext>
+            </a:extLst>
+          </a:blip>
+          <a:srcRect/>
+          <a:stretch>
+            <a:fillRect/>
+          </a:stretch>
+        </p:blipFill>
+        <p:spPr bwMode="auto">
+          <a:xfrm>
+            <a:off x="4529857" y="1799569"/>
+            <a:ext cx="4156554" cy="2916809"/>
+          </a:xfrm>
+          <a:prstGeom prst="rect">
+            <a:avLst/>
+          </a:prstGeom>
+          <a:noFill/>
+          <a:extLst>
+            <a:ext uri="{909E8E84-426E-40DD-AFC4-6F175D3DCCD1}">
+              <a14:hiddenFill xmlns:a14="http://schemas.microsoft.com/office/drawing/2010/main">
+                <a:solidFill>
+                  <a:srgbClr val="FFFFFF"/>
+                </a:solidFill>
+              </a14:hiddenFill>
+            </a:ext>
+          </a:extLst>
+        </p:spPr>
+      </p:pic>
     </p:spTree>
     <p:extLst>
       <p:ext uri="{BB962C8B-B14F-4D97-AF65-F5344CB8AC3E}">
@@ -9119,31 +9270,6 @@
       </p:grpSpPr>
       <p:sp>
         <p:nvSpPr>
-          <p:cNvPr id="5" name="Titre 4"/>
-          <p:cNvSpPr>
-            <a:spLocks noGrp="1"/>
-          </p:cNvSpPr>
-          <p:nvPr>
-            <p:ph type="title"/>
-          </p:nvPr>
-        </p:nvSpPr>
-        <p:spPr/>
-        <p:txBody>
-          <a:bodyPr>
-            <a:normAutofit/>
-          </a:bodyPr>
-          <a:lstStyle/>
-          <a:p>
-            <a:r>
-              <a:rPr lang="fr-FR" sz="7200" cap="small" smtClean="0"/>
-              <a:t>Glasir</a:t>
-            </a:r>
-            <a:endParaRPr lang="fr-FR" sz="7200" cap="small"/>
-          </a:p>
-        </p:txBody>
-      </p:sp>
-      <p:sp>
-        <p:nvSpPr>
           <p:cNvPr id="7" name="Espace réservé du texte 6"/>
           <p:cNvSpPr>
             <a:spLocks noGrp="1"/>
@@ -9163,6 +9289,53 @@
           </a:p>
         </p:txBody>
       </p:sp>
+      <p:pic>
+        <p:nvPicPr>
+          <p:cNvPr id="6" name="Image 5" descr="glasir.png"/>
+          <p:cNvPicPr>
+            <a:picLocks noChangeAspect="1"/>
+          </p:cNvPicPr>
+          <p:nvPr/>
+        </p:nvPicPr>
+        <p:blipFill>
+          <a:blip r:embed="rId2" cstate="print"/>
+          <a:stretch>
+            <a:fillRect/>
+          </a:stretch>
+        </p:blipFill>
+        <p:spPr>
+          <a:xfrm>
+            <a:off x="1475656" y="692696"/>
+            <a:ext cx="5870217" cy="5518192"/>
+          </a:xfrm>
+          <a:prstGeom prst="ellipse">
+            <a:avLst/>
+          </a:prstGeom>
+          <a:ln w="190500" cap="rnd">
+            <a:solidFill>
+              <a:srgbClr val="C8C6BD"/>
+            </a:solidFill>
+            <a:prstDash val="solid"/>
+          </a:ln>
+          <a:effectLst>
+            <a:outerShdw blurRad="127000" algn="bl" rotWithShape="0">
+              <a:srgbClr val="000000"/>
+            </a:outerShdw>
+          </a:effectLst>
+          <a:scene3d>
+            <a:camera prst="perspectiveFront" fov="5400000"/>
+            <a:lightRig rig="threePt" dir="t">
+              <a:rot lat="0" lon="0" rev="19200000"/>
+            </a:lightRig>
+          </a:scene3d>
+          <a:sp3d extrusionH="25400">
+            <a:bevelT w="304800" h="152400" prst="hardEdge"/>
+            <a:extrusionClr>
+              <a:srgbClr val="000000"/>
+            </a:extrusionClr>
+          </a:sp3d>
+        </p:spPr>
+      </p:pic>
     </p:spTree>
   </p:cSld>
   <p:clrMapOvr>
@@ -10123,12 +10296,13 @@
             </a:r>
             <a:r>
               <a:rPr lang="fr-FR" dirty="0" err="1" smtClean="0"/>
-              <a:t>ADTools</a:t>
+              <a:t>ADTool</a:t>
             </a:r>
             <a:r>
               <a:rPr lang="fr-FR" dirty="0" smtClean="0"/>
               <a:t>.</a:t>
             </a:r>
+            <a:endParaRPr lang="fr-FR" dirty="0" smtClean="0"/>
           </a:p>
         </p:txBody>
       </p:sp>
@@ -10626,32 +10800,6 @@
       </p:grpSpPr>
       <p:sp>
         <p:nvSpPr>
-          <p:cNvPr id="2" name="Titre 1"/>
-          <p:cNvSpPr>
-            <a:spLocks noGrp="1"/>
-          </p:cNvSpPr>
-          <p:nvPr>
-            <p:ph type="title"/>
-          </p:nvPr>
-        </p:nvSpPr>
-        <p:spPr/>
-        <p:txBody>
-          <a:bodyPr>
-            <a:normAutofit/>
-          </a:bodyPr>
-          <a:lstStyle/>
-          <a:p>
-            <a:pPr algn="ctr"/>
-            <a:r>
-              <a:rPr lang="fr-FR" sz="2800" dirty="0" smtClean="0"/>
-              <a:t>Conclusion</a:t>
-            </a:r>
-            <a:endParaRPr lang="fr-FR" sz="2800" dirty="0"/>
-          </a:p>
-        </p:txBody>
-      </p:sp>
-      <p:sp>
-        <p:nvSpPr>
           <p:cNvPr id="3" name="Espace réservé du contenu 2"/>
           <p:cNvSpPr>
             <a:spLocks noGrp="1"/>
@@ -10665,9 +10813,6 @@
           <a:bodyPr/>
           <a:lstStyle/>
           <a:p>
-            <a:endParaRPr lang="fr-FR" dirty="0" smtClean="0"/>
-          </a:p>
-          <a:p>
             <a:pPr>
               <a:buFont typeface="Wingdings" pitchFamily="2" charset="2"/>
               <a:buChar char="q"/>
@@ -10675,22 +10820,6 @@
             <a:endParaRPr lang="fr-FR" dirty="0" smtClean="0"/>
           </a:p>
           <a:p>
-            <a:endParaRPr lang="fr-FR" dirty="0" smtClean="0"/>
-          </a:p>
-          <a:p>
-            <a:endParaRPr lang="fr-FR" dirty="0" smtClean="0"/>
-          </a:p>
-          <a:p>
-            <a:pPr>
-              <a:buFont typeface="Wingdings" pitchFamily="2" charset="2"/>
-              <a:buChar char="q"/>
-            </a:pPr>
-            <a:r>
-              <a:rPr lang="fr-FR" dirty="0" smtClean="0"/>
-              <a:t>Amélioration au contact des difficultés rencontrées </a:t>
-            </a:r>
-          </a:p>
-          <a:p>
             <a:pPr>
               <a:buFont typeface="Wingdings" pitchFamily="2" charset="2"/>
               <a:buChar char="q"/>
@@ -10698,19 +10827,6 @@
             <a:endParaRPr lang="fr-FR" dirty="0" smtClean="0"/>
           </a:p>
           <a:p>
-            <a:endParaRPr lang="fr-FR" dirty="0" smtClean="0"/>
-          </a:p>
-          <a:p>
-            <a:pPr>
-              <a:buFont typeface="Wingdings" pitchFamily="2" charset="2"/>
-              <a:buChar char="q"/>
-            </a:pPr>
-            <a:r>
-              <a:rPr lang="fr-FR" dirty="0" smtClean="0"/>
-              <a:t>Place à la réalisation !</a:t>
-            </a:r>
-          </a:p>
-          <a:p>
             <a:pPr>
               <a:buFont typeface="Wingdings" pitchFamily="2" charset="2"/>
               <a:buChar char="q"/>
@@ -10722,7 +10838,10 @@
               <a:buFont typeface="Wingdings" pitchFamily="2" charset="2"/>
               <a:buChar char="q"/>
             </a:pPr>
-            <a:endParaRPr lang="fr-FR" dirty="0" smtClean="0"/>
+            <a:r>
+              <a:rPr lang="fr-FR" dirty="0" smtClean="0"/>
+              <a:t>Se remettre en cause</a:t>
+            </a:r>
           </a:p>
           <a:p>
             <a:pPr>
@@ -10736,7 +10855,17 @@
               <a:buFont typeface="Wingdings" pitchFamily="2" charset="2"/>
               <a:buChar char="q"/>
             </a:pPr>
-            <a:endParaRPr lang="fr-FR" dirty="0"/>
+            <a:endParaRPr lang="fr-FR" dirty="0" smtClean="0"/>
+          </a:p>
+          <a:p>
+            <a:pPr>
+              <a:buFont typeface="Wingdings" pitchFamily="2" charset="2"/>
+              <a:buChar char="q"/>
+            </a:pPr>
+            <a:r>
+              <a:rPr lang="fr-FR" dirty="0" smtClean="0"/>
+              <a:t>Améliorations</a:t>
+            </a:r>
           </a:p>
         </p:txBody>
       </p:sp>
@@ -10757,11 +10886,43 @@
           </a:bodyPr>
           <a:lstStyle/>
           <a:p>
-            <a:r>
-              <a:rPr lang="fr-FR" dirty="0" smtClean="0"/>
-              <a:t>Conclusion</a:t>
-            </a:r>
-            <a:endParaRPr lang="fr-FR" dirty="0"/>
+            <a:endParaRPr lang="fr-FR"/>
+          </a:p>
+        </p:txBody>
+      </p:sp>
+      <p:sp>
+        <p:nvSpPr>
+          <p:cNvPr id="5" name="Titre 4"/>
+          <p:cNvSpPr>
+            <a:spLocks noGrp="1"/>
+          </p:cNvSpPr>
+          <p:nvPr>
+            <p:ph type="title"/>
+          </p:nvPr>
+        </p:nvSpPr>
+        <p:spPr/>
+        <p:txBody>
+          <a:bodyPr>
+            <a:noAutofit/>
+          </a:bodyPr>
+          <a:lstStyle/>
+          <a:p>
+            <a:pPr algn="ctr"/>
+            <a:r>
+              <a:rPr lang="fr-FR" sz="2000" dirty="0" smtClean="0"/>
+              <a:t/>
+            </a:r>
+            <a:br>
+              <a:rPr lang="fr-FR" sz="2000" dirty="0" smtClean="0"/>
+            </a:br>
+            <a:r>
+              <a:rPr lang="fr-FR" sz="2800" dirty="0" smtClean="0"/>
+              <a:t>Amélioration continue </a:t>
+            </a:r>
+            <a:br>
+              <a:rPr lang="fr-FR" sz="2800" dirty="0" smtClean="0"/>
+            </a:br>
+            <a:endParaRPr lang="fr-FR" sz="2800" dirty="0"/>
           </a:p>
         </p:txBody>
       </p:sp>
@@ -10809,10 +10970,17 @@
         </p:nvSpPr>
         <p:spPr/>
         <p:txBody>
-          <a:bodyPr/>
+          <a:bodyPr>
+            <a:normAutofit/>
+          </a:bodyPr>
           <a:lstStyle/>
           <a:p>
-            <a:endParaRPr lang="fr-FR"/>
+            <a:pPr algn="ctr"/>
+            <a:r>
+              <a:rPr lang="fr-FR" sz="2800" dirty="0" smtClean="0"/>
+              <a:t>Conclusion</a:t>
+            </a:r>
+            <a:endParaRPr lang="fr-FR" sz="2800" dirty="0"/>
           </a:p>
         </p:txBody>
       </p:sp>
@@ -10828,19 +10996,57 @@
         </p:nvSpPr>
         <p:spPr/>
         <p:txBody>
-          <a:bodyPr>
-            <a:normAutofit/>
-          </a:bodyPr>
+          <a:bodyPr/>
           <a:lstStyle/>
           <a:p>
-            <a:endParaRPr lang="fr-FR" sz="4800" dirty="0"/>
-          </a:p>
-          <a:p>
-            <a:r>
-              <a:rPr lang="fr-FR" sz="4800" dirty="0" smtClean="0"/>
+            <a:endParaRPr lang="fr-FR" dirty="0" smtClean="0"/>
+          </a:p>
+          <a:p>
+            <a:endParaRPr lang="fr-FR" dirty="0" smtClean="0"/>
+          </a:p>
+          <a:p>
+            <a:endParaRPr lang="fr-FR" dirty="0" smtClean="0"/>
+          </a:p>
+          <a:p>
+            <a:pPr>
+              <a:buFont typeface="Wingdings" pitchFamily="2" charset="2"/>
+              <a:buChar char="q"/>
+            </a:pPr>
+            <a:r>
+              <a:rPr lang="fr-FR" dirty="0" smtClean="0"/>
+              <a:t>Place à la réalisation !</a:t>
+            </a:r>
+          </a:p>
+          <a:p>
+            <a:pPr>
+              <a:buFont typeface="Wingdings" pitchFamily="2" charset="2"/>
+              <a:buChar char="q"/>
+            </a:pPr>
+            <a:endParaRPr lang="fr-FR" dirty="0" smtClean="0"/>
+          </a:p>
+          <a:p>
+            <a:pPr>
+              <a:buFont typeface="Wingdings" pitchFamily="2" charset="2"/>
+              <a:buChar char="q"/>
+            </a:pPr>
+            <a:endParaRPr lang="fr-FR" dirty="0" smtClean="0"/>
+          </a:p>
+          <a:p>
+            <a:pPr>
+              <a:buFont typeface="Wingdings" pitchFamily="2" charset="2"/>
+              <a:buChar char="q"/>
+            </a:pPr>
+            <a:r>
+              <a:rPr lang="fr-FR" sz="2800" dirty="0" smtClean="0"/>
               <a:t>Des Questions ?</a:t>
             </a:r>
-            <a:endParaRPr lang="fr-FR" sz="4800" dirty="0"/>
+          </a:p>
+          <a:p>
+            <a:pPr>
+              <a:buFont typeface="Wingdings" pitchFamily="2" charset="2"/>
+              <a:buChar char="q"/>
+            </a:pPr>
+            <a:endParaRPr lang="fr-FR" dirty="0"/>
           </a:p>
         </p:txBody>
       </p:sp>
@@ -10861,16 +11067,15 @@
           </a:bodyPr>
           <a:lstStyle/>
           <a:p>
-            <a:endParaRPr lang="fr-FR"/>
+            <a:r>
+              <a:rPr lang="fr-FR" dirty="0" smtClean="0"/>
+              <a:t>Conclusion</a:t>
+            </a:r>
+            <a:endParaRPr lang="fr-FR" dirty="0"/>
           </a:p>
         </p:txBody>
       </p:sp>
     </p:spTree>
-    <p:extLst>
-      <p:ext uri="{BB962C8B-B14F-4D97-AF65-F5344CB8AC3E}">
-        <p14:creationId xmlns:p14="http://schemas.microsoft.com/office/powerpoint/2010/main" val="2850511356"/>
-      </p:ext>
-    </p:extLst>
   </p:cSld>
   <p:clrMapOvr>
     <a:masterClrMapping/>
@@ -12516,8 +12721,29 @@
               <a:rPr lang="fr-FR" dirty="0" smtClean="0">
                 <a:sym typeface="Wingdings" panose="05000000000000000000" pitchFamily="2" charset="2"/>
               </a:rPr>
-              <a:t>Le concept a évolué en arbres d’attaque et de défense</a:t>
-            </a:r>
+              <a:t>Le concept a évolué en arbres d’attaque et de </a:t>
+            </a:r>
+            <a:r>
+              <a:rPr lang="fr-FR" dirty="0" smtClean="0">
+                <a:sym typeface="Wingdings" panose="05000000000000000000" pitchFamily="2" charset="2"/>
+              </a:rPr>
+              <a:t>défense (</a:t>
+            </a:r>
+            <a:r>
+              <a:rPr lang="fr-FR" dirty="0" err="1" smtClean="0">
+                <a:sym typeface="Wingdings" panose="05000000000000000000" pitchFamily="2" charset="2"/>
+              </a:rPr>
+              <a:t>ADTrees</a:t>
+            </a:r>
+            <a:r>
+              <a:rPr lang="fr-FR" dirty="0" smtClean="0">
+                <a:sym typeface="Wingdings" panose="05000000000000000000" pitchFamily="2" charset="2"/>
+              </a:rPr>
+              <a:t>)</a:t>
+            </a:r>
+            <a:endParaRPr lang="fr-FR" dirty="0" smtClean="0">
+              <a:sym typeface="Wingdings" panose="05000000000000000000" pitchFamily="2" charset="2"/>
+            </a:endParaRPr>
           </a:p>
         </p:txBody>
       </p:sp>

--- a/soutenances/projet_decembre/soutenance_projet_decembre.pptx
+++ b/soutenances/projet_decembre/soutenance_projet_decembre.pptx
@@ -26,7 +26,7 @@
     <p:sldId id="270" r:id="rId17"/>
     <p:sldId id="271" r:id="rId18"/>
     <p:sldId id="272" r:id="rId19"/>
-    <p:sldId id="273" r:id="rId20"/>
+    <p:sldId id="283" r:id="rId20"/>
     <p:sldId id="274" r:id="rId21"/>
     <p:sldId id="275" r:id="rId22"/>
     <p:sldId id="276" r:id="rId23"/>
@@ -133,6 +133,68 @@
       </a:defRPr>
     </a:lvl9pPr>
   </p:defaultTextStyle>
+  <p:extLst>
+    <p:ext uri="{521415D9-36F7-43E2-AB2F-B90AF26B5E84}">
+      <p14:sectionLst xmlns:p14="http://schemas.microsoft.com/office/powerpoint/2010/main">
+        <p14:section name="Default Section" id="{A10263A9-F4BD-4E13-940F-9BD07D5B2403}">
+          <p14:sldIdLst>
+            <p14:sldId id="256"/>
+            <p14:sldId id="257"/>
+          </p14:sldIdLst>
+        </p14:section>
+        <p14:section name="Etat art" id="{A66C1913-8B63-407F-AC81-CCD44045B649}">
+          <p14:sldIdLst>
+            <p14:sldId id="258"/>
+            <p14:sldId id="259"/>
+            <p14:sldId id="282"/>
+          </p14:sldIdLst>
+        </p14:section>
+        <p14:section name="Etude existant" id="{387A933C-1C12-497C-BE2D-8941E177BC08}">
+          <p14:sldIdLst>
+            <p14:sldId id="261"/>
+            <p14:sldId id="262"/>
+            <p14:sldId id="263"/>
+            <p14:sldId id="264"/>
+            <p14:sldId id="265"/>
+          </p14:sldIdLst>
+        </p14:section>
+        <p14:section name="Cahier charges" id="{EF28AF4F-2D86-4EB2-B5CB-3BD519302E05}">
+          <p14:sldIdLst>
+            <p14:sldId id="266"/>
+            <p14:sldId id="267"/>
+            <p14:sldId id="268"/>
+            <p14:sldId id="269"/>
+            <p14:sldId id="270"/>
+            <p14:sldId id="271"/>
+            <p14:sldId id="272"/>
+            <p14:sldId id="283"/>
+            <p14:sldId id="274"/>
+            <p14:sldId id="275"/>
+            <p14:sldId id="276"/>
+            <p14:sldId id="277"/>
+            <p14:sldId id="278"/>
+            <p14:sldId id="279"/>
+            <p14:sldId id="280"/>
+            <p14:sldId id="281"/>
+          </p14:sldIdLst>
+        </p14:section>
+      </p14:sectionLst>
+    </p:ext>
+    <p:ext uri="{EFAFB233-063F-42B5-8137-9DF3F51BA10A}">
+      <p15:sldGuideLst xmlns:p15="http://schemas.microsoft.com/office/powerpoint/2012/main">
+        <p15:guide id="1" orient="horz" pos="2160">
+          <p15:clr>
+            <a:srgbClr val="A4A3A4"/>
+          </p15:clr>
+        </p15:guide>
+        <p15:guide id="2" pos="2880">
+          <p15:clr>
+            <a:srgbClr val="A4A3A4"/>
+          </p15:clr>
+        </p15:guide>
+      </p15:sldGuideLst>
+    </p:ext>
+  </p:extLst>
 </p:presentation>
 </file>
 
@@ -319,7 +381,7 @@
               <a:rPr lang="fr-FR" sz="1400">
                 <a:latin typeface="Times New Roman"/>
               </a:rPr>
-              <a:t>‹N°›</a:t>
+              <a:t>‹#›</a:t>
             </a:fld>
             <a:endParaRPr/>
           </a:p>
@@ -539,6 +601,11 @@
         </p:txBody>
       </p:sp>
     </p:spTree>
+    <p:extLst>
+      <p:ext uri="{BB962C8B-B14F-4D97-AF65-F5344CB8AC3E}">
+        <p14:creationId xmlns:p14="http://schemas.microsoft.com/office/powerpoint/2010/main" val="24521035"/>
+      </p:ext>
+    </p:extLst>
   </p:cSld>
   <p:clrMapOvr>
     <a:masterClrMapping/>
@@ -633,6 +700,11 @@
         </p:txBody>
       </p:sp>
     </p:spTree>
+    <p:extLst>
+      <p:ext uri="{BB962C8B-B14F-4D97-AF65-F5344CB8AC3E}">
+        <p14:creationId xmlns:p14="http://schemas.microsoft.com/office/powerpoint/2010/main" val="352533991"/>
+      </p:ext>
+    </p:extLst>
   </p:cSld>
   <p:clrMapOvr>
     <a:masterClrMapping/>
@@ -659,74 +731,72 @@
       </p:grpSpPr>
       <p:sp>
         <p:nvSpPr>
-          <p:cNvPr id="325" name="PlaceHolder 1"/>
+          <p:cNvPr id="2" name="Espace réservé de l'image des diapositives 1"/>
+          <p:cNvSpPr>
+            <a:spLocks noGrp="1" noRot="1" noChangeAspect="1"/>
+          </p:cNvSpPr>
+          <p:nvPr>
+            <p:ph type="sldImg"/>
+          </p:nvPr>
+        </p:nvSpPr>
+        <p:spPr>
+          <a:xfrm>
+            <a:off x="1143000" y="685800"/>
+            <a:ext cx="4572000" cy="3429000"/>
+          </a:xfrm>
+          <a:prstGeom prst="rect">
+            <a:avLst/>
+          </a:prstGeom>
+        </p:spPr>
+      </p:sp>
+      <p:sp>
+        <p:nvSpPr>
+          <p:cNvPr id="3" name="Espace réservé des commentaires 2"/>
           <p:cNvSpPr>
             <a:spLocks noGrp="1"/>
           </p:cNvSpPr>
           <p:nvPr>
-            <p:ph type="body"/>
+            <p:ph type="body" idx="1"/>
           </p:nvPr>
         </p:nvSpPr>
-        <p:spPr>
-          <a:xfrm>
-            <a:off x="685800" y="4343400"/>
-            <a:ext cx="5486040" cy="4114440"/>
-          </a:xfrm>
-          <a:prstGeom prst="rect">
-            <a:avLst/>
-          </a:prstGeom>
-        </p:spPr>
+        <p:spPr/>
         <p:txBody>
           <a:bodyPr/>
           <a:lstStyle/>
           <a:p>
-            <a:endParaRPr/>
+            <a:endParaRPr lang="fr-FR" dirty="0"/>
           </a:p>
         </p:txBody>
       </p:sp>
       <p:sp>
         <p:nvSpPr>
-          <p:cNvPr id="326" name="TextShape 2"/>
-          <p:cNvSpPr txBox="1"/>
-          <p:nvPr/>
-        </p:nvSpPr>
-        <p:spPr>
-          <a:xfrm>
-            <a:off x="3884760" y="8685360"/>
-            <a:ext cx="2971440" cy="456840"/>
-          </a:xfrm>
-          <a:prstGeom prst="rect">
-            <a:avLst/>
-          </a:prstGeom>
-          <a:noFill/>
-          <a:ln>
-            <a:noFill/>
-          </a:ln>
-        </p:spPr>
+          <p:cNvPr id="4" name="Espace réservé du numéro de diapositive 3"/>
+          <p:cNvSpPr>
+            <a:spLocks noGrp="1"/>
+          </p:cNvSpPr>
+          <p:nvPr>
+            <p:ph type="sldNum" sz="quarter" idx="10"/>
+          </p:nvPr>
+        </p:nvSpPr>
+        <p:spPr/>
         <p:txBody>
-          <a:bodyPr anchor="b"/>
+          <a:bodyPr/>
           <a:lstStyle/>
           <a:p>
-            <a:pPr algn="r">
-              <a:lnSpc>
-                <a:spcPct val="100000"/>
-              </a:lnSpc>
-            </a:pPr>
-            <a:fld id="{7FC1D365-03CF-4F63-AEB2-F7481129EAFC}" type="slidenum">
-              <a:rPr lang="fr-FR" sz="1200" strike="noStrike">
-                <a:solidFill>
-                  <a:srgbClr val="000000"/>
-                </a:solidFill>
-                <a:latin typeface="+mn-lt"/>
-                <a:ea typeface="+mn-ea"/>
-              </a:rPr>
+            <a:fld id="{AB9270AC-FE6D-4237-9CBB-95A5B25BC716}" type="slidenum">
+              <a:rPr lang="fr-FR" smtClean="0"/>
               <a:t>18</a:t>
             </a:fld>
-            <a:endParaRPr/>
+            <a:endParaRPr lang="fr-FR"/>
           </a:p>
         </p:txBody>
       </p:sp>
     </p:spTree>
+    <p:extLst>
+      <p:ext uri="{BB962C8B-B14F-4D97-AF65-F5344CB8AC3E}">
+        <p14:creationId xmlns:p14="http://schemas.microsoft.com/office/powerpoint/2010/main" val="1208114251"/>
+      </p:ext>
+    </p:extLst>
   </p:cSld>
   <p:clrMapOvr>
     <a:masterClrMapping/>
@@ -851,6 +921,11 @@
         </p:txBody>
       </p:sp>
     </p:spTree>
+    <p:extLst>
+      <p:ext uri="{BB962C8B-B14F-4D97-AF65-F5344CB8AC3E}">
+        <p14:creationId xmlns:p14="http://schemas.microsoft.com/office/powerpoint/2010/main" val="1707200370"/>
+      </p:ext>
+    </p:extLst>
   </p:cSld>
   <p:clrMapOvr>
     <a:masterClrMapping/>
@@ -1098,6 +1173,11 @@
         </p:txBody>
       </p:sp>
     </p:spTree>
+    <p:extLst>
+      <p:ext uri="{BB962C8B-B14F-4D97-AF65-F5344CB8AC3E}">
+        <p14:creationId xmlns:p14="http://schemas.microsoft.com/office/powerpoint/2010/main" val="456580470"/>
+      </p:ext>
+    </p:extLst>
   </p:cSld>
   <p:clrMapOvr>
     <a:masterClrMapping/>
@@ -1273,6 +1353,11 @@
         </p:txBody>
       </p:sp>
     </p:spTree>
+    <p:extLst>
+      <p:ext uri="{BB962C8B-B14F-4D97-AF65-F5344CB8AC3E}">
+        <p14:creationId xmlns:p14="http://schemas.microsoft.com/office/powerpoint/2010/main" val="2777595678"/>
+      </p:ext>
+    </p:extLst>
   </p:cSld>
   <p:clrMapOvr>
     <a:masterClrMapping/>
@@ -1367,6 +1452,11 @@
         </p:txBody>
       </p:sp>
     </p:spTree>
+    <p:extLst>
+      <p:ext uri="{BB962C8B-B14F-4D97-AF65-F5344CB8AC3E}">
+        <p14:creationId xmlns:p14="http://schemas.microsoft.com/office/powerpoint/2010/main" val="4267262728"/>
+      </p:ext>
+    </p:extLst>
   </p:cSld>
   <p:clrMapOvr>
     <a:masterClrMapping/>
@@ -1476,6 +1566,11 @@
         </p:txBody>
       </p:sp>
     </p:spTree>
+    <p:extLst>
+      <p:ext uri="{BB962C8B-B14F-4D97-AF65-F5344CB8AC3E}">
+        <p14:creationId xmlns:p14="http://schemas.microsoft.com/office/powerpoint/2010/main" val="2910102044"/>
+      </p:ext>
+    </p:extLst>
   </p:cSld>
   <p:clrMapOvr>
     <a:masterClrMapping/>
@@ -1576,6 +1671,11 @@
         </p:txBody>
       </p:sp>
     </p:spTree>
+    <p:extLst>
+      <p:ext uri="{BB962C8B-B14F-4D97-AF65-F5344CB8AC3E}">
+        <p14:creationId xmlns:p14="http://schemas.microsoft.com/office/powerpoint/2010/main" val="573013635"/>
+      </p:ext>
+    </p:extLst>
   </p:cSld>
   <p:clrMapOvr>
     <a:masterClrMapping/>
@@ -1783,6 +1883,11 @@
         </p:txBody>
       </p:sp>
     </p:spTree>
+    <p:extLst>
+      <p:ext uri="{BB962C8B-B14F-4D97-AF65-F5344CB8AC3E}">
+        <p14:creationId xmlns:p14="http://schemas.microsoft.com/office/powerpoint/2010/main" val="1152253355"/>
+      </p:ext>
+    </p:extLst>
   </p:cSld>
   <p:clrMapOvr>
     <a:masterClrMapping/>
@@ -1859,6 +1964,11 @@
         </p:txBody>
       </p:sp>
     </p:spTree>
+    <p:extLst>
+      <p:ext uri="{BB962C8B-B14F-4D97-AF65-F5344CB8AC3E}">
+        <p14:creationId xmlns:p14="http://schemas.microsoft.com/office/powerpoint/2010/main" val="2757135613"/>
+      </p:ext>
+    </p:extLst>
   </p:cSld>
   <p:clrMapOvr>
     <a:masterClrMapping/>
@@ -1938,6 +2048,11 @@
         </p:txBody>
       </p:sp>
     </p:spTree>
+    <p:extLst>
+      <p:ext uri="{BB962C8B-B14F-4D97-AF65-F5344CB8AC3E}">
+        <p14:creationId xmlns:p14="http://schemas.microsoft.com/office/powerpoint/2010/main" val="2310514926"/>
+      </p:ext>
+    </p:extLst>
   </p:cSld>
   <p:clrMapOvr>
     <a:masterClrMapping/>
@@ -2038,6 +2153,11 @@
         </p:txBody>
       </p:sp>
     </p:spTree>
+    <p:extLst>
+      <p:ext uri="{BB962C8B-B14F-4D97-AF65-F5344CB8AC3E}">
+        <p14:creationId xmlns:p14="http://schemas.microsoft.com/office/powerpoint/2010/main" val="2245785759"/>
+      </p:ext>
+    </p:extLst>
   </p:cSld>
   <p:clrMapOvr>
     <a:masterClrMapping/>
@@ -2132,6 +2252,11 @@
         </p:txBody>
       </p:sp>
     </p:spTree>
+    <p:extLst>
+      <p:ext uri="{BB962C8B-B14F-4D97-AF65-F5344CB8AC3E}">
+        <p14:creationId xmlns:p14="http://schemas.microsoft.com/office/powerpoint/2010/main" val="553909387"/>
+      </p:ext>
+    </p:extLst>
   </p:cSld>
   <p:clrMapOvr>
     <a:masterClrMapping/>
@@ -6415,7 +6540,7 @@
                 </a:solidFill>
                 <a:latin typeface="Arial"/>
               </a:rPr>
-              <a:t>‹N°›</a:t>
+              <a:t>‹#›</a:t>
             </a:fld>
             <a:endParaRPr/>
           </a:p>
@@ -8328,7 +8453,7 @@
                 <a:cs typeface="Arial" pitchFamily="34" charset="0"/>
               </a:rPr>
               <a:pPr/>
-              <a:t>‹N°›</a:t>
+              <a:t>‹#›</a:t>
             </a:fld>
             <a:endParaRPr lang="fr-FR" b="1" dirty="0">
               <a:solidFill>
@@ -8971,6 +9096,14 @@
   <p:clrMapOvr>
     <a:masterClrMapping/>
   </p:clrMapOvr>
+  <mc:AlternateContent xmlns:mc="http://schemas.openxmlformats.org/markup-compatibility/2006">
+    <mc:Choice xmlns:p14="http://schemas.microsoft.com/office/powerpoint/2010/main" Requires="p14">
+      <p:transition spd="slow" p14:dur="2000"/>
+    </mc:Choice>
+    <mc:Fallback>
+      <p:transition spd="slow"/>
+    </mc:Fallback>
+  </mc:AlternateContent>
   <p:timing>
     <p:tnLst>
       <p:par>
@@ -9082,6 +9215,14 @@
   <p:clrMapOvr>
     <a:masterClrMapping/>
   </p:clrMapOvr>
+  <mc:AlternateContent xmlns:mc="http://schemas.openxmlformats.org/markup-compatibility/2006">
+    <mc:Choice xmlns:p14="http://schemas.microsoft.com/office/powerpoint/2010/main" Requires="p14">
+      <p:transition spd="slow" p14:dur="2000"/>
+    </mc:Choice>
+    <mc:Fallback>
+      <p:transition spd="slow"/>
+    </mc:Fallback>
+  </mc:AlternateContent>
   <p:timing>
     <p:tnLst>
       <p:par>
@@ -9157,7 +9298,7 @@
                 <a:spcPct val="100000"/>
               </a:lnSpc>
             </a:pPr>
-            <a:endParaRPr/>
+            <a:endParaRPr dirty="0"/>
           </a:p>
           <a:p>
             <a:pPr>
@@ -9166,7 +9307,7 @@
               </a:lnSpc>
             </a:pPr>
             <a:r>
-              <a:rPr lang="fr-FR" sz="2600" b="1" u="sng" strike="noStrike">
+              <a:rPr lang="fr-FR" sz="2600" b="1" u="sng" strike="noStrike" dirty="0">
                 <a:solidFill>
                   <a:srgbClr val="004D6F"/>
                 </a:solidFill>
@@ -9175,7 +9316,7 @@
               <a:t>Objectifs</a:t>
             </a:r>
             <a:r>
-              <a:rPr lang="fr-FR" sz="2200" b="1" strike="noStrike">
+              <a:rPr lang="fr-FR" sz="2200" b="1" strike="noStrike" dirty="0">
                 <a:solidFill>
                   <a:srgbClr val="004D6F"/>
                 </a:solidFill>
@@ -9183,7 +9324,7 @@
               </a:rPr>
               <a:t> :</a:t>
             </a:r>
-            <a:endParaRPr/>
+            <a:endParaRPr dirty="0"/>
           </a:p>
           <a:p>
             <a:pPr>
@@ -9191,41 +9332,52 @@
                 <a:spcPct val="100000"/>
               </a:lnSpc>
             </a:pPr>
-            <a:endParaRPr/>
-          </a:p>
-          <a:p>
-            <a:pPr lvl="1">
+            <a:endParaRPr dirty="0"/>
+          </a:p>
+          <a:p>
+            <a:pPr marL="800100" lvl="1" indent="-342900">
               <a:buSzPct val="75000"/>
-              <a:buFont typeface="StarSymbol"/>
-              <a:buChar char=""/>
+              <a:buFont typeface="Arial" panose="020B0604020202020204" pitchFamily="34" charset="0"/>
+              <a:buChar char="•"/>
             </a:pPr>
             <a:r>
-              <a:rPr lang="fr-FR" sz="2000" b="1" strike="noStrike">
+              <a:rPr lang="fr-FR" sz="2000" b="1" strike="noStrike" dirty="0">
                 <a:solidFill>
                   <a:srgbClr val="004D6F"/>
                 </a:solidFill>
                 <a:latin typeface="Arial"/>
               </a:rPr>
-              <a:t>Aider à l’analyse des ADTrees</a:t>
-            </a:r>
-            <a:endParaRPr/>
-          </a:p>
-          <a:p>
-            <a:pPr>
+              <a:t>Aider à l’analyse des </a:t>
+            </a:r>
+            <a:r>
+              <a:rPr lang="fr-FR" sz="2000" b="1" strike="noStrike" dirty="0" err="1">
+                <a:solidFill>
+                  <a:srgbClr val="004D6F"/>
+                </a:solidFill>
+                <a:latin typeface="Arial"/>
+              </a:rPr>
+              <a:t>ADTrees</a:t>
+            </a:r>
+            <a:endParaRPr dirty="0"/>
+          </a:p>
+          <a:p>
+            <a:pPr marL="285750" indent="-285750">
               <a:lnSpc>
                 <a:spcPct val="100000"/>
               </a:lnSpc>
+              <a:buFont typeface="Arial" panose="020B0604020202020204" pitchFamily="34" charset="0"/>
+              <a:buChar char="•"/>
             </a:pPr>
-            <a:endParaRPr/>
-          </a:p>
-          <a:p>
-            <a:pPr lvl="1">
+            <a:endParaRPr dirty="0"/>
+          </a:p>
+          <a:p>
+            <a:pPr marL="800100" lvl="1" indent="-342900">
               <a:buSzPct val="75000"/>
-              <a:buFont typeface="StarSymbol"/>
-              <a:buChar char=""/>
+              <a:buFont typeface="Arial" panose="020B0604020202020204" pitchFamily="34" charset="0"/>
+              <a:buChar char="•"/>
             </a:pPr>
             <a:r>
-              <a:rPr lang="fr-FR" sz="2000" b="1" strike="noStrike">
+              <a:rPr lang="fr-FR" sz="2000" b="1" strike="noStrike" dirty="0">
                 <a:solidFill>
                   <a:srgbClr val="004D6F"/>
                 </a:solidFill>
@@ -9233,7 +9385,17 @@
               </a:rPr>
               <a:t>À destination des experts en sécurité</a:t>
             </a:r>
-            <a:endParaRPr/>
+            <a:endParaRPr dirty="0"/>
+          </a:p>
+          <a:p>
+            <a:pPr marL="285750" indent="-285750">
+              <a:lnSpc>
+                <a:spcPct val="100000"/>
+              </a:lnSpc>
+              <a:buFont typeface="Arial" panose="020B0604020202020204" pitchFamily="34" charset="0"/>
+              <a:buChar char="•"/>
+            </a:pPr>
+            <a:endParaRPr dirty="0"/>
           </a:p>
           <a:p>
             <a:pPr>
@@ -9241,7 +9403,7 @@
                 <a:spcPct val="100000"/>
               </a:lnSpc>
             </a:pPr>
-            <a:endParaRPr/>
+            <a:endParaRPr dirty="0"/>
           </a:p>
           <a:p>
             <a:pPr>
@@ -9249,15 +9411,7 @@
                 <a:spcPct val="100000"/>
               </a:lnSpc>
             </a:pPr>
-            <a:endParaRPr/>
-          </a:p>
-          <a:p>
-            <a:pPr>
-              <a:lnSpc>
-                <a:spcPct val="100000"/>
-              </a:lnSpc>
-            </a:pPr>
-            <a:endParaRPr/>
+            <a:endParaRPr dirty="0"/>
           </a:p>
         </p:txBody>
       </p:sp>
@@ -9302,12 +9456,20 @@
   <p:clrMapOvr>
     <a:masterClrMapping/>
   </p:clrMapOvr>
+  <mc:AlternateContent xmlns:mc="http://schemas.openxmlformats.org/markup-compatibility/2006">
+    <mc:Choice xmlns:p14="http://schemas.microsoft.com/office/powerpoint/2010/main" Requires="p14">
+      <p:transition spd="slow" p14:dur="2000"/>
+    </mc:Choice>
+    <mc:Fallback>
+      <p:transition spd="slow"/>
+    </mc:Fallback>
+  </mc:AlternateContent>
   <p:timing>
     <p:tnLst>
       <p:par>
         <p:cTn id="1" dur="indefinite" restart="never" nodeType="tmRoot">
           <p:childTnLst>
-            <p:seq>
+            <p:seq concurrent="1" nextAc="seek">
               <p:cTn id="2" dur="indefinite" nodeType="mainSeq">
                 <p:childTnLst>
                   <p:par>
@@ -9323,7 +9485,7 @@
                             </p:stCondLst>
                             <p:childTnLst>
                               <p:par>
-                                <p:cTn id="5" presetID="1" presetClass="entr" fill="hold" nodeType="clickEffect">
+                                <p:cTn id="5" presetID="1" presetClass="entr" presetSubtype="0" fill="hold" nodeType="clickEffect">
                                   <p:stCondLst>
                                     <p:cond delay="0"/>
                                   </p:stCondLst>
@@ -9338,7 +9500,7 @@
                                         <p:tgtEl>
                                           <p:spTgt spid="254">
                                             <p:txEl>
-                                              <p:pRg st="13" end="14"/>
+                                              <p:pRg st="3" end="3"/>
                                             </p:txEl>
                                           </p:spTgt>
                                         </p:tgtEl>
@@ -9372,7 +9534,7 @@
                             </p:stCondLst>
                             <p:childTnLst>
                               <p:par>
-                                <p:cTn id="9" presetID="1" presetClass="entr" fill="hold" nodeType="clickEffect">
+                                <p:cTn id="9" presetID="1" presetClass="entr" presetSubtype="0" fill="hold" nodeType="clickEffect">
                                   <p:stCondLst>
                                     <p:cond delay="0"/>
                                   </p:stCondLst>
@@ -9387,7 +9549,7 @@
                                         <p:tgtEl>
                                           <p:spTgt spid="254">
                                             <p:txEl>
-                                              <p:pRg st="44" end="45"/>
+                                              <p:pRg st="5" end="5"/>
                                             </p:txEl>
                                           </p:spTgt>
                                         </p:tgtEl>
@@ -9514,78 +9676,18 @@
   <p:clrMapOvr>
     <a:masterClrMapping/>
   </p:clrMapOvr>
+  <mc:AlternateContent xmlns:mc="http://schemas.openxmlformats.org/markup-compatibility/2006">
+    <mc:Choice xmlns:p14="http://schemas.microsoft.com/office/powerpoint/2010/main" Requires="p14">
+      <p:transition spd="slow" p14:dur="2000"/>
+    </mc:Choice>
+    <mc:Fallback>
+      <p:transition spd="slow"/>
+    </mc:Fallback>
+  </mc:AlternateContent>
   <p:timing>
     <p:tnLst>
       <p:par>
-        <p:cTn id="1" dur="indefinite" restart="never" nodeType="tmRoot">
-          <p:childTnLst>
-            <p:seq>
-              <p:cTn id="2" dur="indefinite" nodeType="mainSeq">
-                <p:childTnLst>
-                  <p:par>
-                    <p:cTn id="3" fill="hold">
-                      <p:stCondLst>
-                        <p:cond delay="indefinite"/>
-                      </p:stCondLst>
-                      <p:childTnLst>
-                        <p:par>
-                          <p:cTn id="4" fill="hold">
-                            <p:stCondLst>
-                              <p:cond delay="0"/>
-                            </p:stCondLst>
-                            <p:childTnLst>
-                              <p:par>
-                                <p:cTn id="5" presetID="1" presetClass="entr" fill="hold" nodeType="clickEffect">
-                                  <p:stCondLst>
-                                    <p:cond delay="0"/>
-                                  </p:stCondLst>
-                                  <p:childTnLst>
-                                    <p:set>
-                                      <p:cBhvr>
-                                        <p:cTn id="6" dur="1" fill="hold">
-                                          <p:stCondLst>
-                                            <p:cond delay="0"/>
-                                          </p:stCondLst>
-                                        </p:cTn>
-                                        <p:tgtEl>
-                                          <p:spTgt spid="256"/>
-                                        </p:tgtEl>
-                                        <p:attrNameLst>
-                                          <p:attrName>style.visibility</p:attrName>
-                                        </p:attrNameLst>
-                                      </p:cBhvr>
-                                      <p:to>
-                                        <p:strVal val="visible"/>
-                                      </p:to>
-                                    </p:set>
-                                  </p:childTnLst>
-                                </p:cTn>
-                              </p:par>
-                            </p:childTnLst>
-                          </p:cTn>
-                        </p:par>
-                      </p:childTnLst>
-                    </p:cTn>
-                  </p:par>
-                </p:childTnLst>
-              </p:cTn>
-              <p:prevCondLst>
-                <p:cond evt="onPrev" delay="0">
-                  <p:tgtEl>
-                    <p:sldTgt/>
-                  </p:tgtEl>
-                </p:cond>
-              </p:prevCondLst>
-              <p:nextCondLst>
-                <p:cond evt="onNext" delay="0">
-                  <p:tgtEl>
-                    <p:sldTgt/>
-                  </p:tgtEl>
-                </p:cond>
-              </p:nextCondLst>
-            </p:seq>
-          </p:childTnLst>
-        </p:cTn>
+        <p:cTn id="1" dur="indefinite" restart="never" nodeType="tmRoot"/>
       </p:par>
     </p:tnLst>
   </p:timing>
@@ -9611,35 +9713,12 @@
       </p:grpSpPr>
       <p:pic>
         <p:nvPicPr>
-          <p:cNvPr id="258" name="Espace réservé du contenu 2"/>
+          <p:cNvPr id="259" name="Image 4"/>
           <p:cNvPicPr/>
           <p:nvPr/>
         </p:nvPicPr>
         <p:blipFill>
           <a:blip r:embed="rId2"/>
-          <a:stretch/>
-        </p:blipFill>
-        <p:spPr>
-          <a:xfrm>
-            <a:off x="4510440" y="1654920"/>
-            <a:ext cx="4504320" cy="2637720"/>
-          </a:xfrm>
-          <a:prstGeom prst="rect">
-            <a:avLst/>
-          </a:prstGeom>
-          <a:ln>
-            <a:noFill/>
-          </a:ln>
-        </p:spPr>
-      </p:pic>
-      <p:pic>
-        <p:nvPicPr>
-          <p:cNvPr id="259" name="Image 4"/>
-          <p:cNvPicPr/>
-          <p:nvPr/>
-        </p:nvPicPr>
-        <p:blipFill>
-          <a:blip r:embed="rId3"/>
           <a:srcRect r="142307"/>
           <a:stretch/>
         </p:blipFill>
@@ -9798,11 +9877,72 @@
           </a:p>
         </p:txBody>
       </p:sp>
+      <p:pic>
+        <p:nvPicPr>
+          <p:cNvPr id="2" name="Picture 1"/>
+          <p:cNvPicPr>
+            <a:picLocks noChangeAspect="1"/>
+          </p:cNvPicPr>
+          <p:nvPr/>
+        </p:nvPicPr>
+        <p:blipFill>
+          <a:blip r:embed="rId2" cstate="print">
+            <a:extLst>
+              <a:ext uri="{28A0092B-C50C-407E-A947-70E740481C1C}">
+                <a14:useLocalDpi xmlns:a14="http://schemas.microsoft.com/office/drawing/2010/main" val="0"/>
+              </a:ext>
+            </a:extLst>
+          </a:blip>
+          <a:stretch>
+            <a:fillRect/>
+          </a:stretch>
+        </p:blipFill>
+        <p:spPr>
+          <a:xfrm>
+            <a:off x="-1" y="1654920"/>
+            <a:ext cx="4761279" cy="2637720"/>
+          </a:xfrm>
+          <a:prstGeom prst="rect">
+            <a:avLst/>
+          </a:prstGeom>
+        </p:spPr>
+      </p:pic>
+      <p:pic>
+        <p:nvPicPr>
+          <p:cNvPr id="258" name="Espace réservé du contenu 2"/>
+          <p:cNvPicPr/>
+          <p:nvPr/>
+        </p:nvPicPr>
+        <p:blipFill>
+          <a:blip r:embed="rId3"/>
+          <a:stretch/>
+        </p:blipFill>
+        <p:spPr>
+          <a:xfrm>
+            <a:off x="4510440" y="1654920"/>
+            <a:ext cx="4504320" cy="2637720"/>
+          </a:xfrm>
+          <a:prstGeom prst="rect">
+            <a:avLst/>
+          </a:prstGeom>
+          <a:ln>
+            <a:noFill/>
+          </a:ln>
+        </p:spPr>
+      </p:pic>
     </p:spTree>
   </p:cSld>
   <p:clrMapOvr>
     <a:masterClrMapping/>
   </p:clrMapOvr>
+  <mc:AlternateContent xmlns:mc="http://schemas.openxmlformats.org/markup-compatibility/2006">
+    <mc:Choice xmlns:p14="http://schemas.microsoft.com/office/powerpoint/2010/main" Requires="p14">
+      <p:transition spd="slow" p14:dur="2000"/>
+    </mc:Choice>
+    <mc:Fallback>
+      <p:transition spd="slow"/>
+    </mc:Fallback>
+  </mc:AlternateContent>
   <p:timing>
     <p:tnLst>
       <p:par>
@@ -10069,6 +10209,14 @@
   <p:clrMapOvr>
     <a:masterClrMapping/>
   </p:clrMapOvr>
+  <mc:AlternateContent xmlns:mc="http://schemas.openxmlformats.org/markup-compatibility/2006">
+    <mc:Choice xmlns:p14="http://schemas.microsoft.com/office/powerpoint/2010/main" Requires="p14">
+      <p:transition spd="slow" p14:dur="2000"/>
+    </mc:Choice>
+    <mc:Fallback>
+      <p:transition spd="slow"/>
+    </mc:Fallback>
+  </mc:AlternateContent>
   <p:timing>
     <p:tnLst>
       <p:par>
@@ -10180,6 +10328,14 @@
   <p:clrMapOvr>
     <a:masterClrMapping/>
   </p:clrMapOvr>
+  <mc:AlternateContent xmlns:mc="http://schemas.openxmlformats.org/markup-compatibility/2006">
+    <mc:Choice xmlns:p14="http://schemas.microsoft.com/office/powerpoint/2010/main" Requires="p14">
+      <p:transition spd="slow" p14:dur="2000"/>
+    </mc:Choice>
+    <mc:Fallback>
+      <p:transition spd="slow"/>
+    </mc:Fallback>
+  </mc:AlternateContent>
   <p:timing>
     <p:tnLst>
       <p:par>
@@ -10557,6 +10713,14 @@
   <p:clrMapOvr>
     <a:masterClrMapping/>
   </p:clrMapOvr>
+  <mc:AlternateContent xmlns:mc="http://schemas.openxmlformats.org/markup-compatibility/2006">
+    <mc:Choice xmlns:p14="http://schemas.microsoft.com/office/powerpoint/2010/main" Requires="p14">
+      <p:transition spd="slow" p14:dur="2000"/>
+    </mc:Choice>
+    <mc:Fallback>
+      <p:transition spd="slow"/>
+    </mc:Fallback>
+  </mc:AlternateContent>
   <p:timing>
     <p:tnLst>
       <p:par>
@@ -10604,16 +10768,114 @@
           <a:chExt cx="0" cy="0"/>
         </a:xfrm>
       </p:grpSpPr>
-      <p:sp>
-        <p:nvSpPr>
-          <p:cNvPr id="276" name="CustomShape 1"/>
-          <p:cNvSpPr/>
+      <p:pic>
+        <p:nvPicPr>
+          <p:cNvPr id="5" name="Espace réservé du contenu 4"/>
+          <p:cNvPicPr>
+            <a:picLocks noGrp="1" noChangeAspect="1"/>
+          </p:cNvPicPr>
+          <p:nvPr>
+            <p:ph idx="1"/>
+          </p:nvPr>
+        </p:nvPicPr>
+        <p:blipFill>
+          <a:blip r:embed="rId3" cstate="print">
+            <a:extLst>
+              <a:ext uri="{28A0092B-C50C-407E-A947-70E740481C1C}">
+                <a14:useLocalDpi xmlns:a14="http://schemas.microsoft.com/office/drawing/2010/main" val="0"/>
+              </a:ext>
+            </a:extLst>
+          </a:blip>
+          <a:stretch>
+            <a:fillRect/>
+          </a:stretch>
+        </p:blipFill>
+        <p:spPr>
+          <a:xfrm>
+            <a:off x="319958" y="1234252"/>
+            <a:ext cx="8723122" cy="4311342"/>
+          </a:xfrm>
+        </p:spPr>
+      </p:pic>
+      <p:sp>
+        <p:nvSpPr>
+          <p:cNvPr id="3" name="ZoneTexte 2"/>
+          <p:cNvSpPr txBox="1"/>
           <p:nvPr/>
         </p:nvSpPr>
         <p:spPr>
           <a:xfrm>
-            <a:off x="592920" y="2205000"/>
-            <a:ext cx="2863080" cy="700200"/>
+            <a:off x="592970" y="2204864"/>
+            <a:ext cx="3114934" cy="830997"/>
+          </a:xfrm>
+          <a:prstGeom prst="rect">
+            <a:avLst/>
+          </a:prstGeom>
+          <a:noFill/>
+        </p:spPr>
+        <p:txBody>
+          <a:bodyPr wrap="square" rtlCol="0">
+            <a:spAutoFit/>
+          </a:bodyPr>
+          <a:lstStyle/>
+          <a:p>
+            <a:pPr algn="just"/>
+            <a:r>
+              <a:rPr lang="fr-FR" sz="2400" dirty="0" smtClean="0"/>
+              <a:t>Arbre optimisé pour un </a:t>
+            </a:r>
+            <a:r>
+              <a:rPr lang="fr-FR" sz="2400" dirty="0" smtClean="0"/>
+              <a:t>coût </a:t>
+            </a:r>
+            <a:r>
+              <a:rPr lang="fr-FR" sz="2400" dirty="0" smtClean="0"/>
+              <a:t>minimal</a:t>
+            </a:r>
+            <a:endParaRPr lang="fr-FR" sz="2400" dirty="0"/>
+          </a:p>
+        </p:txBody>
+      </p:sp>
+      <p:pic>
+        <p:nvPicPr>
+          <p:cNvPr id="7" name="Image 6"/>
+          <p:cNvPicPr>
+            <a:picLocks noChangeAspect="1"/>
+          </p:cNvPicPr>
+          <p:nvPr/>
+        </p:nvPicPr>
+        <p:blipFill>
+          <a:blip r:embed="rId4" cstate="print">
+            <a:extLst>
+              <a:ext uri="{28A0092B-C50C-407E-A947-70E740481C1C}">
+                <a14:useLocalDpi xmlns:a14="http://schemas.microsoft.com/office/drawing/2010/main" val="0"/>
+              </a:ext>
+            </a:extLst>
+          </a:blip>
+          <a:stretch>
+            <a:fillRect/>
+          </a:stretch>
+        </p:blipFill>
+        <p:spPr>
+          <a:xfrm>
+            <a:off x="4067944" y="450284"/>
+            <a:ext cx="2406653" cy="6221036"/>
+          </a:xfrm>
+          <a:prstGeom prst="rect">
+            <a:avLst/>
+          </a:prstGeom>
+        </p:spPr>
+      </p:pic>
+      <p:sp>
+        <p:nvSpPr>
+          <p:cNvPr id="9" name="TextShape 5"/>
+          <p:cNvSpPr txBox="1"/>
+          <p:nvPr/>
+        </p:nvSpPr>
+        <p:spPr>
+          <a:xfrm>
+            <a:off x="1763640" y="94320"/>
+            <a:ext cx="4320528" cy="571320"/>
           </a:xfrm>
           <a:prstGeom prst="rect">
             <a:avLst/>
@@ -10623,88 +10885,12 @@
             <a:noFill/>
           </a:ln>
         </p:spPr>
-        <p:style>
-          <a:lnRef idx="0">
-            <a:scrgbClr r="0" g="0" b="0"/>
-          </a:lnRef>
-          <a:fillRef idx="0">
-            <a:scrgbClr r="0" g="0" b="0"/>
-          </a:fillRef>
-          <a:effectRef idx="0">
-            <a:scrgbClr r="0" g="0" b="0"/>
-          </a:effectRef>
-          <a:fontRef idx="minor"/>
-        </p:style>
-        <p:txBody>
-          <a:bodyPr lIns="90000" tIns="45000" rIns="90000" bIns="45000"/>
-          <a:lstStyle/>
-          <a:p>
-            <a:pPr algn="just">
-              <a:lnSpc>
-                <a:spcPct val="100000"/>
-              </a:lnSpc>
-            </a:pPr>
-            <a:r>
-              <a:rPr lang="fr-FR" sz="2000" b="1" strike="noStrike">
-                <a:solidFill>
-                  <a:srgbClr val="5F5E5E"/>
-                </a:solidFill>
-                <a:latin typeface="Arial"/>
-              </a:rPr>
-              <a:t>Arbre optimisé pour un coût minimal</a:t>
-            </a:r>
-            <a:endParaRPr/>
-          </a:p>
-        </p:txBody>
-      </p:sp>
-      <p:pic>
-        <p:nvPicPr>
-          <p:cNvPr id="277" name="Image 6"/>
-          <p:cNvPicPr/>
-          <p:nvPr/>
-        </p:nvPicPr>
-        <p:blipFill>
-          <a:blip r:embed="rId3"/>
-          <a:stretch/>
-        </p:blipFill>
-        <p:spPr>
-          <a:xfrm>
-            <a:off x="4068000" y="450360"/>
-            <a:ext cx="2406240" cy="6220800"/>
-          </a:xfrm>
-          <a:prstGeom prst="rect">
-            <a:avLst/>
-          </a:prstGeom>
-          <a:ln>
-            <a:noFill/>
-          </a:ln>
-        </p:spPr>
-      </p:pic>
-      <p:sp>
-        <p:nvSpPr>
-          <p:cNvPr id="278" name="TextShape 2"/>
-          <p:cNvSpPr txBox="1"/>
-          <p:nvPr/>
-        </p:nvSpPr>
-        <p:spPr>
-          <a:xfrm>
-            <a:off x="1763640" y="94320"/>
-            <a:ext cx="6460560" cy="571320"/>
-          </a:xfrm>
-          <a:prstGeom prst="rect">
-            <a:avLst/>
-          </a:prstGeom>
-          <a:noFill/>
-          <a:ln>
-            <a:noFill/>
-          </a:ln>
-        </p:spPr>
         <p:txBody>
           <a:bodyPr anchor="ctr"/>
           <a:lstStyle/>
           <a:p>
             <a:r>
-              <a:rPr lang="fr-FR" sz="2800" b="1">
+              <a:rPr lang="fr-FR" sz="2800" b="1" dirty="0" smtClean="0">
                 <a:solidFill>
                   <a:srgbClr val="4F4D50"/>
                 </a:solidFill>
@@ -10712,40 +10898,94 @@
               </a:rPr>
               <a:t>Optimiseur</a:t>
             </a:r>
-            <a:endParaRPr/>
+            <a:endParaRPr dirty="0"/>
           </a:p>
         </p:txBody>
       </p:sp>
+      <p:sp>
+        <p:nvSpPr>
+          <p:cNvPr id="6" name="Title 5"/>
+          <p:cNvSpPr>
+            <a:spLocks noGrp="1"/>
+          </p:cNvSpPr>
+          <p:nvPr>
+            <p:ph type="title"/>
+          </p:nvPr>
+        </p:nvSpPr>
+        <p:spPr/>
+        <p:txBody>
+          <a:bodyPr/>
+          <a:lstStyle/>
+          <a:p>
+            <a:endParaRPr lang="fr-FR"/>
+          </a:p>
+        </p:txBody>
+      </p:sp>
+      <p:sp>
+        <p:nvSpPr>
+          <p:cNvPr id="10" name="Text Placeholder 9"/>
+          <p:cNvSpPr>
+            <a:spLocks noGrp="1"/>
+          </p:cNvSpPr>
+          <p:nvPr>
+            <p:ph type="body" sz="quarter" idx="10"/>
+          </p:nvPr>
+        </p:nvSpPr>
+        <p:spPr/>
+        <p:txBody>
+          <a:bodyPr>
+            <a:normAutofit fontScale="92500" lnSpcReduction="20000"/>
+          </a:bodyPr>
+          <a:lstStyle/>
+          <a:p>
+            <a:endParaRPr lang="fr-FR"/>
+          </a:p>
+        </p:txBody>
+      </p:sp>
     </p:spTree>
+    <p:extLst>
+      <p:ext uri="{BB962C8B-B14F-4D97-AF65-F5344CB8AC3E}">
+        <p14:creationId xmlns:p14="http://schemas.microsoft.com/office/powerpoint/2010/main" val="513054865"/>
+      </p:ext>
+    </p:extLst>
   </p:cSld>
   <p:clrMapOvr>
     <a:masterClrMapping/>
   </p:clrMapOvr>
-  <p:transition spd="med">
-    <p:fade/>
-  </p:transition>
+  <mc:AlternateContent xmlns:mc="http://schemas.openxmlformats.org/markup-compatibility/2006">
+    <mc:Choice xmlns:p14="http://schemas.microsoft.com/office/powerpoint/2010/main" Requires="p14">
+      <p:transition spd="med" p14:dur="700">
+        <p:fade/>
+      </p:transition>
+    </mc:Choice>
+    <mc:Fallback>
+      <p:transition spd="med">
+        <p:fade/>
+      </p:transition>
+    </mc:Fallback>
+  </mc:AlternateContent>
   <p:timing>
     <p:tnLst>
       <p:par>
         <p:cTn id="1" dur="indefinite" restart="never" nodeType="tmRoot">
           <p:childTnLst>
-            <p:seq>
-              <p:cTn id="2" nodeType="mainSeq">
+            <p:seq concurrent="1" nextAc="seek">
+              <p:cTn id="2" dur="indefinite" nodeType="mainSeq">
                 <p:childTnLst>
                   <p:par>
-                    <p:cTn id="3" fill="freeze">
+                    <p:cTn id="3" fill="hold">
                       <p:stCondLst>
-                        <p:cond delay="0"/>
+                        <p:cond delay="indefinite"/>
                       </p:stCondLst>
                       <p:childTnLst>
                         <p:par>
-                          <p:cTn id="4" fill="freeze">
+                          <p:cTn id="4" fill="hold">
                             <p:stCondLst>
                               <p:cond delay="0"/>
                             </p:stCondLst>
                             <p:childTnLst>
                               <p:par>
-                                <p:cTn id="5" presetID="10" presetClass="entr" fill="hold" nodeType="withEffect">
+                                <p:cTn id="5" presetID="1" presetClass="exit" presetSubtype="0" fill="hold" nodeType="clickEffect">
                                   <p:stCondLst>
                                     <p:cond delay="0"/>
                                   </p:stCondLst>
@@ -10758,7 +10998,34 @@
                                           </p:stCondLst>
                                         </p:cTn>
                                         <p:tgtEl>
-                                          <p:spTgt spid="277"/>
+                                          <p:spTgt spid="5"/>
+                                        </p:tgtEl>
+                                        <p:attrNameLst>
+                                          <p:attrName>style.visibility</p:attrName>
+                                        </p:attrNameLst>
+                                      </p:cBhvr>
+                                      <p:to>
+                                        <p:strVal val="hidden"/>
+                                      </p:to>
+                                    </p:set>
+                                  </p:childTnLst>
+                                </p:cTn>
+                              </p:par>
+                              <p:par>
+                                <p:cTn id="7" presetID="10" presetClass="entr" presetSubtype="0" fill="hold" nodeType="withEffect">
+                                  <p:stCondLst>
+                                    <p:cond delay="0"/>
+                                  </p:stCondLst>
+                                  <p:childTnLst>
+                                    <p:set>
+                                      <p:cBhvr>
+                                        <p:cTn id="8" dur="1" fill="hold">
+                                          <p:stCondLst>
+                                            <p:cond delay="0"/>
+                                          </p:stCondLst>
+                                        </p:cTn>
+                                        <p:tgtEl>
+                                          <p:spTgt spid="7"/>
                                         </p:tgtEl>
                                         <p:attrNameLst>
                                           <p:attrName>style.visibility</p:attrName>
@@ -10769,10 +11036,10 @@
                                       </p:to>
                                     </p:set>
                                     <p:animEffect transition="in" filter="fade">
-                                      <p:cBhvr additive="repl">
-                                        <p:cTn id="7" dur="500"/>
+                                      <p:cBhvr>
+                                        <p:cTn id="9" dur="500"/>
                                         <p:tgtEl>
-                                          <p:spTgt spid="277"/>
+                                          <p:spTgt spid="7"/>
                                         </p:tgtEl>
                                       </p:cBhvr>
                                     </p:animEffect>
@@ -11133,7 +11400,7 @@
           <a:lstStyle/>
           <a:p>
             <a:r>
-              <a:rPr lang="fr-FR" sz="2800" b="1">
+              <a:rPr lang="fr-FR" sz="2800" b="1" dirty="0">
                 <a:solidFill>
                   <a:srgbClr val="4F4D50"/>
                 </a:solidFill>
@@ -11141,7 +11408,7 @@
               </a:rPr>
               <a:t>Ergonomie logicielle</a:t>
             </a:r>
-            <a:endParaRPr/>
+            <a:endParaRPr dirty="0"/>
           </a:p>
         </p:txBody>
       </p:sp>
@@ -11150,6 +11417,14 @@
   <p:clrMapOvr>
     <a:masterClrMapping/>
   </p:clrMapOvr>
+  <mc:AlternateContent xmlns:mc="http://schemas.openxmlformats.org/markup-compatibility/2006">
+    <mc:Choice xmlns:p14="http://schemas.microsoft.com/office/powerpoint/2010/main" Requires="p14">
+      <p:transition spd="slow" p14:dur="2000"/>
+    </mc:Choice>
+    <mc:Fallback>
+      <p:transition spd="slow"/>
+    </mc:Fallback>
+  </mc:AlternateContent>
   <p:timing>
     <p:tnLst>
       <p:par>
@@ -11209,17 +11484,17 @@
         </p:blipFill>
         <p:spPr>
           <a:xfrm>
-            <a:off x="1870560" y="989640"/>
-            <a:ext cx="5401440" cy="5058360"/>
-          </a:xfrm>
-          <a:prstGeom prst="rect">
-            <a:avLst/>
-          </a:prstGeom>
-          <a:ln w="190440">
+            <a:off x="2051720" y="989640"/>
+            <a:ext cx="5220280" cy="5058360"/>
+          </a:xfrm>
+          <a:prstGeom prst="ellipse">
+            <a:avLst/>
+          </a:prstGeom>
+          <a:ln w="190500" cap="rnd">
             <a:solidFill>
               <a:srgbClr val="C8C6BD"/>
             </a:solidFill>
-            <a:round/>
+            <a:prstDash val="solid"/>
           </a:ln>
           <a:effectLst>
             <a:outerShdw blurRad="127000" algn="bl" rotWithShape="0">
@@ -11281,6 +11556,14 @@
   <p:clrMapOvr>
     <a:masterClrMapping/>
   </p:clrMapOvr>
+  <mc:AlternateContent xmlns:mc="http://schemas.openxmlformats.org/markup-compatibility/2006">
+    <mc:Choice xmlns:p14="http://schemas.microsoft.com/office/powerpoint/2010/main" Requires="p14">
+      <p:transition spd="slow" p14:dur="2000"/>
+    </mc:Choice>
+    <mc:Fallback>
+      <p:transition spd="slow"/>
+    </mc:Fallback>
+  </mc:AlternateContent>
   <p:timing>
     <p:tnLst>
       <p:par>
@@ -11392,6 +11675,14 @@
   <p:clrMapOvr>
     <a:masterClrMapping/>
   </p:clrMapOvr>
+  <mc:AlternateContent xmlns:mc="http://schemas.openxmlformats.org/markup-compatibility/2006">
+    <mc:Choice xmlns:p14="http://schemas.microsoft.com/office/powerpoint/2010/main" Requires="p14">
+      <p:transition spd="slow" p14:dur="2000"/>
+    </mc:Choice>
+    <mc:Fallback>
+      <p:transition spd="slow"/>
+    </mc:Fallback>
+  </mc:AlternateContent>
   <p:timing>
     <p:tnLst>
       <p:par>
@@ -12006,6 +12297,14 @@
   <p:clrMapOvr>
     <a:masterClrMapping/>
   </p:clrMapOvr>
+  <mc:AlternateContent xmlns:mc="http://schemas.openxmlformats.org/markup-compatibility/2006">
+    <mc:Choice xmlns:p14="http://schemas.microsoft.com/office/powerpoint/2010/main" Requires="p14">
+      <p:transition spd="slow" p14:dur="2000"/>
+    </mc:Choice>
+    <mc:Fallback>
+      <p:transition spd="slow"/>
+    </mc:Fallback>
+  </mc:AlternateContent>
   <p:timing>
     <p:tnLst>
       <p:par>
@@ -12396,29 +12695,40 @@
           <a:bodyPr lIns="90000" tIns="45000" rIns="90000" bIns="45000"/>
           <a:lstStyle/>
           <a:p>
+            <a:pPr marL="342900" indent="-342900">
+              <a:lnSpc>
+                <a:spcPct val="100000"/>
+              </a:lnSpc>
+              <a:buFont typeface="Arial" panose="020B0604020202020204" pitchFamily="34" charset="0"/>
+              <a:buChar char="•"/>
+            </a:pPr>
+            <a:r>
+              <a:rPr lang="fr-FR" sz="2400" b="1" strike="noStrike" dirty="0" smtClean="0">
+                <a:solidFill>
+                  <a:srgbClr val="5F5E5E"/>
+                </a:solidFill>
+                <a:latin typeface="Arial"/>
+              </a:rPr>
+              <a:t>Fonction </a:t>
+            </a:r>
+            <a:r>
+              <a:rPr lang="fr-FR" sz="2400" b="1" strike="noStrike" dirty="0">
+                <a:solidFill>
+                  <a:srgbClr val="5F5E5E"/>
+                </a:solidFill>
+                <a:latin typeface="Arial"/>
+              </a:rPr>
+              <a:t>annuler</a:t>
+            </a:r>
+            <a:endParaRPr dirty="0"/>
+          </a:p>
+          <a:p>
             <a:pPr>
               <a:lnSpc>
                 <a:spcPct val="100000"/>
               </a:lnSpc>
             </a:pPr>
-            <a:r>
-              <a:rPr lang="fr-FR" sz="2400" b="1" strike="noStrike">
-                <a:solidFill>
-                  <a:srgbClr val="5F5E5E"/>
-                </a:solidFill>
-                <a:latin typeface="Arial"/>
-              </a:rPr>
-              <a:t>- Fonction annuler</a:t>
-            </a:r>
-            <a:endParaRPr/>
-          </a:p>
-          <a:p>
-            <a:pPr>
-              <a:lnSpc>
-                <a:spcPct val="100000"/>
-              </a:lnSpc>
-            </a:pPr>
-            <a:endParaRPr/>
+            <a:endParaRPr dirty="0"/>
           </a:p>
         </p:txBody>
       </p:sp>
@@ -12431,7 +12741,7 @@
         <p:spPr>
           <a:xfrm>
             <a:off x="5281200" y="3817440"/>
-            <a:ext cx="3179160" cy="1095480"/>
+            <a:ext cx="3539272" cy="1095480"/>
           </a:xfrm>
           <a:prstGeom prst="rect">
             <a:avLst/>
@@ -12457,29 +12767,40 @@
           <a:bodyPr lIns="90000" tIns="45000" rIns="90000" bIns="45000"/>
           <a:lstStyle/>
           <a:p>
+            <a:pPr marL="342900" indent="-342900">
+              <a:lnSpc>
+                <a:spcPct val="100000"/>
+              </a:lnSpc>
+              <a:buFont typeface="Arial" panose="020B0604020202020204" pitchFamily="34" charset="0"/>
+              <a:buChar char="•"/>
+            </a:pPr>
+            <a:r>
+              <a:rPr lang="fr-FR" sz="2400" b="1" strike="noStrike" dirty="0" smtClean="0">
+                <a:solidFill>
+                  <a:srgbClr val="5F5E5E"/>
+                </a:solidFill>
+                <a:latin typeface="Arial"/>
+              </a:rPr>
+              <a:t>Fonctions </a:t>
+            </a:r>
+            <a:r>
+              <a:rPr lang="fr-FR" sz="2400" b="1" strike="noStrike" dirty="0">
+                <a:solidFill>
+                  <a:srgbClr val="5F5E5E"/>
+                </a:solidFill>
+                <a:latin typeface="Arial"/>
+              </a:rPr>
+              <a:t>copier/couper/coller</a:t>
+            </a:r>
+            <a:endParaRPr dirty="0"/>
+          </a:p>
+          <a:p>
             <a:pPr>
               <a:lnSpc>
                 <a:spcPct val="100000"/>
               </a:lnSpc>
             </a:pPr>
-            <a:r>
-              <a:rPr lang="fr-FR" sz="2400" b="1" strike="noStrike">
-                <a:solidFill>
-                  <a:srgbClr val="5F5E5E"/>
-                </a:solidFill>
-                <a:latin typeface="Arial"/>
-              </a:rPr>
-              <a:t>- Fonctions copier/couper/coller</a:t>
-            </a:r>
-            <a:endParaRPr/>
-          </a:p>
-          <a:p>
-            <a:pPr>
-              <a:lnSpc>
-                <a:spcPct val="100000"/>
-              </a:lnSpc>
-            </a:pPr>
-            <a:endParaRPr/>
+            <a:endParaRPr dirty="0"/>
           </a:p>
         </p:txBody>
       </p:sp>
@@ -12547,6 +12868,14 @@
   <p:clrMapOvr>
     <a:masterClrMapping/>
   </p:clrMapOvr>
+  <mc:AlternateContent xmlns:mc="http://schemas.openxmlformats.org/markup-compatibility/2006">
+    <mc:Choice xmlns:p14="http://schemas.microsoft.com/office/powerpoint/2010/main" Requires="p14">
+      <p:transition spd="slow" p14:dur="2000"/>
+    </mc:Choice>
+    <mc:Fallback>
+      <p:transition spd="slow"/>
+    </mc:Fallback>
+  </mc:AlternateContent>
   <p:timing>
     <p:tnLst>
       <p:par>
@@ -12622,7 +12951,7 @@
                 <a:spcPct val="100000"/>
               </a:lnSpc>
             </a:pPr>
-            <a:endParaRPr/>
+            <a:endParaRPr dirty="0"/>
           </a:p>
           <a:p>
             <a:pPr>
@@ -12630,112 +12959,151 @@
                 <a:spcPct val="100000"/>
               </a:lnSpc>
             </a:pPr>
-            <a:endParaRPr/>
-          </a:p>
-          <a:p>
-            <a:pPr>
+            <a:endParaRPr dirty="0"/>
+          </a:p>
+          <a:p>
+            <a:pPr marL="342900" indent="-342900">
               <a:lnSpc>
                 <a:spcPct val="100000"/>
               </a:lnSpc>
-              <a:buFont typeface="Wingdings" charset="2"/>
-              <a:buChar char=""/>
+              <a:buFont typeface="Arial" panose="020B0604020202020204" pitchFamily="34" charset="0"/>
+              <a:buChar char="•"/>
             </a:pPr>
             <a:r>
-              <a:rPr lang="fr-FR" sz="2400" b="1" strike="noStrike">
+              <a:rPr lang="fr-FR" sz="2400" b="1" strike="noStrike" dirty="0" smtClean="0">
                 <a:solidFill>
                   <a:srgbClr val="004D6F"/>
                 </a:solidFill>
                 <a:latin typeface="Arial"/>
               </a:rPr>
-              <a:t>- Version 0.1 : Paramètre de synthèse</a:t>
-            </a:r>
-            <a:endParaRPr/>
-          </a:p>
-          <a:p>
-            <a:pPr>
-              <a:lnSpc>
-                <a:spcPct val="100000"/>
-              </a:lnSpc>
-            </a:pPr>
-            <a:endParaRPr/>
-          </a:p>
-          <a:p>
-            <a:pPr>
-              <a:lnSpc>
-                <a:spcPct val="100000"/>
-              </a:lnSpc>
-            </a:pPr>
-            <a:endParaRPr/>
-          </a:p>
-          <a:p>
-            <a:pPr>
-              <a:lnSpc>
-                <a:spcPct val="100000"/>
-              </a:lnSpc>
-            </a:pPr>
-            <a:endParaRPr/>
-          </a:p>
-          <a:p>
-            <a:pPr>
-              <a:lnSpc>
-                <a:spcPct val="100000"/>
-              </a:lnSpc>
-              <a:buFont typeface="Wingdings" charset="2"/>
-              <a:buChar char=""/>
-            </a:pPr>
-            <a:r>
-              <a:rPr lang="fr-FR" sz="2400" b="1" strike="noStrike">
+              <a:t> </a:t>
+            </a:r>
+            <a:r>
+              <a:rPr lang="fr-FR" sz="2400" b="1" strike="noStrike" dirty="0">
                 <a:solidFill>
                   <a:srgbClr val="004D6F"/>
                 </a:solidFill>
                 <a:latin typeface="Arial"/>
               </a:rPr>
-              <a:t>- Version 0.2 : Filtre</a:t>
-            </a:r>
-            <a:endParaRPr/>
-          </a:p>
-          <a:p>
-            <a:pPr>
+              <a:t>Version 0.1 : Paramètre de synthèse</a:t>
+            </a:r>
+            <a:endParaRPr dirty="0"/>
+          </a:p>
+          <a:p>
+            <a:pPr marL="285750" indent="-285750">
               <a:lnSpc>
                 <a:spcPct val="100000"/>
               </a:lnSpc>
+              <a:buFont typeface="Arial" panose="020B0604020202020204" pitchFamily="34" charset="0"/>
+              <a:buChar char="•"/>
             </a:pPr>
-            <a:endParaRPr/>
-          </a:p>
-          <a:p>
-            <a:pPr>
+            <a:endParaRPr dirty="0"/>
+          </a:p>
+          <a:p>
+            <a:pPr marL="285750" indent="-285750">
               <a:lnSpc>
                 <a:spcPct val="100000"/>
               </a:lnSpc>
+              <a:buFont typeface="Arial" panose="020B0604020202020204" pitchFamily="34" charset="0"/>
+              <a:buChar char="•"/>
             </a:pPr>
-            <a:endParaRPr/>
-          </a:p>
-          <a:p>
-            <a:pPr>
+            <a:endParaRPr dirty="0"/>
+          </a:p>
+          <a:p>
+            <a:pPr marL="285750" indent="-285750">
               <a:lnSpc>
                 <a:spcPct val="100000"/>
               </a:lnSpc>
+              <a:buFont typeface="Arial" panose="020B0604020202020204" pitchFamily="34" charset="0"/>
+              <a:buChar char="•"/>
             </a:pPr>
-            <a:endParaRPr/>
-          </a:p>
-          <a:p>
-            <a:pPr>
+            <a:endParaRPr dirty="0"/>
+          </a:p>
+          <a:p>
+            <a:pPr marL="342900" indent="-342900">
               <a:lnSpc>
                 <a:spcPct val="100000"/>
               </a:lnSpc>
-              <a:buFont typeface="Wingdings" charset="2"/>
-              <a:buChar char=""/>
+              <a:buFont typeface="Arial" panose="020B0604020202020204" pitchFamily="34" charset="0"/>
+              <a:buChar char="•"/>
             </a:pPr>
             <a:r>
-              <a:rPr lang="fr-FR" sz="2400" b="1" strike="noStrike">
+              <a:rPr lang="fr-FR" sz="2400" b="1" strike="noStrike" dirty="0" smtClean="0">
                 <a:solidFill>
                   <a:srgbClr val="004D6F"/>
                 </a:solidFill>
                 <a:latin typeface="Arial"/>
               </a:rPr>
-              <a:t>- Version 1.0 : Optimiseur</a:t>
-            </a:r>
-            <a:endParaRPr/>
+              <a:t> </a:t>
+            </a:r>
+            <a:r>
+              <a:rPr lang="fr-FR" sz="2400" b="1" strike="noStrike" dirty="0">
+                <a:solidFill>
+                  <a:srgbClr val="004D6F"/>
+                </a:solidFill>
+                <a:latin typeface="Arial"/>
+              </a:rPr>
+              <a:t>Version 0.2 : Filtre</a:t>
+            </a:r>
+            <a:endParaRPr dirty="0"/>
+          </a:p>
+          <a:p>
+            <a:pPr marL="285750" indent="-285750">
+              <a:lnSpc>
+                <a:spcPct val="100000"/>
+              </a:lnSpc>
+              <a:buFont typeface="Arial" panose="020B0604020202020204" pitchFamily="34" charset="0"/>
+              <a:buChar char="•"/>
+            </a:pPr>
+            <a:endParaRPr dirty="0"/>
+          </a:p>
+          <a:p>
+            <a:pPr marL="285750" indent="-285750">
+              <a:lnSpc>
+                <a:spcPct val="100000"/>
+              </a:lnSpc>
+              <a:buFont typeface="Arial" panose="020B0604020202020204" pitchFamily="34" charset="0"/>
+              <a:buChar char="•"/>
+            </a:pPr>
+            <a:endParaRPr dirty="0"/>
+          </a:p>
+          <a:p>
+            <a:pPr marL="285750" indent="-285750">
+              <a:lnSpc>
+                <a:spcPct val="100000"/>
+              </a:lnSpc>
+              <a:buFont typeface="Arial" panose="020B0604020202020204" pitchFamily="34" charset="0"/>
+              <a:buChar char="•"/>
+            </a:pPr>
+            <a:endParaRPr dirty="0"/>
+          </a:p>
+          <a:p>
+            <a:pPr marL="342900" indent="-342900">
+              <a:lnSpc>
+                <a:spcPct val="100000"/>
+              </a:lnSpc>
+              <a:buFont typeface="Arial" panose="020B0604020202020204" pitchFamily="34" charset="0"/>
+              <a:buChar char="•"/>
+            </a:pPr>
+            <a:r>
+              <a:rPr lang="fr-FR" sz="2400" b="1" strike="noStrike" dirty="0" smtClean="0">
+                <a:solidFill>
+                  <a:srgbClr val="004D6F"/>
+                </a:solidFill>
+                <a:latin typeface="Arial"/>
+              </a:rPr>
+              <a:t> </a:t>
+            </a:r>
+            <a:r>
+              <a:rPr lang="fr-FR" sz="2400" b="1" strike="noStrike" dirty="0">
+                <a:solidFill>
+                  <a:srgbClr val="004D6F"/>
+                </a:solidFill>
+                <a:latin typeface="Arial"/>
+              </a:rPr>
+              <a:t>Version 1.0 : Optimiseur</a:t>
+            </a:r>
+            <a:endParaRPr dirty="0"/>
           </a:p>
         </p:txBody>
       </p:sp>
@@ -12780,6 +13148,14 @@
   <p:clrMapOvr>
     <a:masterClrMapping/>
   </p:clrMapOvr>
+  <mc:AlternateContent xmlns:mc="http://schemas.openxmlformats.org/markup-compatibility/2006">
+    <mc:Choice xmlns:p14="http://schemas.microsoft.com/office/powerpoint/2010/main" Requires="p14">
+      <p:transition spd="slow" p14:dur="2000"/>
+    </mc:Choice>
+    <mc:Fallback>
+      <p:transition spd="slow"/>
+    </mc:Fallback>
+  </mc:AlternateContent>
   <p:timing>
     <p:tnLst>
       <p:par>
@@ -12945,6 +13321,14 @@
   <p:clrMapOvr>
     <a:masterClrMapping/>
   </p:clrMapOvr>
+  <mc:AlternateContent xmlns:mc="http://schemas.openxmlformats.org/markup-compatibility/2006">
+    <mc:Choice xmlns:p14="http://schemas.microsoft.com/office/powerpoint/2010/main" Requires="p14">
+      <p:transition spd="slow" p14:dur="2000"/>
+    </mc:Choice>
+    <mc:Fallback>
+      <p:transition spd="slow"/>
+    </mc:Fallback>
+  </mc:AlternateContent>
   <p:timing>
     <p:tnLst>
       <p:par>
@@ -13020,7 +13404,7 @@
                 <a:spcPct val="100000"/>
               </a:lnSpc>
             </a:pPr>
-            <a:endParaRPr/>
+            <a:endParaRPr dirty="0"/>
           </a:p>
           <a:p>
             <a:pPr>
@@ -13028,7 +13412,7 @@
                 <a:spcPct val="100000"/>
               </a:lnSpc>
             </a:pPr>
-            <a:endParaRPr/>
+            <a:endParaRPr dirty="0"/>
           </a:p>
           <a:p>
             <a:pPr>
@@ -13036,65 +13420,83 @@
                 <a:spcPct val="100000"/>
               </a:lnSpc>
             </a:pPr>
-            <a:endParaRPr/>
-          </a:p>
-          <a:p>
-            <a:pPr>
+            <a:endParaRPr dirty="0"/>
+          </a:p>
+          <a:p>
+            <a:pPr marL="342900" indent="-342900">
               <a:lnSpc>
                 <a:spcPct val="100000"/>
               </a:lnSpc>
-              <a:buFont typeface="Wingdings" charset="2"/>
-              <a:buChar char=""/>
+              <a:buFont typeface="Arial" panose="020B0604020202020204" pitchFamily="34" charset="0"/>
+              <a:buChar char="•"/>
             </a:pPr>
             <a:r>
-              <a:rPr lang="fr-FR" sz="2400" b="1" strike="noStrike">
+              <a:rPr lang="fr-FR" sz="2400" b="1" strike="noStrike" dirty="0" smtClean="0">
                 <a:solidFill>
                   <a:srgbClr val="004D6F"/>
                 </a:solidFill>
                 <a:latin typeface="Arial"/>
               </a:rPr>
-              <a:t>- Se remettre en cause</a:t>
-            </a:r>
-            <a:endParaRPr/>
-          </a:p>
-          <a:p>
-            <a:pPr>
-              <a:lnSpc>
-                <a:spcPct val="100000"/>
-              </a:lnSpc>
-              <a:buFont typeface="Wingdings" charset="2"/>
-              <a:buChar char=""/>
-            </a:pPr>
-            <a:endParaRPr/>
-          </a:p>
-          <a:p>
-            <a:pPr>
-              <a:lnSpc>
-                <a:spcPct val="100000"/>
-              </a:lnSpc>
-              <a:buFont typeface="Wingdings" charset="2"/>
-              <a:buChar char=""/>
-            </a:pPr>
-            <a:endParaRPr/>
-          </a:p>
-          <a:p>
-            <a:pPr>
-              <a:lnSpc>
-                <a:spcPct val="100000"/>
-              </a:lnSpc>
-              <a:buFont typeface="Wingdings" charset="2"/>
-              <a:buChar char=""/>
-            </a:pPr>
-            <a:r>
-              <a:rPr lang="fr-FR" sz="2400" b="1" strike="noStrike">
+              <a:t> </a:t>
+            </a:r>
+            <a:r>
+              <a:rPr lang="fr-FR" sz="2400" b="1" strike="noStrike" dirty="0">
                 <a:solidFill>
                   <a:srgbClr val="004D6F"/>
                 </a:solidFill>
                 <a:latin typeface="Arial"/>
               </a:rPr>
-              <a:t>- Améliorations</a:t>
-            </a:r>
-            <a:endParaRPr/>
+              <a:t>Se remettre en cause</a:t>
+            </a:r>
+            <a:endParaRPr dirty="0"/>
+          </a:p>
+          <a:p>
+            <a:pPr marL="285750" indent="-285750">
+              <a:lnSpc>
+                <a:spcPct val="100000"/>
+              </a:lnSpc>
+              <a:buFont typeface="Arial" panose="020B0604020202020204" pitchFamily="34" charset="0"/>
+              <a:buChar char="•"/>
+            </a:pPr>
+            <a:endParaRPr dirty="0"/>
+          </a:p>
+          <a:p>
+            <a:pPr marL="285750" indent="-285750">
+              <a:lnSpc>
+                <a:spcPct val="100000"/>
+              </a:lnSpc>
+              <a:buFont typeface="Arial" panose="020B0604020202020204" pitchFamily="34" charset="0"/>
+              <a:buChar char="•"/>
+            </a:pPr>
+            <a:endParaRPr dirty="0"/>
+          </a:p>
+          <a:p>
+            <a:pPr marL="342900" indent="-342900">
+              <a:lnSpc>
+                <a:spcPct val="100000"/>
+              </a:lnSpc>
+              <a:buFont typeface="Arial" panose="020B0604020202020204" pitchFamily="34" charset="0"/>
+              <a:buChar char="•"/>
+            </a:pPr>
+            <a:r>
+              <a:rPr lang="fr-FR" sz="2400" b="1" strike="noStrike" dirty="0" smtClean="0">
+                <a:solidFill>
+                  <a:srgbClr val="004D6F"/>
+                </a:solidFill>
+                <a:latin typeface="Arial"/>
+              </a:rPr>
+              <a:t> </a:t>
+            </a:r>
+            <a:r>
+              <a:rPr lang="fr-FR" sz="2400" b="1" strike="noStrike" dirty="0">
+                <a:solidFill>
+                  <a:srgbClr val="004D6F"/>
+                </a:solidFill>
+                <a:latin typeface="Arial"/>
+              </a:rPr>
+              <a:t>Améliorations</a:t>
+            </a:r>
+            <a:endParaRPr dirty="0"/>
           </a:p>
         </p:txBody>
       </p:sp>
@@ -13166,6 +13568,14 @@
   <p:clrMapOvr>
     <a:masterClrMapping/>
   </p:clrMapOvr>
+  <mc:AlternateContent xmlns:mc="http://schemas.openxmlformats.org/markup-compatibility/2006">
+    <mc:Choice xmlns:p14="http://schemas.microsoft.com/office/powerpoint/2010/main" Requires="p14">
+      <p:transition spd="slow" p14:dur="2000"/>
+    </mc:Choice>
+    <mc:Fallback>
+      <p:transition spd="slow"/>
+    </mc:Fallback>
+  </mc:AlternateContent>
   <p:timing>
     <p:tnLst>
       <p:par>
@@ -13282,7 +13692,7 @@
                 <a:spcPct val="100000"/>
               </a:lnSpc>
             </a:pPr>
-            <a:endParaRPr/>
+            <a:endParaRPr dirty="0"/>
           </a:p>
           <a:p>
             <a:pPr algn="ctr">
@@ -13290,7 +13700,7 @@
                 <a:spcPct val="100000"/>
               </a:lnSpc>
             </a:pPr>
-            <a:endParaRPr/>
+            <a:endParaRPr dirty="0"/>
           </a:p>
           <a:p>
             <a:pPr algn="ctr">
@@ -13298,18 +13708,16 @@
                 <a:spcPct val="100000"/>
               </a:lnSpc>
             </a:pPr>
-            <a:endParaRPr/>
+            <a:endParaRPr dirty="0"/>
           </a:p>
           <a:p>
             <a:pPr algn="ctr">
               <a:lnSpc>
                 <a:spcPct val="100000"/>
               </a:lnSpc>
-              <a:buFont typeface="Wingdings" charset="2"/>
-              <a:buChar char=""/>
             </a:pPr>
             <a:r>
-              <a:rPr lang="fr-FR" sz="3200" b="1" strike="noStrike">
+              <a:rPr lang="fr-FR" sz="3200" b="1" strike="noStrike" dirty="0">
                 <a:solidFill>
                   <a:srgbClr val="004D6F"/>
                 </a:solidFill>
@@ -13317,7 +13725,7 @@
               </a:rPr>
               <a:t>Place à la réalisation !</a:t>
             </a:r>
-            <a:endParaRPr/>
+            <a:endParaRPr dirty="0"/>
           </a:p>
           <a:p>
             <a:pPr algn="ctr">
@@ -13325,7 +13733,7 @@
                 <a:spcPct val="100000"/>
               </a:lnSpc>
             </a:pPr>
-            <a:endParaRPr/>
+            <a:endParaRPr dirty="0"/>
           </a:p>
           <a:p>
             <a:pPr algn="ctr">
@@ -13333,18 +13741,16 @@
                 <a:spcPct val="100000"/>
               </a:lnSpc>
             </a:pPr>
-            <a:endParaRPr/>
+            <a:endParaRPr dirty="0"/>
           </a:p>
           <a:p>
             <a:pPr algn="ctr">
               <a:lnSpc>
                 <a:spcPct val="100000"/>
               </a:lnSpc>
-              <a:buFont typeface="Wingdings" charset="2"/>
-              <a:buChar char=""/>
             </a:pPr>
             <a:r>
-              <a:rPr lang="fr-FR" sz="3600" b="1" strike="noStrike">
+              <a:rPr lang="fr-FR" sz="3600" b="1" strike="noStrike" dirty="0">
                 <a:solidFill>
                   <a:srgbClr val="004D6F"/>
                 </a:solidFill>
@@ -13352,7 +13758,7 @@
               </a:rPr>
               <a:t>Des questions ?</a:t>
             </a:r>
-            <a:endParaRPr/>
+            <a:endParaRPr dirty="0"/>
           </a:p>
           <a:p>
             <a:pPr>
@@ -13360,7 +13766,7 @@
                 <a:spcPct val="100000"/>
               </a:lnSpc>
             </a:pPr>
-            <a:endParaRPr/>
+            <a:endParaRPr dirty="0"/>
           </a:p>
         </p:txBody>
       </p:sp>
@@ -13369,6 +13775,14 @@
   <p:clrMapOvr>
     <a:masterClrMapping/>
   </p:clrMapOvr>
+  <mc:AlternateContent xmlns:mc="http://schemas.openxmlformats.org/markup-compatibility/2006">
+    <mc:Choice xmlns:p14="http://schemas.microsoft.com/office/powerpoint/2010/main" Requires="p14">
+      <p:transition spd="slow" p14:dur="2000"/>
+    </mc:Choice>
+    <mc:Fallback>
+      <p:transition spd="slow"/>
+    </mc:Fallback>
+  </mc:AlternateContent>
   <p:timing>
     <p:tnLst>
       <p:par>
@@ -13541,6 +13955,14 @@
   <p:clrMapOvr>
     <a:masterClrMapping/>
   </p:clrMapOvr>
+  <mc:AlternateContent xmlns:mc="http://schemas.openxmlformats.org/markup-compatibility/2006">
+    <mc:Choice xmlns:p14="http://schemas.microsoft.com/office/powerpoint/2010/main" Requires="p14">
+      <p:transition spd="slow" p14:dur="2000"/>
+    </mc:Choice>
+    <mc:Fallback>
+      <p:transition spd="slow"/>
+    </mc:Fallback>
+  </mc:AlternateContent>
   <p:timing>
     <p:tnLst>
       <p:par>
@@ -14386,6 +14808,14 @@
   <p:clrMapOvr>
     <a:masterClrMapping/>
   </p:clrMapOvr>
+  <mc:AlternateContent xmlns:mc="http://schemas.openxmlformats.org/markup-compatibility/2006">
+    <mc:Choice xmlns:p14="http://schemas.microsoft.com/office/powerpoint/2010/main" Requires="p14">
+      <p:transition spd="slow" p14:dur="2000"/>
+    </mc:Choice>
+    <mc:Fallback>
+      <p:transition spd="slow"/>
+    </mc:Fallback>
+  </mc:AlternateContent>
   <p:timing>
     <p:tnLst>
       <p:par>
@@ -15000,8 +15430,35 @@
               <a:rPr lang="fr-FR" dirty="0" smtClean="0">
                 <a:sym typeface="Wingdings" panose="05000000000000000000" pitchFamily="2" charset="2"/>
               </a:rPr>
-              <a:t>Le concept a évolué en arbres d’attaque et de défense</a:t>
-            </a:r>
+              <a:t>Le concept a évolué en arbres d’attaque et de </a:t>
+            </a:r>
+            <a:r>
+              <a:rPr lang="fr-FR" dirty="0" smtClean="0">
+                <a:sym typeface="Wingdings" panose="05000000000000000000" pitchFamily="2" charset="2"/>
+              </a:rPr>
+              <a:t>défense </a:t>
+            </a:r>
+            <a:r>
+              <a:rPr lang="fr-FR" dirty="0" smtClean="0">
+                <a:sym typeface="Wingdings" panose="05000000000000000000" pitchFamily="2" charset="2"/>
+              </a:rPr>
+              <a:t>(</a:t>
+            </a:r>
+            <a:r>
+              <a:rPr lang="fr-FR" dirty="0" err="1" smtClean="0">
+                <a:sym typeface="Wingdings" panose="05000000000000000000" pitchFamily="2" charset="2"/>
+              </a:rPr>
+              <a:t>ADTrees</a:t>
+            </a:r>
+            <a:r>
+              <a:rPr lang="fr-FR" dirty="0" smtClean="0">
+                <a:sym typeface="Wingdings" panose="05000000000000000000" pitchFamily="2" charset="2"/>
+              </a:rPr>
+              <a:t>)</a:t>
+            </a:r>
+            <a:endParaRPr lang="fr-FR" dirty="0" smtClean="0">
+              <a:sym typeface="Wingdings" panose="05000000000000000000" pitchFamily="2" charset="2"/>
+            </a:endParaRPr>
           </a:p>
         </p:txBody>
       </p:sp>
@@ -16180,6 +16637,14 @@
   <p:clrMapOvr>
     <a:masterClrMapping/>
   </p:clrMapOvr>
+  <mc:AlternateContent xmlns:mc="http://schemas.openxmlformats.org/markup-compatibility/2006">
+    <mc:Choice xmlns:p14="http://schemas.microsoft.com/office/powerpoint/2010/main" Requires="p14">
+      <p:transition spd="slow" p14:dur="2000"/>
+    </mc:Choice>
+    <mc:Fallback>
+      <p:transition spd="slow"/>
+    </mc:Fallback>
+  </mc:AlternateContent>
   <p:timing>
     <p:tnLst>
       <p:par>
@@ -16291,6 +16756,14 @@
   <p:clrMapOvr>
     <a:masterClrMapping/>
   </p:clrMapOvr>
+  <mc:AlternateContent xmlns:mc="http://schemas.openxmlformats.org/markup-compatibility/2006">
+    <mc:Choice xmlns:p14="http://schemas.microsoft.com/office/powerpoint/2010/main" Requires="p14">
+      <p:transition spd="slow" p14:dur="2000"/>
+    </mc:Choice>
+    <mc:Fallback>
+      <p:transition spd="slow"/>
+    </mc:Fallback>
+  </mc:AlternateContent>
   <p:timing>
     <p:tnLst>
       <p:par>
@@ -16434,6 +16907,14 @@
   <p:clrMapOvr>
     <a:masterClrMapping/>
   </p:clrMapOvr>
+  <mc:AlternateContent xmlns:mc="http://schemas.openxmlformats.org/markup-compatibility/2006">
+    <mc:Choice xmlns:p14="http://schemas.microsoft.com/office/powerpoint/2010/main" Requires="p14">
+      <p:transition spd="slow" p14:dur="2000"/>
+    </mc:Choice>
+    <mc:Fallback>
+      <p:transition spd="slow"/>
+    </mc:Fallback>
+  </mc:AlternateContent>
   <p:timing>
     <p:tnLst>
       <p:par>
@@ -16545,6 +17026,14 @@
   <p:clrMapOvr>
     <a:masterClrMapping/>
   </p:clrMapOvr>
+  <mc:AlternateContent xmlns:mc="http://schemas.openxmlformats.org/markup-compatibility/2006">
+    <mc:Choice xmlns:p14="http://schemas.microsoft.com/office/powerpoint/2010/main" Requires="p14">
+      <p:transition spd="slow" p14:dur="2000"/>
+    </mc:Choice>
+    <mc:Fallback>
+      <p:transition spd="slow"/>
+    </mc:Fallback>
+  </mc:AlternateContent>
   <p:timing>
     <p:tnLst>
       <p:par>

--- a/soutenances/projet_decembre/soutenance_projet_decembre.pptx
+++ b/soutenances/projet_decembre/soutenance_projet_decembre.pptx
@@ -8803,8 +8803,8 @@
         </p:nvSpPr>
         <p:spPr>
           <a:xfrm>
-            <a:off x="107640" y="1412640"/>
-            <a:ext cx="5760360" cy="2952000"/>
+            <a:off x="107504" y="1700808"/>
+            <a:ext cx="3096344" cy="2952000"/>
           </a:xfrm>
           <a:prstGeom prst="rect">
             <a:avLst/>
@@ -8824,20 +8824,101 @@
               </a:lnSpc>
             </a:pPr>
             <a:r>
-              <a:rPr lang="fr-FR" sz="2800" b="1" strike="noStrike">
+              <a:rPr lang="fr-FR" sz="2800" b="1" strike="noStrike" dirty="0" smtClean="0">
                 <a:solidFill>
                   <a:srgbClr val="0C0C0C"/>
                 </a:solidFill>
                 <a:latin typeface="Arial"/>
               </a:rPr>
-              <a:t>Est-il 
-difficile de 
-paralyser les 
-transports en 
-commun de 
-Rennes ?</a:t>
-            </a:r>
-            <a:endParaRPr/>
+              <a:t>Projet</a:t>
+            </a:r>
+          </a:p>
+          <a:p>
+            <a:pPr>
+              <a:lnSpc>
+                <a:spcPct val="100000"/>
+              </a:lnSpc>
+            </a:pPr>
+            <a:r>
+              <a:rPr lang="fr-FR" sz="2800" b="1" dirty="0" smtClean="0">
+                <a:solidFill>
+                  <a:srgbClr val="0C0C0C"/>
+                </a:solidFill>
+                <a:latin typeface="Arial"/>
+              </a:rPr>
+              <a:t>de Modélisation </a:t>
+            </a:r>
+          </a:p>
+          <a:p>
+            <a:pPr>
+              <a:lnSpc>
+                <a:spcPct val="100000"/>
+              </a:lnSpc>
+            </a:pPr>
+            <a:r>
+              <a:rPr lang="fr-FR" sz="2800" b="1" dirty="0" smtClean="0">
+                <a:solidFill>
+                  <a:srgbClr val="0C0C0C"/>
+                </a:solidFill>
+                <a:latin typeface="Arial"/>
+              </a:rPr>
+              <a:t>et </a:t>
+            </a:r>
+            <a:r>
+              <a:rPr lang="fr-FR" sz="2800" b="1" dirty="0" smtClean="0">
+                <a:solidFill>
+                  <a:srgbClr val="0C0C0C"/>
+                </a:solidFill>
+                <a:latin typeface="Arial"/>
+              </a:rPr>
+              <a:t>Conception</a:t>
+            </a:r>
+          </a:p>
+          <a:p>
+            <a:pPr>
+              <a:lnSpc>
+                <a:spcPct val="100000"/>
+              </a:lnSpc>
+            </a:pPr>
+            <a:r>
+              <a:rPr lang="fr-FR" sz="2800" b="1" dirty="0" smtClean="0">
+                <a:solidFill>
+                  <a:srgbClr val="0C0C0C"/>
+                </a:solidFill>
+                <a:latin typeface="Arial"/>
+              </a:rPr>
+              <a:t>Orientées</a:t>
+            </a:r>
+          </a:p>
+          <a:p>
+            <a:pPr>
+              <a:lnSpc>
+                <a:spcPct val="100000"/>
+              </a:lnSpc>
+            </a:pPr>
+            <a:r>
+              <a:rPr lang="fr-FR" sz="2800" b="1" dirty="0" smtClean="0">
+                <a:solidFill>
+                  <a:srgbClr val="0C0C0C"/>
+                </a:solidFill>
+                <a:latin typeface="Arial"/>
+              </a:rPr>
+              <a:t>Objets</a:t>
+            </a:r>
+            <a:endParaRPr lang="fr-FR" sz="2800" b="1" dirty="0" smtClean="0">
+              <a:solidFill>
+                <a:srgbClr val="0C0C0C"/>
+              </a:solidFill>
+              <a:latin typeface="Arial"/>
+            </a:endParaRPr>
+          </a:p>
+          <a:p>
+            <a:pPr>
+              <a:lnSpc>
+                <a:spcPct val="100000"/>
+              </a:lnSpc>
+            </a:pPr>
+            <a:endParaRPr dirty="0"/>
           </a:p>
         </p:txBody>
       </p:sp>
@@ -8850,7 +8931,7 @@
         <p:spPr>
           <a:xfrm>
             <a:off x="6084000" y="0"/>
-            <a:ext cx="2664000" cy="1218240"/>
+            <a:ext cx="2664000" cy="1844824"/>
           </a:xfrm>
           <a:prstGeom prst="rect">
             <a:avLst/>
@@ -8882,7 +8963,7 @@
               </a:lnSpc>
             </a:pPr>
             <a:r>
-              <a:rPr lang="fr-FR" b="1" strike="noStrike">
+              <a:rPr lang="fr-FR" b="1" strike="noStrike" dirty="0">
                 <a:solidFill>
                   <a:srgbClr val="FFFFFF"/>
                 </a:solidFill>
@@ -8890,7 +8971,7 @@
               </a:rPr>
               <a:t>Encadrants</a:t>
             </a:r>
-            <a:endParaRPr/>
+            <a:endParaRPr dirty="0"/>
           </a:p>
           <a:p>
             <a:pPr algn="r">
@@ -8899,15 +8980,14 @@
               </a:lnSpc>
             </a:pPr>
             <a:r>
-              <a:rPr lang="fr-FR" strike="noStrike">
+              <a:rPr lang="fr-FR" strike="noStrike" dirty="0" smtClean="0">
                 <a:solidFill>
                   <a:srgbClr val="0C0C0C"/>
                 </a:solidFill>
                 <a:latin typeface="Arial"/>
               </a:rPr>
-              <a:t>Gildas Avoine</a:t>
-            </a:r>
-            <a:endParaRPr/>
+              <a:t>Éric Anquetil</a:t>
+            </a:r>
           </a:p>
           <a:p>
             <a:pPr algn="r">
@@ -8916,15 +8996,14 @@
               </a:lnSpc>
             </a:pPr>
             <a:r>
-              <a:rPr lang="fr-FR" strike="noStrike">
+              <a:rPr lang="fr-FR" dirty="0" smtClean="0">
                 <a:solidFill>
                   <a:srgbClr val="0C0C0C"/>
                 </a:solidFill>
                 <a:latin typeface="Arial"/>
               </a:rPr>
-              <a:t>Barbara Kordy</a:t>
-            </a:r>
-            <a:endParaRPr/>
+              <a:t>Ferran Argelaguet</a:t>
+            </a:r>
           </a:p>
           <a:p>
             <a:pPr algn="r">
@@ -8932,7 +9011,56 @@
                 <a:spcPct val="100000"/>
               </a:lnSpc>
             </a:pPr>
-            <a:endParaRPr/>
+            <a:r>
+              <a:rPr lang="fr-FR" dirty="0" smtClean="0">
+                <a:solidFill>
+                  <a:srgbClr val="0C0C0C"/>
+                </a:solidFill>
+                <a:latin typeface="Arial"/>
+              </a:rPr>
+              <a:t>Arnaud Blouin</a:t>
+            </a:r>
+          </a:p>
+          <a:p>
+            <a:pPr algn="r">
+              <a:lnSpc>
+                <a:spcPct val="100000"/>
+              </a:lnSpc>
+            </a:pPr>
+            <a:r>
+              <a:rPr lang="fr-FR" dirty="0" smtClean="0">
+                <a:solidFill>
+                  <a:srgbClr val="0C0C0C"/>
+                </a:solidFill>
+                <a:latin typeface="Arial"/>
+              </a:rPr>
+              <a:t>Grégoire Richard</a:t>
+            </a:r>
+          </a:p>
+          <a:p>
+            <a:pPr algn="r">
+              <a:lnSpc>
+                <a:spcPct val="100000"/>
+              </a:lnSpc>
+            </a:pPr>
+            <a:r>
+              <a:rPr lang="fr-FR" dirty="0" smtClean="0">
+                <a:solidFill>
+                  <a:srgbClr val="0C0C0C"/>
+                </a:solidFill>
+                <a:latin typeface="Arial"/>
+              </a:rPr>
+              <a:t>Maud Marchal</a:t>
+            </a:r>
+            <a:endParaRPr dirty="0"/>
+          </a:p>
+          <a:p>
+            <a:pPr algn="r">
+              <a:lnSpc>
+                <a:spcPct val="100000"/>
+              </a:lnSpc>
+            </a:pPr>
+            <a:endParaRPr dirty="0"/>
           </a:p>
         </p:txBody>
       </p:sp>
@@ -8944,8 +9072,8 @@
         </p:nvSpPr>
         <p:spPr>
           <a:xfrm>
-            <a:off x="5796000" y="4149000"/>
-            <a:ext cx="3024000" cy="2010600"/>
+            <a:off x="5796000" y="5229200"/>
+            <a:ext cx="3024000" cy="930400"/>
           </a:xfrm>
           <a:prstGeom prst="rect">
             <a:avLst/>
@@ -8977,7 +9105,7 @@
               </a:lnSpc>
             </a:pPr>
             <a:r>
-              <a:rPr lang="fr-FR" b="1" strike="noStrike">
+              <a:rPr lang="fr-FR" b="1" strike="noStrike" dirty="0">
                 <a:solidFill>
                   <a:srgbClr val="FF0000"/>
                 </a:solidFill>
@@ -8985,7 +9113,7 @@
               </a:rPr>
               <a:t>Étudiants</a:t>
             </a:r>
-            <a:endParaRPr/>
+            <a:endParaRPr dirty="0"/>
           </a:p>
           <a:p>
             <a:pPr algn="r">
@@ -8994,15 +9122,24 @@
               </a:lnSpc>
             </a:pPr>
             <a:r>
-              <a:rPr lang="fr-FR" strike="noStrike">
+              <a:rPr lang="fr-FR" strike="noStrike" dirty="0">
                 <a:solidFill>
                   <a:srgbClr val="212121"/>
                 </a:solidFill>
                 <a:latin typeface="Arial"/>
               </a:rPr>
-              <a:t>Pierre-Marie Airiau</a:t>
-            </a:r>
-            <a:endParaRPr/>
+              <a:t>Pierre-Marie </a:t>
+            </a:r>
+            <a:r>
+              <a:rPr lang="fr-FR" strike="noStrike" dirty="0" err="1">
+                <a:solidFill>
+                  <a:srgbClr val="212121"/>
+                </a:solidFill>
+                <a:latin typeface="Arial"/>
+              </a:rPr>
+              <a:t>Airiau</a:t>
+            </a:r>
+            <a:endParaRPr dirty="0"/>
           </a:p>
           <a:p>
             <a:pPr algn="r">
@@ -9011,41 +9148,7 @@
               </a:lnSpc>
             </a:pPr>
             <a:r>
-              <a:rPr lang="fr-FR" strike="noStrike">
-                <a:solidFill>
-                  <a:srgbClr val="212121"/>
-                </a:solidFill>
-                <a:latin typeface="Arial"/>
-              </a:rPr>
-              <a:t>Valentin Esmieu</a:t>
-            </a:r>
-            <a:endParaRPr/>
-          </a:p>
-          <a:p>
-            <a:pPr algn="r">
-              <a:lnSpc>
-                <a:spcPct val="100000"/>
-              </a:lnSpc>
-            </a:pPr>
-            <a:r>
-              <a:rPr lang="fr-FR" strike="noStrike">
-                <a:solidFill>
-                  <a:srgbClr val="212121"/>
-                </a:solidFill>
-                <a:latin typeface="Arial"/>
-              </a:rPr>
-              <a:t>Hoel Kervadec</a:t>
-            </a:r>
-            <a:endParaRPr/>
-          </a:p>
-          <a:p>
-            <a:pPr algn="r">
-              <a:lnSpc>
-                <a:spcPct val="100000"/>
-              </a:lnSpc>
-            </a:pPr>
-            <a:r>
-              <a:rPr lang="fr-FR" strike="noStrike">
+              <a:rPr lang="fr-FR" strike="noStrike" dirty="0" smtClean="0">
                 <a:solidFill>
                   <a:srgbClr val="212121"/>
                 </a:solidFill>
@@ -9053,41 +9156,7 @@
               </a:rPr>
               <a:t>Maud Leray</a:t>
             </a:r>
-            <a:endParaRPr/>
-          </a:p>
-          <a:p>
-            <a:pPr algn="r">
-              <a:lnSpc>
-                <a:spcPct val="100000"/>
-              </a:lnSpc>
-            </a:pPr>
-            <a:r>
-              <a:rPr lang="fr-FR" strike="noStrike">
-                <a:solidFill>
-                  <a:srgbClr val="212121"/>
-                </a:solidFill>
-                <a:latin typeface="Arial"/>
-              </a:rPr>
-              <a:t>Florent Mallard</a:t>
-            </a:r>
-            <a:endParaRPr/>
-          </a:p>
-          <a:p>
-            <a:pPr algn="r">
-              <a:lnSpc>
-                <a:spcPct val="100000"/>
-              </a:lnSpc>
-            </a:pPr>
-            <a:r>
-              <a:rPr lang="fr-FR" strike="noStrike">
-                <a:solidFill>
-                  <a:srgbClr val="212121"/>
-                </a:solidFill>
-                <a:latin typeface="Arial"/>
-              </a:rPr>
-              <a:t>Corentin Nicole</a:t>
-            </a:r>
-            <a:endParaRPr/>
+            <a:endParaRPr dirty="0"/>
           </a:p>
         </p:txBody>
       </p:sp>
@@ -9096,11 +9165,11 @@
   <p:clrMapOvr>
     <a:masterClrMapping/>
   </p:clrMapOvr>
-  <mc:AlternateContent xmlns:mc="http://schemas.openxmlformats.org/markup-compatibility/2006">
-    <mc:Choice xmlns:p14="http://schemas.microsoft.com/office/powerpoint/2010/main" Requires="p14">
+  <mc:AlternateContent xmlns:mc="http://schemas.openxmlformats.org/markup-compatibility/2006" xmlns:p14="http://schemas.microsoft.com/office/powerpoint/2010/main">
+    <mc:Choice Requires="p14">
       <p:transition spd="slow" p14:dur="2000"/>
     </mc:Choice>
-    <mc:Fallback>
+    <mc:Fallback xmlns="">
       <p:transition spd="slow"/>
     </mc:Fallback>
   </mc:AlternateContent>
@@ -9215,11 +9284,11 @@
   <p:clrMapOvr>
     <a:masterClrMapping/>
   </p:clrMapOvr>
-  <mc:AlternateContent xmlns:mc="http://schemas.openxmlformats.org/markup-compatibility/2006">
-    <mc:Choice xmlns:p14="http://schemas.microsoft.com/office/powerpoint/2010/main" Requires="p14">
+  <mc:AlternateContent xmlns:mc="http://schemas.openxmlformats.org/markup-compatibility/2006" xmlns:p14="http://schemas.microsoft.com/office/powerpoint/2010/main">
+    <mc:Choice Requires="p14">
       <p:transition spd="slow" p14:dur="2000"/>
     </mc:Choice>
-    <mc:Fallback>
+    <mc:Fallback xmlns="">
       <p:transition spd="slow"/>
     </mc:Fallback>
   </mc:AlternateContent>
@@ -9456,11 +9525,11 @@
   <p:clrMapOvr>
     <a:masterClrMapping/>
   </p:clrMapOvr>
-  <mc:AlternateContent xmlns:mc="http://schemas.openxmlformats.org/markup-compatibility/2006">
-    <mc:Choice xmlns:p14="http://schemas.microsoft.com/office/powerpoint/2010/main" Requires="p14">
+  <mc:AlternateContent xmlns:mc="http://schemas.openxmlformats.org/markup-compatibility/2006" xmlns:p14="http://schemas.microsoft.com/office/powerpoint/2010/main">
+    <mc:Choice Requires="p14">
       <p:transition spd="slow" p14:dur="2000"/>
     </mc:Choice>
-    <mc:Fallback>
+    <mc:Fallback xmlns="">
       <p:transition spd="slow"/>
     </mc:Fallback>
   </mc:AlternateContent>
@@ -9676,11 +9745,11 @@
   <p:clrMapOvr>
     <a:masterClrMapping/>
   </p:clrMapOvr>
-  <mc:AlternateContent xmlns:mc="http://schemas.openxmlformats.org/markup-compatibility/2006">
-    <mc:Choice xmlns:p14="http://schemas.microsoft.com/office/powerpoint/2010/main" Requires="p14">
+  <mc:AlternateContent xmlns:mc="http://schemas.openxmlformats.org/markup-compatibility/2006" xmlns:p14="http://schemas.microsoft.com/office/powerpoint/2010/main">
+    <mc:Choice Requires="p14">
       <p:transition spd="slow" p14:dur="2000"/>
     </mc:Choice>
-    <mc:Fallback>
+    <mc:Fallback xmlns="">
       <p:transition spd="slow"/>
     </mc:Fallback>
   </mc:AlternateContent>
@@ -9935,11 +10004,11 @@
   <p:clrMapOvr>
     <a:masterClrMapping/>
   </p:clrMapOvr>
-  <mc:AlternateContent xmlns:mc="http://schemas.openxmlformats.org/markup-compatibility/2006">
-    <mc:Choice xmlns:p14="http://schemas.microsoft.com/office/powerpoint/2010/main" Requires="p14">
+  <mc:AlternateContent xmlns:mc="http://schemas.openxmlformats.org/markup-compatibility/2006" xmlns:p14="http://schemas.microsoft.com/office/powerpoint/2010/main">
+    <mc:Choice Requires="p14">
       <p:transition spd="slow" p14:dur="2000"/>
     </mc:Choice>
-    <mc:Fallback>
+    <mc:Fallback xmlns="">
       <p:transition spd="slow"/>
     </mc:Fallback>
   </mc:AlternateContent>
@@ -10209,11 +10278,11 @@
   <p:clrMapOvr>
     <a:masterClrMapping/>
   </p:clrMapOvr>
-  <mc:AlternateContent xmlns:mc="http://schemas.openxmlformats.org/markup-compatibility/2006">
-    <mc:Choice xmlns:p14="http://schemas.microsoft.com/office/powerpoint/2010/main" Requires="p14">
+  <mc:AlternateContent xmlns:mc="http://schemas.openxmlformats.org/markup-compatibility/2006" xmlns:p14="http://schemas.microsoft.com/office/powerpoint/2010/main">
+    <mc:Choice Requires="p14">
       <p:transition spd="slow" p14:dur="2000"/>
     </mc:Choice>
-    <mc:Fallback>
+    <mc:Fallback xmlns="">
       <p:transition spd="slow"/>
     </mc:Fallback>
   </mc:AlternateContent>
@@ -10328,11 +10397,11 @@
   <p:clrMapOvr>
     <a:masterClrMapping/>
   </p:clrMapOvr>
-  <mc:AlternateContent xmlns:mc="http://schemas.openxmlformats.org/markup-compatibility/2006">
-    <mc:Choice xmlns:p14="http://schemas.microsoft.com/office/powerpoint/2010/main" Requires="p14">
+  <mc:AlternateContent xmlns:mc="http://schemas.openxmlformats.org/markup-compatibility/2006" xmlns:p14="http://schemas.microsoft.com/office/powerpoint/2010/main">
+    <mc:Choice Requires="p14">
       <p:transition spd="slow" p14:dur="2000"/>
     </mc:Choice>
-    <mc:Fallback>
+    <mc:Fallback xmlns="">
       <p:transition spd="slow"/>
     </mc:Fallback>
   </mc:AlternateContent>
@@ -10713,11 +10782,11 @@
   <p:clrMapOvr>
     <a:masterClrMapping/>
   </p:clrMapOvr>
-  <mc:AlternateContent xmlns:mc="http://schemas.openxmlformats.org/markup-compatibility/2006">
-    <mc:Choice xmlns:p14="http://schemas.microsoft.com/office/powerpoint/2010/main" Requires="p14">
+  <mc:AlternateContent xmlns:mc="http://schemas.openxmlformats.org/markup-compatibility/2006" xmlns:p14="http://schemas.microsoft.com/office/powerpoint/2010/main">
+    <mc:Choice Requires="p14">
       <p:transition spd="slow" p14:dur="2000"/>
     </mc:Choice>
-    <mc:Fallback>
+    <mc:Fallback xmlns="">
       <p:transition spd="slow"/>
     </mc:Fallback>
   </mc:AlternateContent>
@@ -10822,15 +10891,7 @@
             <a:pPr algn="just"/>
             <a:r>
               <a:rPr lang="fr-FR" sz="2400" dirty="0" smtClean="0"/>
-              <a:t>Arbre optimisé pour un </a:t>
-            </a:r>
-            <a:r>
-              <a:rPr lang="fr-FR" sz="2400" dirty="0" smtClean="0"/>
-              <a:t>coût </a:t>
-            </a:r>
-            <a:r>
-              <a:rPr lang="fr-FR" sz="2400" dirty="0" smtClean="0"/>
-              <a:t>minimal</a:t>
+              <a:t>Arbre optimisé pour un coût minimal</a:t>
             </a:r>
             <a:endParaRPr lang="fr-FR" sz="2400" dirty="0"/>
           </a:p>
@@ -10952,13 +11013,13 @@
   <p:clrMapOvr>
     <a:masterClrMapping/>
   </p:clrMapOvr>
-  <mc:AlternateContent xmlns:mc="http://schemas.openxmlformats.org/markup-compatibility/2006">
-    <mc:Choice xmlns:p14="http://schemas.microsoft.com/office/powerpoint/2010/main" Requires="p14">
+  <mc:AlternateContent xmlns:mc="http://schemas.openxmlformats.org/markup-compatibility/2006" xmlns:p14="http://schemas.microsoft.com/office/powerpoint/2010/main">
+    <mc:Choice Requires="p14">
       <p:transition spd="med" p14:dur="700">
         <p:fade/>
       </p:transition>
     </mc:Choice>
-    <mc:Fallback>
+    <mc:Fallback xmlns="">
       <p:transition spd="med">
         <p:fade/>
       </p:transition>
@@ -11417,11 +11478,11 @@
   <p:clrMapOvr>
     <a:masterClrMapping/>
   </p:clrMapOvr>
-  <mc:AlternateContent xmlns:mc="http://schemas.openxmlformats.org/markup-compatibility/2006">
-    <mc:Choice xmlns:p14="http://schemas.microsoft.com/office/powerpoint/2010/main" Requires="p14">
+  <mc:AlternateContent xmlns:mc="http://schemas.openxmlformats.org/markup-compatibility/2006" xmlns:p14="http://schemas.microsoft.com/office/powerpoint/2010/main">
+    <mc:Choice Requires="p14">
       <p:transition spd="slow" p14:dur="2000"/>
     </mc:Choice>
-    <mc:Fallback>
+    <mc:Fallback xmlns="">
       <p:transition spd="slow"/>
     </mc:Fallback>
   </mc:AlternateContent>
@@ -11556,11 +11617,11 @@
   <p:clrMapOvr>
     <a:masterClrMapping/>
   </p:clrMapOvr>
-  <mc:AlternateContent xmlns:mc="http://schemas.openxmlformats.org/markup-compatibility/2006">
-    <mc:Choice xmlns:p14="http://schemas.microsoft.com/office/powerpoint/2010/main" Requires="p14">
+  <mc:AlternateContent xmlns:mc="http://schemas.openxmlformats.org/markup-compatibility/2006" xmlns:p14="http://schemas.microsoft.com/office/powerpoint/2010/main">
+    <mc:Choice Requires="p14">
       <p:transition spd="slow" p14:dur="2000"/>
     </mc:Choice>
-    <mc:Fallback>
+    <mc:Fallback xmlns="">
       <p:transition spd="slow"/>
     </mc:Fallback>
   </mc:AlternateContent>
@@ -11675,11 +11736,11 @@
   <p:clrMapOvr>
     <a:masterClrMapping/>
   </p:clrMapOvr>
-  <mc:AlternateContent xmlns:mc="http://schemas.openxmlformats.org/markup-compatibility/2006">
-    <mc:Choice xmlns:p14="http://schemas.microsoft.com/office/powerpoint/2010/main" Requires="p14">
+  <mc:AlternateContent xmlns:mc="http://schemas.openxmlformats.org/markup-compatibility/2006" xmlns:p14="http://schemas.microsoft.com/office/powerpoint/2010/main">
+    <mc:Choice Requires="p14">
       <p:transition spd="slow" p14:dur="2000"/>
     </mc:Choice>
-    <mc:Fallback>
+    <mc:Fallback xmlns="">
       <p:transition spd="slow"/>
     </mc:Fallback>
   </mc:AlternateContent>
@@ -12297,11 +12358,11 @@
   <p:clrMapOvr>
     <a:masterClrMapping/>
   </p:clrMapOvr>
-  <mc:AlternateContent xmlns:mc="http://schemas.openxmlformats.org/markup-compatibility/2006">
-    <mc:Choice xmlns:p14="http://schemas.microsoft.com/office/powerpoint/2010/main" Requires="p14">
+  <mc:AlternateContent xmlns:mc="http://schemas.openxmlformats.org/markup-compatibility/2006" xmlns:p14="http://schemas.microsoft.com/office/powerpoint/2010/main">
+    <mc:Choice Requires="p14">
       <p:transition spd="slow" p14:dur="2000"/>
     </mc:Choice>
-    <mc:Fallback>
+    <mc:Fallback xmlns="">
       <p:transition spd="slow"/>
     </mc:Fallback>
   </mc:AlternateContent>
@@ -12868,11 +12929,11 @@
   <p:clrMapOvr>
     <a:masterClrMapping/>
   </p:clrMapOvr>
-  <mc:AlternateContent xmlns:mc="http://schemas.openxmlformats.org/markup-compatibility/2006">
-    <mc:Choice xmlns:p14="http://schemas.microsoft.com/office/powerpoint/2010/main" Requires="p14">
+  <mc:AlternateContent xmlns:mc="http://schemas.openxmlformats.org/markup-compatibility/2006" xmlns:p14="http://schemas.microsoft.com/office/powerpoint/2010/main">
+    <mc:Choice Requires="p14">
       <p:transition spd="slow" p14:dur="2000"/>
     </mc:Choice>
-    <mc:Fallback>
+    <mc:Fallback xmlns="">
       <p:transition spd="slow"/>
     </mc:Fallback>
   </mc:AlternateContent>
@@ -13148,11 +13209,11 @@
   <p:clrMapOvr>
     <a:masterClrMapping/>
   </p:clrMapOvr>
-  <mc:AlternateContent xmlns:mc="http://schemas.openxmlformats.org/markup-compatibility/2006">
-    <mc:Choice xmlns:p14="http://schemas.microsoft.com/office/powerpoint/2010/main" Requires="p14">
+  <mc:AlternateContent xmlns:mc="http://schemas.openxmlformats.org/markup-compatibility/2006" xmlns:p14="http://schemas.microsoft.com/office/powerpoint/2010/main">
+    <mc:Choice Requires="p14">
       <p:transition spd="slow" p14:dur="2000"/>
     </mc:Choice>
-    <mc:Fallback>
+    <mc:Fallback xmlns="">
       <p:transition spd="slow"/>
     </mc:Fallback>
   </mc:AlternateContent>
@@ -13321,11 +13382,11 @@
   <p:clrMapOvr>
     <a:masterClrMapping/>
   </p:clrMapOvr>
-  <mc:AlternateContent xmlns:mc="http://schemas.openxmlformats.org/markup-compatibility/2006">
-    <mc:Choice xmlns:p14="http://schemas.microsoft.com/office/powerpoint/2010/main" Requires="p14">
+  <mc:AlternateContent xmlns:mc="http://schemas.openxmlformats.org/markup-compatibility/2006" xmlns:p14="http://schemas.microsoft.com/office/powerpoint/2010/main">
+    <mc:Choice Requires="p14">
       <p:transition spd="slow" p14:dur="2000"/>
     </mc:Choice>
-    <mc:Fallback>
+    <mc:Fallback xmlns="">
       <p:transition spd="slow"/>
     </mc:Fallback>
   </mc:AlternateContent>
@@ -13568,11 +13629,11 @@
   <p:clrMapOvr>
     <a:masterClrMapping/>
   </p:clrMapOvr>
-  <mc:AlternateContent xmlns:mc="http://schemas.openxmlformats.org/markup-compatibility/2006">
-    <mc:Choice xmlns:p14="http://schemas.microsoft.com/office/powerpoint/2010/main" Requires="p14">
+  <mc:AlternateContent xmlns:mc="http://schemas.openxmlformats.org/markup-compatibility/2006" xmlns:p14="http://schemas.microsoft.com/office/powerpoint/2010/main">
+    <mc:Choice Requires="p14">
       <p:transition spd="slow" p14:dur="2000"/>
     </mc:Choice>
-    <mc:Fallback>
+    <mc:Fallback xmlns="">
       <p:transition spd="slow"/>
     </mc:Fallback>
   </mc:AlternateContent>
@@ -13775,11 +13836,11 @@
   <p:clrMapOvr>
     <a:masterClrMapping/>
   </p:clrMapOvr>
-  <mc:AlternateContent xmlns:mc="http://schemas.openxmlformats.org/markup-compatibility/2006">
-    <mc:Choice xmlns:p14="http://schemas.microsoft.com/office/powerpoint/2010/main" Requires="p14">
+  <mc:AlternateContent xmlns:mc="http://schemas.openxmlformats.org/markup-compatibility/2006" xmlns:p14="http://schemas.microsoft.com/office/powerpoint/2010/main">
+    <mc:Choice Requires="p14">
       <p:transition spd="slow" p14:dur="2000"/>
     </mc:Choice>
-    <mc:Fallback>
+    <mc:Fallback xmlns="">
       <p:transition spd="slow"/>
     </mc:Fallback>
   </mc:AlternateContent>
@@ -13955,11 +14016,11 @@
   <p:clrMapOvr>
     <a:masterClrMapping/>
   </p:clrMapOvr>
-  <mc:AlternateContent xmlns:mc="http://schemas.openxmlformats.org/markup-compatibility/2006">
-    <mc:Choice xmlns:p14="http://schemas.microsoft.com/office/powerpoint/2010/main" Requires="p14">
+  <mc:AlternateContent xmlns:mc="http://schemas.openxmlformats.org/markup-compatibility/2006" xmlns:p14="http://schemas.microsoft.com/office/powerpoint/2010/main">
+    <mc:Choice Requires="p14">
       <p:transition spd="slow" p14:dur="2000"/>
     </mc:Choice>
-    <mc:Fallback>
+    <mc:Fallback xmlns="">
       <p:transition spd="slow"/>
     </mc:Fallback>
   </mc:AlternateContent>
@@ -14808,11 +14869,11 @@
   <p:clrMapOvr>
     <a:masterClrMapping/>
   </p:clrMapOvr>
-  <mc:AlternateContent xmlns:mc="http://schemas.openxmlformats.org/markup-compatibility/2006">
-    <mc:Choice xmlns:p14="http://schemas.microsoft.com/office/powerpoint/2010/main" Requires="p14">
+  <mc:AlternateContent xmlns:mc="http://schemas.openxmlformats.org/markup-compatibility/2006" xmlns:p14="http://schemas.microsoft.com/office/powerpoint/2010/main">
+    <mc:Choice Requires="p14">
       <p:transition spd="slow" p14:dur="2000"/>
     </mc:Choice>
-    <mc:Fallback>
+    <mc:Fallback xmlns="">
       <p:transition spd="slow"/>
     </mc:Fallback>
   </mc:AlternateContent>
@@ -15430,19 +15491,7 @@
               <a:rPr lang="fr-FR" dirty="0" smtClean="0">
                 <a:sym typeface="Wingdings" panose="05000000000000000000" pitchFamily="2" charset="2"/>
               </a:rPr>
-              <a:t>Le concept a évolué en arbres d’attaque et de </a:t>
-            </a:r>
-            <a:r>
-              <a:rPr lang="fr-FR" dirty="0" smtClean="0">
-                <a:sym typeface="Wingdings" panose="05000000000000000000" pitchFamily="2" charset="2"/>
-              </a:rPr>
-              <a:t>défense </a:t>
-            </a:r>
-            <a:r>
-              <a:rPr lang="fr-FR" dirty="0" smtClean="0">
-                <a:sym typeface="Wingdings" panose="05000000000000000000" pitchFamily="2" charset="2"/>
-              </a:rPr>
-              <a:t>(</a:t>
+              <a:t>Le concept a évolué en arbres d’attaque et de défense (</a:t>
             </a:r>
             <a:r>
               <a:rPr lang="fr-FR" dirty="0" err="1" smtClean="0">
@@ -15456,9 +15505,6 @@
               </a:rPr>
               <a:t>)</a:t>
             </a:r>
-            <a:endParaRPr lang="fr-FR" dirty="0" smtClean="0">
-              <a:sym typeface="Wingdings" panose="05000000000000000000" pitchFamily="2" charset="2"/>
-            </a:endParaRPr>
           </a:p>
         </p:txBody>
       </p:sp>
@@ -16637,11 +16683,11 @@
   <p:clrMapOvr>
     <a:masterClrMapping/>
   </p:clrMapOvr>
-  <mc:AlternateContent xmlns:mc="http://schemas.openxmlformats.org/markup-compatibility/2006">
-    <mc:Choice xmlns:p14="http://schemas.microsoft.com/office/powerpoint/2010/main" Requires="p14">
+  <mc:AlternateContent xmlns:mc="http://schemas.openxmlformats.org/markup-compatibility/2006" xmlns:p14="http://schemas.microsoft.com/office/powerpoint/2010/main">
+    <mc:Choice Requires="p14">
       <p:transition spd="slow" p14:dur="2000"/>
     </mc:Choice>
-    <mc:Fallback>
+    <mc:Fallback xmlns="">
       <p:transition spd="slow"/>
     </mc:Fallback>
   </mc:AlternateContent>
@@ -16756,11 +16802,11 @@
   <p:clrMapOvr>
     <a:masterClrMapping/>
   </p:clrMapOvr>
-  <mc:AlternateContent xmlns:mc="http://schemas.openxmlformats.org/markup-compatibility/2006">
-    <mc:Choice xmlns:p14="http://schemas.microsoft.com/office/powerpoint/2010/main" Requires="p14">
+  <mc:AlternateContent xmlns:mc="http://schemas.openxmlformats.org/markup-compatibility/2006" xmlns:p14="http://schemas.microsoft.com/office/powerpoint/2010/main">
+    <mc:Choice Requires="p14">
       <p:transition spd="slow" p14:dur="2000"/>
     </mc:Choice>
-    <mc:Fallback>
+    <mc:Fallback xmlns="">
       <p:transition spd="slow"/>
     </mc:Fallback>
   </mc:AlternateContent>
@@ -16907,11 +16953,11 @@
   <p:clrMapOvr>
     <a:masterClrMapping/>
   </p:clrMapOvr>
-  <mc:AlternateContent xmlns:mc="http://schemas.openxmlformats.org/markup-compatibility/2006">
-    <mc:Choice xmlns:p14="http://schemas.microsoft.com/office/powerpoint/2010/main" Requires="p14">
+  <mc:AlternateContent xmlns:mc="http://schemas.openxmlformats.org/markup-compatibility/2006" xmlns:p14="http://schemas.microsoft.com/office/powerpoint/2010/main">
+    <mc:Choice Requires="p14">
       <p:transition spd="slow" p14:dur="2000"/>
     </mc:Choice>
-    <mc:Fallback>
+    <mc:Fallback xmlns="">
       <p:transition spd="slow"/>
     </mc:Fallback>
   </mc:AlternateContent>
@@ -17026,11 +17072,11 @@
   <p:clrMapOvr>
     <a:masterClrMapping/>
   </p:clrMapOvr>
-  <mc:AlternateContent xmlns:mc="http://schemas.openxmlformats.org/markup-compatibility/2006">
-    <mc:Choice xmlns:p14="http://schemas.microsoft.com/office/powerpoint/2010/main" Requires="p14">
+  <mc:AlternateContent xmlns:mc="http://schemas.openxmlformats.org/markup-compatibility/2006" xmlns:p14="http://schemas.microsoft.com/office/powerpoint/2010/main">
+    <mc:Choice Requires="p14">
       <p:transition spd="slow" p14:dur="2000"/>
     </mc:Choice>
-    <mc:Fallback>
+    <mc:Fallback xmlns="">
       <p:transition spd="slow"/>
     </mc:Fallback>
   </mc:AlternateContent>

--- a/soutenances/projet_decembre/soutenance_projet_decembre.pptx
+++ b/soutenances/projet_decembre/soutenance_projet_decembre.pptx
@@ -8803,8 +8803,8 @@
         </p:nvSpPr>
         <p:spPr>
           <a:xfrm>
-            <a:off x="107504" y="1700808"/>
-            <a:ext cx="3096344" cy="2952000"/>
+            <a:off x="107640" y="1412640"/>
+            <a:ext cx="5760360" cy="2952000"/>
           </a:xfrm>
           <a:prstGeom prst="rect">
             <a:avLst/>
@@ -8824,101 +8824,20 @@
               </a:lnSpc>
             </a:pPr>
             <a:r>
-              <a:rPr lang="fr-FR" sz="2800" b="1" strike="noStrike" dirty="0" smtClean="0">
+              <a:rPr lang="fr-FR" sz="2800" b="1" strike="noStrike">
                 <a:solidFill>
                   <a:srgbClr val="0C0C0C"/>
                 </a:solidFill>
                 <a:latin typeface="Arial"/>
               </a:rPr>
-              <a:t>Projet</a:t>
-            </a:r>
-          </a:p>
-          <a:p>
-            <a:pPr>
-              <a:lnSpc>
-                <a:spcPct val="100000"/>
-              </a:lnSpc>
-            </a:pPr>
-            <a:r>
-              <a:rPr lang="fr-FR" sz="2800" b="1" dirty="0" smtClean="0">
-                <a:solidFill>
-                  <a:srgbClr val="0C0C0C"/>
-                </a:solidFill>
-                <a:latin typeface="Arial"/>
-              </a:rPr>
-              <a:t>de Modélisation </a:t>
-            </a:r>
-          </a:p>
-          <a:p>
-            <a:pPr>
-              <a:lnSpc>
-                <a:spcPct val="100000"/>
-              </a:lnSpc>
-            </a:pPr>
-            <a:r>
-              <a:rPr lang="fr-FR" sz="2800" b="1" dirty="0" smtClean="0">
-                <a:solidFill>
-                  <a:srgbClr val="0C0C0C"/>
-                </a:solidFill>
-                <a:latin typeface="Arial"/>
-              </a:rPr>
-              <a:t>et </a:t>
-            </a:r>
-            <a:r>
-              <a:rPr lang="fr-FR" sz="2800" b="1" dirty="0" smtClean="0">
-                <a:solidFill>
-                  <a:srgbClr val="0C0C0C"/>
-                </a:solidFill>
-                <a:latin typeface="Arial"/>
-              </a:rPr>
-              <a:t>Conception</a:t>
-            </a:r>
-          </a:p>
-          <a:p>
-            <a:pPr>
-              <a:lnSpc>
-                <a:spcPct val="100000"/>
-              </a:lnSpc>
-            </a:pPr>
-            <a:r>
-              <a:rPr lang="fr-FR" sz="2800" b="1" dirty="0" smtClean="0">
-                <a:solidFill>
-                  <a:srgbClr val="0C0C0C"/>
-                </a:solidFill>
-                <a:latin typeface="Arial"/>
-              </a:rPr>
-              <a:t>Orientées</a:t>
-            </a:r>
-          </a:p>
-          <a:p>
-            <a:pPr>
-              <a:lnSpc>
-                <a:spcPct val="100000"/>
-              </a:lnSpc>
-            </a:pPr>
-            <a:r>
-              <a:rPr lang="fr-FR" sz="2800" b="1" dirty="0" smtClean="0">
-                <a:solidFill>
-                  <a:srgbClr val="0C0C0C"/>
-                </a:solidFill>
-                <a:latin typeface="Arial"/>
-              </a:rPr>
-              <a:t>Objets</a:t>
-            </a:r>
-            <a:endParaRPr lang="fr-FR" sz="2800" b="1" dirty="0" smtClean="0">
-              <a:solidFill>
-                <a:srgbClr val="0C0C0C"/>
-              </a:solidFill>
-              <a:latin typeface="Arial"/>
-            </a:endParaRPr>
-          </a:p>
-          <a:p>
-            <a:pPr>
-              <a:lnSpc>
-                <a:spcPct val="100000"/>
-              </a:lnSpc>
-            </a:pPr>
-            <a:endParaRPr dirty="0"/>
+              <a:t>Est-il 
+difficile de 
+paralyser les 
+transports en 
+commun de 
+Rennes ?</a:t>
+            </a:r>
+            <a:endParaRPr/>
           </a:p>
         </p:txBody>
       </p:sp>
@@ -8931,7 +8850,7 @@
         <p:spPr>
           <a:xfrm>
             <a:off x="6084000" y="0"/>
-            <a:ext cx="2664000" cy="1844824"/>
+            <a:ext cx="2664000" cy="1218240"/>
           </a:xfrm>
           <a:prstGeom prst="rect">
             <a:avLst/>
@@ -8963,7 +8882,7 @@
               </a:lnSpc>
             </a:pPr>
             <a:r>
-              <a:rPr lang="fr-FR" b="1" strike="noStrike" dirty="0">
+              <a:rPr lang="fr-FR" b="1" strike="noStrike">
                 <a:solidFill>
                   <a:srgbClr val="FFFFFF"/>
                 </a:solidFill>
@@ -8971,7 +8890,7 @@
               </a:rPr>
               <a:t>Encadrants</a:t>
             </a:r>
-            <a:endParaRPr dirty="0"/>
+            <a:endParaRPr/>
           </a:p>
           <a:p>
             <a:pPr algn="r">
@@ -8980,14 +8899,15 @@
               </a:lnSpc>
             </a:pPr>
             <a:r>
-              <a:rPr lang="fr-FR" strike="noStrike" dirty="0" smtClean="0">
+              <a:rPr lang="fr-FR" strike="noStrike">
                 <a:solidFill>
                   <a:srgbClr val="0C0C0C"/>
                 </a:solidFill>
                 <a:latin typeface="Arial"/>
               </a:rPr>
-              <a:t>Éric Anquetil</a:t>
-            </a:r>
+              <a:t>Gildas Avoine</a:t>
+            </a:r>
+            <a:endParaRPr/>
           </a:p>
           <a:p>
             <a:pPr algn="r">
@@ -8996,14 +8916,15 @@
               </a:lnSpc>
             </a:pPr>
             <a:r>
-              <a:rPr lang="fr-FR" dirty="0" smtClean="0">
+              <a:rPr lang="fr-FR" strike="noStrike">
                 <a:solidFill>
                   <a:srgbClr val="0C0C0C"/>
                 </a:solidFill>
                 <a:latin typeface="Arial"/>
               </a:rPr>
-              <a:t>Ferran Argelaguet</a:t>
-            </a:r>
+              <a:t>Barbara Kordy</a:t>
+            </a:r>
+            <a:endParaRPr/>
           </a:p>
           <a:p>
             <a:pPr algn="r">
@@ -9011,56 +8932,7 @@
                 <a:spcPct val="100000"/>
               </a:lnSpc>
             </a:pPr>
-            <a:r>
-              <a:rPr lang="fr-FR" dirty="0" smtClean="0">
-                <a:solidFill>
-                  <a:srgbClr val="0C0C0C"/>
-                </a:solidFill>
-                <a:latin typeface="Arial"/>
-              </a:rPr>
-              <a:t>Arnaud Blouin</a:t>
-            </a:r>
-          </a:p>
-          <a:p>
-            <a:pPr algn="r">
-              <a:lnSpc>
-                <a:spcPct val="100000"/>
-              </a:lnSpc>
-            </a:pPr>
-            <a:r>
-              <a:rPr lang="fr-FR" dirty="0" smtClean="0">
-                <a:solidFill>
-                  <a:srgbClr val="0C0C0C"/>
-                </a:solidFill>
-                <a:latin typeface="Arial"/>
-              </a:rPr>
-              <a:t>Grégoire Richard</a:t>
-            </a:r>
-          </a:p>
-          <a:p>
-            <a:pPr algn="r">
-              <a:lnSpc>
-                <a:spcPct val="100000"/>
-              </a:lnSpc>
-            </a:pPr>
-            <a:r>
-              <a:rPr lang="fr-FR" dirty="0" smtClean="0">
-                <a:solidFill>
-                  <a:srgbClr val="0C0C0C"/>
-                </a:solidFill>
-                <a:latin typeface="Arial"/>
-              </a:rPr>
-              <a:t>Maud Marchal</a:t>
-            </a:r>
-            <a:endParaRPr dirty="0"/>
-          </a:p>
-          <a:p>
-            <a:pPr algn="r">
-              <a:lnSpc>
-                <a:spcPct val="100000"/>
-              </a:lnSpc>
-            </a:pPr>
-            <a:endParaRPr dirty="0"/>
+            <a:endParaRPr/>
           </a:p>
         </p:txBody>
       </p:sp>
@@ -9072,8 +8944,8 @@
         </p:nvSpPr>
         <p:spPr>
           <a:xfrm>
-            <a:off x="5796000" y="5229200"/>
-            <a:ext cx="3024000" cy="930400"/>
+            <a:off x="5796000" y="4149000"/>
+            <a:ext cx="3024000" cy="2010600"/>
           </a:xfrm>
           <a:prstGeom prst="rect">
             <a:avLst/>
@@ -9105,7 +8977,7 @@
               </a:lnSpc>
             </a:pPr>
             <a:r>
-              <a:rPr lang="fr-FR" b="1" strike="noStrike" dirty="0">
+              <a:rPr lang="fr-FR" b="1" strike="noStrike">
                 <a:solidFill>
                   <a:srgbClr val="FF0000"/>
                 </a:solidFill>
@@ -9113,7 +8985,7 @@
               </a:rPr>
               <a:t>Étudiants</a:t>
             </a:r>
-            <a:endParaRPr dirty="0"/>
+            <a:endParaRPr/>
           </a:p>
           <a:p>
             <a:pPr algn="r">
@@ -9122,24 +8994,32 @@
               </a:lnSpc>
             </a:pPr>
             <a:r>
-              <a:rPr lang="fr-FR" strike="noStrike" dirty="0">
+              <a:rPr lang="fr-FR" strike="noStrike">
                 <a:solidFill>
                   <a:srgbClr val="212121"/>
                 </a:solidFill>
                 <a:latin typeface="Arial"/>
               </a:rPr>
-              <a:t>Pierre-Marie </a:t>
-            </a:r>
-            <a:r>
-              <a:rPr lang="fr-FR" strike="noStrike" dirty="0" err="1">
+              <a:t>Pierre-Marie Airiau</a:t>
+            </a:r>
+            <a:endParaRPr/>
+          </a:p>
+          <a:p>
+            <a:pPr algn="r">
+              <a:lnSpc>
+                <a:spcPct val="100000"/>
+              </a:lnSpc>
+            </a:pPr>
+            <a:r>
+              <a:rPr lang="fr-FR" strike="noStrike">
                 <a:solidFill>
                   <a:srgbClr val="212121"/>
                 </a:solidFill>
                 <a:latin typeface="Arial"/>
               </a:rPr>
-              <a:t>Airiau</a:t>
-            </a:r>
-            <a:endParaRPr dirty="0"/>
+              <a:t>Valentin Esmieu</a:t>
+            </a:r>
+            <a:endParaRPr/>
           </a:p>
           <a:p>
             <a:pPr algn="r">
@@ -9148,7 +9028,24 @@
               </a:lnSpc>
             </a:pPr>
             <a:r>
-              <a:rPr lang="fr-FR" strike="noStrike" dirty="0" smtClean="0">
+              <a:rPr lang="fr-FR" strike="noStrike">
+                <a:solidFill>
+                  <a:srgbClr val="212121"/>
+                </a:solidFill>
+                <a:latin typeface="Arial"/>
+              </a:rPr>
+              <a:t>Hoel Kervadec</a:t>
+            </a:r>
+            <a:endParaRPr/>
+          </a:p>
+          <a:p>
+            <a:pPr algn="r">
+              <a:lnSpc>
+                <a:spcPct val="100000"/>
+              </a:lnSpc>
+            </a:pPr>
+            <a:r>
+              <a:rPr lang="fr-FR" strike="noStrike">
                 <a:solidFill>
                   <a:srgbClr val="212121"/>
                 </a:solidFill>
@@ -9156,7 +9053,41 @@
               </a:rPr>
               <a:t>Maud Leray</a:t>
             </a:r>
-            <a:endParaRPr dirty="0"/>
+            <a:endParaRPr/>
+          </a:p>
+          <a:p>
+            <a:pPr algn="r">
+              <a:lnSpc>
+                <a:spcPct val="100000"/>
+              </a:lnSpc>
+            </a:pPr>
+            <a:r>
+              <a:rPr lang="fr-FR" strike="noStrike">
+                <a:solidFill>
+                  <a:srgbClr val="212121"/>
+                </a:solidFill>
+                <a:latin typeface="Arial"/>
+              </a:rPr>
+              <a:t>Florent Mallard</a:t>
+            </a:r>
+            <a:endParaRPr/>
+          </a:p>
+          <a:p>
+            <a:pPr algn="r">
+              <a:lnSpc>
+                <a:spcPct val="100000"/>
+              </a:lnSpc>
+            </a:pPr>
+            <a:r>
+              <a:rPr lang="fr-FR" strike="noStrike">
+                <a:solidFill>
+                  <a:srgbClr val="212121"/>
+                </a:solidFill>
+                <a:latin typeface="Arial"/>
+              </a:rPr>
+              <a:t>Corentin Nicole</a:t>
+            </a:r>
+            <a:endParaRPr/>
           </a:p>
         </p:txBody>
       </p:sp>
@@ -9165,11 +9096,11 @@
   <p:clrMapOvr>
     <a:masterClrMapping/>
   </p:clrMapOvr>
-  <mc:AlternateContent xmlns:mc="http://schemas.openxmlformats.org/markup-compatibility/2006" xmlns:p14="http://schemas.microsoft.com/office/powerpoint/2010/main">
-    <mc:Choice Requires="p14">
+  <mc:AlternateContent xmlns:mc="http://schemas.openxmlformats.org/markup-compatibility/2006">
+    <mc:Choice xmlns:p14="http://schemas.microsoft.com/office/powerpoint/2010/main" Requires="p14">
       <p:transition spd="slow" p14:dur="2000"/>
     </mc:Choice>
-    <mc:Fallback xmlns="">
+    <mc:Fallback>
       <p:transition spd="slow"/>
     </mc:Fallback>
   </mc:AlternateContent>
@@ -9284,11 +9215,11 @@
   <p:clrMapOvr>
     <a:masterClrMapping/>
   </p:clrMapOvr>
-  <mc:AlternateContent xmlns:mc="http://schemas.openxmlformats.org/markup-compatibility/2006" xmlns:p14="http://schemas.microsoft.com/office/powerpoint/2010/main">
-    <mc:Choice Requires="p14">
+  <mc:AlternateContent xmlns:mc="http://schemas.openxmlformats.org/markup-compatibility/2006">
+    <mc:Choice xmlns:p14="http://schemas.microsoft.com/office/powerpoint/2010/main" Requires="p14">
       <p:transition spd="slow" p14:dur="2000"/>
     </mc:Choice>
-    <mc:Fallback xmlns="">
+    <mc:Fallback>
       <p:transition spd="slow"/>
     </mc:Fallback>
   </mc:AlternateContent>
@@ -9525,11 +9456,11 @@
   <p:clrMapOvr>
     <a:masterClrMapping/>
   </p:clrMapOvr>
-  <mc:AlternateContent xmlns:mc="http://schemas.openxmlformats.org/markup-compatibility/2006" xmlns:p14="http://schemas.microsoft.com/office/powerpoint/2010/main">
-    <mc:Choice Requires="p14">
+  <mc:AlternateContent xmlns:mc="http://schemas.openxmlformats.org/markup-compatibility/2006">
+    <mc:Choice xmlns:p14="http://schemas.microsoft.com/office/powerpoint/2010/main" Requires="p14">
       <p:transition spd="slow" p14:dur="2000"/>
     </mc:Choice>
-    <mc:Fallback xmlns="">
+    <mc:Fallback>
       <p:transition spd="slow"/>
     </mc:Fallback>
   </mc:AlternateContent>
@@ -9745,11 +9676,11 @@
   <p:clrMapOvr>
     <a:masterClrMapping/>
   </p:clrMapOvr>
-  <mc:AlternateContent xmlns:mc="http://schemas.openxmlformats.org/markup-compatibility/2006" xmlns:p14="http://schemas.microsoft.com/office/powerpoint/2010/main">
-    <mc:Choice Requires="p14">
+  <mc:AlternateContent xmlns:mc="http://schemas.openxmlformats.org/markup-compatibility/2006">
+    <mc:Choice xmlns:p14="http://schemas.microsoft.com/office/powerpoint/2010/main" Requires="p14">
       <p:transition spd="slow" p14:dur="2000"/>
     </mc:Choice>
-    <mc:Fallback xmlns="">
+    <mc:Fallback>
       <p:transition spd="slow"/>
     </mc:Fallback>
   </mc:AlternateContent>
@@ -10004,11 +9935,11 @@
   <p:clrMapOvr>
     <a:masterClrMapping/>
   </p:clrMapOvr>
-  <mc:AlternateContent xmlns:mc="http://schemas.openxmlformats.org/markup-compatibility/2006" xmlns:p14="http://schemas.microsoft.com/office/powerpoint/2010/main">
-    <mc:Choice Requires="p14">
+  <mc:AlternateContent xmlns:mc="http://schemas.openxmlformats.org/markup-compatibility/2006">
+    <mc:Choice xmlns:p14="http://schemas.microsoft.com/office/powerpoint/2010/main" Requires="p14">
       <p:transition spd="slow" p14:dur="2000"/>
     </mc:Choice>
-    <mc:Fallback xmlns="">
+    <mc:Fallback>
       <p:transition spd="slow"/>
     </mc:Fallback>
   </mc:AlternateContent>
@@ -10278,11 +10209,11 @@
   <p:clrMapOvr>
     <a:masterClrMapping/>
   </p:clrMapOvr>
-  <mc:AlternateContent xmlns:mc="http://schemas.openxmlformats.org/markup-compatibility/2006" xmlns:p14="http://schemas.microsoft.com/office/powerpoint/2010/main">
-    <mc:Choice Requires="p14">
+  <mc:AlternateContent xmlns:mc="http://schemas.openxmlformats.org/markup-compatibility/2006">
+    <mc:Choice xmlns:p14="http://schemas.microsoft.com/office/powerpoint/2010/main" Requires="p14">
       <p:transition spd="slow" p14:dur="2000"/>
     </mc:Choice>
-    <mc:Fallback xmlns="">
+    <mc:Fallback>
       <p:transition spd="slow"/>
     </mc:Fallback>
   </mc:AlternateContent>
@@ -10397,11 +10328,11 @@
   <p:clrMapOvr>
     <a:masterClrMapping/>
   </p:clrMapOvr>
-  <mc:AlternateContent xmlns:mc="http://schemas.openxmlformats.org/markup-compatibility/2006" xmlns:p14="http://schemas.microsoft.com/office/powerpoint/2010/main">
-    <mc:Choice Requires="p14">
+  <mc:AlternateContent xmlns:mc="http://schemas.openxmlformats.org/markup-compatibility/2006">
+    <mc:Choice xmlns:p14="http://schemas.microsoft.com/office/powerpoint/2010/main" Requires="p14">
       <p:transition spd="slow" p14:dur="2000"/>
     </mc:Choice>
-    <mc:Fallback xmlns="">
+    <mc:Fallback>
       <p:transition spd="slow"/>
     </mc:Fallback>
   </mc:AlternateContent>
@@ -10782,11 +10713,11 @@
   <p:clrMapOvr>
     <a:masterClrMapping/>
   </p:clrMapOvr>
-  <mc:AlternateContent xmlns:mc="http://schemas.openxmlformats.org/markup-compatibility/2006" xmlns:p14="http://schemas.microsoft.com/office/powerpoint/2010/main">
-    <mc:Choice Requires="p14">
+  <mc:AlternateContent xmlns:mc="http://schemas.openxmlformats.org/markup-compatibility/2006">
+    <mc:Choice xmlns:p14="http://schemas.microsoft.com/office/powerpoint/2010/main" Requires="p14">
       <p:transition spd="slow" p14:dur="2000"/>
     </mc:Choice>
-    <mc:Fallback xmlns="">
+    <mc:Fallback>
       <p:transition spd="slow"/>
     </mc:Fallback>
   </mc:AlternateContent>
@@ -10891,7 +10822,15 @@
             <a:pPr algn="just"/>
             <a:r>
               <a:rPr lang="fr-FR" sz="2400" dirty="0" smtClean="0"/>
-              <a:t>Arbre optimisé pour un coût minimal</a:t>
+              <a:t>Arbre optimisé pour un </a:t>
+            </a:r>
+            <a:r>
+              <a:rPr lang="fr-FR" sz="2400" dirty="0" smtClean="0"/>
+              <a:t>coût </a:t>
+            </a:r>
+            <a:r>
+              <a:rPr lang="fr-FR" sz="2400" dirty="0" smtClean="0"/>
+              <a:t>minimal</a:t>
             </a:r>
             <a:endParaRPr lang="fr-FR" sz="2400" dirty="0"/>
           </a:p>
@@ -11013,13 +10952,13 @@
   <p:clrMapOvr>
     <a:masterClrMapping/>
   </p:clrMapOvr>
-  <mc:AlternateContent xmlns:mc="http://schemas.openxmlformats.org/markup-compatibility/2006" xmlns:p14="http://schemas.microsoft.com/office/powerpoint/2010/main">
-    <mc:Choice Requires="p14">
+  <mc:AlternateContent xmlns:mc="http://schemas.openxmlformats.org/markup-compatibility/2006">
+    <mc:Choice xmlns:p14="http://schemas.microsoft.com/office/powerpoint/2010/main" Requires="p14">
       <p:transition spd="med" p14:dur="700">
         <p:fade/>
       </p:transition>
     </mc:Choice>
-    <mc:Fallback xmlns="">
+    <mc:Fallback>
       <p:transition spd="med">
         <p:fade/>
       </p:transition>
@@ -11478,11 +11417,11 @@
   <p:clrMapOvr>
     <a:masterClrMapping/>
   </p:clrMapOvr>
-  <mc:AlternateContent xmlns:mc="http://schemas.openxmlformats.org/markup-compatibility/2006" xmlns:p14="http://schemas.microsoft.com/office/powerpoint/2010/main">
-    <mc:Choice Requires="p14">
+  <mc:AlternateContent xmlns:mc="http://schemas.openxmlformats.org/markup-compatibility/2006">
+    <mc:Choice xmlns:p14="http://schemas.microsoft.com/office/powerpoint/2010/main" Requires="p14">
       <p:transition spd="slow" p14:dur="2000"/>
     </mc:Choice>
-    <mc:Fallback xmlns="">
+    <mc:Fallback>
       <p:transition spd="slow"/>
     </mc:Fallback>
   </mc:AlternateContent>
@@ -11617,11 +11556,11 @@
   <p:clrMapOvr>
     <a:masterClrMapping/>
   </p:clrMapOvr>
-  <mc:AlternateContent xmlns:mc="http://schemas.openxmlformats.org/markup-compatibility/2006" xmlns:p14="http://schemas.microsoft.com/office/powerpoint/2010/main">
-    <mc:Choice Requires="p14">
+  <mc:AlternateContent xmlns:mc="http://schemas.openxmlformats.org/markup-compatibility/2006">
+    <mc:Choice xmlns:p14="http://schemas.microsoft.com/office/powerpoint/2010/main" Requires="p14">
       <p:transition spd="slow" p14:dur="2000"/>
     </mc:Choice>
-    <mc:Fallback xmlns="">
+    <mc:Fallback>
       <p:transition spd="slow"/>
     </mc:Fallback>
   </mc:AlternateContent>
@@ -11736,11 +11675,11 @@
   <p:clrMapOvr>
     <a:masterClrMapping/>
   </p:clrMapOvr>
-  <mc:AlternateContent xmlns:mc="http://schemas.openxmlformats.org/markup-compatibility/2006" xmlns:p14="http://schemas.microsoft.com/office/powerpoint/2010/main">
-    <mc:Choice Requires="p14">
+  <mc:AlternateContent xmlns:mc="http://schemas.openxmlformats.org/markup-compatibility/2006">
+    <mc:Choice xmlns:p14="http://schemas.microsoft.com/office/powerpoint/2010/main" Requires="p14">
       <p:transition spd="slow" p14:dur="2000"/>
     </mc:Choice>
-    <mc:Fallback xmlns="">
+    <mc:Fallback>
       <p:transition spd="slow"/>
     </mc:Fallback>
   </mc:AlternateContent>
@@ -12358,11 +12297,11 @@
   <p:clrMapOvr>
     <a:masterClrMapping/>
   </p:clrMapOvr>
-  <mc:AlternateContent xmlns:mc="http://schemas.openxmlformats.org/markup-compatibility/2006" xmlns:p14="http://schemas.microsoft.com/office/powerpoint/2010/main">
-    <mc:Choice Requires="p14">
+  <mc:AlternateContent xmlns:mc="http://schemas.openxmlformats.org/markup-compatibility/2006">
+    <mc:Choice xmlns:p14="http://schemas.microsoft.com/office/powerpoint/2010/main" Requires="p14">
       <p:transition spd="slow" p14:dur="2000"/>
     </mc:Choice>
-    <mc:Fallback xmlns="">
+    <mc:Fallback>
       <p:transition spd="slow"/>
     </mc:Fallback>
   </mc:AlternateContent>
@@ -12929,11 +12868,11 @@
   <p:clrMapOvr>
     <a:masterClrMapping/>
   </p:clrMapOvr>
-  <mc:AlternateContent xmlns:mc="http://schemas.openxmlformats.org/markup-compatibility/2006" xmlns:p14="http://schemas.microsoft.com/office/powerpoint/2010/main">
-    <mc:Choice Requires="p14">
+  <mc:AlternateContent xmlns:mc="http://schemas.openxmlformats.org/markup-compatibility/2006">
+    <mc:Choice xmlns:p14="http://schemas.microsoft.com/office/powerpoint/2010/main" Requires="p14">
       <p:transition spd="slow" p14:dur="2000"/>
     </mc:Choice>
-    <mc:Fallback xmlns="">
+    <mc:Fallback>
       <p:transition spd="slow"/>
     </mc:Fallback>
   </mc:AlternateContent>
@@ -13209,11 +13148,11 @@
   <p:clrMapOvr>
     <a:masterClrMapping/>
   </p:clrMapOvr>
-  <mc:AlternateContent xmlns:mc="http://schemas.openxmlformats.org/markup-compatibility/2006" xmlns:p14="http://schemas.microsoft.com/office/powerpoint/2010/main">
-    <mc:Choice Requires="p14">
+  <mc:AlternateContent xmlns:mc="http://schemas.openxmlformats.org/markup-compatibility/2006">
+    <mc:Choice xmlns:p14="http://schemas.microsoft.com/office/powerpoint/2010/main" Requires="p14">
       <p:transition spd="slow" p14:dur="2000"/>
     </mc:Choice>
-    <mc:Fallback xmlns="">
+    <mc:Fallback>
       <p:transition spd="slow"/>
     </mc:Fallback>
   </mc:AlternateContent>
@@ -13382,11 +13321,11 @@
   <p:clrMapOvr>
     <a:masterClrMapping/>
   </p:clrMapOvr>
-  <mc:AlternateContent xmlns:mc="http://schemas.openxmlformats.org/markup-compatibility/2006" xmlns:p14="http://schemas.microsoft.com/office/powerpoint/2010/main">
-    <mc:Choice Requires="p14">
+  <mc:AlternateContent xmlns:mc="http://schemas.openxmlformats.org/markup-compatibility/2006">
+    <mc:Choice xmlns:p14="http://schemas.microsoft.com/office/powerpoint/2010/main" Requires="p14">
       <p:transition spd="slow" p14:dur="2000"/>
     </mc:Choice>
-    <mc:Fallback xmlns="">
+    <mc:Fallback>
       <p:transition spd="slow"/>
     </mc:Fallback>
   </mc:AlternateContent>
@@ -13629,11 +13568,11 @@
   <p:clrMapOvr>
     <a:masterClrMapping/>
   </p:clrMapOvr>
-  <mc:AlternateContent xmlns:mc="http://schemas.openxmlformats.org/markup-compatibility/2006" xmlns:p14="http://schemas.microsoft.com/office/powerpoint/2010/main">
-    <mc:Choice Requires="p14">
+  <mc:AlternateContent xmlns:mc="http://schemas.openxmlformats.org/markup-compatibility/2006">
+    <mc:Choice xmlns:p14="http://schemas.microsoft.com/office/powerpoint/2010/main" Requires="p14">
       <p:transition spd="slow" p14:dur="2000"/>
     </mc:Choice>
-    <mc:Fallback xmlns="">
+    <mc:Fallback>
       <p:transition spd="slow"/>
     </mc:Fallback>
   </mc:AlternateContent>
@@ -13836,11 +13775,11 @@
   <p:clrMapOvr>
     <a:masterClrMapping/>
   </p:clrMapOvr>
-  <mc:AlternateContent xmlns:mc="http://schemas.openxmlformats.org/markup-compatibility/2006" xmlns:p14="http://schemas.microsoft.com/office/powerpoint/2010/main">
-    <mc:Choice Requires="p14">
+  <mc:AlternateContent xmlns:mc="http://schemas.openxmlformats.org/markup-compatibility/2006">
+    <mc:Choice xmlns:p14="http://schemas.microsoft.com/office/powerpoint/2010/main" Requires="p14">
       <p:transition spd="slow" p14:dur="2000"/>
     </mc:Choice>
-    <mc:Fallback xmlns="">
+    <mc:Fallback>
       <p:transition spd="slow"/>
     </mc:Fallback>
   </mc:AlternateContent>
@@ -14016,11 +13955,11 @@
   <p:clrMapOvr>
     <a:masterClrMapping/>
   </p:clrMapOvr>
-  <mc:AlternateContent xmlns:mc="http://schemas.openxmlformats.org/markup-compatibility/2006" xmlns:p14="http://schemas.microsoft.com/office/powerpoint/2010/main">
-    <mc:Choice Requires="p14">
+  <mc:AlternateContent xmlns:mc="http://schemas.openxmlformats.org/markup-compatibility/2006">
+    <mc:Choice xmlns:p14="http://schemas.microsoft.com/office/powerpoint/2010/main" Requires="p14">
       <p:transition spd="slow" p14:dur="2000"/>
     </mc:Choice>
-    <mc:Fallback xmlns="">
+    <mc:Fallback>
       <p:transition spd="slow"/>
     </mc:Fallback>
   </mc:AlternateContent>
@@ -14869,11 +14808,11 @@
   <p:clrMapOvr>
     <a:masterClrMapping/>
   </p:clrMapOvr>
-  <mc:AlternateContent xmlns:mc="http://schemas.openxmlformats.org/markup-compatibility/2006" xmlns:p14="http://schemas.microsoft.com/office/powerpoint/2010/main">
-    <mc:Choice Requires="p14">
+  <mc:AlternateContent xmlns:mc="http://schemas.openxmlformats.org/markup-compatibility/2006">
+    <mc:Choice xmlns:p14="http://schemas.microsoft.com/office/powerpoint/2010/main" Requires="p14">
       <p:transition spd="slow" p14:dur="2000"/>
     </mc:Choice>
-    <mc:Fallback xmlns="">
+    <mc:Fallback>
       <p:transition spd="slow"/>
     </mc:Fallback>
   </mc:AlternateContent>
@@ -15491,7 +15430,19 @@
               <a:rPr lang="fr-FR" dirty="0" smtClean="0">
                 <a:sym typeface="Wingdings" panose="05000000000000000000" pitchFamily="2" charset="2"/>
               </a:rPr>
-              <a:t>Le concept a évolué en arbres d’attaque et de défense (</a:t>
+              <a:t>Le concept a évolué en arbres d’attaque et de </a:t>
+            </a:r>
+            <a:r>
+              <a:rPr lang="fr-FR" dirty="0" smtClean="0">
+                <a:sym typeface="Wingdings" panose="05000000000000000000" pitchFamily="2" charset="2"/>
+              </a:rPr>
+              <a:t>défense </a:t>
+            </a:r>
+            <a:r>
+              <a:rPr lang="fr-FR" dirty="0" smtClean="0">
+                <a:sym typeface="Wingdings" panose="05000000000000000000" pitchFamily="2" charset="2"/>
+              </a:rPr>
+              <a:t>(</a:t>
             </a:r>
             <a:r>
               <a:rPr lang="fr-FR" dirty="0" err="1" smtClean="0">
@@ -15505,6 +15456,9 @@
               </a:rPr>
               <a:t>)</a:t>
             </a:r>
+            <a:endParaRPr lang="fr-FR" dirty="0" smtClean="0">
+              <a:sym typeface="Wingdings" panose="05000000000000000000" pitchFamily="2" charset="2"/>
+            </a:endParaRPr>
           </a:p>
         </p:txBody>
       </p:sp>
@@ -16683,11 +16637,11 @@
   <p:clrMapOvr>
     <a:masterClrMapping/>
   </p:clrMapOvr>
-  <mc:AlternateContent xmlns:mc="http://schemas.openxmlformats.org/markup-compatibility/2006" xmlns:p14="http://schemas.microsoft.com/office/powerpoint/2010/main">
-    <mc:Choice Requires="p14">
+  <mc:AlternateContent xmlns:mc="http://schemas.openxmlformats.org/markup-compatibility/2006">
+    <mc:Choice xmlns:p14="http://schemas.microsoft.com/office/powerpoint/2010/main" Requires="p14">
       <p:transition spd="slow" p14:dur="2000"/>
     </mc:Choice>
-    <mc:Fallback xmlns="">
+    <mc:Fallback>
       <p:transition spd="slow"/>
     </mc:Fallback>
   </mc:AlternateContent>
@@ -16802,11 +16756,11 @@
   <p:clrMapOvr>
     <a:masterClrMapping/>
   </p:clrMapOvr>
-  <mc:AlternateContent xmlns:mc="http://schemas.openxmlformats.org/markup-compatibility/2006" xmlns:p14="http://schemas.microsoft.com/office/powerpoint/2010/main">
-    <mc:Choice Requires="p14">
+  <mc:AlternateContent xmlns:mc="http://schemas.openxmlformats.org/markup-compatibility/2006">
+    <mc:Choice xmlns:p14="http://schemas.microsoft.com/office/powerpoint/2010/main" Requires="p14">
       <p:transition spd="slow" p14:dur="2000"/>
     </mc:Choice>
-    <mc:Fallback xmlns="">
+    <mc:Fallback>
       <p:transition spd="slow"/>
     </mc:Fallback>
   </mc:AlternateContent>
@@ -16953,11 +16907,11 @@
   <p:clrMapOvr>
     <a:masterClrMapping/>
   </p:clrMapOvr>
-  <mc:AlternateContent xmlns:mc="http://schemas.openxmlformats.org/markup-compatibility/2006" xmlns:p14="http://schemas.microsoft.com/office/powerpoint/2010/main">
-    <mc:Choice Requires="p14">
+  <mc:AlternateContent xmlns:mc="http://schemas.openxmlformats.org/markup-compatibility/2006">
+    <mc:Choice xmlns:p14="http://schemas.microsoft.com/office/powerpoint/2010/main" Requires="p14">
       <p:transition spd="slow" p14:dur="2000"/>
     </mc:Choice>
-    <mc:Fallback xmlns="">
+    <mc:Fallback>
       <p:transition spd="slow"/>
     </mc:Fallback>
   </mc:AlternateContent>
@@ -17072,11 +17026,11 @@
   <p:clrMapOvr>
     <a:masterClrMapping/>
   </p:clrMapOvr>
-  <mc:AlternateContent xmlns:mc="http://schemas.openxmlformats.org/markup-compatibility/2006" xmlns:p14="http://schemas.microsoft.com/office/powerpoint/2010/main">
-    <mc:Choice Requires="p14">
+  <mc:AlternateContent xmlns:mc="http://schemas.openxmlformats.org/markup-compatibility/2006">
+    <mc:Choice xmlns:p14="http://schemas.microsoft.com/office/powerpoint/2010/main" Requires="p14">
       <p:transition spd="slow" p14:dur="2000"/>
     </mc:Choice>
-    <mc:Fallback xmlns="">
+    <mc:Fallback>
       <p:transition spd="slow"/>
     </mc:Fallback>
   </mc:AlternateContent>
